--- a/thesis/Defense.pptx
+++ b/thesis/Defense.pptx
@@ -5,10 +5,10 @@
     <p:sldMasterId id="2147483768" r:id="rId1"/>
   </p:sldMasterIdLst>
   <p:notesMasterIdLst>
-    <p:notesMasterId r:id="rId25"/>
+    <p:notesMasterId r:id="rId32"/>
   </p:notesMasterIdLst>
   <p:handoutMasterIdLst>
-    <p:handoutMasterId r:id="rId26"/>
+    <p:handoutMasterId r:id="rId33"/>
   </p:handoutMasterIdLst>
   <p:sldIdLst>
     <p:sldId id="256" r:id="rId2"/>
@@ -22,18 +22,25 @@
     <p:sldId id="333" r:id="rId10"/>
     <p:sldId id="325" r:id="rId11"/>
     <p:sldId id="350" r:id="rId12"/>
-    <p:sldId id="356" r:id="rId13"/>
-    <p:sldId id="351" r:id="rId14"/>
-    <p:sldId id="352" r:id="rId15"/>
-    <p:sldId id="357" r:id="rId16"/>
-    <p:sldId id="358" r:id="rId17"/>
-    <p:sldId id="353" r:id="rId18"/>
-    <p:sldId id="354" r:id="rId19"/>
-    <p:sldId id="326" r:id="rId20"/>
-    <p:sldId id="329" r:id="rId21"/>
-    <p:sldId id="340" r:id="rId22"/>
-    <p:sldId id="355" r:id="rId23"/>
-    <p:sldId id="335" r:id="rId24"/>
+    <p:sldId id="359" r:id="rId13"/>
+    <p:sldId id="360" r:id="rId14"/>
+    <p:sldId id="361" r:id="rId15"/>
+    <p:sldId id="362" r:id="rId16"/>
+    <p:sldId id="363" r:id="rId17"/>
+    <p:sldId id="364" r:id="rId18"/>
+    <p:sldId id="365" r:id="rId19"/>
+    <p:sldId id="356" r:id="rId20"/>
+    <p:sldId id="351" r:id="rId21"/>
+    <p:sldId id="352" r:id="rId22"/>
+    <p:sldId id="357" r:id="rId23"/>
+    <p:sldId id="358" r:id="rId24"/>
+    <p:sldId id="353" r:id="rId25"/>
+    <p:sldId id="354" r:id="rId26"/>
+    <p:sldId id="326" r:id="rId27"/>
+    <p:sldId id="329" r:id="rId28"/>
+    <p:sldId id="340" r:id="rId29"/>
+    <p:sldId id="355" r:id="rId30"/>
+    <p:sldId id="335" r:id="rId31"/>
   </p:sldIdLst>
   <p:sldSz cx="9144000" cy="6858000" type="screen4x3"/>
   <p:notesSz cx="9296400" cy="7010400"/>
@@ -258,7 +265,7 @@
             <a:fld id="{7F91353E-BDA9-45C4-AD4E-FEB1A13FAB1F}" type="datetimeFigureOut">
               <a:rPr lang="en-US" smtClean="0"/>
               <a:pPr/>
-              <a:t>2015-10-07</a:t>
+              <a:t>2015-10-08</a:t>
             </a:fld>
             <a:endParaRPr lang="en-US"/>
           </a:p>
@@ -425,7 +432,7 @@
             <a:fld id="{E2D304CF-B90C-4578-BBFF-02959EEECEA3}" type="datetimeFigureOut">
               <a:rPr lang="en-US" smtClean="0"/>
               <a:pPr/>
-              <a:t>2015-10-07</a:t>
+              <a:t>2015-10-08</a:t>
             </a:fld>
             <a:endParaRPr lang="en-US"/>
           </a:p>
@@ -905,7 +912,7 @@
             <a:fld id="{BF235529-9E21-485D-85D0-B510246CE809}" type="slidenum">
               <a:rPr lang="en-US" smtClean="0"/>
               <a:pPr/>
-              <a:t>15</a:t>
+              <a:t>22</a:t>
             </a:fld>
             <a:endParaRPr lang="en-US"/>
           </a:p>
@@ -994,7 +1001,7 @@
             <a:fld id="{BF235529-9E21-485D-85D0-B510246CE809}" type="slidenum">
               <a:rPr lang="en-US" smtClean="0"/>
               <a:pPr/>
-              <a:t>16</a:t>
+              <a:t>23</a:t>
             </a:fld>
             <a:endParaRPr lang="en-US"/>
           </a:p>
@@ -1079,7 +1086,7 @@
             <a:fld id="{BF235529-9E21-485D-85D0-B510246CE809}" type="slidenum">
               <a:rPr lang="en-US" smtClean="0"/>
               <a:pPr/>
-              <a:t>17</a:t>
+              <a:t>24</a:t>
             </a:fld>
             <a:endParaRPr lang="en-US"/>
           </a:p>
@@ -1189,7 +1196,7 @@
             <a:fld id="{BF235529-9E21-485D-85D0-B510246CE809}" type="slidenum">
               <a:rPr lang="en-US" smtClean="0"/>
               <a:pPr/>
-              <a:t>19</a:t>
+              <a:t>26</a:t>
             </a:fld>
             <a:endParaRPr lang="en-US"/>
           </a:p>
@@ -2381,8 +2388,12 @@
               <a:t>Model same application with RTC and </a:t>
             </a:r>
             <a:r>
-              <a:rPr lang="en-US" dirty="0" err="1" smtClean="0"/>
-              <a:t>MAReN</a:t>
+              <a:rPr lang="en-US" dirty="0" smtClean="0"/>
+              <a:t>PNP</a:t>
+            </a:r>
+            <a:r>
+              <a:rPr lang="en-US" baseline="30000" dirty="0" smtClean="0"/>
+              <a:t>2</a:t>
             </a:r>
             <a:endParaRPr lang="en-US" dirty="0" smtClean="0"/>
           </a:p>
@@ -2406,7 +2417,7 @@
             <a:fld id="{BF235529-9E21-485D-85D0-B510246CE809}" type="slidenum">
               <a:rPr lang="en-US" smtClean="0"/>
               <a:pPr/>
-              <a:t>13</a:t>
+              <a:t>20</a:t>
             </a:fld>
             <a:endParaRPr lang="en-US"/>
           </a:p>
@@ -2495,7 +2506,7 @@
             <a:fld id="{BF235529-9E21-485D-85D0-B510246CE809}" type="slidenum">
               <a:rPr lang="en-US" smtClean="0"/>
               <a:pPr/>
-              <a:t>14</a:t>
+              <a:t>21</a:t>
             </a:fld>
             <a:endParaRPr lang="en-US"/>
           </a:p>
@@ -2719,7 +2730,7 @@
           <a:p>
             <a:fld id="{5BC7B0AD-2104-4A86-BFF9-C3C5598F212A}" type="datetime1">
               <a:rPr lang="en-US" smtClean="0"/>
-              <a:t>2015-10-07</a:t>
+              <a:t>2015-10-08</a:t>
             </a:fld>
             <a:endParaRPr lang="en-US" dirty="0"/>
           </a:p>
@@ -2910,7 +2921,7 @@
           <a:p>
             <a:fld id="{C58EB81D-81B2-409A-9FD8-37836968236D}" type="datetime1">
               <a:rPr lang="en-US" smtClean="0"/>
-              <a:t>2015-10-07</a:t>
+              <a:t>2015-10-08</a:t>
             </a:fld>
             <a:endParaRPr lang="en-US" dirty="0"/>
           </a:p>
@@ -3088,7 +3099,7 @@
           <a:p>
             <a:fld id="{CCF6DE91-9147-484C-9763-17ED81D40E70}" type="datetime1">
               <a:rPr lang="en-US" smtClean="0"/>
-              <a:t>2015-10-07</a:t>
+              <a:t>2015-10-08</a:t>
             </a:fld>
             <a:endParaRPr lang="en-US" dirty="0"/>
           </a:p>
@@ -3256,7 +3267,7 @@
           <a:p>
             <a:fld id="{DD32A5CF-4774-4998-B686-F6B05CA0196C}" type="datetime1">
               <a:rPr lang="en-US" smtClean="0"/>
-              <a:t>2015-10-07</a:t>
+              <a:t>2015-10-08</a:t>
             </a:fld>
             <a:endParaRPr lang="en-US" dirty="0"/>
           </a:p>
@@ -3509,7 +3520,7 @@
           <a:p>
             <a:fld id="{516038B3-3447-4A80-8F30-B3F76E04B189}" type="datetime1">
               <a:rPr lang="en-US" smtClean="0"/>
-              <a:t>2015-10-07</a:t>
+              <a:t>2015-10-08</a:t>
             </a:fld>
             <a:endParaRPr lang="en-US" dirty="0"/>
           </a:p>
@@ -3832,7 +3843,7 @@
           <a:p>
             <a:fld id="{44CDC419-EE05-420B-B0DE-04B8210C930B}" type="datetime1">
               <a:rPr lang="en-US" smtClean="0"/>
-              <a:t>2015-10-07</a:t>
+              <a:t>2015-10-08</a:t>
             </a:fld>
             <a:endParaRPr lang="en-US" dirty="0"/>
           </a:p>
@@ -4249,7 +4260,7 @@
           <a:p>
             <a:fld id="{D00BF87C-A2FE-4FD4-8CBC-4F4B975BA423}" type="datetime1">
               <a:rPr lang="en-US" smtClean="0"/>
-              <a:t>2015-10-07</a:t>
+              <a:t>2015-10-08</a:t>
             </a:fld>
             <a:endParaRPr lang="en-US" dirty="0"/>
           </a:p>
@@ -4366,7 +4377,7 @@
           <a:p>
             <a:fld id="{E1C97AF0-BC50-4985-8EF9-A56A3C47C64C}" type="datetime1">
               <a:rPr lang="en-US" smtClean="0"/>
-              <a:t>2015-10-07</a:t>
+              <a:t>2015-10-08</a:t>
             </a:fld>
             <a:endParaRPr lang="en-US" dirty="0"/>
           </a:p>
@@ -4461,7 +4472,7 @@
           <a:p>
             <a:fld id="{4B3F2739-40F2-4A2A-A803-E1F83BD4BB05}" type="datetime1">
               <a:rPr lang="en-US" smtClean="0"/>
-              <a:t>2015-10-07</a:t>
+              <a:t>2015-10-08</a:t>
             </a:fld>
             <a:endParaRPr lang="en-US" dirty="0"/>
           </a:p>
@@ -4746,7 +4757,7 @@
           <a:p>
             <a:fld id="{FF455B18-E641-4003-B1A5-D1258C309CD7}" type="datetime1">
               <a:rPr lang="en-US" smtClean="0"/>
-              <a:t>2015-10-07</a:t>
+              <a:t>2015-10-08</a:t>
             </a:fld>
             <a:endParaRPr lang="en-US" dirty="0"/>
           </a:p>
@@ -5066,7 +5077,7 @@
           <a:p>
             <a:fld id="{00B9606E-1BEE-4AFD-9E6F-3B7CC4F27B97}" type="datetime1">
               <a:rPr lang="en-US" smtClean="0"/>
-              <a:t>2015-10-07</a:t>
+              <a:t>2015-10-08</a:t>
             </a:fld>
             <a:endParaRPr lang="en-US" dirty="0"/>
           </a:p>
@@ -5318,7 +5329,7 @@
           <a:p>
             <a:fld id="{7F091057-BD68-41C8-B120-56328C88DB0A}" type="datetime1">
               <a:rPr lang="en-US" smtClean="0"/>
-              <a:t>2015-10-07</a:t>
+              <a:t>2015-10-08</a:t>
             </a:fld>
             <a:endParaRPr lang="en-US" dirty="0"/>
           </a:p>
@@ -5986,63 +5997,11 @@
             </a:r>
             <a:r>
               <a:rPr lang="en-US" b="1" i="1" dirty="0" smtClean="0"/>
-              <a:t>M</a:t>
+              <a:t>P</a:t>
             </a:r>
             <a:r>
               <a:rPr lang="en-US" i="1" dirty="0" smtClean="0"/>
-              <a:t>odeling</a:t>
-            </a:r>
-            <a:r>
-              <a:rPr lang="en-US" i="1" dirty="0"/>
-              <a:t> </a:t>
-            </a:r>
-            <a:r>
-              <a:rPr lang="en-US" i="1" dirty="0" smtClean="0"/>
-              <a:t>and</a:t>
-            </a:r>
-            <a:r>
-              <a:rPr lang="en-US" i="1" dirty="0"/>
-              <a:t> </a:t>
-            </a:r>
-            <a:r>
-              <a:rPr lang="en-US" b="1" i="1" dirty="0" smtClean="0"/>
-              <a:t>A</a:t>
-            </a:r>
-            <a:r>
-              <a:rPr lang="en-US" i="1" dirty="0" smtClean="0"/>
-              <a:t>nalysis</a:t>
-            </a:r>
-            <a:r>
-              <a:rPr lang="en-US" i="1" dirty="0"/>
-              <a:t> </a:t>
-            </a:r>
-            <a:r>
-              <a:rPr lang="en-US" i="1" dirty="0" smtClean="0"/>
-              <a:t>of</a:t>
-            </a:r>
-            <a:r>
-              <a:rPr lang="en-US" i="1" dirty="0"/>
-              <a:t> </a:t>
-            </a:r>
-            <a:r>
-              <a:rPr lang="en-US" b="1" i="1" dirty="0" smtClean="0"/>
-              <a:t>Re</a:t>
-            </a:r>
-            <a:r>
-              <a:rPr lang="en-US" i="1" dirty="0" smtClean="0"/>
-              <a:t>sources</a:t>
-            </a:r>
-            <a:r>
-              <a:rPr lang="en-US" i="1" dirty="0"/>
-              <a:t> </a:t>
-            </a:r>
-            <a:r>
-              <a:rPr lang="en-US" i="1" dirty="0" smtClean="0"/>
-              <a:t>for</a:t>
-            </a:r>
-            <a:r>
-              <a:rPr lang="en-US" i="1" dirty="0"/>
-              <a:t> </a:t>
+              <a:t>recise </a:t>
             </a:r>
             <a:r>
               <a:rPr lang="en-US" b="1" i="1" dirty="0" smtClean="0"/>
@@ -6050,24 +6009,41 @@
             </a:r>
             <a:r>
               <a:rPr lang="en-US" i="1" dirty="0" smtClean="0"/>
-              <a:t>etworks</a:t>
-            </a:r>
-            <a:r>
-              <a:rPr lang="en-US" dirty="0"/>
-              <a:t> </a:t>
+              <a:t>etwork </a:t>
+            </a:r>
+            <a:r>
+              <a:rPr lang="en-US" b="1" i="1" dirty="0" smtClean="0"/>
+              <a:t>P</a:t>
+            </a:r>
+            <a:r>
+              <a:rPr lang="en-US" i="1" dirty="0" smtClean="0"/>
+              <a:t>erformance </a:t>
+            </a:r>
+            <a:r>
+              <a:rPr lang="en-US" b="1" i="1" dirty="0" smtClean="0"/>
+              <a:t>P</a:t>
+            </a:r>
+            <a:r>
+              <a:rPr lang="en-US" i="1" dirty="0" smtClean="0"/>
+              <a:t>rediction </a:t>
             </a:r>
             <a:r>
               <a:rPr lang="en-US" dirty="0" smtClean="0"/>
               <a:t>(</a:t>
             </a:r>
             <a:r>
-              <a:rPr lang="en-US" b="1" dirty="0" err="1" smtClean="0"/>
-              <a:t>MAReN</a:t>
+              <a:rPr lang="en-US" b="1" dirty="0" smtClean="0"/>
+              <a:t>PNP</a:t>
+            </a:r>
+            <a:r>
+              <a:rPr lang="en-US" b="1" baseline="30000" dirty="0" smtClean="0"/>
+              <a:t>2</a:t>
             </a:r>
             <a:r>
               <a:rPr lang="en-US" b="1" dirty="0" smtClean="0"/>
               <a:t>)</a:t>
             </a:r>
+            <a:endParaRPr lang="en-US" b="1" dirty="0" smtClean="0"/>
           </a:p>
           <a:p>
             <a:r>
@@ -6495,23 +6471,1816 @@
         </p:nvSpPr>
         <p:spPr/>
         <p:txBody>
+          <a:bodyPr>
+            <a:normAutofit/>
+          </a:bodyPr>
+          <a:lstStyle/>
+          <a:p>
+            <a:r>
+              <a:rPr lang="en-US" dirty="0" smtClean="0"/>
+              <a:t>PNP</a:t>
+            </a:r>
+            <a:r>
+              <a:rPr lang="en-US" baseline="30000" dirty="0" smtClean="0"/>
+              <a:t>2</a:t>
+            </a:r>
+            <a:r>
+              <a:rPr lang="en-US" dirty="0" smtClean="0"/>
+              <a:t> Accuracy and Comparison with NC</a:t>
+            </a:r>
+            <a:endParaRPr lang="en-US" dirty="0"/>
+          </a:p>
+        </p:txBody>
+      </p:sp>
+      <p:sp>
+        <p:nvSpPr>
+          <p:cNvPr id="3" name="Content Placeholder 2"/>
+          <p:cNvSpPr>
+            <a:spLocks noGrp="1"/>
+          </p:cNvSpPr>
+          <p:nvPr>
+            <p:ph idx="1"/>
+          </p:nvPr>
+        </p:nvSpPr>
+        <p:spPr/>
+        <p:txBody>
+          <a:bodyPr>
+            <a:normAutofit lnSpcReduction="10000"/>
+          </a:bodyPr>
+          <a:lstStyle/>
+          <a:p>
+            <a:r>
+              <a:rPr lang="en-US" dirty="0" smtClean="0"/>
+              <a:t>Validated the accuracy of PNP</a:t>
+            </a:r>
+            <a:r>
+              <a:rPr lang="en-US" baseline="30000" dirty="0" smtClean="0"/>
+              <a:t>2</a:t>
+            </a:r>
+            <a:r>
+              <a:rPr lang="en-US" dirty="0" smtClean="0"/>
+              <a:t> predictions using custom network traffic generation code and a network testbed</a:t>
+            </a:r>
+          </a:p>
+          <a:p>
+            <a:pPr lvl="1"/>
+            <a:r>
+              <a:rPr lang="en-US" dirty="0" smtClean="0"/>
+              <a:t>Used </a:t>
+            </a:r>
+            <a:r>
+              <a:rPr lang="en-US" dirty="0" err="1" smtClean="0"/>
+              <a:t>Dummynet</a:t>
+            </a:r>
+            <a:r>
+              <a:rPr lang="en-US" dirty="0" smtClean="0"/>
+              <a:t> to perform traffic shaping and link emulation</a:t>
+            </a:r>
+          </a:p>
+          <a:p>
+            <a:r>
+              <a:rPr lang="en-US" dirty="0" smtClean="0"/>
+              <a:t>Integrated Network Calculus model into PNP</a:t>
+            </a:r>
+            <a:r>
+              <a:rPr lang="en-US" baseline="30000" dirty="0" smtClean="0"/>
+              <a:t>2</a:t>
+            </a:r>
+            <a:r>
+              <a:rPr lang="en-US" dirty="0" smtClean="0"/>
+              <a:t> tool, allows analysis of PNP</a:t>
+            </a:r>
+            <a:r>
+              <a:rPr lang="en-US" baseline="30000" dirty="0" smtClean="0"/>
+              <a:t>2</a:t>
+            </a:r>
+            <a:r>
+              <a:rPr lang="en-US" dirty="0" smtClean="0"/>
+              <a:t> model using NC’s semantics</a:t>
+            </a:r>
+          </a:p>
+          <a:p>
+            <a:pPr lvl="1"/>
+            <a:r>
+              <a:rPr lang="en-US" dirty="0" smtClean="0"/>
+              <a:t>Enables direct, easy comparison between analysis techniques</a:t>
+            </a:r>
+          </a:p>
+          <a:p>
+            <a:r>
+              <a:rPr lang="en-US" dirty="0" smtClean="0"/>
+              <a:t>Network Calculus defines arrival curves and service curves as functions of time-window size, therefore it cannot precisely analyze systems where the applications’ data production is tightly coupled with the service capacity of the system</a:t>
+            </a:r>
+          </a:p>
+          <a:p>
+            <a:pPr lvl="1"/>
+            <a:r>
+              <a:rPr lang="en-US" dirty="0" smtClean="0"/>
+              <a:t>i.e. applications know a </a:t>
+            </a:r>
+            <a:r>
+              <a:rPr lang="en-US" dirty="0" err="1" smtClean="0"/>
+              <a:t>prioi</a:t>
+            </a:r>
+            <a:r>
+              <a:rPr lang="en-US" dirty="0" smtClean="0"/>
+              <a:t> when the system will have high network capacity and are designed to send their data at that time</a:t>
+            </a:r>
+          </a:p>
+          <a:p>
+            <a:pPr lvl="1"/>
+            <a:endParaRPr lang="en-US" b="1" dirty="0" smtClean="0"/>
+          </a:p>
+        </p:txBody>
+      </p:sp>
+      <p:sp>
+        <p:nvSpPr>
+          <p:cNvPr id="4" name="Slide Number Placeholder 3"/>
+          <p:cNvSpPr>
+            <a:spLocks noGrp="1"/>
+          </p:cNvSpPr>
+          <p:nvPr>
+            <p:ph type="sldNum" sz="quarter" idx="12"/>
+          </p:nvPr>
+        </p:nvSpPr>
+        <p:spPr/>
+        <p:txBody>
           <a:bodyPr/>
           <a:lstStyle/>
           <a:p>
-            <a:r>
-              <a:rPr lang="en-US" dirty="0" err="1" smtClean="0"/>
-              <a:t>MAReN</a:t>
-            </a:r>
-            <a:r>
-              <a:rPr lang="en-US" dirty="0" smtClean="0"/>
-              <a:t> Network Applications</a:t>
-            </a:r>
-            <a:r>
-              <a:rPr lang="en-US" dirty="0"/>
+            <a:fld id="{4FAB73BC-B049-4115-A692-8D63A059BFB8}" type="slidenum">
+              <a:rPr lang="en-US" smtClean="0"/>
+              <a:t>12</a:t>
+            </a:fld>
+            <a:endParaRPr lang="en-US" dirty="0"/>
+          </a:p>
+        </p:txBody>
+      </p:sp>
+    </p:spTree>
+    <p:extLst>
+      <p:ext uri="{BB962C8B-B14F-4D97-AF65-F5344CB8AC3E}">
+        <p14:creationId xmlns:p14="http://schemas.microsoft.com/office/powerpoint/2010/main" val="330659406"/>
+      </p:ext>
+    </p:extLst>
+  </p:cSld>
+  <p:clrMapOvr>
+    <a:masterClrMapping/>
+  </p:clrMapOvr>
+  <p:timing>
+    <p:tnLst>
+      <p:par>
+        <p:cTn id="1" dur="indefinite" restart="never" nodeType="tmRoot"/>
+      </p:par>
+    </p:tnLst>
+  </p:timing>
+</p:sld>
+</file>
+
+<file path=ppt/slides/slide13.xml><?xml version="1.0" encoding="utf-8"?>
+<p:sld xmlns:a="http://schemas.openxmlformats.org/drawingml/2006/main" xmlns:r="http://schemas.openxmlformats.org/officeDocument/2006/relationships" xmlns:p="http://schemas.openxmlformats.org/presentationml/2006/main">
+  <p:cSld>
+    <p:spTree>
+      <p:nvGrpSpPr>
+        <p:cNvPr id="1" name=""/>
+        <p:cNvGrpSpPr/>
+        <p:nvPr/>
+      </p:nvGrpSpPr>
+      <p:grpSpPr>
+        <a:xfrm>
+          <a:off x="0" y="0"/>
+          <a:ext cx="0" cy="0"/>
+          <a:chOff x="0" y="0"/>
+          <a:chExt cx="0" cy="0"/>
+        </a:xfrm>
+      </p:grpSpPr>
+      <p:sp>
+        <p:nvSpPr>
+          <p:cNvPr id="11" name="Title 10"/>
+          <p:cNvSpPr>
+            <a:spLocks noGrp="1"/>
+          </p:cNvSpPr>
+          <p:nvPr>
+            <p:ph type="title"/>
+          </p:nvPr>
+        </p:nvSpPr>
+        <p:spPr/>
+        <p:txBody>
+          <a:bodyPr/>
+          <a:lstStyle/>
+          <a:p>
+            <a:endParaRPr lang="en-US" dirty="0"/>
+          </a:p>
+        </p:txBody>
+      </p:sp>
+      <p:pic>
+        <p:nvPicPr>
+          <p:cNvPr id="9" name="Picture 8"/>
+          <p:cNvPicPr>
+            <a:picLocks noChangeAspect="1"/>
+          </p:cNvPicPr>
+          <p:nvPr/>
+        </p:nvPicPr>
+        <p:blipFill>
+          <a:blip r:embed="rId2" cstate="print">
+            <a:extLst>
+              <a:ext uri="{28A0092B-C50C-407E-A947-70E740481C1C}">
+                <a14:useLocalDpi xmlns:a14="http://schemas.microsoft.com/office/drawing/2010/main" val="0"/>
+              </a:ext>
+            </a:extLst>
+          </a:blip>
+          <a:stretch>
+            <a:fillRect/>
+          </a:stretch>
+        </p:blipFill>
+        <p:spPr>
+          <a:xfrm>
+            <a:off x="4481188" y="345847"/>
+            <a:ext cx="3367412" cy="2538000"/>
+          </a:xfrm>
+          <a:prstGeom prst="rect">
+            <a:avLst/>
+          </a:prstGeom>
+          <a:solidFill>
+            <a:srgbClr val="FFFFFF">
+              <a:shade val="85000"/>
+            </a:srgbClr>
+          </a:solidFill>
+          <a:ln w="88900" cap="sq">
+            <a:noFill/>
+            <a:miter lim="800000"/>
+          </a:ln>
+          <a:effectLst>
+            <a:outerShdw blurRad="55000" dist="18000" dir="5400000" algn="tl" rotWithShape="0">
+              <a:srgbClr val="000000">
+                <a:alpha val="40000"/>
+              </a:srgbClr>
+            </a:outerShdw>
+          </a:effectLst>
+          <a:scene3d>
+            <a:camera prst="orthographicFront"/>
+            <a:lightRig rig="twoPt" dir="t">
+              <a:rot lat="0" lon="0" rev="7200000"/>
+            </a:lightRig>
+          </a:scene3d>
+          <a:sp3d>
+            <a:bevelT w="25400" h="19050"/>
+            <a:contourClr>
+              <a:srgbClr val="FFFFFF"/>
+            </a:contourClr>
+          </a:sp3d>
+        </p:spPr>
+      </p:pic>
+      <p:sp>
+        <p:nvSpPr>
+          <p:cNvPr id="4" name="Slide Number Placeholder 3"/>
+          <p:cNvSpPr>
+            <a:spLocks noGrp="1"/>
+          </p:cNvSpPr>
+          <p:nvPr>
+            <p:ph type="sldNum" sz="quarter" idx="12"/>
+          </p:nvPr>
+        </p:nvSpPr>
+        <p:spPr/>
+        <p:txBody>
+          <a:bodyPr/>
+          <a:lstStyle/>
+          <a:p>
+            <a:fld id="{4FAB73BC-B049-4115-A692-8D63A059BFB8}" type="slidenum">
+              <a:rPr lang="en-US" smtClean="0"/>
+              <a:t>13</a:t>
+            </a:fld>
+            <a:endParaRPr lang="en-US" dirty="0"/>
+          </a:p>
+        </p:txBody>
+      </p:sp>
+      <p:pic>
+        <p:nvPicPr>
+          <p:cNvPr id="7" name="Content Placeholder 6"/>
+          <p:cNvPicPr>
+            <a:picLocks noGrp="1" noChangeAspect="1"/>
+          </p:cNvPicPr>
+          <p:nvPr>
+            <p:ph idx="1"/>
+          </p:nvPr>
+        </p:nvPicPr>
+        <p:blipFill>
+          <a:blip r:embed="rId3" cstate="print">
+            <a:extLst>
+              <a:ext uri="{28A0092B-C50C-407E-A947-70E740481C1C}">
+                <a14:useLocalDpi xmlns:a14="http://schemas.microsoft.com/office/drawing/2010/main" val="0"/>
+              </a:ext>
+            </a:extLst>
+          </a:blip>
+          <a:stretch>
+            <a:fillRect/>
+          </a:stretch>
+        </p:blipFill>
+        <p:spPr>
+          <a:xfrm>
+            <a:off x="4481188" y="2895600"/>
+            <a:ext cx="3367412" cy="2538000"/>
+          </a:xfrm>
+          <a:prstGeom prst="rect">
+            <a:avLst/>
+          </a:prstGeom>
+          <a:solidFill>
+            <a:srgbClr val="FFFFFF">
+              <a:shade val="85000"/>
+            </a:srgbClr>
+          </a:solidFill>
+          <a:ln w="88900" cap="sq">
+            <a:noFill/>
+            <a:miter lim="800000"/>
+          </a:ln>
+          <a:effectLst>
+            <a:outerShdw blurRad="55000" dist="18000" dir="5400000" algn="tl" rotWithShape="0">
+              <a:srgbClr val="000000">
+                <a:alpha val="40000"/>
+              </a:srgbClr>
+            </a:outerShdw>
+          </a:effectLst>
+          <a:scene3d>
+            <a:camera prst="orthographicFront"/>
+            <a:lightRig rig="twoPt" dir="t">
+              <a:rot lat="0" lon="0" rev="7200000"/>
+            </a:lightRig>
+          </a:scene3d>
+          <a:sp3d>
+            <a:bevelT w="25400" h="19050"/>
+            <a:contourClr>
+              <a:srgbClr val="FFFFFF"/>
+            </a:contourClr>
+          </a:sp3d>
+        </p:spPr>
+      </p:pic>
+      <p:pic>
+        <p:nvPicPr>
+          <p:cNvPr id="8" name="Picture 7"/>
+          <p:cNvPicPr>
+            <a:picLocks noChangeAspect="1"/>
+          </p:cNvPicPr>
+          <p:nvPr/>
+        </p:nvPicPr>
+        <p:blipFill>
+          <a:blip r:embed="rId4" cstate="print">
+            <a:extLst>
+              <a:ext uri="{28A0092B-C50C-407E-A947-70E740481C1C}">
+                <a14:useLocalDpi xmlns:a14="http://schemas.microsoft.com/office/drawing/2010/main" val="0"/>
+              </a:ext>
+            </a:extLst>
+          </a:blip>
+          <a:stretch>
+            <a:fillRect/>
+          </a:stretch>
+        </p:blipFill>
+        <p:spPr>
+          <a:xfrm>
+            <a:off x="951864" y="345847"/>
+            <a:ext cx="3367412" cy="2538000"/>
+          </a:xfrm>
+          <a:prstGeom prst="rect">
+            <a:avLst/>
+          </a:prstGeom>
+          <a:solidFill>
+            <a:srgbClr val="FFFFFF">
+              <a:shade val="85000"/>
+            </a:srgbClr>
+          </a:solidFill>
+          <a:ln w="88900" cap="sq">
+            <a:noFill/>
+            <a:miter lim="800000"/>
+          </a:ln>
+          <a:effectLst>
+            <a:outerShdw blurRad="55000" dist="18000" dir="5400000" algn="tl" rotWithShape="0">
+              <a:srgbClr val="000000">
+                <a:alpha val="40000"/>
+              </a:srgbClr>
+            </a:outerShdw>
+          </a:effectLst>
+          <a:scene3d>
+            <a:camera prst="orthographicFront"/>
+            <a:lightRig rig="twoPt" dir="t">
+              <a:rot lat="0" lon="0" rev="7200000"/>
+            </a:lightRig>
+          </a:scene3d>
+          <a:sp3d>
+            <a:bevelT w="25400" h="19050"/>
+            <a:contourClr>
+              <a:srgbClr val="FFFFFF"/>
+            </a:contourClr>
+          </a:sp3d>
+        </p:spPr>
+      </p:pic>
+      <p:pic>
+        <p:nvPicPr>
+          <p:cNvPr id="10" name="Picture 9"/>
+          <p:cNvPicPr>
+            <a:picLocks noChangeAspect="1"/>
+          </p:cNvPicPr>
+          <p:nvPr/>
+        </p:nvPicPr>
+        <p:blipFill>
+          <a:blip r:embed="rId5" cstate="print">
+            <a:extLst>
+              <a:ext uri="{28A0092B-C50C-407E-A947-70E740481C1C}">
+                <a14:useLocalDpi xmlns:a14="http://schemas.microsoft.com/office/drawing/2010/main" val="0"/>
+              </a:ext>
+            </a:extLst>
+          </a:blip>
+          <a:stretch>
+            <a:fillRect/>
+          </a:stretch>
+        </p:blipFill>
+        <p:spPr>
+          <a:xfrm>
+            <a:off x="951863" y="2895600"/>
+            <a:ext cx="3367411" cy="2538000"/>
+          </a:xfrm>
+          <a:prstGeom prst="rect">
+            <a:avLst/>
+          </a:prstGeom>
+          <a:solidFill>
+            <a:srgbClr val="FFFFFF">
+              <a:shade val="85000"/>
+            </a:srgbClr>
+          </a:solidFill>
+          <a:ln w="88900" cap="sq">
+            <a:noFill/>
+            <a:miter lim="800000"/>
+          </a:ln>
+          <a:effectLst>
+            <a:outerShdw blurRad="55000" dist="18000" dir="5400000" algn="tl" rotWithShape="0">
+              <a:srgbClr val="000000">
+                <a:alpha val="40000"/>
+              </a:srgbClr>
+            </a:outerShdw>
+          </a:effectLst>
+          <a:scene3d>
+            <a:camera prst="orthographicFront"/>
+            <a:lightRig rig="twoPt" dir="t">
+              <a:rot lat="0" lon="0" rev="7200000"/>
+            </a:lightRig>
+          </a:scene3d>
+          <a:sp3d>
+            <a:bevelT w="25400" h="19050"/>
+            <a:contourClr>
+              <a:srgbClr val="FFFFFF"/>
+            </a:contourClr>
+          </a:sp3d>
+        </p:spPr>
+      </p:pic>
+      <mc:AlternateContent xmlns:mc="http://schemas.openxmlformats.org/markup-compatibility/2006">
+        <mc:Choice xmlns:a14="http://schemas.microsoft.com/office/drawing/2010/main" Requires="a14">
+          <p:graphicFrame>
+            <p:nvGraphicFramePr>
+              <p:cNvPr id="5" name="Table 4"/>
+              <p:cNvGraphicFramePr>
+                <a:graphicFrameLocks noGrp="1"/>
+              </p:cNvGraphicFramePr>
+              <p:nvPr>
+                <p:extLst>
+                  <p:ext uri="{D42A27DB-BD31-4B8C-83A1-F6EECF244321}">
+                    <p14:modId xmlns:p14="http://schemas.microsoft.com/office/powerpoint/2010/main" val="2596799893"/>
+                  </p:ext>
+                </p:extLst>
+              </p:nvPr>
+            </p:nvGraphicFramePr>
+            <p:xfrm>
+              <a:off x="1066800" y="5455920"/>
+              <a:ext cx="6688456" cy="1097280"/>
+            </p:xfrm>
+            <a:graphic>
+              <a:graphicData uri="http://schemas.openxmlformats.org/drawingml/2006/table">
+                <a:tbl>
+                  <a:tblPr firstRow="1" bandRow="1">
+                    <a:tableStyleId>{5C22544A-7EE6-4342-B048-85BDC9FD1C3A}</a:tableStyleId>
+                  </a:tblPr>
+                  <a:tblGrid>
+                    <a:gridCol w="1672114">
+                      <a:extLst>
+                        <a:ext uri="{9D8B030D-6E8A-4147-A177-3AD203B41FA5}">
+                          <a16:colId xmlns:a16="http://schemas.microsoft.com/office/drawing/2014/main" val="801133283"/>
+                        </a:ext>
+                      </a:extLst>
+                    </a:gridCol>
+                    <a:gridCol w="1672114">
+                      <a:extLst>
+                        <a:ext uri="{9D8B030D-6E8A-4147-A177-3AD203B41FA5}">
+                          <a16:colId xmlns:a16="http://schemas.microsoft.com/office/drawing/2014/main" val="1111146784"/>
+                        </a:ext>
+                      </a:extLst>
+                    </a:gridCol>
+                    <a:gridCol w="1672114">
+                      <a:extLst>
+                        <a:ext uri="{9D8B030D-6E8A-4147-A177-3AD203B41FA5}">
+                          <a16:colId xmlns:a16="http://schemas.microsoft.com/office/drawing/2014/main" val="689592872"/>
+                        </a:ext>
+                      </a:extLst>
+                    </a:gridCol>
+                    <a:gridCol w="1672114">
+                      <a:extLst>
+                        <a:ext uri="{9D8B030D-6E8A-4147-A177-3AD203B41FA5}">
+                          <a16:colId xmlns:a16="http://schemas.microsoft.com/office/drawing/2014/main" val="2091142782"/>
+                        </a:ext>
+                      </a:extLst>
+                    </a:gridCol>
+                  </a:tblGrid>
+                  <a:tr h="230763">
+                    <a:tc>
+                      <a:txBody>
+                        <a:bodyPr/>
+                        <a:lstStyle/>
+                        <a:p>
+                          <a:pPr algn="ctr"/>
+                          <a:endParaRPr lang="en-US" sz="1200" dirty="0"/>
+                        </a:p>
+                      </a:txBody>
+                      <a:tcPr/>
+                    </a:tc>
+                    <a:tc>
+                      <a:txBody>
+                        <a:bodyPr/>
+                        <a:lstStyle/>
+                        <a:p>
+                          <a:pPr algn="ctr"/>
+                          <a:r>
+                            <a:rPr lang="en-US" sz="1200" dirty="0" smtClean="0"/>
+                            <a:t>Network Calculus</a:t>
+                          </a:r>
+                          <a:endParaRPr lang="en-US" sz="1200" dirty="0"/>
+                        </a:p>
+                      </a:txBody>
+                      <a:tcPr/>
+                    </a:tc>
+                    <a:tc>
+                      <a:txBody>
+                        <a:bodyPr/>
+                        <a:lstStyle/>
+                        <a:p>
+                          <a:pPr algn="ctr"/>
+                          <a:r>
+                            <a:rPr lang="en-US" sz="1200" dirty="0" smtClean="0"/>
+                            <a:t>PNP</a:t>
+                          </a:r>
+                          <a:r>
+                            <a:rPr lang="en-US" sz="1200" baseline="30000" dirty="0" smtClean="0"/>
+                            <a:t>2</a:t>
+                          </a:r>
+                          <a:endParaRPr lang="en-US" sz="1200" dirty="0"/>
+                        </a:p>
+                      </a:txBody>
+                      <a:tcPr/>
+                    </a:tc>
+                    <a:tc>
+                      <a:txBody>
+                        <a:bodyPr/>
+                        <a:lstStyle/>
+                        <a:p>
+                          <a:pPr algn="ctr"/>
+                          <a:r>
+                            <a:rPr lang="en-US" sz="1200" dirty="0" smtClean="0"/>
+                            <a:t>Measured</a:t>
+                          </a:r>
+                          <a:r>
+                            <a:rPr lang="en-US" sz="1200" baseline="0" dirty="0" smtClean="0"/>
+                            <a:t> (</a:t>
+                          </a:r>
+                          <a14:m>
+                            <m:oMath xmlns:m="http://schemas.openxmlformats.org/officeDocument/2006/math">
+                              <m:r>
+                                <a:rPr lang="en-US" sz="1200" b="1" i="1" baseline="0" smtClean="0">
+                                  <a:latin typeface="Cambria Math" panose="02040503050406030204" pitchFamily="18" charset="0"/>
+                                </a:rPr>
+                                <m:t>𝝁</m:t>
+                              </m:r>
+                              <m:r>
+                                <a:rPr lang="en-US" sz="1200" b="1" i="1" baseline="0" smtClean="0">
+                                  <a:latin typeface="Cambria Math" panose="02040503050406030204" pitchFamily="18" charset="0"/>
+                                </a:rPr>
+                                <m:t>, </m:t>
+                              </m:r>
+                              <m:r>
+                                <a:rPr lang="en-US" sz="1200" b="1" i="1" baseline="0" smtClean="0">
+                                  <a:latin typeface="Cambria Math" panose="02040503050406030204" pitchFamily="18" charset="0"/>
+                                </a:rPr>
+                                <m:t>𝝈</m:t>
+                              </m:r>
+                            </m:oMath>
+                          </a14:m>
+                          <a:r>
+                            <a:rPr lang="en-US" sz="1200" dirty="0" smtClean="0"/>
+                            <a:t>)</a:t>
+                          </a:r>
+                          <a:endParaRPr lang="en-US" sz="1200" dirty="0"/>
+                        </a:p>
+                      </a:txBody>
+                      <a:tcPr/>
+                    </a:tc>
+                    <a:extLst>
+                      <a:ext uri="{0D108BD9-81ED-4DB2-BD59-A6C34878D82A}">
+                        <a16:rowId xmlns:a16="http://schemas.microsoft.com/office/drawing/2014/main" val="808718321"/>
+                      </a:ext>
+                    </a:extLst>
+                  </a:tr>
+                  <a:tr h="230763">
+                    <a:tc>
+                      <a:txBody>
+                        <a:bodyPr/>
+                        <a:lstStyle/>
+                        <a:p>
+                          <a:pPr algn="ctr"/>
+                          <a:r>
+                            <a:rPr lang="en-US" sz="1200" dirty="0" smtClean="0"/>
+                            <a:t>Buffer Delay (s)</a:t>
+                          </a:r>
+                          <a:endParaRPr lang="en-US" sz="1200" dirty="0"/>
+                        </a:p>
+                      </a:txBody>
+                      <a:tcPr/>
+                    </a:tc>
+                    <a:tc>
+                      <a:txBody>
+                        <a:bodyPr/>
+                        <a:lstStyle/>
+                        <a:p>
+                          <a:pPr algn="ctr"/>
+                          <a:r>
+                            <a:rPr lang="en-US" sz="1200" dirty="0" smtClean="0"/>
+                            <a:t>3.0</a:t>
+                          </a:r>
+                        </a:p>
+                      </a:txBody>
+                      <a:tcPr/>
+                    </a:tc>
+                    <a:tc>
+                      <a:txBody>
+                        <a:bodyPr/>
+                        <a:lstStyle/>
+                        <a:p>
+                          <a:pPr algn="ctr"/>
+                          <a:r>
+                            <a:rPr lang="en-US" sz="1200" dirty="0" smtClean="0"/>
+                            <a:t>0.0625</a:t>
+                          </a:r>
+                          <a:endParaRPr lang="en-US" sz="1200" dirty="0"/>
+                        </a:p>
+                      </a:txBody>
+                      <a:tcPr/>
+                    </a:tc>
+                    <a:tc>
+                      <a:txBody>
+                        <a:bodyPr/>
+                        <a:lstStyle/>
+                        <a:p>
+                          <a:pPr algn="ctr"/>
+                          <a:r>
+                            <a:rPr lang="en-US" sz="1200" dirty="0" smtClean="0"/>
+                            <a:t>(0.06003, 0.00029)</a:t>
+                          </a:r>
+                          <a:endParaRPr lang="en-US" sz="1200" dirty="0"/>
+                        </a:p>
+                      </a:txBody>
+                      <a:tcPr/>
+                    </a:tc>
+                    <a:extLst>
+                      <a:ext uri="{0D108BD9-81ED-4DB2-BD59-A6C34878D82A}">
+                        <a16:rowId xmlns:a16="http://schemas.microsoft.com/office/drawing/2014/main" val="2123794050"/>
+                      </a:ext>
+                    </a:extLst>
+                  </a:tr>
+                  <a:tr h="230763">
+                    <a:tc>
+                      <a:txBody>
+                        <a:bodyPr/>
+                        <a:lstStyle/>
+                        <a:p>
+                          <a:pPr algn="ctr"/>
+                          <a:r>
+                            <a:rPr lang="en-US" sz="1200" dirty="0" smtClean="0"/>
+                            <a:t>Time of Delay (s)</a:t>
+                          </a:r>
+                          <a:endParaRPr lang="en-US" sz="1200" dirty="0"/>
+                        </a:p>
+                      </a:txBody>
+                      <a:tcPr/>
+                    </a:tc>
+                    <a:tc>
+                      <a:txBody>
+                        <a:bodyPr/>
+                        <a:lstStyle/>
+                        <a:p>
+                          <a:pPr algn="ctr"/>
+                          <a:r>
+                            <a:rPr lang="en-US" sz="1200" dirty="0" smtClean="0"/>
+                            <a:t>N/A</a:t>
+                          </a:r>
+                        </a:p>
+                      </a:txBody>
+                      <a:tcPr/>
+                    </a:tc>
+                    <a:tc>
+                      <a:txBody>
+                        <a:bodyPr/>
+                        <a:lstStyle/>
+                        <a:p>
+                          <a:pPr algn="ctr"/>
+                          <a:r>
+                            <a:rPr lang="en-US" sz="1200" dirty="0" smtClean="0"/>
+                            <a:t>3.0</a:t>
+                          </a:r>
+                        </a:p>
+                      </a:txBody>
+                      <a:tcPr/>
+                    </a:tc>
+                    <a:tc>
+                      <a:txBody>
+                        <a:bodyPr/>
+                        <a:lstStyle/>
+                        <a:p>
+                          <a:pPr algn="ctr"/>
+                          <a:r>
+                            <a:rPr lang="en-US" sz="1200" dirty="0" smtClean="0"/>
+                            <a:t>(2.9055, 0.00025)</a:t>
+                          </a:r>
+                          <a:endParaRPr lang="en-US" sz="1200" dirty="0"/>
+                        </a:p>
+                      </a:txBody>
+                      <a:tcPr/>
+                    </a:tc>
+                    <a:extLst>
+                      <a:ext uri="{0D108BD9-81ED-4DB2-BD59-A6C34878D82A}">
+                        <a16:rowId xmlns:a16="http://schemas.microsoft.com/office/drawing/2014/main" val="750189631"/>
+                      </a:ext>
+                    </a:extLst>
+                  </a:tr>
+                  <a:tr h="230763">
+                    <a:tc>
+                      <a:txBody>
+                        <a:bodyPr/>
+                        <a:lstStyle/>
+                        <a:p>
+                          <a:pPr algn="ctr"/>
+                          <a:r>
+                            <a:rPr lang="en-US" sz="1200" dirty="0" smtClean="0"/>
+                            <a:t>Buffer Size (B)</a:t>
+                          </a:r>
+                          <a:endParaRPr lang="en-US" sz="1200" dirty="0"/>
+                        </a:p>
+                      </a:txBody>
+                      <a:tcPr/>
+                    </a:tc>
+                    <a:tc>
+                      <a:txBody>
+                        <a:bodyPr/>
+                        <a:lstStyle/>
+                        <a:p>
+                          <a:pPr algn="ctr"/>
+                          <a:r>
+                            <a:rPr lang="en-US" sz="1200" dirty="0" smtClean="0"/>
+                            <a:t>394375</a:t>
+                          </a:r>
+                          <a:endParaRPr lang="en-US" sz="1200" dirty="0"/>
+                        </a:p>
+                      </a:txBody>
+                      <a:tcPr/>
+                    </a:tc>
+                    <a:tc>
+                      <a:txBody>
+                        <a:bodyPr/>
+                        <a:lstStyle/>
+                        <a:p>
+                          <a:pPr algn="ctr"/>
+                          <a:r>
+                            <a:rPr lang="en-US" sz="1200" dirty="0" smtClean="0"/>
+                            <a:t>8000</a:t>
+                          </a:r>
+                          <a:endParaRPr lang="en-US" sz="1200" dirty="0"/>
+                        </a:p>
+                      </a:txBody>
+                      <a:tcPr/>
+                    </a:tc>
+                    <a:tc>
+                      <a:txBody>
+                        <a:bodyPr/>
+                        <a:lstStyle/>
+                        <a:p>
+                          <a:pPr algn="ctr"/>
+                          <a:r>
+                            <a:rPr lang="en-US" sz="1200" dirty="0" smtClean="0"/>
+                            <a:t>(7722.59, 36.94)</a:t>
+                          </a:r>
+                          <a:endParaRPr lang="en-US" sz="1200" dirty="0"/>
+                        </a:p>
+                      </a:txBody>
+                      <a:tcPr/>
+                    </a:tc>
+                    <a:extLst>
+                      <a:ext uri="{0D108BD9-81ED-4DB2-BD59-A6C34878D82A}">
+                        <a16:rowId xmlns:a16="http://schemas.microsoft.com/office/drawing/2014/main" val="2553309711"/>
+                      </a:ext>
+                    </a:extLst>
+                  </a:tr>
+                </a:tbl>
+              </a:graphicData>
+            </a:graphic>
+          </p:graphicFrame>
+        </mc:Choice>
+        <mc:Fallback>
+          <p:graphicFrame>
+            <p:nvGraphicFramePr>
+              <p:cNvPr id="5" name="Table 4"/>
+              <p:cNvGraphicFramePr>
+                <a:graphicFrameLocks noGrp="1"/>
+              </p:cNvGraphicFramePr>
+              <p:nvPr>
+                <p:extLst>
+                  <p:ext uri="{D42A27DB-BD31-4B8C-83A1-F6EECF244321}">
+                    <p14:modId xmlns:p14="http://schemas.microsoft.com/office/powerpoint/2010/main" val="2596799893"/>
+                  </p:ext>
+                </p:extLst>
+              </p:nvPr>
+            </p:nvGraphicFramePr>
+            <p:xfrm>
+              <a:off x="1066800" y="5455920"/>
+              <a:ext cx="6688456" cy="1097280"/>
+            </p:xfrm>
+            <a:graphic>
+              <a:graphicData uri="http://schemas.openxmlformats.org/drawingml/2006/table">
+                <a:tbl>
+                  <a:tblPr firstRow="1" bandRow="1">
+                    <a:tableStyleId>{5C22544A-7EE6-4342-B048-85BDC9FD1C3A}</a:tableStyleId>
+                  </a:tblPr>
+                  <a:tblGrid>
+                    <a:gridCol w="1672114">
+                      <a:extLst>
+                        <a:ext uri="{9D8B030D-6E8A-4147-A177-3AD203B41FA5}">
+                          <a16:colId xmlns:a16="http://schemas.microsoft.com/office/drawing/2014/main" val="801133283"/>
+                        </a:ext>
+                      </a:extLst>
+                    </a:gridCol>
+                    <a:gridCol w="1672114">
+                      <a:extLst>
+                        <a:ext uri="{9D8B030D-6E8A-4147-A177-3AD203B41FA5}">
+                          <a16:colId xmlns:a16="http://schemas.microsoft.com/office/drawing/2014/main" val="1111146784"/>
+                        </a:ext>
+                      </a:extLst>
+                    </a:gridCol>
+                    <a:gridCol w="1672114">
+                      <a:extLst>
+                        <a:ext uri="{9D8B030D-6E8A-4147-A177-3AD203B41FA5}">
+                          <a16:colId xmlns:a16="http://schemas.microsoft.com/office/drawing/2014/main" val="689592872"/>
+                        </a:ext>
+                      </a:extLst>
+                    </a:gridCol>
+                    <a:gridCol w="1672114">
+                      <a:extLst>
+                        <a:ext uri="{9D8B030D-6E8A-4147-A177-3AD203B41FA5}">
+                          <a16:colId xmlns:a16="http://schemas.microsoft.com/office/drawing/2014/main" val="2091142782"/>
+                        </a:ext>
+                      </a:extLst>
+                    </a:gridCol>
+                  </a:tblGrid>
+                  <a:tr h="274320">
+                    <a:tc>
+                      <a:txBody>
+                        <a:bodyPr/>
+                        <a:lstStyle/>
+                        <a:p>
+                          <a:pPr algn="ctr"/>
+                          <a:endParaRPr lang="en-US" sz="1200" dirty="0"/>
+                        </a:p>
+                      </a:txBody>
+                      <a:tcPr/>
+                    </a:tc>
+                    <a:tc>
+                      <a:txBody>
+                        <a:bodyPr/>
+                        <a:lstStyle/>
+                        <a:p>
+                          <a:pPr algn="ctr"/>
+                          <a:r>
+                            <a:rPr lang="en-US" sz="1200" dirty="0" smtClean="0"/>
+                            <a:t>Network Calculus</a:t>
+                          </a:r>
+                          <a:endParaRPr lang="en-US" sz="1200" dirty="0"/>
+                        </a:p>
+                      </a:txBody>
+                      <a:tcPr/>
+                    </a:tc>
+                    <a:tc>
+                      <a:txBody>
+                        <a:bodyPr/>
+                        <a:lstStyle/>
+                        <a:p>
+                          <a:pPr algn="ctr"/>
+                          <a:r>
+                            <a:rPr lang="en-US" sz="1200" dirty="0" smtClean="0"/>
+                            <a:t>PNP</a:t>
+                          </a:r>
+                          <a:r>
+                            <a:rPr lang="en-US" sz="1200" baseline="30000" dirty="0" smtClean="0"/>
+                            <a:t>2</a:t>
+                          </a:r>
+                          <a:endParaRPr lang="en-US" sz="1200" dirty="0"/>
+                        </a:p>
+                      </a:txBody>
+                      <a:tcPr/>
+                    </a:tc>
+                    <a:tc>
+                      <a:txBody>
+                        <a:bodyPr/>
+                        <a:lstStyle/>
+                        <a:p>
+                          <a:endParaRPr lang="en-US"/>
+                        </a:p>
+                      </a:txBody>
+                      <a:tcPr>
+                        <a:blipFill>
+                          <a:blip r:embed="rId6"/>
+                          <a:stretch>
+                            <a:fillRect l="-301460" t="-4444" r="-1460" b="-317778"/>
+                          </a:stretch>
+                        </a:blipFill>
+                      </a:tcPr>
+                    </a:tc>
+                    <a:extLst>
+                      <a:ext uri="{0D108BD9-81ED-4DB2-BD59-A6C34878D82A}">
+                        <a16:rowId xmlns:a16="http://schemas.microsoft.com/office/drawing/2014/main" val="808718321"/>
+                      </a:ext>
+                    </a:extLst>
+                  </a:tr>
+                  <a:tr h="274320">
+                    <a:tc>
+                      <a:txBody>
+                        <a:bodyPr/>
+                        <a:lstStyle/>
+                        <a:p>
+                          <a:pPr algn="ctr"/>
+                          <a:r>
+                            <a:rPr lang="en-US" sz="1200" dirty="0" smtClean="0"/>
+                            <a:t>Buffer Delay (s)</a:t>
+                          </a:r>
+                          <a:endParaRPr lang="en-US" sz="1200" dirty="0"/>
+                        </a:p>
+                      </a:txBody>
+                      <a:tcPr/>
+                    </a:tc>
+                    <a:tc>
+                      <a:txBody>
+                        <a:bodyPr/>
+                        <a:lstStyle/>
+                        <a:p>
+                          <a:pPr algn="ctr"/>
+                          <a:r>
+                            <a:rPr lang="en-US" sz="1200" dirty="0" smtClean="0"/>
+                            <a:t>3.0</a:t>
+                          </a:r>
+                        </a:p>
+                      </a:txBody>
+                      <a:tcPr/>
+                    </a:tc>
+                    <a:tc>
+                      <a:txBody>
+                        <a:bodyPr/>
+                        <a:lstStyle/>
+                        <a:p>
+                          <a:pPr algn="ctr"/>
+                          <a:r>
+                            <a:rPr lang="en-US" sz="1200" dirty="0" smtClean="0"/>
+                            <a:t>0.0625</a:t>
+                          </a:r>
+                          <a:endParaRPr lang="en-US" sz="1200" dirty="0"/>
+                        </a:p>
+                      </a:txBody>
+                      <a:tcPr/>
+                    </a:tc>
+                    <a:tc>
+                      <a:txBody>
+                        <a:bodyPr/>
+                        <a:lstStyle/>
+                        <a:p>
+                          <a:pPr algn="ctr"/>
+                          <a:r>
+                            <a:rPr lang="en-US" sz="1200" dirty="0" smtClean="0"/>
+                            <a:t>(0.06003, 0.00029)</a:t>
+                          </a:r>
+                          <a:endParaRPr lang="en-US" sz="1200" dirty="0"/>
+                        </a:p>
+                      </a:txBody>
+                      <a:tcPr/>
+                    </a:tc>
+                    <a:extLst>
+                      <a:ext uri="{0D108BD9-81ED-4DB2-BD59-A6C34878D82A}">
+                        <a16:rowId xmlns:a16="http://schemas.microsoft.com/office/drawing/2014/main" val="2123794050"/>
+                      </a:ext>
+                    </a:extLst>
+                  </a:tr>
+                  <a:tr h="274320">
+                    <a:tc>
+                      <a:txBody>
+                        <a:bodyPr/>
+                        <a:lstStyle/>
+                        <a:p>
+                          <a:pPr algn="ctr"/>
+                          <a:r>
+                            <a:rPr lang="en-US" sz="1200" dirty="0" smtClean="0"/>
+                            <a:t>Time of Delay (s)</a:t>
+                          </a:r>
+                          <a:endParaRPr lang="en-US" sz="1200" dirty="0"/>
+                        </a:p>
+                      </a:txBody>
+                      <a:tcPr/>
+                    </a:tc>
+                    <a:tc>
+                      <a:txBody>
+                        <a:bodyPr/>
+                        <a:lstStyle/>
+                        <a:p>
+                          <a:pPr algn="ctr"/>
+                          <a:r>
+                            <a:rPr lang="en-US" sz="1200" dirty="0" smtClean="0"/>
+                            <a:t>N/A</a:t>
+                          </a:r>
+                        </a:p>
+                      </a:txBody>
+                      <a:tcPr/>
+                    </a:tc>
+                    <a:tc>
+                      <a:txBody>
+                        <a:bodyPr/>
+                        <a:lstStyle/>
+                        <a:p>
+                          <a:pPr algn="ctr"/>
+                          <a:r>
+                            <a:rPr lang="en-US" sz="1200" dirty="0" smtClean="0"/>
+                            <a:t>3.0</a:t>
+                          </a:r>
+                        </a:p>
+                      </a:txBody>
+                      <a:tcPr/>
+                    </a:tc>
+                    <a:tc>
+                      <a:txBody>
+                        <a:bodyPr/>
+                        <a:lstStyle/>
+                        <a:p>
+                          <a:pPr algn="ctr"/>
+                          <a:r>
+                            <a:rPr lang="en-US" sz="1200" dirty="0" smtClean="0"/>
+                            <a:t>(2.9055, 0.00025)</a:t>
+                          </a:r>
+                          <a:endParaRPr lang="en-US" sz="1200" dirty="0"/>
+                        </a:p>
+                      </a:txBody>
+                      <a:tcPr/>
+                    </a:tc>
+                    <a:extLst>
+                      <a:ext uri="{0D108BD9-81ED-4DB2-BD59-A6C34878D82A}">
+                        <a16:rowId xmlns:a16="http://schemas.microsoft.com/office/drawing/2014/main" val="750189631"/>
+                      </a:ext>
+                    </a:extLst>
+                  </a:tr>
+                  <a:tr h="274320">
+                    <a:tc>
+                      <a:txBody>
+                        <a:bodyPr/>
+                        <a:lstStyle/>
+                        <a:p>
+                          <a:pPr algn="ctr"/>
+                          <a:r>
+                            <a:rPr lang="en-US" sz="1200" dirty="0" smtClean="0"/>
+                            <a:t>Buffer Size (B)</a:t>
+                          </a:r>
+                          <a:endParaRPr lang="en-US" sz="1200" dirty="0"/>
+                        </a:p>
+                      </a:txBody>
+                      <a:tcPr/>
+                    </a:tc>
+                    <a:tc>
+                      <a:txBody>
+                        <a:bodyPr/>
+                        <a:lstStyle/>
+                        <a:p>
+                          <a:pPr algn="ctr"/>
+                          <a:r>
+                            <a:rPr lang="en-US" sz="1200" dirty="0" smtClean="0"/>
+                            <a:t>394375</a:t>
+                          </a:r>
+                          <a:endParaRPr lang="en-US" sz="1200" dirty="0"/>
+                        </a:p>
+                      </a:txBody>
+                      <a:tcPr/>
+                    </a:tc>
+                    <a:tc>
+                      <a:txBody>
+                        <a:bodyPr/>
+                        <a:lstStyle/>
+                        <a:p>
+                          <a:pPr algn="ctr"/>
+                          <a:r>
+                            <a:rPr lang="en-US" sz="1200" dirty="0" smtClean="0"/>
+                            <a:t>8000</a:t>
+                          </a:r>
+                          <a:endParaRPr lang="en-US" sz="1200" dirty="0"/>
+                        </a:p>
+                      </a:txBody>
+                      <a:tcPr/>
+                    </a:tc>
+                    <a:tc>
+                      <a:txBody>
+                        <a:bodyPr/>
+                        <a:lstStyle/>
+                        <a:p>
+                          <a:pPr algn="ctr"/>
+                          <a:r>
+                            <a:rPr lang="en-US" sz="1200" dirty="0" smtClean="0"/>
+                            <a:t>(7722.59, 36.94)</a:t>
+                          </a:r>
+                          <a:endParaRPr lang="en-US" sz="1200" dirty="0"/>
+                        </a:p>
+                      </a:txBody>
+                      <a:tcPr/>
+                    </a:tc>
+                    <a:extLst>
+                      <a:ext uri="{0D108BD9-81ED-4DB2-BD59-A6C34878D82A}">
+                        <a16:rowId xmlns:a16="http://schemas.microsoft.com/office/drawing/2014/main" val="2553309711"/>
+                      </a:ext>
+                    </a:extLst>
+                  </a:tr>
+                </a:tbl>
+              </a:graphicData>
+            </a:graphic>
+          </p:graphicFrame>
+        </mc:Fallback>
+      </mc:AlternateContent>
+      <p:sp>
+        <p:nvSpPr>
+          <p:cNvPr id="12" name="TextBox 11"/>
+          <p:cNvSpPr txBox="1"/>
+          <p:nvPr/>
+        </p:nvSpPr>
+        <p:spPr>
+          <a:xfrm>
+            <a:off x="152400" y="1430181"/>
+            <a:ext cx="764953" cy="369332"/>
+          </a:xfrm>
+          <a:prstGeom prst="rect">
+            <a:avLst/>
+          </a:prstGeom>
+          <a:noFill/>
+        </p:spPr>
+        <p:txBody>
+          <a:bodyPr wrap="none" rtlCol="0">
+            <a:spAutoFit/>
+          </a:bodyPr>
+          <a:lstStyle/>
+          <a:p>
+            <a:r>
+              <a:rPr lang="en-US" dirty="0" smtClean="0"/>
+              <a:t>PNP</a:t>
+            </a:r>
+            <a:r>
+              <a:rPr lang="en-US" baseline="30000" dirty="0" smtClean="0"/>
+              <a:t>2</a:t>
+            </a:r>
+            <a:endParaRPr lang="en-US" dirty="0"/>
+          </a:p>
+        </p:txBody>
+      </p:sp>
+      <p:sp>
+        <p:nvSpPr>
+          <p:cNvPr id="13" name="TextBox 12"/>
+          <p:cNvSpPr txBox="1"/>
+          <p:nvPr/>
+        </p:nvSpPr>
+        <p:spPr>
+          <a:xfrm>
+            <a:off x="265411" y="3979934"/>
+            <a:ext cx="538930" cy="369332"/>
+          </a:xfrm>
+          <a:prstGeom prst="rect">
+            <a:avLst/>
+          </a:prstGeom>
+          <a:noFill/>
+        </p:spPr>
+        <p:txBody>
+          <a:bodyPr wrap="none" rtlCol="0">
+            <a:spAutoFit/>
+          </a:bodyPr>
+          <a:lstStyle/>
+          <a:p>
+            <a:r>
+              <a:rPr lang="en-US" dirty="0" smtClean="0"/>
+              <a:t>NC</a:t>
+            </a:r>
+            <a:endParaRPr lang="en-US" dirty="0"/>
+          </a:p>
+        </p:txBody>
+      </p:sp>
+    </p:spTree>
+    <p:extLst>
+      <p:ext uri="{BB962C8B-B14F-4D97-AF65-F5344CB8AC3E}">
+        <p14:creationId xmlns:p14="http://schemas.microsoft.com/office/powerpoint/2010/main" val="1535354761"/>
+      </p:ext>
+    </p:extLst>
+  </p:cSld>
+  <p:clrMapOvr>
+    <a:masterClrMapping/>
+  </p:clrMapOvr>
+  <p:timing>
+    <p:tnLst>
+      <p:par>
+        <p:cTn id="1" dur="indefinite" restart="never" nodeType="tmRoot"/>
+      </p:par>
+    </p:tnLst>
+  </p:timing>
+</p:sld>
+</file>
+
+<file path=ppt/slides/slide14.xml><?xml version="1.0" encoding="utf-8"?>
+<p:sld xmlns:a="http://schemas.openxmlformats.org/drawingml/2006/main" xmlns:r="http://schemas.openxmlformats.org/officeDocument/2006/relationships" xmlns:p="http://schemas.openxmlformats.org/presentationml/2006/main">
+  <p:cSld>
+    <p:spTree>
+      <p:nvGrpSpPr>
+        <p:cNvPr id="1" name=""/>
+        <p:cNvGrpSpPr/>
+        <p:nvPr/>
+      </p:nvGrpSpPr>
+      <p:grpSpPr>
+        <a:xfrm>
+          <a:off x="0" y="0"/>
+          <a:ext cx="0" cy="0"/>
+          <a:chOff x="0" y="0"/>
+          <a:chExt cx="0" cy="0"/>
+        </a:xfrm>
+      </p:grpSpPr>
+      <p:sp>
+        <p:nvSpPr>
+          <p:cNvPr id="2" name="Title 1"/>
+          <p:cNvSpPr>
+            <a:spLocks noGrp="1"/>
+          </p:cNvSpPr>
+          <p:nvPr>
+            <p:ph type="title"/>
+          </p:nvPr>
+        </p:nvSpPr>
+        <p:spPr/>
+        <p:txBody>
+          <a:bodyPr>
+            <a:normAutofit/>
+          </a:bodyPr>
+          <a:lstStyle/>
+          <a:p>
+            <a:r>
+              <a:rPr lang="en-US" dirty="0" smtClean="0"/>
+              <a:t>Analysis of Periodic Systems</a:t>
+            </a:r>
+            <a:endParaRPr lang="en-US" dirty="0"/>
+          </a:p>
+        </p:txBody>
+      </p:sp>
+      <p:sp>
+        <p:nvSpPr>
+          <p:cNvPr id="3" name="Content Placeholder 2"/>
+          <p:cNvSpPr>
+            <a:spLocks noGrp="1"/>
+          </p:cNvSpPr>
+          <p:nvPr>
+            <p:ph idx="1"/>
+          </p:nvPr>
+        </p:nvSpPr>
+        <p:spPr/>
+        <p:txBody>
+          <a:bodyPr>
+            <a:normAutofit/>
+          </a:bodyPr>
+          <a:lstStyle/>
+          <a:p>
+            <a:endParaRPr lang="en-US" dirty="0" smtClean="0"/>
+          </a:p>
+        </p:txBody>
+      </p:sp>
+      <p:sp>
+        <p:nvSpPr>
+          <p:cNvPr id="4" name="Slide Number Placeholder 3"/>
+          <p:cNvSpPr>
+            <a:spLocks noGrp="1"/>
+          </p:cNvSpPr>
+          <p:nvPr>
+            <p:ph type="sldNum" sz="quarter" idx="12"/>
+          </p:nvPr>
+        </p:nvSpPr>
+        <p:spPr/>
+        <p:txBody>
+          <a:bodyPr/>
+          <a:lstStyle/>
+          <a:p>
+            <a:fld id="{4FAB73BC-B049-4115-A692-8D63A059BFB8}" type="slidenum">
+              <a:rPr lang="en-US" smtClean="0"/>
+              <a:t>14</a:t>
+            </a:fld>
+            <a:endParaRPr lang="en-US" dirty="0"/>
+          </a:p>
+        </p:txBody>
+      </p:sp>
+    </p:spTree>
+    <p:extLst>
+      <p:ext uri="{BB962C8B-B14F-4D97-AF65-F5344CB8AC3E}">
+        <p14:creationId xmlns:p14="http://schemas.microsoft.com/office/powerpoint/2010/main" val="3890724200"/>
+      </p:ext>
+    </p:extLst>
+  </p:cSld>
+  <p:clrMapOvr>
+    <a:masterClrMapping/>
+  </p:clrMapOvr>
+  <p:timing>
+    <p:tnLst>
+      <p:par>
+        <p:cTn id="1" dur="indefinite" restart="never" nodeType="tmRoot"/>
+      </p:par>
+    </p:tnLst>
+  </p:timing>
+</p:sld>
+</file>
+
+<file path=ppt/slides/slide15.xml><?xml version="1.0" encoding="utf-8"?>
+<p:sld xmlns:a="http://schemas.openxmlformats.org/drawingml/2006/main" xmlns:r="http://schemas.openxmlformats.org/officeDocument/2006/relationships" xmlns:p="http://schemas.openxmlformats.org/presentationml/2006/main">
+  <p:cSld>
+    <p:spTree>
+      <p:nvGrpSpPr>
+        <p:cNvPr id="1" name=""/>
+        <p:cNvGrpSpPr/>
+        <p:nvPr/>
+      </p:nvGrpSpPr>
+      <p:grpSpPr>
+        <a:xfrm>
+          <a:off x="0" y="0"/>
+          <a:ext cx="0" cy="0"/>
+          <a:chOff x="0" y="0"/>
+          <a:chExt cx="0" cy="0"/>
+        </a:xfrm>
+      </p:grpSpPr>
+      <p:sp>
+        <p:nvSpPr>
+          <p:cNvPr id="2" name="Title 1"/>
+          <p:cNvSpPr>
+            <a:spLocks noGrp="1"/>
+          </p:cNvSpPr>
+          <p:nvPr>
+            <p:ph type="title"/>
+          </p:nvPr>
+        </p:nvSpPr>
+        <p:spPr/>
+        <p:txBody>
+          <a:bodyPr>
+            <a:normAutofit/>
+          </a:bodyPr>
+          <a:lstStyle/>
+          <a:p>
+            <a:r>
+              <a:rPr lang="en-US" dirty="0" smtClean="0"/>
+              <a:t>Analysis of Periodic Systems</a:t>
+            </a:r>
+            <a:endParaRPr lang="en-US" dirty="0"/>
+          </a:p>
+        </p:txBody>
+      </p:sp>
+      <p:sp>
+        <p:nvSpPr>
+          <p:cNvPr id="3" name="Content Placeholder 2"/>
+          <p:cNvSpPr>
+            <a:spLocks noGrp="1"/>
+          </p:cNvSpPr>
+          <p:nvPr>
+            <p:ph idx="1"/>
+          </p:nvPr>
+        </p:nvSpPr>
+        <p:spPr/>
+        <p:txBody>
+          <a:bodyPr>
+            <a:normAutofit/>
+          </a:bodyPr>
+          <a:lstStyle/>
+          <a:p>
+            <a:endParaRPr lang="en-US" dirty="0" smtClean="0"/>
+          </a:p>
+        </p:txBody>
+      </p:sp>
+      <p:sp>
+        <p:nvSpPr>
+          <p:cNvPr id="4" name="Slide Number Placeholder 3"/>
+          <p:cNvSpPr>
+            <a:spLocks noGrp="1"/>
+          </p:cNvSpPr>
+          <p:nvPr>
+            <p:ph type="sldNum" sz="quarter" idx="12"/>
+          </p:nvPr>
+        </p:nvSpPr>
+        <p:spPr/>
+        <p:txBody>
+          <a:bodyPr/>
+          <a:lstStyle/>
+          <a:p>
+            <a:fld id="{4FAB73BC-B049-4115-A692-8D63A059BFB8}" type="slidenum">
+              <a:rPr lang="en-US" smtClean="0"/>
+              <a:t>15</a:t>
+            </a:fld>
+            <a:endParaRPr lang="en-US" dirty="0"/>
+          </a:p>
+        </p:txBody>
+      </p:sp>
+    </p:spTree>
+    <p:extLst>
+      <p:ext uri="{BB962C8B-B14F-4D97-AF65-F5344CB8AC3E}">
+        <p14:creationId xmlns:p14="http://schemas.microsoft.com/office/powerpoint/2010/main" val="2017370240"/>
+      </p:ext>
+    </p:extLst>
+  </p:cSld>
+  <p:clrMapOvr>
+    <a:masterClrMapping/>
+  </p:clrMapOvr>
+  <p:timing>
+    <p:tnLst>
+      <p:par>
+        <p:cTn id="1" dur="indefinite" restart="never" nodeType="tmRoot"/>
+      </p:par>
+    </p:tnLst>
+  </p:timing>
+</p:sld>
+</file>
+
+<file path=ppt/slides/slide16.xml><?xml version="1.0" encoding="utf-8"?>
+<p:sld xmlns:a="http://schemas.openxmlformats.org/drawingml/2006/main" xmlns:r="http://schemas.openxmlformats.org/officeDocument/2006/relationships" xmlns:p="http://schemas.openxmlformats.org/presentationml/2006/main">
+  <p:cSld>
+    <p:spTree>
+      <p:nvGrpSpPr>
+        <p:cNvPr id="1" name=""/>
+        <p:cNvGrpSpPr/>
+        <p:nvPr/>
+      </p:nvGrpSpPr>
+      <p:grpSpPr>
+        <a:xfrm>
+          <a:off x="0" y="0"/>
+          <a:ext cx="0" cy="0"/>
+          <a:chOff x="0" y="0"/>
+          <a:chExt cx="0" cy="0"/>
+        </a:xfrm>
+      </p:grpSpPr>
+      <p:sp>
+        <p:nvSpPr>
+          <p:cNvPr id="2" name="Title 1"/>
+          <p:cNvSpPr>
+            <a:spLocks noGrp="1"/>
+          </p:cNvSpPr>
+          <p:nvPr>
+            <p:ph type="title"/>
+          </p:nvPr>
+        </p:nvSpPr>
+        <p:spPr/>
+        <p:txBody>
+          <a:bodyPr>
+            <a:normAutofit/>
+          </a:bodyPr>
+          <a:lstStyle/>
+          <a:p>
+            <a:r>
+              <a:rPr lang="en-US" dirty="0" smtClean="0"/>
+              <a:t>Analysis of Periodic Systems</a:t>
+            </a:r>
+            <a:endParaRPr lang="en-US" dirty="0"/>
+          </a:p>
+        </p:txBody>
+      </p:sp>
+      <p:sp>
+        <p:nvSpPr>
+          <p:cNvPr id="3" name="Content Placeholder 2"/>
+          <p:cNvSpPr>
+            <a:spLocks noGrp="1"/>
+          </p:cNvSpPr>
+          <p:nvPr>
+            <p:ph idx="1"/>
+          </p:nvPr>
+        </p:nvSpPr>
+        <p:spPr/>
+        <p:txBody>
+          <a:bodyPr>
+            <a:normAutofit/>
+          </a:bodyPr>
+          <a:lstStyle/>
+          <a:p>
+            <a:endParaRPr lang="en-US" dirty="0" smtClean="0"/>
+          </a:p>
+        </p:txBody>
+      </p:sp>
+      <p:sp>
+        <p:nvSpPr>
+          <p:cNvPr id="4" name="Slide Number Placeholder 3"/>
+          <p:cNvSpPr>
+            <a:spLocks noGrp="1"/>
+          </p:cNvSpPr>
+          <p:nvPr>
+            <p:ph type="sldNum" sz="quarter" idx="12"/>
+          </p:nvPr>
+        </p:nvSpPr>
+        <p:spPr/>
+        <p:txBody>
+          <a:bodyPr/>
+          <a:lstStyle/>
+          <a:p>
+            <a:fld id="{4FAB73BC-B049-4115-A692-8D63A059BFB8}" type="slidenum">
+              <a:rPr lang="en-US" smtClean="0"/>
+              <a:t>16</a:t>
+            </a:fld>
+            <a:endParaRPr lang="en-US" dirty="0"/>
+          </a:p>
+        </p:txBody>
+      </p:sp>
+    </p:spTree>
+    <p:extLst>
+      <p:ext uri="{BB962C8B-B14F-4D97-AF65-F5344CB8AC3E}">
+        <p14:creationId xmlns:p14="http://schemas.microsoft.com/office/powerpoint/2010/main" val="3451270354"/>
+      </p:ext>
+    </p:extLst>
+  </p:cSld>
+  <p:clrMapOvr>
+    <a:masterClrMapping/>
+  </p:clrMapOvr>
+  <p:timing>
+    <p:tnLst>
+      <p:par>
+        <p:cTn id="1" dur="indefinite" restart="never" nodeType="tmRoot"/>
+      </p:par>
+    </p:tnLst>
+  </p:timing>
+</p:sld>
+</file>
+
+<file path=ppt/slides/slide17.xml><?xml version="1.0" encoding="utf-8"?>
+<p:sld xmlns:a="http://schemas.openxmlformats.org/drawingml/2006/main" xmlns:r="http://schemas.openxmlformats.org/officeDocument/2006/relationships" xmlns:p="http://schemas.openxmlformats.org/presentationml/2006/main">
+  <p:cSld>
+    <p:spTree>
+      <p:nvGrpSpPr>
+        <p:cNvPr id="1" name=""/>
+        <p:cNvGrpSpPr/>
+        <p:nvPr/>
+      </p:nvGrpSpPr>
+      <p:grpSpPr>
+        <a:xfrm>
+          <a:off x="0" y="0"/>
+          <a:ext cx="0" cy="0"/>
+          <a:chOff x="0" y="0"/>
+          <a:chExt cx="0" cy="0"/>
+        </a:xfrm>
+      </p:grpSpPr>
+      <p:sp>
+        <p:nvSpPr>
+          <p:cNvPr id="2" name="Title 1"/>
+          <p:cNvSpPr>
+            <a:spLocks noGrp="1"/>
+          </p:cNvSpPr>
+          <p:nvPr>
+            <p:ph type="title"/>
+          </p:nvPr>
+        </p:nvSpPr>
+        <p:spPr/>
+        <p:txBody>
+          <a:bodyPr>
+            <a:normAutofit/>
+          </a:bodyPr>
+          <a:lstStyle/>
+          <a:p>
+            <a:r>
+              <a:rPr lang="en-US" dirty="0" smtClean="0"/>
+              <a:t>Analysis of Periodic Systems</a:t>
+            </a:r>
+            <a:endParaRPr lang="en-US" dirty="0"/>
+          </a:p>
+        </p:txBody>
+      </p:sp>
+      <p:sp>
+        <p:nvSpPr>
+          <p:cNvPr id="3" name="Content Placeholder 2"/>
+          <p:cNvSpPr>
+            <a:spLocks noGrp="1"/>
+          </p:cNvSpPr>
+          <p:nvPr>
+            <p:ph idx="1"/>
+          </p:nvPr>
+        </p:nvSpPr>
+        <p:spPr/>
+        <p:txBody>
+          <a:bodyPr>
+            <a:normAutofit/>
+          </a:bodyPr>
+          <a:lstStyle/>
+          <a:p>
+            <a:endParaRPr lang="en-US" dirty="0" smtClean="0"/>
+          </a:p>
+        </p:txBody>
+      </p:sp>
+      <p:sp>
+        <p:nvSpPr>
+          <p:cNvPr id="4" name="Slide Number Placeholder 3"/>
+          <p:cNvSpPr>
+            <a:spLocks noGrp="1"/>
+          </p:cNvSpPr>
+          <p:nvPr>
+            <p:ph type="sldNum" sz="quarter" idx="12"/>
+          </p:nvPr>
+        </p:nvSpPr>
+        <p:spPr/>
+        <p:txBody>
+          <a:bodyPr/>
+          <a:lstStyle/>
+          <a:p>
+            <a:fld id="{4FAB73BC-B049-4115-A692-8D63A059BFB8}" type="slidenum">
+              <a:rPr lang="en-US" smtClean="0"/>
+              <a:t>17</a:t>
+            </a:fld>
+            <a:endParaRPr lang="en-US" dirty="0"/>
+          </a:p>
+        </p:txBody>
+      </p:sp>
+    </p:spTree>
+    <p:extLst>
+      <p:ext uri="{BB962C8B-B14F-4D97-AF65-F5344CB8AC3E}">
+        <p14:creationId xmlns:p14="http://schemas.microsoft.com/office/powerpoint/2010/main" val="3708960183"/>
+      </p:ext>
+    </p:extLst>
+  </p:cSld>
+  <p:clrMapOvr>
+    <a:masterClrMapping/>
+  </p:clrMapOvr>
+  <p:timing>
+    <p:tnLst>
+      <p:par>
+        <p:cTn id="1" dur="indefinite" restart="never" nodeType="tmRoot"/>
+      </p:par>
+    </p:tnLst>
+  </p:timing>
+</p:sld>
+</file>
+
+<file path=ppt/slides/slide18.xml><?xml version="1.0" encoding="utf-8"?>
+<p:sld xmlns:a="http://schemas.openxmlformats.org/drawingml/2006/main" xmlns:r="http://schemas.openxmlformats.org/officeDocument/2006/relationships" xmlns:p="http://schemas.openxmlformats.org/presentationml/2006/main">
+  <p:cSld>
+    <p:spTree>
+      <p:nvGrpSpPr>
+        <p:cNvPr id="1" name=""/>
+        <p:cNvGrpSpPr/>
+        <p:nvPr/>
+      </p:nvGrpSpPr>
+      <p:grpSpPr>
+        <a:xfrm>
+          <a:off x="0" y="0"/>
+          <a:ext cx="0" cy="0"/>
+          <a:chOff x="0" y="0"/>
+          <a:chExt cx="0" cy="0"/>
+        </a:xfrm>
+      </p:grpSpPr>
+      <p:sp>
+        <p:nvSpPr>
+          <p:cNvPr id="2" name="Title 1"/>
+          <p:cNvSpPr>
+            <a:spLocks noGrp="1"/>
+          </p:cNvSpPr>
+          <p:nvPr>
+            <p:ph type="title"/>
+          </p:nvPr>
+        </p:nvSpPr>
+        <p:spPr/>
+        <p:txBody>
+          <a:bodyPr>
+            <a:normAutofit/>
+          </a:bodyPr>
+          <a:lstStyle/>
+          <a:p>
+            <a:r>
+              <a:rPr lang="en-US" dirty="0" smtClean="0"/>
+              <a:t>Analysis of Periodic Systems</a:t>
+            </a:r>
+            <a:endParaRPr lang="en-US" dirty="0"/>
+          </a:p>
+        </p:txBody>
+      </p:sp>
+      <p:sp>
+        <p:nvSpPr>
+          <p:cNvPr id="3" name="Content Placeholder 2"/>
+          <p:cNvSpPr>
+            <a:spLocks noGrp="1"/>
+          </p:cNvSpPr>
+          <p:nvPr>
+            <p:ph idx="1"/>
+          </p:nvPr>
+        </p:nvSpPr>
+        <p:spPr/>
+        <p:txBody>
+          <a:bodyPr>
+            <a:normAutofit/>
+          </a:bodyPr>
+          <a:lstStyle/>
+          <a:p>
+            <a:endParaRPr lang="en-US" dirty="0" smtClean="0"/>
+          </a:p>
+        </p:txBody>
+      </p:sp>
+      <p:sp>
+        <p:nvSpPr>
+          <p:cNvPr id="4" name="Slide Number Placeholder 3"/>
+          <p:cNvSpPr>
+            <a:spLocks noGrp="1"/>
+          </p:cNvSpPr>
+          <p:nvPr>
+            <p:ph type="sldNum" sz="quarter" idx="12"/>
+          </p:nvPr>
+        </p:nvSpPr>
+        <p:spPr/>
+        <p:txBody>
+          <a:bodyPr/>
+          <a:lstStyle/>
+          <a:p>
+            <a:fld id="{4FAB73BC-B049-4115-A692-8D63A059BFB8}" type="slidenum">
+              <a:rPr lang="en-US" smtClean="0"/>
+              <a:t>18</a:t>
+            </a:fld>
+            <a:endParaRPr lang="en-US" dirty="0"/>
+          </a:p>
+        </p:txBody>
+      </p:sp>
+    </p:spTree>
+    <p:extLst>
+      <p:ext uri="{BB962C8B-B14F-4D97-AF65-F5344CB8AC3E}">
+        <p14:creationId xmlns:p14="http://schemas.microsoft.com/office/powerpoint/2010/main" val="93061543"/>
+      </p:ext>
+    </p:extLst>
+  </p:cSld>
+  <p:clrMapOvr>
+    <a:masterClrMapping/>
+  </p:clrMapOvr>
+  <p:timing>
+    <p:tnLst>
+      <p:par>
+        <p:cTn id="1" dur="indefinite" restart="never" nodeType="tmRoot"/>
+      </p:par>
+    </p:tnLst>
+  </p:timing>
+</p:sld>
+</file>
+
+<file path=ppt/slides/slide19.xml><?xml version="1.0" encoding="utf-8"?>
+<p:sld xmlns:a="http://schemas.openxmlformats.org/drawingml/2006/main" xmlns:r="http://schemas.openxmlformats.org/officeDocument/2006/relationships" xmlns:p="http://schemas.openxmlformats.org/presentationml/2006/main">
+  <p:cSld>
+    <p:spTree>
+      <p:nvGrpSpPr>
+        <p:cNvPr id="1" name=""/>
+        <p:cNvGrpSpPr/>
+        <p:nvPr/>
+      </p:nvGrpSpPr>
+      <p:grpSpPr>
+        <a:xfrm>
+          <a:off x="0" y="0"/>
+          <a:ext cx="0" cy="0"/>
+          <a:chOff x="0" y="0"/>
+          <a:chExt cx="0" cy="0"/>
+        </a:xfrm>
+      </p:grpSpPr>
+      <p:sp>
+        <p:nvSpPr>
+          <p:cNvPr id="2" name="Title 1"/>
+          <p:cNvSpPr>
+            <a:spLocks noGrp="1"/>
+          </p:cNvSpPr>
+          <p:nvPr>
+            <p:ph type="title"/>
+          </p:nvPr>
+        </p:nvSpPr>
+        <p:spPr/>
+        <p:txBody>
+          <a:bodyPr/>
+          <a:lstStyle/>
+          <a:p>
+            <a:r>
+              <a:rPr lang="en-US" dirty="0" smtClean="0"/>
+              <a:t>PNP</a:t>
+            </a:r>
+            <a:r>
+              <a:rPr lang="en-US" baseline="30000" dirty="0" smtClean="0"/>
+              <a:t>2</a:t>
+            </a:r>
+            <a:r>
+              <a:rPr lang="en-US" dirty="0" smtClean="0"/>
               <a:t> </a:t>
             </a:r>
             <a:r>
-              <a:rPr lang="en-US" dirty="0" err="1" smtClean="0"/>
+              <a:rPr lang="en-US" dirty="0" smtClean="0"/>
+              <a:t>Network Applications</a:t>
+            </a:r>
+            <a:r>
+              <a:rPr lang="en-US" dirty="0"/>
+              <a:t> </a:t>
+            </a:r>
+            <a:r>
+              <a:rPr lang="en-US" dirty="0" smtClean="0"/>
               <a:t>Testbed</a:t>
             </a:r>
             <a:endParaRPr lang="en-US" dirty="0"/>
@@ -6538,12 +8307,20 @@
               <a:t>Used for the deployment of </a:t>
             </a:r>
             <a:r>
-              <a:rPr lang="en-US" dirty="0" err="1" smtClean="0"/>
-              <a:t>MAReN</a:t>
-            </a:r>
-            <a:r>
-              <a:rPr lang="en-US" dirty="0" smtClean="0"/>
-              <a:t> tests</a:t>
+              <a:rPr lang="en-US" dirty="0"/>
+              <a:t>PNP</a:t>
+            </a:r>
+            <a:r>
+              <a:rPr lang="en-US" baseline="30000" dirty="0"/>
+              <a:t>2</a:t>
+            </a:r>
+            <a:r>
+              <a:rPr lang="en-US" dirty="0" smtClean="0"/>
+              <a:t> </a:t>
+            </a:r>
+            <a:r>
+              <a:rPr lang="en-US" dirty="0" smtClean="0"/>
+              <a:t>tests</a:t>
             </a:r>
           </a:p>
           <a:p>
@@ -6568,19 +8345,27 @@
               <a:t>validated </a:t>
             </a:r>
             <a:r>
-              <a:rPr lang="en-US" dirty="0" err="1" smtClean="0"/>
-              <a:t>MAReN</a:t>
-            </a:r>
-            <a:r>
-              <a:rPr lang="en-US" dirty="0" smtClean="0"/>
-              <a:t> analysis</a:t>
-            </a:r>
-            <a:r>
-              <a:rPr lang="en-US" dirty="0"/>
+              <a:rPr lang="en-US" dirty="0"/>
+              <a:t>PNP</a:t>
+            </a:r>
+            <a:r>
+              <a:rPr lang="en-US" baseline="30000" dirty="0"/>
+              <a:t>2</a:t>
+            </a:r>
+            <a:r>
+              <a:rPr lang="en-US" dirty="0" smtClean="0"/>
               <a:t> </a:t>
             </a:r>
             <a:r>
               <a:rPr lang="en-US" dirty="0" smtClean="0"/>
+              <a:t>analysis</a:t>
+            </a:r>
+            <a:r>
+              <a:rPr lang="en-US" dirty="0"/>
+              <a:t> </a:t>
+            </a:r>
+            <a:r>
+              <a:rPr lang="en-US" dirty="0" smtClean="0"/>
               <a:t>results</a:t>
             </a:r>
             <a:r>
@@ -6604,10 +8389,9 @@
               <a:t> </a:t>
             </a:r>
             <a:r>
-              <a:rPr lang="en-US" dirty="0" err="1" smtClean="0"/>
+              <a:rPr lang="en-US" dirty="0" smtClean="0"/>
               <a:t>testbed</a:t>
             </a:r>
-            <a:endParaRPr lang="en-US" dirty="0" smtClean="0"/>
           </a:p>
           <a:p>
             <a:r>
@@ -6744,7 +8528,7 @@
           <a:p>
             <a:fld id="{4FAB73BC-B049-4115-A692-8D63A059BFB8}" type="slidenum">
               <a:rPr lang="en-US" smtClean="0"/>
-              <a:t>12</a:t>
+              <a:t>19</a:t>
             </a:fld>
             <a:endParaRPr lang="en-US" dirty="0"/>
           </a:p>
@@ -6770,7 +8554,7 @@
 </p:sld>
 </file>
 
-<file path=ppt/slides/slide13.xml><?xml version="1.0" encoding="utf-8"?>
+<file path=ppt/slides/slide2.xml><?xml version="1.0" encoding="utf-8"?>
 <p:sld xmlns:a="http://schemas.openxmlformats.org/drawingml/2006/main" xmlns:r="http://schemas.openxmlformats.org/officeDocument/2006/relationships" xmlns:p="http://schemas.openxmlformats.org/presentationml/2006/main">
   <p:cSld>
     <p:spTree>
@@ -6799,6 +8583,227 @@
         </p:nvSpPr>
         <p:spPr/>
         <p:txBody>
+          <a:bodyPr/>
+          <a:lstStyle/>
+          <a:p>
+            <a:r>
+              <a:rPr lang="en-US" dirty="0" smtClean="0"/>
+              <a:t>Outline</a:t>
+            </a:r>
+            <a:endParaRPr lang="en-US" dirty="0"/>
+          </a:p>
+        </p:txBody>
+      </p:sp>
+      <p:sp>
+        <p:nvSpPr>
+          <p:cNvPr id="3" name="Content Placeholder 2"/>
+          <p:cNvSpPr>
+            <a:spLocks noGrp="1"/>
+          </p:cNvSpPr>
+          <p:nvPr>
+            <p:ph idx="1"/>
+          </p:nvPr>
+        </p:nvSpPr>
+        <p:spPr/>
+        <p:txBody>
+          <a:bodyPr>
+            <a:normAutofit fontScale="85000" lnSpcReduction="20000"/>
+          </a:bodyPr>
+          <a:lstStyle/>
+          <a:p>
+            <a:r>
+              <a:rPr lang="en-US" dirty="0" smtClean="0"/>
+              <a:t>Introduction </a:t>
+            </a:r>
+          </a:p>
+          <a:p>
+            <a:r>
+              <a:rPr lang="en-US" dirty="0" smtClean="0"/>
+              <a:t>Related Work</a:t>
+            </a:r>
+          </a:p>
+          <a:p>
+            <a:r>
+              <a:rPr lang="en-US" dirty="0" smtClean="0"/>
+              <a:t>Results: </a:t>
+            </a:r>
+          </a:p>
+          <a:p>
+            <a:pPr lvl="1"/>
+            <a:r>
+              <a:rPr lang="en-US" dirty="0" smtClean="0"/>
+              <a:t>Design-Time Network Performance Analysis of Distributed CPS Applications</a:t>
+            </a:r>
+          </a:p>
+          <a:p>
+            <a:pPr lvl="2"/>
+            <a:r>
+              <a:rPr lang="en-US" dirty="0" smtClean="0"/>
+              <a:t>Precise Network Performance </a:t>
+            </a:r>
+            <a:r>
+              <a:rPr lang="en-US" dirty="0"/>
+              <a:t>Prediction</a:t>
+            </a:r>
+          </a:p>
+          <a:p>
+            <a:pPr lvl="2"/>
+            <a:r>
+              <a:rPr lang="en-US" dirty="0"/>
+              <a:t>Comparison with Network Calculus</a:t>
+            </a:r>
+            <a:endParaRPr lang="en-US" dirty="0" smtClean="0"/>
+          </a:p>
+          <a:p>
+            <a:pPr lvl="2"/>
+            <a:r>
+              <a:rPr lang="en-US" dirty="0" smtClean="0"/>
+              <a:t>Analysis of Periodic </a:t>
+            </a:r>
+            <a:r>
+              <a:rPr lang="en-US" dirty="0" smtClean="0"/>
+              <a:t>Systems</a:t>
+            </a:r>
+          </a:p>
+          <a:p>
+            <a:pPr lvl="2"/>
+            <a:r>
+              <a:rPr lang="en-US" dirty="0" smtClean="0"/>
+              <a:t>Analysis of TDMA Scheduling</a:t>
+            </a:r>
+          </a:p>
+          <a:p>
+            <a:pPr lvl="2"/>
+            <a:r>
+              <a:rPr lang="en-US" dirty="0" smtClean="0"/>
+              <a:t>Compositional </a:t>
+            </a:r>
+            <a:r>
+              <a:rPr lang="en-US" dirty="0" smtClean="0"/>
+              <a:t>Analysis</a:t>
+            </a:r>
+          </a:p>
+          <a:p>
+            <a:pPr lvl="2"/>
+            <a:r>
+              <a:rPr lang="en-US" dirty="0" smtClean="0"/>
+              <a:t>Delay Analysis</a:t>
+            </a:r>
+          </a:p>
+          <a:p>
+            <a:pPr lvl="2"/>
+            <a:r>
+              <a:rPr lang="en-US" dirty="0" smtClean="0"/>
+              <a:t>Analysis of Statically Routed Networks</a:t>
+            </a:r>
+          </a:p>
+          <a:p>
+            <a:pPr lvl="1"/>
+            <a:r>
+              <a:rPr lang="en-US" dirty="0" smtClean="0"/>
+              <a:t>Run-Time Network Performance Monitoring and Management for Distributed CPS Applications</a:t>
+            </a:r>
+          </a:p>
+          <a:p>
+            <a:pPr lvl="2"/>
+            <a:r>
+              <a:rPr lang="en-US" dirty="0" smtClean="0"/>
+              <a:t>Measurement, Detection, and Enforcement</a:t>
+            </a:r>
+          </a:p>
+          <a:p>
+            <a:pPr lvl="2"/>
+            <a:r>
+              <a:rPr lang="en-US" dirty="0" smtClean="0"/>
+              <a:t>DDoS Detection</a:t>
+            </a:r>
+          </a:p>
+          <a:p>
+            <a:r>
+              <a:rPr lang="en-US" dirty="0" smtClean="0"/>
+              <a:t>Conclusions and Future Work</a:t>
+            </a:r>
+          </a:p>
+          <a:p>
+            <a:r>
+              <a:rPr lang="en-US" dirty="0" smtClean="0"/>
+              <a:t>Publications</a:t>
+            </a:r>
+          </a:p>
+        </p:txBody>
+      </p:sp>
+      <p:sp>
+        <p:nvSpPr>
+          <p:cNvPr id="4" name="Slide Number Placeholder 3"/>
+          <p:cNvSpPr>
+            <a:spLocks noGrp="1"/>
+          </p:cNvSpPr>
+          <p:nvPr>
+            <p:ph type="sldNum" sz="quarter" idx="12"/>
+          </p:nvPr>
+        </p:nvSpPr>
+        <p:spPr/>
+        <p:txBody>
+          <a:bodyPr/>
+          <a:lstStyle/>
+          <a:p>
+            <a:fld id="{4FAB73BC-B049-4115-A692-8D63A059BFB8}" type="slidenum">
+              <a:rPr lang="en-US" smtClean="0"/>
+              <a:t>2</a:t>
+            </a:fld>
+            <a:endParaRPr lang="en-US" dirty="0"/>
+          </a:p>
+        </p:txBody>
+      </p:sp>
+    </p:spTree>
+    <p:extLst>
+      <p:ext uri="{BB962C8B-B14F-4D97-AF65-F5344CB8AC3E}">
+        <p14:creationId xmlns:p14="http://schemas.microsoft.com/office/powerpoint/2010/main" val="386266896"/>
+      </p:ext>
+    </p:extLst>
+  </p:cSld>
+  <p:clrMapOvr>
+    <a:masterClrMapping/>
+  </p:clrMapOvr>
+  <p:timing>
+    <p:tnLst>
+      <p:par>
+        <p:cTn id="1" dur="indefinite" restart="never" nodeType="tmRoot"/>
+      </p:par>
+    </p:tnLst>
+  </p:timing>
+</p:sld>
+</file>
+
+<file path=ppt/slides/slide20.xml><?xml version="1.0" encoding="utf-8"?>
+<p:sld xmlns:a="http://schemas.openxmlformats.org/drawingml/2006/main" xmlns:r="http://schemas.openxmlformats.org/officeDocument/2006/relationships" xmlns:p="http://schemas.openxmlformats.org/presentationml/2006/main">
+  <p:cSld>
+    <p:spTree>
+      <p:nvGrpSpPr>
+        <p:cNvPr id="1" name=""/>
+        <p:cNvGrpSpPr/>
+        <p:nvPr/>
+      </p:nvGrpSpPr>
+      <p:grpSpPr>
+        <a:xfrm>
+          <a:off x="0" y="0"/>
+          <a:ext cx="0" cy="0"/>
+          <a:chOff x="0" y="0"/>
+          <a:chExt cx="0" cy="0"/>
+        </a:xfrm>
+      </p:grpSpPr>
+      <p:sp>
+        <p:nvSpPr>
+          <p:cNvPr id="2" name="Title 1"/>
+          <p:cNvSpPr>
+            <a:spLocks noGrp="1"/>
+          </p:cNvSpPr>
+          <p:nvPr>
+            <p:ph type="title"/>
+          </p:nvPr>
+        </p:nvSpPr>
+        <p:spPr/>
+        <p:txBody>
           <a:bodyPr>
             <a:normAutofit/>
           </a:bodyPr>
@@ -6809,12 +8814,20 @@
               <a:t>Comparison of </a:t>
             </a:r>
             <a:r>
-              <a:rPr lang="en-US" dirty="0" err="1" smtClean="0"/>
-              <a:t>MAReN</a:t>
-            </a:r>
-            <a:r>
-              <a:rPr lang="en-US" dirty="0" smtClean="0"/>
-              <a:t> with RTC Toolbox</a:t>
+              <a:rPr lang="en-US" dirty="0"/>
+              <a:t>PNP</a:t>
+            </a:r>
+            <a:r>
+              <a:rPr lang="en-US" baseline="30000" dirty="0"/>
+              <a:t>2</a:t>
+            </a:r>
+            <a:r>
+              <a:rPr lang="en-US" dirty="0" smtClean="0"/>
+              <a:t> </a:t>
+            </a:r>
+            <a:r>
+              <a:rPr lang="en-US" dirty="0" smtClean="0"/>
+              <a:t>with RTC Toolbox</a:t>
             </a:r>
             <a:endParaRPr lang="en-US" dirty="0"/>
           </a:p>
@@ -6896,7 +8909,7 @@
           <a:p>
             <a:fld id="{4FAB73BC-B049-4115-A692-8D63A059BFB8}" type="slidenum">
               <a:rPr lang="en-US" smtClean="0"/>
-              <a:t>13</a:t>
+              <a:t>20</a:t>
             </a:fld>
             <a:endParaRPr lang="en-US" dirty="0"/>
           </a:p>
@@ -6922,7 +8935,7 @@
 </p:sld>
 </file>
 
-<file path=ppt/slides/slide14.xml><?xml version="1.0" encoding="utf-8"?>
+<file path=ppt/slides/slide21.xml><?xml version="1.0" encoding="utf-8"?>
 <p:sld xmlns:a="http://schemas.openxmlformats.org/drawingml/2006/main" xmlns:r="http://schemas.openxmlformats.org/officeDocument/2006/relationships" xmlns:p="http://schemas.openxmlformats.org/presentationml/2006/main">
   <p:cSld>
     <p:spTree>
@@ -7266,7 +9279,7 @@
           <a:p>
             <a:fld id="{4FAB73BC-B049-4115-A692-8D63A059BFB8}" type="slidenum">
               <a:rPr lang="en-US" smtClean="0"/>
-              <a:t>14</a:t>
+              <a:t>21</a:t>
             </a:fld>
             <a:endParaRPr lang="en-US" dirty="0"/>
           </a:p>
@@ -7292,7 +9305,7 @@
 </p:sld>
 </file>
 
-<file path=ppt/slides/slide15.xml><?xml version="1.0" encoding="utf-8"?>
+<file path=ppt/slides/slide22.xml><?xml version="1.0" encoding="utf-8"?>
 <p:sld xmlns:a="http://schemas.openxmlformats.org/drawingml/2006/main" xmlns:r="http://schemas.openxmlformats.org/officeDocument/2006/relationships" xmlns:p="http://schemas.openxmlformats.org/presentationml/2006/main">
   <p:cSld>
     <p:spTree>
@@ -7381,7 +9394,7 @@
           <a:p>
             <a:fld id="{4FAB73BC-B049-4115-A692-8D63A059BFB8}" type="slidenum">
               <a:rPr lang="en-US" smtClean="0"/>
-              <a:t>15</a:t>
+              <a:t>22</a:t>
             </a:fld>
             <a:endParaRPr lang="en-US" dirty="0"/>
           </a:p>
@@ -7391,2104 +9404,6 @@
     <p:extLst>
       <p:ext uri="{BB962C8B-B14F-4D97-AF65-F5344CB8AC3E}">
         <p14:creationId xmlns:p14="http://schemas.microsoft.com/office/powerpoint/2010/main" val="3334388207"/>
-      </p:ext>
-    </p:extLst>
-  </p:cSld>
-  <p:clrMapOvr>
-    <a:masterClrMapping/>
-  </p:clrMapOvr>
-  <p:timing>
-    <p:tnLst>
-      <p:par>
-        <p:cTn id="1" dur="indefinite" restart="never" nodeType="tmRoot"/>
-      </p:par>
-    </p:tnLst>
-  </p:timing>
-</p:sld>
-</file>
-
-<file path=ppt/slides/slide16.xml><?xml version="1.0" encoding="utf-8"?>
-<p:sld xmlns:a="http://schemas.openxmlformats.org/drawingml/2006/main" xmlns:r="http://schemas.openxmlformats.org/officeDocument/2006/relationships" xmlns:p="http://schemas.openxmlformats.org/presentationml/2006/main">
-  <p:cSld>
-    <p:spTree>
-      <p:nvGrpSpPr>
-        <p:cNvPr id="1" name=""/>
-        <p:cNvGrpSpPr/>
-        <p:nvPr/>
-      </p:nvGrpSpPr>
-      <p:grpSpPr>
-        <a:xfrm>
-          <a:off x="0" y="0"/>
-          <a:ext cx="0" cy="0"/>
-          <a:chOff x="0" y="0"/>
-          <a:chExt cx="0" cy="0"/>
-        </a:xfrm>
-      </p:grpSpPr>
-      <p:sp>
-        <p:nvSpPr>
-          <p:cNvPr id="2" name="Title 1"/>
-          <p:cNvSpPr>
-            <a:spLocks noGrp="1"/>
-          </p:cNvSpPr>
-          <p:nvPr>
-            <p:ph type="title"/>
-          </p:nvPr>
-        </p:nvSpPr>
-        <p:spPr/>
-        <p:txBody>
-          <a:bodyPr>
-            <a:normAutofit fontScale="90000"/>
-          </a:bodyPr>
-          <a:lstStyle/>
-          <a:p>
-            <a:r>
-              <a:rPr lang="en-US" dirty="0" smtClean="0"/>
-              <a:t>Generation of Application Network Profiles from Business Logic Models (3/3)</a:t>
-            </a:r>
-            <a:endParaRPr lang="en-US" dirty="0"/>
-          </a:p>
-        </p:txBody>
-      </p:sp>
-      <p:sp>
-        <p:nvSpPr>
-          <p:cNvPr id="4" name="Text Placeholder 3"/>
-          <p:cNvSpPr>
-            <a:spLocks noGrp="1"/>
-          </p:cNvSpPr>
-          <p:nvPr>
-            <p:ph type="body" idx="1"/>
-          </p:nvPr>
-        </p:nvSpPr>
-        <p:spPr>
-          <a:xfrm>
-            <a:off x="946403" y="1717185"/>
-            <a:ext cx="6047177" cy="731520"/>
-          </a:xfrm>
-        </p:spPr>
-        <p:txBody>
-          <a:bodyPr/>
-          <a:lstStyle/>
-          <a:p>
-            <a:r>
-              <a:rPr lang="en-US" dirty="0" smtClean="0"/>
-              <a:t>Proposed Contributions</a:t>
-            </a:r>
-            <a:endParaRPr lang="en-US" dirty="0"/>
-          </a:p>
-        </p:txBody>
-      </p:sp>
-      <p:sp>
-        <p:nvSpPr>
-          <p:cNvPr id="6" name="Content Placeholder 5"/>
-          <p:cNvSpPr>
-            <a:spLocks noGrp="1"/>
-          </p:cNvSpPr>
-          <p:nvPr>
-            <p:ph sz="half" idx="2"/>
-          </p:nvPr>
-        </p:nvSpPr>
-        <p:spPr>
-          <a:xfrm>
-            <a:off x="946403" y="2507550"/>
-            <a:ext cx="6047177" cy="3664650"/>
-          </a:xfrm>
-        </p:spPr>
-        <p:txBody>
-          <a:bodyPr>
-            <a:normAutofit fontScale="92500" lnSpcReduction="20000"/>
-          </a:bodyPr>
-          <a:lstStyle/>
-          <a:p>
-            <a:r>
-              <a:rPr lang="en-US" sz="1800" dirty="0" smtClean="0"/>
-              <a:t>We will develop an add-on to our currently existing modeling language for application business logic which captures the network resources required during each part of the business logic model.</a:t>
-            </a:r>
-          </a:p>
-          <a:p>
-            <a:r>
-              <a:rPr lang="en-US" sz="1800" dirty="0" smtClean="0"/>
-              <a:t>We will develop a compositional technique for generating the network resource requirement profile for an application from the combined business logic models of that application's components.  This is required because the business logic models describe the behavior of the callback associated with a component port, but does not describe the timing of the invocations of that callback.</a:t>
-            </a:r>
-          </a:p>
-          <a:p>
-            <a:r>
-              <a:rPr lang="en-US" sz="1800" dirty="0" smtClean="0"/>
-              <a:t>We will develop test applications for our </a:t>
-            </a:r>
-            <a:r>
-              <a:rPr lang="en-US" sz="1800" dirty="0" err="1" smtClean="0"/>
-              <a:t>testbed</a:t>
-            </a:r>
-            <a:r>
-              <a:rPr lang="en-US" sz="1800" dirty="0" smtClean="0"/>
-              <a:t> which adhere to the business logic models and allow us to measure the accuracy and precision of the predictions using these generated profiles.</a:t>
-            </a:r>
-          </a:p>
-          <a:p>
-            <a:endParaRPr lang="en-US" dirty="0"/>
-          </a:p>
-        </p:txBody>
-      </p:sp>
-      <p:sp>
-        <p:nvSpPr>
-          <p:cNvPr id="3" name="Slide Number Placeholder 2"/>
-          <p:cNvSpPr>
-            <a:spLocks noGrp="1"/>
-          </p:cNvSpPr>
-          <p:nvPr>
-            <p:ph type="sldNum" sz="quarter" idx="12"/>
-          </p:nvPr>
-        </p:nvSpPr>
-        <p:spPr/>
-        <p:txBody>
-          <a:bodyPr/>
-          <a:lstStyle/>
-          <a:p>
-            <a:fld id="{4FAB73BC-B049-4115-A692-8D63A059BFB8}" type="slidenum">
-              <a:rPr lang="en-US" smtClean="0"/>
-              <a:t>16</a:t>
-            </a:fld>
-            <a:endParaRPr lang="en-US" dirty="0"/>
-          </a:p>
-        </p:txBody>
-      </p:sp>
-    </p:spTree>
-    <p:extLst>
-      <p:ext uri="{BB962C8B-B14F-4D97-AF65-F5344CB8AC3E}">
-        <p14:creationId xmlns:p14="http://schemas.microsoft.com/office/powerpoint/2010/main" val="1474561979"/>
-      </p:ext>
-    </p:extLst>
-  </p:cSld>
-  <p:clrMapOvr>
-    <a:masterClrMapping/>
-  </p:clrMapOvr>
-  <p:timing>
-    <p:tnLst>
-      <p:par>
-        <p:cTn id="1" dur="indefinite" restart="never" nodeType="tmRoot"/>
-      </p:par>
-    </p:tnLst>
-  </p:timing>
-</p:sld>
-</file>
-
-<file path=ppt/slides/slide17.xml><?xml version="1.0" encoding="utf-8"?>
-<p:sld xmlns:a="http://schemas.openxmlformats.org/drawingml/2006/main" xmlns:r="http://schemas.openxmlformats.org/officeDocument/2006/relationships" xmlns:p="http://schemas.openxmlformats.org/presentationml/2006/main">
-  <p:cSld>
-    <p:spTree>
-      <p:nvGrpSpPr>
-        <p:cNvPr id="1" name=""/>
-        <p:cNvGrpSpPr/>
-        <p:nvPr/>
-      </p:nvGrpSpPr>
-      <p:grpSpPr>
-        <a:xfrm>
-          <a:off x="0" y="0"/>
-          <a:ext cx="0" cy="0"/>
-          <a:chOff x="0" y="0"/>
-          <a:chExt cx="0" cy="0"/>
-        </a:xfrm>
-      </p:grpSpPr>
-      <p:sp>
-        <p:nvSpPr>
-          <p:cNvPr id="2" name="Title 1"/>
-          <p:cNvSpPr>
-            <a:spLocks noGrp="1"/>
-          </p:cNvSpPr>
-          <p:nvPr>
-            <p:ph type="title"/>
-          </p:nvPr>
-        </p:nvSpPr>
-        <p:spPr/>
-        <p:txBody>
-          <a:bodyPr>
-            <a:normAutofit/>
-          </a:bodyPr>
-          <a:lstStyle/>
-          <a:p>
-            <a:r>
-              <a:rPr lang="en-US" dirty="0" smtClean="0"/>
-              <a:t>Analysis of Statically Routed Networks</a:t>
-            </a:r>
-            <a:endParaRPr lang="en-US" dirty="0"/>
-          </a:p>
-        </p:txBody>
-      </p:sp>
-      <p:sp>
-        <p:nvSpPr>
-          <p:cNvPr id="5" name="Text Placeholder 4"/>
-          <p:cNvSpPr>
-            <a:spLocks noGrp="1"/>
-          </p:cNvSpPr>
-          <p:nvPr>
-            <p:ph type="body" idx="1"/>
-          </p:nvPr>
-        </p:nvSpPr>
-        <p:spPr/>
-        <p:txBody>
-          <a:bodyPr/>
-          <a:lstStyle/>
-          <a:p>
-            <a:r>
-              <a:rPr lang="en-US" dirty="0" smtClean="0"/>
-              <a:t>Challenges</a:t>
-            </a:r>
-            <a:endParaRPr lang="en-US" dirty="0"/>
-          </a:p>
-        </p:txBody>
-      </p:sp>
-      <p:sp>
-        <p:nvSpPr>
-          <p:cNvPr id="3" name="Content Placeholder 2"/>
-          <p:cNvSpPr>
-            <a:spLocks noGrp="1"/>
-          </p:cNvSpPr>
-          <p:nvPr>
-            <p:ph sz="half" idx="2"/>
-          </p:nvPr>
-        </p:nvSpPr>
-        <p:spPr/>
-        <p:txBody>
-          <a:bodyPr>
-            <a:normAutofit fontScale="92500" lnSpcReduction="20000"/>
-          </a:bodyPr>
-          <a:lstStyle/>
-          <a:p>
-            <a:r>
-              <a:rPr lang="en-US" dirty="0" smtClean="0"/>
-              <a:t>Most realistic networks require some form of message routing</a:t>
-            </a:r>
-          </a:p>
-          <a:p>
-            <a:pPr lvl="1"/>
-            <a:r>
-              <a:rPr lang="en-US" dirty="0" smtClean="0"/>
-              <a:t>Not all</a:t>
-            </a:r>
-            <a:r>
-              <a:rPr lang="en-US" dirty="0"/>
-              <a:t> </a:t>
-            </a:r>
-            <a:r>
-              <a:rPr lang="en-US" dirty="0" smtClean="0"/>
-              <a:t>nodes</a:t>
-            </a:r>
-            <a:r>
-              <a:rPr lang="en-US" dirty="0"/>
-              <a:t> </a:t>
-            </a:r>
-            <a:r>
-              <a:rPr lang="en-US" dirty="0" smtClean="0"/>
-              <a:t>have a direct communications link to each other</a:t>
-            </a:r>
-          </a:p>
-          <a:p>
-            <a:pPr lvl="1"/>
-            <a:r>
-              <a:rPr lang="en-US" dirty="0" smtClean="0"/>
-              <a:t>Due</a:t>
-            </a:r>
-            <a:r>
-              <a:rPr lang="en-US" dirty="0"/>
-              <a:t> </a:t>
-            </a:r>
-            <a:r>
-              <a:rPr lang="en-US" dirty="0" smtClean="0"/>
-              <a:t>to</a:t>
-            </a:r>
-            <a:r>
-              <a:rPr lang="en-US" dirty="0"/>
-              <a:t> </a:t>
-            </a:r>
-            <a:r>
-              <a:rPr lang="en-US" dirty="0" smtClean="0"/>
-              <a:t>e.g.</a:t>
-            </a:r>
-            <a:r>
-              <a:rPr lang="en-US" dirty="0"/>
-              <a:t> </a:t>
-            </a:r>
-            <a:r>
-              <a:rPr lang="en-US" dirty="0" smtClean="0"/>
-              <a:t>obstructions, local interference, etc.</a:t>
-            </a:r>
-          </a:p>
-          <a:p>
-            <a:r>
-              <a:rPr lang="en-US" dirty="0" smtClean="0"/>
-              <a:t>Routing</a:t>
-            </a:r>
-            <a:r>
-              <a:rPr lang="en-US" dirty="0"/>
-              <a:t> </a:t>
-            </a:r>
-            <a:r>
-              <a:rPr lang="en-US" dirty="0" smtClean="0"/>
-              <a:t>allows</a:t>
-            </a:r>
-            <a:r>
-              <a:rPr lang="en-US" dirty="0"/>
-              <a:t> </a:t>
-            </a:r>
-            <a:r>
-              <a:rPr lang="en-US" dirty="0" smtClean="0"/>
-              <a:t>for</a:t>
-            </a:r>
-            <a:r>
-              <a:rPr lang="en-US" dirty="0"/>
-              <a:t> </a:t>
-            </a:r>
-            <a:r>
-              <a:rPr lang="en-US" dirty="0" smtClean="0"/>
-              <a:t>more</a:t>
-            </a:r>
-            <a:r>
-              <a:rPr lang="en-US" dirty="0"/>
-              <a:t> </a:t>
-            </a:r>
-            <a:r>
-              <a:rPr lang="en-US" dirty="0" smtClean="0"/>
-              <a:t>flexibility</a:t>
-            </a:r>
-            <a:r>
-              <a:rPr lang="en-US" dirty="0"/>
-              <a:t> </a:t>
-            </a:r>
-            <a:r>
-              <a:rPr lang="en-US" dirty="0" smtClean="0"/>
-              <a:t>with</a:t>
-            </a:r>
-            <a:r>
-              <a:rPr lang="en-US" dirty="0"/>
-              <a:t> </a:t>
-            </a:r>
-            <a:r>
-              <a:rPr lang="en-US" dirty="0" smtClean="0"/>
-              <a:t>respect to system deployment and connectivity</a:t>
-            </a:r>
-          </a:p>
-          <a:p>
-            <a:r>
-              <a:rPr lang="en-US" dirty="0" smtClean="0"/>
-              <a:t>Routing can be either pre-defined at deployment time (static) or configured dynamically at run-time</a:t>
-            </a:r>
-          </a:p>
-          <a:p>
-            <a:endParaRPr lang="en-US" dirty="0"/>
-          </a:p>
-        </p:txBody>
-      </p:sp>
-      <p:sp>
-        <p:nvSpPr>
-          <p:cNvPr id="9" name="Text Placeholder 8"/>
-          <p:cNvSpPr>
-            <a:spLocks noGrp="1"/>
-          </p:cNvSpPr>
-          <p:nvPr>
-            <p:ph type="body" sz="quarter" idx="13"/>
-          </p:nvPr>
-        </p:nvSpPr>
-        <p:spPr/>
-        <p:txBody>
-          <a:bodyPr/>
-          <a:lstStyle/>
-          <a:p>
-            <a:r>
-              <a:rPr lang="en-US" dirty="0" smtClean="0"/>
-              <a:t>Proposed Contributions</a:t>
-            </a:r>
-            <a:endParaRPr lang="en-US" dirty="0"/>
-          </a:p>
-        </p:txBody>
-      </p:sp>
-      <p:sp>
-        <p:nvSpPr>
-          <p:cNvPr id="7" name="Content Placeholder 6"/>
-          <p:cNvSpPr>
-            <a:spLocks noGrp="1"/>
-          </p:cNvSpPr>
-          <p:nvPr>
-            <p:ph sz="quarter" idx="4"/>
-          </p:nvPr>
-        </p:nvSpPr>
-        <p:spPr/>
-        <p:txBody>
-          <a:bodyPr>
-            <a:normAutofit fontScale="92500" lnSpcReduction="20000"/>
-          </a:bodyPr>
-          <a:lstStyle/>
-          <a:p>
-            <a:r>
-              <a:rPr lang="en-US" dirty="0" smtClean="0"/>
-              <a:t>We consider a case of routing in ad-hoc networks:</a:t>
-            </a:r>
-          </a:p>
-          <a:p>
-            <a:pPr lvl="1"/>
-            <a:r>
-              <a:rPr lang="en-US" b="1" dirty="0" smtClean="0"/>
-              <a:t>one or more nodes can route messages for other nodes</a:t>
-            </a:r>
-          </a:p>
-          <a:p>
-            <a:r>
-              <a:rPr lang="en-US" dirty="0" smtClean="0"/>
-              <a:t>We will extend our network resource modeling and analysis techniques to support networks in which system nodes can act as routers for packets in the network.</a:t>
-            </a:r>
-          </a:p>
-          <a:p>
-            <a:r>
-              <a:rPr lang="en-US" dirty="0" smtClean="0"/>
-              <a:t>We will show experimentally the validity of the analysis results using our </a:t>
-            </a:r>
-            <a:r>
-              <a:rPr lang="en-US" dirty="0" err="1" smtClean="0"/>
-              <a:t>testbed</a:t>
-            </a:r>
-            <a:r>
-              <a:rPr lang="en-US" dirty="0" smtClean="0"/>
-              <a:t> and test applications.</a:t>
-            </a:r>
-          </a:p>
-          <a:p>
-            <a:endParaRPr lang="en-US" dirty="0"/>
-          </a:p>
-        </p:txBody>
-      </p:sp>
-      <p:sp>
-        <p:nvSpPr>
-          <p:cNvPr id="4" name="Slide Number Placeholder 3"/>
-          <p:cNvSpPr>
-            <a:spLocks noGrp="1"/>
-          </p:cNvSpPr>
-          <p:nvPr>
-            <p:ph type="sldNum" sz="quarter" idx="12"/>
-          </p:nvPr>
-        </p:nvSpPr>
-        <p:spPr/>
-        <p:txBody>
-          <a:bodyPr/>
-          <a:lstStyle/>
-          <a:p>
-            <a:fld id="{4FAB73BC-B049-4115-A692-8D63A059BFB8}" type="slidenum">
-              <a:rPr lang="en-US" smtClean="0"/>
-              <a:t>17</a:t>
-            </a:fld>
-            <a:endParaRPr lang="en-US" dirty="0"/>
-          </a:p>
-        </p:txBody>
-      </p:sp>
-    </p:spTree>
-    <p:extLst>
-      <p:ext uri="{BB962C8B-B14F-4D97-AF65-F5344CB8AC3E}">
-        <p14:creationId xmlns:p14="http://schemas.microsoft.com/office/powerpoint/2010/main" val="1169702747"/>
-      </p:ext>
-    </p:extLst>
-  </p:cSld>
-  <p:clrMapOvr>
-    <a:masterClrMapping/>
-  </p:clrMapOvr>
-  <p:timing>
-    <p:tnLst>
-      <p:par>
-        <p:cTn id="1" dur="indefinite" restart="never" nodeType="tmRoot"/>
-      </p:par>
-    </p:tnLst>
-  </p:timing>
-</p:sld>
-</file>
-
-<file path=ppt/slides/slide18.xml><?xml version="1.0" encoding="utf-8"?>
-<p:sld xmlns:a="http://schemas.openxmlformats.org/drawingml/2006/main" xmlns:r="http://schemas.openxmlformats.org/officeDocument/2006/relationships" xmlns:p="http://schemas.openxmlformats.org/presentationml/2006/main">
-  <p:cSld>
-    <p:spTree>
-      <p:nvGrpSpPr>
-        <p:cNvPr id="1" name=""/>
-        <p:cNvGrpSpPr/>
-        <p:nvPr/>
-      </p:nvGrpSpPr>
-      <p:grpSpPr>
-        <a:xfrm>
-          <a:off x="0" y="0"/>
-          <a:ext cx="0" cy="0"/>
-          <a:chOff x="0" y="0"/>
-          <a:chExt cx="0" cy="0"/>
-        </a:xfrm>
-      </p:grpSpPr>
-      <p:sp>
-        <p:nvSpPr>
-          <p:cNvPr id="2" name="Title 1"/>
-          <p:cNvSpPr>
-            <a:spLocks noGrp="1"/>
-          </p:cNvSpPr>
-          <p:nvPr>
-            <p:ph type="title"/>
-          </p:nvPr>
-        </p:nvSpPr>
-        <p:spPr/>
-        <p:txBody>
-          <a:bodyPr>
-            <a:normAutofit/>
-          </a:bodyPr>
-          <a:lstStyle/>
-          <a:p>
-            <a:r>
-              <a:rPr lang="en-US" dirty="0" smtClean="0"/>
-              <a:t>Comparison of </a:t>
-            </a:r>
-            <a:r>
-              <a:rPr lang="en-US" dirty="0" err="1" smtClean="0"/>
-              <a:t>MAReN</a:t>
-            </a:r>
-            <a:r>
-              <a:rPr lang="en-US" dirty="0" smtClean="0"/>
-              <a:t> to Network Calculus</a:t>
-            </a:r>
-            <a:endParaRPr lang="en-US" dirty="0"/>
-          </a:p>
-        </p:txBody>
-      </p:sp>
-      <p:sp>
-        <p:nvSpPr>
-          <p:cNvPr id="3" name="Content Placeholder 2"/>
-          <p:cNvSpPr>
-            <a:spLocks noGrp="1"/>
-          </p:cNvSpPr>
-          <p:nvPr>
-            <p:ph idx="1"/>
-          </p:nvPr>
-        </p:nvSpPr>
-        <p:spPr/>
-        <p:txBody>
-          <a:bodyPr>
-            <a:normAutofit/>
-          </a:bodyPr>
-          <a:lstStyle/>
-          <a:p>
-            <a:r>
-              <a:rPr lang="en-US" dirty="0" smtClean="0"/>
-              <a:t>By showing that the main concepts of Network Calculus, e.g. compositionality, hold for </a:t>
-            </a:r>
-            <a:r>
-              <a:rPr lang="en-US" dirty="0" err="1" smtClean="0"/>
-              <a:t>MAReN</a:t>
-            </a:r>
-            <a:r>
-              <a:rPr lang="en-US" dirty="0" smtClean="0"/>
-              <a:t>, we show the capability for similar systems-theory based </a:t>
-            </a:r>
-            <a:r>
-              <a:rPr lang="en-US" smtClean="0"/>
-              <a:t>analysis approaches</a:t>
-            </a:r>
-          </a:p>
-          <a:p>
-            <a:r>
-              <a:rPr lang="en-US" dirty="0" smtClean="0"/>
-              <a:t>We will mathematically analyze the differences between the proposed technique and Network Calculus, showing that compositionality (i.e. concatenation of nodes in NC) applies to our analysis techniques</a:t>
-            </a:r>
-          </a:p>
-          <a:p>
-            <a:r>
-              <a:rPr lang="en-US" dirty="0" smtClean="0"/>
-              <a:t>We will analyze network flow composition to formalize operations for flow aggregation</a:t>
-            </a:r>
-            <a:endParaRPr lang="en-US" dirty="0"/>
-          </a:p>
-        </p:txBody>
-      </p:sp>
-      <p:sp>
-        <p:nvSpPr>
-          <p:cNvPr id="4" name="Slide Number Placeholder 3"/>
-          <p:cNvSpPr>
-            <a:spLocks noGrp="1"/>
-          </p:cNvSpPr>
-          <p:nvPr>
-            <p:ph type="sldNum" sz="quarter" idx="12"/>
-          </p:nvPr>
-        </p:nvSpPr>
-        <p:spPr/>
-        <p:txBody>
-          <a:bodyPr/>
-          <a:lstStyle/>
-          <a:p>
-            <a:fld id="{4FAB73BC-B049-4115-A692-8D63A059BFB8}" type="slidenum">
-              <a:rPr lang="en-US" smtClean="0"/>
-              <a:t>18</a:t>
-            </a:fld>
-            <a:endParaRPr lang="en-US" dirty="0"/>
-          </a:p>
-        </p:txBody>
-      </p:sp>
-    </p:spTree>
-    <p:extLst>
-      <p:ext uri="{BB962C8B-B14F-4D97-AF65-F5344CB8AC3E}">
-        <p14:creationId xmlns:p14="http://schemas.microsoft.com/office/powerpoint/2010/main" val="3262185113"/>
-      </p:ext>
-    </p:extLst>
-  </p:cSld>
-  <p:clrMapOvr>
-    <a:masterClrMapping/>
-  </p:clrMapOvr>
-  <p:timing>
-    <p:tnLst>
-      <p:par>
-        <p:cTn id="1" dur="indefinite" restart="never" nodeType="tmRoot"/>
-      </p:par>
-    </p:tnLst>
-  </p:timing>
-</p:sld>
-</file>
-
-<file path=ppt/slides/slide19.xml><?xml version="1.0" encoding="utf-8"?>
-<p:sld xmlns:a="http://schemas.openxmlformats.org/drawingml/2006/main" xmlns:r="http://schemas.openxmlformats.org/officeDocument/2006/relationships" xmlns:p="http://schemas.openxmlformats.org/presentationml/2006/main">
-  <p:cSld>
-    <p:spTree>
-      <p:nvGrpSpPr>
-        <p:cNvPr id="1" name=""/>
-        <p:cNvGrpSpPr/>
-        <p:nvPr/>
-      </p:nvGrpSpPr>
-      <p:grpSpPr>
-        <a:xfrm>
-          <a:off x="0" y="0"/>
-          <a:ext cx="0" cy="0"/>
-          <a:chOff x="0" y="0"/>
-          <a:chExt cx="0" cy="0"/>
-        </a:xfrm>
-      </p:grpSpPr>
-      <p:sp>
-        <p:nvSpPr>
-          <p:cNvPr id="2" name="Title 1"/>
-          <p:cNvSpPr>
-            <a:spLocks noGrp="1"/>
-          </p:cNvSpPr>
-          <p:nvPr>
-            <p:ph type="title"/>
-          </p:nvPr>
-        </p:nvSpPr>
-        <p:spPr/>
-        <p:txBody>
-          <a:bodyPr>
-            <a:normAutofit/>
-          </a:bodyPr>
-          <a:lstStyle/>
-          <a:p>
-            <a:r>
-              <a:rPr lang="en-US" dirty="0" smtClean="0"/>
-              <a:t>Network Application Fault/Anomaly Classification</a:t>
-            </a:r>
-            <a:endParaRPr lang="en-US" dirty="0"/>
-          </a:p>
-        </p:txBody>
-      </p:sp>
-      <p:sp>
-        <p:nvSpPr>
-          <p:cNvPr id="3" name="Content Placeholder 2"/>
-          <p:cNvSpPr>
-            <a:spLocks noGrp="1"/>
-          </p:cNvSpPr>
-          <p:nvPr>
-            <p:ph idx="1"/>
-          </p:nvPr>
-        </p:nvSpPr>
-        <p:spPr/>
-        <p:txBody>
-          <a:bodyPr/>
-          <a:lstStyle/>
-          <a:p>
-            <a:r>
-              <a:rPr lang="en-US" dirty="0" smtClean="0"/>
-              <a:t>We will use our </a:t>
-            </a:r>
-            <a:r>
-              <a:rPr lang="en-US" dirty="0" err="1" smtClean="0"/>
-              <a:t>testbed</a:t>
-            </a:r>
-            <a:r>
-              <a:rPr lang="en-US" dirty="0" smtClean="0"/>
-              <a:t> to run distributed network tests to classify certain types of anomalies, e.g. </a:t>
-            </a:r>
-            <a:r>
-              <a:rPr lang="en-US" dirty="0" err="1" smtClean="0"/>
-              <a:t>DDoS</a:t>
-            </a:r>
-            <a:r>
-              <a:rPr lang="en-US" dirty="0" smtClean="0"/>
-              <a:t> attacks from compromised applications within the cluster.</a:t>
-            </a:r>
-          </a:p>
-          <a:p>
-            <a:pPr lvl="1"/>
-            <a:r>
-              <a:rPr lang="en-US" dirty="0" smtClean="0"/>
-              <a:t>Cluster</a:t>
-            </a:r>
-            <a:r>
-              <a:rPr lang="en-US" dirty="0"/>
-              <a:t> </a:t>
-            </a:r>
-            <a:r>
-              <a:rPr lang="en-US" dirty="0" smtClean="0"/>
-              <a:t>is</a:t>
-            </a:r>
-            <a:r>
-              <a:rPr lang="en-US" dirty="0"/>
-              <a:t> </a:t>
-            </a:r>
-            <a:r>
-              <a:rPr lang="en-US" dirty="0" smtClean="0"/>
-              <a:t>a</a:t>
-            </a:r>
-            <a:r>
-              <a:rPr lang="en-US" dirty="0"/>
-              <a:t> </a:t>
-            </a:r>
-            <a:r>
-              <a:rPr lang="en-US" b="1" dirty="0" smtClean="0"/>
-              <a:t>managed</a:t>
-            </a:r>
-            <a:r>
-              <a:rPr lang="en-US" dirty="0"/>
-              <a:t> </a:t>
-            </a:r>
-            <a:r>
-              <a:rPr lang="en-US" dirty="0" smtClean="0"/>
-              <a:t>system; we have full control over all layers on each node, but not the applications</a:t>
-            </a:r>
-          </a:p>
-          <a:p>
-            <a:r>
-              <a:rPr lang="en-US" dirty="0" smtClean="0"/>
-              <a:t>We will use the network resource utilization measurements gained from the tests to derive metrics which allow us to differentiate between classes of behavior, e.g. standard/stable application behavior vs. </a:t>
-            </a:r>
-            <a:r>
-              <a:rPr lang="en-US" dirty="0" err="1" smtClean="0"/>
-              <a:t>DDoS</a:t>
-            </a:r>
-            <a:r>
-              <a:rPr lang="en-US" dirty="0" smtClean="0"/>
-              <a:t> behavior.</a:t>
-            </a:r>
-          </a:p>
-          <a:p>
-            <a:r>
-              <a:rPr lang="en-US" dirty="0" smtClean="0"/>
-              <a:t>We will then use the classifications to show that the system can detect these types of attacks, mitigate their propagation, and report the attack to the system's manager.</a:t>
-            </a:r>
-            <a:endParaRPr lang="en-US" dirty="0"/>
-          </a:p>
-        </p:txBody>
-      </p:sp>
-      <p:sp>
-        <p:nvSpPr>
-          <p:cNvPr id="4" name="Slide Number Placeholder 3"/>
-          <p:cNvSpPr>
-            <a:spLocks noGrp="1"/>
-          </p:cNvSpPr>
-          <p:nvPr>
-            <p:ph type="sldNum" sz="quarter" idx="12"/>
-          </p:nvPr>
-        </p:nvSpPr>
-        <p:spPr/>
-        <p:txBody>
-          <a:bodyPr/>
-          <a:lstStyle/>
-          <a:p>
-            <a:fld id="{4FAB73BC-B049-4115-A692-8D63A059BFB8}" type="slidenum">
-              <a:rPr lang="en-US" smtClean="0"/>
-              <a:t>19</a:t>
-            </a:fld>
-            <a:endParaRPr lang="en-US" dirty="0"/>
-          </a:p>
-        </p:txBody>
-      </p:sp>
-    </p:spTree>
-    <p:extLst>
-      <p:ext uri="{BB962C8B-B14F-4D97-AF65-F5344CB8AC3E}">
-        <p14:creationId xmlns:p14="http://schemas.microsoft.com/office/powerpoint/2010/main" val="1688782407"/>
-      </p:ext>
-    </p:extLst>
-  </p:cSld>
-  <p:clrMapOvr>
-    <a:masterClrMapping/>
-  </p:clrMapOvr>
-  <p:timing>
-    <p:tnLst>
-      <p:par>
-        <p:cTn id="1" dur="indefinite" restart="never" nodeType="tmRoot"/>
-      </p:par>
-    </p:tnLst>
-  </p:timing>
-</p:sld>
-</file>
-
-<file path=ppt/slides/slide2.xml><?xml version="1.0" encoding="utf-8"?>
-<p:sld xmlns:a="http://schemas.openxmlformats.org/drawingml/2006/main" xmlns:r="http://schemas.openxmlformats.org/officeDocument/2006/relationships" xmlns:p="http://schemas.openxmlformats.org/presentationml/2006/main">
-  <p:cSld>
-    <p:spTree>
-      <p:nvGrpSpPr>
-        <p:cNvPr id="1" name=""/>
-        <p:cNvGrpSpPr/>
-        <p:nvPr/>
-      </p:nvGrpSpPr>
-      <p:grpSpPr>
-        <a:xfrm>
-          <a:off x="0" y="0"/>
-          <a:ext cx="0" cy="0"/>
-          <a:chOff x="0" y="0"/>
-          <a:chExt cx="0" cy="0"/>
-        </a:xfrm>
-      </p:grpSpPr>
-      <p:sp>
-        <p:nvSpPr>
-          <p:cNvPr id="2" name="Title 1"/>
-          <p:cNvSpPr>
-            <a:spLocks noGrp="1"/>
-          </p:cNvSpPr>
-          <p:nvPr>
-            <p:ph type="title"/>
-          </p:nvPr>
-        </p:nvSpPr>
-        <p:spPr/>
-        <p:txBody>
-          <a:bodyPr/>
-          <a:lstStyle/>
-          <a:p>
-            <a:r>
-              <a:rPr lang="en-US" dirty="0" smtClean="0"/>
-              <a:t>Outline</a:t>
-            </a:r>
-            <a:endParaRPr lang="en-US" dirty="0"/>
-          </a:p>
-        </p:txBody>
-      </p:sp>
-      <p:sp>
-        <p:nvSpPr>
-          <p:cNvPr id="3" name="Content Placeholder 2"/>
-          <p:cNvSpPr>
-            <a:spLocks noGrp="1"/>
-          </p:cNvSpPr>
-          <p:nvPr>
-            <p:ph idx="1"/>
-          </p:nvPr>
-        </p:nvSpPr>
-        <p:spPr/>
-        <p:txBody>
-          <a:bodyPr>
-            <a:normAutofit fontScale="85000" lnSpcReduction="20000"/>
-          </a:bodyPr>
-          <a:lstStyle/>
-          <a:p>
-            <a:r>
-              <a:rPr lang="en-US" dirty="0" smtClean="0"/>
-              <a:t>Introduction </a:t>
-            </a:r>
-          </a:p>
-          <a:p>
-            <a:r>
-              <a:rPr lang="en-US" dirty="0" smtClean="0"/>
-              <a:t>Related Work</a:t>
-            </a:r>
-          </a:p>
-          <a:p>
-            <a:r>
-              <a:rPr lang="en-US" dirty="0" smtClean="0"/>
-              <a:t>Results: </a:t>
-            </a:r>
-          </a:p>
-          <a:p>
-            <a:pPr lvl="1"/>
-            <a:r>
-              <a:rPr lang="en-US" dirty="0" smtClean="0"/>
-              <a:t>Design-Time Network Performance Analysis of Distributed CPS Applications</a:t>
-            </a:r>
-          </a:p>
-          <a:p>
-            <a:pPr lvl="2"/>
-            <a:r>
-              <a:rPr lang="en-US" dirty="0" smtClean="0"/>
-              <a:t>Precise Network Performance Prediction</a:t>
-            </a:r>
-          </a:p>
-          <a:p>
-            <a:pPr lvl="2"/>
-            <a:r>
-              <a:rPr lang="en-US" dirty="0" smtClean="0"/>
-              <a:t>Analysis of Periodic Systems</a:t>
-            </a:r>
-          </a:p>
-          <a:p>
-            <a:pPr lvl="2"/>
-            <a:r>
-              <a:rPr lang="en-US" dirty="0" smtClean="0"/>
-              <a:t>Comparison with Network Calculus</a:t>
-            </a:r>
-          </a:p>
-          <a:p>
-            <a:pPr lvl="2"/>
-            <a:r>
-              <a:rPr lang="en-US" dirty="0" smtClean="0"/>
-              <a:t>Analysis of TDMA Scheduling</a:t>
-            </a:r>
-          </a:p>
-          <a:p>
-            <a:pPr lvl="2"/>
-            <a:r>
-              <a:rPr lang="en-US" dirty="0" smtClean="0"/>
-              <a:t>Compositional Analysis</a:t>
-            </a:r>
-          </a:p>
-          <a:p>
-            <a:pPr lvl="2"/>
-            <a:r>
-              <a:rPr lang="en-US" dirty="0" smtClean="0"/>
-              <a:t>Delay Analysis</a:t>
-            </a:r>
-          </a:p>
-          <a:p>
-            <a:pPr lvl="2"/>
-            <a:r>
-              <a:rPr lang="en-US" dirty="0" smtClean="0"/>
-              <a:t>Analysis of Statically Routed Networks</a:t>
-            </a:r>
-          </a:p>
-          <a:p>
-            <a:pPr lvl="1"/>
-            <a:r>
-              <a:rPr lang="en-US" dirty="0" smtClean="0"/>
-              <a:t>Run-Time Network Performance Monitoring and Management for Distributed CPS Applications</a:t>
-            </a:r>
-          </a:p>
-          <a:p>
-            <a:pPr lvl="2"/>
-            <a:r>
-              <a:rPr lang="en-US" dirty="0" smtClean="0"/>
-              <a:t>Measurement, Detection, and Enforcement</a:t>
-            </a:r>
-          </a:p>
-          <a:p>
-            <a:pPr lvl="2"/>
-            <a:r>
-              <a:rPr lang="en-US" dirty="0" smtClean="0"/>
-              <a:t>DDoS Detection</a:t>
-            </a:r>
-          </a:p>
-          <a:p>
-            <a:r>
-              <a:rPr lang="en-US" dirty="0" smtClean="0"/>
-              <a:t>Conclusions and Future Work</a:t>
-            </a:r>
-          </a:p>
-          <a:p>
-            <a:r>
-              <a:rPr lang="en-US" dirty="0" smtClean="0"/>
-              <a:t>Publications</a:t>
-            </a:r>
-          </a:p>
-        </p:txBody>
-      </p:sp>
-      <p:sp>
-        <p:nvSpPr>
-          <p:cNvPr id="4" name="Slide Number Placeholder 3"/>
-          <p:cNvSpPr>
-            <a:spLocks noGrp="1"/>
-          </p:cNvSpPr>
-          <p:nvPr>
-            <p:ph type="sldNum" sz="quarter" idx="12"/>
-          </p:nvPr>
-        </p:nvSpPr>
-        <p:spPr/>
-        <p:txBody>
-          <a:bodyPr/>
-          <a:lstStyle/>
-          <a:p>
-            <a:fld id="{4FAB73BC-B049-4115-A692-8D63A059BFB8}" type="slidenum">
-              <a:rPr lang="en-US" smtClean="0"/>
-              <a:t>2</a:t>
-            </a:fld>
-            <a:endParaRPr lang="en-US" dirty="0"/>
-          </a:p>
-        </p:txBody>
-      </p:sp>
-    </p:spTree>
-    <p:extLst>
-      <p:ext uri="{BB962C8B-B14F-4D97-AF65-F5344CB8AC3E}">
-        <p14:creationId xmlns:p14="http://schemas.microsoft.com/office/powerpoint/2010/main" val="386266896"/>
-      </p:ext>
-    </p:extLst>
-  </p:cSld>
-  <p:clrMapOvr>
-    <a:masterClrMapping/>
-  </p:clrMapOvr>
-  <p:timing>
-    <p:tnLst>
-      <p:par>
-        <p:cTn id="1" dur="indefinite" restart="never" nodeType="tmRoot"/>
-      </p:par>
-    </p:tnLst>
-  </p:timing>
-</p:sld>
-</file>
-
-<file path=ppt/slides/slide20.xml><?xml version="1.0" encoding="utf-8"?>
-<p:sld xmlns:a="http://schemas.openxmlformats.org/drawingml/2006/main" xmlns:r="http://schemas.openxmlformats.org/officeDocument/2006/relationships" xmlns:p="http://schemas.openxmlformats.org/presentationml/2006/main">
-  <p:cSld>
-    <p:spTree>
-      <p:nvGrpSpPr>
-        <p:cNvPr id="1" name=""/>
-        <p:cNvGrpSpPr/>
-        <p:nvPr/>
-      </p:nvGrpSpPr>
-      <p:grpSpPr>
-        <a:xfrm>
-          <a:off x="0" y="0"/>
-          <a:ext cx="0" cy="0"/>
-          <a:chOff x="0" y="0"/>
-          <a:chExt cx="0" cy="0"/>
-        </a:xfrm>
-      </p:grpSpPr>
-      <p:sp>
-        <p:nvSpPr>
-          <p:cNvPr id="2" name="Title 1"/>
-          <p:cNvSpPr>
-            <a:spLocks noGrp="1"/>
-          </p:cNvSpPr>
-          <p:nvPr>
-            <p:ph type="title"/>
-          </p:nvPr>
-        </p:nvSpPr>
-        <p:spPr/>
-        <p:txBody>
-          <a:bodyPr/>
-          <a:lstStyle/>
-          <a:p>
-            <a:r>
-              <a:rPr lang="en-US" dirty="0" smtClean="0"/>
-              <a:t>Conclusions and Future Work</a:t>
-            </a:r>
-            <a:endParaRPr lang="en-US" dirty="0"/>
-          </a:p>
-        </p:txBody>
-      </p:sp>
-      <p:sp>
-        <p:nvSpPr>
-          <p:cNvPr id="3" name="Content Placeholder 2"/>
-          <p:cNvSpPr>
-            <a:spLocks noGrp="1"/>
-          </p:cNvSpPr>
-          <p:nvPr>
-            <p:ph idx="1"/>
-          </p:nvPr>
-        </p:nvSpPr>
-        <p:spPr>
-          <a:xfrm>
-            <a:off x="946404" y="1828801"/>
-            <a:ext cx="6446520" cy="2744915"/>
-          </a:xfrm>
-        </p:spPr>
-        <p:txBody>
-          <a:bodyPr>
-            <a:noAutofit/>
-          </a:bodyPr>
-          <a:lstStyle/>
-          <a:p>
-            <a:r>
-              <a:rPr lang="en-US" sz="1200" dirty="0" smtClean="0"/>
-              <a:t>Certain</a:t>
-            </a:r>
-            <a:r>
-              <a:rPr lang="en-US" sz="1200" dirty="0"/>
-              <a:t> </a:t>
-            </a:r>
-            <a:r>
-              <a:rPr lang="en-US" sz="1200" dirty="0" smtClean="0"/>
-              <a:t>classes of distributed, real-time, embedded, cyber-physical systems require strict design-time guarantees about resource utilization and performance</a:t>
-            </a:r>
-          </a:p>
-          <a:p>
-            <a:pPr lvl="1"/>
-            <a:r>
-              <a:rPr lang="en-US" sz="1000" dirty="0" smtClean="0"/>
-              <a:t>Network resources are now critical for distributed CPS</a:t>
-            </a:r>
-          </a:p>
-          <a:p>
-            <a:r>
-              <a:rPr lang="en-US" sz="1200" dirty="0" smtClean="0"/>
-              <a:t>Current simulation or analysis techniques are too conservative at best, too inaccurate at worst</a:t>
-            </a:r>
-          </a:p>
-          <a:p>
-            <a:r>
-              <a:rPr lang="en-US" sz="1200" dirty="0" smtClean="0"/>
-              <a:t>Our proposed work extends previous work to increase the fidelity of the analysis results with respect to the run-time system</a:t>
-            </a:r>
-          </a:p>
-          <a:p>
-            <a:pPr lvl="1"/>
-            <a:r>
-              <a:rPr lang="en-US" sz="1200" dirty="0" smtClean="0"/>
-              <a:t>The</a:t>
-            </a:r>
-            <a:r>
-              <a:rPr lang="en-US" sz="1200" dirty="0"/>
-              <a:t> </a:t>
-            </a:r>
-            <a:r>
-              <a:rPr lang="en-US" sz="1200" dirty="0" smtClean="0"/>
-              <a:t>inclusion of temporal/physical dynamics into the analysis is paramount to providing strict performance guarantees</a:t>
-            </a:r>
-          </a:p>
-          <a:p>
-            <a:r>
-              <a:rPr lang="en-US" sz="1200" dirty="0" smtClean="0"/>
-              <a:t>We have described some remaining work in the field and outlined our plans to address it</a:t>
-            </a:r>
-            <a:endParaRPr lang="en-US" sz="1200" dirty="0"/>
-          </a:p>
-        </p:txBody>
-      </p:sp>
-      <p:sp>
-        <p:nvSpPr>
-          <p:cNvPr id="5" name="Slide Number Placeholder 4"/>
-          <p:cNvSpPr>
-            <a:spLocks noGrp="1"/>
-          </p:cNvSpPr>
-          <p:nvPr>
-            <p:ph type="sldNum" sz="quarter" idx="12"/>
-          </p:nvPr>
-        </p:nvSpPr>
-        <p:spPr/>
-        <p:txBody>
-          <a:bodyPr/>
-          <a:lstStyle/>
-          <a:p>
-            <a:fld id="{4FAB73BC-B049-4115-A692-8D63A059BFB8}" type="slidenum">
-              <a:rPr lang="en-US" smtClean="0"/>
-              <a:t>20</a:t>
-            </a:fld>
-            <a:endParaRPr lang="en-US" dirty="0"/>
-          </a:p>
-        </p:txBody>
-      </p:sp>
-    </p:spTree>
-    <p:extLst>
-      <p:ext uri="{BB962C8B-B14F-4D97-AF65-F5344CB8AC3E}">
-        <p14:creationId xmlns:p14="http://schemas.microsoft.com/office/powerpoint/2010/main" val="1316710534"/>
-      </p:ext>
-    </p:extLst>
-  </p:cSld>
-  <p:clrMapOvr>
-    <a:masterClrMapping/>
-  </p:clrMapOvr>
-  <p:timing>
-    <p:tnLst>
-      <p:par>
-        <p:cTn id="1" dur="indefinite" restart="never" nodeType="tmRoot"/>
-      </p:par>
-    </p:tnLst>
-  </p:timing>
-</p:sld>
-</file>
-
-<file path=ppt/slides/slide21.xml><?xml version="1.0" encoding="utf-8"?>
-<p:sld xmlns:a="http://schemas.openxmlformats.org/drawingml/2006/main" xmlns:r="http://schemas.openxmlformats.org/officeDocument/2006/relationships" xmlns:p="http://schemas.openxmlformats.org/presentationml/2006/main">
-  <p:cSld>
-    <p:spTree>
-      <p:nvGrpSpPr>
-        <p:cNvPr id="1" name=""/>
-        <p:cNvGrpSpPr/>
-        <p:nvPr/>
-      </p:nvGrpSpPr>
-      <p:grpSpPr>
-        <a:xfrm>
-          <a:off x="0" y="0"/>
-          <a:ext cx="0" cy="0"/>
-          <a:chOff x="0" y="0"/>
-          <a:chExt cx="0" cy="0"/>
-        </a:xfrm>
-      </p:grpSpPr>
-      <p:sp>
-        <p:nvSpPr>
-          <p:cNvPr id="2" name="Title 1"/>
-          <p:cNvSpPr>
-            <a:spLocks noGrp="1"/>
-          </p:cNvSpPr>
-          <p:nvPr>
-            <p:ph type="title"/>
-          </p:nvPr>
-        </p:nvSpPr>
-        <p:spPr/>
-        <p:txBody>
-          <a:bodyPr/>
-          <a:lstStyle/>
-          <a:p>
-            <a:r>
-              <a:rPr lang="en-US" dirty="0" smtClean="0"/>
-              <a:t>Publications</a:t>
-            </a:r>
-            <a:endParaRPr lang="en-US" dirty="0"/>
-          </a:p>
-        </p:txBody>
-      </p:sp>
-      <p:sp>
-        <p:nvSpPr>
-          <p:cNvPr id="3" name="Content Placeholder 2"/>
-          <p:cNvSpPr>
-            <a:spLocks noGrp="1"/>
-          </p:cNvSpPr>
-          <p:nvPr>
-            <p:ph idx="1"/>
-          </p:nvPr>
-        </p:nvSpPr>
-        <p:spPr/>
-        <p:txBody>
-          <a:bodyPr>
-            <a:normAutofit lnSpcReduction="10000"/>
-          </a:bodyPr>
-          <a:lstStyle/>
-          <a:p>
-            <a:r>
-              <a:rPr lang="en-US" sz="800" b="0" i="0" u="none" strike="noStrike" baseline="0" dirty="0" smtClean="0">
-                <a:latin typeface="NimbusRomNo9L-Regu"/>
-              </a:rPr>
-              <a:t>W. Emfinger and G. Karsai. Modeling network medium access protocols for network quality of service analysis. In </a:t>
-            </a:r>
-            <a:r>
-              <a:rPr lang="en-US" sz="800" b="0" i="0" u="none" strike="noStrike" baseline="0" dirty="0" smtClean="0">
-                <a:latin typeface="NimbusRomNo9L-ReguItal"/>
-              </a:rPr>
-              <a:t>Proceedings of the 18th IEEE Symposium on Real-Time Computing (ISORC)</a:t>
-            </a:r>
-            <a:r>
-              <a:rPr lang="en-US" sz="800" b="0" i="0" u="none" strike="noStrike" baseline="0" dirty="0" smtClean="0">
-                <a:latin typeface="NimbusRomNo9L-Regu"/>
-              </a:rPr>
-              <a:t>, ISORC ’15, pages 44–47, Auckland, New Zealand, 2015. IEEE</a:t>
-            </a:r>
-          </a:p>
-          <a:p>
-            <a:r>
-              <a:rPr lang="en-US" sz="800" b="0" i="0" u="none" strike="noStrike" baseline="0" dirty="0" smtClean="0">
-                <a:latin typeface="NimbusRomNo9L-Regu"/>
-              </a:rPr>
-              <a:t>W. Emfinger, G. Karsai, A. Dubey, and A. Gokhale. Analysis, verification, and management </a:t>
-            </a:r>
-            <a:r>
-              <a:rPr lang="en-US" sz="800" b="0" i="0" u="none" strike="noStrike" baseline="0" dirty="0" err="1" smtClean="0">
-                <a:latin typeface="NimbusRomNo9L-Regu"/>
-              </a:rPr>
-              <a:t>toolsuite</a:t>
-            </a:r>
-            <a:r>
-              <a:rPr lang="en-US" sz="800" b="0" i="0" u="none" strike="noStrike" baseline="0" dirty="0" smtClean="0">
-                <a:latin typeface="NimbusRomNo9L-Regu"/>
-              </a:rPr>
-              <a:t> for cyber-physical applications on time-varying networks. In </a:t>
-            </a:r>
-            <a:r>
-              <a:rPr lang="en-US" sz="800" b="0" i="0" u="none" strike="noStrike" baseline="0" dirty="0" smtClean="0">
-                <a:latin typeface="NimbusRomNo9L-ReguItal"/>
-              </a:rPr>
-              <a:t>Proceedings of the 4th ACM SIGBED International Workshop on Design, Modeling, and Evaluation of Cyber-Physical Systems</a:t>
-            </a:r>
-            <a:r>
-              <a:rPr lang="en-US" sz="800" b="0" i="0" u="none" strike="noStrike" baseline="0" dirty="0" smtClean="0">
-                <a:latin typeface="NimbusRomNo9L-Regu"/>
-              </a:rPr>
-              <a:t>, </a:t>
-            </a:r>
-            <a:r>
-              <a:rPr lang="en-US" sz="800" b="0" i="0" u="none" strike="noStrike" baseline="0" dirty="0" err="1" smtClean="0">
-                <a:latin typeface="NimbusRomNo9L-Regu"/>
-              </a:rPr>
-              <a:t>CyPhy</a:t>
-            </a:r>
-            <a:r>
-              <a:rPr lang="en-US" sz="800" b="0" i="0" u="none" strike="noStrike" baseline="0" dirty="0" smtClean="0">
-                <a:latin typeface="NimbusRomNo9L-Regu"/>
-              </a:rPr>
-              <a:t> ’14, pages 44–47, New York, NY, USA, 2014. ACM</a:t>
-            </a:r>
-          </a:p>
-          <a:p>
-            <a:r>
-              <a:rPr lang="en-US" sz="800" b="0" i="0" u="none" strike="noStrike" baseline="0" dirty="0" smtClean="0">
-                <a:latin typeface="NimbusRomNo9L-Regu"/>
-              </a:rPr>
-              <a:t>W. Emfinger, P. Kumar, A. Dubey, W. Otte, A. Gokhale, G. Karsai. DREMS: A </a:t>
-            </a:r>
-            <a:r>
-              <a:rPr lang="en-US" sz="800" b="0" i="0" u="none" strike="noStrike" baseline="0" dirty="0" err="1" smtClean="0">
-                <a:latin typeface="NimbusRomNo9L-Regu"/>
-              </a:rPr>
-              <a:t>Toolchain</a:t>
-            </a:r>
-            <a:r>
-              <a:rPr lang="en-US" sz="800" b="0" i="0" u="none" strike="noStrike" baseline="0" dirty="0" smtClean="0">
-                <a:latin typeface="NimbusRomNo9L-Regu"/>
-              </a:rPr>
-              <a:t> for the Rapid Application Development, Integration, and Deployment of Managed Distributed Real-time Embedded Systems. In </a:t>
-            </a:r>
-            <a:r>
-              <a:rPr lang="en-US" sz="800" b="0" i="0" u="none" strike="noStrike" baseline="0" dirty="0" smtClean="0">
-                <a:latin typeface="NimbusRomNo9L-ReguItal"/>
-              </a:rPr>
-              <a:t>Proceedings of the IEEE Real-Time Systems Symposium</a:t>
-            </a:r>
-            <a:r>
-              <a:rPr lang="en-US" sz="800" b="0" i="0" u="none" strike="noStrike" baseline="0" dirty="0" smtClean="0">
-                <a:latin typeface="NimbusRomNo9L-Regu"/>
-              </a:rPr>
-              <a:t>, </a:t>
-            </a:r>
-            <a:r>
-              <a:rPr lang="en-US" sz="800" b="0" i="0" u="none" strike="noStrike" baseline="0" dirty="0" err="1" smtClean="0">
-                <a:latin typeface="NimbusRomNo9L-Regu"/>
-              </a:rPr>
-              <a:t>RTSS@Work</a:t>
-            </a:r>
-            <a:r>
-              <a:rPr lang="en-US" sz="800" b="0" i="0" u="none" strike="noStrike" baseline="0" dirty="0" smtClean="0">
-                <a:latin typeface="NimbusRomNo9L-Regu"/>
-              </a:rPr>
-              <a:t> 2013, Vancouver, Canada, 2013. IEEE</a:t>
-            </a:r>
-          </a:p>
-          <a:p>
-            <a:r>
-              <a:rPr lang="en-US" sz="800" b="0" i="0" u="none" strike="noStrike" baseline="0" dirty="0" smtClean="0">
-                <a:latin typeface="NimbusRomNo9L-Regu"/>
-              </a:rPr>
-              <a:t>Pradhan S., W. Emfinger, A. Dubey, W. Otte, A. </a:t>
-            </a:r>
-            <a:r>
-              <a:rPr lang="en-US" sz="800" b="0" i="0" u="none" strike="noStrike" baseline="0" dirty="0" err="1" smtClean="0">
-                <a:latin typeface="NimbusRomNo9L-Regu"/>
-              </a:rPr>
-              <a:t>Coglio</a:t>
-            </a:r>
-            <a:r>
-              <a:rPr lang="en-US" sz="800" b="0" i="0" u="none" strike="noStrike" baseline="0" dirty="0" smtClean="0">
-                <a:latin typeface="NimbusRomNo9L-Regu"/>
-              </a:rPr>
-              <a:t>, D. Balasubramanian, </a:t>
-            </a:r>
-            <a:r>
-              <a:rPr lang="en-US" sz="800" b="0" i="0" u="none" strike="noStrike" baseline="0" dirty="0" err="1" smtClean="0">
-                <a:latin typeface="NimbusRomNo9L-Regu"/>
-              </a:rPr>
-              <a:t>A.Gokhale</a:t>
-            </a:r>
-            <a:r>
-              <a:rPr lang="en-US" sz="800" b="0" i="0" u="none" strike="noStrike" baseline="0" dirty="0" smtClean="0">
-                <a:latin typeface="NimbusRomNo9L-Regu"/>
-              </a:rPr>
-              <a:t>, G. Karsai. Establishing secure interactions across distributed applications in satellite clusters. In </a:t>
-            </a:r>
-            <a:r>
-              <a:rPr lang="en-US" sz="800" b="0" i="0" u="none" strike="noStrike" baseline="0" dirty="0" smtClean="0">
-                <a:latin typeface="NimbusRomNo9L-ReguItal"/>
-              </a:rPr>
-              <a:t>Proceedings of the IEEE International Conference on Space Mission Challenges for Information Technology</a:t>
-            </a:r>
-            <a:r>
-              <a:rPr lang="en-US" sz="800" b="0" i="0" u="none" strike="noStrike" baseline="0" dirty="0" smtClean="0">
-                <a:latin typeface="NimbusRomNo9L-Regu"/>
-              </a:rPr>
-              <a:t>, SMC-IT, 2014, Laurel, MD, USA. IEEE </a:t>
-            </a:r>
-          </a:p>
-          <a:p>
-            <a:r>
-              <a:rPr lang="en-US" sz="800" b="0" i="0" u="none" strike="noStrike" baseline="0" dirty="0" smtClean="0">
-                <a:latin typeface="NimbusRomNo9L-Regu"/>
-              </a:rPr>
-              <a:t>Balasubramanian, D., W. Emfinger, P. S. Kumar, W. Otte, A. Dubey, and G. Karsai. An application development and deployment platform for satellite clusters. In </a:t>
-            </a:r>
-            <a:r>
-              <a:rPr lang="en-US" sz="800" b="0" i="0" u="none" strike="noStrike" baseline="0" dirty="0" smtClean="0">
-                <a:latin typeface="NimbusRomNo9L-ReguItal"/>
-              </a:rPr>
-              <a:t>Proceedings of the Workshop on Spacecraft Flight Software</a:t>
-            </a:r>
-            <a:r>
-              <a:rPr lang="en-US" sz="800" b="0" i="0" u="none" strike="noStrike" baseline="0" dirty="0" smtClean="0">
-                <a:latin typeface="NimbusRomNo9L-Regu"/>
-              </a:rPr>
-              <a:t>, 2013</a:t>
-            </a:r>
-          </a:p>
-          <a:p>
-            <a:r>
-              <a:rPr lang="en-US" sz="800" b="0" i="0" u="none" strike="noStrike" baseline="0" dirty="0" smtClean="0">
-                <a:latin typeface="NimbusRomNo9L-Regu"/>
-              </a:rPr>
-              <a:t>Balasubramanian, D., A. Dubey, W. R. Otte, W. Emfinger, P. Kumar, and G. Karsai. A Rapid Testing Framework for a Mobile Cloud Infrastructure. In </a:t>
-            </a:r>
-            <a:r>
-              <a:rPr lang="en-US" sz="800" b="0" i="0" u="none" strike="noStrike" baseline="0" dirty="0" smtClean="0">
-                <a:latin typeface="NimbusRomNo9L-ReguItal"/>
-              </a:rPr>
-              <a:t>Proceedings of the IEEE International Symposium on Rapid System Prototyping</a:t>
-            </a:r>
-            <a:r>
-              <a:rPr lang="en-US" sz="800" b="0" i="0" u="none" strike="noStrike" baseline="0" dirty="0" smtClean="0">
-                <a:latin typeface="NimbusRomNo9L-Regu"/>
-              </a:rPr>
-              <a:t>, RSP, 2014. IEEE</a:t>
-            </a:r>
-          </a:p>
-          <a:p>
-            <a:r>
-              <a:rPr lang="en-US" sz="800" b="0" i="0" u="none" strike="noStrike" baseline="0" dirty="0" smtClean="0">
-                <a:latin typeface="NimbusRomNo9L-Regu"/>
-              </a:rPr>
-              <a:t>Dubey, A., W. Emfinger, A. Gokhale, G. Karsai, W. R. Otte, J. Parsons, C. Szabo, A. </a:t>
-            </a:r>
-            <a:r>
-              <a:rPr lang="en-US" sz="800" b="0" i="0" u="none" strike="noStrike" baseline="0" dirty="0" err="1" smtClean="0">
-                <a:latin typeface="NimbusRomNo9L-Regu"/>
-              </a:rPr>
-              <a:t>Coglio</a:t>
-            </a:r>
-            <a:r>
-              <a:rPr lang="en-US" sz="800" b="0" i="0" u="none" strike="noStrike" baseline="0" dirty="0" smtClean="0">
-                <a:latin typeface="NimbusRomNo9L-Regu"/>
-              </a:rPr>
-              <a:t>, E. Smith, and P. Bose. A Software Platform for Fractionated Spacecraft. In </a:t>
-            </a:r>
-            <a:r>
-              <a:rPr lang="en-US" sz="800" b="0" i="0" u="none" strike="noStrike" baseline="0" dirty="0" smtClean="0">
-                <a:latin typeface="NimbusRomNo9L-ReguItal"/>
-              </a:rPr>
-              <a:t>Proceedings of the 2012 IEEE Aerospace Conference</a:t>
-            </a:r>
-            <a:r>
-              <a:rPr lang="en-US" sz="800" b="0" i="0" u="none" strike="noStrike" baseline="0" dirty="0" smtClean="0">
-                <a:latin typeface="NimbusRomNo9L-Regu"/>
-              </a:rPr>
-              <a:t>, Big Sky, Montana, 03/2012. IEEE</a:t>
-            </a:r>
-          </a:p>
-          <a:p>
-            <a:r>
-              <a:rPr lang="en-US" sz="800" b="0" i="0" u="none" strike="noStrike" baseline="0" dirty="0" err="1" smtClean="0">
-                <a:latin typeface="NimbusRomNo9L-Regu"/>
-              </a:rPr>
-              <a:t>Levendovszky</a:t>
-            </a:r>
-            <a:r>
-              <a:rPr lang="en-US" sz="800" b="0" i="0" u="none" strike="noStrike" baseline="0" dirty="0" smtClean="0">
-                <a:latin typeface="NimbusRomNo9L-Regu"/>
-              </a:rPr>
-              <a:t>, T., A. Dubey, W. R. Otte, D. Balasubramanian, A. </a:t>
-            </a:r>
-            <a:r>
-              <a:rPr lang="en-US" sz="800" b="0" i="0" u="none" strike="noStrike" baseline="0" dirty="0" err="1" smtClean="0">
-                <a:latin typeface="NimbusRomNo9L-Regu"/>
-              </a:rPr>
-              <a:t>Coglio</a:t>
-            </a:r>
-            <a:r>
-              <a:rPr lang="en-US" sz="800" b="0" i="0" u="none" strike="noStrike" baseline="0" dirty="0" smtClean="0">
-                <a:latin typeface="NimbusRomNo9L-Regu"/>
-              </a:rPr>
-              <a:t>, S. </a:t>
-            </a:r>
-            <a:r>
-              <a:rPr lang="en-US" sz="800" b="0" i="0" u="none" strike="noStrike" baseline="0" dirty="0" err="1" smtClean="0">
-                <a:latin typeface="NimbusRomNo9L-Regu"/>
-              </a:rPr>
-              <a:t>Nyako</a:t>
-            </a:r>
-            <a:r>
-              <a:rPr lang="en-US" sz="800" b="0" i="0" u="none" strike="noStrike" baseline="0" dirty="0" smtClean="0">
-                <a:latin typeface="NimbusRomNo9L-Regu"/>
-              </a:rPr>
-              <a:t>, W. Emfinger, P. Kumar, A. Gokhale, and G. Karsai. DREMS: A Model-Driven Distributed Secure Information Architecture Platform for Managed Embedded Systems. In </a:t>
-            </a:r>
-            <a:r>
-              <a:rPr lang="en-US" sz="800" b="0" i="0" u="none" strike="noStrike" baseline="0" dirty="0" smtClean="0">
-                <a:latin typeface="NimbusRomNo9L-ReguItal"/>
-              </a:rPr>
-              <a:t>IEEE Software</a:t>
-            </a:r>
-            <a:r>
-              <a:rPr lang="en-US" sz="800" b="0" i="0" u="none" strike="noStrike" baseline="0" dirty="0" smtClean="0">
-                <a:latin typeface="NimbusRomNo9L-Regu"/>
-              </a:rPr>
-              <a:t>, vol. 99: IEEE Computer Society, 2014. IEEE</a:t>
-            </a:r>
-          </a:p>
-          <a:p>
-            <a:r>
-              <a:rPr lang="en-US" sz="800" b="0" i="0" u="none" strike="noStrike" baseline="0" dirty="0" smtClean="0">
-                <a:latin typeface="NimbusRomNo9L-Regu"/>
-              </a:rPr>
-              <a:t>Submitted, Awaiting Review:</a:t>
-            </a:r>
-          </a:p>
-          <a:p>
-            <a:pPr lvl="1"/>
-            <a:r>
-              <a:rPr lang="en-US" sz="800" b="0" i="0" u="none" strike="noStrike" baseline="0" dirty="0" smtClean="0">
-                <a:latin typeface="NimbusRomNo9L-Regu"/>
-              </a:rPr>
-              <a:t>W. Emfinger, P. Kumar, A. Dubey, G. Karsai. Towards Assurances in Self-Adaptive, Dynamic, Distributed Real-time Embedded Systems. In </a:t>
-            </a:r>
-            <a:r>
-              <a:rPr lang="en-US" sz="800" b="0" i="0" u="none" strike="noStrike" baseline="0" dirty="0" smtClean="0">
-                <a:latin typeface="NimbusRomNo9L-ReguItal"/>
-              </a:rPr>
-              <a:t>Software Engineering for Self-Adaptive Systems: Assurances</a:t>
-            </a:r>
-            <a:r>
-              <a:rPr lang="en-US" sz="800" b="0" i="0" u="none" strike="noStrike" baseline="0" dirty="0" smtClean="0">
-                <a:latin typeface="NimbusRomNo9L-Regu"/>
-              </a:rPr>
-              <a:t>, 2015.</a:t>
-            </a:r>
-            <a:endParaRPr lang="en-US" sz="800" dirty="0"/>
-          </a:p>
-        </p:txBody>
-      </p:sp>
-      <p:sp>
-        <p:nvSpPr>
-          <p:cNvPr id="4" name="Slide Number Placeholder 3"/>
-          <p:cNvSpPr>
-            <a:spLocks noGrp="1"/>
-          </p:cNvSpPr>
-          <p:nvPr>
-            <p:ph type="sldNum" sz="quarter" idx="12"/>
-          </p:nvPr>
-        </p:nvSpPr>
-        <p:spPr/>
-        <p:txBody>
-          <a:bodyPr/>
-          <a:lstStyle/>
-          <a:p>
-            <a:fld id="{4FAB73BC-B049-4115-A692-8D63A059BFB8}" type="slidenum">
-              <a:rPr lang="en-US" smtClean="0"/>
-              <a:t>21</a:t>
-            </a:fld>
-            <a:endParaRPr lang="en-US" dirty="0"/>
-          </a:p>
-        </p:txBody>
-      </p:sp>
-    </p:spTree>
-    <p:extLst>
-      <p:ext uri="{BB962C8B-B14F-4D97-AF65-F5344CB8AC3E}">
-        <p14:creationId xmlns:p14="http://schemas.microsoft.com/office/powerpoint/2010/main" val="4079945552"/>
-      </p:ext>
-    </p:extLst>
-  </p:cSld>
-  <p:clrMapOvr>
-    <a:masterClrMapping/>
-  </p:clrMapOvr>
-  <p:timing>
-    <p:tnLst>
-      <p:par>
-        <p:cTn id="1" dur="indefinite" restart="never" nodeType="tmRoot"/>
-      </p:par>
-    </p:tnLst>
-  </p:timing>
-</p:sld>
-</file>
-
-<file path=ppt/slides/slide22.xml><?xml version="1.0" encoding="utf-8"?>
-<p:sld xmlns:a="http://schemas.openxmlformats.org/drawingml/2006/main" xmlns:r="http://schemas.openxmlformats.org/officeDocument/2006/relationships" xmlns:p="http://schemas.openxmlformats.org/presentationml/2006/main">
-  <p:cSld>
-    <p:spTree>
-      <p:nvGrpSpPr>
-        <p:cNvPr id="1" name=""/>
-        <p:cNvGrpSpPr/>
-        <p:nvPr/>
-      </p:nvGrpSpPr>
-      <p:grpSpPr>
-        <a:xfrm>
-          <a:off x="0" y="0"/>
-          <a:ext cx="0" cy="0"/>
-          <a:chOff x="0" y="0"/>
-          <a:chExt cx="0" cy="0"/>
-        </a:xfrm>
-      </p:grpSpPr>
-      <p:sp>
-        <p:nvSpPr>
-          <p:cNvPr id="2" name="Title 1"/>
-          <p:cNvSpPr>
-            <a:spLocks noGrp="1"/>
-          </p:cNvSpPr>
-          <p:nvPr>
-            <p:ph type="title"/>
-          </p:nvPr>
-        </p:nvSpPr>
-        <p:spPr/>
-        <p:txBody>
-          <a:bodyPr/>
-          <a:lstStyle/>
-          <a:p>
-            <a:r>
-              <a:rPr lang="en-US" dirty="0" smtClean="0"/>
-              <a:t>References</a:t>
-            </a:r>
-            <a:endParaRPr lang="en-US" dirty="0"/>
-          </a:p>
-        </p:txBody>
-      </p:sp>
-      <p:sp>
-        <p:nvSpPr>
-          <p:cNvPr id="3" name="Content Placeholder 2"/>
-          <p:cNvSpPr>
-            <a:spLocks noGrp="1"/>
-          </p:cNvSpPr>
-          <p:nvPr>
-            <p:ph idx="1"/>
-          </p:nvPr>
-        </p:nvSpPr>
-        <p:spPr/>
-        <p:txBody>
-          <a:bodyPr>
-            <a:normAutofit fontScale="40000" lnSpcReduction="20000"/>
-          </a:bodyPr>
-          <a:lstStyle/>
-          <a:p>
-            <a:r>
-              <a:rPr lang="en-US" sz="1800" b="0" i="0" u="none" strike="noStrike" baseline="0" dirty="0" smtClean="0">
-                <a:latin typeface="NimbusRomNo9L-Regu"/>
-              </a:rPr>
-              <a:t>L. Thiele, S. Chakraborty, and M. </a:t>
-            </a:r>
-            <a:r>
-              <a:rPr lang="en-US" sz="1800" b="0" i="0" u="none" strike="noStrike" baseline="0" dirty="0" err="1" smtClean="0">
-                <a:latin typeface="NimbusRomNo9L-Regu"/>
-              </a:rPr>
-              <a:t>Naedele</a:t>
-            </a:r>
-            <a:r>
-              <a:rPr lang="en-US" sz="1800" b="0" i="0" u="none" strike="noStrike" baseline="0" dirty="0" smtClean="0">
-                <a:latin typeface="NimbusRomNo9L-Regu"/>
-              </a:rPr>
-              <a:t>. Real-time calculus for scheduling hard real-time systems. In </a:t>
-            </a:r>
-            <a:r>
-              <a:rPr lang="en-US" sz="1800" b="0" i="0" u="none" strike="noStrike" baseline="0" dirty="0" smtClean="0">
-                <a:latin typeface="NimbusRomNo9L-ReguItal"/>
-              </a:rPr>
-              <a:t>in ISCAS</a:t>
-            </a:r>
-            <a:r>
-              <a:rPr lang="en-US" sz="1800" b="0" i="0" u="none" strike="noStrike" baseline="0" dirty="0" smtClean="0">
-                <a:latin typeface="NimbusRomNo9L-Regu"/>
-              </a:rPr>
-              <a:t>, pages 101–104, 2000.</a:t>
-            </a:r>
-          </a:p>
-          <a:p>
-            <a:r>
-              <a:rPr lang="en-US" sz="1800" b="0" i="0" u="none" strike="noStrike" baseline="0" dirty="0" smtClean="0">
-                <a:latin typeface="NimbusRomNo9L-Regu"/>
-              </a:rPr>
-              <a:t>A. </a:t>
-            </a:r>
-            <a:r>
-              <a:rPr lang="en-US" sz="1800" b="0" i="0" u="none" strike="noStrike" baseline="0" dirty="0" err="1" smtClean="0">
-                <a:latin typeface="NimbusRomNo9L-Regu"/>
-              </a:rPr>
-              <a:t>Varga</a:t>
-            </a:r>
-            <a:r>
-              <a:rPr lang="en-US" sz="1800" b="0" i="0" u="none" strike="noStrike" baseline="0" dirty="0" smtClean="0">
-                <a:latin typeface="NimbusRomNo9L-Regu"/>
-              </a:rPr>
-              <a:t> and R. </a:t>
-            </a:r>
-            <a:r>
-              <a:rPr lang="en-US" sz="1800" b="0" i="0" u="none" strike="noStrike" baseline="0" dirty="0" err="1" smtClean="0">
-                <a:latin typeface="NimbusRomNo9L-Regu"/>
-              </a:rPr>
-              <a:t>Hornig</a:t>
-            </a:r>
-            <a:r>
-              <a:rPr lang="en-US" sz="1800" b="0" i="0" u="none" strike="noStrike" baseline="0" dirty="0" smtClean="0">
-                <a:latin typeface="NimbusRomNo9L-Regu"/>
-              </a:rPr>
-              <a:t>. An overview of the </a:t>
-            </a:r>
-            <a:r>
-              <a:rPr lang="en-US" sz="1800" b="0" i="0" u="none" strike="noStrike" baseline="0" dirty="0" err="1" smtClean="0">
-                <a:latin typeface="NimbusRomNo9L-Regu"/>
-              </a:rPr>
-              <a:t>omnet</a:t>
-            </a:r>
-            <a:r>
-              <a:rPr lang="en-US" sz="1800" b="0" i="0" u="none" strike="noStrike" baseline="0" dirty="0" smtClean="0">
-                <a:latin typeface="NimbusRomNo9L-Regu"/>
-              </a:rPr>
-              <a:t>++ simulation environment. In </a:t>
-            </a:r>
-            <a:r>
-              <a:rPr lang="en-US" sz="1800" b="0" i="0" u="none" strike="noStrike" baseline="0" dirty="0" err="1" smtClean="0">
-                <a:latin typeface="NimbusRomNo9L-ReguItal"/>
-              </a:rPr>
-              <a:t>Simutools</a:t>
-            </a:r>
-            <a:r>
-              <a:rPr lang="en-US" sz="1800" b="0" i="0" u="none" strike="noStrike" baseline="0" dirty="0" smtClean="0">
-                <a:latin typeface="NimbusRomNo9L-ReguItal"/>
-              </a:rPr>
-              <a:t> ’08: Proceedings of the 1st international conference on Simulation tools and techniques for communications, networks and systems &amp; workshops</a:t>
-            </a:r>
-            <a:r>
-              <a:rPr lang="en-US" sz="1800" b="0" i="0" u="none" strike="noStrike" baseline="0" dirty="0" smtClean="0">
-                <a:latin typeface="NimbusRomNo9L-Regu"/>
-              </a:rPr>
-              <a:t>, pages 1–10, ICST, Brussels, Belgium, Belgium, 2008. ICST (Institute for Computer </a:t>
-            </a:r>
-            <a:r>
-              <a:rPr lang="en-US" sz="1800" b="0" i="0" u="none" strike="noStrike" baseline="0" dirty="0" err="1" smtClean="0">
-                <a:latin typeface="NimbusRomNo9L-Regu"/>
-              </a:rPr>
-              <a:t>Sciences,Social</a:t>
-            </a:r>
-            <a:r>
-              <a:rPr lang="en-US" sz="1800" b="0" i="0" u="none" strike="noStrike" baseline="0" dirty="0" smtClean="0">
-                <a:latin typeface="NimbusRomNo9L-Regu"/>
-              </a:rPr>
-              <a:t>-Informatics and Telecommunications Engineering).</a:t>
-            </a:r>
-          </a:p>
-          <a:p>
-            <a:r>
-              <a:rPr lang="en-US" sz="1800" b="0" i="0" u="none" strike="noStrike" baseline="0" dirty="0" smtClean="0">
-                <a:latin typeface="NimbusRomNo9L-Regu"/>
-              </a:rPr>
-              <a:t>L. Rizzo. </a:t>
-            </a:r>
-            <a:r>
-              <a:rPr lang="en-US" sz="1800" b="0" i="0" u="none" strike="noStrike" baseline="0" dirty="0" err="1" smtClean="0">
-                <a:latin typeface="NimbusRomNo9L-Regu"/>
-              </a:rPr>
-              <a:t>Dummynet</a:t>
-            </a:r>
-            <a:r>
-              <a:rPr lang="en-US" sz="1800" b="0" i="0" u="none" strike="noStrike" baseline="0" dirty="0" smtClean="0">
-                <a:latin typeface="NimbusRomNo9L-Regu"/>
-              </a:rPr>
-              <a:t> : a simple approach to the evaluation of network protocols. </a:t>
-            </a:r>
-            <a:r>
-              <a:rPr lang="en-US" sz="1800" b="0" i="0" u="none" strike="noStrike" baseline="0" dirty="0" smtClean="0">
-                <a:latin typeface="NimbusRomNo9L-ReguItal"/>
-              </a:rPr>
-              <a:t>ACM SIGCOMM Computer Communication Review</a:t>
-            </a:r>
-            <a:r>
-              <a:rPr lang="en-US" sz="1800" b="0" i="0" u="none" strike="noStrike" baseline="0" dirty="0" smtClean="0">
-                <a:latin typeface="NimbusRomNo9L-Regu"/>
-              </a:rPr>
-              <a:t>, 27(1):31–41, 1997.</a:t>
-            </a:r>
-          </a:p>
-          <a:p>
-            <a:r>
-              <a:rPr lang="en-US" sz="1800" b="0" i="0" u="none" strike="noStrike" baseline="0" dirty="0" smtClean="0">
-                <a:latin typeface="NimbusRomNo9L-Regu"/>
-              </a:rPr>
-              <a:t>D. </a:t>
-            </a:r>
-            <a:r>
-              <a:rPr lang="en-US" sz="1800" b="0" i="0" u="none" strike="noStrike" baseline="0" dirty="0" err="1" smtClean="0">
-                <a:latin typeface="NimbusRomNo9L-Regu"/>
-              </a:rPr>
-              <a:t>Mahrenholz</a:t>
-            </a:r>
-            <a:r>
-              <a:rPr lang="en-US" sz="1800" b="0" i="0" u="none" strike="noStrike" baseline="0" dirty="0" smtClean="0">
-                <a:latin typeface="NimbusRomNo9L-Regu"/>
-              </a:rPr>
-              <a:t> and S. Ivanov. Real-time network emulation with ns-2. </a:t>
-            </a:r>
-            <a:r>
-              <a:rPr lang="en-US" sz="1800" b="0" i="0" u="none" strike="noStrike" baseline="0" dirty="0" smtClean="0">
-                <a:latin typeface="NimbusRomNo9L-ReguItal"/>
-              </a:rPr>
-              <a:t>Proceedings- Eighth IEEE International Symposium on Distributed Simulation and Real-Time Applications, DS-RT 2004</a:t>
-            </a:r>
-            <a:r>
-              <a:rPr lang="en-US" sz="1800" b="0" i="0" u="none" strike="noStrike" baseline="0" dirty="0" smtClean="0">
-                <a:latin typeface="NimbusRomNo9L-Regu"/>
-              </a:rPr>
-              <a:t>, pages 29–36, 2004.</a:t>
-            </a:r>
-          </a:p>
-          <a:p>
-            <a:r>
-              <a:rPr lang="en-US" sz="1800" b="0" i="0" u="none" strike="noStrike" baseline="0" dirty="0" smtClean="0">
-                <a:latin typeface="NimbusRomNo9L-Regu"/>
-              </a:rPr>
-              <a:t>J.-Y. Le </a:t>
-            </a:r>
-            <a:r>
-              <a:rPr lang="en-US" sz="1800" b="0" i="0" u="none" strike="noStrike" baseline="0" dirty="0" err="1" smtClean="0">
-                <a:latin typeface="NimbusRomNo9L-Regu"/>
-              </a:rPr>
-              <a:t>Boudec</a:t>
-            </a:r>
-            <a:r>
-              <a:rPr lang="en-US" sz="1800" b="0" i="0" u="none" strike="noStrike" baseline="0" dirty="0" smtClean="0">
-                <a:latin typeface="NimbusRomNo9L-Regu"/>
-              </a:rPr>
-              <a:t> and P. </a:t>
-            </a:r>
-            <a:r>
-              <a:rPr lang="en-US" sz="1800" b="0" i="0" u="none" strike="noStrike" baseline="0" dirty="0" err="1" smtClean="0">
-                <a:latin typeface="NimbusRomNo9L-Regu"/>
-              </a:rPr>
-              <a:t>Thiran</a:t>
-            </a:r>
-            <a:r>
-              <a:rPr lang="en-US" sz="1800" b="0" i="0" u="none" strike="noStrike" baseline="0" dirty="0" smtClean="0">
-                <a:latin typeface="NimbusRomNo9L-Regu"/>
-              </a:rPr>
-              <a:t>. </a:t>
-            </a:r>
-            <a:r>
-              <a:rPr lang="en-US" sz="1800" b="0" i="0" u="none" strike="noStrike" baseline="0" dirty="0" smtClean="0">
-                <a:latin typeface="NimbusRomNo9L-ReguItal"/>
-              </a:rPr>
-              <a:t>Network Calculus: A Theory of Deterministic Queuing Systems for the Internet</a:t>
-            </a:r>
-            <a:r>
-              <a:rPr lang="en-US" sz="1800" b="0" i="0" u="none" strike="noStrike" baseline="0" dirty="0" smtClean="0">
-                <a:latin typeface="NimbusRomNo9L-Regu"/>
-              </a:rPr>
-              <a:t>. Springer-</a:t>
-            </a:r>
-            <a:r>
-              <a:rPr lang="en-US" sz="1800" b="0" i="0" u="none" strike="noStrike" baseline="0" dirty="0" err="1" smtClean="0">
-                <a:latin typeface="NimbusRomNo9L-Regu"/>
-              </a:rPr>
-              <a:t>Verlag</a:t>
-            </a:r>
-            <a:r>
-              <a:rPr lang="en-US" sz="1800" b="0" i="0" u="none" strike="noStrike" baseline="0" dirty="0" smtClean="0">
-                <a:latin typeface="NimbusRomNo9L-Regu"/>
-              </a:rPr>
-              <a:t>, Berlin, Heidelberg, 2001.</a:t>
-            </a:r>
-          </a:p>
-          <a:p>
-            <a:r>
-              <a:rPr lang="en-US" sz="1800" b="0" i="0" u="none" strike="noStrike" baseline="0" dirty="0" smtClean="0">
-                <a:latin typeface="NimbusRomNo9L-Regu"/>
-              </a:rPr>
-              <a:t>D. G. Kendall. Stochastic Processes Occurring in the Theory of Queues and their Analysis by the Method of the Imbedded Markov Chain. </a:t>
-            </a:r>
-            <a:r>
-              <a:rPr lang="en-US" sz="1800" b="0" i="0" u="none" strike="noStrike" baseline="0" dirty="0" smtClean="0">
-                <a:latin typeface="NimbusRomNo9L-ReguItal"/>
-              </a:rPr>
-              <a:t>The Annals of Mathematical Statistics</a:t>
-            </a:r>
-            <a:r>
-              <a:rPr lang="en-US" sz="1800" b="0" i="0" u="none" strike="noStrike" baseline="0" dirty="0" smtClean="0">
-                <a:latin typeface="NimbusRomNo9L-Regu"/>
-              </a:rPr>
-              <a:t>, 24(3):338–354, 1953.</a:t>
-            </a:r>
-          </a:p>
-          <a:p>
-            <a:r>
-              <a:rPr lang="en-US" sz="1800" b="0" i="0" u="none" strike="noStrike" baseline="0" dirty="0" smtClean="0">
-                <a:latin typeface="NimbusRomNo9L-Regu"/>
-              </a:rPr>
-              <a:t>Gilberto Flores Lucio, Marcos Paredes-</a:t>
-            </a:r>
-            <a:r>
-              <a:rPr lang="en-US" sz="1800" b="0" i="0" u="none" strike="noStrike" baseline="0" dirty="0" err="1" smtClean="0">
-                <a:latin typeface="NimbusRomNo9L-Regu"/>
-              </a:rPr>
-              <a:t>farrera</a:t>
-            </a:r>
-            <a:r>
-              <a:rPr lang="en-US" sz="1800" b="0" i="0" u="none" strike="noStrike" baseline="0" dirty="0" smtClean="0">
-                <a:latin typeface="NimbusRomNo9L-Regu"/>
-              </a:rPr>
-              <a:t>, Emmanuel </a:t>
-            </a:r>
-            <a:r>
-              <a:rPr lang="en-US" sz="1800" b="0" i="0" u="none" strike="noStrike" baseline="0" dirty="0" err="1" smtClean="0">
-                <a:latin typeface="NimbusRomNo9L-Regu"/>
-              </a:rPr>
-              <a:t>Jammeh</a:t>
-            </a:r>
-            <a:r>
-              <a:rPr lang="en-US" sz="1800" b="0" i="0" u="none" strike="noStrike" baseline="0" dirty="0" smtClean="0">
-                <a:latin typeface="NimbusRomNo9L-Regu"/>
-              </a:rPr>
-              <a:t>, Martin </a:t>
-            </a:r>
-            <a:r>
-              <a:rPr lang="en-US" sz="1800" b="0" i="0" u="none" strike="noStrike" baseline="0" dirty="0" err="1" smtClean="0">
-                <a:latin typeface="NimbusRomNo9L-Regu"/>
-              </a:rPr>
-              <a:t>Fleury</a:t>
-            </a:r>
-            <a:r>
-              <a:rPr lang="en-US" sz="1800" b="0" i="0" u="none" strike="noStrike" baseline="0" dirty="0" smtClean="0">
-                <a:latin typeface="NimbusRomNo9L-Regu"/>
-              </a:rPr>
-              <a:t>, and M. J. Reed. OPNET Modeler and Ns-2: Comparing the Accuracy of Network Simulators for Packet-Level Analysis using a Network </a:t>
-            </a:r>
-            <a:r>
-              <a:rPr lang="en-US" sz="1800" b="0" i="0" u="none" strike="noStrike" baseline="0" dirty="0" err="1" smtClean="0">
-                <a:latin typeface="NimbusRomNo9L-Regu"/>
-              </a:rPr>
-              <a:t>Testbed</a:t>
-            </a:r>
-            <a:r>
-              <a:rPr lang="en-US" sz="1800" b="0" i="0" u="none" strike="noStrike" baseline="0" dirty="0" smtClean="0">
-                <a:latin typeface="NimbusRomNo9L-Regu"/>
-              </a:rPr>
-              <a:t>. </a:t>
-            </a:r>
-            <a:r>
-              <a:rPr lang="en-US" sz="1800" b="0" i="0" u="none" strike="noStrike" baseline="0" dirty="0" smtClean="0">
-                <a:latin typeface="NimbusRomNo9L-ReguItal"/>
-              </a:rPr>
-              <a:t>3rd WEAS International Conference on Simulation, Modelling and Optimization (ICOSMO)</a:t>
-            </a:r>
-            <a:r>
-              <a:rPr lang="en-US" sz="1800" b="0" i="0" u="none" strike="noStrike" baseline="0" dirty="0" smtClean="0">
-                <a:latin typeface="NimbusRomNo9L-Regu"/>
-              </a:rPr>
-              <a:t>, pages 700–707, 2003.</a:t>
-            </a:r>
-          </a:p>
-          <a:p>
-            <a:r>
-              <a:rPr lang="en-US" sz="1800" b="0" i="0" u="none" strike="noStrike" baseline="0" dirty="0" smtClean="0">
-                <a:latin typeface="NimbusRomNo9L-Regu"/>
-              </a:rPr>
-              <a:t>G. </a:t>
-            </a:r>
-            <a:r>
-              <a:rPr lang="en-US" sz="1800" b="0" i="0" u="none" strike="noStrike" baseline="0" dirty="0" err="1" smtClean="0">
-                <a:latin typeface="NimbusRomNo9L-Regu"/>
-              </a:rPr>
-              <a:t>Giambene</a:t>
-            </a:r>
-            <a:r>
-              <a:rPr lang="en-US" sz="1800" b="0" i="0" u="none" strike="noStrike" baseline="0" dirty="0" smtClean="0">
-                <a:latin typeface="NimbusRomNo9L-Regu"/>
-              </a:rPr>
-              <a:t>. </a:t>
-            </a:r>
-            <a:r>
-              <a:rPr lang="en-US" sz="1800" b="0" i="0" u="none" strike="noStrike" baseline="0" dirty="0" smtClean="0">
-                <a:latin typeface="NimbusRomNo9L-ReguItal"/>
-              </a:rPr>
-              <a:t>Queuing Theory and Telecommunications Networks and Applications</a:t>
-            </a:r>
-            <a:r>
-              <a:rPr lang="en-US" sz="1800" b="0" i="0" u="none" strike="noStrike" baseline="0" dirty="0" smtClean="0">
-                <a:latin typeface="NimbusRomNo9L-Regu"/>
-              </a:rPr>
-              <a:t>. 2005.</a:t>
-            </a:r>
-          </a:p>
-          <a:p>
-            <a:r>
-              <a:rPr lang="en-US" sz="1800" b="0" i="0" u="none" strike="noStrike" baseline="0" dirty="0" smtClean="0">
-                <a:latin typeface="NimbusRomNo9L-Regu"/>
-              </a:rPr>
-              <a:t>R. L. Cruz. A calculus for network delay–I: Network elements in isolation. </a:t>
-            </a:r>
-            <a:r>
-              <a:rPr lang="en-US" sz="1800" b="0" i="0" u="none" strike="noStrike" baseline="0" dirty="0" smtClean="0">
-                <a:latin typeface="NimbusRomNo9L-ReguItal"/>
-              </a:rPr>
-              <a:t>IEEE Transactions on Information Theory</a:t>
-            </a:r>
-            <a:r>
-              <a:rPr lang="en-US" sz="1800" b="0" i="0" u="none" strike="noStrike" baseline="0" dirty="0" smtClean="0">
-                <a:latin typeface="NimbusRomNo9L-Regu"/>
-              </a:rPr>
-              <a:t>, 37(1):114–131, 1991.</a:t>
-            </a:r>
-          </a:p>
-          <a:p>
-            <a:r>
-              <a:rPr lang="en-US" sz="1800" b="0" i="0" u="none" strike="noStrike" baseline="0" dirty="0" smtClean="0">
-                <a:latin typeface="NimbusRomNo9L-Regu"/>
-              </a:rPr>
-              <a:t>O. S. Consortium et al. </a:t>
-            </a:r>
-            <a:r>
-              <a:rPr lang="en-US" sz="1800" b="0" i="0" u="none" strike="noStrike" baseline="0" dirty="0" err="1" smtClean="0">
-                <a:latin typeface="NimbusRomNo9L-Regu"/>
-              </a:rPr>
-              <a:t>Openflow</a:t>
-            </a:r>
-            <a:r>
-              <a:rPr lang="en-US" sz="1800" b="0" i="0" u="none" strike="noStrike" baseline="0" dirty="0" smtClean="0">
-                <a:latin typeface="NimbusRomNo9L-Regu"/>
-              </a:rPr>
-              <a:t> switch specification version 1.0. 0, 2009.</a:t>
-            </a:r>
-          </a:p>
-          <a:p>
-            <a:r>
-              <a:rPr lang="en-US" sz="1800" b="0" i="0" u="none" strike="noStrike" baseline="0" dirty="0" smtClean="0">
-                <a:latin typeface="NimbusRomNo9L-Regu"/>
-              </a:rPr>
-              <a:t>M. Carbone and L. Rizzo. </a:t>
-            </a:r>
-            <a:r>
-              <a:rPr lang="en-US" sz="1800" b="0" i="0" u="none" strike="noStrike" baseline="0" dirty="0" err="1" smtClean="0">
-                <a:latin typeface="NimbusRomNo9L-Regu"/>
-              </a:rPr>
-              <a:t>Dummynet</a:t>
-            </a:r>
-            <a:r>
-              <a:rPr lang="en-US" sz="1800" b="0" i="0" u="none" strike="noStrike" baseline="0" dirty="0" smtClean="0">
-                <a:latin typeface="NimbusRomNo9L-Regu"/>
-              </a:rPr>
-              <a:t> revisited, 2010</a:t>
-            </a:r>
-            <a:endParaRPr lang="en-US" dirty="0"/>
-          </a:p>
-        </p:txBody>
-      </p:sp>
-      <p:sp>
-        <p:nvSpPr>
-          <p:cNvPr id="4" name="Slide Number Placeholder 3"/>
-          <p:cNvSpPr>
-            <a:spLocks noGrp="1"/>
-          </p:cNvSpPr>
-          <p:nvPr>
-            <p:ph type="sldNum" sz="quarter" idx="12"/>
-          </p:nvPr>
-        </p:nvSpPr>
-        <p:spPr/>
-        <p:txBody>
-          <a:bodyPr/>
-          <a:lstStyle/>
-          <a:p>
-            <a:fld id="{4FAB73BC-B049-4115-A692-8D63A059BFB8}" type="slidenum">
-              <a:rPr lang="en-US" smtClean="0"/>
-              <a:t>22</a:t>
-            </a:fld>
-            <a:endParaRPr lang="en-US" dirty="0"/>
-          </a:p>
-        </p:txBody>
-      </p:sp>
-    </p:spTree>
-    <p:extLst>
-      <p:ext uri="{BB962C8B-B14F-4D97-AF65-F5344CB8AC3E}">
-        <p14:creationId xmlns:p14="http://schemas.microsoft.com/office/powerpoint/2010/main" val="3737306379"/>
       </p:ext>
     </p:extLst>
   </p:cSld>
@@ -9534,12 +9449,42 @@
         </p:nvSpPr>
         <p:spPr/>
         <p:txBody>
+          <a:bodyPr>
+            <a:normAutofit fontScale="90000"/>
+          </a:bodyPr>
+          <a:lstStyle/>
+          <a:p>
+            <a:r>
+              <a:rPr lang="en-US" dirty="0" smtClean="0"/>
+              <a:t>Generation of Application Network Profiles from Business Logic Models (3/3)</a:t>
+            </a:r>
+            <a:endParaRPr lang="en-US" dirty="0"/>
+          </a:p>
+        </p:txBody>
+      </p:sp>
+      <p:sp>
+        <p:nvSpPr>
+          <p:cNvPr id="4" name="Text Placeholder 3"/>
+          <p:cNvSpPr>
+            <a:spLocks noGrp="1"/>
+          </p:cNvSpPr>
+          <p:nvPr>
+            <p:ph type="body" idx="1"/>
+          </p:nvPr>
+        </p:nvSpPr>
+        <p:spPr>
+          <a:xfrm>
+            <a:off x="946403" y="1717185"/>
+            <a:ext cx="6047177" cy="731520"/>
+          </a:xfrm>
+        </p:spPr>
+        <p:txBody>
           <a:bodyPr/>
           <a:lstStyle/>
           <a:p>
             <a:r>
               <a:rPr lang="en-US" dirty="0" smtClean="0"/>
-              <a:t>Questions?</a:t>
+              <a:t>Proposed Contributions</a:t>
             </a:r>
             <a:endParaRPr lang="en-US" dirty="0"/>
           </a:p>
@@ -9547,30 +9492,59 @@
       </p:sp>
       <p:sp>
         <p:nvSpPr>
-          <p:cNvPr id="3" name="Content Placeholder 2"/>
-          <p:cNvSpPr>
-            <a:spLocks noGrp="1"/>
-          </p:cNvSpPr>
-          <p:nvPr>
-            <p:ph type="body" idx="1"/>
-          </p:nvPr>
-        </p:nvSpPr>
-        <p:spPr/>
-        <p:txBody>
-          <a:bodyPr/>
-          <a:lstStyle/>
-          <a:p>
-            <a:r>
-              <a:rPr lang="en-US" dirty="0" smtClean="0"/>
-              <a:t>Thank you for your attention!</a:t>
-            </a:r>
+          <p:cNvPr id="6" name="Content Placeholder 5"/>
+          <p:cNvSpPr>
+            <a:spLocks noGrp="1"/>
+          </p:cNvSpPr>
+          <p:nvPr>
+            <p:ph sz="half" idx="2"/>
+          </p:nvPr>
+        </p:nvSpPr>
+        <p:spPr>
+          <a:xfrm>
+            <a:off x="946403" y="2507550"/>
+            <a:ext cx="6047177" cy="3664650"/>
+          </a:xfrm>
+        </p:spPr>
+        <p:txBody>
+          <a:bodyPr>
+            <a:normAutofit fontScale="92500" lnSpcReduction="20000"/>
+          </a:bodyPr>
+          <a:lstStyle/>
+          <a:p>
+            <a:r>
+              <a:rPr lang="en-US" sz="1800" dirty="0" smtClean="0"/>
+              <a:t>We will develop an add-on to our currently existing modeling language for application business logic which captures the network resources required during each part of the business logic model.</a:t>
+            </a:r>
+          </a:p>
+          <a:p>
+            <a:r>
+              <a:rPr lang="en-US" sz="1800" dirty="0" smtClean="0"/>
+              <a:t>We will develop a compositional technique for generating the network resource requirement profile for an application from the combined business logic models of that application's components.  This is required because the business logic models describe the behavior of the callback associated with a component port, but does not describe the timing of the invocations of that callback.</a:t>
+            </a:r>
+          </a:p>
+          <a:p>
+            <a:r>
+              <a:rPr lang="en-US" sz="1800" dirty="0" smtClean="0"/>
+              <a:t>We will develop test applications for our </a:t>
+            </a:r>
+            <a:r>
+              <a:rPr lang="en-US" sz="1800" dirty="0" err="1" smtClean="0"/>
+              <a:t>testbed</a:t>
+            </a:r>
+            <a:r>
+              <a:rPr lang="en-US" sz="1800" dirty="0" smtClean="0"/>
+              <a:t> which adhere to the business logic models and allow us to measure the accuracy and precision of the predictions using these generated profiles.</a:t>
+            </a:r>
+          </a:p>
+          <a:p>
             <a:endParaRPr lang="en-US" dirty="0"/>
           </a:p>
         </p:txBody>
       </p:sp>
       <p:sp>
         <p:nvSpPr>
-          <p:cNvPr id="4" name="Slide Number Placeholder 3"/>
+          <p:cNvPr id="3" name="Slide Number Placeholder 2"/>
           <p:cNvSpPr>
             <a:spLocks noGrp="1"/>
           </p:cNvSpPr>
@@ -9594,7 +9568,1744 @@
     </p:spTree>
     <p:extLst>
       <p:ext uri="{BB962C8B-B14F-4D97-AF65-F5344CB8AC3E}">
-        <p14:creationId xmlns:p14="http://schemas.microsoft.com/office/powerpoint/2010/main" val="1227628159"/>
+        <p14:creationId xmlns:p14="http://schemas.microsoft.com/office/powerpoint/2010/main" val="1474561979"/>
+      </p:ext>
+    </p:extLst>
+  </p:cSld>
+  <p:clrMapOvr>
+    <a:masterClrMapping/>
+  </p:clrMapOvr>
+  <p:timing>
+    <p:tnLst>
+      <p:par>
+        <p:cTn id="1" dur="indefinite" restart="never" nodeType="tmRoot"/>
+      </p:par>
+    </p:tnLst>
+  </p:timing>
+</p:sld>
+</file>
+
+<file path=ppt/slides/slide24.xml><?xml version="1.0" encoding="utf-8"?>
+<p:sld xmlns:a="http://schemas.openxmlformats.org/drawingml/2006/main" xmlns:r="http://schemas.openxmlformats.org/officeDocument/2006/relationships" xmlns:p="http://schemas.openxmlformats.org/presentationml/2006/main">
+  <p:cSld>
+    <p:spTree>
+      <p:nvGrpSpPr>
+        <p:cNvPr id="1" name=""/>
+        <p:cNvGrpSpPr/>
+        <p:nvPr/>
+      </p:nvGrpSpPr>
+      <p:grpSpPr>
+        <a:xfrm>
+          <a:off x="0" y="0"/>
+          <a:ext cx="0" cy="0"/>
+          <a:chOff x="0" y="0"/>
+          <a:chExt cx="0" cy="0"/>
+        </a:xfrm>
+      </p:grpSpPr>
+      <p:sp>
+        <p:nvSpPr>
+          <p:cNvPr id="2" name="Title 1"/>
+          <p:cNvSpPr>
+            <a:spLocks noGrp="1"/>
+          </p:cNvSpPr>
+          <p:nvPr>
+            <p:ph type="title"/>
+          </p:nvPr>
+        </p:nvSpPr>
+        <p:spPr/>
+        <p:txBody>
+          <a:bodyPr>
+            <a:normAutofit/>
+          </a:bodyPr>
+          <a:lstStyle/>
+          <a:p>
+            <a:r>
+              <a:rPr lang="en-US" dirty="0" smtClean="0"/>
+              <a:t>Analysis of Statically Routed Networks</a:t>
+            </a:r>
+            <a:endParaRPr lang="en-US" dirty="0"/>
+          </a:p>
+        </p:txBody>
+      </p:sp>
+      <p:sp>
+        <p:nvSpPr>
+          <p:cNvPr id="5" name="Text Placeholder 4"/>
+          <p:cNvSpPr>
+            <a:spLocks noGrp="1"/>
+          </p:cNvSpPr>
+          <p:nvPr>
+            <p:ph type="body" idx="1"/>
+          </p:nvPr>
+        </p:nvSpPr>
+        <p:spPr/>
+        <p:txBody>
+          <a:bodyPr/>
+          <a:lstStyle/>
+          <a:p>
+            <a:r>
+              <a:rPr lang="en-US" dirty="0" smtClean="0"/>
+              <a:t>Challenges</a:t>
+            </a:r>
+            <a:endParaRPr lang="en-US" dirty="0"/>
+          </a:p>
+        </p:txBody>
+      </p:sp>
+      <p:sp>
+        <p:nvSpPr>
+          <p:cNvPr id="3" name="Content Placeholder 2"/>
+          <p:cNvSpPr>
+            <a:spLocks noGrp="1"/>
+          </p:cNvSpPr>
+          <p:nvPr>
+            <p:ph sz="half" idx="2"/>
+          </p:nvPr>
+        </p:nvSpPr>
+        <p:spPr/>
+        <p:txBody>
+          <a:bodyPr>
+            <a:normAutofit fontScale="92500" lnSpcReduction="20000"/>
+          </a:bodyPr>
+          <a:lstStyle/>
+          <a:p>
+            <a:r>
+              <a:rPr lang="en-US" dirty="0" smtClean="0"/>
+              <a:t>Most realistic networks require some form of message routing</a:t>
+            </a:r>
+          </a:p>
+          <a:p>
+            <a:pPr lvl="1"/>
+            <a:r>
+              <a:rPr lang="en-US" dirty="0" smtClean="0"/>
+              <a:t>Not all</a:t>
+            </a:r>
+            <a:r>
+              <a:rPr lang="en-US" dirty="0"/>
+              <a:t> </a:t>
+            </a:r>
+            <a:r>
+              <a:rPr lang="en-US" dirty="0" smtClean="0"/>
+              <a:t>nodes</a:t>
+            </a:r>
+            <a:r>
+              <a:rPr lang="en-US" dirty="0"/>
+              <a:t> </a:t>
+            </a:r>
+            <a:r>
+              <a:rPr lang="en-US" dirty="0" smtClean="0"/>
+              <a:t>have a direct communications link to each other</a:t>
+            </a:r>
+          </a:p>
+          <a:p>
+            <a:pPr lvl="1"/>
+            <a:r>
+              <a:rPr lang="en-US" dirty="0" smtClean="0"/>
+              <a:t>Due</a:t>
+            </a:r>
+            <a:r>
+              <a:rPr lang="en-US" dirty="0"/>
+              <a:t> </a:t>
+            </a:r>
+            <a:r>
+              <a:rPr lang="en-US" dirty="0" smtClean="0"/>
+              <a:t>to</a:t>
+            </a:r>
+            <a:r>
+              <a:rPr lang="en-US" dirty="0"/>
+              <a:t> </a:t>
+            </a:r>
+            <a:r>
+              <a:rPr lang="en-US" dirty="0" smtClean="0"/>
+              <a:t>e.g.</a:t>
+            </a:r>
+            <a:r>
+              <a:rPr lang="en-US" dirty="0"/>
+              <a:t> </a:t>
+            </a:r>
+            <a:r>
+              <a:rPr lang="en-US" dirty="0" smtClean="0"/>
+              <a:t>obstructions, local interference, etc.</a:t>
+            </a:r>
+          </a:p>
+          <a:p>
+            <a:r>
+              <a:rPr lang="en-US" dirty="0" smtClean="0"/>
+              <a:t>Routing</a:t>
+            </a:r>
+            <a:r>
+              <a:rPr lang="en-US" dirty="0"/>
+              <a:t> </a:t>
+            </a:r>
+            <a:r>
+              <a:rPr lang="en-US" dirty="0" smtClean="0"/>
+              <a:t>allows</a:t>
+            </a:r>
+            <a:r>
+              <a:rPr lang="en-US" dirty="0"/>
+              <a:t> </a:t>
+            </a:r>
+            <a:r>
+              <a:rPr lang="en-US" dirty="0" smtClean="0"/>
+              <a:t>for</a:t>
+            </a:r>
+            <a:r>
+              <a:rPr lang="en-US" dirty="0"/>
+              <a:t> </a:t>
+            </a:r>
+            <a:r>
+              <a:rPr lang="en-US" dirty="0" smtClean="0"/>
+              <a:t>more</a:t>
+            </a:r>
+            <a:r>
+              <a:rPr lang="en-US" dirty="0"/>
+              <a:t> </a:t>
+            </a:r>
+            <a:r>
+              <a:rPr lang="en-US" dirty="0" smtClean="0"/>
+              <a:t>flexibility</a:t>
+            </a:r>
+            <a:r>
+              <a:rPr lang="en-US" dirty="0"/>
+              <a:t> </a:t>
+            </a:r>
+            <a:r>
+              <a:rPr lang="en-US" dirty="0" smtClean="0"/>
+              <a:t>with</a:t>
+            </a:r>
+            <a:r>
+              <a:rPr lang="en-US" dirty="0"/>
+              <a:t> </a:t>
+            </a:r>
+            <a:r>
+              <a:rPr lang="en-US" dirty="0" smtClean="0"/>
+              <a:t>respect to system deployment and connectivity</a:t>
+            </a:r>
+          </a:p>
+          <a:p>
+            <a:r>
+              <a:rPr lang="en-US" dirty="0" smtClean="0"/>
+              <a:t>Routing can be either pre-defined at deployment time (static) or configured dynamically at run-time</a:t>
+            </a:r>
+          </a:p>
+          <a:p>
+            <a:endParaRPr lang="en-US" dirty="0"/>
+          </a:p>
+        </p:txBody>
+      </p:sp>
+      <p:sp>
+        <p:nvSpPr>
+          <p:cNvPr id="9" name="Text Placeholder 8"/>
+          <p:cNvSpPr>
+            <a:spLocks noGrp="1"/>
+          </p:cNvSpPr>
+          <p:nvPr>
+            <p:ph type="body" sz="quarter" idx="13"/>
+          </p:nvPr>
+        </p:nvSpPr>
+        <p:spPr/>
+        <p:txBody>
+          <a:bodyPr/>
+          <a:lstStyle/>
+          <a:p>
+            <a:r>
+              <a:rPr lang="en-US" dirty="0" smtClean="0"/>
+              <a:t>Proposed Contributions</a:t>
+            </a:r>
+            <a:endParaRPr lang="en-US" dirty="0"/>
+          </a:p>
+        </p:txBody>
+      </p:sp>
+      <p:sp>
+        <p:nvSpPr>
+          <p:cNvPr id="7" name="Content Placeholder 6"/>
+          <p:cNvSpPr>
+            <a:spLocks noGrp="1"/>
+          </p:cNvSpPr>
+          <p:nvPr>
+            <p:ph sz="quarter" idx="4"/>
+          </p:nvPr>
+        </p:nvSpPr>
+        <p:spPr/>
+        <p:txBody>
+          <a:bodyPr>
+            <a:normAutofit fontScale="92500" lnSpcReduction="20000"/>
+          </a:bodyPr>
+          <a:lstStyle/>
+          <a:p>
+            <a:r>
+              <a:rPr lang="en-US" dirty="0" smtClean="0"/>
+              <a:t>We consider a case of routing in ad-hoc networks:</a:t>
+            </a:r>
+          </a:p>
+          <a:p>
+            <a:pPr lvl="1"/>
+            <a:r>
+              <a:rPr lang="en-US" b="1" dirty="0" smtClean="0"/>
+              <a:t>one or more nodes can route messages for other nodes</a:t>
+            </a:r>
+          </a:p>
+          <a:p>
+            <a:r>
+              <a:rPr lang="en-US" dirty="0" smtClean="0"/>
+              <a:t>We will extend our network resource modeling and analysis techniques to support networks in which system nodes can act as routers for packets in the network.</a:t>
+            </a:r>
+          </a:p>
+          <a:p>
+            <a:r>
+              <a:rPr lang="en-US" dirty="0" smtClean="0"/>
+              <a:t>We will show experimentally the validity of the analysis results using our </a:t>
+            </a:r>
+            <a:r>
+              <a:rPr lang="en-US" dirty="0" err="1" smtClean="0"/>
+              <a:t>testbed</a:t>
+            </a:r>
+            <a:r>
+              <a:rPr lang="en-US" dirty="0" smtClean="0"/>
+              <a:t> and test applications.</a:t>
+            </a:r>
+          </a:p>
+          <a:p>
+            <a:endParaRPr lang="en-US" dirty="0"/>
+          </a:p>
+        </p:txBody>
+      </p:sp>
+      <p:sp>
+        <p:nvSpPr>
+          <p:cNvPr id="4" name="Slide Number Placeholder 3"/>
+          <p:cNvSpPr>
+            <a:spLocks noGrp="1"/>
+          </p:cNvSpPr>
+          <p:nvPr>
+            <p:ph type="sldNum" sz="quarter" idx="12"/>
+          </p:nvPr>
+        </p:nvSpPr>
+        <p:spPr/>
+        <p:txBody>
+          <a:bodyPr/>
+          <a:lstStyle/>
+          <a:p>
+            <a:fld id="{4FAB73BC-B049-4115-A692-8D63A059BFB8}" type="slidenum">
+              <a:rPr lang="en-US" smtClean="0"/>
+              <a:t>24</a:t>
+            </a:fld>
+            <a:endParaRPr lang="en-US" dirty="0"/>
+          </a:p>
+        </p:txBody>
+      </p:sp>
+    </p:spTree>
+    <p:extLst>
+      <p:ext uri="{BB962C8B-B14F-4D97-AF65-F5344CB8AC3E}">
+        <p14:creationId xmlns:p14="http://schemas.microsoft.com/office/powerpoint/2010/main" val="1169702747"/>
+      </p:ext>
+    </p:extLst>
+  </p:cSld>
+  <p:clrMapOvr>
+    <a:masterClrMapping/>
+  </p:clrMapOvr>
+  <p:timing>
+    <p:tnLst>
+      <p:par>
+        <p:cTn id="1" dur="indefinite" restart="never" nodeType="tmRoot"/>
+      </p:par>
+    </p:tnLst>
+  </p:timing>
+</p:sld>
+</file>
+
+<file path=ppt/slides/slide25.xml><?xml version="1.0" encoding="utf-8"?>
+<p:sld xmlns:a="http://schemas.openxmlformats.org/drawingml/2006/main" xmlns:r="http://schemas.openxmlformats.org/officeDocument/2006/relationships" xmlns:p="http://schemas.openxmlformats.org/presentationml/2006/main">
+  <p:cSld>
+    <p:spTree>
+      <p:nvGrpSpPr>
+        <p:cNvPr id="1" name=""/>
+        <p:cNvGrpSpPr/>
+        <p:nvPr/>
+      </p:nvGrpSpPr>
+      <p:grpSpPr>
+        <a:xfrm>
+          <a:off x="0" y="0"/>
+          <a:ext cx="0" cy="0"/>
+          <a:chOff x="0" y="0"/>
+          <a:chExt cx="0" cy="0"/>
+        </a:xfrm>
+      </p:grpSpPr>
+      <p:sp>
+        <p:nvSpPr>
+          <p:cNvPr id="2" name="Title 1"/>
+          <p:cNvSpPr>
+            <a:spLocks noGrp="1"/>
+          </p:cNvSpPr>
+          <p:nvPr>
+            <p:ph type="title"/>
+          </p:nvPr>
+        </p:nvSpPr>
+        <p:spPr/>
+        <p:txBody>
+          <a:bodyPr>
+            <a:normAutofit/>
+          </a:bodyPr>
+          <a:lstStyle/>
+          <a:p>
+            <a:r>
+              <a:rPr lang="en-US" dirty="0" smtClean="0"/>
+              <a:t>Comparison of </a:t>
+            </a:r>
+            <a:r>
+              <a:rPr lang="en-US" dirty="0"/>
+              <a:t>PNP</a:t>
+            </a:r>
+            <a:r>
+              <a:rPr lang="en-US" baseline="30000" dirty="0"/>
+              <a:t>2</a:t>
+            </a:r>
+            <a:r>
+              <a:rPr lang="en-US" dirty="0" smtClean="0"/>
+              <a:t> </a:t>
+            </a:r>
+            <a:r>
+              <a:rPr lang="en-US" dirty="0" smtClean="0"/>
+              <a:t>to Network Calculus</a:t>
+            </a:r>
+            <a:endParaRPr lang="en-US" dirty="0"/>
+          </a:p>
+        </p:txBody>
+      </p:sp>
+      <p:sp>
+        <p:nvSpPr>
+          <p:cNvPr id="3" name="Content Placeholder 2"/>
+          <p:cNvSpPr>
+            <a:spLocks noGrp="1"/>
+          </p:cNvSpPr>
+          <p:nvPr>
+            <p:ph idx="1"/>
+          </p:nvPr>
+        </p:nvSpPr>
+        <p:spPr/>
+        <p:txBody>
+          <a:bodyPr>
+            <a:normAutofit/>
+          </a:bodyPr>
+          <a:lstStyle/>
+          <a:p>
+            <a:r>
+              <a:rPr lang="en-US" dirty="0" smtClean="0"/>
+              <a:t>By showing that the main concepts of Network Calculus, e.g. compositionality, hold for </a:t>
+            </a:r>
+            <a:r>
+              <a:rPr lang="en-US" dirty="0"/>
+              <a:t>PNP</a:t>
+            </a:r>
+            <a:r>
+              <a:rPr lang="en-US" baseline="30000" dirty="0"/>
+              <a:t>2</a:t>
+            </a:r>
+            <a:r>
+              <a:rPr lang="en-US" dirty="0" smtClean="0"/>
+              <a:t>, </a:t>
+            </a:r>
+            <a:r>
+              <a:rPr lang="en-US" dirty="0" smtClean="0"/>
+              <a:t>we show the capability for similar systems-theory based analysis approaches</a:t>
+            </a:r>
+          </a:p>
+          <a:p>
+            <a:r>
+              <a:rPr lang="en-US" dirty="0" smtClean="0"/>
+              <a:t>We will mathematically analyze the differences between the proposed technique and Network Calculus, showing that compositionality (i.e. concatenation of nodes in NC) applies to our analysis techniques</a:t>
+            </a:r>
+          </a:p>
+          <a:p>
+            <a:r>
+              <a:rPr lang="en-US" dirty="0" smtClean="0"/>
+              <a:t>We will analyze network flow composition to formalize operations for flow aggregation</a:t>
+            </a:r>
+            <a:endParaRPr lang="en-US" dirty="0"/>
+          </a:p>
+        </p:txBody>
+      </p:sp>
+      <p:sp>
+        <p:nvSpPr>
+          <p:cNvPr id="4" name="Slide Number Placeholder 3"/>
+          <p:cNvSpPr>
+            <a:spLocks noGrp="1"/>
+          </p:cNvSpPr>
+          <p:nvPr>
+            <p:ph type="sldNum" sz="quarter" idx="12"/>
+          </p:nvPr>
+        </p:nvSpPr>
+        <p:spPr/>
+        <p:txBody>
+          <a:bodyPr/>
+          <a:lstStyle/>
+          <a:p>
+            <a:fld id="{4FAB73BC-B049-4115-A692-8D63A059BFB8}" type="slidenum">
+              <a:rPr lang="en-US" smtClean="0"/>
+              <a:t>25</a:t>
+            </a:fld>
+            <a:endParaRPr lang="en-US" dirty="0"/>
+          </a:p>
+        </p:txBody>
+      </p:sp>
+    </p:spTree>
+    <p:extLst>
+      <p:ext uri="{BB962C8B-B14F-4D97-AF65-F5344CB8AC3E}">
+        <p14:creationId xmlns:p14="http://schemas.microsoft.com/office/powerpoint/2010/main" val="3262185113"/>
+      </p:ext>
+    </p:extLst>
+  </p:cSld>
+  <p:clrMapOvr>
+    <a:masterClrMapping/>
+  </p:clrMapOvr>
+  <p:timing>
+    <p:tnLst>
+      <p:par>
+        <p:cTn id="1" dur="indefinite" restart="never" nodeType="tmRoot"/>
+      </p:par>
+    </p:tnLst>
+  </p:timing>
+</p:sld>
+</file>
+
+<file path=ppt/slides/slide26.xml><?xml version="1.0" encoding="utf-8"?>
+<p:sld xmlns:a="http://schemas.openxmlformats.org/drawingml/2006/main" xmlns:r="http://schemas.openxmlformats.org/officeDocument/2006/relationships" xmlns:p="http://schemas.openxmlformats.org/presentationml/2006/main">
+  <p:cSld>
+    <p:spTree>
+      <p:nvGrpSpPr>
+        <p:cNvPr id="1" name=""/>
+        <p:cNvGrpSpPr/>
+        <p:nvPr/>
+      </p:nvGrpSpPr>
+      <p:grpSpPr>
+        <a:xfrm>
+          <a:off x="0" y="0"/>
+          <a:ext cx="0" cy="0"/>
+          <a:chOff x="0" y="0"/>
+          <a:chExt cx="0" cy="0"/>
+        </a:xfrm>
+      </p:grpSpPr>
+      <p:sp>
+        <p:nvSpPr>
+          <p:cNvPr id="2" name="Title 1"/>
+          <p:cNvSpPr>
+            <a:spLocks noGrp="1"/>
+          </p:cNvSpPr>
+          <p:nvPr>
+            <p:ph type="title"/>
+          </p:nvPr>
+        </p:nvSpPr>
+        <p:spPr/>
+        <p:txBody>
+          <a:bodyPr>
+            <a:normAutofit/>
+          </a:bodyPr>
+          <a:lstStyle/>
+          <a:p>
+            <a:r>
+              <a:rPr lang="en-US" dirty="0" smtClean="0"/>
+              <a:t>Network Application Fault/Anomaly Classification</a:t>
+            </a:r>
+            <a:endParaRPr lang="en-US" dirty="0"/>
+          </a:p>
+        </p:txBody>
+      </p:sp>
+      <p:sp>
+        <p:nvSpPr>
+          <p:cNvPr id="3" name="Content Placeholder 2"/>
+          <p:cNvSpPr>
+            <a:spLocks noGrp="1"/>
+          </p:cNvSpPr>
+          <p:nvPr>
+            <p:ph idx="1"/>
+          </p:nvPr>
+        </p:nvSpPr>
+        <p:spPr/>
+        <p:txBody>
+          <a:bodyPr/>
+          <a:lstStyle/>
+          <a:p>
+            <a:r>
+              <a:rPr lang="en-US" dirty="0" smtClean="0"/>
+              <a:t>We will use our </a:t>
+            </a:r>
+            <a:r>
+              <a:rPr lang="en-US" dirty="0" err="1" smtClean="0"/>
+              <a:t>testbed</a:t>
+            </a:r>
+            <a:r>
+              <a:rPr lang="en-US" dirty="0" smtClean="0"/>
+              <a:t> to run distributed network tests to classify certain types of anomalies, e.g. </a:t>
+            </a:r>
+            <a:r>
+              <a:rPr lang="en-US" dirty="0" err="1" smtClean="0"/>
+              <a:t>DDoS</a:t>
+            </a:r>
+            <a:r>
+              <a:rPr lang="en-US" dirty="0" smtClean="0"/>
+              <a:t> attacks from compromised applications within the cluster.</a:t>
+            </a:r>
+          </a:p>
+          <a:p>
+            <a:pPr lvl="1"/>
+            <a:r>
+              <a:rPr lang="en-US" dirty="0" smtClean="0"/>
+              <a:t>Cluster</a:t>
+            </a:r>
+            <a:r>
+              <a:rPr lang="en-US" dirty="0"/>
+              <a:t> </a:t>
+            </a:r>
+            <a:r>
+              <a:rPr lang="en-US" dirty="0" smtClean="0"/>
+              <a:t>is</a:t>
+            </a:r>
+            <a:r>
+              <a:rPr lang="en-US" dirty="0"/>
+              <a:t> </a:t>
+            </a:r>
+            <a:r>
+              <a:rPr lang="en-US" dirty="0" smtClean="0"/>
+              <a:t>a</a:t>
+            </a:r>
+            <a:r>
+              <a:rPr lang="en-US" dirty="0"/>
+              <a:t> </a:t>
+            </a:r>
+            <a:r>
+              <a:rPr lang="en-US" b="1" dirty="0" smtClean="0"/>
+              <a:t>managed</a:t>
+            </a:r>
+            <a:r>
+              <a:rPr lang="en-US" dirty="0"/>
+              <a:t> </a:t>
+            </a:r>
+            <a:r>
+              <a:rPr lang="en-US" dirty="0" smtClean="0"/>
+              <a:t>system; we have full control over all layers on each node, but not the applications</a:t>
+            </a:r>
+          </a:p>
+          <a:p>
+            <a:r>
+              <a:rPr lang="en-US" dirty="0" smtClean="0"/>
+              <a:t>We will use the network resource utilization measurements gained from the tests to derive metrics which allow us to differentiate between classes of behavior, e.g. standard/stable application behavior vs. </a:t>
+            </a:r>
+            <a:r>
+              <a:rPr lang="en-US" dirty="0" err="1" smtClean="0"/>
+              <a:t>DDoS</a:t>
+            </a:r>
+            <a:r>
+              <a:rPr lang="en-US" dirty="0" smtClean="0"/>
+              <a:t> behavior.</a:t>
+            </a:r>
+          </a:p>
+          <a:p>
+            <a:r>
+              <a:rPr lang="en-US" dirty="0" smtClean="0"/>
+              <a:t>We will then use the classifications to show that the system can detect these types of attacks, mitigate their propagation, and report the attack to the system's manager.</a:t>
+            </a:r>
+            <a:endParaRPr lang="en-US" dirty="0"/>
+          </a:p>
+        </p:txBody>
+      </p:sp>
+      <p:sp>
+        <p:nvSpPr>
+          <p:cNvPr id="4" name="Slide Number Placeholder 3"/>
+          <p:cNvSpPr>
+            <a:spLocks noGrp="1"/>
+          </p:cNvSpPr>
+          <p:nvPr>
+            <p:ph type="sldNum" sz="quarter" idx="12"/>
+          </p:nvPr>
+        </p:nvSpPr>
+        <p:spPr/>
+        <p:txBody>
+          <a:bodyPr/>
+          <a:lstStyle/>
+          <a:p>
+            <a:fld id="{4FAB73BC-B049-4115-A692-8D63A059BFB8}" type="slidenum">
+              <a:rPr lang="en-US" smtClean="0"/>
+              <a:t>26</a:t>
+            </a:fld>
+            <a:endParaRPr lang="en-US" dirty="0"/>
+          </a:p>
+        </p:txBody>
+      </p:sp>
+    </p:spTree>
+    <p:extLst>
+      <p:ext uri="{BB962C8B-B14F-4D97-AF65-F5344CB8AC3E}">
+        <p14:creationId xmlns:p14="http://schemas.microsoft.com/office/powerpoint/2010/main" val="1688782407"/>
+      </p:ext>
+    </p:extLst>
+  </p:cSld>
+  <p:clrMapOvr>
+    <a:masterClrMapping/>
+  </p:clrMapOvr>
+  <p:timing>
+    <p:tnLst>
+      <p:par>
+        <p:cTn id="1" dur="indefinite" restart="never" nodeType="tmRoot"/>
+      </p:par>
+    </p:tnLst>
+  </p:timing>
+</p:sld>
+</file>
+
+<file path=ppt/slides/slide27.xml><?xml version="1.0" encoding="utf-8"?>
+<p:sld xmlns:a="http://schemas.openxmlformats.org/drawingml/2006/main" xmlns:r="http://schemas.openxmlformats.org/officeDocument/2006/relationships" xmlns:p="http://schemas.openxmlformats.org/presentationml/2006/main">
+  <p:cSld>
+    <p:spTree>
+      <p:nvGrpSpPr>
+        <p:cNvPr id="1" name=""/>
+        <p:cNvGrpSpPr/>
+        <p:nvPr/>
+      </p:nvGrpSpPr>
+      <p:grpSpPr>
+        <a:xfrm>
+          <a:off x="0" y="0"/>
+          <a:ext cx="0" cy="0"/>
+          <a:chOff x="0" y="0"/>
+          <a:chExt cx="0" cy="0"/>
+        </a:xfrm>
+      </p:grpSpPr>
+      <p:sp>
+        <p:nvSpPr>
+          <p:cNvPr id="2" name="Title 1"/>
+          <p:cNvSpPr>
+            <a:spLocks noGrp="1"/>
+          </p:cNvSpPr>
+          <p:nvPr>
+            <p:ph type="title"/>
+          </p:nvPr>
+        </p:nvSpPr>
+        <p:spPr/>
+        <p:txBody>
+          <a:bodyPr/>
+          <a:lstStyle/>
+          <a:p>
+            <a:r>
+              <a:rPr lang="en-US" dirty="0" smtClean="0"/>
+              <a:t>Conclusions and Future Work</a:t>
+            </a:r>
+            <a:endParaRPr lang="en-US" dirty="0"/>
+          </a:p>
+        </p:txBody>
+      </p:sp>
+      <p:sp>
+        <p:nvSpPr>
+          <p:cNvPr id="3" name="Content Placeholder 2"/>
+          <p:cNvSpPr>
+            <a:spLocks noGrp="1"/>
+          </p:cNvSpPr>
+          <p:nvPr>
+            <p:ph idx="1"/>
+          </p:nvPr>
+        </p:nvSpPr>
+        <p:spPr>
+          <a:xfrm>
+            <a:off x="946404" y="1828801"/>
+            <a:ext cx="6446520" cy="2744915"/>
+          </a:xfrm>
+        </p:spPr>
+        <p:txBody>
+          <a:bodyPr>
+            <a:noAutofit/>
+          </a:bodyPr>
+          <a:lstStyle/>
+          <a:p>
+            <a:r>
+              <a:rPr lang="en-US" sz="1200" dirty="0" smtClean="0"/>
+              <a:t>Certain</a:t>
+            </a:r>
+            <a:r>
+              <a:rPr lang="en-US" sz="1200" dirty="0"/>
+              <a:t> </a:t>
+            </a:r>
+            <a:r>
+              <a:rPr lang="en-US" sz="1200" dirty="0" smtClean="0"/>
+              <a:t>classes of distributed, real-time, embedded, cyber-physical systems require strict design-time guarantees about resource utilization and performance</a:t>
+            </a:r>
+          </a:p>
+          <a:p>
+            <a:pPr lvl="1"/>
+            <a:r>
+              <a:rPr lang="en-US" sz="1000" dirty="0" smtClean="0"/>
+              <a:t>Network resources are now critical for distributed CPS</a:t>
+            </a:r>
+          </a:p>
+          <a:p>
+            <a:r>
+              <a:rPr lang="en-US" sz="1200" dirty="0" smtClean="0"/>
+              <a:t>Current simulation or analysis techniques are too conservative at best, too inaccurate at worst</a:t>
+            </a:r>
+          </a:p>
+          <a:p>
+            <a:r>
+              <a:rPr lang="en-US" sz="1200" dirty="0" smtClean="0"/>
+              <a:t>Our proposed work extends previous work to increase the fidelity of the analysis results with respect to the run-time system</a:t>
+            </a:r>
+          </a:p>
+          <a:p>
+            <a:pPr lvl="1"/>
+            <a:r>
+              <a:rPr lang="en-US" sz="1200" dirty="0" smtClean="0"/>
+              <a:t>The</a:t>
+            </a:r>
+            <a:r>
+              <a:rPr lang="en-US" sz="1200" dirty="0"/>
+              <a:t> </a:t>
+            </a:r>
+            <a:r>
+              <a:rPr lang="en-US" sz="1200" dirty="0" smtClean="0"/>
+              <a:t>inclusion of temporal/physical dynamics into the analysis is paramount to providing strict performance guarantees</a:t>
+            </a:r>
+          </a:p>
+          <a:p>
+            <a:r>
+              <a:rPr lang="en-US" sz="1200" dirty="0" smtClean="0"/>
+              <a:t>We have described some remaining work in the field and outlined our plans to address it</a:t>
+            </a:r>
+            <a:endParaRPr lang="en-US" sz="1200" dirty="0"/>
+          </a:p>
+        </p:txBody>
+      </p:sp>
+      <p:sp>
+        <p:nvSpPr>
+          <p:cNvPr id="5" name="Slide Number Placeholder 4"/>
+          <p:cNvSpPr>
+            <a:spLocks noGrp="1"/>
+          </p:cNvSpPr>
+          <p:nvPr>
+            <p:ph type="sldNum" sz="quarter" idx="12"/>
+          </p:nvPr>
+        </p:nvSpPr>
+        <p:spPr/>
+        <p:txBody>
+          <a:bodyPr/>
+          <a:lstStyle/>
+          <a:p>
+            <a:fld id="{4FAB73BC-B049-4115-A692-8D63A059BFB8}" type="slidenum">
+              <a:rPr lang="en-US" smtClean="0"/>
+              <a:t>27</a:t>
+            </a:fld>
+            <a:endParaRPr lang="en-US" dirty="0"/>
+          </a:p>
+        </p:txBody>
+      </p:sp>
+    </p:spTree>
+    <p:extLst>
+      <p:ext uri="{BB962C8B-B14F-4D97-AF65-F5344CB8AC3E}">
+        <p14:creationId xmlns:p14="http://schemas.microsoft.com/office/powerpoint/2010/main" val="1316710534"/>
+      </p:ext>
+    </p:extLst>
+  </p:cSld>
+  <p:clrMapOvr>
+    <a:masterClrMapping/>
+  </p:clrMapOvr>
+  <p:timing>
+    <p:tnLst>
+      <p:par>
+        <p:cTn id="1" dur="indefinite" restart="never" nodeType="tmRoot"/>
+      </p:par>
+    </p:tnLst>
+  </p:timing>
+</p:sld>
+</file>
+
+<file path=ppt/slides/slide28.xml><?xml version="1.0" encoding="utf-8"?>
+<p:sld xmlns:a="http://schemas.openxmlformats.org/drawingml/2006/main" xmlns:r="http://schemas.openxmlformats.org/officeDocument/2006/relationships" xmlns:p="http://schemas.openxmlformats.org/presentationml/2006/main">
+  <p:cSld>
+    <p:spTree>
+      <p:nvGrpSpPr>
+        <p:cNvPr id="1" name=""/>
+        <p:cNvGrpSpPr/>
+        <p:nvPr/>
+      </p:nvGrpSpPr>
+      <p:grpSpPr>
+        <a:xfrm>
+          <a:off x="0" y="0"/>
+          <a:ext cx="0" cy="0"/>
+          <a:chOff x="0" y="0"/>
+          <a:chExt cx="0" cy="0"/>
+        </a:xfrm>
+      </p:grpSpPr>
+      <p:sp>
+        <p:nvSpPr>
+          <p:cNvPr id="2" name="Title 1"/>
+          <p:cNvSpPr>
+            <a:spLocks noGrp="1"/>
+          </p:cNvSpPr>
+          <p:nvPr>
+            <p:ph type="title"/>
+          </p:nvPr>
+        </p:nvSpPr>
+        <p:spPr/>
+        <p:txBody>
+          <a:bodyPr/>
+          <a:lstStyle/>
+          <a:p>
+            <a:r>
+              <a:rPr lang="en-US" dirty="0" smtClean="0"/>
+              <a:t>Publications</a:t>
+            </a:r>
+            <a:endParaRPr lang="en-US" dirty="0"/>
+          </a:p>
+        </p:txBody>
+      </p:sp>
+      <p:sp>
+        <p:nvSpPr>
+          <p:cNvPr id="3" name="Content Placeholder 2"/>
+          <p:cNvSpPr>
+            <a:spLocks noGrp="1"/>
+          </p:cNvSpPr>
+          <p:nvPr>
+            <p:ph idx="1"/>
+          </p:nvPr>
+        </p:nvSpPr>
+        <p:spPr/>
+        <p:txBody>
+          <a:bodyPr>
+            <a:normAutofit lnSpcReduction="10000"/>
+          </a:bodyPr>
+          <a:lstStyle/>
+          <a:p>
+            <a:r>
+              <a:rPr lang="en-US" sz="800" b="0" i="0" u="none" strike="noStrike" baseline="0" dirty="0" smtClean="0">
+                <a:latin typeface="NimbusRomNo9L-Regu"/>
+              </a:rPr>
+              <a:t>W. Emfinger and G. Karsai. Modeling network medium access protocols for network quality of service analysis. In </a:t>
+            </a:r>
+            <a:r>
+              <a:rPr lang="en-US" sz="800" b="0" i="0" u="none" strike="noStrike" baseline="0" dirty="0" smtClean="0">
+                <a:latin typeface="NimbusRomNo9L-ReguItal"/>
+              </a:rPr>
+              <a:t>Proceedings of the 18th IEEE Symposium on Real-Time Computing (ISORC)</a:t>
+            </a:r>
+            <a:r>
+              <a:rPr lang="en-US" sz="800" b="0" i="0" u="none" strike="noStrike" baseline="0" dirty="0" smtClean="0">
+                <a:latin typeface="NimbusRomNo9L-Regu"/>
+              </a:rPr>
+              <a:t>, ISORC ’15, pages 44–47, Auckland, New Zealand, 2015. IEEE</a:t>
+            </a:r>
+          </a:p>
+          <a:p>
+            <a:r>
+              <a:rPr lang="en-US" sz="800" b="0" i="0" u="none" strike="noStrike" baseline="0" dirty="0" smtClean="0">
+                <a:latin typeface="NimbusRomNo9L-Regu"/>
+              </a:rPr>
+              <a:t>W. Emfinger, G. Karsai, A. Dubey, and A. Gokhale. Analysis, verification, and management </a:t>
+            </a:r>
+            <a:r>
+              <a:rPr lang="en-US" sz="800" b="0" i="0" u="none" strike="noStrike" baseline="0" dirty="0" err="1" smtClean="0">
+                <a:latin typeface="NimbusRomNo9L-Regu"/>
+              </a:rPr>
+              <a:t>toolsuite</a:t>
+            </a:r>
+            <a:r>
+              <a:rPr lang="en-US" sz="800" b="0" i="0" u="none" strike="noStrike" baseline="0" dirty="0" smtClean="0">
+                <a:latin typeface="NimbusRomNo9L-Regu"/>
+              </a:rPr>
+              <a:t> for cyber-physical applications on time-varying networks. In </a:t>
+            </a:r>
+            <a:r>
+              <a:rPr lang="en-US" sz="800" b="0" i="0" u="none" strike="noStrike" baseline="0" dirty="0" smtClean="0">
+                <a:latin typeface="NimbusRomNo9L-ReguItal"/>
+              </a:rPr>
+              <a:t>Proceedings of the 4th ACM SIGBED International Workshop on Design, Modeling, and Evaluation of Cyber-Physical Systems</a:t>
+            </a:r>
+            <a:r>
+              <a:rPr lang="en-US" sz="800" b="0" i="0" u="none" strike="noStrike" baseline="0" dirty="0" smtClean="0">
+                <a:latin typeface="NimbusRomNo9L-Regu"/>
+              </a:rPr>
+              <a:t>, </a:t>
+            </a:r>
+            <a:r>
+              <a:rPr lang="en-US" sz="800" b="0" i="0" u="none" strike="noStrike" baseline="0" dirty="0" err="1" smtClean="0">
+                <a:latin typeface="NimbusRomNo9L-Regu"/>
+              </a:rPr>
+              <a:t>CyPhy</a:t>
+            </a:r>
+            <a:r>
+              <a:rPr lang="en-US" sz="800" b="0" i="0" u="none" strike="noStrike" baseline="0" dirty="0" smtClean="0">
+                <a:latin typeface="NimbusRomNo9L-Regu"/>
+              </a:rPr>
+              <a:t> ’14, pages 44–47, New York, NY, USA, 2014. ACM</a:t>
+            </a:r>
+          </a:p>
+          <a:p>
+            <a:r>
+              <a:rPr lang="en-US" sz="800" b="0" i="0" u="none" strike="noStrike" baseline="0" dirty="0" smtClean="0">
+                <a:latin typeface="NimbusRomNo9L-Regu"/>
+              </a:rPr>
+              <a:t>W. Emfinger, P. Kumar, A. Dubey, W. Otte, A. Gokhale, G. Karsai. DREMS: A </a:t>
+            </a:r>
+            <a:r>
+              <a:rPr lang="en-US" sz="800" b="0" i="0" u="none" strike="noStrike" baseline="0" dirty="0" err="1" smtClean="0">
+                <a:latin typeface="NimbusRomNo9L-Regu"/>
+              </a:rPr>
+              <a:t>Toolchain</a:t>
+            </a:r>
+            <a:r>
+              <a:rPr lang="en-US" sz="800" b="0" i="0" u="none" strike="noStrike" baseline="0" dirty="0" smtClean="0">
+                <a:latin typeface="NimbusRomNo9L-Regu"/>
+              </a:rPr>
+              <a:t> for the Rapid Application Development, Integration, and Deployment of Managed Distributed Real-time Embedded Systems. In </a:t>
+            </a:r>
+            <a:r>
+              <a:rPr lang="en-US" sz="800" b="0" i="0" u="none" strike="noStrike" baseline="0" dirty="0" smtClean="0">
+                <a:latin typeface="NimbusRomNo9L-ReguItal"/>
+              </a:rPr>
+              <a:t>Proceedings of the IEEE Real-Time Systems Symposium</a:t>
+            </a:r>
+            <a:r>
+              <a:rPr lang="en-US" sz="800" b="0" i="0" u="none" strike="noStrike" baseline="0" dirty="0" smtClean="0">
+                <a:latin typeface="NimbusRomNo9L-Regu"/>
+              </a:rPr>
+              <a:t>, </a:t>
+            </a:r>
+            <a:r>
+              <a:rPr lang="en-US" sz="800" b="0" i="0" u="none" strike="noStrike" baseline="0" dirty="0" err="1" smtClean="0">
+                <a:latin typeface="NimbusRomNo9L-Regu"/>
+              </a:rPr>
+              <a:t>RTSS@Work</a:t>
+            </a:r>
+            <a:r>
+              <a:rPr lang="en-US" sz="800" b="0" i="0" u="none" strike="noStrike" baseline="0" dirty="0" smtClean="0">
+                <a:latin typeface="NimbusRomNo9L-Regu"/>
+              </a:rPr>
+              <a:t> 2013, Vancouver, Canada, 2013. IEEE</a:t>
+            </a:r>
+          </a:p>
+          <a:p>
+            <a:r>
+              <a:rPr lang="en-US" sz="800" b="0" i="0" u="none" strike="noStrike" baseline="0" dirty="0" smtClean="0">
+                <a:latin typeface="NimbusRomNo9L-Regu"/>
+              </a:rPr>
+              <a:t>Pradhan S., W. Emfinger, A. Dubey, W. Otte, A. </a:t>
+            </a:r>
+            <a:r>
+              <a:rPr lang="en-US" sz="800" b="0" i="0" u="none" strike="noStrike" baseline="0" dirty="0" err="1" smtClean="0">
+                <a:latin typeface="NimbusRomNo9L-Regu"/>
+              </a:rPr>
+              <a:t>Coglio</a:t>
+            </a:r>
+            <a:r>
+              <a:rPr lang="en-US" sz="800" b="0" i="0" u="none" strike="noStrike" baseline="0" dirty="0" smtClean="0">
+                <a:latin typeface="NimbusRomNo9L-Regu"/>
+              </a:rPr>
+              <a:t>, D. Balasubramanian, </a:t>
+            </a:r>
+            <a:r>
+              <a:rPr lang="en-US" sz="800" b="0" i="0" u="none" strike="noStrike" baseline="0" dirty="0" err="1" smtClean="0">
+                <a:latin typeface="NimbusRomNo9L-Regu"/>
+              </a:rPr>
+              <a:t>A.Gokhale</a:t>
+            </a:r>
+            <a:r>
+              <a:rPr lang="en-US" sz="800" b="0" i="0" u="none" strike="noStrike" baseline="0" dirty="0" smtClean="0">
+                <a:latin typeface="NimbusRomNo9L-Regu"/>
+              </a:rPr>
+              <a:t>, G. Karsai. Establishing secure interactions across distributed applications in satellite clusters. In </a:t>
+            </a:r>
+            <a:r>
+              <a:rPr lang="en-US" sz="800" b="0" i="0" u="none" strike="noStrike" baseline="0" dirty="0" smtClean="0">
+                <a:latin typeface="NimbusRomNo9L-ReguItal"/>
+              </a:rPr>
+              <a:t>Proceedings of the IEEE International Conference on Space Mission Challenges for Information Technology</a:t>
+            </a:r>
+            <a:r>
+              <a:rPr lang="en-US" sz="800" b="0" i="0" u="none" strike="noStrike" baseline="0" dirty="0" smtClean="0">
+                <a:latin typeface="NimbusRomNo9L-Regu"/>
+              </a:rPr>
+              <a:t>, SMC-IT, 2014, Laurel, MD, USA. IEEE </a:t>
+            </a:r>
+          </a:p>
+          <a:p>
+            <a:r>
+              <a:rPr lang="en-US" sz="800" b="0" i="0" u="none" strike="noStrike" baseline="0" dirty="0" smtClean="0">
+                <a:latin typeface="NimbusRomNo9L-Regu"/>
+              </a:rPr>
+              <a:t>Balasubramanian, D., W. Emfinger, P. S. Kumar, W. Otte, A. Dubey, and G. Karsai. An application development and deployment platform for satellite clusters. In </a:t>
+            </a:r>
+            <a:r>
+              <a:rPr lang="en-US" sz="800" b="0" i="0" u="none" strike="noStrike" baseline="0" dirty="0" smtClean="0">
+                <a:latin typeface="NimbusRomNo9L-ReguItal"/>
+              </a:rPr>
+              <a:t>Proceedings of the Workshop on Spacecraft Flight Software</a:t>
+            </a:r>
+            <a:r>
+              <a:rPr lang="en-US" sz="800" b="0" i="0" u="none" strike="noStrike" baseline="0" dirty="0" smtClean="0">
+                <a:latin typeface="NimbusRomNo9L-Regu"/>
+              </a:rPr>
+              <a:t>, 2013</a:t>
+            </a:r>
+          </a:p>
+          <a:p>
+            <a:r>
+              <a:rPr lang="en-US" sz="800" b="0" i="0" u="none" strike="noStrike" baseline="0" dirty="0" smtClean="0">
+                <a:latin typeface="NimbusRomNo9L-Regu"/>
+              </a:rPr>
+              <a:t>Balasubramanian, D., A. Dubey, W. R. Otte, W. Emfinger, P. Kumar, and G. Karsai. A Rapid Testing Framework for a Mobile Cloud Infrastructure. In </a:t>
+            </a:r>
+            <a:r>
+              <a:rPr lang="en-US" sz="800" b="0" i="0" u="none" strike="noStrike" baseline="0" dirty="0" smtClean="0">
+                <a:latin typeface="NimbusRomNo9L-ReguItal"/>
+              </a:rPr>
+              <a:t>Proceedings of the IEEE International Symposium on Rapid System Prototyping</a:t>
+            </a:r>
+            <a:r>
+              <a:rPr lang="en-US" sz="800" b="0" i="0" u="none" strike="noStrike" baseline="0" dirty="0" smtClean="0">
+                <a:latin typeface="NimbusRomNo9L-Regu"/>
+              </a:rPr>
+              <a:t>, RSP, 2014. IEEE</a:t>
+            </a:r>
+          </a:p>
+          <a:p>
+            <a:r>
+              <a:rPr lang="en-US" sz="800" b="0" i="0" u="none" strike="noStrike" baseline="0" dirty="0" smtClean="0">
+                <a:latin typeface="NimbusRomNo9L-Regu"/>
+              </a:rPr>
+              <a:t>Dubey, A., W. Emfinger, A. Gokhale, G. Karsai, W. R. Otte, J. Parsons, C. Szabo, A. </a:t>
+            </a:r>
+            <a:r>
+              <a:rPr lang="en-US" sz="800" b="0" i="0" u="none" strike="noStrike" baseline="0" dirty="0" err="1" smtClean="0">
+                <a:latin typeface="NimbusRomNo9L-Regu"/>
+              </a:rPr>
+              <a:t>Coglio</a:t>
+            </a:r>
+            <a:r>
+              <a:rPr lang="en-US" sz="800" b="0" i="0" u="none" strike="noStrike" baseline="0" dirty="0" smtClean="0">
+                <a:latin typeface="NimbusRomNo9L-Regu"/>
+              </a:rPr>
+              <a:t>, E. Smith, and P. Bose. A Software Platform for Fractionated Spacecraft. In </a:t>
+            </a:r>
+            <a:r>
+              <a:rPr lang="en-US" sz="800" b="0" i="0" u="none" strike="noStrike" baseline="0" dirty="0" smtClean="0">
+                <a:latin typeface="NimbusRomNo9L-ReguItal"/>
+              </a:rPr>
+              <a:t>Proceedings of the 2012 IEEE Aerospace Conference</a:t>
+            </a:r>
+            <a:r>
+              <a:rPr lang="en-US" sz="800" b="0" i="0" u="none" strike="noStrike" baseline="0" dirty="0" smtClean="0">
+                <a:latin typeface="NimbusRomNo9L-Regu"/>
+              </a:rPr>
+              <a:t>, Big Sky, Montana, 03/2012. IEEE</a:t>
+            </a:r>
+          </a:p>
+          <a:p>
+            <a:r>
+              <a:rPr lang="en-US" sz="800" b="0" i="0" u="none" strike="noStrike" baseline="0" dirty="0" err="1" smtClean="0">
+                <a:latin typeface="NimbusRomNo9L-Regu"/>
+              </a:rPr>
+              <a:t>Levendovszky</a:t>
+            </a:r>
+            <a:r>
+              <a:rPr lang="en-US" sz="800" b="0" i="0" u="none" strike="noStrike" baseline="0" dirty="0" smtClean="0">
+                <a:latin typeface="NimbusRomNo9L-Regu"/>
+              </a:rPr>
+              <a:t>, T., A. Dubey, W. R. Otte, D. Balasubramanian, A. </a:t>
+            </a:r>
+            <a:r>
+              <a:rPr lang="en-US" sz="800" b="0" i="0" u="none" strike="noStrike" baseline="0" dirty="0" err="1" smtClean="0">
+                <a:latin typeface="NimbusRomNo9L-Regu"/>
+              </a:rPr>
+              <a:t>Coglio</a:t>
+            </a:r>
+            <a:r>
+              <a:rPr lang="en-US" sz="800" b="0" i="0" u="none" strike="noStrike" baseline="0" dirty="0" smtClean="0">
+                <a:latin typeface="NimbusRomNo9L-Regu"/>
+              </a:rPr>
+              <a:t>, S. </a:t>
+            </a:r>
+            <a:r>
+              <a:rPr lang="en-US" sz="800" b="0" i="0" u="none" strike="noStrike" baseline="0" dirty="0" err="1" smtClean="0">
+                <a:latin typeface="NimbusRomNo9L-Regu"/>
+              </a:rPr>
+              <a:t>Nyako</a:t>
+            </a:r>
+            <a:r>
+              <a:rPr lang="en-US" sz="800" b="0" i="0" u="none" strike="noStrike" baseline="0" dirty="0" smtClean="0">
+                <a:latin typeface="NimbusRomNo9L-Regu"/>
+              </a:rPr>
+              <a:t>, W. Emfinger, P. Kumar, A. Gokhale, and G. Karsai. DREMS: A Model-Driven Distributed Secure Information Architecture Platform for Managed Embedded Systems. In </a:t>
+            </a:r>
+            <a:r>
+              <a:rPr lang="en-US" sz="800" b="0" i="0" u="none" strike="noStrike" baseline="0" dirty="0" smtClean="0">
+                <a:latin typeface="NimbusRomNo9L-ReguItal"/>
+              </a:rPr>
+              <a:t>IEEE Software</a:t>
+            </a:r>
+            <a:r>
+              <a:rPr lang="en-US" sz="800" b="0" i="0" u="none" strike="noStrike" baseline="0" dirty="0" smtClean="0">
+                <a:latin typeface="NimbusRomNo9L-Regu"/>
+              </a:rPr>
+              <a:t>, vol. 99: IEEE Computer Society, 2014. IEEE</a:t>
+            </a:r>
+          </a:p>
+          <a:p>
+            <a:r>
+              <a:rPr lang="en-US" sz="800" b="0" i="0" u="none" strike="noStrike" baseline="0" dirty="0" smtClean="0">
+                <a:latin typeface="NimbusRomNo9L-Regu"/>
+              </a:rPr>
+              <a:t>Submitted, Awaiting Review:</a:t>
+            </a:r>
+          </a:p>
+          <a:p>
+            <a:pPr lvl="1"/>
+            <a:r>
+              <a:rPr lang="en-US" sz="800" b="0" i="0" u="none" strike="noStrike" baseline="0" dirty="0" smtClean="0">
+                <a:latin typeface="NimbusRomNo9L-Regu"/>
+              </a:rPr>
+              <a:t>W. Emfinger, P. Kumar, A. Dubey, G. Karsai. Towards Assurances in Self-Adaptive, Dynamic, Distributed Real-time Embedded Systems. In </a:t>
+            </a:r>
+            <a:r>
+              <a:rPr lang="en-US" sz="800" b="0" i="0" u="none" strike="noStrike" baseline="0" dirty="0" smtClean="0">
+                <a:latin typeface="NimbusRomNo9L-ReguItal"/>
+              </a:rPr>
+              <a:t>Software Engineering for Self-Adaptive Systems: Assurances</a:t>
+            </a:r>
+            <a:r>
+              <a:rPr lang="en-US" sz="800" b="0" i="0" u="none" strike="noStrike" baseline="0" dirty="0" smtClean="0">
+                <a:latin typeface="NimbusRomNo9L-Regu"/>
+              </a:rPr>
+              <a:t>, 2015.</a:t>
+            </a:r>
+            <a:endParaRPr lang="en-US" sz="800" dirty="0"/>
+          </a:p>
+        </p:txBody>
+      </p:sp>
+      <p:sp>
+        <p:nvSpPr>
+          <p:cNvPr id="4" name="Slide Number Placeholder 3"/>
+          <p:cNvSpPr>
+            <a:spLocks noGrp="1"/>
+          </p:cNvSpPr>
+          <p:nvPr>
+            <p:ph type="sldNum" sz="quarter" idx="12"/>
+          </p:nvPr>
+        </p:nvSpPr>
+        <p:spPr/>
+        <p:txBody>
+          <a:bodyPr/>
+          <a:lstStyle/>
+          <a:p>
+            <a:fld id="{4FAB73BC-B049-4115-A692-8D63A059BFB8}" type="slidenum">
+              <a:rPr lang="en-US" smtClean="0"/>
+              <a:t>28</a:t>
+            </a:fld>
+            <a:endParaRPr lang="en-US" dirty="0"/>
+          </a:p>
+        </p:txBody>
+      </p:sp>
+    </p:spTree>
+    <p:extLst>
+      <p:ext uri="{BB962C8B-B14F-4D97-AF65-F5344CB8AC3E}">
+        <p14:creationId xmlns:p14="http://schemas.microsoft.com/office/powerpoint/2010/main" val="4079945552"/>
+      </p:ext>
+    </p:extLst>
+  </p:cSld>
+  <p:clrMapOvr>
+    <a:masterClrMapping/>
+  </p:clrMapOvr>
+  <p:timing>
+    <p:tnLst>
+      <p:par>
+        <p:cTn id="1" dur="indefinite" restart="never" nodeType="tmRoot"/>
+      </p:par>
+    </p:tnLst>
+  </p:timing>
+</p:sld>
+</file>
+
+<file path=ppt/slides/slide29.xml><?xml version="1.0" encoding="utf-8"?>
+<p:sld xmlns:a="http://schemas.openxmlformats.org/drawingml/2006/main" xmlns:r="http://schemas.openxmlformats.org/officeDocument/2006/relationships" xmlns:p="http://schemas.openxmlformats.org/presentationml/2006/main">
+  <p:cSld>
+    <p:spTree>
+      <p:nvGrpSpPr>
+        <p:cNvPr id="1" name=""/>
+        <p:cNvGrpSpPr/>
+        <p:nvPr/>
+      </p:nvGrpSpPr>
+      <p:grpSpPr>
+        <a:xfrm>
+          <a:off x="0" y="0"/>
+          <a:ext cx="0" cy="0"/>
+          <a:chOff x="0" y="0"/>
+          <a:chExt cx="0" cy="0"/>
+        </a:xfrm>
+      </p:grpSpPr>
+      <p:sp>
+        <p:nvSpPr>
+          <p:cNvPr id="2" name="Title 1"/>
+          <p:cNvSpPr>
+            <a:spLocks noGrp="1"/>
+          </p:cNvSpPr>
+          <p:nvPr>
+            <p:ph type="title"/>
+          </p:nvPr>
+        </p:nvSpPr>
+        <p:spPr/>
+        <p:txBody>
+          <a:bodyPr/>
+          <a:lstStyle/>
+          <a:p>
+            <a:r>
+              <a:rPr lang="en-US" dirty="0" smtClean="0"/>
+              <a:t>References</a:t>
+            </a:r>
+            <a:endParaRPr lang="en-US" dirty="0"/>
+          </a:p>
+        </p:txBody>
+      </p:sp>
+      <p:sp>
+        <p:nvSpPr>
+          <p:cNvPr id="3" name="Content Placeholder 2"/>
+          <p:cNvSpPr>
+            <a:spLocks noGrp="1"/>
+          </p:cNvSpPr>
+          <p:nvPr>
+            <p:ph idx="1"/>
+          </p:nvPr>
+        </p:nvSpPr>
+        <p:spPr/>
+        <p:txBody>
+          <a:bodyPr>
+            <a:normAutofit fontScale="40000" lnSpcReduction="20000"/>
+          </a:bodyPr>
+          <a:lstStyle/>
+          <a:p>
+            <a:r>
+              <a:rPr lang="en-US" sz="1800" b="0" i="0" u="none" strike="noStrike" baseline="0" dirty="0" smtClean="0">
+                <a:latin typeface="NimbusRomNo9L-Regu"/>
+              </a:rPr>
+              <a:t>L. Thiele, S. Chakraborty, and M. </a:t>
+            </a:r>
+            <a:r>
+              <a:rPr lang="en-US" sz="1800" b="0" i="0" u="none" strike="noStrike" baseline="0" dirty="0" err="1" smtClean="0">
+                <a:latin typeface="NimbusRomNo9L-Regu"/>
+              </a:rPr>
+              <a:t>Naedele</a:t>
+            </a:r>
+            <a:r>
+              <a:rPr lang="en-US" sz="1800" b="0" i="0" u="none" strike="noStrike" baseline="0" dirty="0" smtClean="0">
+                <a:latin typeface="NimbusRomNo9L-Regu"/>
+              </a:rPr>
+              <a:t>. Real-time calculus for scheduling hard real-time systems. In </a:t>
+            </a:r>
+            <a:r>
+              <a:rPr lang="en-US" sz="1800" b="0" i="0" u="none" strike="noStrike" baseline="0" dirty="0" smtClean="0">
+                <a:latin typeface="NimbusRomNo9L-ReguItal"/>
+              </a:rPr>
+              <a:t>in ISCAS</a:t>
+            </a:r>
+            <a:r>
+              <a:rPr lang="en-US" sz="1800" b="0" i="0" u="none" strike="noStrike" baseline="0" dirty="0" smtClean="0">
+                <a:latin typeface="NimbusRomNo9L-Regu"/>
+              </a:rPr>
+              <a:t>, pages 101–104, 2000.</a:t>
+            </a:r>
+          </a:p>
+          <a:p>
+            <a:r>
+              <a:rPr lang="en-US" sz="1800" b="0" i="0" u="none" strike="noStrike" baseline="0" dirty="0" smtClean="0">
+                <a:latin typeface="NimbusRomNo9L-Regu"/>
+              </a:rPr>
+              <a:t>A. </a:t>
+            </a:r>
+            <a:r>
+              <a:rPr lang="en-US" sz="1800" b="0" i="0" u="none" strike="noStrike" baseline="0" dirty="0" err="1" smtClean="0">
+                <a:latin typeface="NimbusRomNo9L-Regu"/>
+              </a:rPr>
+              <a:t>Varga</a:t>
+            </a:r>
+            <a:r>
+              <a:rPr lang="en-US" sz="1800" b="0" i="0" u="none" strike="noStrike" baseline="0" dirty="0" smtClean="0">
+                <a:latin typeface="NimbusRomNo9L-Regu"/>
+              </a:rPr>
+              <a:t> and R. </a:t>
+            </a:r>
+            <a:r>
+              <a:rPr lang="en-US" sz="1800" b="0" i="0" u="none" strike="noStrike" baseline="0" dirty="0" err="1" smtClean="0">
+                <a:latin typeface="NimbusRomNo9L-Regu"/>
+              </a:rPr>
+              <a:t>Hornig</a:t>
+            </a:r>
+            <a:r>
+              <a:rPr lang="en-US" sz="1800" b="0" i="0" u="none" strike="noStrike" baseline="0" dirty="0" smtClean="0">
+                <a:latin typeface="NimbusRomNo9L-Regu"/>
+              </a:rPr>
+              <a:t>. An overview of the </a:t>
+            </a:r>
+            <a:r>
+              <a:rPr lang="en-US" sz="1800" b="0" i="0" u="none" strike="noStrike" baseline="0" dirty="0" err="1" smtClean="0">
+                <a:latin typeface="NimbusRomNo9L-Regu"/>
+              </a:rPr>
+              <a:t>omnet</a:t>
+            </a:r>
+            <a:r>
+              <a:rPr lang="en-US" sz="1800" b="0" i="0" u="none" strike="noStrike" baseline="0" dirty="0" smtClean="0">
+                <a:latin typeface="NimbusRomNo9L-Regu"/>
+              </a:rPr>
+              <a:t>++ simulation environment. In </a:t>
+            </a:r>
+            <a:r>
+              <a:rPr lang="en-US" sz="1800" b="0" i="0" u="none" strike="noStrike" baseline="0" dirty="0" err="1" smtClean="0">
+                <a:latin typeface="NimbusRomNo9L-ReguItal"/>
+              </a:rPr>
+              <a:t>Simutools</a:t>
+            </a:r>
+            <a:r>
+              <a:rPr lang="en-US" sz="1800" b="0" i="0" u="none" strike="noStrike" baseline="0" dirty="0" smtClean="0">
+                <a:latin typeface="NimbusRomNo9L-ReguItal"/>
+              </a:rPr>
+              <a:t> ’08: Proceedings of the 1st international conference on Simulation tools and techniques for communications, networks and systems &amp; workshops</a:t>
+            </a:r>
+            <a:r>
+              <a:rPr lang="en-US" sz="1800" b="0" i="0" u="none" strike="noStrike" baseline="0" dirty="0" smtClean="0">
+                <a:latin typeface="NimbusRomNo9L-Regu"/>
+              </a:rPr>
+              <a:t>, pages 1–10, ICST, Brussels, Belgium, Belgium, 2008. ICST (Institute for Computer </a:t>
+            </a:r>
+            <a:r>
+              <a:rPr lang="en-US" sz="1800" b="0" i="0" u="none" strike="noStrike" baseline="0" dirty="0" err="1" smtClean="0">
+                <a:latin typeface="NimbusRomNo9L-Regu"/>
+              </a:rPr>
+              <a:t>Sciences,Social</a:t>
+            </a:r>
+            <a:r>
+              <a:rPr lang="en-US" sz="1800" b="0" i="0" u="none" strike="noStrike" baseline="0" dirty="0" smtClean="0">
+                <a:latin typeface="NimbusRomNo9L-Regu"/>
+              </a:rPr>
+              <a:t>-Informatics and Telecommunications Engineering).</a:t>
+            </a:r>
+          </a:p>
+          <a:p>
+            <a:r>
+              <a:rPr lang="en-US" sz="1800" b="0" i="0" u="none" strike="noStrike" baseline="0" dirty="0" smtClean="0">
+                <a:latin typeface="NimbusRomNo9L-Regu"/>
+              </a:rPr>
+              <a:t>L. Rizzo. </a:t>
+            </a:r>
+            <a:r>
+              <a:rPr lang="en-US" sz="1800" b="0" i="0" u="none" strike="noStrike" baseline="0" dirty="0" err="1" smtClean="0">
+                <a:latin typeface="NimbusRomNo9L-Regu"/>
+              </a:rPr>
+              <a:t>Dummynet</a:t>
+            </a:r>
+            <a:r>
+              <a:rPr lang="en-US" sz="1800" b="0" i="0" u="none" strike="noStrike" baseline="0" dirty="0" smtClean="0">
+                <a:latin typeface="NimbusRomNo9L-Regu"/>
+              </a:rPr>
+              <a:t> : a simple approach to the evaluation of network protocols. </a:t>
+            </a:r>
+            <a:r>
+              <a:rPr lang="en-US" sz="1800" b="0" i="0" u="none" strike="noStrike" baseline="0" dirty="0" smtClean="0">
+                <a:latin typeface="NimbusRomNo9L-ReguItal"/>
+              </a:rPr>
+              <a:t>ACM SIGCOMM Computer Communication Review</a:t>
+            </a:r>
+            <a:r>
+              <a:rPr lang="en-US" sz="1800" b="0" i="0" u="none" strike="noStrike" baseline="0" dirty="0" smtClean="0">
+                <a:latin typeface="NimbusRomNo9L-Regu"/>
+              </a:rPr>
+              <a:t>, 27(1):31–41, 1997.</a:t>
+            </a:r>
+          </a:p>
+          <a:p>
+            <a:r>
+              <a:rPr lang="en-US" sz="1800" b="0" i="0" u="none" strike="noStrike" baseline="0" dirty="0" smtClean="0">
+                <a:latin typeface="NimbusRomNo9L-Regu"/>
+              </a:rPr>
+              <a:t>D. </a:t>
+            </a:r>
+            <a:r>
+              <a:rPr lang="en-US" sz="1800" b="0" i="0" u="none" strike="noStrike" baseline="0" dirty="0" err="1" smtClean="0">
+                <a:latin typeface="NimbusRomNo9L-Regu"/>
+              </a:rPr>
+              <a:t>Mahrenholz</a:t>
+            </a:r>
+            <a:r>
+              <a:rPr lang="en-US" sz="1800" b="0" i="0" u="none" strike="noStrike" baseline="0" dirty="0" smtClean="0">
+                <a:latin typeface="NimbusRomNo9L-Regu"/>
+              </a:rPr>
+              <a:t> and S. Ivanov. Real-time network emulation with ns-2. </a:t>
+            </a:r>
+            <a:r>
+              <a:rPr lang="en-US" sz="1800" b="0" i="0" u="none" strike="noStrike" baseline="0" dirty="0" smtClean="0">
+                <a:latin typeface="NimbusRomNo9L-ReguItal"/>
+              </a:rPr>
+              <a:t>Proceedings- Eighth IEEE International Symposium on Distributed Simulation and Real-Time Applications, DS-RT 2004</a:t>
+            </a:r>
+            <a:r>
+              <a:rPr lang="en-US" sz="1800" b="0" i="0" u="none" strike="noStrike" baseline="0" dirty="0" smtClean="0">
+                <a:latin typeface="NimbusRomNo9L-Regu"/>
+              </a:rPr>
+              <a:t>, pages 29–36, 2004.</a:t>
+            </a:r>
+          </a:p>
+          <a:p>
+            <a:r>
+              <a:rPr lang="en-US" sz="1800" b="0" i="0" u="none" strike="noStrike" baseline="0" dirty="0" smtClean="0">
+                <a:latin typeface="NimbusRomNo9L-Regu"/>
+              </a:rPr>
+              <a:t>J.-Y. Le </a:t>
+            </a:r>
+            <a:r>
+              <a:rPr lang="en-US" sz="1800" b="0" i="0" u="none" strike="noStrike" baseline="0" dirty="0" err="1" smtClean="0">
+                <a:latin typeface="NimbusRomNo9L-Regu"/>
+              </a:rPr>
+              <a:t>Boudec</a:t>
+            </a:r>
+            <a:r>
+              <a:rPr lang="en-US" sz="1800" b="0" i="0" u="none" strike="noStrike" baseline="0" dirty="0" smtClean="0">
+                <a:latin typeface="NimbusRomNo9L-Regu"/>
+              </a:rPr>
+              <a:t> and P. </a:t>
+            </a:r>
+            <a:r>
+              <a:rPr lang="en-US" sz="1800" b="0" i="0" u="none" strike="noStrike" baseline="0" dirty="0" err="1" smtClean="0">
+                <a:latin typeface="NimbusRomNo9L-Regu"/>
+              </a:rPr>
+              <a:t>Thiran</a:t>
+            </a:r>
+            <a:r>
+              <a:rPr lang="en-US" sz="1800" b="0" i="0" u="none" strike="noStrike" baseline="0" dirty="0" smtClean="0">
+                <a:latin typeface="NimbusRomNo9L-Regu"/>
+              </a:rPr>
+              <a:t>. </a:t>
+            </a:r>
+            <a:r>
+              <a:rPr lang="en-US" sz="1800" b="0" i="0" u="none" strike="noStrike" baseline="0" dirty="0" smtClean="0">
+                <a:latin typeface="NimbusRomNo9L-ReguItal"/>
+              </a:rPr>
+              <a:t>Network Calculus: A Theory of Deterministic Queuing Systems for the Internet</a:t>
+            </a:r>
+            <a:r>
+              <a:rPr lang="en-US" sz="1800" b="0" i="0" u="none" strike="noStrike" baseline="0" dirty="0" smtClean="0">
+                <a:latin typeface="NimbusRomNo9L-Regu"/>
+              </a:rPr>
+              <a:t>. Springer-</a:t>
+            </a:r>
+            <a:r>
+              <a:rPr lang="en-US" sz="1800" b="0" i="0" u="none" strike="noStrike" baseline="0" dirty="0" err="1" smtClean="0">
+                <a:latin typeface="NimbusRomNo9L-Regu"/>
+              </a:rPr>
+              <a:t>Verlag</a:t>
+            </a:r>
+            <a:r>
+              <a:rPr lang="en-US" sz="1800" b="0" i="0" u="none" strike="noStrike" baseline="0" dirty="0" smtClean="0">
+                <a:latin typeface="NimbusRomNo9L-Regu"/>
+              </a:rPr>
+              <a:t>, Berlin, Heidelberg, 2001.</a:t>
+            </a:r>
+          </a:p>
+          <a:p>
+            <a:r>
+              <a:rPr lang="en-US" sz="1800" b="0" i="0" u="none" strike="noStrike" baseline="0" dirty="0" smtClean="0">
+                <a:latin typeface="NimbusRomNo9L-Regu"/>
+              </a:rPr>
+              <a:t>D. G. Kendall. Stochastic Processes Occurring in the Theory of Queues and their Analysis by the Method of the Imbedded Markov Chain. </a:t>
+            </a:r>
+            <a:r>
+              <a:rPr lang="en-US" sz="1800" b="0" i="0" u="none" strike="noStrike" baseline="0" dirty="0" smtClean="0">
+                <a:latin typeface="NimbusRomNo9L-ReguItal"/>
+              </a:rPr>
+              <a:t>The Annals of Mathematical Statistics</a:t>
+            </a:r>
+            <a:r>
+              <a:rPr lang="en-US" sz="1800" b="0" i="0" u="none" strike="noStrike" baseline="0" dirty="0" smtClean="0">
+                <a:latin typeface="NimbusRomNo9L-Regu"/>
+              </a:rPr>
+              <a:t>, 24(3):338–354, 1953.</a:t>
+            </a:r>
+          </a:p>
+          <a:p>
+            <a:r>
+              <a:rPr lang="en-US" sz="1800" b="0" i="0" u="none" strike="noStrike" baseline="0" dirty="0" smtClean="0">
+                <a:latin typeface="NimbusRomNo9L-Regu"/>
+              </a:rPr>
+              <a:t>Gilberto Flores Lucio, Marcos Paredes-</a:t>
+            </a:r>
+            <a:r>
+              <a:rPr lang="en-US" sz="1800" b="0" i="0" u="none" strike="noStrike" baseline="0" dirty="0" err="1" smtClean="0">
+                <a:latin typeface="NimbusRomNo9L-Regu"/>
+              </a:rPr>
+              <a:t>farrera</a:t>
+            </a:r>
+            <a:r>
+              <a:rPr lang="en-US" sz="1800" b="0" i="0" u="none" strike="noStrike" baseline="0" dirty="0" smtClean="0">
+                <a:latin typeface="NimbusRomNo9L-Regu"/>
+              </a:rPr>
+              <a:t>, Emmanuel </a:t>
+            </a:r>
+            <a:r>
+              <a:rPr lang="en-US" sz="1800" b="0" i="0" u="none" strike="noStrike" baseline="0" dirty="0" err="1" smtClean="0">
+                <a:latin typeface="NimbusRomNo9L-Regu"/>
+              </a:rPr>
+              <a:t>Jammeh</a:t>
+            </a:r>
+            <a:r>
+              <a:rPr lang="en-US" sz="1800" b="0" i="0" u="none" strike="noStrike" baseline="0" dirty="0" smtClean="0">
+                <a:latin typeface="NimbusRomNo9L-Regu"/>
+              </a:rPr>
+              <a:t>, Martin </a:t>
+            </a:r>
+            <a:r>
+              <a:rPr lang="en-US" sz="1800" b="0" i="0" u="none" strike="noStrike" baseline="0" dirty="0" err="1" smtClean="0">
+                <a:latin typeface="NimbusRomNo9L-Regu"/>
+              </a:rPr>
+              <a:t>Fleury</a:t>
+            </a:r>
+            <a:r>
+              <a:rPr lang="en-US" sz="1800" b="0" i="0" u="none" strike="noStrike" baseline="0" dirty="0" smtClean="0">
+                <a:latin typeface="NimbusRomNo9L-Regu"/>
+              </a:rPr>
+              <a:t>, and M. J. Reed. OPNET Modeler and Ns-2: Comparing the Accuracy of Network Simulators for Packet-Level Analysis using a Network </a:t>
+            </a:r>
+            <a:r>
+              <a:rPr lang="en-US" sz="1800" b="0" i="0" u="none" strike="noStrike" baseline="0" dirty="0" err="1" smtClean="0">
+                <a:latin typeface="NimbusRomNo9L-Regu"/>
+              </a:rPr>
+              <a:t>Testbed</a:t>
+            </a:r>
+            <a:r>
+              <a:rPr lang="en-US" sz="1800" b="0" i="0" u="none" strike="noStrike" baseline="0" dirty="0" smtClean="0">
+                <a:latin typeface="NimbusRomNo9L-Regu"/>
+              </a:rPr>
+              <a:t>. </a:t>
+            </a:r>
+            <a:r>
+              <a:rPr lang="en-US" sz="1800" b="0" i="0" u="none" strike="noStrike" baseline="0" dirty="0" smtClean="0">
+                <a:latin typeface="NimbusRomNo9L-ReguItal"/>
+              </a:rPr>
+              <a:t>3rd WEAS International Conference on Simulation, Modelling and Optimization (ICOSMO)</a:t>
+            </a:r>
+            <a:r>
+              <a:rPr lang="en-US" sz="1800" b="0" i="0" u="none" strike="noStrike" baseline="0" dirty="0" smtClean="0">
+                <a:latin typeface="NimbusRomNo9L-Regu"/>
+              </a:rPr>
+              <a:t>, pages 700–707, 2003.</a:t>
+            </a:r>
+          </a:p>
+          <a:p>
+            <a:r>
+              <a:rPr lang="en-US" sz="1800" b="0" i="0" u="none" strike="noStrike" baseline="0" dirty="0" smtClean="0">
+                <a:latin typeface="NimbusRomNo9L-Regu"/>
+              </a:rPr>
+              <a:t>G. </a:t>
+            </a:r>
+            <a:r>
+              <a:rPr lang="en-US" sz="1800" b="0" i="0" u="none" strike="noStrike" baseline="0" dirty="0" err="1" smtClean="0">
+                <a:latin typeface="NimbusRomNo9L-Regu"/>
+              </a:rPr>
+              <a:t>Giambene</a:t>
+            </a:r>
+            <a:r>
+              <a:rPr lang="en-US" sz="1800" b="0" i="0" u="none" strike="noStrike" baseline="0" dirty="0" smtClean="0">
+                <a:latin typeface="NimbusRomNo9L-Regu"/>
+              </a:rPr>
+              <a:t>. </a:t>
+            </a:r>
+            <a:r>
+              <a:rPr lang="en-US" sz="1800" b="0" i="0" u="none" strike="noStrike" baseline="0" dirty="0" smtClean="0">
+                <a:latin typeface="NimbusRomNo9L-ReguItal"/>
+              </a:rPr>
+              <a:t>Queuing Theory and Telecommunications Networks and Applications</a:t>
+            </a:r>
+            <a:r>
+              <a:rPr lang="en-US" sz="1800" b="0" i="0" u="none" strike="noStrike" baseline="0" dirty="0" smtClean="0">
+                <a:latin typeface="NimbusRomNo9L-Regu"/>
+              </a:rPr>
+              <a:t>. 2005.</a:t>
+            </a:r>
+          </a:p>
+          <a:p>
+            <a:r>
+              <a:rPr lang="en-US" sz="1800" b="0" i="0" u="none" strike="noStrike" baseline="0" dirty="0" smtClean="0">
+                <a:latin typeface="NimbusRomNo9L-Regu"/>
+              </a:rPr>
+              <a:t>R. L. Cruz. A calculus for network delay–I: Network elements in isolation. </a:t>
+            </a:r>
+            <a:r>
+              <a:rPr lang="en-US" sz="1800" b="0" i="0" u="none" strike="noStrike" baseline="0" dirty="0" smtClean="0">
+                <a:latin typeface="NimbusRomNo9L-ReguItal"/>
+              </a:rPr>
+              <a:t>IEEE Transactions on Information Theory</a:t>
+            </a:r>
+            <a:r>
+              <a:rPr lang="en-US" sz="1800" b="0" i="0" u="none" strike="noStrike" baseline="0" dirty="0" smtClean="0">
+                <a:latin typeface="NimbusRomNo9L-Regu"/>
+              </a:rPr>
+              <a:t>, 37(1):114–131, 1991.</a:t>
+            </a:r>
+          </a:p>
+          <a:p>
+            <a:r>
+              <a:rPr lang="en-US" sz="1800" b="0" i="0" u="none" strike="noStrike" baseline="0" dirty="0" smtClean="0">
+                <a:latin typeface="NimbusRomNo9L-Regu"/>
+              </a:rPr>
+              <a:t>O. S. Consortium et al. </a:t>
+            </a:r>
+            <a:r>
+              <a:rPr lang="en-US" sz="1800" b="0" i="0" u="none" strike="noStrike" baseline="0" dirty="0" err="1" smtClean="0">
+                <a:latin typeface="NimbusRomNo9L-Regu"/>
+              </a:rPr>
+              <a:t>Openflow</a:t>
+            </a:r>
+            <a:r>
+              <a:rPr lang="en-US" sz="1800" b="0" i="0" u="none" strike="noStrike" baseline="0" dirty="0" smtClean="0">
+                <a:latin typeface="NimbusRomNo9L-Regu"/>
+              </a:rPr>
+              <a:t> switch specification version 1.0. 0, 2009.</a:t>
+            </a:r>
+          </a:p>
+          <a:p>
+            <a:r>
+              <a:rPr lang="en-US" sz="1800" b="0" i="0" u="none" strike="noStrike" baseline="0" dirty="0" smtClean="0">
+                <a:latin typeface="NimbusRomNo9L-Regu"/>
+              </a:rPr>
+              <a:t>M. Carbone and L. Rizzo. </a:t>
+            </a:r>
+            <a:r>
+              <a:rPr lang="en-US" sz="1800" b="0" i="0" u="none" strike="noStrike" baseline="0" dirty="0" err="1" smtClean="0">
+                <a:latin typeface="NimbusRomNo9L-Regu"/>
+              </a:rPr>
+              <a:t>Dummynet</a:t>
+            </a:r>
+            <a:r>
+              <a:rPr lang="en-US" sz="1800" b="0" i="0" u="none" strike="noStrike" baseline="0" dirty="0" smtClean="0">
+                <a:latin typeface="NimbusRomNo9L-Regu"/>
+              </a:rPr>
+              <a:t> revisited, 2010</a:t>
+            </a:r>
+            <a:endParaRPr lang="en-US" dirty="0"/>
+          </a:p>
+        </p:txBody>
+      </p:sp>
+      <p:sp>
+        <p:nvSpPr>
+          <p:cNvPr id="4" name="Slide Number Placeholder 3"/>
+          <p:cNvSpPr>
+            <a:spLocks noGrp="1"/>
+          </p:cNvSpPr>
+          <p:nvPr>
+            <p:ph type="sldNum" sz="quarter" idx="12"/>
+          </p:nvPr>
+        </p:nvSpPr>
+        <p:spPr/>
+        <p:txBody>
+          <a:bodyPr/>
+          <a:lstStyle/>
+          <a:p>
+            <a:fld id="{4FAB73BC-B049-4115-A692-8D63A059BFB8}" type="slidenum">
+              <a:rPr lang="en-US" smtClean="0"/>
+              <a:t>29</a:t>
+            </a:fld>
+            <a:endParaRPr lang="en-US" dirty="0"/>
+          </a:p>
+        </p:txBody>
+      </p:sp>
+    </p:spTree>
+    <p:extLst>
+      <p:ext uri="{BB962C8B-B14F-4D97-AF65-F5344CB8AC3E}">
+        <p14:creationId xmlns:p14="http://schemas.microsoft.com/office/powerpoint/2010/main" val="3737306379"/>
       </p:ext>
     </p:extLst>
   </p:cSld>
@@ -9739,11 +11450,7 @@
             <a:pPr lvl="1"/>
             <a:r>
               <a:rPr lang="en-US" sz="1200" dirty="0" smtClean="0"/>
-              <a:t>Communications </a:t>
-            </a:r>
-            <a:r>
-              <a:rPr lang="en-US" sz="1200" dirty="0" smtClean="0"/>
-              <a:t>network</a:t>
+              <a:t>Communications network</a:t>
             </a:r>
             <a:r>
               <a:rPr lang="en-US" sz="1200" dirty="0"/>
@@ -9828,22 +11535,14 @@
             </a:r>
             <a:r>
               <a:rPr lang="en-US" sz="1400" dirty="0" smtClean="0"/>
-              <a:t>both application load and system’s </a:t>
-            </a:r>
-            <a:r>
-              <a:rPr lang="en-US" sz="1400" dirty="0" smtClean="0"/>
-              <a:t>environment </a:t>
+              <a:t>both application load and system’s environment </a:t>
             </a:r>
           </a:p>
           <a:p>
             <a:pPr lvl="1"/>
             <a:r>
               <a:rPr lang="en-US" sz="1200" dirty="0" smtClean="0"/>
-              <a:t>Bandwidth </a:t>
-            </a:r>
-            <a:r>
-              <a:rPr lang="en-US" sz="1200" dirty="0" smtClean="0"/>
-              <a:t>(bits/sec)</a:t>
+              <a:t>Bandwidth (bits/sec)</a:t>
             </a:r>
           </a:p>
           <a:p>
@@ -9858,11 +11557,7 @@
             <a:pPr lvl="1"/>
             <a:r>
               <a:rPr lang="en-US" sz="1200" dirty="0" smtClean="0"/>
-              <a:t>Availability of network </a:t>
-            </a:r>
-            <a:r>
-              <a:rPr lang="en-US" sz="1200" dirty="0" smtClean="0"/>
-              <a:t>resources</a:t>
+              <a:t>Availability of network resources</a:t>
             </a:r>
           </a:p>
           <a:p>
@@ -10065,6 +11760,112 @@
     <p:extLst>
       <p:ext uri="{BB962C8B-B14F-4D97-AF65-F5344CB8AC3E}">
         <p14:creationId xmlns:p14="http://schemas.microsoft.com/office/powerpoint/2010/main" val="3477755565"/>
+      </p:ext>
+    </p:extLst>
+  </p:cSld>
+  <p:clrMapOvr>
+    <a:masterClrMapping/>
+  </p:clrMapOvr>
+  <p:timing>
+    <p:tnLst>
+      <p:par>
+        <p:cTn id="1" dur="indefinite" restart="never" nodeType="tmRoot"/>
+      </p:par>
+    </p:tnLst>
+  </p:timing>
+</p:sld>
+</file>
+
+<file path=ppt/slides/slide30.xml><?xml version="1.0" encoding="utf-8"?>
+<p:sld xmlns:a="http://schemas.openxmlformats.org/drawingml/2006/main" xmlns:r="http://schemas.openxmlformats.org/officeDocument/2006/relationships" xmlns:p="http://schemas.openxmlformats.org/presentationml/2006/main">
+  <p:cSld>
+    <p:spTree>
+      <p:nvGrpSpPr>
+        <p:cNvPr id="1" name=""/>
+        <p:cNvGrpSpPr/>
+        <p:nvPr/>
+      </p:nvGrpSpPr>
+      <p:grpSpPr>
+        <a:xfrm>
+          <a:off x="0" y="0"/>
+          <a:ext cx="0" cy="0"/>
+          <a:chOff x="0" y="0"/>
+          <a:chExt cx="0" cy="0"/>
+        </a:xfrm>
+      </p:grpSpPr>
+      <p:sp>
+        <p:nvSpPr>
+          <p:cNvPr id="2" name="Title 1"/>
+          <p:cNvSpPr>
+            <a:spLocks noGrp="1"/>
+          </p:cNvSpPr>
+          <p:nvPr>
+            <p:ph type="title"/>
+          </p:nvPr>
+        </p:nvSpPr>
+        <p:spPr/>
+        <p:txBody>
+          <a:bodyPr/>
+          <a:lstStyle/>
+          <a:p>
+            <a:r>
+              <a:rPr lang="en-US" dirty="0" smtClean="0"/>
+              <a:t>Questions?</a:t>
+            </a:r>
+            <a:endParaRPr lang="en-US" dirty="0"/>
+          </a:p>
+        </p:txBody>
+      </p:sp>
+      <p:sp>
+        <p:nvSpPr>
+          <p:cNvPr id="3" name="Content Placeholder 2"/>
+          <p:cNvSpPr>
+            <a:spLocks noGrp="1"/>
+          </p:cNvSpPr>
+          <p:nvPr>
+            <p:ph type="body" idx="1"/>
+          </p:nvPr>
+        </p:nvSpPr>
+        <p:spPr/>
+        <p:txBody>
+          <a:bodyPr/>
+          <a:lstStyle/>
+          <a:p>
+            <a:r>
+              <a:rPr lang="en-US" dirty="0" smtClean="0"/>
+              <a:t>Thank you for your attention!</a:t>
+            </a:r>
+            <a:endParaRPr lang="en-US" dirty="0"/>
+          </a:p>
+        </p:txBody>
+      </p:sp>
+      <p:sp>
+        <p:nvSpPr>
+          <p:cNvPr id="4" name="Slide Number Placeholder 3"/>
+          <p:cNvSpPr>
+            <a:spLocks noGrp="1"/>
+          </p:cNvSpPr>
+          <p:nvPr>
+            <p:ph type="sldNum" sz="quarter" idx="12"/>
+          </p:nvPr>
+        </p:nvSpPr>
+        <p:spPr/>
+        <p:txBody>
+          <a:bodyPr/>
+          <a:lstStyle/>
+          <a:p>
+            <a:fld id="{4FAB73BC-B049-4115-A692-8D63A059BFB8}" type="slidenum">
+              <a:rPr lang="en-US" smtClean="0"/>
+              <a:t>30</a:t>
+            </a:fld>
+            <a:endParaRPr lang="en-US" dirty="0"/>
+          </a:p>
+        </p:txBody>
+      </p:sp>
+    </p:spTree>
+    <p:extLst>
+      <p:ext uri="{BB962C8B-B14F-4D97-AF65-F5344CB8AC3E}">
+        <p14:creationId xmlns:p14="http://schemas.microsoft.com/office/powerpoint/2010/main" val="1227628159"/>
       </p:ext>
     </p:extLst>
   </p:cSld>
@@ -11568,11 +13369,7 @@
           <a:p>
             <a:r>
               <a:rPr lang="en-US" dirty="0" smtClean="0"/>
-              <a:t>Deterministic Network Analysis : Network </a:t>
-            </a:r>
-            <a:r>
-              <a:rPr lang="en-US" dirty="0" smtClean="0"/>
-              <a:t>Calculus</a:t>
+              <a:t>Deterministic Network Analysis : Network Calculus</a:t>
             </a:r>
             <a:r>
               <a:rPr lang="en-US" dirty="0"/>
@@ -11618,15 +13415,7 @@
           <a:p>
             <a:r>
               <a:rPr lang="en-US" dirty="0" smtClean="0"/>
-              <a:t>Based </a:t>
-            </a:r>
-            <a:r>
-              <a:rPr lang="en-US" dirty="0" smtClean="0"/>
-              <a:t>on (min,+)-</a:t>
-            </a:r>
-            <a:r>
-              <a:rPr lang="en-US" dirty="0" smtClean="0"/>
-              <a:t>calculus</a:t>
+              <a:t>Based on (min,+)-calculus</a:t>
             </a:r>
           </a:p>
           <a:p>

--- a/thesis/Defense.pptx
+++ b/thesis/Defense.pptx
@@ -7733,7 +7733,7 @@
           <a:p>
             <a:r>
               <a:rPr lang="en-US" dirty="0" smtClean="0"/>
-              <a:t>Analysis of Periodic Systems</a:t>
+              <a:t>Analysis of Periodic Systems (1/5)</a:t>
             </a:r>
             <a:endParaRPr lang="en-US" dirty="0"/>
           </a:p>
@@ -7820,6 +7820,148 @@
           <a:chExt cx="0" cy="0"/>
         </a:xfrm>
       </p:grpSpPr>
+      <p:pic>
+        <p:nvPicPr>
+          <p:cNvPr id="5" name="Content Placeholder 4"/>
+          <p:cNvPicPr>
+            <a:picLocks noGrp="1" noChangeAspect="1"/>
+          </p:cNvPicPr>
+          <p:nvPr>
+            <p:ph idx="1"/>
+          </p:nvPr>
+        </p:nvPicPr>
+        <p:blipFill>
+          <a:blip r:embed="rId2" cstate="print">
+            <a:extLst>
+              <a:ext uri="{28A0092B-C50C-407E-A947-70E740481C1C}">
+                <a14:useLocalDpi xmlns:a14="http://schemas.microsoft.com/office/drawing/2010/main" val="0"/>
+              </a:ext>
+            </a:extLst>
+          </a:blip>
+          <a:stretch>
+            <a:fillRect/>
+          </a:stretch>
+        </p:blipFill>
+        <p:spPr>
+          <a:xfrm>
+            <a:off x="4343398" y="4121180"/>
+            <a:ext cx="3429002" cy="2584420"/>
+          </a:xfrm>
+        </p:spPr>
+      </p:pic>
+      <p:sp>
+        <p:nvSpPr>
+          <p:cNvPr id="4" name="Slide Number Placeholder 3"/>
+          <p:cNvSpPr>
+            <a:spLocks noGrp="1"/>
+          </p:cNvSpPr>
+          <p:nvPr>
+            <p:ph type="sldNum" sz="quarter" idx="12"/>
+          </p:nvPr>
+        </p:nvSpPr>
+        <p:spPr/>
+        <p:txBody>
+          <a:bodyPr/>
+          <a:lstStyle/>
+          <a:p>
+            <a:fld id="{4FAB73BC-B049-4115-A692-8D63A059BFB8}" type="slidenum">
+              <a:rPr lang="en-US" smtClean="0"/>
+              <a:t>15</a:t>
+            </a:fld>
+            <a:endParaRPr lang="en-US" dirty="0"/>
+          </a:p>
+        </p:txBody>
+      </p:sp>
+      <p:pic>
+        <p:nvPicPr>
+          <p:cNvPr id="6" name="Picture 5"/>
+          <p:cNvPicPr>
+            <a:picLocks noChangeAspect="1"/>
+          </p:cNvPicPr>
+          <p:nvPr/>
+        </p:nvPicPr>
+        <p:blipFill>
+          <a:blip r:embed="rId3" cstate="print">
+            <a:extLst>
+              <a:ext uri="{28A0092B-C50C-407E-A947-70E740481C1C}">
+                <a14:useLocalDpi xmlns:a14="http://schemas.microsoft.com/office/drawing/2010/main" val="0"/>
+              </a:ext>
+            </a:extLst>
+          </a:blip>
+          <a:stretch>
+            <a:fillRect/>
+          </a:stretch>
+        </p:blipFill>
+        <p:spPr>
+          <a:xfrm>
+            <a:off x="914398" y="1532194"/>
+            <a:ext cx="3435062" cy="2588988"/>
+          </a:xfrm>
+          <a:prstGeom prst="rect">
+            <a:avLst/>
+          </a:prstGeom>
+        </p:spPr>
+      </p:pic>
+      <p:pic>
+        <p:nvPicPr>
+          <p:cNvPr id="7" name="Picture 6"/>
+          <p:cNvPicPr>
+            <a:picLocks noChangeAspect="1"/>
+          </p:cNvPicPr>
+          <p:nvPr/>
+        </p:nvPicPr>
+        <p:blipFill>
+          <a:blip r:embed="rId4" cstate="print">
+            <a:extLst>
+              <a:ext uri="{28A0092B-C50C-407E-A947-70E740481C1C}">
+                <a14:useLocalDpi xmlns:a14="http://schemas.microsoft.com/office/drawing/2010/main" val="0"/>
+              </a:ext>
+            </a:extLst>
+          </a:blip>
+          <a:stretch>
+            <a:fillRect/>
+          </a:stretch>
+        </p:blipFill>
+        <p:spPr>
+          <a:xfrm>
+            <a:off x="4343398" y="1536762"/>
+            <a:ext cx="3429000" cy="2584419"/>
+          </a:xfrm>
+          <a:prstGeom prst="rect">
+            <a:avLst/>
+          </a:prstGeom>
+        </p:spPr>
+      </p:pic>
+      <p:pic>
+        <p:nvPicPr>
+          <p:cNvPr id="8" name="Picture 7"/>
+          <p:cNvPicPr>
+            <a:picLocks noChangeAspect="1"/>
+          </p:cNvPicPr>
+          <p:nvPr/>
+        </p:nvPicPr>
+        <p:blipFill>
+          <a:blip r:embed="rId5" cstate="print">
+            <a:extLst>
+              <a:ext uri="{28A0092B-C50C-407E-A947-70E740481C1C}">
+                <a14:useLocalDpi xmlns:a14="http://schemas.microsoft.com/office/drawing/2010/main" val="0"/>
+              </a:ext>
+            </a:extLst>
+          </a:blip>
+          <a:stretch>
+            <a:fillRect/>
+          </a:stretch>
+        </p:blipFill>
+        <p:spPr>
+          <a:xfrm>
+            <a:off x="914398" y="4121181"/>
+            <a:ext cx="3429000" cy="2584419"/>
+          </a:xfrm>
+          <a:prstGeom prst="rect">
+            <a:avLst/>
+          </a:prstGeom>
+        </p:spPr>
+      </p:pic>
       <p:sp>
         <p:nvSpPr>
           <p:cNvPr id="2" name="Title 1"/>
@@ -7839,52 +7981,8 @@
           <a:p>
             <a:r>
               <a:rPr lang="en-US" dirty="0" smtClean="0"/>
-              <a:t>Analysis of Periodic Systems</a:t>
-            </a:r>
-            <a:endParaRPr lang="en-US" dirty="0"/>
-          </a:p>
-        </p:txBody>
-      </p:sp>
-      <p:sp>
-        <p:nvSpPr>
-          <p:cNvPr id="3" name="Content Placeholder 2"/>
-          <p:cNvSpPr>
-            <a:spLocks noGrp="1"/>
-          </p:cNvSpPr>
-          <p:nvPr>
-            <p:ph idx="1"/>
-          </p:nvPr>
-        </p:nvSpPr>
-        <p:spPr/>
-        <p:txBody>
-          <a:bodyPr>
-            <a:normAutofit/>
-          </a:bodyPr>
-          <a:lstStyle/>
-          <a:p>
-            <a:endParaRPr lang="en-US" dirty="0" smtClean="0"/>
-          </a:p>
-        </p:txBody>
-      </p:sp>
-      <p:sp>
-        <p:nvSpPr>
-          <p:cNvPr id="4" name="Slide Number Placeholder 3"/>
-          <p:cNvSpPr>
-            <a:spLocks noGrp="1"/>
-          </p:cNvSpPr>
-          <p:nvPr>
-            <p:ph type="sldNum" sz="quarter" idx="12"/>
-          </p:nvPr>
-        </p:nvSpPr>
-        <p:spPr/>
-        <p:txBody>
-          <a:bodyPr/>
-          <a:lstStyle/>
-          <a:p>
-            <a:fld id="{4FAB73BC-B049-4115-A692-8D63A059BFB8}" type="slidenum">
-              <a:rPr lang="en-US" smtClean="0"/>
-              <a:t>15</a:t>
-            </a:fld>
+              <a:t>Analysis of Periodic Systems (2/5)</a:t>
+            </a:r>
             <a:endParaRPr lang="en-US" dirty="0"/>
           </a:p>
         </p:txBody>
@@ -7926,6 +8024,148 @@
           <a:chExt cx="0" cy="0"/>
         </a:xfrm>
       </p:grpSpPr>
+      <p:pic>
+        <p:nvPicPr>
+          <p:cNvPr id="5" name="Content Placeholder 4"/>
+          <p:cNvPicPr>
+            <a:picLocks noGrp="1" noChangeAspect="1"/>
+          </p:cNvPicPr>
+          <p:nvPr>
+            <p:ph idx="1"/>
+          </p:nvPr>
+        </p:nvPicPr>
+        <p:blipFill>
+          <a:blip r:embed="rId2">
+            <a:extLst>
+              <a:ext uri="{28A0092B-C50C-407E-A947-70E740481C1C}">
+                <a14:useLocalDpi xmlns:a14="http://schemas.microsoft.com/office/drawing/2010/main" val="0"/>
+              </a:ext>
+            </a:extLst>
+          </a:blip>
+          <a:stretch>
+            <a:fillRect/>
+          </a:stretch>
+        </p:blipFill>
+        <p:spPr>
+          <a:xfrm>
+            <a:off x="4466830" y="4186931"/>
+            <a:ext cx="3510267" cy="2645669"/>
+          </a:xfrm>
+        </p:spPr>
+      </p:pic>
+      <p:sp>
+        <p:nvSpPr>
+          <p:cNvPr id="4" name="Slide Number Placeholder 3"/>
+          <p:cNvSpPr>
+            <a:spLocks noGrp="1"/>
+          </p:cNvSpPr>
+          <p:nvPr>
+            <p:ph type="sldNum" sz="quarter" idx="12"/>
+          </p:nvPr>
+        </p:nvSpPr>
+        <p:spPr/>
+        <p:txBody>
+          <a:bodyPr/>
+          <a:lstStyle/>
+          <a:p>
+            <a:fld id="{4FAB73BC-B049-4115-A692-8D63A059BFB8}" type="slidenum">
+              <a:rPr lang="en-US" smtClean="0"/>
+              <a:t>16</a:t>
+            </a:fld>
+            <a:endParaRPr lang="en-US" dirty="0"/>
+          </a:p>
+        </p:txBody>
+      </p:sp>
+      <p:pic>
+        <p:nvPicPr>
+          <p:cNvPr id="6" name="Picture 5"/>
+          <p:cNvPicPr>
+            <a:picLocks noChangeAspect="1"/>
+          </p:cNvPicPr>
+          <p:nvPr/>
+        </p:nvPicPr>
+        <p:blipFill>
+          <a:blip r:embed="rId3">
+            <a:extLst>
+              <a:ext uri="{28A0092B-C50C-407E-A947-70E740481C1C}">
+                <a14:useLocalDpi xmlns:a14="http://schemas.microsoft.com/office/drawing/2010/main" val="0"/>
+              </a:ext>
+            </a:extLst>
+          </a:blip>
+          <a:stretch>
+            <a:fillRect/>
+          </a:stretch>
+        </p:blipFill>
+        <p:spPr>
+          <a:xfrm>
+            <a:off x="956564" y="1541262"/>
+            <a:ext cx="3510267" cy="2645669"/>
+          </a:xfrm>
+          <a:prstGeom prst="rect">
+            <a:avLst/>
+          </a:prstGeom>
+        </p:spPr>
+      </p:pic>
+      <p:pic>
+        <p:nvPicPr>
+          <p:cNvPr id="7" name="Picture 6"/>
+          <p:cNvPicPr>
+            <a:picLocks noChangeAspect="1"/>
+          </p:cNvPicPr>
+          <p:nvPr/>
+        </p:nvPicPr>
+        <p:blipFill>
+          <a:blip r:embed="rId4">
+            <a:extLst>
+              <a:ext uri="{28A0092B-C50C-407E-A947-70E740481C1C}">
+                <a14:useLocalDpi xmlns:a14="http://schemas.microsoft.com/office/drawing/2010/main" val="0"/>
+              </a:ext>
+            </a:extLst>
+          </a:blip>
+          <a:stretch>
+            <a:fillRect/>
+          </a:stretch>
+        </p:blipFill>
+        <p:spPr>
+          <a:xfrm>
+            <a:off x="4466829" y="1541262"/>
+            <a:ext cx="3510267" cy="2645669"/>
+          </a:xfrm>
+          <a:prstGeom prst="rect">
+            <a:avLst/>
+          </a:prstGeom>
+        </p:spPr>
+      </p:pic>
+      <p:pic>
+        <p:nvPicPr>
+          <p:cNvPr id="8" name="Picture 7"/>
+          <p:cNvPicPr>
+            <a:picLocks noChangeAspect="1"/>
+          </p:cNvPicPr>
+          <p:nvPr/>
+        </p:nvPicPr>
+        <p:blipFill>
+          <a:blip r:embed="rId5">
+            <a:extLst>
+              <a:ext uri="{28A0092B-C50C-407E-A947-70E740481C1C}">
+                <a14:useLocalDpi xmlns:a14="http://schemas.microsoft.com/office/drawing/2010/main" val="0"/>
+              </a:ext>
+            </a:extLst>
+          </a:blip>
+          <a:stretch>
+            <a:fillRect/>
+          </a:stretch>
+        </p:blipFill>
+        <p:spPr>
+          <a:xfrm>
+            <a:off x="956564" y="4186931"/>
+            <a:ext cx="3510267" cy="2645669"/>
+          </a:xfrm>
+          <a:prstGeom prst="rect">
+            <a:avLst/>
+          </a:prstGeom>
+        </p:spPr>
+      </p:pic>
       <p:sp>
         <p:nvSpPr>
           <p:cNvPr id="2" name="Title 1"/>
@@ -7945,52 +8185,8 @@
           <a:p>
             <a:r>
               <a:rPr lang="en-US" dirty="0" smtClean="0"/>
-              <a:t>Analysis of Periodic Systems</a:t>
-            </a:r>
-            <a:endParaRPr lang="en-US" dirty="0"/>
-          </a:p>
-        </p:txBody>
-      </p:sp>
-      <p:sp>
-        <p:nvSpPr>
-          <p:cNvPr id="3" name="Content Placeholder 2"/>
-          <p:cNvSpPr>
-            <a:spLocks noGrp="1"/>
-          </p:cNvSpPr>
-          <p:nvPr>
-            <p:ph idx="1"/>
-          </p:nvPr>
-        </p:nvSpPr>
-        <p:spPr/>
-        <p:txBody>
-          <a:bodyPr>
-            <a:normAutofit/>
-          </a:bodyPr>
-          <a:lstStyle/>
-          <a:p>
-            <a:endParaRPr lang="en-US" dirty="0" smtClean="0"/>
-          </a:p>
-        </p:txBody>
-      </p:sp>
-      <p:sp>
-        <p:nvSpPr>
-          <p:cNvPr id="4" name="Slide Number Placeholder 3"/>
-          <p:cNvSpPr>
-            <a:spLocks noGrp="1"/>
-          </p:cNvSpPr>
-          <p:nvPr>
-            <p:ph type="sldNum" sz="quarter" idx="12"/>
-          </p:nvPr>
-        </p:nvSpPr>
-        <p:spPr/>
-        <p:txBody>
-          <a:bodyPr/>
-          <a:lstStyle/>
-          <a:p>
-            <a:fld id="{4FAB73BC-B049-4115-A692-8D63A059BFB8}" type="slidenum">
-              <a:rPr lang="en-US" smtClean="0"/>
-              <a:t>16</a:t>
-            </a:fld>
+              <a:t>Analysis of Periodic Systems (3/5)</a:t>
+            </a:r>
             <a:endParaRPr lang="en-US" dirty="0"/>
           </a:p>
         </p:txBody>
@@ -8051,33 +8247,1007 @@
           <a:p>
             <a:r>
               <a:rPr lang="en-US" dirty="0" smtClean="0"/>
-              <a:t>Analysis of Periodic Systems</a:t>
+              <a:t>Analysis of Periodic Systems (4/5)</a:t>
             </a:r>
             <a:endParaRPr lang="en-US" dirty="0"/>
           </a:p>
         </p:txBody>
       </p:sp>
-      <p:sp>
-        <p:nvSpPr>
-          <p:cNvPr id="3" name="Content Placeholder 2"/>
-          <p:cNvSpPr>
-            <a:spLocks noGrp="1"/>
-          </p:cNvSpPr>
-          <p:nvPr>
-            <p:ph idx="1"/>
-          </p:nvPr>
-        </p:nvSpPr>
-        <p:spPr/>
-        <p:txBody>
-          <a:bodyPr>
-            <a:normAutofit/>
-          </a:bodyPr>
-          <a:lstStyle/>
-          <a:p>
-            <a:endParaRPr lang="en-US" dirty="0" smtClean="0"/>
-          </a:p>
-        </p:txBody>
-      </p:sp>
+      <mc:AlternateContent xmlns:mc="http://schemas.openxmlformats.org/markup-compatibility/2006">
+        <mc:Choice xmlns:a14="http://schemas.microsoft.com/office/drawing/2010/main" Requires="a14">
+          <p:sp>
+            <p:nvSpPr>
+              <p:cNvPr id="3" name="Content Placeholder 2"/>
+              <p:cNvSpPr>
+                <a:spLocks noGrp="1"/>
+              </p:cNvSpPr>
+              <p:nvPr>
+                <p:ph idx="1"/>
+              </p:nvPr>
+            </p:nvSpPr>
+            <p:spPr/>
+            <p:txBody>
+              <a:bodyPr>
+                <a:noAutofit/>
+              </a:bodyPr>
+              <a:lstStyle/>
+              <a:p>
+                <a:r>
+                  <a:rPr lang="en-US" b="0" dirty="0" smtClean="0">
+                    <a:latin typeface="Cambria Math" panose="02040503050406030204" pitchFamily="18" charset="0"/>
+                  </a:rPr>
+                  <a:t>We define a function </a:t>
+                </a:r>
+                <a14:m>
+                  <m:oMath xmlns:m="http://schemas.openxmlformats.org/officeDocument/2006/math">
+                    <m:r>
+                      <a:rPr lang="en-US" b="0" i="1" smtClean="0">
+                        <a:latin typeface="Cambria Math" panose="02040503050406030204" pitchFamily="18" charset="0"/>
+                      </a:rPr>
+                      <m:t>𝑥</m:t>
+                    </m:r>
+                    <m:d>
+                      <m:dPr>
+                        <m:ctrlPr>
+                          <a:rPr lang="en-US" b="0" i="1" smtClean="0">
+                            <a:latin typeface="Cambria Math" panose="02040503050406030204" pitchFamily="18" charset="0"/>
+                          </a:rPr>
+                        </m:ctrlPr>
+                      </m:dPr>
+                      <m:e>
+                        <m:r>
+                          <a:rPr lang="en-US" b="0" i="1" smtClean="0">
+                            <a:latin typeface="Cambria Math" panose="02040503050406030204" pitchFamily="18" charset="0"/>
+                          </a:rPr>
+                          <m:t>𝑡</m:t>
+                        </m:r>
+                      </m:e>
+                    </m:d>
+                  </m:oMath>
+                </a14:m>
+                <a:r>
+                  <a:rPr lang="en-US" b="0" dirty="0" smtClean="0">
+                    <a:latin typeface="Cambria Math" panose="02040503050406030204" pitchFamily="18" charset="0"/>
+                  </a:rPr>
+                  <a:t> to be </a:t>
+                </a:r>
+                <a:r>
+                  <a:rPr lang="en-US" b="1" dirty="0" smtClean="0">
+                    <a:latin typeface="Cambria Math" panose="02040503050406030204" pitchFamily="18" charset="0"/>
+                  </a:rPr>
+                  <a:t>repeating</a:t>
+                </a:r>
+                <a:r>
+                  <a:rPr lang="en-US" dirty="0" smtClean="0">
+                    <a:latin typeface="Cambria Math" panose="02040503050406030204" pitchFamily="18" charset="0"/>
+                  </a:rPr>
+                  <a:t> </a:t>
+                </a:r>
+                <a14:m>
+                  <m:oMath xmlns:m="http://schemas.openxmlformats.org/officeDocument/2006/math">
+                    <m:r>
+                      <a:rPr lang="en-US" b="0" i="1" smtClean="0">
+                        <a:latin typeface="Cambria Math" panose="02040503050406030204" pitchFamily="18" charset="0"/>
+                      </a:rPr>
+                      <m:t>𝑖𝑓𝑓</m:t>
+                    </m:r>
+                  </m:oMath>
+                </a14:m>
+                <a:r>
+                  <a:rPr lang="en-US" dirty="0" smtClean="0">
+                    <a:latin typeface="Cambria Math" panose="02040503050406030204" pitchFamily="18" charset="0"/>
+                  </a:rPr>
+                  <a:t>:</a:t>
+                </a:r>
+                <a:endParaRPr lang="en-US" b="0" dirty="0" smtClean="0">
+                  <a:latin typeface="Cambria Math" panose="02040503050406030204" pitchFamily="18" charset="0"/>
+                </a:endParaRPr>
+              </a:p>
+              <a:p>
+                <a:pPr marL="0" indent="0">
+                  <a:buNone/>
+                </a:pPr>
+                <a14:m>
+                  <m:oMathPara xmlns:m="http://schemas.openxmlformats.org/officeDocument/2006/math">
+                    <m:oMathParaPr>
+                      <m:jc m:val="centerGroup"/>
+                    </m:oMathParaPr>
+                    <m:oMath xmlns:m="http://schemas.openxmlformats.org/officeDocument/2006/math">
+                      <m:r>
+                        <a:rPr lang="en-US" b="0" i="1" smtClean="0">
+                          <a:latin typeface="Cambria Math" panose="02040503050406030204" pitchFamily="18" charset="0"/>
+                        </a:rPr>
+                        <m:t>𝑥</m:t>
+                      </m:r>
+                      <m:d>
+                        <m:dPr>
+                          <m:ctrlPr>
+                            <a:rPr lang="en-US" b="0" i="1" smtClean="0">
+                              <a:latin typeface="Cambria Math" panose="02040503050406030204" pitchFamily="18" charset="0"/>
+                            </a:rPr>
+                          </m:ctrlPr>
+                        </m:dPr>
+                        <m:e>
+                          <m:r>
+                            <a:rPr lang="en-US" b="0" i="1" smtClean="0">
+                              <a:latin typeface="Cambria Math" panose="02040503050406030204" pitchFamily="18" charset="0"/>
+                            </a:rPr>
+                            <m:t>0</m:t>
+                          </m:r>
+                        </m:e>
+                      </m:d>
+                      <m:r>
+                        <a:rPr lang="en-US" b="0" i="1" smtClean="0">
+                          <a:latin typeface="Cambria Math" panose="02040503050406030204" pitchFamily="18" charset="0"/>
+                        </a:rPr>
+                        <m:t>=0</m:t>
+                      </m:r>
+                    </m:oMath>
+                    <m:oMath xmlns:m="http://schemas.openxmlformats.org/officeDocument/2006/math">
+                      <m:r>
+                        <a:rPr lang="en-US" b="0" i="1" smtClean="0">
+                          <a:latin typeface="Cambria Math" panose="02040503050406030204" pitchFamily="18" charset="0"/>
+                        </a:rPr>
+                        <m:t>𝑥</m:t>
+                      </m:r>
+                      <m:d>
+                        <m:dPr>
+                          <m:ctrlPr>
+                            <a:rPr lang="en-US" b="0" i="1" smtClean="0">
+                              <a:latin typeface="Cambria Math" panose="02040503050406030204" pitchFamily="18" charset="0"/>
+                            </a:rPr>
+                          </m:ctrlPr>
+                        </m:dPr>
+                        <m:e>
+                          <m:r>
+                            <a:rPr lang="en-US" b="0" i="1" smtClean="0">
+                              <a:latin typeface="Cambria Math" panose="02040503050406030204" pitchFamily="18" charset="0"/>
+                            </a:rPr>
+                            <m:t>𝑡</m:t>
+                          </m:r>
+                          <m:r>
+                            <a:rPr lang="en-US" b="0" i="1" smtClean="0">
+                              <a:latin typeface="Cambria Math" panose="02040503050406030204" pitchFamily="18" charset="0"/>
+                            </a:rPr>
+                            <m:t>+</m:t>
+                          </m:r>
+                          <m:r>
+                            <a:rPr lang="en-US" b="0" i="1" smtClean="0">
+                              <a:latin typeface="Cambria Math" panose="02040503050406030204" pitchFamily="18" charset="0"/>
+                            </a:rPr>
+                            <m:t>𝑘</m:t>
+                          </m:r>
+                          <m:r>
+                            <a:rPr lang="en-US" b="0" i="1" smtClean="0">
+                              <a:latin typeface="Cambria Math" panose="02040503050406030204" pitchFamily="18" charset="0"/>
+                            </a:rPr>
+                            <m:t>∗</m:t>
+                          </m:r>
+                          <m:r>
+                            <a:rPr lang="en-US" b="0" i="1" smtClean="0">
+                              <a:latin typeface="Cambria Math" panose="02040503050406030204" pitchFamily="18" charset="0"/>
+                            </a:rPr>
+                            <m:t>𝑇</m:t>
+                          </m:r>
+                        </m:e>
+                      </m:d>
+                      <m:r>
+                        <a:rPr lang="en-US" b="0" i="1" smtClean="0">
+                          <a:latin typeface="Cambria Math" panose="02040503050406030204" pitchFamily="18" charset="0"/>
+                        </a:rPr>
+                        <m:t>=</m:t>
+                      </m:r>
+                      <m:r>
+                        <a:rPr lang="en-US" b="0" i="1" smtClean="0">
+                          <a:latin typeface="Cambria Math" panose="02040503050406030204" pitchFamily="18" charset="0"/>
+                        </a:rPr>
+                        <m:t>𝑥</m:t>
+                      </m:r>
+                      <m:d>
+                        <m:dPr>
+                          <m:ctrlPr>
+                            <a:rPr lang="en-US" b="0" i="1" smtClean="0">
+                              <a:latin typeface="Cambria Math" panose="02040503050406030204" pitchFamily="18" charset="0"/>
+                            </a:rPr>
+                          </m:ctrlPr>
+                        </m:dPr>
+                        <m:e>
+                          <m:r>
+                            <a:rPr lang="en-US" b="0" i="1" smtClean="0">
+                              <a:latin typeface="Cambria Math" panose="02040503050406030204" pitchFamily="18" charset="0"/>
+                            </a:rPr>
+                            <m:t>𝑡</m:t>
+                          </m:r>
+                        </m:e>
+                      </m:d>
+                      <m:r>
+                        <a:rPr lang="en-US" b="0" i="1" smtClean="0">
+                          <a:latin typeface="Cambria Math" panose="02040503050406030204" pitchFamily="18" charset="0"/>
+                        </a:rPr>
+                        <m:t>+</m:t>
+                      </m:r>
+                      <m:r>
+                        <a:rPr lang="en-US" b="0" i="1" smtClean="0">
+                          <a:latin typeface="Cambria Math" panose="02040503050406030204" pitchFamily="18" charset="0"/>
+                        </a:rPr>
+                        <m:t>𝑘</m:t>
+                      </m:r>
+                      <m:r>
+                        <a:rPr lang="en-US" b="0" i="1" smtClean="0">
+                          <a:latin typeface="Cambria Math" panose="02040503050406030204" pitchFamily="18" charset="0"/>
+                        </a:rPr>
+                        <m:t>∗</m:t>
+                      </m:r>
+                      <m:r>
+                        <a:rPr lang="en-US" b="0" i="1" smtClean="0">
+                          <a:latin typeface="Cambria Math" panose="02040503050406030204" pitchFamily="18" charset="0"/>
+                        </a:rPr>
+                        <m:t>𝑥</m:t>
+                      </m:r>
+                      <m:d>
+                        <m:dPr>
+                          <m:ctrlPr>
+                            <a:rPr lang="en-US" b="0" i="1" smtClean="0">
+                              <a:latin typeface="Cambria Math" panose="02040503050406030204" pitchFamily="18" charset="0"/>
+                            </a:rPr>
+                          </m:ctrlPr>
+                        </m:dPr>
+                        <m:e>
+                          <m:r>
+                            <a:rPr lang="en-US" b="0" i="1" smtClean="0">
+                              <a:latin typeface="Cambria Math" panose="02040503050406030204" pitchFamily="18" charset="0"/>
+                            </a:rPr>
+                            <m:t>𝑇</m:t>
+                          </m:r>
+                        </m:e>
+                      </m:d>
+                      <m:r>
+                        <a:rPr lang="en-US" b="0" i="1" smtClean="0">
+                          <a:latin typeface="Cambria Math" panose="02040503050406030204" pitchFamily="18" charset="0"/>
+                        </a:rPr>
+                        <m:t>, ∀</m:t>
+                      </m:r>
+                      <m:r>
+                        <a:rPr lang="en-US" b="0" i="1" smtClean="0">
+                          <a:latin typeface="Cambria Math" panose="02040503050406030204" pitchFamily="18" charset="0"/>
+                        </a:rPr>
+                        <m:t>𝑘</m:t>
+                      </m:r>
+                      <m:r>
+                        <a:rPr lang="en-US" b="0" i="1" smtClean="0">
+                          <a:latin typeface="Cambria Math" panose="02040503050406030204" pitchFamily="18" charset="0"/>
+                        </a:rPr>
+                        <m:t>∈ </m:t>
+                      </m:r>
+                      <m:r>
+                        <a:rPr lang="en-US" b="0" i="1" smtClean="0">
+                          <a:latin typeface="Cambria Math" panose="02040503050406030204" pitchFamily="18" charset="0"/>
+                        </a:rPr>
+                        <m:t>ℕ</m:t>
+                      </m:r>
+                      <m:r>
+                        <a:rPr lang="en-US" b="0" i="1" smtClean="0">
+                          <a:latin typeface="Cambria Math" panose="02040503050406030204" pitchFamily="18" charset="0"/>
+                        </a:rPr>
+                        <m:t>&gt;0</m:t>
+                      </m:r>
+                    </m:oMath>
+                  </m:oMathPara>
+                </a14:m>
+                <a:r>
+                  <a:rPr lang="en-US" b="0" dirty="0" smtClean="0"/>
+                  <a:t/>
+                </a:r>
+                <a:br>
+                  <a:rPr lang="en-US" b="0" dirty="0" smtClean="0"/>
+                </a:br>
+                <a:endParaRPr lang="en-US" b="0" dirty="0" smtClean="0"/>
+              </a:p>
+              <a:p>
+                <a:pPr lvl="1"/>
+                <a:r>
+                  <a:rPr lang="en-US" b="0" dirty="0" smtClean="0"/>
+                  <a:t>Wher</a:t>
+                </a:r>
+                <a:r>
+                  <a:rPr lang="en-US" dirty="0" smtClean="0"/>
+                  <a:t>e a </a:t>
+                </a:r>
+                <a14:m>
+                  <m:oMath xmlns:m="http://schemas.openxmlformats.org/officeDocument/2006/math">
+                    <m:r>
+                      <a:rPr lang="en-US" b="0" i="1" smtClean="0">
+                        <a:latin typeface="Cambria Math" panose="02040503050406030204" pitchFamily="18" charset="0"/>
+                      </a:rPr>
+                      <m:t>𝑥</m:t>
+                    </m:r>
+                    <m:r>
+                      <a:rPr lang="en-US" b="0" i="1" smtClean="0">
+                        <a:latin typeface="Cambria Math" panose="02040503050406030204" pitchFamily="18" charset="0"/>
+                      </a:rPr>
+                      <m:t>(</m:t>
+                    </m:r>
+                    <m:r>
+                      <a:rPr lang="en-US" b="0" i="1" smtClean="0">
+                        <a:latin typeface="Cambria Math" panose="02040503050406030204" pitchFamily="18" charset="0"/>
+                      </a:rPr>
+                      <m:t>𝑡</m:t>
+                    </m:r>
+                    <m:r>
+                      <a:rPr lang="en-US" b="0" i="1" smtClean="0">
+                        <a:latin typeface="Cambria Math" panose="02040503050406030204" pitchFamily="18" charset="0"/>
+                      </a:rPr>
+                      <m:t>)</m:t>
+                    </m:r>
+                  </m:oMath>
+                </a14:m>
+                <a:r>
+                  <a:rPr lang="en-US" b="0" dirty="0" smtClean="0"/>
+                  <a:t> is periodic </a:t>
+                </a:r>
+                <a14:m>
+                  <m:oMath xmlns:m="http://schemas.openxmlformats.org/officeDocument/2006/math">
+                    <m:r>
+                      <a:rPr lang="en-US" b="0" i="1" smtClean="0">
+                        <a:latin typeface="Cambria Math" panose="02040503050406030204" pitchFamily="18" charset="0"/>
+                      </a:rPr>
+                      <m:t>𝑖𝑓𝑓</m:t>
+                    </m:r>
+                    <m:r>
+                      <a:rPr lang="en-US" b="0" i="1" smtClean="0">
+                        <a:latin typeface="Cambria Math" panose="02040503050406030204" pitchFamily="18" charset="0"/>
+                      </a:rPr>
+                      <m:t>: </m:t>
+                    </m:r>
+                    <m:r>
+                      <a:rPr lang="en-US" b="0" i="1" smtClean="0">
+                        <a:latin typeface="Cambria Math" panose="02040503050406030204" pitchFamily="18" charset="0"/>
+                      </a:rPr>
+                      <m:t>𝑥</m:t>
+                    </m:r>
+                    <m:d>
+                      <m:dPr>
+                        <m:ctrlPr>
+                          <a:rPr lang="en-US" b="0" i="1" smtClean="0">
+                            <a:latin typeface="Cambria Math" panose="02040503050406030204" pitchFamily="18" charset="0"/>
+                          </a:rPr>
+                        </m:ctrlPr>
+                      </m:dPr>
+                      <m:e>
+                        <m:r>
+                          <a:rPr lang="en-US" b="0" i="1" smtClean="0">
+                            <a:latin typeface="Cambria Math" panose="02040503050406030204" pitchFamily="18" charset="0"/>
+                          </a:rPr>
+                          <m:t>𝑇</m:t>
+                        </m:r>
+                      </m:e>
+                    </m:d>
+                    <m:r>
+                      <a:rPr lang="en-US" b="0" i="1" smtClean="0">
+                        <a:latin typeface="Cambria Math" panose="02040503050406030204" pitchFamily="18" charset="0"/>
+                      </a:rPr>
+                      <m:t>=0</m:t>
+                    </m:r>
+                  </m:oMath>
+                </a14:m>
+                <a:endParaRPr lang="en-US" b="0" dirty="0" smtClean="0"/>
+              </a:p>
+              <a:p>
+                <a:pPr lvl="1"/>
+                <a:r>
+                  <a:rPr lang="en-US" dirty="0" smtClean="0"/>
+                  <a:t>Repeating functions result from integrating periodic functions; similarly they produce periodic functions when differentiated</a:t>
+                </a:r>
+              </a:p>
+              <a:p>
+                <a:r>
+                  <a:rPr lang="en-US" dirty="0" smtClean="0"/>
+                  <a:t>Analyze a deterministic, repeating queuing system defined by:</a:t>
+                </a:r>
+              </a:p>
+              <a:p>
+                <a:pPr lvl="1"/>
+                <a14:m>
+                  <m:oMath xmlns:m="http://schemas.openxmlformats.org/officeDocument/2006/math">
+                    <m:r>
+                      <a:rPr lang="en-US" b="0" i="1" smtClean="0">
+                        <a:latin typeface="Cambria Math" panose="02040503050406030204" pitchFamily="18" charset="0"/>
+                      </a:rPr>
+                      <m:t>𝑆</m:t>
+                    </m:r>
+                    <m:r>
+                      <a:rPr lang="en-US" b="0" i="1" smtClean="0">
+                        <a:latin typeface="Cambria Math" panose="02040503050406030204" pitchFamily="18" charset="0"/>
+                      </a:rPr>
+                      <m:t>[</m:t>
+                    </m:r>
+                    <m:r>
+                      <a:rPr lang="en-US" b="0" i="1" smtClean="0">
+                        <a:latin typeface="Cambria Math" panose="02040503050406030204" pitchFamily="18" charset="0"/>
+                      </a:rPr>
+                      <m:t>𝑡</m:t>
+                    </m:r>
+                    <m:r>
+                      <a:rPr lang="en-US" b="0" i="1" smtClean="0">
+                        <a:latin typeface="Cambria Math" panose="02040503050406030204" pitchFamily="18" charset="0"/>
+                      </a:rPr>
+                      <m:t>]</m:t>
+                    </m:r>
+                  </m:oMath>
+                </a14:m>
+                <a:r>
+                  <a:rPr lang="en-US" b="0" dirty="0" smtClean="0"/>
+                  <a:t>: data service capacity of the system, a repeating function</a:t>
+                </a:r>
+              </a:p>
+              <a:p>
+                <a:pPr lvl="1"/>
+                <a14:m>
+                  <m:oMath xmlns:m="http://schemas.openxmlformats.org/officeDocument/2006/math">
+                    <m:r>
+                      <a:rPr lang="en-US" b="0" i="1" smtClean="0">
+                        <a:latin typeface="Cambria Math" panose="02040503050406030204" pitchFamily="18" charset="0"/>
+                      </a:rPr>
+                      <m:t>𝐼</m:t>
+                    </m:r>
+                    <m:r>
+                      <a:rPr lang="en-US" b="0" i="1" smtClean="0">
+                        <a:latin typeface="Cambria Math" panose="02040503050406030204" pitchFamily="18" charset="0"/>
+                      </a:rPr>
+                      <m:t>[</m:t>
+                    </m:r>
+                    <m:r>
+                      <a:rPr lang="en-US" b="0" i="1" smtClean="0">
+                        <a:latin typeface="Cambria Math" panose="02040503050406030204" pitchFamily="18" charset="0"/>
+                      </a:rPr>
+                      <m:t>𝑡</m:t>
+                    </m:r>
+                    <m:r>
+                      <a:rPr lang="en-US" b="0" i="1" smtClean="0">
+                        <a:latin typeface="Cambria Math" panose="02040503050406030204" pitchFamily="18" charset="0"/>
+                      </a:rPr>
+                      <m:t>]</m:t>
+                    </m:r>
+                  </m:oMath>
+                </a14:m>
+                <a:r>
+                  <a:rPr lang="en-US" b="0" dirty="0" smtClean="0"/>
+                  <a:t>: input data to the system, a repeating function</a:t>
+                </a:r>
+              </a:p>
+              <a:p>
+                <a:pPr lvl="1"/>
+                <a14:m>
+                  <m:oMath xmlns:m="http://schemas.openxmlformats.org/officeDocument/2006/math">
+                    <m:r>
+                      <a:rPr lang="en-US" b="0" i="1" smtClean="0">
+                        <a:latin typeface="Cambria Math" panose="02040503050406030204" pitchFamily="18" charset="0"/>
+                      </a:rPr>
+                      <m:t>𝑂</m:t>
+                    </m:r>
+                    <m:r>
+                      <a:rPr lang="en-US" b="0" i="1" smtClean="0">
+                        <a:latin typeface="Cambria Math" panose="02040503050406030204" pitchFamily="18" charset="0"/>
+                      </a:rPr>
+                      <m:t>[</m:t>
+                    </m:r>
+                    <m:r>
+                      <a:rPr lang="en-US" b="0" i="1" smtClean="0">
+                        <a:latin typeface="Cambria Math" panose="02040503050406030204" pitchFamily="18" charset="0"/>
+                      </a:rPr>
+                      <m:t>𝑡</m:t>
+                    </m:r>
+                    <m:r>
+                      <a:rPr lang="en-US" b="0" i="1" smtClean="0">
+                        <a:latin typeface="Cambria Math" panose="02040503050406030204" pitchFamily="18" charset="0"/>
+                      </a:rPr>
+                      <m:t>]</m:t>
+                    </m:r>
+                  </m:oMath>
+                </a14:m>
+                <a:r>
+                  <a:rPr lang="en-US" b="0" dirty="0" smtClean="0"/>
+                  <a:t>: output data from the system</a:t>
+                </a:r>
+              </a:p>
+              <a:p>
+                <a:pPr lvl="1"/>
+                <a14:m>
+                  <m:oMath xmlns:m="http://schemas.openxmlformats.org/officeDocument/2006/math">
+                    <m:r>
+                      <a:rPr lang="en-US" b="0" i="1" smtClean="0">
+                        <a:latin typeface="Cambria Math" panose="02040503050406030204" pitchFamily="18" charset="0"/>
+                      </a:rPr>
+                      <m:t>𝐵</m:t>
+                    </m:r>
+                    <m:r>
+                      <a:rPr lang="en-US" b="0" i="1" smtClean="0">
+                        <a:latin typeface="Cambria Math" panose="02040503050406030204" pitchFamily="18" charset="0"/>
+                      </a:rPr>
+                      <m:t>[</m:t>
+                    </m:r>
+                    <m:r>
+                      <a:rPr lang="en-US" b="0" i="1" smtClean="0">
+                        <a:latin typeface="Cambria Math" panose="02040503050406030204" pitchFamily="18" charset="0"/>
+                      </a:rPr>
+                      <m:t>𝑡</m:t>
+                    </m:r>
+                    <m:r>
+                      <a:rPr lang="en-US" b="0" i="1" smtClean="0">
+                        <a:latin typeface="Cambria Math" panose="02040503050406030204" pitchFamily="18" charset="0"/>
+                      </a:rPr>
+                      <m:t>]</m:t>
+                    </m:r>
+                  </m:oMath>
+                </a14:m>
+                <a:r>
+                  <a:rPr lang="en-US" b="0" dirty="0" smtClean="0"/>
+                  <a:t>: amount of data in the system’s buffer, </a:t>
+                </a:r>
+                <a14:m>
+                  <m:oMath xmlns:m="http://schemas.openxmlformats.org/officeDocument/2006/math">
+                    <m:r>
+                      <m:rPr>
+                        <m:sty m:val="p"/>
+                      </m:rPr>
+                      <a:rPr lang="en-US" b="0" i="0" smtClean="0">
+                        <a:latin typeface="Cambria Math" panose="02040503050406030204" pitchFamily="18" charset="0"/>
+                      </a:rPr>
+                      <m:t>B</m:t>
+                    </m:r>
+                    <m:d>
+                      <m:dPr>
+                        <m:begChr m:val="["/>
+                        <m:endChr m:val="]"/>
+                        <m:ctrlPr>
+                          <a:rPr lang="en-US" b="0" i="0" smtClean="0">
+                            <a:latin typeface="Cambria Math" panose="02040503050406030204" pitchFamily="18" charset="0"/>
+                          </a:rPr>
+                        </m:ctrlPr>
+                      </m:dPr>
+                      <m:e>
+                        <m:r>
+                          <m:rPr>
+                            <m:sty m:val="p"/>
+                          </m:rPr>
+                          <a:rPr lang="en-US" b="0" i="0" smtClean="0">
+                            <a:latin typeface="Cambria Math" panose="02040503050406030204" pitchFamily="18" charset="0"/>
+                          </a:rPr>
+                          <m:t>t</m:t>
+                        </m:r>
+                      </m:e>
+                    </m:d>
+                    <m:r>
+                      <a:rPr lang="en-US" b="0" i="0" smtClean="0">
+                        <a:latin typeface="Cambria Math" panose="02040503050406030204" pitchFamily="18" charset="0"/>
+                      </a:rPr>
+                      <m:t>=</m:t>
+                    </m:r>
+                    <m:r>
+                      <a:rPr lang="en-US" b="0" i="1" smtClean="0">
+                        <a:latin typeface="Cambria Math" panose="02040503050406030204" pitchFamily="18" charset="0"/>
+                      </a:rPr>
+                      <m:t>𝐼</m:t>
+                    </m:r>
+                    <m:d>
+                      <m:dPr>
+                        <m:begChr m:val="["/>
+                        <m:endChr m:val="]"/>
+                        <m:ctrlPr>
+                          <a:rPr lang="en-US" b="0" i="1" smtClean="0">
+                            <a:latin typeface="Cambria Math" panose="02040503050406030204" pitchFamily="18" charset="0"/>
+                          </a:rPr>
+                        </m:ctrlPr>
+                      </m:dPr>
+                      <m:e>
+                        <m:r>
+                          <a:rPr lang="en-US" b="0" i="1" smtClean="0">
+                            <a:latin typeface="Cambria Math" panose="02040503050406030204" pitchFamily="18" charset="0"/>
+                          </a:rPr>
+                          <m:t>𝑡</m:t>
+                        </m:r>
+                      </m:e>
+                    </m:d>
+                    <m:r>
+                      <a:rPr lang="en-US" b="0" i="1" smtClean="0">
+                        <a:latin typeface="Cambria Math" panose="02040503050406030204" pitchFamily="18" charset="0"/>
+                      </a:rPr>
+                      <m:t>−</m:t>
+                    </m:r>
+                    <m:r>
+                      <a:rPr lang="en-US" b="0" i="1" smtClean="0">
+                        <a:latin typeface="Cambria Math" panose="02040503050406030204" pitchFamily="18" charset="0"/>
+                      </a:rPr>
+                      <m:t>𝑂</m:t>
+                    </m:r>
+                    <m:r>
+                      <a:rPr lang="en-US" b="0" i="1" smtClean="0">
+                        <a:latin typeface="Cambria Math" panose="02040503050406030204" pitchFamily="18" charset="0"/>
+                      </a:rPr>
+                      <m:t>[</m:t>
+                    </m:r>
+                    <m:r>
+                      <a:rPr lang="en-US" b="0" i="1" smtClean="0">
+                        <a:latin typeface="Cambria Math" panose="02040503050406030204" pitchFamily="18" charset="0"/>
+                      </a:rPr>
+                      <m:t>𝑡</m:t>
+                    </m:r>
+                    <m:r>
+                      <a:rPr lang="en-US" b="0" i="1" smtClean="0">
+                        <a:latin typeface="Cambria Math" panose="02040503050406030204" pitchFamily="18" charset="0"/>
+                      </a:rPr>
+                      <m:t>]</m:t>
+                    </m:r>
+                  </m:oMath>
+                </a14:m>
+                <a:endParaRPr lang="en-US" b="0" dirty="0" smtClean="0"/>
+              </a:p>
+              <a:p>
+                <a:pPr lvl="1"/>
+                <a14:m>
+                  <m:oMath xmlns:m="http://schemas.openxmlformats.org/officeDocument/2006/math">
+                    <m:r>
+                      <a:rPr lang="en-US" b="0" i="1" smtClean="0">
+                        <a:latin typeface="Cambria Math" panose="02040503050406030204" pitchFamily="18" charset="0"/>
+                      </a:rPr>
+                      <m:t>𝑅</m:t>
+                    </m:r>
+                    <m:r>
+                      <a:rPr lang="en-US" b="0" i="1" smtClean="0">
+                        <a:latin typeface="Cambria Math" panose="02040503050406030204" pitchFamily="18" charset="0"/>
+                      </a:rPr>
+                      <m:t>[</m:t>
+                    </m:r>
+                    <m:r>
+                      <a:rPr lang="en-US" b="0" i="1" smtClean="0">
+                        <a:latin typeface="Cambria Math" panose="02040503050406030204" pitchFamily="18" charset="0"/>
+                      </a:rPr>
+                      <m:t>𝑡</m:t>
+                    </m:r>
+                    <m:r>
+                      <a:rPr lang="en-US" b="0" i="1" smtClean="0">
+                        <a:latin typeface="Cambria Math" panose="02040503050406030204" pitchFamily="18" charset="0"/>
+                      </a:rPr>
+                      <m:t>]</m:t>
+                    </m:r>
+                  </m:oMath>
+                </a14:m>
+                <a:r>
+                  <a:rPr lang="en-US" b="0" dirty="0" smtClean="0"/>
+                  <a:t>: remaining service capacity of the system after servicing </a:t>
+                </a:r>
+                <a14:m>
+                  <m:oMath xmlns:m="http://schemas.openxmlformats.org/officeDocument/2006/math">
+                    <m:r>
+                      <a:rPr lang="en-US" b="0" i="1" smtClean="0">
+                        <a:latin typeface="Cambria Math" panose="02040503050406030204" pitchFamily="18" charset="0"/>
+                      </a:rPr>
+                      <m:t>𝐼</m:t>
+                    </m:r>
+                  </m:oMath>
+                </a14:m>
+                <a:r>
+                  <a:rPr lang="en-US" b="0" dirty="0" smtClean="0"/>
+                  <a:t>, i.e. </a:t>
+                </a:r>
+                <a14:m>
+                  <m:oMath xmlns:m="http://schemas.openxmlformats.org/officeDocument/2006/math">
+                    <m:r>
+                      <a:rPr lang="en-US" b="0" i="1" smtClean="0">
+                        <a:latin typeface="Cambria Math" panose="02040503050406030204" pitchFamily="18" charset="0"/>
+                      </a:rPr>
+                      <m:t>𝑆</m:t>
+                    </m:r>
+                    <m:d>
+                      <m:dPr>
+                        <m:begChr m:val="["/>
+                        <m:endChr m:val="]"/>
+                        <m:ctrlPr>
+                          <a:rPr lang="en-US" b="0" i="1" smtClean="0">
+                            <a:latin typeface="Cambria Math" panose="02040503050406030204" pitchFamily="18" charset="0"/>
+                          </a:rPr>
+                        </m:ctrlPr>
+                      </m:dPr>
+                      <m:e>
+                        <m:r>
+                          <a:rPr lang="en-US" b="0" i="1" smtClean="0">
+                            <a:latin typeface="Cambria Math" panose="02040503050406030204" pitchFamily="18" charset="0"/>
+                          </a:rPr>
+                          <m:t>𝑡</m:t>
+                        </m:r>
+                      </m:e>
+                    </m:d>
+                    <m:r>
+                      <a:rPr lang="en-US" b="0" i="1" smtClean="0">
+                        <a:latin typeface="Cambria Math" panose="02040503050406030204" pitchFamily="18" charset="0"/>
+                      </a:rPr>
+                      <m:t>−</m:t>
+                    </m:r>
+                    <m:r>
+                      <a:rPr lang="en-US" b="0" i="1" smtClean="0">
+                        <a:latin typeface="Cambria Math" panose="02040503050406030204" pitchFamily="18" charset="0"/>
+                      </a:rPr>
+                      <m:t>𝑂</m:t>
+                    </m:r>
+                    <m:r>
+                      <a:rPr lang="en-US" b="0" i="1" smtClean="0">
+                        <a:latin typeface="Cambria Math" panose="02040503050406030204" pitchFamily="18" charset="0"/>
+                      </a:rPr>
+                      <m:t>[</m:t>
+                    </m:r>
+                    <m:r>
+                      <a:rPr lang="en-US" b="0" i="1" smtClean="0">
+                        <a:latin typeface="Cambria Math" panose="02040503050406030204" pitchFamily="18" charset="0"/>
+                      </a:rPr>
+                      <m:t>𝑡</m:t>
+                    </m:r>
+                    <m:r>
+                      <a:rPr lang="en-US" b="0" i="1" smtClean="0">
+                        <a:latin typeface="Cambria Math" panose="02040503050406030204" pitchFamily="18" charset="0"/>
+                      </a:rPr>
+                      <m:t>]</m:t>
+                    </m:r>
+                  </m:oMath>
+                </a14:m>
+                <a:endParaRPr lang="en-US" b="0" dirty="0" smtClean="0"/>
+              </a:p>
+              <a:p>
+                <a:pPr lvl="1"/>
+                <a14:m>
+                  <m:oMath xmlns:m="http://schemas.openxmlformats.org/officeDocument/2006/math">
+                    <m:sSub>
+                      <m:sSubPr>
+                        <m:ctrlPr>
+                          <a:rPr lang="en-US" b="0" i="1" smtClean="0">
+                            <a:latin typeface="Cambria Math" panose="02040503050406030204" pitchFamily="18" charset="0"/>
+                          </a:rPr>
+                        </m:ctrlPr>
+                      </m:sSubPr>
+                      <m:e>
+                        <m:r>
+                          <a:rPr lang="en-US" b="0" i="1" smtClean="0">
+                            <a:latin typeface="Cambria Math" panose="02040503050406030204" pitchFamily="18" charset="0"/>
+                          </a:rPr>
+                          <m:t>𝑇</m:t>
+                        </m:r>
+                      </m:e>
+                      <m:sub>
+                        <m:r>
+                          <a:rPr lang="en-US" b="0" i="1" smtClean="0">
+                            <a:latin typeface="Cambria Math" panose="02040503050406030204" pitchFamily="18" charset="0"/>
+                          </a:rPr>
+                          <m:t>𝑝</m:t>
+                        </m:r>
+                      </m:sub>
+                    </m:sSub>
+                  </m:oMath>
+                </a14:m>
+                <a:r>
+                  <a:rPr lang="en-US" b="0" dirty="0" smtClean="0"/>
+                  <a:t>: </a:t>
+                </a:r>
+                <a:r>
+                  <a:rPr lang="en-US" b="0" dirty="0" err="1" smtClean="0"/>
+                  <a:t>hyperperiod</a:t>
+                </a:r>
+                <a:r>
+                  <a:rPr lang="en-US" b="0" dirty="0" smtClean="0"/>
+                  <a:t> of the input function period </a:t>
+                </a:r>
+                <a14:m>
+                  <m:oMath xmlns:m="http://schemas.openxmlformats.org/officeDocument/2006/math">
+                    <m:sSub>
+                      <m:sSubPr>
+                        <m:ctrlPr>
+                          <a:rPr lang="en-US" b="0" i="1" smtClean="0">
+                            <a:latin typeface="Cambria Math" panose="02040503050406030204" pitchFamily="18" charset="0"/>
+                          </a:rPr>
+                        </m:ctrlPr>
+                      </m:sSubPr>
+                      <m:e>
+                        <m:r>
+                          <a:rPr lang="en-US" b="0" i="1" smtClean="0">
+                            <a:latin typeface="Cambria Math" panose="02040503050406030204" pitchFamily="18" charset="0"/>
+                          </a:rPr>
+                          <m:t>𝑇</m:t>
+                        </m:r>
+                      </m:e>
+                      <m:sub>
+                        <m:r>
+                          <a:rPr lang="en-US" b="0" i="1" smtClean="0">
+                            <a:latin typeface="Cambria Math" panose="02040503050406030204" pitchFamily="18" charset="0"/>
+                          </a:rPr>
+                          <m:t>𝐼</m:t>
+                        </m:r>
+                      </m:sub>
+                    </m:sSub>
+                  </m:oMath>
+                </a14:m>
+                <a:r>
+                  <a:rPr lang="en-US" b="0" dirty="0" smtClean="0"/>
+                  <a:t> and the service function period </a:t>
+                </a:r>
+                <a14:m>
+                  <m:oMath xmlns:m="http://schemas.openxmlformats.org/officeDocument/2006/math">
+                    <m:sSub>
+                      <m:sSubPr>
+                        <m:ctrlPr>
+                          <a:rPr lang="en-US" b="0" i="1" smtClean="0">
+                            <a:latin typeface="Cambria Math" panose="02040503050406030204" pitchFamily="18" charset="0"/>
+                          </a:rPr>
+                        </m:ctrlPr>
+                      </m:sSubPr>
+                      <m:e>
+                        <m:r>
+                          <a:rPr lang="en-US" b="0" i="1" smtClean="0">
+                            <a:latin typeface="Cambria Math" panose="02040503050406030204" pitchFamily="18" charset="0"/>
+                          </a:rPr>
+                          <m:t>𝑇</m:t>
+                        </m:r>
+                      </m:e>
+                      <m:sub>
+                        <m:r>
+                          <a:rPr lang="en-US" b="0" i="1" smtClean="0">
+                            <a:latin typeface="Cambria Math" panose="02040503050406030204" pitchFamily="18" charset="0"/>
+                          </a:rPr>
+                          <m:t>𝑆</m:t>
+                        </m:r>
+                      </m:sub>
+                    </m:sSub>
+                  </m:oMath>
+                </a14:m>
+                <a:r>
+                  <a:rPr lang="en-US" b="0" dirty="0" smtClean="0"/>
+                  <a:t>, </a:t>
+                </a:r>
+                <a14:m>
+                  <m:oMath xmlns:m="http://schemas.openxmlformats.org/officeDocument/2006/math">
+                    <m:sSub>
+                      <m:sSubPr>
+                        <m:ctrlPr>
+                          <a:rPr lang="en-US" b="0" i="1" smtClean="0">
+                            <a:latin typeface="Cambria Math" panose="02040503050406030204" pitchFamily="18" charset="0"/>
+                          </a:rPr>
+                        </m:ctrlPr>
+                      </m:sSubPr>
+                      <m:e>
+                        <m:r>
+                          <a:rPr lang="en-US" b="0" i="1" smtClean="0">
+                            <a:latin typeface="Cambria Math" panose="02040503050406030204" pitchFamily="18" charset="0"/>
+                          </a:rPr>
+                          <m:t>𝑇</m:t>
+                        </m:r>
+                      </m:e>
+                      <m:sub>
+                        <m:r>
+                          <a:rPr lang="en-US" b="0" i="1" smtClean="0">
+                            <a:latin typeface="Cambria Math" panose="02040503050406030204" pitchFamily="18" charset="0"/>
+                          </a:rPr>
+                          <m:t>𝑃</m:t>
+                        </m:r>
+                      </m:sub>
+                    </m:sSub>
+                    <m:r>
+                      <a:rPr lang="en-US" b="0" i="0" smtClean="0">
+                        <a:latin typeface="Cambria Math" panose="02040503050406030204" pitchFamily="18" charset="0"/>
+                      </a:rPr>
+                      <m:t>=</m:t>
+                    </m:r>
+                    <m:r>
+                      <a:rPr lang="en-US" b="0" i="1" smtClean="0">
+                        <a:latin typeface="Cambria Math" panose="02040503050406030204" pitchFamily="18" charset="0"/>
+                      </a:rPr>
+                      <m:t>𝑙𝑐𝑚</m:t>
+                    </m:r>
+                    <m:r>
+                      <a:rPr lang="en-US" b="0" i="1" smtClean="0">
+                        <a:latin typeface="Cambria Math" panose="02040503050406030204" pitchFamily="18" charset="0"/>
+                      </a:rPr>
+                      <m:t>(</m:t>
+                    </m:r>
+                    <m:sSub>
+                      <m:sSubPr>
+                        <m:ctrlPr>
+                          <a:rPr lang="en-US" b="0" i="1" smtClean="0">
+                            <a:latin typeface="Cambria Math" panose="02040503050406030204" pitchFamily="18" charset="0"/>
+                          </a:rPr>
+                        </m:ctrlPr>
+                      </m:sSubPr>
+                      <m:e>
+                        <m:r>
+                          <a:rPr lang="en-US" b="0" i="1" smtClean="0">
+                            <a:latin typeface="Cambria Math" panose="02040503050406030204" pitchFamily="18" charset="0"/>
+                          </a:rPr>
+                          <m:t>𝑇</m:t>
+                        </m:r>
+                      </m:e>
+                      <m:sub>
+                        <m:r>
+                          <a:rPr lang="en-US" b="0" i="1" smtClean="0">
+                            <a:latin typeface="Cambria Math" panose="02040503050406030204" pitchFamily="18" charset="0"/>
+                          </a:rPr>
+                          <m:t>𝐼</m:t>
+                        </m:r>
+                      </m:sub>
+                    </m:sSub>
+                    <m:r>
+                      <a:rPr lang="en-US" b="0" i="1" smtClean="0">
+                        <a:latin typeface="Cambria Math" panose="02040503050406030204" pitchFamily="18" charset="0"/>
+                      </a:rPr>
+                      <m:t>,</m:t>
+                    </m:r>
+                    <m:sSub>
+                      <m:sSubPr>
+                        <m:ctrlPr>
+                          <a:rPr lang="en-US" b="0" i="1" smtClean="0">
+                            <a:latin typeface="Cambria Math" panose="02040503050406030204" pitchFamily="18" charset="0"/>
+                          </a:rPr>
+                        </m:ctrlPr>
+                      </m:sSubPr>
+                      <m:e>
+                        <m:r>
+                          <a:rPr lang="en-US" b="0" i="1" smtClean="0">
+                            <a:latin typeface="Cambria Math" panose="02040503050406030204" pitchFamily="18" charset="0"/>
+                          </a:rPr>
+                          <m:t>𝑇</m:t>
+                        </m:r>
+                      </m:e>
+                      <m:sub>
+                        <m:r>
+                          <a:rPr lang="en-US" b="0" i="1" smtClean="0">
+                            <a:latin typeface="Cambria Math" panose="02040503050406030204" pitchFamily="18" charset="0"/>
+                          </a:rPr>
+                          <m:t>𝑆</m:t>
+                        </m:r>
+                      </m:sub>
+                    </m:sSub>
+                    <m:r>
+                      <a:rPr lang="en-US" b="0" i="1" smtClean="0">
+                        <a:latin typeface="Cambria Math" panose="02040503050406030204" pitchFamily="18" charset="0"/>
+                      </a:rPr>
+                      <m:t>)</m:t>
+                    </m:r>
+                  </m:oMath>
+                </a14:m>
+                <a:endParaRPr lang="en-US" b="0" dirty="0" smtClean="0"/>
+              </a:p>
+            </p:txBody>
+          </p:sp>
+        </mc:Choice>
+        <mc:Fallback>
+          <p:sp>
+            <p:nvSpPr>
+              <p:cNvPr id="3" name="Content Placeholder 2"/>
+              <p:cNvSpPr>
+                <a:spLocks noGrp="1" noRot="1" noChangeAspect="1" noMove="1" noResize="1" noEditPoints="1" noAdjustHandles="1" noChangeArrowheads="1" noChangeShapeType="1" noTextEdit="1"/>
+              </p:cNvSpPr>
+              <p:nvPr>
+                <p:ph idx="1"/>
+              </p:nvPr>
+            </p:nvSpPr>
+            <p:spPr>
+              <a:blipFill>
+                <a:blip r:embed="rId2"/>
+                <a:stretch>
+                  <a:fillRect l="-189" t="-1120" r="-1134" b="-13025"/>
+                </a:stretch>
+              </a:blipFill>
+            </p:spPr>
+            <p:txBody>
+              <a:bodyPr/>
+              <a:lstStyle/>
+              <a:p>
+                <a:r>
+                  <a:rPr lang="en-US">
+                    <a:noFill/>
+                  </a:rPr>
+                  <a:t> </a:t>
+                </a:r>
+              </a:p>
+            </p:txBody>
+          </p:sp>
+        </mc:Fallback>
+      </mc:AlternateContent>
       <p:sp>
         <p:nvSpPr>
           <p:cNvPr id="4" name="Slide Number Placeholder 3"/>
@@ -8157,7 +9327,7 @@
           <a:p>
             <a:r>
               <a:rPr lang="en-US" dirty="0" smtClean="0"/>
-              <a:t>Analysis of Periodic Systems</a:t>
+              <a:t>Analysis of Periodic Systems (5/5)</a:t>
             </a:r>
             <a:endParaRPr lang="en-US" dirty="0"/>
           </a:p>

--- a/thesis/Defense.pptx
+++ b/thesis/Defense.pptx
@@ -869,26 +869,8 @@
           <a:lstStyle/>
           <a:p>
             <a:r>
-              <a:rPr lang="en-US" dirty="0" smtClean="0"/>
-              <a:t>2 component-based applications (shades of blue) split across 4 nodes in a cluster </a:t>
-            </a:r>
-          </a:p>
-          <a:p>
-            <a:endParaRPr lang="en-US" dirty="0" smtClean="0"/>
-          </a:p>
-          <a:p>
-            <a:r>
-              <a:rPr lang="en-US" dirty="0" smtClean="0"/>
-              <a:t>Apps communicate with each other</a:t>
-            </a:r>
-          </a:p>
-          <a:p>
-            <a:endParaRPr lang="en-US" dirty="0" smtClean="0"/>
-          </a:p>
-          <a:p>
-            <a:r>
-              <a:rPr lang="en-US" dirty="0" smtClean="0"/>
-              <a:t>All port traffic flows on the network</a:t>
+              <a:rPr lang="en-US" baseline="0" dirty="0" smtClean="0"/>
+              <a:t>Don’t get into depth about CPN or anything</a:t>
             </a:r>
             <a:endParaRPr lang="en-US" dirty="0"/>
           </a:p>
@@ -912,7 +894,7 @@
             <a:fld id="{BF235529-9E21-485D-85D0-B510246CE809}" type="slidenum">
               <a:rPr lang="en-US" smtClean="0"/>
               <a:pPr/>
-              <a:t>22</a:t>
+              <a:t>21</a:t>
             </a:fld>
             <a:endParaRPr lang="en-US"/>
           </a:p>
@@ -921,7 +903,7 @@
     </p:spTree>
     <p:extLst>
       <p:ext uri="{BB962C8B-B14F-4D97-AF65-F5344CB8AC3E}">
-        <p14:creationId xmlns:p14="http://schemas.microsoft.com/office/powerpoint/2010/main" val="101021381"/>
+        <p14:creationId xmlns:p14="http://schemas.microsoft.com/office/powerpoint/2010/main" val="1242748954"/>
       </p:ext>
     </p:extLst>
   </p:cSld>
@@ -976,8 +958,26 @@
           <a:lstStyle/>
           <a:p>
             <a:r>
-              <a:rPr lang="en-US" baseline="0" dirty="0" smtClean="0"/>
-              <a:t>Don’t get into depth about CPN or anything</a:t>
+              <a:rPr lang="en-US" dirty="0" smtClean="0"/>
+              <a:t>2 component-based applications (shades of blue) split across 4 nodes in a cluster </a:t>
+            </a:r>
+          </a:p>
+          <a:p>
+            <a:endParaRPr lang="en-US" dirty="0" smtClean="0"/>
+          </a:p>
+          <a:p>
+            <a:r>
+              <a:rPr lang="en-US" dirty="0" smtClean="0"/>
+              <a:t>Apps communicate with each other</a:t>
+            </a:r>
+          </a:p>
+          <a:p>
+            <a:endParaRPr lang="en-US" dirty="0" smtClean="0"/>
+          </a:p>
+          <a:p>
+            <a:r>
+              <a:rPr lang="en-US" dirty="0" smtClean="0"/>
+              <a:t>All port traffic flows on the network</a:t>
             </a:r>
             <a:endParaRPr lang="en-US" dirty="0"/>
           </a:p>
@@ -1001,7 +1001,7 @@
             <a:fld id="{BF235529-9E21-485D-85D0-B510246CE809}" type="slidenum">
               <a:rPr lang="en-US" smtClean="0"/>
               <a:pPr/>
-              <a:t>23</a:t>
+              <a:t>22</a:t>
             </a:fld>
             <a:endParaRPr lang="en-US"/>
           </a:p>
@@ -1064,6 +1064,95 @@
           <a:bodyPr/>
           <a:lstStyle/>
           <a:p>
+            <a:r>
+              <a:rPr lang="en-US" baseline="0" dirty="0" smtClean="0"/>
+              <a:t>Don’t get into depth about CPN or anything</a:t>
+            </a:r>
+            <a:endParaRPr lang="en-US" dirty="0"/>
+          </a:p>
+        </p:txBody>
+      </p:sp>
+      <p:sp>
+        <p:nvSpPr>
+          <p:cNvPr id="4" name="Slide Number Placeholder 3"/>
+          <p:cNvSpPr>
+            <a:spLocks noGrp="1"/>
+          </p:cNvSpPr>
+          <p:nvPr>
+            <p:ph type="sldNum" sz="quarter" idx="10"/>
+          </p:nvPr>
+        </p:nvSpPr>
+        <p:spPr/>
+        <p:txBody>
+          <a:bodyPr/>
+          <a:lstStyle/>
+          <a:p>
+            <a:fld id="{BF235529-9E21-485D-85D0-B510246CE809}" type="slidenum">
+              <a:rPr lang="en-US" smtClean="0"/>
+              <a:pPr/>
+              <a:t>23</a:t>
+            </a:fld>
+            <a:endParaRPr lang="en-US"/>
+          </a:p>
+        </p:txBody>
+      </p:sp>
+    </p:spTree>
+    <p:extLst>
+      <p:ext uri="{BB962C8B-B14F-4D97-AF65-F5344CB8AC3E}">
+        <p14:creationId xmlns:p14="http://schemas.microsoft.com/office/powerpoint/2010/main" val="101021381"/>
+      </p:ext>
+    </p:extLst>
+  </p:cSld>
+  <p:clrMapOvr>
+    <a:masterClrMapping/>
+  </p:clrMapOvr>
+</p:notes>
+</file>
+
+<file path=ppt/notesSlides/notesSlide13.xml><?xml version="1.0" encoding="utf-8"?>
+<p:notes xmlns:a="http://schemas.openxmlformats.org/drawingml/2006/main" xmlns:r="http://schemas.openxmlformats.org/officeDocument/2006/relationships" xmlns:p="http://schemas.openxmlformats.org/presentationml/2006/main">
+  <p:cSld>
+    <p:spTree>
+      <p:nvGrpSpPr>
+        <p:cNvPr id="1" name=""/>
+        <p:cNvGrpSpPr/>
+        <p:nvPr/>
+      </p:nvGrpSpPr>
+      <p:grpSpPr>
+        <a:xfrm>
+          <a:off x="0" y="0"/>
+          <a:ext cx="0" cy="0"/>
+          <a:chOff x="0" y="0"/>
+          <a:chExt cx="0" cy="0"/>
+        </a:xfrm>
+      </p:grpSpPr>
+      <p:sp>
+        <p:nvSpPr>
+          <p:cNvPr id="2" name="Slide Image Placeholder 1"/>
+          <p:cNvSpPr>
+            <a:spLocks noGrp="1" noRot="1" noChangeAspect="1"/>
+          </p:cNvSpPr>
+          <p:nvPr>
+            <p:ph type="sldImg"/>
+          </p:nvPr>
+        </p:nvSpPr>
+        <p:spPr/>
+      </p:sp>
+      <p:sp>
+        <p:nvSpPr>
+          <p:cNvPr id="3" name="Notes Placeholder 2"/>
+          <p:cNvSpPr>
+            <a:spLocks noGrp="1"/>
+          </p:cNvSpPr>
+          <p:nvPr>
+            <p:ph type="body" idx="1"/>
+          </p:nvPr>
+        </p:nvSpPr>
+        <p:spPr/>
+        <p:txBody>
+          <a:bodyPr/>
+          <a:lstStyle/>
+          <a:p>
             <a:endParaRPr lang="en-US" dirty="0"/>
           </a:p>
         </p:txBody>
@@ -1105,7 +1194,7 @@
 </p:notes>
 </file>
 
-<file path=ppt/notesSlides/notesSlide13.xml><?xml version="1.0" encoding="utf-8"?>
+<file path=ppt/notesSlides/notesSlide14.xml><?xml version="1.0" encoding="utf-8"?>
 <p:notes xmlns:a="http://schemas.openxmlformats.org/drawingml/2006/main" xmlns:r="http://schemas.openxmlformats.org/officeDocument/2006/relationships" xmlns:p="http://schemas.openxmlformats.org/presentationml/2006/main">
   <p:cSld>
     <p:spTree>
@@ -2374,28 +2463,90 @@
           <a:bodyPr/>
           <a:lstStyle/>
           <a:p>
-            <a:r>
-              <a:rPr lang="en-US" dirty="0" smtClean="0"/>
-              <a:t>Need to mention how we measure buffer space requirements: using Linux’s built-in measurement tools</a:t>
-            </a:r>
-          </a:p>
-          <a:p>
+            <a:pPr marL="171450" marR="0" lvl="1" indent="-171450" algn="l" defTabSz="914400" rtl="0" eaLnBrk="1" fontAlgn="auto" latinLnBrk="0" hangingPunct="1">
+              <a:lnSpc>
+                <a:spcPct val="100000"/>
+              </a:lnSpc>
+              <a:spcBef>
+                <a:spcPts val="0"/>
+              </a:spcBef>
+              <a:spcAft>
+                <a:spcPts val="0"/>
+              </a:spcAft>
+              <a:buClrTx/>
+              <a:buSzTx/>
+              <a:buFont typeface="Arial" panose="020B0604020202020204" pitchFamily="34" charset="0"/>
+              <a:buChar char="•"/>
+              <a:tabLst/>
+              <a:defRPr/>
+            </a:pPr>
+            <a:r>
+              <a:rPr lang="en-US" dirty="0" smtClean="0"/>
+              <a:t>the remaining capacity of the system at the end of the </a:t>
+            </a:r>
+            <a:r>
+              <a:rPr lang="en-US" dirty="0" err="1" smtClean="0"/>
+              <a:t>hyperperiod</a:t>
+            </a:r>
+            <a:r>
+              <a:rPr lang="en-US" dirty="0" smtClean="0"/>
+              <a:t> is less than the amount of data in the buffer at the end of the period</a:t>
+            </a:r>
+          </a:p>
+          <a:p>
+            <a:pPr marL="171450" marR="0" lvl="1" indent="-171450" algn="l" defTabSz="914400" rtl="0" eaLnBrk="1" fontAlgn="auto" latinLnBrk="0" hangingPunct="1">
+              <a:lnSpc>
+                <a:spcPct val="100000"/>
+              </a:lnSpc>
+              <a:spcBef>
+                <a:spcPts val="0"/>
+              </a:spcBef>
+              <a:spcAft>
+                <a:spcPts val="0"/>
+              </a:spcAft>
+              <a:buClrTx/>
+              <a:buSzTx/>
+              <a:buFont typeface="Arial" panose="020B0604020202020204" pitchFamily="34" charset="0"/>
+              <a:buChar char="•"/>
+              <a:tabLst/>
+              <a:defRPr/>
+            </a:pPr>
             <a:endParaRPr lang="en-US" dirty="0" smtClean="0"/>
           </a:p>
           <a:p>
-            <a:r>
-              <a:rPr lang="en-US" dirty="0" smtClean="0"/>
-              <a:t>Model same application with RTC and </a:t>
-            </a:r>
-            <a:r>
-              <a:rPr lang="en-US" dirty="0" smtClean="0"/>
-              <a:t>PNP</a:t>
-            </a:r>
-            <a:r>
-              <a:rPr lang="en-US" baseline="30000" dirty="0" smtClean="0"/>
-              <a:t>2</a:t>
+            <a:pPr marL="171450" marR="0" lvl="1" indent="-171450" algn="l" defTabSz="914400" rtl="0" eaLnBrk="1" fontAlgn="auto" latinLnBrk="0" hangingPunct="1">
+              <a:lnSpc>
+                <a:spcPct val="100000"/>
+              </a:lnSpc>
+              <a:spcBef>
+                <a:spcPts val="0"/>
+              </a:spcBef>
+              <a:spcAft>
+                <a:spcPts val="0"/>
+              </a:spcAft>
+              <a:buClrTx/>
+              <a:buSzTx/>
+              <a:buFont typeface="Arial" panose="020B0604020202020204" pitchFamily="34" charset="0"/>
+              <a:buChar char="•"/>
+              <a:tabLst/>
+              <a:defRPr/>
+            </a:pPr>
+            <a:r>
+              <a:rPr lang="en-US" dirty="0" smtClean="0"/>
+              <a:t>In</a:t>
+            </a:r>
+            <a:r>
+              <a:rPr lang="en-US" baseline="0" dirty="0" smtClean="0"/>
+              <a:t> addition to the period’s required </a:t>
+            </a:r>
+            <a:r>
+              <a:rPr lang="en-US" baseline="0" dirty="0" err="1" smtClean="0"/>
+              <a:t>trafffic</a:t>
             </a:r>
             <a:endParaRPr lang="en-US" dirty="0" smtClean="0"/>
+          </a:p>
+          <a:p>
+            <a:endParaRPr lang="en-US" dirty="0"/>
           </a:p>
         </p:txBody>
       </p:sp>
@@ -2417,7 +2568,7 @@
             <a:fld id="{BF235529-9E21-485D-85D0-B510246CE809}" type="slidenum">
               <a:rPr lang="en-US" smtClean="0"/>
               <a:pPr/>
-              <a:t>20</a:t>
+              <a:t>18</a:t>
             </a:fld>
             <a:endParaRPr lang="en-US"/>
           </a:p>
@@ -2426,7 +2577,7 @@
     </p:spTree>
     <p:extLst>
       <p:ext uri="{BB962C8B-B14F-4D97-AF65-F5344CB8AC3E}">
-        <p14:creationId xmlns:p14="http://schemas.microsoft.com/office/powerpoint/2010/main" val="222063346"/>
+        <p14:creationId xmlns:p14="http://schemas.microsoft.com/office/powerpoint/2010/main" val="677231793"/>
       </p:ext>
     </p:extLst>
   </p:cSld>
@@ -2481,10 +2632,27 @@
           <a:lstStyle/>
           <a:p>
             <a:r>
-              <a:rPr lang="en-US" baseline="0" dirty="0" smtClean="0"/>
-              <a:t>Don’t get into depth about CPN or anything</a:t>
-            </a:r>
-            <a:endParaRPr lang="en-US" dirty="0"/>
+              <a:rPr lang="en-US" dirty="0" smtClean="0"/>
+              <a:t>Need to mention how we measure buffer space requirements: using Linux’s built-in measurement tools</a:t>
+            </a:r>
+          </a:p>
+          <a:p>
+            <a:endParaRPr lang="en-US" dirty="0" smtClean="0"/>
+          </a:p>
+          <a:p>
+            <a:r>
+              <a:rPr lang="en-US" dirty="0" smtClean="0"/>
+              <a:t>Model same application with RTC and </a:t>
+            </a:r>
+            <a:r>
+              <a:rPr lang="en-US" dirty="0" smtClean="0"/>
+              <a:t>PNP</a:t>
+            </a:r>
+            <a:r>
+              <a:rPr lang="en-US" baseline="30000" dirty="0" smtClean="0"/>
+              <a:t>2</a:t>
+            </a:r>
+            <a:endParaRPr lang="en-US" dirty="0" smtClean="0"/>
           </a:p>
         </p:txBody>
       </p:sp>
@@ -2506,7 +2674,7 @@
             <a:fld id="{BF235529-9E21-485D-85D0-B510246CE809}" type="slidenum">
               <a:rPr lang="en-US" smtClean="0"/>
               <a:pPr/>
-              <a:t>21</a:t>
+              <a:t>20</a:t>
             </a:fld>
             <a:endParaRPr lang="en-US"/>
           </a:p>
@@ -2515,7 +2683,7 @@
     </p:spTree>
     <p:extLst>
       <p:ext uri="{BB962C8B-B14F-4D97-AF65-F5344CB8AC3E}">
-        <p14:creationId xmlns:p14="http://schemas.microsoft.com/office/powerpoint/2010/main" val="1242748954"/>
+        <p14:creationId xmlns:p14="http://schemas.microsoft.com/office/powerpoint/2010/main" val="222063346"/>
       </p:ext>
     </p:extLst>
   </p:cSld>
@@ -8636,7 +8804,7 @@
                 <a:pPr lvl="1"/>
                 <a:r>
                   <a:rPr lang="en-US" dirty="0" smtClean="0"/>
-                  <a:t>Repeating functions result from integrating periodic functions; similarly they produce periodic functions when differentiated</a:t>
+                  <a:t>Repeating functions result from integrating periodic functions; they produce periodic functions when differentiated</a:t>
                 </a:r>
               </a:p>
               <a:p>
@@ -8995,31 +9163,12 @@
                 <a:pPr lvl="1"/>
                 <a14:m>
                   <m:oMath xmlns:m="http://schemas.openxmlformats.org/officeDocument/2006/math">
-                    <m:sSub>
-                      <m:sSubPr>
-                        <m:ctrlPr>
-                          <a:rPr lang="en-US" b="0" i="1" smtClean="0">
-                            <a:latin typeface="Cambria Math" panose="02040503050406030204" pitchFamily="18" charset="0"/>
-                          </a:rPr>
-                        </m:ctrlPr>
-                      </m:sSubPr>
-                      <m:e>
-                        <m:r>
-                          <a:rPr lang="en-US" b="0" i="1" smtClean="0">
-                            <a:latin typeface="Cambria Math" panose="02040503050406030204" pitchFamily="18" charset="0"/>
-                          </a:rPr>
-                          <m:t>𝑇</m:t>
-                        </m:r>
-                      </m:e>
-                      <m:sub>
-                        <m:r>
-                          <a:rPr lang="en-US" b="0" i="1" smtClean="0">
-                            <a:latin typeface="Cambria Math" panose="02040503050406030204" pitchFamily="18" charset="0"/>
-                          </a:rPr>
-                          <m:t>𝑝</m:t>
-                        </m:r>
-                      </m:sub>
-                    </m:sSub>
+                    <m:r>
+                      <a:rPr lang="en-US" b="0" i="1" smtClean="0">
+                        <a:latin typeface="Cambria Math" panose="02040503050406030204" pitchFamily="18" charset="0"/>
+                      </a:rPr>
+                      <m:t>𝑇</m:t>
+                    </m:r>
                   </m:oMath>
                 </a14:m>
                 <a:r>
@@ -9102,31 +9251,15 @@
                 </a:r>
                 <a14:m>
                   <m:oMath xmlns:m="http://schemas.openxmlformats.org/officeDocument/2006/math">
-                    <m:sSub>
-                      <m:sSubPr>
-                        <m:ctrlPr>
-                          <a:rPr lang="en-US" b="0" i="1" smtClean="0">
-                            <a:latin typeface="Cambria Math" panose="02040503050406030204" pitchFamily="18" charset="0"/>
-                          </a:rPr>
-                        </m:ctrlPr>
-                      </m:sSubPr>
-                      <m:e>
-                        <m:r>
-                          <a:rPr lang="en-US" b="0" i="1" smtClean="0">
-                            <a:latin typeface="Cambria Math" panose="02040503050406030204" pitchFamily="18" charset="0"/>
-                          </a:rPr>
-                          <m:t>𝑇</m:t>
-                        </m:r>
-                      </m:e>
-                      <m:sub>
-                        <m:r>
-                          <a:rPr lang="en-US" b="0" i="1" smtClean="0">
-                            <a:latin typeface="Cambria Math" panose="02040503050406030204" pitchFamily="18" charset="0"/>
-                          </a:rPr>
-                          <m:t>𝑃</m:t>
-                        </m:r>
-                      </m:sub>
-                    </m:sSub>
+                    <m:r>
+                      <m:rPr>
+                        <m:sty m:val="p"/>
+                      </m:rPr>
+                      <a:rPr lang="en-US" b="0" i="0" smtClean="0">
+                        <a:latin typeface="Cambria Math" panose="02040503050406030204" pitchFamily="18" charset="0"/>
+                      </a:rPr>
+                      <m:t>T</m:t>
+                    </m:r>
                     <m:r>
                       <a:rPr lang="en-US" b="0" i="0" smtClean="0">
                         <a:latin typeface="Cambria Math" panose="02040503050406030204" pitchFamily="18" charset="0"/>
@@ -9229,7 +9362,7 @@
               <a:blipFill>
                 <a:blip r:embed="rId2"/>
                 <a:stretch>
-                  <a:fillRect l="-189" t="-1120" r="-1134" b="-13025"/>
+                  <a:fillRect l="-189" t="-1120" r="-95" b="-12745"/>
                 </a:stretch>
               </a:blipFill>
             </p:spPr>
@@ -9333,27 +9466,1377 @@
           </a:p>
         </p:txBody>
       </p:sp>
-      <p:sp>
-        <p:nvSpPr>
-          <p:cNvPr id="3" name="Content Placeholder 2"/>
-          <p:cNvSpPr>
-            <a:spLocks noGrp="1"/>
-          </p:cNvSpPr>
-          <p:nvPr>
-            <p:ph idx="1"/>
-          </p:nvPr>
-        </p:nvSpPr>
-        <p:spPr/>
-        <p:txBody>
-          <a:bodyPr>
-            <a:normAutofit/>
-          </a:bodyPr>
-          <a:lstStyle/>
-          <a:p>
-            <a:endParaRPr lang="en-US" dirty="0" smtClean="0"/>
-          </a:p>
-        </p:txBody>
-      </p:sp>
+      <mc:AlternateContent xmlns:mc="http://schemas.openxmlformats.org/markup-compatibility/2006">
+        <mc:Choice xmlns:a14="http://schemas.microsoft.com/office/drawing/2010/main" Requires="a14">
+          <p:sp>
+            <p:nvSpPr>
+              <p:cNvPr id="3" name="Content Placeholder 2"/>
+              <p:cNvSpPr>
+                <a:spLocks noGrp="1"/>
+              </p:cNvSpPr>
+              <p:nvPr>
+                <p:ph idx="1"/>
+              </p:nvPr>
+            </p:nvSpPr>
+            <p:spPr/>
+            <p:txBody>
+              <a:bodyPr>
+                <a:noAutofit/>
+              </a:bodyPr>
+              <a:lstStyle/>
+              <a:p>
+                <a:r>
+                  <a:rPr lang="en-US" dirty="0" smtClean="0"/>
+                  <a:t>Consider the scenario when </a:t>
+                </a:r>
+                <a14:m>
+                  <m:oMath xmlns:m="http://schemas.openxmlformats.org/officeDocument/2006/math">
+                    <m:r>
+                      <a:rPr lang="en-US" b="0" i="1" smtClean="0">
+                        <a:latin typeface="Cambria Math" panose="02040503050406030204" pitchFamily="18" charset="0"/>
+                      </a:rPr>
+                      <m:t>𝑅</m:t>
+                    </m:r>
+                    <m:d>
+                      <m:dPr>
+                        <m:begChr m:val="["/>
+                        <m:endChr m:val="]"/>
+                        <m:ctrlPr>
+                          <a:rPr lang="en-US" b="0" i="1" smtClean="0">
+                            <a:latin typeface="Cambria Math" panose="02040503050406030204" pitchFamily="18" charset="0"/>
+                          </a:rPr>
+                        </m:ctrlPr>
+                      </m:dPr>
+                      <m:e>
+                        <m:r>
+                          <a:rPr lang="en-US" b="0" i="1" smtClean="0">
+                            <a:latin typeface="Cambria Math" panose="02040503050406030204" pitchFamily="18" charset="0"/>
+                          </a:rPr>
+                          <m:t>𝑇</m:t>
+                        </m:r>
+                      </m:e>
+                    </m:d>
+                    <m:r>
+                      <a:rPr lang="en-US" b="0" i="1" smtClean="0">
+                        <a:latin typeface="Cambria Math" panose="02040503050406030204" pitchFamily="18" charset="0"/>
+                      </a:rPr>
+                      <m:t>&lt;</m:t>
+                    </m:r>
+                    <m:r>
+                      <a:rPr lang="en-US" b="0" i="1" smtClean="0">
+                        <a:latin typeface="Cambria Math" panose="02040503050406030204" pitchFamily="18" charset="0"/>
+                      </a:rPr>
+                      <m:t>𝐵</m:t>
+                    </m:r>
+                    <m:r>
+                      <a:rPr lang="en-US" b="0" i="1" smtClean="0">
+                        <a:latin typeface="Cambria Math" panose="02040503050406030204" pitchFamily="18" charset="0"/>
+                      </a:rPr>
+                      <m:t>[</m:t>
+                    </m:r>
+                    <m:r>
+                      <a:rPr lang="en-US" b="0" i="1" smtClean="0">
+                        <a:latin typeface="Cambria Math" panose="02040503050406030204" pitchFamily="18" charset="0"/>
+                      </a:rPr>
+                      <m:t>𝑇</m:t>
+                    </m:r>
+                    <m:r>
+                      <a:rPr lang="en-US" b="0" i="1" smtClean="0">
+                        <a:latin typeface="Cambria Math" panose="02040503050406030204" pitchFamily="18" charset="0"/>
+                      </a:rPr>
+                      <m:t>]</m:t>
+                    </m:r>
+                  </m:oMath>
+                </a14:m>
+                <a:r>
+                  <a:rPr lang="en-US" dirty="0" smtClean="0"/>
+                  <a:t>, </a:t>
+                </a:r>
+              </a:p>
+              <a:p>
+                <a:pPr lvl="1"/>
+                <a14:m>
+                  <m:oMath xmlns:m="http://schemas.openxmlformats.org/officeDocument/2006/math">
+                    <m:r>
+                      <a:rPr lang="en-US" b="0" i="1" smtClean="0">
+                        <a:latin typeface="Cambria Math" panose="02040503050406030204" pitchFamily="18" charset="0"/>
+                      </a:rPr>
+                      <m:t>𝑅</m:t>
+                    </m:r>
+                    <m:r>
+                      <a:rPr lang="en-US" b="0" i="1" smtClean="0">
+                        <a:latin typeface="Cambria Math" panose="02040503050406030204" pitchFamily="18" charset="0"/>
+                      </a:rPr>
+                      <m:t>[</m:t>
+                    </m:r>
+                    <m:r>
+                      <a:rPr lang="en-US" b="0" i="1" smtClean="0">
+                        <a:latin typeface="Cambria Math" panose="02040503050406030204" pitchFamily="18" charset="0"/>
+                      </a:rPr>
+                      <m:t>𝑇</m:t>
+                    </m:r>
+                    <m:r>
+                      <a:rPr lang="en-US" b="0" i="1" smtClean="0">
+                        <a:latin typeface="Cambria Math" panose="02040503050406030204" pitchFamily="18" charset="0"/>
+                      </a:rPr>
+                      <m:t>]</m:t>
+                    </m:r>
+                  </m:oMath>
+                </a14:m>
+                <a:r>
+                  <a:rPr lang="en-US" dirty="0" smtClean="0"/>
+                  <a:t> is a measure of how much extra data the system can transmit in a given period</a:t>
+                </a:r>
+                <a:r>
+                  <a:rPr lang="en-US" dirty="0"/>
+                  <a:t>;</a:t>
+                </a:r>
+                <a:r>
+                  <a:rPr lang="en-US" dirty="0" smtClean="0"/>
+                  <a:t> </a:t>
+                </a:r>
+                <a:r>
+                  <a:rPr lang="en-US" dirty="0" smtClean="0"/>
+                  <a:t>not all of the data in the buffer will have been serviced by the end of the second period, therefore </a:t>
+                </a:r>
+                <a14:m>
+                  <m:oMath xmlns:m="http://schemas.openxmlformats.org/officeDocument/2006/math">
+                    <m:r>
+                      <a:rPr lang="en-US" b="0" i="1" smtClean="0">
+                        <a:latin typeface="Cambria Math" panose="02040503050406030204" pitchFamily="18" charset="0"/>
+                      </a:rPr>
+                      <m:t>𝐵</m:t>
+                    </m:r>
+                    <m:d>
+                      <m:dPr>
+                        <m:begChr m:val="["/>
+                        <m:endChr m:val="]"/>
+                        <m:ctrlPr>
+                          <a:rPr lang="en-US" b="0" i="1" smtClean="0">
+                            <a:latin typeface="Cambria Math" panose="02040503050406030204" pitchFamily="18" charset="0"/>
+                          </a:rPr>
+                        </m:ctrlPr>
+                      </m:dPr>
+                      <m:e>
+                        <m:r>
+                          <a:rPr lang="en-US" b="0" i="1" smtClean="0">
+                            <a:latin typeface="Cambria Math" panose="02040503050406030204" pitchFamily="18" charset="0"/>
+                          </a:rPr>
+                          <m:t>2∗</m:t>
+                        </m:r>
+                        <m:r>
+                          <a:rPr lang="en-US" b="0" i="1" smtClean="0">
+                            <a:latin typeface="Cambria Math" panose="02040503050406030204" pitchFamily="18" charset="0"/>
+                          </a:rPr>
+                          <m:t>𝑇</m:t>
+                        </m:r>
+                      </m:e>
+                    </m:d>
+                    <m:r>
+                      <a:rPr lang="en-US" b="0" i="1" smtClean="0">
+                        <a:latin typeface="Cambria Math" panose="02040503050406030204" pitchFamily="18" charset="0"/>
+                      </a:rPr>
+                      <m:t>&gt;</m:t>
+                    </m:r>
+                    <m:r>
+                      <a:rPr lang="en-US" b="0" i="1" smtClean="0">
+                        <a:latin typeface="Cambria Math" panose="02040503050406030204" pitchFamily="18" charset="0"/>
+                      </a:rPr>
+                      <m:t>𝐵</m:t>
+                    </m:r>
+                    <m:r>
+                      <a:rPr lang="en-US" b="0" i="1" smtClean="0">
+                        <a:latin typeface="Cambria Math" panose="02040503050406030204" pitchFamily="18" charset="0"/>
+                      </a:rPr>
+                      <m:t>[</m:t>
+                    </m:r>
+                    <m:r>
+                      <a:rPr lang="en-US" b="0" i="1" smtClean="0">
+                        <a:latin typeface="Cambria Math" panose="02040503050406030204" pitchFamily="18" charset="0"/>
+                      </a:rPr>
+                      <m:t>𝑇</m:t>
+                    </m:r>
+                    <m:r>
+                      <a:rPr lang="en-US" b="0" i="1" smtClean="0">
+                        <a:latin typeface="Cambria Math" panose="02040503050406030204" pitchFamily="18" charset="0"/>
+                      </a:rPr>
+                      <m:t>]</m:t>
+                    </m:r>
+                  </m:oMath>
+                </a14:m>
+                <a:endParaRPr lang="en-US" dirty="0" smtClean="0"/>
+              </a:p>
+              <a:p>
+                <a:pPr lvl="1"/>
+                <a:r>
+                  <a:rPr lang="en-US" dirty="0" smtClean="0"/>
+                  <a:t>For any two successive periods, </a:t>
+                </a:r>
+                <a14:m>
+                  <m:oMath xmlns:m="http://schemas.openxmlformats.org/officeDocument/2006/math">
+                    <m:r>
+                      <a:rPr lang="en-US" b="0" i="1" smtClean="0">
+                        <a:latin typeface="Cambria Math" panose="02040503050406030204" pitchFamily="18" charset="0"/>
+                      </a:rPr>
+                      <m:t>𝑛</m:t>
+                    </m:r>
+                    <m:r>
+                      <a:rPr lang="en-US" b="0" i="1" smtClean="0">
+                        <a:latin typeface="Cambria Math" panose="02040503050406030204" pitchFamily="18" charset="0"/>
+                      </a:rPr>
+                      <m:t>∗</m:t>
+                    </m:r>
+                    <m:r>
+                      <a:rPr lang="en-US" b="0" i="1" smtClean="0">
+                        <a:latin typeface="Cambria Math" panose="02040503050406030204" pitchFamily="18" charset="0"/>
+                      </a:rPr>
+                      <m:t>𝑇</m:t>
+                    </m:r>
+                  </m:oMath>
+                </a14:m>
+                <a:r>
+                  <a:rPr lang="en-US" dirty="0" smtClean="0"/>
+                  <a:t> and </a:t>
+                </a:r>
+                <a14:m>
+                  <m:oMath xmlns:m="http://schemas.openxmlformats.org/officeDocument/2006/math">
+                    <m:d>
+                      <m:dPr>
+                        <m:ctrlPr>
+                          <a:rPr lang="en-US" b="0" i="1" smtClean="0">
+                            <a:latin typeface="Cambria Math" panose="02040503050406030204" pitchFamily="18" charset="0"/>
+                          </a:rPr>
+                        </m:ctrlPr>
+                      </m:dPr>
+                      <m:e>
+                        <m:r>
+                          <a:rPr lang="en-US" b="0" i="1" smtClean="0">
+                            <a:latin typeface="Cambria Math" panose="02040503050406030204" pitchFamily="18" charset="0"/>
+                          </a:rPr>
+                          <m:t>𝑛</m:t>
+                        </m:r>
+                        <m:r>
+                          <a:rPr lang="en-US" b="0" i="1" smtClean="0">
+                            <a:latin typeface="Cambria Math" panose="02040503050406030204" pitchFamily="18" charset="0"/>
+                          </a:rPr>
+                          <m:t>+1</m:t>
+                        </m:r>
+                      </m:e>
+                    </m:d>
+                    <m:r>
+                      <a:rPr lang="en-US" b="0" i="1" smtClean="0">
+                        <a:latin typeface="Cambria Math" panose="02040503050406030204" pitchFamily="18" charset="0"/>
+                      </a:rPr>
+                      <m:t>∗</m:t>
+                    </m:r>
+                    <m:r>
+                      <a:rPr lang="en-US" b="0" i="1" smtClean="0">
+                        <a:latin typeface="Cambria Math" panose="02040503050406030204" pitchFamily="18" charset="0"/>
+                      </a:rPr>
+                      <m:t>𝑇</m:t>
+                    </m:r>
+                    <m:r>
+                      <a:rPr lang="en-US" b="0" i="1" smtClean="0">
+                        <a:latin typeface="Cambria Math" panose="02040503050406030204" pitchFamily="18" charset="0"/>
+                      </a:rPr>
+                      <m:t>:</m:t>
+                    </m:r>
+                  </m:oMath>
+                </a14:m>
+                <a:r>
+                  <a:rPr lang="en-US" b="0" dirty="0" smtClean="0"/>
+                  <a:t/>
+                </a:r>
+                <a:br>
+                  <a:rPr lang="en-US" b="0" dirty="0" smtClean="0"/>
+                </a:br>
+                <a14:m>
+                  <m:oMath xmlns:m="http://schemas.openxmlformats.org/officeDocument/2006/math">
+                    <m:r>
+                      <a:rPr lang="en-US" b="0" i="1" smtClean="0">
+                        <a:latin typeface="Cambria Math" panose="02040503050406030204" pitchFamily="18" charset="0"/>
+                      </a:rPr>
+                      <m:t>𝐵</m:t>
+                    </m:r>
+                    <m:d>
+                      <m:dPr>
+                        <m:begChr m:val="["/>
+                        <m:endChr m:val="]"/>
+                        <m:ctrlPr>
+                          <a:rPr lang="en-US" b="0" i="1" smtClean="0">
+                            <a:latin typeface="Cambria Math" panose="02040503050406030204" pitchFamily="18" charset="0"/>
+                          </a:rPr>
+                        </m:ctrlPr>
+                      </m:dPr>
+                      <m:e>
+                        <m:r>
+                          <a:rPr lang="en-US" b="0" i="1" smtClean="0">
+                            <a:latin typeface="Cambria Math" panose="02040503050406030204" pitchFamily="18" charset="0"/>
+                          </a:rPr>
+                          <m:t>(</m:t>
+                        </m:r>
+                        <m:r>
+                          <a:rPr lang="en-US" b="0" i="1" smtClean="0">
+                            <a:latin typeface="Cambria Math" panose="02040503050406030204" pitchFamily="18" charset="0"/>
+                          </a:rPr>
+                          <m:t>𝑛</m:t>
+                        </m:r>
+                        <m:r>
+                          <a:rPr lang="en-US" b="0" i="1" smtClean="0">
+                            <a:latin typeface="Cambria Math" panose="02040503050406030204" pitchFamily="18" charset="0"/>
+                          </a:rPr>
+                          <m:t>+1)∗</m:t>
+                        </m:r>
+                        <m:r>
+                          <a:rPr lang="en-US" b="0" i="1" smtClean="0">
+                            <a:latin typeface="Cambria Math" panose="02040503050406030204" pitchFamily="18" charset="0"/>
+                          </a:rPr>
+                          <m:t>𝑇</m:t>
+                        </m:r>
+                      </m:e>
+                    </m:d>
+                    <m:r>
+                      <a:rPr lang="en-US" b="0" i="1" smtClean="0">
+                        <a:latin typeface="Cambria Math" panose="02040503050406030204" pitchFamily="18" charset="0"/>
+                      </a:rPr>
+                      <m:t>&gt;</m:t>
+                    </m:r>
+                    <m:r>
+                      <a:rPr lang="en-US" b="0" i="1" smtClean="0">
+                        <a:latin typeface="Cambria Math" panose="02040503050406030204" pitchFamily="18" charset="0"/>
+                      </a:rPr>
+                      <m:t>𝐵</m:t>
+                    </m:r>
+                    <m:d>
+                      <m:dPr>
+                        <m:begChr m:val="["/>
+                        <m:endChr m:val="]"/>
+                        <m:ctrlPr>
+                          <a:rPr lang="en-US" b="0" i="1" smtClean="0">
+                            <a:latin typeface="Cambria Math" panose="02040503050406030204" pitchFamily="18" charset="0"/>
+                          </a:rPr>
+                        </m:ctrlPr>
+                      </m:dPr>
+                      <m:e>
+                        <m:r>
+                          <a:rPr lang="en-US" b="0" i="1" smtClean="0">
+                            <a:latin typeface="Cambria Math" panose="02040503050406030204" pitchFamily="18" charset="0"/>
+                          </a:rPr>
+                          <m:t>𝑛</m:t>
+                        </m:r>
+                        <m:r>
+                          <a:rPr lang="en-US" b="0" i="1" smtClean="0">
+                            <a:latin typeface="Cambria Math" panose="02040503050406030204" pitchFamily="18" charset="0"/>
+                          </a:rPr>
+                          <m:t>∗</m:t>
+                        </m:r>
+                        <m:r>
+                          <a:rPr lang="en-US" b="0" i="1" smtClean="0">
+                            <a:latin typeface="Cambria Math" panose="02040503050406030204" pitchFamily="18" charset="0"/>
+                          </a:rPr>
+                          <m:t>𝑇</m:t>
+                        </m:r>
+                      </m:e>
+                    </m:d>
+                  </m:oMath>
+                </a14:m>
+                <a:r>
+                  <a:rPr lang="en-US" b="0" dirty="0" smtClean="0"/>
+                  <a:t/>
+                </a:r>
+                <a:br>
+                  <a:rPr lang="en-US" b="0" dirty="0" smtClean="0"/>
+                </a:br>
+                <a14:m>
+                  <m:oMath xmlns:m="http://schemas.openxmlformats.org/officeDocument/2006/math">
+                    <m:r>
+                      <a:rPr lang="en-US" b="0" i="1" smtClean="0">
+                        <a:latin typeface="Cambria Math" panose="02040503050406030204" pitchFamily="18" charset="0"/>
+                      </a:rPr>
+                      <m:t>⇒</m:t>
+                    </m:r>
+                    <m:r>
+                      <a:rPr lang="en-US" b="0" i="1" smtClean="0">
+                        <a:latin typeface="Cambria Math" panose="02040503050406030204" pitchFamily="18" charset="0"/>
+                      </a:rPr>
+                      <m:t>𝐵</m:t>
+                    </m:r>
+                    <m:d>
+                      <m:dPr>
+                        <m:begChr m:val="["/>
+                        <m:endChr m:val="]"/>
+                        <m:ctrlPr>
+                          <a:rPr lang="en-US" b="0" i="1" smtClean="0">
+                            <a:latin typeface="Cambria Math" panose="02040503050406030204" pitchFamily="18" charset="0"/>
+                          </a:rPr>
+                        </m:ctrlPr>
+                      </m:dPr>
+                      <m:e>
+                        <m:r>
+                          <a:rPr lang="en-US" b="0" i="1" smtClean="0">
+                            <a:latin typeface="Cambria Math" panose="02040503050406030204" pitchFamily="18" charset="0"/>
+                          </a:rPr>
+                          <m:t>𝑚</m:t>
+                        </m:r>
+                        <m:r>
+                          <a:rPr lang="en-US" b="0" i="1" smtClean="0">
+                            <a:latin typeface="Cambria Math" panose="02040503050406030204" pitchFamily="18" charset="0"/>
+                          </a:rPr>
+                          <m:t>∗</m:t>
+                        </m:r>
+                        <m:r>
+                          <a:rPr lang="en-US" b="0" i="1" smtClean="0">
+                            <a:latin typeface="Cambria Math" panose="02040503050406030204" pitchFamily="18" charset="0"/>
+                          </a:rPr>
+                          <m:t>𝑇</m:t>
+                        </m:r>
+                      </m:e>
+                    </m:d>
+                    <m:r>
+                      <a:rPr lang="en-US" b="0" i="1" smtClean="0">
+                        <a:latin typeface="Cambria Math" panose="02040503050406030204" pitchFamily="18" charset="0"/>
+                      </a:rPr>
+                      <m:t>&gt;</m:t>
+                    </m:r>
+                    <m:r>
+                      <a:rPr lang="en-US" b="0" i="1" smtClean="0">
+                        <a:latin typeface="Cambria Math" panose="02040503050406030204" pitchFamily="18" charset="0"/>
+                      </a:rPr>
+                      <m:t>𝐵</m:t>
+                    </m:r>
+                    <m:d>
+                      <m:dPr>
+                        <m:begChr m:val="["/>
+                        <m:endChr m:val="]"/>
+                        <m:ctrlPr>
+                          <a:rPr lang="en-US" b="0" i="1" smtClean="0">
+                            <a:latin typeface="Cambria Math" panose="02040503050406030204" pitchFamily="18" charset="0"/>
+                          </a:rPr>
+                        </m:ctrlPr>
+                      </m:dPr>
+                      <m:e>
+                        <m:r>
+                          <a:rPr lang="en-US" b="0" i="1" smtClean="0">
+                            <a:latin typeface="Cambria Math" panose="02040503050406030204" pitchFamily="18" charset="0"/>
+                          </a:rPr>
+                          <m:t>𝑛</m:t>
+                        </m:r>
+                        <m:r>
+                          <a:rPr lang="en-US" b="0" i="1" smtClean="0">
+                            <a:latin typeface="Cambria Math" panose="02040503050406030204" pitchFamily="18" charset="0"/>
+                          </a:rPr>
+                          <m:t>∗</m:t>
+                        </m:r>
+                        <m:r>
+                          <a:rPr lang="en-US" b="0" i="1" smtClean="0">
+                            <a:latin typeface="Cambria Math" panose="02040503050406030204" pitchFamily="18" charset="0"/>
+                          </a:rPr>
+                          <m:t>𝑇</m:t>
+                        </m:r>
+                      </m:e>
+                    </m:d>
+                    <m:r>
+                      <a:rPr lang="en-US" i="1">
+                        <a:latin typeface="Cambria Math" panose="02040503050406030204" pitchFamily="18" charset="0"/>
+                      </a:rPr>
+                      <m:t>, ∀</m:t>
+                    </m:r>
+                    <m:r>
+                      <a:rPr lang="en-US" i="1">
+                        <a:latin typeface="Cambria Math" panose="02040503050406030204" pitchFamily="18" charset="0"/>
+                      </a:rPr>
+                      <m:t>𝑚</m:t>
+                    </m:r>
+                    <m:r>
+                      <a:rPr lang="en-US" i="1">
+                        <a:latin typeface="Cambria Math" panose="02040503050406030204" pitchFamily="18" charset="0"/>
+                      </a:rPr>
+                      <m:t>,</m:t>
+                    </m:r>
+                    <m:r>
+                      <a:rPr lang="en-US" i="1">
+                        <a:latin typeface="Cambria Math" panose="02040503050406030204" pitchFamily="18" charset="0"/>
+                      </a:rPr>
+                      <m:t>𝑛</m:t>
+                    </m:r>
+                    <m:r>
+                      <a:rPr lang="en-US" i="1">
+                        <a:latin typeface="Cambria Math" panose="02040503050406030204" pitchFamily="18" charset="0"/>
+                      </a:rPr>
+                      <m:t>∈</m:t>
+                    </m:r>
+                    <m:r>
+                      <a:rPr lang="en-US" i="1">
+                        <a:latin typeface="Cambria Math" panose="02040503050406030204" pitchFamily="18" charset="0"/>
+                      </a:rPr>
+                      <m:t>ℕ</m:t>
+                    </m:r>
+                    <m:r>
+                      <a:rPr lang="en-US" b="0" i="1" smtClean="0">
+                        <a:latin typeface="Cambria Math" panose="02040503050406030204" pitchFamily="18" charset="0"/>
+                      </a:rPr>
+                      <m:t>:</m:t>
+                    </m:r>
+                    <m:r>
+                      <a:rPr lang="en-US" b="0" i="1" smtClean="0">
+                        <a:latin typeface="Cambria Math" panose="02040503050406030204" pitchFamily="18" charset="0"/>
+                      </a:rPr>
+                      <m:t>𝑚</m:t>
+                    </m:r>
+                    <m:r>
+                      <a:rPr lang="en-US" i="1">
+                        <a:latin typeface="Cambria Math" panose="02040503050406030204" pitchFamily="18" charset="0"/>
+                      </a:rPr>
+                      <m:t>&gt;</m:t>
+                    </m:r>
+                    <m:r>
+                      <a:rPr lang="en-US" i="1">
+                        <a:latin typeface="Cambria Math" panose="02040503050406030204" pitchFamily="18" charset="0"/>
+                      </a:rPr>
+                      <m:t>𝑛</m:t>
+                    </m:r>
+                    <m:r>
+                      <a:rPr lang="en-US" i="1">
+                        <a:latin typeface="Cambria Math" panose="02040503050406030204" pitchFamily="18" charset="0"/>
+                      </a:rPr>
+                      <m:t>&gt;0</m:t>
+                    </m:r>
+                  </m:oMath>
+                </a14:m>
+                <a:r>
+                  <a:rPr lang="en-US" dirty="0" smtClean="0"/>
+                  <a:t/>
+                </a:r>
+                <a:br>
+                  <a:rPr lang="en-US" dirty="0" smtClean="0"/>
+                </a:br>
+                <a14:m>
+                  <m:oMath xmlns:m="http://schemas.openxmlformats.org/officeDocument/2006/math">
+                    <m:r>
+                      <a:rPr lang="en-US" b="0" i="1" smtClean="0">
+                        <a:latin typeface="Cambria Math" panose="02040503050406030204" pitchFamily="18" charset="0"/>
+                      </a:rPr>
+                      <m:t>⇒</m:t>
+                    </m:r>
+                    <m:r>
+                      <a:rPr lang="en-US" b="0" i="1" smtClean="0">
+                        <a:latin typeface="Cambria Math" panose="02040503050406030204" pitchFamily="18" charset="0"/>
+                      </a:rPr>
+                      <m:t>𝐵</m:t>
+                    </m:r>
+                    <m:d>
+                      <m:dPr>
+                        <m:begChr m:val="["/>
+                        <m:endChr m:val="]"/>
+                        <m:ctrlPr>
+                          <a:rPr lang="en-US" b="0" i="1" smtClean="0">
+                            <a:latin typeface="Cambria Math" panose="02040503050406030204" pitchFamily="18" charset="0"/>
+                          </a:rPr>
+                        </m:ctrlPr>
+                      </m:dPr>
+                      <m:e>
+                        <m:r>
+                          <a:rPr lang="en-US" b="0" i="1" smtClean="0">
+                            <a:latin typeface="Cambria Math" panose="02040503050406030204" pitchFamily="18" charset="0"/>
+                          </a:rPr>
+                          <m:t>𝑡</m:t>
+                        </m:r>
+                      </m:e>
+                    </m:d>
+                    <m:r>
+                      <a:rPr lang="en-US" b="0" i="1" smtClean="0">
+                        <a:latin typeface="Cambria Math" panose="02040503050406030204" pitchFamily="18" charset="0"/>
+                      </a:rPr>
+                      <m:t>&lt;</m:t>
+                    </m:r>
+                    <m:r>
+                      <a:rPr lang="en-US" b="0" i="1" smtClean="0">
+                        <a:latin typeface="Cambria Math" panose="02040503050406030204" pitchFamily="18" charset="0"/>
+                      </a:rPr>
+                      <m:t>𝐵</m:t>
+                    </m:r>
+                    <m:d>
+                      <m:dPr>
+                        <m:begChr m:val="["/>
+                        <m:endChr m:val="]"/>
+                        <m:ctrlPr>
+                          <a:rPr lang="en-US" b="0" i="1" smtClean="0">
+                            <a:latin typeface="Cambria Math" panose="02040503050406030204" pitchFamily="18" charset="0"/>
+                          </a:rPr>
+                        </m:ctrlPr>
+                      </m:dPr>
+                      <m:e>
+                        <m:r>
+                          <a:rPr lang="en-US" b="0" i="1" smtClean="0">
+                            <a:latin typeface="Cambria Math" panose="02040503050406030204" pitchFamily="18" charset="0"/>
+                          </a:rPr>
+                          <m:t>𝑡</m:t>
+                        </m:r>
+                        <m:r>
+                          <a:rPr lang="en-US" b="0" i="1" smtClean="0">
+                            <a:latin typeface="Cambria Math" panose="02040503050406030204" pitchFamily="18" charset="0"/>
+                          </a:rPr>
+                          <m:t>+</m:t>
+                        </m:r>
+                        <m:r>
+                          <a:rPr lang="en-US" b="0" i="1" smtClean="0">
+                            <a:latin typeface="Cambria Math" panose="02040503050406030204" pitchFamily="18" charset="0"/>
+                          </a:rPr>
+                          <m:t>𝑘</m:t>
+                        </m:r>
+                        <m:r>
+                          <a:rPr lang="en-US" b="0" i="1" smtClean="0">
+                            <a:latin typeface="Cambria Math" panose="02040503050406030204" pitchFamily="18" charset="0"/>
+                          </a:rPr>
+                          <m:t>∗</m:t>
+                        </m:r>
+                        <m:r>
+                          <a:rPr lang="en-US" b="0" i="1" smtClean="0">
+                            <a:latin typeface="Cambria Math" panose="02040503050406030204" pitchFamily="18" charset="0"/>
+                          </a:rPr>
+                          <m:t>𝑇</m:t>
+                        </m:r>
+                      </m:e>
+                    </m:d>
+                    <m:r>
+                      <a:rPr lang="en-US" b="0" i="1" smtClean="0">
+                        <a:latin typeface="Cambria Math" panose="02040503050406030204" pitchFamily="18" charset="0"/>
+                      </a:rPr>
+                      <m:t>,∀</m:t>
+                    </m:r>
+                    <m:r>
+                      <a:rPr lang="en-US" b="0" i="1" smtClean="0">
+                        <a:latin typeface="Cambria Math" panose="02040503050406030204" pitchFamily="18" charset="0"/>
+                      </a:rPr>
+                      <m:t>𝑘</m:t>
+                    </m:r>
+                    <m:r>
+                      <a:rPr lang="en-US" b="0" i="1" smtClean="0">
+                        <a:latin typeface="Cambria Math" panose="02040503050406030204" pitchFamily="18" charset="0"/>
+                      </a:rPr>
+                      <m:t>∈</m:t>
+                    </m:r>
+                    <m:r>
+                      <a:rPr lang="en-US" i="1">
+                        <a:latin typeface="Cambria Math" panose="02040503050406030204" pitchFamily="18" charset="0"/>
+                      </a:rPr>
+                      <m:t>ℕ</m:t>
+                    </m:r>
+                    <m:r>
+                      <a:rPr lang="en-US" b="0" i="1" smtClean="0">
+                        <a:latin typeface="Cambria Math" panose="02040503050406030204" pitchFamily="18" charset="0"/>
+                      </a:rPr>
+                      <m:t>:</m:t>
+                    </m:r>
+                    <m:r>
+                      <a:rPr lang="en-US" b="0" i="1" smtClean="0">
+                        <a:latin typeface="Cambria Math" panose="02040503050406030204" pitchFamily="18" charset="0"/>
+                      </a:rPr>
+                      <m:t>𝑘</m:t>
+                    </m:r>
+                    <m:r>
+                      <a:rPr lang="en-US" b="0" i="1" smtClean="0">
+                        <a:latin typeface="Cambria Math" panose="02040503050406030204" pitchFamily="18" charset="0"/>
+                      </a:rPr>
+                      <m:t>&gt;0</m:t>
+                    </m:r>
+                  </m:oMath>
+                </a14:m>
+                <a:endParaRPr lang="en-US" dirty="0" smtClean="0"/>
+              </a:p>
+              <a:p>
+                <a:pPr lvl="2"/>
+                <a:r>
+                  <a:rPr lang="en-US" dirty="0" smtClean="0"/>
+                  <a:t>Implies that the system has </a:t>
+                </a:r>
+                <a:r>
+                  <a:rPr lang="en-US" b="1" dirty="0" smtClean="0"/>
+                  <a:t>unbounded buffer growth</a:t>
+                </a:r>
+                <a:endParaRPr lang="en-US" dirty="0" smtClean="0"/>
+              </a:p>
+              <a:p>
+                <a:r>
+                  <a:rPr lang="en-US" dirty="0" smtClean="0"/>
+                  <a:t>Consider the scenario when </a:t>
+                </a:r>
+                <a14:m>
+                  <m:oMath xmlns:m="http://schemas.openxmlformats.org/officeDocument/2006/math">
+                    <m:r>
+                      <a:rPr lang="en-US" b="0" i="1" smtClean="0">
+                        <a:latin typeface="Cambria Math" panose="02040503050406030204" pitchFamily="18" charset="0"/>
+                      </a:rPr>
+                      <m:t>𝑅</m:t>
+                    </m:r>
+                    <m:d>
+                      <m:dPr>
+                        <m:begChr m:val="["/>
+                        <m:endChr m:val="]"/>
+                        <m:ctrlPr>
+                          <a:rPr lang="en-US" b="0" i="1" smtClean="0">
+                            <a:latin typeface="Cambria Math" panose="02040503050406030204" pitchFamily="18" charset="0"/>
+                          </a:rPr>
+                        </m:ctrlPr>
+                      </m:dPr>
+                      <m:e>
+                        <m:r>
+                          <a:rPr lang="en-US" b="0" i="1" smtClean="0">
+                            <a:latin typeface="Cambria Math" panose="02040503050406030204" pitchFamily="18" charset="0"/>
+                          </a:rPr>
+                          <m:t>𝑇</m:t>
+                        </m:r>
+                      </m:e>
+                    </m:d>
+                    <m:r>
+                      <a:rPr lang="en-US" b="0" i="1" smtClean="0">
+                        <a:latin typeface="Cambria Math" panose="02040503050406030204" pitchFamily="18" charset="0"/>
+                      </a:rPr>
+                      <m:t>≥</m:t>
+                    </m:r>
+                    <m:r>
+                      <a:rPr lang="en-US" b="0" i="1" smtClean="0">
+                        <a:latin typeface="Cambria Math" panose="02040503050406030204" pitchFamily="18" charset="0"/>
+                      </a:rPr>
+                      <m:t>𝐵</m:t>
+                    </m:r>
+                    <m:r>
+                      <a:rPr lang="en-US" b="0" i="1" smtClean="0">
+                        <a:latin typeface="Cambria Math" panose="02040503050406030204" pitchFamily="18" charset="0"/>
+                      </a:rPr>
+                      <m:t>[</m:t>
+                    </m:r>
+                    <m:r>
+                      <a:rPr lang="en-US" b="0" i="1" smtClean="0">
+                        <a:latin typeface="Cambria Math" panose="02040503050406030204" pitchFamily="18" charset="0"/>
+                      </a:rPr>
+                      <m:t>𝑇</m:t>
+                    </m:r>
+                    <m:r>
+                      <a:rPr lang="en-US" b="0" i="1" smtClean="0">
+                        <a:latin typeface="Cambria Math" panose="02040503050406030204" pitchFamily="18" charset="0"/>
+                      </a:rPr>
+                      <m:t>]</m:t>
+                    </m:r>
+                  </m:oMath>
+                </a14:m>
+                <a:r>
+                  <a:rPr lang="en-US" dirty="0" smtClean="0"/>
+                  <a:t>,</a:t>
+                </a:r>
+              </a:p>
+              <a:p>
+                <a:pPr lvl="1"/>
+                <a:r>
+                  <a:rPr lang="en-US" dirty="0" smtClean="0"/>
+                  <a:t>The system can service in a period the amount of data remaining in the buffer from the preceding period, therefore </a:t>
+                </a:r>
+                <a14:m>
+                  <m:oMath xmlns:m="http://schemas.openxmlformats.org/officeDocument/2006/math">
+                    <m:r>
+                      <a:rPr lang="en-US" b="0" i="1" smtClean="0">
+                        <a:latin typeface="Cambria Math" panose="02040503050406030204" pitchFamily="18" charset="0"/>
+                      </a:rPr>
+                      <m:t>𝐵</m:t>
+                    </m:r>
+                    <m:d>
+                      <m:dPr>
+                        <m:begChr m:val="["/>
+                        <m:endChr m:val="]"/>
+                        <m:ctrlPr>
+                          <a:rPr lang="en-US" b="0" i="1" smtClean="0">
+                            <a:latin typeface="Cambria Math" panose="02040503050406030204" pitchFamily="18" charset="0"/>
+                          </a:rPr>
+                        </m:ctrlPr>
+                      </m:dPr>
+                      <m:e>
+                        <m:r>
+                          <a:rPr lang="en-US" b="0" i="1" smtClean="0">
+                            <a:latin typeface="Cambria Math" panose="02040503050406030204" pitchFamily="18" charset="0"/>
+                          </a:rPr>
+                          <m:t>2∗</m:t>
+                        </m:r>
+                        <m:r>
+                          <a:rPr lang="en-US" b="0" i="1" smtClean="0">
+                            <a:latin typeface="Cambria Math" panose="02040503050406030204" pitchFamily="18" charset="0"/>
+                          </a:rPr>
+                          <m:t>𝑇</m:t>
+                        </m:r>
+                      </m:e>
+                    </m:d>
+                    <m:r>
+                      <a:rPr lang="en-US" b="0" i="1" smtClean="0">
+                        <a:latin typeface="Cambria Math" panose="02040503050406030204" pitchFamily="18" charset="0"/>
+                      </a:rPr>
+                      <m:t>=</m:t>
+                    </m:r>
+                    <m:r>
+                      <a:rPr lang="en-US" b="0" i="1" smtClean="0">
+                        <a:latin typeface="Cambria Math" panose="02040503050406030204" pitchFamily="18" charset="0"/>
+                      </a:rPr>
+                      <m:t>𝐵</m:t>
+                    </m:r>
+                    <m:r>
+                      <a:rPr lang="en-US" b="0" i="1" smtClean="0">
+                        <a:latin typeface="Cambria Math" panose="02040503050406030204" pitchFamily="18" charset="0"/>
+                      </a:rPr>
+                      <m:t>[</m:t>
+                    </m:r>
+                    <m:r>
+                      <a:rPr lang="en-US" b="0" i="1" smtClean="0">
+                        <a:latin typeface="Cambria Math" panose="02040503050406030204" pitchFamily="18" charset="0"/>
+                      </a:rPr>
+                      <m:t>𝑇</m:t>
+                    </m:r>
+                    <m:r>
+                      <a:rPr lang="en-US" b="0" i="1" smtClean="0">
+                        <a:latin typeface="Cambria Math" panose="02040503050406030204" pitchFamily="18" charset="0"/>
+                      </a:rPr>
+                      <m:t>]</m:t>
+                    </m:r>
+                  </m:oMath>
+                </a14:m>
+                <a:endParaRPr lang="en-US" dirty="0"/>
+              </a:p>
+              <a:p>
+                <a:pPr lvl="1"/>
+                <a:r>
+                  <a:rPr lang="en-US" dirty="0"/>
+                  <a:t>For any two successive periods, </a:t>
+                </a:r>
+                <a14:m>
+                  <m:oMath xmlns:m="http://schemas.openxmlformats.org/officeDocument/2006/math">
+                    <m:r>
+                      <a:rPr lang="en-US" i="1">
+                        <a:latin typeface="Cambria Math" panose="02040503050406030204" pitchFamily="18" charset="0"/>
+                      </a:rPr>
+                      <m:t>𝑛</m:t>
+                    </m:r>
+                    <m:r>
+                      <a:rPr lang="en-US" i="1">
+                        <a:latin typeface="Cambria Math" panose="02040503050406030204" pitchFamily="18" charset="0"/>
+                      </a:rPr>
+                      <m:t>∗</m:t>
+                    </m:r>
+                    <m:r>
+                      <a:rPr lang="en-US" i="1">
+                        <a:latin typeface="Cambria Math" panose="02040503050406030204" pitchFamily="18" charset="0"/>
+                      </a:rPr>
+                      <m:t>𝑇</m:t>
+                    </m:r>
+                  </m:oMath>
+                </a14:m>
+                <a:r>
+                  <a:rPr lang="en-US" dirty="0"/>
+                  <a:t> and </a:t>
+                </a:r>
+                <a14:m>
+                  <m:oMath xmlns:m="http://schemas.openxmlformats.org/officeDocument/2006/math">
+                    <m:d>
+                      <m:dPr>
+                        <m:ctrlPr>
+                          <a:rPr lang="en-US" i="1">
+                            <a:latin typeface="Cambria Math" panose="02040503050406030204" pitchFamily="18" charset="0"/>
+                          </a:rPr>
+                        </m:ctrlPr>
+                      </m:dPr>
+                      <m:e>
+                        <m:r>
+                          <a:rPr lang="en-US" i="1">
+                            <a:latin typeface="Cambria Math" panose="02040503050406030204" pitchFamily="18" charset="0"/>
+                          </a:rPr>
+                          <m:t>𝑛</m:t>
+                        </m:r>
+                        <m:r>
+                          <a:rPr lang="en-US" i="1">
+                            <a:latin typeface="Cambria Math" panose="02040503050406030204" pitchFamily="18" charset="0"/>
+                          </a:rPr>
+                          <m:t>+1</m:t>
+                        </m:r>
+                      </m:e>
+                    </m:d>
+                    <m:r>
+                      <a:rPr lang="en-US" i="1">
+                        <a:latin typeface="Cambria Math" panose="02040503050406030204" pitchFamily="18" charset="0"/>
+                      </a:rPr>
+                      <m:t>∗</m:t>
+                    </m:r>
+                    <m:r>
+                      <a:rPr lang="en-US" i="1">
+                        <a:latin typeface="Cambria Math" panose="02040503050406030204" pitchFamily="18" charset="0"/>
+                      </a:rPr>
+                      <m:t>𝑇</m:t>
+                    </m:r>
+                    <m:r>
+                      <a:rPr lang="en-US" b="0" i="1" smtClean="0">
+                        <a:latin typeface="Cambria Math" panose="02040503050406030204" pitchFamily="18" charset="0"/>
+                      </a:rPr>
+                      <m:t>:</m:t>
+                    </m:r>
+                  </m:oMath>
+                </a14:m>
+                <a:r>
+                  <a:rPr lang="en-US" dirty="0"/>
+                  <a:t/>
+                </a:r>
+                <a:br>
+                  <a:rPr lang="en-US" dirty="0"/>
+                </a:br>
+                <a14:m>
+                  <m:oMath xmlns:m="http://schemas.openxmlformats.org/officeDocument/2006/math">
+                    <m:r>
+                      <a:rPr lang="en-US" i="1">
+                        <a:latin typeface="Cambria Math" panose="02040503050406030204" pitchFamily="18" charset="0"/>
+                      </a:rPr>
+                      <m:t>𝐵</m:t>
+                    </m:r>
+                    <m:d>
+                      <m:dPr>
+                        <m:begChr m:val="["/>
+                        <m:endChr m:val="]"/>
+                        <m:ctrlPr>
+                          <a:rPr lang="en-US" i="1">
+                            <a:latin typeface="Cambria Math" panose="02040503050406030204" pitchFamily="18" charset="0"/>
+                          </a:rPr>
+                        </m:ctrlPr>
+                      </m:dPr>
+                      <m:e>
+                        <m:r>
+                          <a:rPr lang="en-US" i="1">
+                            <a:latin typeface="Cambria Math" panose="02040503050406030204" pitchFamily="18" charset="0"/>
+                          </a:rPr>
+                          <m:t>(</m:t>
+                        </m:r>
+                        <m:r>
+                          <a:rPr lang="en-US" i="1">
+                            <a:latin typeface="Cambria Math" panose="02040503050406030204" pitchFamily="18" charset="0"/>
+                          </a:rPr>
+                          <m:t>𝑛</m:t>
+                        </m:r>
+                        <m:r>
+                          <a:rPr lang="en-US" i="1">
+                            <a:latin typeface="Cambria Math" panose="02040503050406030204" pitchFamily="18" charset="0"/>
+                          </a:rPr>
+                          <m:t>+1)∗</m:t>
+                        </m:r>
+                        <m:r>
+                          <a:rPr lang="en-US" i="1">
+                            <a:latin typeface="Cambria Math" panose="02040503050406030204" pitchFamily="18" charset="0"/>
+                          </a:rPr>
+                          <m:t>𝑇</m:t>
+                        </m:r>
+                      </m:e>
+                    </m:d>
+                    <m:r>
+                      <a:rPr lang="en-US" b="0" i="1" smtClean="0">
+                        <a:latin typeface="Cambria Math" panose="02040503050406030204" pitchFamily="18" charset="0"/>
+                      </a:rPr>
+                      <m:t>=</m:t>
+                    </m:r>
+                    <m:r>
+                      <a:rPr lang="en-US" i="1">
+                        <a:latin typeface="Cambria Math" panose="02040503050406030204" pitchFamily="18" charset="0"/>
+                      </a:rPr>
+                      <m:t>𝐵</m:t>
+                    </m:r>
+                    <m:d>
+                      <m:dPr>
+                        <m:begChr m:val="["/>
+                        <m:endChr m:val="]"/>
+                        <m:ctrlPr>
+                          <a:rPr lang="en-US" i="1">
+                            <a:latin typeface="Cambria Math" panose="02040503050406030204" pitchFamily="18" charset="0"/>
+                          </a:rPr>
+                        </m:ctrlPr>
+                      </m:dPr>
+                      <m:e>
+                        <m:r>
+                          <a:rPr lang="en-US" i="1">
+                            <a:latin typeface="Cambria Math" panose="02040503050406030204" pitchFamily="18" charset="0"/>
+                          </a:rPr>
+                          <m:t>𝑛</m:t>
+                        </m:r>
+                        <m:r>
+                          <a:rPr lang="en-US" i="1">
+                            <a:latin typeface="Cambria Math" panose="02040503050406030204" pitchFamily="18" charset="0"/>
+                          </a:rPr>
+                          <m:t>∗</m:t>
+                        </m:r>
+                        <m:r>
+                          <a:rPr lang="en-US" i="1">
+                            <a:latin typeface="Cambria Math" panose="02040503050406030204" pitchFamily="18" charset="0"/>
+                          </a:rPr>
+                          <m:t>𝑇</m:t>
+                        </m:r>
+                      </m:e>
+                    </m:d>
+                  </m:oMath>
+                </a14:m>
+                <a:r>
+                  <a:rPr lang="en-US" dirty="0"/>
+                  <a:t/>
+                </a:r>
+                <a:br>
+                  <a:rPr lang="en-US" dirty="0"/>
+                </a:br>
+                <a14:m>
+                  <m:oMath xmlns:m="http://schemas.openxmlformats.org/officeDocument/2006/math">
+                    <m:r>
+                      <a:rPr lang="en-US" i="1">
+                        <a:latin typeface="Cambria Math" panose="02040503050406030204" pitchFamily="18" charset="0"/>
+                      </a:rPr>
+                      <m:t>⇒</m:t>
+                    </m:r>
+                    <m:r>
+                      <a:rPr lang="en-US" i="1">
+                        <a:latin typeface="Cambria Math" panose="02040503050406030204" pitchFamily="18" charset="0"/>
+                      </a:rPr>
+                      <m:t>𝐵</m:t>
+                    </m:r>
+                    <m:d>
+                      <m:dPr>
+                        <m:begChr m:val="["/>
+                        <m:endChr m:val="]"/>
+                        <m:ctrlPr>
+                          <a:rPr lang="en-US" i="1">
+                            <a:latin typeface="Cambria Math" panose="02040503050406030204" pitchFamily="18" charset="0"/>
+                          </a:rPr>
+                        </m:ctrlPr>
+                      </m:dPr>
+                      <m:e>
+                        <m:r>
+                          <a:rPr lang="en-US" i="1">
+                            <a:latin typeface="Cambria Math" panose="02040503050406030204" pitchFamily="18" charset="0"/>
+                          </a:rPr>
+                          <m:t>𝑚</m:t>
+                        </m:r>
+                        <m:r>
+                          <a:rPr lang="en-US" i="1">
+                            <a:latin typeface="Cambria Math" panose="02040503050406030204" pitchFamily="18" charset="0"/>
+                          </a:rPr>
+                          <m:t>∗</m:t>
+                        </m:r>
+                        <m:r>
+                          <a:rPr lang="en-US" i="1">
+                            <a:latin typeface="Cambria Math" panose="02040503050406030204" pitchFamily="18" charset="0"/>
+                          </a:rPr>
+                          <m:t>𝑇</m:t>
+                        </m:r>
+                      </m:e>
+                    </m:d>
+                    <m:r>
+                      <a:rPr lang="en-US" b="0" i="1" smtClean="0">
+                        <a:latin typeface="Cambria Math" panose="02040503050406030204" pitchFamily="18" charset="0"/>
+                      </a:rPr>
+                      <m:t>=</m:t>
+                    </m:r>
+                    <m:r>
+                      <a:rPr lang="en-US" i="1">
+                        <a:latin typeface="Cambria Math" panose="02040503050406030204" pitchFamily="18" charset="0"/>
+                      </a:rPr>
+                      <m:t>𝐵</m:t>
+                    </m:r>
+                    <m:d>
+                      <m:dPr>
+                        <m:begChr m:val="["/>
+                        <m:endChr m:val="]"/>
+                        <m:ctrlPr>
+                          <a:rPr lang="en-US" i="1">
+                            <a:latin typeface="Cambria Math" panose="02040503050406030204" pitchFamily="18" charset="0"/>
+                          </a:rPr>
+                        </m:ctrlPr>
+                      </m:dPr>
+                      <m:e>
+                        <m:r>
+                          <a:rPr lang="en-US" i="1">
+                            <a:latin typeface="Cambria Math" panose="02040503050406030204" pitchFamily="18" charset="0"/>
+                          </a:rPr>
+                          <m:t>𝑛</m:t>
+                        </m:r>
+                        <m:r>
+                          <a:rPr lang="en-US" i="1">
+                            <a:latin typeface="Cambria Math" panose="02040503050406030204" pitchFamily="18" charset="0"/>
+                          </a:rPr>
+                          <m:t>∗</m:t>
+                        </m:r>
+                        <m:r>
+                          <a:rPr lang="en-US" i="1">
+                            <a:latin typeface="Cambria Math" panose="02040503050406030204" pitchFamily="18" charset="0"/>
+                          </a:rPr>
+                          <m:t>𝑇</m:t>
+                        </m:r>
+                      </m:e>
+                    </m:d>
+                    <m:r>
+                      <a:rPr lang="en-US" i="1">
+                        <a:latin typeface="Cambria Math" panose="02040503050406030204" pitchFamily="18" charset="0"/>
+                      </a:rPr>
+                      <m:t>, ∀</m:t>
+                    </m:r>
+                    <m:r>
+                      <a:rPr lang="en-US" i="1">
+                        <a:latin typeface="Cambria Math" panose="02040503050406030204" pitchFamily="18" charset="0"/>
+                      </a:rPr>
+                      <m:t>𝑚</m:t>
+                    </m:r>
+                    <m:r>
+                      <a:rPr lang="en-US" i="1">
+                        <a:latin typeface="Cambria Math" panose="02040503050406030204" pitchFamily="18" charset="0"/>
+                      </a:rPr>
+                      <m:t>,</m:t>
+                    </m:r>
+                    <m:r>
+                      <a:rPr lang="en-US" i="1">
+                        <a:latin typeface="Cambria Math" panose="02040503050406030204" pitchFamily="18" charset="0"/>
+                      </a:rPr>
+                      <m:t>𝑛</m:t>
+                    </m:r>
+                    <m:r>
+                      <a:rPr lang="en-US" i="1">
+                        <a:latin typeface="Cambria Math" panose="02040503050406030204" pitchFamily="18" charset="0"/>
+                      </a:rPr>
+                      <m:t>∈</m:t>
+                    </m:r>
+                    <m:r>
+                      <a:rPr lang="en-US" i="1">
+                        <a:latin typeface="Cambria Math" panose="02040503050406030204" pitchFamily="18" charset="0"/>
+                      </a:rPr>
+                      <m:t>ℕ</m:t>
+                    </m:r>
+                    <m:r>
+                      <a:rPr lang="en-US" i="1">
+                        <a:latin typeface="Cambria Math" panose="02040503050406030204" pitchFamily="18" charset="0"/>
+                      </a:rPr>
+                      <m:t>:</m:t>
+                    </m:r>
+                    <m:r>
+                      <a:rPr lang="en-US" i="1">
+                        <a:latin typeface="Cambria Math" panose="02040503050406030204" pitchFamily="18" charset="0"/>
+                      </a:rPr>
+                      <m:t>𝑚</m:t>
+                    </m:r>
+                    <m:r>
+                      <a:rPr lang="en-US" i="1">
+                        <a:latin typeface="Cambria Math" panose="02040503050406030204" pitchFamily="18" charset="0"/>
+                      </a:rPr>
+                      <m:t>&gt;</m:t>
+                    </m:r>
+                    <m:r>
+                      <a:rPr lang="en-US" i="1">
+                        <a:latin typeface="Cambria Math" panose="02040503050406030204" pitchFamily="18" charset="0"/>
+                      </a:rPr>
+                      <m:t>𝑛</m:t>
+                    </m:r>
+                    <m:r>
+                      <a:rPr lang="en-US" i="1">
+                        <a:latin typeface="Cambria Math" panose="02040503050406030204" pitchFamily="18" charset="0"/>
+                      </a:rPr>
+                      <m:t>&gt;0</m:t>
+                    </m:r>
+                  </m:oMath>
+                </a14:m>
+                <a:r>
+                  <a:rPr lang="en-US" dirty="0"/>
+                  <a:t/>
+                </a:r>
+                <a:br>
+                  <a:rPr lang="en-US" dirty="0"/>
+                </a:br>
+                <a14:m>
+                  <m:oMath xmlns:m="http://schemas.openxmlformats.org/officeDocument/2006/math">
+                    <m:r>
+                      <a:rPr lang="en-US" i="1">
+                        <a:latin typeface="Cambria Math" panose="02040503050406030204" pitchFamily="18" charset="0"/>
+                      </a:rPr>
+                      <m:t>⇒</m:t>
+                    </m:r>
+                    <m:r>
+                      <a:rPr lang="en-US" i="1">
+                        <a:latin typeface="Cambria Math" panose="02040503050406030204" pitchFamily="18" charset="0"/>
+                      </a:rPr>
+                      <m:t>𝐵</m:t>
+                    </m:r>
+                    <m:d>
+                      <m:dPr>
+                        <m:begChr m:val="["/>
+                        <m:endChr m:val="]"/>
+                        <m:ctrlPr>
+                          <a:rPr lang="en-US" i="1">
+                            <a:latin typeface="Cambria Math" panose="02040503050406030204" pitchFamily="18" charset="0"/>
+                          </a:rPr>
+                        </m:ctrlPr>
+                      </m:dPr>
+                      <m:e>
+                        <m:r>
+                          <a:rPr lang="en-US" i="1">
+                            <a:latin typeface="Cambria Math" panose="02040503050406030204" pitchFamily="18" charset="0"/>
+                          </a:rPr>
+                          <m:t>𝑡</m:t>
+                        </m:r>
+                      </m:e>
+                    </m:d>
+                    <m:r>
+                      <a:rPr lang="en-US" b="0" i="1" smtClean="0">
+                        <a:latin typeface="Cambria Math" panose="02040503050406030204" pitchFamily="18" charset="0"/>
+                      </a:rPr>
+                      <m:t>=</m:t>
+                    </m:r>
+                    <m:r>
+                      <a:rPr lang="en-US" i="1">
+                        <a:latin typeface="Cambria Math" panose="02040503050406030204" pitchFamily="18" charset="0"/>
+                      </a:rPr>
+                      <m:t>𝐵</m:t>
+                    </m:r>
+                    <m:d>
+                      <m:dPr>
+                        <m:begChr m:val="["/>
+                        <m:endChr m:val="]"/>
+                        <m:ctrlPr>
+                          <a:rPr lang="en-US" i="1">
+                            <a:latin typeface="Cambria Math" panose="02040503050406030204" pitchFamily="18" charset="0"/>
+                          </a:rPr>
+                        </m:ctrlPr>
+                      </m:dPr>
+                      <m:e>
+                        <m:r>
+                          <a:rPr lang="en-US" i="1">
+                            <a:latin typeface="Cambria Math" panose="02040503050406030204" pitchFamily="18" charset="0"/>
+                          </a:rPr>
+                          <m:t>𝑡</m:t>
+                        </m:r>
+                        <m:r>
+                          <a:rPr lang="en-US" i="1">
+                            <a:latin typeface="Cambria Math" panose="02040503050406030204" pitchFamily="18" charset="0"/>
+                          </a:rPr>
+                          <m:t>+</m:t>
+                        </m:r>
+                        <m:r>
+                          <a:rPr lang="en-US" i="1">
+                            <a:latin typeface="Cambria Math" panose="02040503050406030204" pitchFamily="18" charset="0"/>
+                          </a:rPr>
+                          <m:t>𝑘</m:t>
+                        </m:r>
+                        <m:r>
+                          <a:rPr lang="en-US" i="1">
+                            <a:latin typeface="Cambria Math" panose="02040503050406030204" pitchFamily="18" charset="0"/>
+                          </a:rPr>
+                          <m:t>∗</m:t>
+                        </m:r>
+                        <m:r>
+                          <a:rPr lang="en-US" i="1">
+                            <a:latin typeface="Cambria Math" panose="02040503050406030204" pitchFamily="18" charset="0"/>
+                          </a:rPr>
+                          <m:t>𝑇</m:t>
+                        </m:r>
+                      </m:e>
+                    </m:d>
+                    <m:r>
+                      <a:rPr lang="en-US" i="1">
+                        <a:latin typeface="Cambria Math" panose="02040503050406030204" pitchFamily="18" charset="0"/>
+                      </a:rPr>
+                      <m:t>,∀</m:t>
+                    </m:r>
+                    <m:r>
+                      <a:rPr lang="en-US" i="1">
+                        <a:latin typeface="Cambria Math" panose="02040503050406030204" pitchFamily="18" charset="0"/>
+                      </a:rPr>
+                      <m:t>𝑘</m:t>
+                    </m:r>
+                    <m:r>
+                      <a:rPr lang="en-US" i="1">
+                        <a:latin typeface="Cambria Math" panose="02040503050406030204" pitchFamily="18" charset="0"/>
+                      </a:rPr>
+                      <m:t>∈</m:t>
+                    </m:r>
+                    <m:r>
+                      <a:rPr lang="en-US" i="1">
+                        <a:latin typeface="Cambria Math" panose="02040503050406030204" pitchFamily="18" charset="0"/>
+                      </a:rPr>
+                      <m:t>ℕ</m:t>
+                    </m:r>
+                    <m:r>
+                      <a:rPr lang="en-US" i="1">
+                        <a:latin typeface="Cambria Math" panose="02040503050406030204" pitchFamily="18" charset="0"/>
+                      </a:rPr>
+                      <m:t>:</m:t>
+                    </m:r>
+                    <m:r>
+                      <a:rPr lang="en-US" i="1">
+                        <a:latin typeface="Cambria Math" panose="02040503050406030204" pitchFamily="18" charset="0"/>
+                      </a:rPr>
+                      <m:t>𝑘</m:t>
+                    </m:r>
+                    <m:r>
+                      <a:rPr lang="en-US" i="1">
+                        <a:latin typeface="Cambria Math" panose="02040503050406030204" pitchFamily="18" charset="0"/>
+                      </a:rPr>
+                      <m:t>&gt;0</m:t>
+                    </m:r>
+                  </m:oMath>
+                </a14:m>
+                <a:endParaRPr lang="en-US" dirty="0"/>
+              </a:p>
+              <a:p>
+                <a:pPr lvl="2"/>
+                <a:r>
+                  <a:rPr lang="en-US" dirty="0"/>
+                  <a:t>Implies that the system has </a:t>
+                </a:r>
+                <a:r>
+                  <a:rPr lang="en-US" dirty="0" smtClean="0"/>
+                  <a:t>a </a:t>
+                </a:r>
+                <a:r>
+                  <a:rPr lang="en-US" b="1" dirty="0" smtClean="0"/>
+                  <a:t>finite buffer</a:t>
+                </a:r>
+                <a:endParaRPr lang="en-US" dirty="0" smtClean="0"/>
+              </a:p>
+              <a:p>
+                <a:pPr lvl="1"/>
+                <a:endParaRPr lang="en-US" dirty="0" smtClean="0"/>
+              </a:p>
+              <a:p>
+                <a:pPr lvl="1"/>
+                <a:endParaRPr lang="en-US" dirty="0"/>
+              </a:p>
+            </p:txBody>
+          </p:sp>
+        </mc:Choice>
+        <mc:Fallback>
+          <p:sp>
+            <p:nvSpPr>
+              <p:cNvPr id="3" name="Content Placeholder 2"/>
+              <p:cNvSpPr>
+                <a:spLocks noGrp="1" noRot="1" noChangeAspect="1" noMove="1" noResize="1" noEditPoints="1" noAdjustHandles="1" noChangeArrowheads="1" noChangeShapeType="1" noTextEdit="1"/>
+              </p:cNvSpPr>
+              <p:nvPr>
+                <p:ph idx="1"/>
+              </p:nvPr>
+            </p:nvSpPr>
+            <p:spPr>
+              <a:blipFill>
+                <a:blip r:embed="rId3"/>
+                <a:stretch>
+                  <a:fillRect l="-189" t="-1120" b="-14706"/>
+                </a:stretch>
+              </a:blipFill>
+            </p:spPr>
+            <p:txBody>
+              <a:bodyPr/>
+              <a:lstStyle/>
+              <a:p>
+                <a:r>
+                  <a:rPr lang="en-US">
+                    <a:noFill/>
+                  </a:rPr>
+                  <a:t> </a:t>
+                </a:r>
+              </a:p>
+            </p:txBody>
+          </p:sp>
+        </mc:Fallback>
+      </mc:AlternateContent>
       <p:sp>
         <p:nvSpPr>
           <p:cNvPr id="4" name="Slide Number Placeholder 3"/>

--- a/thesis/Defense.pptx
+++ b/thesis/Defense.pptx
@@ -2537,11 +2537,7 @@
             </a:r>
             <a:r>
               <a:rPr lang="en-US" baseline="0" dirty="0" smtClean="0"/>
-              <a:t> addition to the period’s required </a:t>
-            </a:r>
-            <a:r>
-              <a:rPr lang="en-US" baseline="0" dirty="0" err="1" smtClean="0"/>
-              <a:t>trafffic</a:t>
+              <a:t> addition to the period’s required traffic</a:t>
             </a:r>
             <a:endParaRPr lang="en-US" dirty="0" smtClean="0"/>
           </a:p>
@@ -6823,12 +6819,102 @@
       </p:grpSpPr>
       <p:sp>
         <p:nvSpPr>
-          <p:cNvPr id="11" name="Title 10"/>
-          <p:cNvSpPr>
-            <a:spLocks noGrp="1"/>
-          </p:cNvSpPr>
-          <p:nvPr>
-            <p:ph type="title"/>
+          <p:cNvPr id="19" name="Rectangle 18"/>
+          <p:cNvSpPr/>
+          <p:nvPr/>
+        </p:nvSpPr>
+        <p:spPr>
+          <a:xfrm>
+            <a:off x="152402" y="2865526"/>
+            <a:ext cx="7772400" cy="2743199"/>
+          </a:xfrm>
+          <a:prstGeom prst="rect">
+            <a:avLst/>
+          </a:prstGeom>
+          <a:solidFill>
+            <a:schemeClr val="accent2">
+              <a:lumMod val="75000"/>
+            </a:schemeClr>
+          </a:solidFill>
+        </p:spPr>
+        <p:style>
+          <a:lnRef idx="2">
+            <a:schemeClr val="accent1">
+              <a:shade val="50000"/>
+            </a:schemeClr>
+          </a:lnRef>
+          <a:fillRef idx="1">
+            <a:schemeClr val="accent1"/>
+          </a:fillRef>
+          <a:effectRef idx="0">
+            <a:schemeClr val="accent1"/>
+          </a:effectRef>
+          <a:fontRef idx="minor">
+            <a:schemeClr val="lt1"/>
+          </a:fontRef>
+        </p:style>
+        <p:txBody>
+          <a:bodyPr rtlCol="0" anchor="ctr"/>
+          <a:lstStyle/>
+          <a:p>
+            <a:pPr algn="ctr"/>
+            <a:endParaRPr lang="en-US"/>
+          </a:p>
+        </p:txBody>
+      </p:sp>
+      <p:sp>
+        <p:nvSpPr>
+          <p:cNvPr id="18" name="Rectangle 17"/>
+          <p:cNvSpPr/>
+          <p:nvPr/>
+        </p:nvSpPr>
+        <p:spPr>
+          <a:xfrm>
+            <a:off x="152402" y="61960"/>
+            <a:ext cx="7772400" cy="2743199"/>
+          </a:xfrm>
+          <a:prstGeom prst="rect">
+            <a:avLst/>
+          </a:prstGeom>
+          <a:solidFill>
+            <a:schemeClr val="accent3">
+              <a:lumMod val="75000"/>
+            </a:schemeClr>
+          </a:solidFill>
+        </p:spPr>
+        <p:style>
+          <a:lnRef idx="2">
+            <a:schemeClr val="accent1">
+              <a:shade val="50000"/>
+            </a:schemeClr>
+          </a:lnRef>
+          <a:fillRef idx="1">
+            <a:schemeClr val="accent1"/>
+          </a:fillRef>
+          <a:effectRef idx="0">
+            <a:schemeClr val="accent1"/>
+          </a:effectRef>
+          <a:fontRef idx="minor">
+            <a:schemeClr val="lt1"/>
+          </a:fontRef>
+        </p:style>
+        <p:txBody>
+          <a:bodyPr rtlCol="0" anchor="ctr"/>
+          <a:lstStyle/>
+          <a:p>
+            <a:pPr algn="ctr"/>
+            <a:endParaRPr lang="en-US"/>
+          </a:p>
+        </p:txBody>
+      </p:sp>
+      <p:sp>
+        <p:nvSpPr>
+          <p:cNvPr id="4" name="Slide Number Placeholder 3"/>
+          <p:cNvSpPr>
+            <a:spLocks noGrp="1"/>
+          </p:cNvSpPr>
+          <p:nvPr>
+            <p:ph type="sldNum" sz="quarter" idx="12"/>
           </p:nvPr>
         </p:nvSpPr>
         <p:spPr/>
@@ -6836,17 +6922,23 @@
           <a:bodyPr/>
           <a:lstStyle/>
           <a:p>
+            <a:fld id="{4FAB73BC-B049-4115-A692-8D63A059BFB8}" type="slidenum">
+              <a:rPr lang="en-US" smtClean="0"/>
+              <a:t>13</a:t>
+            </a:fld>
             <a:endParaRPr lang="en-US" dirty="0"/>
           </a:p>
         </p:txBody>
       </p:sp>
       <p:pic>
         <p:nvPicPr>
-          <p:cNvPr id="9" name="Picture 8"/>
+          <p:cNvPr id="7" name="Content Placeholder 6"/>
           <p:cNvPicPr>
-            <a:picLocks noChangeAspect="1"/>
+            <a:picLocks noGrp="1" noChangeAspect="1"/>
           </p:cNvPicPr>
-          <p:nvPr/>
+          <p:nvPr>
+            <p:ph idx="1"/>
+          </p:nvPr>
         </p:nvPicPr>
         <p:blipFill>
           <a:blip r:embed="rId2" cstate="print">
@@ -6862,148 +6954,7 @@
         </p:blipFill>
         <p:spPr>
           <a:xfrm>
-            <a:off x="4481188" y="345847"/>
-            <a:ext cx="3367412" cy="2538000"/>
-          </a:xfrm>
-          <a:prstGeom prst="rect">
-            <a:avLst/>
-          </a:prstGeom>
-          <a:solidFill>
-            <a:srgbClr val="FFFFFF">
-              <a:shade val="85000"/>
-            </a:srgbClr>
-          </a:solidFill>
-          <a:ln w="88900" cap="sq">
-            <a:noFill/>
-            <a:miter lim="800000"/>
-          </a:ln>
-          <a:effectLst>
-            <a:outerShdw blurRad="55000" dist="18000" dir="5400000" algn="tl" rotWithShape="0">
-              <a:srgbClr val="000000">
-                <a:alpha val="40000"/>
-              </a:srgbClr>
-            </a:outerShdw>
-          </a:effectLst>
-          <a:scene3d>
-            <a:camera prst="orthographicFront"/>
-            <a:lightRig rig="twoPt" dir="t">
-              <a:rot lat="0" lon="0" rev="7200000"/>
-            </a:lightRig>
-          </a:scene3d>
-          <a:sp3d>
-            <a:bevelT w="25400" h="19050"/>
-            <a:contourClr>
-              <a:srgbClr val="FFFFFF"/>
-            </a:contourClr>
-          </a:sp3d>
-        </p:spPr>
-      </p:pic>
-      <p:sp>
-        <p:nvSpPr>
-          <p:cNvPr id="4" name="Slide Number Placeholder 3"/>
-          <p:cNvSpPr>
-            <a:spLocks noGrp="1"/>
-          </p:cNvSpPr>
-          <p:nvPr>
-            <p:ph type="sldNum" sz="quarter" idx="12"/>
-          </p:nvPr>
-        </p:nvSpPr>
-        <p:spPr/>
-        <p:txBody>
-          <a:bodyPr/>
-          <a:lstStyle/>
-          <a:p>
-            <a:fld id="{4FAB73BC-B049-4115-A692-8D63A059BFB8}" type="slidenum">
-              <a:rPr lang="en-US" smtClean="0"/>
-              <a:t>13</a:t>
-            </a:fld>
-            <a:endParaRPr lang="en-US" dirty="0"/>
-          </a:p>
-        </p:txBody>
-      </p:sp>
-      <p:pic>
-        <p:nvPicPr>
-          <p:cNvPr id="7" name="Content Placeholder 6"/>
-          <p:cNvPicPr>
-            <a:picLocks noGrp="1" noChangeAspect="1"/>
-          </p:cNvPicPr>
-          <p:nvPr>
-            <p:ph idx="1"/>
-          </p:nvPr>
-        </p:nvPicPr>
-        <p:blipFill>
-          <a:blip r:embed="rId3" cstate="print">
-            <a:extLst>
-              <a:ext uri="{28A0092B-C50C-407E-A947-70E740481C1C}">
-                <a14:useLocalDpi xmlns:a14="http://schemas.microsoft.com/office/drawing/2010/main" val="0"/>
-              </a:ext>
-            </a:extLst>
-          </a:blip>
-          <a:stretch>
-            <a:fillRect/>
-          </a:stretch>
-        </p:blipFill>
-        <p:spPr>
-          <a:xfrm>
-            <a:off x="4481188" y="2895600"/>
-            <a:ext cx="3367412" cy="2538000"/>
-          </a:xfrm>
-          <a:prstGeom prst="rect">
-            <a:avLst/>
-          </a:prstGeom>
-          <a:solidFill>
-            <a:srgbClr val="FFFFFF">
-              <a:shade val="85000"/>
-            </a:srgbClr>
-          </a:solidFill>
-          <a:ln w="88900" cap="sq">
-            <a:noFill/>
-            <a:miter lim="800000"/>
-          </a:ln>
-          <a:effectLst>
-            <a:outerShdw blurRad="55000" dist="18000" dir="5400000" algn="tl" rotWithShape="0">
-              <a:srgbClr val="000000">
-                <a:alpha val="40000"/>
-              </a:srgbClr>
-            </a:outerShdw>
-          </a:effectLst>
-          <a:scene3d>
-            <a:camera prst="orthographicFront"/>
-            <a:lightRig rig="twoPt" dir="t">
-              <a:rot lat="0" lon="0" rev="7200000"/>
-            </a:lightRig>
-          </a:scene3d>
-          <a:sp3d>
-            <a:bevelT w="25400" h="19050"/>
-            <a:contourClr>
-              <a:srgbClr val="FFFFFF"/>
-            </a:contourClr>
-          </a:sp3d>
-        </p:spPr>
-      </p:pic>
-      <p:pic>
-        <p:nvPicPr>
-          <p:cNvPr id="8" name="Picture 7"/>
-          <p:cNvPicPr>
-            <a:picLocks noChangeAspect="1"/>
-          </p:cNvPicPr>
-          <p:nvPr/>
-        </p:nvPicPr>
-        <p:blipFill>
-          <a:blip r:embed="rId4" cstate="print">
-            <a:extLst>
-              <a:ext uri="{28A0092B-C50C-407E-A947-70E740481C1C}">
-                <a14:useLocalDpi xmlns:a14="http://schemas.microsoft.com/office/drawing/2010/main" val="0"/>
-              </a:ext>
-            </a:extLst>
-          </a:blip>
-          <a:stretch>
-            <a:fillRect/>
-          </a:stretch>
-        </p:blipFill>
-        <p:spPr>
-          <a:xfrm>
-            <a:off x="951864" y="345847"/>
+            <a:off x="4481189" y="2956966"/>
             <a:ext cx="3367412" cy="2538000"/>
           </a:xfrm>
           <a:prstGeom prst="rect">
@@ -7048,6 +6999,168 @@
           <p:nvPr/>
         </p:nvPicPr>
         <p:blipFill>
+          <a:blip r:embed="rId3" cstate="print">
+            <a:extLst>
+              <a:ext uri="{28A0092B-C50C-407E-A947-70E740481C1C}">
+                <a14:useLocalDpi xmlns:a14="http://schemas.microsoft.com/office/drawing/2010/main" val="0"/>
+              </a:ext>
+            </a:extLst>
+          </a:blip>
+          <a:stretch>
+            <a:fillRect/>
+          </a:stretch>
+        </p:blipFill>
+        <p:spPr>
+          <a:xfrm>
+            <a:off x="1066801" y="2956966"/>
+            <a:ext cx="3367411" cy="2538000"/>
+          </a:xfrm>
+          <a:prstGeom prst="rect">
+            <a:avLst/>
+          </a:prstGeom>
+          <a:solidFill>
+            <a:srgbClr val="FFFFFF">
+              <a:shade val="85000"/>
+            </a:srgbClr>
+          </a:solidFill>
+          <a:ln w="88900" cap="sq">
+            <a:noFill/>
+            <a:miter lim="800000"/>
+          </a:ln>
+          <a:effectLst>
+            <a:outerShdw blurRad="55000" dist="18000" dir="5400000" algn="tl" rotWithShape="0">
+              <a:srgbClr val="000000">
+                <a:alpha val="40000"/>
+              </a:srgbClr>
+            </a:outerShdw>
+          </a:effectLst>
+          <a:scene3d>
+            <a:camera prst="orthographicFront"/>
+            <a:lightRig rig="twoPt" dir="t">
+              <a:rot lat="0" lon="0" rev="7200000"/>
+            </a:lightRig>
+          </a:scene3d>
+          <a:sp3d>
+            <a:bevelT w="25400" h="19050"/>
+            <a:contourClr>
+              <a:srgbClr val="FFFFFF"/>
+            </a:contourClr>
+          </a:sp3d>
+        </p:spPr>
+      </p:pic>
+      <p:pic>
+        <p:nvPicPr>
+          <p:cNvPr id="9" name="Picture 8"/>
+          <p:cNvPicPr>
+            <a:picLocks noChangeAspect="1"/>
+          </p:cNvPicPr>
+          <p:nvPr/>
+        </p:nvPicPr>
+        <p:blipFill>
+          <a:blip r:embed="rId4" cstate="print">
+            <a:extLst>
+              <a:ext uri="{28A0092B-C50C-407E-A947-70E740481C1C}">
+                <a14:useLocalDpi xmlns:a14="http://schemas.microsoft.com/office/drawing/2010/main" val="0"/>
+              </a:ext>
+            </a:extLst>
+          </a:blip>
+          <a:stretch>
+            <a:fillRect/>
+          </a:stretch>
+        </p:blipFill>
+        <p:spPr>
+          <a:xfrm>
+            <a:off x="4481189" y="179207"/>
+            <a:ext cx="3367412" cy="2538000"/>
+          </a:xfrm>
+          <a:prstGeom prst="rect">
+            <a:avLst/>
+          </a:prstGeom>
+          <a:solidFill>
+            <a:srgbClr val="FFFFFF">
+              <a:shade val="85000"/>
+            </a:srgbClr>
+          </a:solidFill>
+          <a:ln w="88900" cap="sq">
+            <a:noFill/>
+            <a:miter lim="800000"/>
+          </a:ln>
+          <a:effectLst>
+            <a:outerShdw blurRad="55000" dist="18000" dir="5400000" algn="tl" rotWithShape="0">
+              <a:srgbClr val="000000">
+                <a:alpha val="40000"/>
+              </a:srgbClr>
+            </a:outerShdw>
+          </a:effectLst>
+          <a:scene3d>
+            <a:camera prst="orthographicFront"/>
+            <a:lightRig rig="twoPt" dir="t">
+              <a:rot lat="0" lon="0" rev="7200000"/>
+            </a:lightRig>
+          </a:scene3d>
+          <a:sp3d>
+            <a:bevelT w="25400" h="19050"/>
+            <a:contourClr>
+              <a:srgbClr val="FFFFFF"/>
+            </a:contourClr>
+          </a:sp3d>
+        </p:spPr>
+      </p:pic>
+      <p:sp>
+        <p:nvSpPr>
+          <p:cNvPr id="12" name="TextBox 11"/>
+          <p:cNvSpPr txBox="1"/>
+          <p:nvPr/>
+        </p:nvSpPr>
+        <p:spPr>
+          <a:xfrm>
+            <a:off x="225648" y="1227822"/>
+            <a:ext cx="764953" cy="369332"/>
+          </a:xfrm>
+          <a:prstGeom prst="rect">
+            <a:avLst/>
+          </a:prstGeom>
+          <a:noFill/>
+        </p:spPr>
+        <p:txBody>
+          <a:bodyPr wrap="none" rtlCol="0">
+            <a:spAutoFit/>
+          </a:bodyPr>
+          <a:lstStyle/>
+          <a:p>
+            <a:r>
+              <a:rPr lang="en-US" dirty="0" smtClean="0">
+                <a:solidFill>
+                  <a:schemeClr val="bg1"/>
+                </a:solidFill>
+              </a:rPr>
+              <a:t>PNP</a:t>
+            </a:r>
+            <a:r>
+              <a:rPr lang="en-US" baseline="30000" dirty="0" smtClean="0">
+                <a:solidFill>
+                  <a:schemeClr val="bg1"/>
+                </a:solidFill>
+              </a:rPr>
+              <a:t>2</a:t>
+            </a:r>
+            <a:endParaRPr lang="en-US" dirty="0">
+              <a:solidFill>
+                <a:schemeClr val="bg1"/>
+              </a:solidFill>
+            </a:endParaRPr>
+          </a:p>
+        </p:txBody>
+      </p:sp>
+      <p:pic>
+        <p:nvPicPr>
+          <p:cNvPr id="8" name="Picture 7"/>
+          <p:cNvPicPr>
+            <a:picLocks noChangeAspect="1"/>
+          </p:cNvPicPr>
+          <p:nvPr/>
+        </p:nvPicPr>
+        <p:blipFill>
           <a:blip r:embed="rId5" cstate="print">
             <a:extLst>
               <a:ext uri="{28A0092B-C50C-407E-A947-70E740481C1C}">
@@ -7061,8 +7174,8 @@
         </p:blipFill>
         <p:spPr>
           <a:xfrm>
-            <a:off x="951863" y="2895600"/>
-            <a:ext cx="3367411" cy="2538000"/>
+            <a:off x="1066801" y="179207"/>
+            <a:ext cx="3367412" cy="2538000"/>
           </a:xfrm>
           <a:prstGeom prst="rect">
             <a:avLst/>
@@ -7108,13 +7221,13 @@
               <p:nvPr>
                 <p:extLst>
                   <p:ext uri="{D42A27DB-BD31-4B8C-83A1-F6EECF244321}">
-                    <p14:modId xmlns:p14="http://schemas.microsoft.com/office/powerpoint/2010/main" val="2596799893"/>
+                    <p14:modId xmlns:p14="http://schemas.microsoft.com/office/powerpoint/2010/main" val="1903668656"/>
                   </p:ext>
                 </p:extLst>
               </p:nvPr>
             </p:nvGraphicFramePr>
             <p:xfrm>
-              <a:off x="1066800" y="5455920"/>
+              <a:off x="694373" y="5688966"/>
               <a:ext cx="6688456" cy="1097280"/>
             </p:xfrm>
             <a:graphic>
@@ -7463,13 +7576,13 @@
               <p:nvPr>
                 <p:extLst>
                   <p:ext uri="{D42A27DB-BD31-4B8C-83A1-F6EECF244321}">
-                    <p14:modId xmlns:p14="http://schemas.microsoft.com/office/powerpoint/2010/main" val="2596799893"/>
+                    <p14:modId xmlns:p14="http://schemas.microsoft.com/office/powerpoint/2010/main" val="1903668656"/>
                   </p:ext>
                 </p:extLst>
               </p:nvPr>
             </p:nvGraphicFramePr>
             <p:xfrm>
-              <a:off x="1066800" y="5455920"/>
+              <a:off x="694373" y="5688966"/>
               <a:ext cx="6688456" cy="1097280"/>
             </p:xfrm>
             <a:graphic>
@@ -7566,7 +7679,7 @@
                         <a:blipFill>
                           <a:blip r:embed="rId6"/>
                           <a:stretch>
-                            <a:fillRect l="-301460" t="-4444" r="-1460" b="-317778"/>
+                            <a:fillRect l="-300000" t="-2222" r="-1455" b="-317778"/>
                           </a:stretch>
                         </a:blipFill>
                       </a:tcPr>
@@ -7783,47 +7896,13 @@
       </mc:AlternateContent>
       <p:sp>
         <p:nvSpPr>
-          <p:cNvPr id="12" name="TextBox 11"/>
-          <p:cNvSpPr txBox="1"/>
-          <p:nvPr/>
-        </p:nvSpPr>
-        <p:spPr>
-          <a:xfrm>
-            <a:off x="152400" y="1430181"/>
-            <a:ext cx="764953" cy="369332"/>
-          </a:xfrm>
-          <a:prstGeom prst="rect">
-            <a:avLst/>
-          </a:prstGeom>
-          <a:noFill/>
-        </p:spPr>
-        <p:txBody>
-          <a:bodyPr wrap="none" rtlCol="0">
-            <a:spAutoFit/>
-          </a:bodyPr>
-          <a:lstStyle/>
-          <a:p>
-            <a:r>
-              <a:rPr lang="en-US" dirty="0" smtClean="0"/>
-              <a:t>PNP</a:t>
-            </a:r>
-            <a:r>
-              <a:rPr lang="en-US" baseline="30000" dirty="0" smtClean="0"/>
-              <a:t>2</a:t>
-            </a:r>
-            <a:endParaRPr lang="en-US" dirty="0"/>
-          </a:p>
-        </p:txBody>
-      </p:sp>
-      <p:sp>
-        <p:nvSpPr>
           <p:cNvPr id="13" name="TextBox 12"/>
           <p:cNvSpPr txBox="1"/>
           <p:nvPr/>
         </p:nvSpPr>
         <p:spPr>
           <a:xfrm>
-            <a:off x="265411" y="3979934"/>
+            <a:off x="338659" y="4041300"/>
             <a:ext cx="538930" cy="369332"/>
           </a:xfrm>
           <a:prstGeom prst="rect">
@@ -7838,10 +7917,18 @@
           <a:lstStyle/>
           <a:p>
             <a:r>
-              <a:rPr lang="en-US" dirty="0" smtClean="0"/>
+              <a:rPr lang="en-US" dirty="0" smtClean="0">
+                <a:solidFill>
+                  <a:schemeClr val="bg1"/>
+                </a:solidFill>
+              </a:rPr>
               <a:t>NC</a:t>
             </a:r>
-            <a:endParaRPr lang="en-US" dirty="0"/>
+            <a:endParaRPr lang="en-US" dirty="0">
+              <a:solidFill>
+                <a:schemeClr val="bg1"/>
+              </a:solidFill>
+            </a:endParaRPr>
           </a:p>
         </p:txBody>
       </p:sp>
@@ -7901,7 +7988,7 @@
           <a:p>
             <a:r>
               <a:rPr lang="en-US" dirty="0" smtClean="0"/>
-              <a:t>Analysis of Periodic Systems (1/5)</a:t>
+              <a:t>Analysis of Periodic Systems (1/5) : Overview</a:t>
             </a:r>
             <a:endParaRPr lang="en-US" dirty="0"/>
           </a:p>
@@ -7924,7 +8011,52 @@
           </a:bodyPr>
           <a:lstStyle/>
           <a:p>
-            <a:endParaRPr lang="en-US" dirty="0" smtClean="0"/>
+            <a:r>
+              <a:rPr lang="en-US" dirty="0" smtClean="0"/>
+              <a:t>Many systems </a:t>
+            </a:r>
+            <a:r>
+              <a:rPr lang="en-US" dirty="0" smtClean="0"/>
+              <a:t>exhibit some form of periodicity, where a system is periodic if the data production, service, or consumption (p/s/r) rate is a periodic function of time</a:t>
+            </a:r>
+          </a:p>
+          <a:p>
+            <a:pPr lvl="1"/>
+            <a:r>
+              <a:rPr lang="en-US" dirty="0" smtClean="0"/>
+              <a:t>Time-integral of periodic data rates is the cumulative data (p/s/r) rate in the system.  These cumulative functions are called </a:t>
+            </a:r>
+            <a:r>
+              <a:rPr lang="en-US" b="1" dirty="0" smtClean="0"/>
+              <a:t>repeating</a:t>
+            </a:r>
+            <a:r>
+              <a:rPr lang="en-US" dirty="0" smtClean="0"/>
+              <a:t> functions.  </a:t>
+            </a:r>
+          </a:p>
+          <a:p>
+            <a:r>
+              <a:rPr lang="en-US" dirty="0" smtClean="0"/>
+              <a:t>We wish to analyze the behavior of the system, specifically by looking at the outputs in the system</a:t>
+            </a:r>
+          </a:p>
+          <a:p>
+            <a:pPr lvl="1"/>
+            <a:r>
+              <a:rPr lang="en-US" dirty="0" smtClean="0"/>
+              <a:t>If we show that the system’s outputs exhibit periodicity, we can show that the system has </a:t>
+            </a:r>
+            <a:r>
+              <a:rPr lang="en-US" b="1" dirty="0" smtClean="0"/>
+              <a:t>no unbounded buffer growth</a:t>
+            </a:r>
+          </a:p>
+          <a:p>
+            <a:r>
+              <a:rPr lang="en-US" dirty="0" smtClean="0"/>
+              <a:t>We will examine two periodic systems and analyze how their behavior changes over the course of two periods.  </a:t>
+            </a:r>
           </a:p>
         </p:txBody>
       </p:sp>
@@ -8149,7 +8281,7 @@
           <a:p>
             <a:r>
               <a:rPr lang="en-US" dirty="0" smtClean="0"/>
-              <a:t>Analysis of Periodic Systems (2/5)</a:t>
+              <a:t>Analysis of Periodic Systems (2/5) : System 1</a:t>
             </a:r>
             <a:endParaRPr lang="en-US" dirty="0"/>
           </a:p>
@@ -8353,7 +8485,7 @@
           <a:p>
             <a:r>
               <a:rPr lang="en-US" dirty="0" smtClean="0"/>
-              <a:t>Analysis of Periodic Systems (3/5)</a:t>
+              <a:t>Analysis of Periodic Systems (3/5): System 2</a:t>
             </a:r>
             <a:endParaRPr lang="en-US" dirty="0"/>
           </a:p>
@@ -8415,7 +8547,7 @@
           <a:p>
             <a:r>
               <a:rPr lang="en-US" dirty="0" smtClean="0"/>
-              <a:t>Analysis of Periodic Systems (4/5)</a:t>
+              <a:t>Analysis of Periodic Systems (4/5): Formal Definitions</a:t>
             </a:r>
             <a:endParaRPr lang="en-US" dirty="0"/>
           </a:p>
@@ -9460,7 +9592,7 @@
           <a:p>
             <a:r>
               <a:rPr lang="en-US" dirty="0" smtClean="0"/>
-              <a:t>Analysis of Periodic Systems (5/5)</a:t>
+              <a:t>Analysis of Periodic Systems (5/5): Stability Analysis</a:t>
             </a:r>
             <a:endParaRPr lang="en-US" dirty="0"/>
           </a:p>
@@ -9936,10 +10068,22 @@
                       </m:e>
                     </m:d>
                     <m:r>
+                      <a:rPr lang="en-US" i="1" smtClean="0">
+                        <a:latin typeface="Cambria Math" panose="02040503050406030204" pitchFamily="18" charset="0"/>
+                      </a:rPr>
+                      <m:t>, </m:t>
+                    </m:r>
+                    <m:r>
+                      <a:rPr lang="en-US" b="0" i="1" smtClean="0">
+                        <a:latin typeface="Cambria Math" panose="02040503050406030204" pitchFamily="18" charset="0"/>
+                      </a:rPr>
+                      <m:t> </m:t>
+                    </m:r>
+                    <m:r>
                       <a:rPr lang="en-US" i="1">
                         <a:latin typeface="Cambria Math" panose="02040503050406030204" pitchFamily="18" charset="0"/>
                       </a:rPr>
-                      <m:t>, ∀</m:t>
+                      <m:t>∀</m:t>
                     </m:r>
                     <m:r>
                       <a:rPr lang="en-US" i="1">
@@ -10102,7 +10246,7 @@
                       <a:rPr lang="en-US" b="0" i="1" smtClean="0">
                         <a:latin typeface="Cambria Math" panose="02040503050406030204" pitchFamily="18" charset="0"/>
                       </a:rPr>
-                      <m:t>,∀</m:t>
+                      <m:t>,     ∀</m:t>
                     </m:r>
                     <m:r>
                       <a:rPr lang="en-US" b="0" i="1" smtClean="0">
@@ -10148,7 +10292,7 @@
                 <a:pPr lvl="2"/>
                 <a:r>
                   <a:rPr lang="en-US" dirty="0" smtClean="0"/>
-                  <a:t>Implies that the system has </a:t>
+                  <a:t>Therefore the system has </a:t>
                 </a:r>
                 <a:r>
                   <a:rPr lang="en-US" b="1" dirty="0" smtClean="0"/>
@@ -10571,7 +10715,19 @@
                       <a:rPr lang="en-US" i="1">
                         <a:latin typeface="Cambria Math" panose="02040503050406030204" pitchFamily="18" charset="0"/>
                       </a:rPr>
-                      <m:t>, ∀</m:t>
+                      <m:t>, </m:t>
+                    </m:r>
+                    <m:r>
+                      <a:rPr lang="en-US" b="0" i="1" smtClean="0">
+                        <a:latin typeface="Cambria Math" panose="02040503050406030204" pitchFamily="18" charset="0"/>
+                      </a:rPr>
+                      <m:t> </m:t>
+                    </m:r>
+                    <m:r>
+                      <a:rPr lang="en-US" i="1">
+                        <a:latin typeface="Cambria Math" panose="02040503050406030204" pitchFamily="18" charset="0"/>
+                      </a:rPr>
+                      <m:t>∀</m:t>
                     </m:r>
                     <m:r>
                       <a:rPr lang="en-US" i="1">
@@ -10734,7 +10890,19 @@
                       <a:rPr lang="en-US" i="1">
                         <a:latin typeface="Cambria Math" panose="02040503050406030204" pitchFamily="18" charset="0"/>
                       </a:rPr>
-                      <m:t>,∀</m:t>
+                      <m:t>,</m:t>
+                    </m:r>
+                    <m:r>
+                      <a:rPr lang="en-US" b="0" i="1" smtClean="0">
+                        <a:latin typeface="Cambria Math" panose="02040503050406030204" pitchFamily="18" charset="0"/>
+                      </a:rPr>
+                      <m:t>     </m:t>
+                    </m:r>
+                    <m:r>
+                      <a:rPr lang="en-US" i="1">
+                        <a:latin typeface="Cambria Math" panose="02040503050406030204" pitchFamily="18" charset="0"/>
+                      </a:rPr>
+                      <m:t>∀</m:t>
                     </m:r>
                     <m:r>
                       <a:rPr lang="en-US" i="1">
@@ -10779,8 +10947,12 @@
               <a:p>
                 <a:pPr lvl="2"/>
                 <a:r>
+                  <a:rPr lang="en-US" dirty="0" smtClean="0"/>
+                  <a:t>Therefore the </a:t>
+                </a:r>
+                <a:r>
                   <a:rPr lang="en-US" dirty="0"/>
-                  <a:t>Implies that the system has </a:t>
+                  <a:t>system has </a:t>
                 </a:r>
                 <a:r>
                   <a:rPr lang="en-US" dirty="0" smtClean="0"/>

--- a/thesis/Defense.pptx
+++ b/thesis/Defense.pptx
@@ -5,10 +5,10 @@
     <p:sldMasterId id="2147483768" r:id="rId1"/>
   </p:sldMasterIdLst>
   <p:notesMasterIdLst>
-    <p:notesMasterId r:id="rId32"/>
+    <p:notesMasterId r:id="rId36"/>
   </p:notesMasterIdLst>
   <p:handoutMasterIdLst>
-    <p:handoutMasterId r:id="rId33"/>
+    <p:handoutMasterId r:id="rId37"/>
   </p:handoutMasterIdLst>
   <p:sldIdLst>
     <p:sldId id="256" r:id="rId2"/>
@@ -29,18 +29,22 @@
     <p:sldId id="363" r:id="rId17"/>
     <p:sldId id="364" r:id="rId18"/>
     <p:sldId id="365" r:id="rId19"/>
-    <p:sldId id="356" r:id="rId20"/>
-    <p:sldId id="351" r:id="rId21"/>
-    <p:sldId id="352" r:id="rId22"/>
-    <p:sldId id="357" r:id="rId23"/>
-    <p:sldId id="358" r:id="rId24"/>
-    <p:sldId id="353" r:id="rId25"/>
-    <p:sldId id="354" r:id="rId26"/>
-    <p:sldId id="326" r:id="rId27"/>
-    <p:sldId id="329" r:id="rId28"/>
-    <p:sldId id="340" r:id="rId29"/>
-    <p:sldId id="355" r:id="rId30"/>
-    <p:sldId id="335" r:id="rId31"/>
+    <p:sldId id="366" r:id="rId20"/>
+    <p:sldId id="367" r:id="rId21"/>
+    <p:sldId id="368" r:id="rId22"/>
+    <p:sldId id="369" r:id="rId23"/>
+    <p:sldId id="356" r:id="rId24"/>
+    <p:sldId id="351" r:id="rId25"/>
+    <p:sldId id="352" r:id="rId26"/>
+    <p:sldId id="357" r:id="rId27"/>
+    <p:sldId id="358" r:id="rId28"/>
+    <p:sldId id="353" r:id="rId29"/>
+    <p:sldId id="354" r:id="rId30"/>
+    <p:sldId id="326" r:id="rId31"/>
+    <p:sldId id="329" r:id="rId32"/>
+    <p:sldId id="340" r:id="rId33"/>
+    <p:sldId id="355" r:id="rId34"/>
+    <p:sldId id="335" r:id="rId35"/>
   </p:sldIdLst>
   <p:sldSz cx="9144000" cy="6858000" type="screen4x3"/>
   <p:notesSz cx="9296400" cy="7010400"/>
@@ -869,10 +873,27 @@
           <a:lstStyle/>
           <a:p>
             <a:r>
-              <a:rPr lang="en-US" baseline="0" dirty="0" smtClean="0"/>
-              <a:t>Don’t get into depth about CPN or anything</a:t>
-            </a:r>
-            <a:endParaRPr lang="en-US" dirty="0"/>
+              <a:rPr lang="en-US" dirty="0" smtClean="0"/>
+              <a:t>Need to mention how we measure buffer space requirements: using Linux’s built-in measurement tools</a:t>
+            </a:r>
+          </a:p>
+          <a:p>
+            <a:endParaRPr lang="en-US" dirty="0" smtClean="0"/>
+          </a:p>
+          <a:p>
+            <a:r>
+              <a:rPr lang="en-US" dirty="0" smtClean="0"/>
+              <a:t>Model same application with RTC and </a:t>
+            </a:r>
+            <a:r>
+              <a:rPr lang="en-US" dirty="0" smtClean="0"/>
+              <a:t>PNP</a:t>
+            </a:r>
+            <a:r>
+              <a:rPr lang="en-US" baseline="30000" dirty="0" smtClean="0"/>
+              <a:t>2</a:t>
+            </a:r>
+            <a:endParaRPr lang="en-US" dirty="0" smtClean="0"/>
           </a:p>
         </p:txBody>
       </p:sp>
@@ -894,7 +915,7 @@
             <a:fld id="{BF235529-9E21-485D-85D0-B510246CE809}" type="slidenum">
               <a:rPr lang="en-US" smtClean="0"/>
               <a:pPr/>
-              <a:t>21</a:t>
+              <a:t>24</a:t>
             </a:fld>
             <a:endParaRPr lang="en-US"/>
           </a:p>
@@ -903,7 +924,7 @@
     </p:spTree>
     <p:extLst>
       <p:ext uri="{BB962C8B-B14F-4D97-AF65-F5344CB8AC3E}">
-        <p14:creationId xmlns:p14="http://schemas.microsoft.com/office/powerpoint/2010/main" val="1242748954"/>
+        <p14:creationId xmlns:p14="http://schemas.microsoft.com/office/powerpoint/2010/main" val="222063346"/>
       </p:ext>
     </p:extLst>
   </p:cSld>
@@ -958,26 +979,8 @@
           <a:lstStyle/>
           <a:p>
             <a:r>
-              <a:rPr lang="en-US" dirty="0" smtClean="0"/>
-              <a:t>2 component-based applications (shades of blue) split across 4 nodes in a cluster </a:t>
-            </a:r>
-          </a:p>
-          <a:p>
-            <a:endParaRPr lang="en-US" dirty="0" smtClean="0"/>
-          </a:p>
-          <a:p>
-            <a:r>
-              <a:rPr lang="en-US" dirty="0" smtClean="0"/>
-              <a:t>Apps communicate with each other</a:t>
-            </a:r>
-          </a:p>
-          <a:p>
-            <a:endParaRPr lang="en-US" dirty="0" smtClean="0"/>
-          </a:p>
-          <a:p>
-            <a:r>
-              <a:rPr lang="en-US" dirty="0" smtClean="0"/>
-              <a:t>All port traffic flows on the network</a:t>
+              <a:rPr lang="en-US" baseline="0" dirty="0" smtClean="0"/>
+              <a:t>Don’t get into depth about CPN or anything</a:t>
             </a:r>
             <a:endParaRPr lang="en-US" dirty="0"/>
           </a:p>
@@ -1001,7 +1004,7 @@
             <a:fld id="{BF235529-9E21-485D-85D0-B510246CE809}" type="slidenum">
               <a:rPr lang="en-US" smtClean="0"/>
               <a:pPr/>
-              <a:t>22</a:t>
+              <a:t>25</a:t>
             </a:fld>
             <a:endParaRPr lang="en-US"/>
           </a:p>
@@ -1010,7 +1013,7 @@
     </p:spTree>
     <p:extLst>
       <p:ext uri="{BB962C8B-B14F-4D97-AF65-F5344CB8AC3E}">
-        <p14:creationId xmlns:p14="http://schemas.microsoft.com/office/powerpoint/2010/main" val="101021381"/>
+        <p14:creationId xmlns:p14="http://schemas.microsoft.com/office/powerpoint/2010/main" val="1242748954"/>
       </p:ext>
     </p:extLst>
   </p:cSld>
@@ -1065,8 +1068,26 @@
           <a:lstStyle/>
           <a:p>
             <a:r>
-              <a:rPr lang="en-US" baseline="0" dirty="0" smtClean="0"/>
-              <a:t>Don’t get into depth about CPN or anything</a:t>
+              <a:rPr lang="en-US" dirty="0" smtClean="0"/>
+              <a:t>2 component-based applications (shades of blue) split across 4 nodes in a cluster </a:t>
+            </a:r>
+          </a:p>
+          <a:p>
+            <a:endParaRPr lang="en-US" dirty="0" smtClean="0"/>
+          </a:p>
+          <a:p>
+            <a:r>
+              <a:rPr lang="en-US" dirty="0" smtClean="0"/>
+              <a:t>Apps communicate with each other</a:t>
+            </a:r>
+          </a:p>
+          <a:p>
+            <a:endParaRPr lang="en-US" dirty="0" smtClean="0"/>
+          </a:p>
+          <a:p>
+            <a:r>
+              <a:rPr lang="en-US" dirty="0" smtClean="0"/>
+              <a:t>All port traffic flows on the network</a:t>
             </a:r>
             <a:endParaRPr lang="en-US" dirty="0"/>
           </a:p>
@@ -1090,7 +1111,7 @@
             <a:fld id="{BF235529-9E21-485D-85D0-B510246CE809}" type="slidenum">
               <a:rPr lang="en-US" smtClean="0"/>
               <a:pPr/>
-              <a:t>23</a:t>
+              <a:t>26</a:t>
             </a:fld>
             <a:endParaRPr lang="en-US"/>
           </a:p>
@@ -1153,6 +1174,10 @@
           <a:bodyPr/>
           <a:lstStyle/>
           <a:p>
+            <a:r>
+              <a:rPr lang="en-US" baseline="0" dirty="0" smtClean="0"/>
+              <a:t>Don’t get into depth about CPN or anything</a:t>
+            </a:r>
             <a:endParaRPr lang="en-US" dirty="0"/>
           </a:p>
         </p:txBody>
@@ -1175,7 +1200,7 @@
             <a:fld id="{BF235529-9E21-485D-85D0-B510246CE809}" type="slidenum">
               <a:rPr lang="en-US" smtClean="0"/>
               <a:pPr/>
-              <a:t>24</a:t>
+              <a:t>27</a:t>
             </a:fld>
             <a:endParaRPr lang="en-US"/>
           </a:p>
@@ -1184,7 +1209,7 @@
     </p:spTree>
     <p:extLst>
       <p:ext uri="{BB962C8B-B14F-4D97-AF65-F5344CB8AC3E}">
-        <p14:creationId xmlns:p14="http://schemas.microsoft.com/office/powerpoint/2010/main" val="3297586425"/>
+        <p14:creationId xmlns:p14="http://schemas.microsoft.com/office/powerpoint/2010/main" val="101021381"/>
       </p:ext>
     </p:extLst>
   </p:cSld>
@@ -1238,31 +1263,6 @@
           <a:bodyPr/>
           <a:lstStyle/>
           <a:p>
-            <a:r>
-              <a:rPr lang="en-US" dirty="0" smtClean="0"/>
-              <a:t>Since/if we know expected behavior, we can detect deviations from</a:t>
-            </a:r>
-            <a:r>
-              <a:rPr lang="en-US" baseline="0" dirty="0" smtClean="0"/>
-              <a:t> expected behavior;</a:t>
-            </a:r>
-          </a:p>
-          <a:p>
-            <a:endParaRPr lang="en-US" baseline="0" dirty="0" smtClean="0"/>
-          </a:p>
-          <a:p>
-            <a:r>
-              <a:rPr lang="en-US" baseline="0" dirty="0" smtClean="0"/>
-              <a:t>This is a </a:t>
-            </a:r>
-            <a:r>
-              <a:rPr lang="en-US" b="1" baseline="0" dirty="0" smtClean="0"/>
-              <a:t>managed</a:t>
-            </a:r>
-            <a:r>
-              <a:rPr lang="en-US" b="0" baseline="0" dirty="0" smtClean="0"/>
-              <a:t> system, we have full control over the layers in every node, but not over the applications</a:t>
-            </a:r>
             <a:endParaRPr lang="en-US" dirty="0"/>
           </a:p>
         </p:txBody>
@@ -1285,7 +1285,117 @@
             <a:fld id="{BF235529-9E21-485D-85D0-B510246CE809}" type="slidenum">
               <a:rPr lang="en-US" smtClean="0"/>
               <a:pPr/>
-              <a:t>26</a:t>
+              <a:t>28</a:t>
+            </a:fld>
+            <a:endParaRPr lang="en-US"/>
+          </a:p>
+        </p:txBody>
+      </p:sp>
+    </p:spTree>
+    <p:extLst>
+      <p:ext uri="{BB962C8B-B14F-4D97-AF65-F5344CB8AC3E}">
+        <p14:creationId xmlns:p14="http://schemas.microsoft.com/office/powerpoint/2010/main" val="3297586425"/>
+      </p:ext>
+    </p:extLst>
+  </p:cSld>
+  <p:clrMapOvr>
+    <a:masterClrMapping/>
+  </p:clrMapOvr>
+</p:notes>
+</file>
+
+<file path=ppt/notesSlides/notesSlide15.xml><?xml version="1.0" encoding="utf-8"?>
+<p:notes xmlns:a="http://schemas.openxmlformats.org/drawingml/2006/main" xmlns:r="http://schemas.openxmlformats.org/officeDocument/2006/relationships" xmlns:p="http://schemas.openxmlformats.org/presentationml/2006/main">
+  <p:cSld>
+    <p:spTree>
+      <p:nvGrpSpPr>
+        <p:cNvPr id="1" name=""/>
+        <p:cNvGrpSpPr/>
+        <p:nvPr/>
+      </p:nvGrpSpPr>
+      <p:grpSpPr>
+        <a:xfrm>
+          <a:off x="0" y="0"/>
+          <a:ext cx="0" cy="0"/>
+          <a:chOff x="0" y="0"/>
+          <a:chExt cx="0" cy="0"/>
+        </a:xfrm>
+      </p:grpSpPr>
+      <p:sp>
+        <p:nvSpPr>
+          <p:cNvPr id="2" name="Slide Image Placeholder 1"/>
+          <p:cNvSpPr>
+            <a:spLocks noGrp="1" noRot="1" noChangeAspect="1"/>
+          </p:cNvSpPr>
+          <p:nvPr>
+            <p:ph type="sldImg"/>
+          </p:nvPr>
+        </p:nvSpPr>
+        <p:spPr/>
+      </p:sp>
+      <p:sp>
+        <p:nvSpPr>
+          <p:cNvPr id="3" name="Notes Placeholder 2"/>
+          <p:cNvSpPr>
+            <a:spLocks noGrp="1"/>
+          </p:cNvSpPr>
+          <p:nvPr>
+            <p:ph type="body" idx="1"/>
+          </p:nvPr>
+        </p:nvSpPr>
+        <p:spPr/>
+        <p:txBody>
+          <a:bodyPr/>
+          <a:lstStyle/>
+          <a:p>
+            <a:r>
+              <a:rPr lang="en-US" dirty="0" smtClean="0"/>
+              <a:t>Since/if we know expected behavior, we can detect deviations from</a:t>
+            </a:r>
+            <a:r>
+              <a:rPr lang="en-US" baseline="0" dirty="0" smtClean="0"/>
+              <a:t> expected behavior;</a:t>
+            </a:r>
+          </a:p>
+          <a:p>
+            <a:endParaRPr lang="en-US" baseline="0" dirty="0" smtClean="0"/>
+          </a:p>
+          <a:p>
+            <a:r>
+              <a:rPr lang="en-US" baseline="0" dirty="0" smtClean="0"/>
+              <a:t>This is a </a:t>
+            </a:r>
+            <a:r>
+              <a:rPr lang="en-US" b="1" baseline="0" dirty="0" smtClean="0"/>
+              <a:t>managed</a:t>
+            </a:r>
+            <a:r>
+              <a:rPr lang="en-US" b="0" baseline="0" dirty="0" smtClean="0"/>
+              <a:t> system, we have full control over the layers in every node, but not over the applications</a:t>
+            </a:r>
+            <a:endParaRPr lang="en-US" dirty="0"/>
+          </a:p>
+        </p:txBody>
+      </p:sp>
+      <p:sp>
+        <p:nvSpPr>
+          <p:cNvPr id="4" name="Slide Number Placeholder 3"/>
+          <p:cNvSpPr>
+            <a:spLocks noGrp="1"/>
+          </p:cNvSpPr>
+          <p:nvPr>
+            <p:ph type="sldNum" sz="quarter" idx="10"/>
+          </p:nvPr>
+        </p:nvSpPr>
+        <p:spPr/>
+        <p:txBody>
+          <a:bodyPr/>
+          <a:lstStyle/>
+          <a:p>
+            <a:fld id="{BF235529-9E21-485D-85D0-B510246CE809}" type="slidenum">
+              <a:rPr lang="en-US" smtClean="0"/>
+              <a:pPr/>
+              <a:t>30</a:t>
             </a:fld>
             <a:endParaRPr lang="en-US"/>
           </a:p>
@@ -2463,85 +2573,14 @@
           <a:bodyPr/>
           <a:lstStyle/>
           <a:p>
-            <a:pPr marL="171450" marR="0" lvl="1" indent="-171450" algn="l" defTabSz="914400" rtl="0" eaLnBrk="1" fontAlgn="auto" latinLnBrk="0" hangingPunct="1">
-              <a:lnSpc>
-                <a:spcPct val="100000"/>
-              </a:lnSpc>
-              <a:spcBef>
-                <a:spcPts val="0"/>
-              </a:spcBef>
-              <a:spcAft>
-                <a:spcPts val="0"/>
-              </a:spcAft>
-              <a:buClrTx/>
-              <a:buSzTx/>
-              <a:buFont typeface="Arial" panose="020B0604020202020204" pitchFamily="34" charset="0"/>
-              <a:buChar char="•"/>
-              <a:tabLst/>
-              <a:defRPr/>
-            </a:pPr>
-            <a:r>
-              <a:rPr lang="en-US" dirty="0" smtClean="0"/>
-              <a:t>the remaining capacity of the system at the end of the </a:t>
-            </a:r>
-            <a:r>
-              <a:rPr lang="en-US" dirty="0" err="1" smtClean="0"/>
-              <a:t>hyperperiod</a:t>
-            </a:r>
-            <a:r>
-              <a:rPr lang="en-US" dirty="0" smtClean="0"/>
-              <a:t> is less than the amount of data in the buffer at the end of the period</a:t>
-            </a:r>
-          </a:p>
-          <a:p>
-            <a:pPr marL="171450" marR="0" lvl="1" indent="-171450" algn="l" defTabSz="914400" rtl="0" eaLnBrk="1" fontAlgn="auto" latinLnBrk="0" hangingPunct="1">
-              <a:lnSpc>
-                <a:spcPct val="100000"/>
-              </a:lnSpc>
-              <a:spcBef>
-                <a:spcPts val="0"/>
-              </a:spcBef>
-              <a:spcAft>
-                <a:spcPts val="0"/>
-              </a:spcAft>
-              <a:buClrTx/>
-              <a:buSzTx/>
-              <a:buFont typeface="Arial" panose="020B0604020202020204" pitchFamily="34" charset="0"/>
-              <a:buChar char="•"/>
-              <a:tabLst/>
-              <a:defRPr/>
-            </a:pPr>
-            <a:endParaRPr lang="en-US" dirty="0" smtClean="0"/>
-          </a:p>
-          <a:p>
-            <a:pPr marL="171450" marR="0" lvl="1" indent="-171450" algn="l" defTabSz="914400" rtl="0" eaLnBrk="1" fontAlgn="auto" latinLnBrk="0" hangingPunct="1">
-              <a:lnSpc>
-                <a:spcPct val="100000"/>
-              </a:lnSpc>
-              <a:spcBef>
-                <a:spcPts val="0"/>
-              </a:spcBef>
-              <a:spcAft>
-                <a:spcPts val="0"/>
-              </a:spcAft>
-              <a:buClrTx/>
-              <a:buSzTx/>
-              <a:buFont typeface="Arial" panose="020B0604020202020204" pitchFamily="34" charset="0"/>
-              <a:buChar char="•"/>
-              <a:tabLst/>
-              <a:defRPr/>
-            </a:pPr>
-            <a:r>
-              <a:rPr lang="en-US" dirty="0" smtClean="0"/>
-              <a:t>In</a:t>
+            <a:r>
+              <a:rPr lang="en-US" dirty="0" smtClean="0"/>
+              <a:t>Talk about how the results are analyzed</a:t>
             </a:r>
             <a:r>
               <a:rPr lang="en-US" baseline="0" dirty="0" smtClean="0"/>
-              <a:t> addition to the period’s required traffic</a:t>
-            </a:r>
-            <a:endParaRPr lang="en-US" dirty="0" smtClean="0"/>
-          </a:p>
-          <a:p>
+              <a:t>, i.e. why they are different and what that means</a:t>
+            </a:r>
             <a:endParaRPr lang="en-US" dirty="0"/>
           </a:p>
         </p:txBody>
@@ -2564,7 +2603,7 @@
             <a:fld id="{BF235529-9E21-485D-85D0-B510246CE809}" type="slidenum">
               <a:rPr lang="en-US" smtClean="0"/>
               <a:pPr/>
-              <a:t>18</a:t>
+              <a:t>13</a:t>
             </a:fld>
             <a:endParaRPr lang="en-US"/>
           </a:p>
@@ -2573,7 +2612,7 @@
     </p:spTree>
     <p:extLst>
       <p:ext uri="{BB962C8B-B14F-4D97-AF65-F5344CB8AC3E}">
-        <p14:creationId xmlns:p14="http://schemas.microsoft.com/office/powerpoint/2010/main" val="677231793"/>
+        <p14:creationId xmlns:p14="http://schemas.microsoft.com/office/powerpoint/2010/main" val="2788276280"/>
       </p:ext>
     </p:extLst>
   </p:cSld>
@@ -2627,28 +2666,86 @@
           <a:bodyPr/>
           <a:lstStyle/>
           <a:p>
-            <a:r>
-              <a:rPr lang="en-US" dirty="0" smtClean="0"/>
-              <a:t>Need to mention how we measure buffer space requirements: using Linux’s built-in measurement tools</a:t>
-            </a:r>
-          </a:p>
-          <a:p>
+            <a:pPr marL="171450" marR="0" lvl="1" indent="-171450" algn="l" defTabSz="914400" rtl="0" eaLnBrk="1" fontAlgn="auto" latinLnBrk="0" hangingPunct="1">
+              <a:lnSpc>
+                <a:spcPct val="100000"/>
+              </a:lnSpc>
+              <a:spcBef>
+                <a:spcPts val="0"/>
+              </a:spcBef>
+              <a:spcAft>
+                <a:spcPts val="0"/>
+              </a:spcAft>
+              <a:buClrTx/>
+              <a:buSzTx/>
+              <a:buFont typeface="Arial" panose="020B0604020202020204" pitchFamily="34" charset="0"/>
+              <a:buChar char="•"/>
+              <a:tabLst/>
+              <a:defRPr/>
+            </a:pPr>
+            <a:r>
+              <a:rPr lang="en-US" dirty="0" smtClean="0"/>
+              <a:t>the remaining capacity of the system at the end of the </a:t>
+            </a:r>
+            <a:r>
+              <a:rPr lang="en-US" dirty="0" err="1" smtClean="0"/>
+              <a:t>hyperperiod</a:t>
+            </a:r>
+            <a:r>
+              <a:rPr lang="en-US" dirty="0" smtClean="0"/>
+              <a:t> is less than the amount of data in the buffer at the end of the period</a:t>
+            </a:r>
+          </a:p>
+          <a:p>
+            <a:pPr marL="171450" marR="0" lvl="1" indent="-171450" algn="l" defTabSz="914400" rtl="0" eaLnBrk="1" fontAlgn="auto" latinLnBrk="0" hangingPunct="1">
+              <a:lnSpc>
+                <a:spcPct val="100000"/>
+              </a:lnSpc>
+              <a:spcBef>
+                <a:spcPts val="0"/>
+              </a:spcBef>
+              <a:spcAft>
+                <a:spcPts val="0"/>
+              </a:spcAft>
+              <a:buClrTx/>
+              <a:buSzTx/>
+              <a:buFont typeface="Arial" panose="020B0604020202020204" pitchFamily="34" charset="0"/>
+              <a:buChar char="•"/>
+              <a:tabLst/>
+              <a:defRPr/>
+            </a:pPr>
             <a:endParaRPr lang="en-US" dirty="0" smtClean="0"/>
           </a:p>
           <a:p>
-            <a:r>
-              <a:rPr lang="en-US" dirty="0" smtClean="0"/>
-              <a:t>Model same application with RTC and </a:t>
-            </a:r>
-            <a:r>
-              <a:rPr lang="en-US" dirty="0" smtClean="0"/>
-              <a:t>PNP</a:t>
-            </a:r>
-            <a:r>
-              <a:rPr lang="en-US" baseline="30000" dirty="0" smtClean="0"/>
-              <a:t>2</a:t>
+            <a:pPr marL="171450" marR="0" lvl="1" indent="-171450" algn="l" defTabSz="914400" rtl="0" eaLnBrk="1" fontAlgn="auto" latinLnBrk="0" hangingPunct="1">
+              <a:lnSpc>
+                <a:spcPct val="100000"/>
+              </a:lnSpc>
+              <a:spcBef>
+                <a:spcPts val="0"/>
+              </a:spcBef>
+              <a:spcAft>
+                <a:spcPts val="0"/>
+              </a:spcAft>
+              <a:buClrTx/>
+              <a:buSzTx/>
+              <a:buFont typeface="Arial" panose="020B0604020202020204" pitchFamily="34" charset="0"/>
+              <a:buChar char="•"/>
+              <a:tabLst/>
+              <a:defRPr/>
+            </a:pPr>
+            <a:r>
+              <a:rPr lang="en-US" dirty="0" smtClean="0"/>
+              <a:t>In</a:t>
+            </a:r>
+            <a:r>
+              <a:rPr lang="en-US" baseline="0" dirty="0" smtClean="0"/>
+              <a:t> addition to the period’s required traffic</a:t>
             </a:r>
             <a:endParaRPr lang="en-US" dirty="0" smtClean="0"/>
+          </a:p>
+          <a:p>
+            <a:endParaRPr lang="en-US" dirty="0"/>
           </a:p>
         </p:txBody>
       </p:sp>
@@ -2670,7 +2767,7 @@
             <a:fld id="{BF235529-9E21-485D-85D0-B510246CE809}" type="slidenum">
               <a:rPr lang="en-US" smtClean="0"/>
               <a:pPr/>
-              <a:t>20</a:t>
+              <a:t>18</a:t>
             </a:fld>
             <a:endParaRPr lang="en-US"/>
           </a:p>
@@ -2679,7 +2776,7 @@
     </p:spTree>
     <p:extLst>
       <p:ext uri="{BB962C8B-B14F-4D97-AF65-F5344CB8AC3E}">
-        <p14:creationId xmlns:p14="http://schemas.microsoft.com/office/powerpoint/2010/main" val="222063346"/>
+        <p14:creationId xmlns:p14="http://schemas.microsoft.com/office/powerpoint/2010/main" val="677231793"/>
       </p:ext>
     </p:extLst>
   </p:cSld>
@@ -6941,7 +7038,7 @@
           </p:nvPr>
         </p:nvPicPr>
         <p:blipFill>
-          <a:blip r:embed="rId2" cstate="print">
+          <a:blip r:embed="rId3" cstate="print">
             <a:extLst>
               <a:ext uri="{28A0092B-C50C-407E-A947-70E740481C1C}">
                 <a14:useLocalDpi xmlns:a14="http://schemas.microsoft.com/office/drawing/2010/main" val="0"/>
@@ -6999,7 +7096,7 @@
           <p:nvPr/>
         </p:nvPicPr>
         <p:blipFill>
-          <a:blip r:embed="rId3" cstate="print">
+          <a:blip r:embed="rId4" cstate="print">
             <a:extLst>
               <a:ext uri="{28A0092B-C50C-407E-A947-70E740481C1C}">
                 <a14:useLocalDpi xmlns:a14="http://schemas.microsoft.com/office/drawing/2010/main" val="0"/>
@@ -7057,7 +7154,7 @@
           <p:nvPr/>
         </p:nvPicPr>
         <p:blipFill>
-          <a:blip r:embed="rId4" cstate="print">
+          <a:blip r:embed="rId5" cstate="print">
             <a:extLst>
               <a:ext uri="{28A0092B-C50C-407E-A947-70E740481C1C}">
                 <a14:useLocalDpi xmlns:a14="http://schemas.microsoft.com/office/drawing/2010/main" val="0"/>
@@ -7161,7 +7258,7 @@
           <p:nvPr/>
         </p:nvPicPr>
         <p:blipFill>
-          <a:blip r:embed="rId5" cstate="print">
+          <a:blip r:embed="rId6" cstate="print">
             <a:extLst>
               <a:ext uri="{28A0092B-C50C-407E-A947-70E740481C1C}">
                 <a14:useLocalDpi xmlns:a14="http://schemas.microsoft.com/office/drawing/2010/main" val="0"/>
@@ -7677,7 +7774,7 @@
                       </a:txBody>
                       <a:tcPr>
                         <a:blipFill>
-                          <a:blip r:embed="rId6"/>
+                          <a:blip r:embed="rId7"/>
                           <a:stretch>
                             <a:fillRect l="-300000" t="-2222" r="-1455" b="-317778"/>
                           </a:stretch>
@@ -11081,6 +11178,1003 @@
         </p:nvSpPr>
         <p:spPr/>
         <p:txBody>
+          <a:bodyPr>
+            <a:normAutofit/>
+          </a:bodyPr>
+          <a:lstStyle/>
+          <a:p>
+            <a:r>
+              <a:rPr lang="en-US" dirty="0" smtClean="0"/>
+              <a:t>PNP</a:t>
+            </a:r>
+            <a:r>
+              <a:rPr lang="en-US" baseline="30000" dirty="0" smtClean="0"/>
+              <a:t>2</a:t>
+            </a:r>
+            <a:r>
+              <a:rPr lang="en-US" dirty="0" smtClean="0"/>
+              <a:t> Analysis of TDMA</a:t>
+            </a:r>
+            <a:endParaRPr lang="en-US" dirty="0"/>
+          </a:p>
+        </p:txBody>
+      </p:sp>
+      <p:sp>
+        <p:nvSpPr>
+          <p:cNvPr id="3" name="Content Placeholder 2"/>
+          <p:cNvSpPr>
+            <a:spLocks noGrp="1"/>
+          </p:cNvSpPr>
+          <p:nvPr>
+            <p:ph idx="1"/>
+          </p:nvPr>
+        </p:nvSpPr>
+        <p:spPr/>
+        <p:txBody>
+          <a:bodyPr>
+            <a:normAutofit lnSpcReduction="10000"/>
+          </a:bodyPr>
+          <a:lstStyle/>
+          <a:p>
+            <a:r>
+              <a:rPr lang="en-US" dirty="0" smtClean="0"/>
+              <a:t>Validated the accuracy of PNP</a:t>
+            </a:r>
+            <a:r>
+              <a:rPr lang="en-US" baseline="30000" dirty="0" smtClean="0"/>
+              <a:t>2</a:t>
+            </a:r>
+            <a:r>
+              <a:rPr lang="en-US" dirty="0" smtClean="0"/>
+              <a:t> predictions using custom network traffic generation code and a network testbed</a:t>
+            </a:r>
+          </a:p>
+          <a:p>
+            <a:pPr lvl="1"/>
+            <a:r>
+              <a:rPr lang="en-US" dirty="0" smtClean="0"/>
+              <a:t>Used </a:t>
+            </a:r>
+            <a:r>
+              <a:rPr lang="en-US" dirty="0" err="1" smtClean="0"/>
+              <a:t>Dummynet</a:t>
+            </a:r>
+            <a:r>
+              <a:rPr lang="en-US" dirty="0" smtClean="0"/>
+              <a:t> to perform traffic shaping and link emulation</a:t>
+            </a:r>
+          </a:p>
+          <a:p>
+            <a:r>
+              <a:rPr lang="en-US" dirty="0" smtClean="0"/>
+              <a:t>Integrated Network Calculus model into PNP</a:t>
+            </a:r>
+            <a:r>
+              <a:rPr lang="en-US" baseline="30000" dirty="0" smtClean="0"/>
+              <a:t>2</a:t>
+            </a:r>
+            <a:r>
+              <a:rPr lang="en-US" dirty="0" smtClean="0"/>
+              <a:t> tool, allows analysis of PNP</a:t>
+            </a:r>
+            <a:r>
+              <a:rPr lang="en-US" baseline="30000" dirty="0" smtClean="0"/>
+              <a:t>2</a:t>
+            </a:r>
+            <a:r>
+              <a:rPr lang="en-US" dirty="0" smtClean="0"/>
+              <a:t> model using NC’s semantics</a:t>
+            </a:r>
+          </a:p>
+          <a:p>
+            <a:pPr lvl="1"/>
+            <a:r>
+              <a:rPr lang="en-US" dirty="0" smtClean="0"/>
+              <a:t>Enables direct, easy comparison between analysis techniques</a:t>
+            </a:r>
+          </a:p>
+          <a:p>
+            <a:r>
+              <a:rPr lang="en-US" dirty="0" smtClean="0"/>
+              <a:t>Network Calculus defines arrival curves and service curves as functions of time-window size, therefore it cannot precisely analyze systems where the applications’ data production is tightly coupled with the service capacity of the system</a:t>
+            </a:r>
+          </a:p>
+          <a:p>
+            <a:pPr lvl="1"/>
+            <a:r>
+              <a:rPr lang="en-US" dirty="0" smtClean="0"/>
+              <a:t>i.e. applications know a </a:t>
+            </a:r>
+            <a:r>
+              <a:rPr lang="en-US" dirty="0" err="1" smtClean="0"/>
+              <a:t>prioi</a:t>
+            </a:r>
+            <a:r>
+              <a:rPr lang="en-US" dirty="0" smtClean="0"/>
+              <a:t> when the system will have high network capacity and are designed to send their data at that time</a:t>
+            </a:r>
+          </a:p>
+          <a:p>
+            <a:pPr lvl="1"/>
+            <a:endParaRPr lang="en-US" b="1" dirty="0" smtClean="0"/>
+          </a:p>
+        </p:txBody>
+      </p:sp>
+      <p:sp>
+        <p:nvSpPr>
+          <p:cNvPr id="4" name="Slide Number Placeholder 3"/>
+          <p:cNvSpPr>
+            <a:spLocks noGrp="1"/>
+          </p:cNvSpPr>
+          <p:nvPr>
+            <p:ph type="sldNum" sz="quarter" idx="12"/>
+          </p:nvPr>
+        </p:nvSpPr>
+        <p:spPr/>
+        <p:txBody>
+          <a:bodyPr/>
+          <a:lstStyle/>
+          <a:p>
+            <a:fld id="{4FAB73BC-B049-4115-A692-8D63A059BFB8}" type="slidenum">
+              <a:rPr lang="en-US" smtClean="0"/>
+              <a:t>19</a:t>
+            </a:fld>
+            <a:endParaRPr lang="en-US" dirty="0"/>
+          </a:p>
+        </p:txBody>
+      </p:sp>
+    </p:spTree>
+    <p:extLst>
+      <p:ext uri="{BB962C8B-B14F-4D97-AF65-F5344CB8AC3E}">
+        <p14:creationId xmlns:p14="http://schemas.microsoft.com/office/powerpoint/2010/main" val="3522731945"/>
+      </p:ext>
+    </p:extLst>
+  </p:cSld>
+  <p:clrMapOvr>
+    <a:masterClrMapping/>
+  </p:clrMapOvr>
+  <p:timing>
+    <p:tnLst>
+      <p:par>
+        <p:cTn id="1" dur="indefinite" restart="never" nodeType="tmRoot"/>
+      </p:par>
+    </p:tnLst>
+  </p:timing>
+</p:sld>
+</file>
+
+<file path=ppt/slides/slide2.xml><?xml version="1.0" encoding="utf-8"?>
+<p:sld xmlns:a="http://schemas.openxmlformats.org/drawingml/2006/main" xmlns:r="http://schemas.openxmlformats.org/officeDocument/2006/relationships" xmlns:p="http://schemas.openxmlformats.org/presentationml/2006/main">
+  <p:cSld>
+    <p:spTree>
+      <p:nvGrpSpPr>
+        <p:cNvPr id="1" name=""/>
+        <p:cNvGrpSpPr/>
+        <p:nvPr/>
+      </p:nvGrpSpPr>
+      <p:grpSpPr>
+        <a:xfrm>
+          <a:off x="0" y="0"/>
+          <a:ext cx="0" cy="0"/>
+          <a:chOff x="0" y="0"/>
+          <a:chExt cx="0" cy="0"/>
+        </a:xfrm>
+      </p:grpSpPr>
+      <p:sp>
+        <p:nvSpPr>
+          <p:cNvPr id="2" name="Title 1"/>
+          <p:cNvSpPr>
+            <a:spLocks noGrp="1"/>
+          </p:cNvSpPr>
+          <p:nvPr>
+            <p:ph type="title"/>
+          </p:nvPr>
+        </p:nvSpPr>
+        <p:spPr/>
+        <p:txBody>
+          <a:bodyPr/>
+          <a:lstStyle/>
+          <a:p>
+            <a:r>
+              <a:rPr lang="en-US" dirty="0" smtClean="0"/>
+              <a:t>Outline</a:t>
+            </a:r>
+            <a:endParaRPr lang="en-US" dirty="0"/>
+          </a:p>
+        </p:txBody>
+      </p:sp>
+      <p:sp>
+        <p:nvSpPr>
+          <p:cNvPr id="3" name="Content Placeholder 2"/>
+          <p:cNvSpPr>
+            <a:spLocks noGrp="1"/>
+          </p:cNvSpPr>
+          <p:nvPr>
+            <p:ph idx="1"/>
+          </p:nvPr>
+        </p:nvSpPr>
+        <p:spPr/>
+        <p:txBody>
+          <a:bodyPr>
+            <a:normAutofit fontScale="85000" lnSpcReduction="20000"/>
+          </a:bodyPr>
+          <a:lstStyle/>
+          <a:p>
+            <a:r>
+              <a:rPr lang="en-US" dirty="0" smtClean="0"/>
+              <a:t>Introduction </a:t>
+            </a:r>
+          </a:p>
+          <a:p>
+            <a:r>
+              <a:rPr lang="en-US" dirty="0" smtClean="0"/>
+              <a:t>Related Work</a:t>
+            </a:r>
+          </a:p>
+          <a:p>
+            <a:r>
+              <a:rPr lang="en-US" dirty="0" smtClean="0"/>
+              <a:t>Results: </a:t>
+            </a:r>
+          </a:p>
+          <a:p>
+            <a:pPr lvl="1"/>
+            <a:r>
+              <a:rPr lang="en-US" dirty="0" smtClean="0"/>
+              <a:t>Design-Time Network Performance Analysis of Distributed CPS Applications</a:t>
+            </a:r>
+          </a:p>
+          <a:p>
+            <a:pPr lvl="2"/>
+            <a:r>
+              <a:rPr lang="en-US" dirty="0" smtClean="0"/>
+              <a:t>Precise Network Performance </a:t>
+            </a:r>
+            <a:r>
+              <a:rPr lang="en-US" dirty="0"/>
+              <a:t>Prediction</a:t>
+            </a:r>
+          </a:p>
+          <a:p>
+            <a:pPr lvl="2"/>
+            <a:r>
+              <a:rPr lang="en-US" dirty="0"/>
+              <a:t>Comparison with Network Calculus</a:t>
+            </a:r>
+            <a:endParaRPr lang="en-US" dirty="0" smtClean="0"/>
+          </a:p>
+          <a:p>
+            <a:pPr lvl="2"/>
+            <a:r>
+              <a:rPr lang="en-US" dirty="0" smtClean="0"/>
+              <a:t>Analysis of Periodic </a:t>
+            </a:r>
+            <a:r>
+              <a:rPr lang="en-US" dirty="0" smtClean="0"/>
+              <a:t>Systems</a:t>
+            </a:r>
+          </a:p>
+          <a:p>
+            <a:pPr lvl="2"/>
+            <a:r>
+              <a:rPr lang="en-US" dirty="0" smtClean="0"/>
+              <a:t>Analysis of TDMA Scheduling</a:t>
+            </a:r>
+          </a:p>
+          <a:p>
+            <a:pPr lvl="2"/>
+            <a:r>
+              <a:rPr lang="en-US" dirty="0" smtClean="0"/>
+              <a:t>Compositional </a:t>
+            </a:r>
+            <a:r>
+              <a:rPr lang="en-US" dirty="0" smtClean="0"/>
+              <a:t>Analysis</a:t>
+            </a:r>
+          </a:p>
+          <a:p>
+            <a:pPr lvl="2"/>
+            <a:r>
+              <a:rPr lang="en-US" dirty="0" smtClean="0"/>
+              <a:t>Delay Analysis</a:t>
+            </a:r>
+          </a:p>
+          <a:p>
+            <a:pPr lvl="2"/>
+            <a:r>
+              <a:rPr lang="en-US" dirty="0" smtClean="0"/>
+              <a:t>Analysis of Statically Routed Networks</a:t>
+            </a:r>
+          </a:p>
+          <a:p>
+            <a:pPr lvl="1"/>
+            <a:r>
+              <a:rPr lang="en-US" dirty="0" smtClean="0"/>
+              <a:t>Run-Time Network Performance Monitoring and Management for Distributed CPS Applications</a:t>
+            </a:r>
+          </a:p>
+          <a:p>
+            <a:pPr lvl="2"/>
+            <a:r>
+              <a:rPr lang="en-US" dirty="0" smtClean="0"/>
+              <a:t>Measurement, Detection, and Enforcement</a:t>
+            </a:r>
+          </a:p>
+          <a:p>
+            <a:pPr lvl="2"/>
+            <a:r>
+              <a:rPr lang="en-US" dirty="0" smtClean="0"/>
+              <a:t>DDoS Detection</a:t>
+            </a:r>
+          </a:p>
+          <a:p>
+            <a:r>
+              <a:rPr lang="en-US" dirty="0" smtClean="0"/>
+              <a:t>Conclusions and Future Work</a:t>
+            </a:r>
+          </a:p>
+          <a:p>
+            <a:r>
+              <a:rPr lang="en-US" dirty="0" smtClean="0"/>
+              <a:t>Publications</a:t>
+            </a:r>
+          </a:p>
+        </p:txBody>
+      </p:sp>
+      <p:sp>
+        <p:nvSpPr>
+          <p:cNvPr id="4" name="Slide Number Placeholder 3"/>
+          <p:cNvSpPr>
+            <a:spLocks noGrp="1"/>
+          </p:cNvSpPr>
+          <p:nvPr>
+            <p:ph type="sldNum" sz="quarter" idx="12"/>
+          </p:nvPr>
+        </p:nvSpPr>
+        <p:spPr/>
+        <p:txBody>
+          <a:bodyPr/>
+          <a:lstStyle/>
+          <a:p>
+            <a:fld id="{4FAB73BC-B049-4115-A692-8D63A059BFB8}" type="slidenum">
+              <a:rPr lang="en-US" smtClean="0"/>
+              <a:t>2</a:t>
+            </a:fld>
+            <a:endParaRPr lang="en-US" dirty="0"/>
+          </a:p>
+        </p:txBody>
+      </p:sp>
+    </p:spTree>
+    <p:extLst>
+      <p:ext uri="{BB962C8B-B14F-4D97-AF65-F5344CB8AC3E}">
+        <p14:creationId xmlns:p14="http://schemas.microsoft.com/office/powerpoint/2010/main" val="386266896"/>
+      </p:ext>
+    </p:extLst>
+  </p:cSld>
+  <p:clrMapOvr>
+    <a:masterClrMapping/>
+  </p:clrMapOvr>
+  <p:timing>
+    <p:tnLst>
+      <p:par>
+        <p:cTn id="1" dur="indefinite" restart="never" nodeType="tmRoot"/>
+      </p:par>
+    </p:tnLst>
+  </p:timing>
+</p:sld>
+</file>
+
+<file path=ppt/slides/slide20.xml><?xml version="1.0" encoding="utf-8"?>
+<p:sld xmlns:a="http://schemas.openxmlformats.org/drawingml/2006/main" xmlns:r="http://schemas.openxmlformats.org/officeDocument/2006/relationships" xmlns:p="http://schemas.openxmlformats.org/presentationml/2006/main">
+  <p:cSld>
+    <p:spTree>
+      <p:nvGrpSpPr>
+        <p:cNvPr id="1" name=""/>
+        <p:cNvGrpSpPr/>
+        <p:nvPr/>
+      </p:nvGrpSpPr>
+      <p:grpSpPr>
+        <a:xfrm>
+          <a:off x="0" y="0"/>
+          <a:ext cx="0" cy="0"/>
+          <a:chOff x="0" y="0"/>
+          <a:chExt cx="0" cy="0"/>
+        </a:xfrm>
+      </p:grpSpPr>
+      <p:sp>
+        <p:nvSpPr>
+          <p:cNvPr id="2" name="Title 1"/>
+          <p:cNvSpPr>
+            <a:spLocks noGrp="1"/>
+          </p:cNvSpPr>
+          <p:nvPr>
+            <p:ph type="title"/>
+          </p:nvPr>
+        </p:nvSpPr>
+        <p:spPr/>
+        <p:txBody>
+          <a:bodyPr>
+            <a:normAutofit/>
+          </a:bodyPr>
+          <a:lstStyle/>
+          <a:p>
+            <a:r>
+              <a:rPr lang="en-US" dirty="0" smtClean="0"/>
+              <a:t>PNP</a:t>
+            </a:r>
+            <a:r>
+              <a:rPr lang="en-US" baseline="30000" dirty="0" smtClean="0"/>
+              <a:t>2</a:t>
+            </a:r>
+            <a:r>
+              <a:rPr lang="en-US" dirty="0" smtClean="0"/>
+              <a:t> Compositional Analysis</a:t>
+            </a:r>
+            <a:endParaRPr lang="en-US" dirty="0"/>
+          </a:p>
+        </p:txBody>
+      </p:sp>
+      <p:sp>
+        <p:nvSpPr>
+          <p:cNvPr id="3" name="Content Placeholder 2"/>
+          <p:cNvSpPr>
+            <a:spLocks noGrp="1"/>
+          </p:cNvSpPr>
+          <p:nvPr>
+            <p:ph idx="1"/>
+          </p:nvPr>
+        </p:nvSpPr>
+        <p:spPr/>
+        <p:txBody>
+          <a:bodyPr>
+            <a:normAutofit lnSpcReduction="10000"/>
+          </a:bodyPr>
+          <a:lstStyle/>
+          <a:p>
+            <a:r>
+              <a:rPr lang="en-US" dirty="0" smtClean="0"/>
+              <a:t>Validated the accuracy of PNP</a:t>
+            </a:r>
+            <a:r>
+              <a:rPr lang="en-US" baseline="30000" dirty="0" smtClean="0"/>
+              <a:t>2</a:t>
+            </a:r>
+            <a:r>
+              <a:rPr lang="en-US" dirty="0" smtClean="0"/>
+              <a:t> predictions using custom network traffic generation code and a network testbed</a:t>
+            </a:r>
+          </a:p>
+          <a:p>
+            <a:pPr lvl="1"/>
+            <a:r>
+              <a:rPr lang="en-US" dirty="0" smtClean="0"/>
+              <a:t>Used </a:t>
+            </a:r>
+            <a:r>
+              <a:rPr lang="en-US" dirty="0" err="1" smtClean="0"/>
+              <a:t>Dummynet</a:t>
+            </a:r>
+            <a:r>
+              <a:rPr lang="en-US" dirty="0" smtClean="0"/>
+              <a:t> to perform traffic shaping and link emulation</a:t>
+            </a:r>
+          </a:p>
+          <a:p>
+            <a:r>
+              <a:rPr lang="en-US" dirty="0" smtClean="0"/>
+              <a:t>Integrated Network Calculus model into PNP</a:t>
+            </a:r>
+            <a:r>
+              <a:rPr lang="en-US" baseline="30000" dirty="0" smtClean="0"/>
+              <a:t>2</a:t>
+            </a:r>
+            <a:r>
+              <a:rPr lang="en-US" dirty="0" smtClean="0"/>
+              <a:t> tool, allows analysis of PNP</a:t>
+            </a:r>
+            <a:r>
+              <a:rPr lang="en-US" baseline="30000" dirty="0" smtClean="0"/>
+              <a:t>2</a:t>
+            </a:r>
+            <a:r>
+              <a:rPr lang="en-US" dirty="0" smtClean="0"/>
+              <a:t> model using NC’s semantics</a:t>
+            </a:r>
+          </a:p>
+          <a:p>
+            <a:pPr lvl="1"/>
+            <a:r>
+              <a:rPr lang="en-US" dirty="0" smtClean="0"/>
+              <a:t>Enables direct, easy comparison between analysis techniques</a:t>
+            </a:r>
+          </a:p>
+          <a:p>
+            <a:r>
+              <a:rPr lang="en-US" dirty="0" smtClean="0"/>
+              <a:t>Network Calculus defines arrival curves and service curves as functions of time-window size, therefore it cannot precisely analyze systems where the applications’ data production is tightly coupled with the service capacity of the system</a:t>
+            </a:r>
+          </a:p>
+          <a:p>
+            <a:pPr lvl="1"/>
+            <a:r>
+              <a:rPr lang="en-US" dirty="0" smtClean="0"/>
+              <a:t>i.e. applications know a </a:t>
+            </a:r>
+            <a:r>
+              <a:rPr lang="en-US" dirty="0" err="1" smtClean="0"/>
+              <a:t>prioi</a:t>
+            </a:r>
+            <a:r>
+              <a:rPr lang="en-US" dirty="0" smtClean="0"/>
+              <a:t> when the system will have high network capacity and are designed to send their data at that time</a:t>
+            </a:r>
+          </a:p>
+          <a:p>
+            <a:pPr lvl="1"/>
+            <a:endParaRPr lang="en-US" b="1" dirty="0" smtClean="0"/>
+          </a:p>
+        </p:txBody>
+      </p:sp>
+      <p:sp>
+        <p:nvSpPr>
+          <p:cNvPr id="4" name="Slide Number Placeholder 3"/>
+          <p:cNvSpPr>
+            <a:spLocks noGrp="1"/>
+          </p:cNvSpPr>
+          <p:nvPr>
+            <p:ph type="sldNum" sz="quarter" idx="12"/>
+          </p:nvPr>
+        </p:nvSpPr>
+        <p:spPr/>
+        <p:txBody>
+          <a:bodyPr/>
+          <a:lstStyle/>
+          <a:p>
+            <a:fld id="{4FAB73BC-B049-4115-A692-8D63A059BFB8}" type="slidenum">
+              <a:rPr lang="en-US" smtClean="0"/>
+              <a:t>20</a:t>
+            </a:fld>
+            <a:endParaRPr lang="en-US" dirty="0"/>
+          </a:p>
+        </p:txBody>
+      </p:sp>
+    </p:spTree>
+    <p:extLst>
+      <p:ext uri="{BB962C8B-B14F-4D97-AF65-F5344CB8AC3E}">
+        <p14:creationId xmlns:p14="http://schemas.microsoft.com/office/powerpoint/2010/main" val="3665410854"/>
+      </p:ext>
+    </p:extLst>
+  </p:cSld>
+  <p:clrMapOvr>
+    <a:masterClrMapping/>
+  </p:clrMapOvr>
+  <p:timing>
+    <p:tnLst>
+      <p:par>
+        <p:cTn id="1" dur="indefinite" restart="never" nodeType="tmRoot"/>
+      </p:par>
+    </p:tnLst>
+  </p:timing>
+</p:sld>
+</file>
+
+<file path=ppt/slides/slide21.xml><?xml version="1.0" encoding="utf-8"?>
+<p:sld xmlns:a="http://schemas.openxmlformats.org/drawingml/2006/main" xmlns:r="http://schemas.openxmlformats.org/officeDocument/2006/relationships" xmlns:p="http://schemas.openxmlformats.org/presentationml/2006/main">
+  <p:cSld>
+    <p:spTree>
+      <p:nvGrpSpPr>
+        <p:cNvPr id="1" name=""/>
+        <p:cNvGrpSpPr/>
+        <p:nvPr/>
+      </p:nvGrpSpPr>
+      <p:grpSpPr>
+        <a:xfrm>
+          <a:off x="0" y="0"/>
+          <a:ext cx="0" cy="0"/>
+          <a:chOff x="0" y="0"/>
+          <a:chExt cx="0" cy="0"/>
+        </a:xfrm>
+      </p:grpSpPr>
+      <p:sp>
+        <p:nvSpPr>
+          <p:cNvPr id="2" name="Title 1"/>
+          <p:cNvSpPr>
+            <a:spLocks noGrp="1"/>
+          </p:cNvSpPr>
+          <p:nvPr>
+            <p:ph type="title"/>
+          </p:nvPr>
+        </p:nvSpPr>
+        <p:spPr/>
+        <p:txBody>
+          <a:bodyPr>
+            <a:normAutofit/>
+          </a:bodyPr>
+          <a:lstStyle/>
+          <a:p>
+            <a:r>
+              <a:rPr lang="en-US" dirty="0" smtClean="0"/>
+              <a:t>PNP</a:t>
+            </a:r>
+            <a:r>
+              <a:rPr lang="en-US" baseline="30000" dirty="0" smtClean="0"/>
+              <a:t>2</a:t>
+            </a:r>
+            <a:r>
+              <a:rPr lang="en-US" dirty="0" smtClean="0"/>
+              <a:t> Delay Analysis</a:t>
+            </a:r>
+            <a:endParaRPr lang="en-US" dirty="0"/>
+          </a:p>
+        </p:txBody>
+      </p:sp>
+      <p:sp>
+        <p:nvSpPr>
+          <p:cNvPr id="3" name="Content Placeholder 2"/>
+          <p:cNvSpPr>
+            <a:spLocks noGrp="1"/>
+          </p:cNvSpPr>
+          <p:nvPr>
+            <p:ph idx="1"/>
+          </p:nvPr>
+        </p:nvSpPr>
+        <p:spPr/>
+        <p:txBody>
+          <a:bodyPr>
+            <a:normAutofit lnSpcReduction="10000"/>
+          </a:bodyPr>
+          <a:lstStyle/>
+          <a:p>
+            <a:r>
+              <a:rPr lang="en-US" dirty="0" smtClean="0"/>
+              <a:t>Validated the accuracy of PNP</a:t>
+            </a:r>
+            <a:r>
+              <a:rPr lang="en-US" baseline="30000" dirty="0" smtClean="0"/>
+              <a:t>2</a:t>
+            </a:r>
+            <a:r>
+              <a:rPr lang="en-US" dirty="0" smtClean="0"/>
+              <a:t> predictions using custom network traffic generation code and a network testbed</a:t>
+            </a:r>
+          </a:p>
+          <a:p>
+            <a:pPr lvl="1"/>
+            <a:r>
+              <a:rPr lang="en-US" dirty="0" smtClean="0"/>
+              <a:t>Used </a:t>
+            </a:r>
+            <a:r>
+              <a:rPr lang="en-US" dirty="0" err="1" smtClean="0"/>
+              <a:t>Dummynet</a:t>
+            </a:r>
+            <a:r>
+              <a:rPr lang="en-US" dirty="0" smtClean="0"/>
+              <a:t> to perform traffic shaping and link emulation</a:t>
+            </a:r>
+          </a:p>
+          <a:p>
+            <a:r>
+              <a:rPr lang="en-US" dirty="0" smtClean="0"/>
+              <a:t>Integrated Network Calculus model into PNP</a:t>
+            </a:r>
+            <a:r>
+              <a:rPr lang="en-US" baseline="30000" dirty="0" smtClean="0"/>
+              <a:t>2</a:t>
+            </a:r>
+            <a:r>
+              <a:rPr lang="en-US" dirty="0" smtClean="0"/>
+              <a:t> tool, allows analysis of PNP</a:t>
+            </a:r>
+            <a:r>
+              <a:rPr lang="en-US" baseline="30000" dirty="0" smtClean="0"/>
+              <a:t>2</a:t>
+            </a:r>
+            <a:r>
+              <a:rPr lang="en-US" dirty="0" smtClean="0"/>
+              <a:t> model using NC’s semantics</a:t>
+            </a:r>
+          </a:p>
+          <a:p>
+            <a:pPr lvl="1"/>
+            <a:r>
+              <a:rPr lang="en-US" dirty="0" smtClean="0"/>
+              <a:t>Enables direct, easy comparison between analysis techniques</a:t>
+            </a:r>
+          </a:p>
+          <a:p>
+            <a:r>
+              <a:rPr lang="en-US" dirty="0" smtClean="0"/>
+              <a:t>Network Calculus defines arrival curves and service curves as functions of time-window size, therefore it cannot precisely analyze systems where the applications’ data production is tightly coupled with the service capacity of the system</a:t>
+            </a:r>
+          </a:p>
+          <a:p>
+            <a:pPr lvl="1"/>
+            <a:r>
+              <a:rPr lang="en-US" dirty="0" smtClean="0"/>
+              <a:t>i.e. applications know a </a:t>
+            </a:r>
+            <a:r>
+              <a:rPr lang="en-US" dirty="0" err="1" smtClean="0"/>
+              <a:t>prioi</a:t>
+            </a:r>
+            <a:r>
+              <a:rPr lang="en-US" dirty="0" smtClean="0"/>
+              <a:t> when the system will have high network capacity and are designed to send their data at that time</a:t>
+            </a:r>
+          </a:p>
+          <a:p>
+            <a:pPr lvl="1"/>
+            <a:endParaRPr lang="en-US" b="1" dirty="0" smtClean="0"/>
+          </a:p>
+        </p:txBody>
+      </p:sp>
+      <p:sp>
+        <p:nvSpPr>
+          <p:cNvPr id="4" name="Slide Number Placeholder 3"/>
+          <p:cNvSpPr>
+            <a:spLocks noGrp="1"/>
+          </p:cNvSpPr>
+          <p:nvPr>
+            <p:ph type="sldNum" sz="quarter" idx="12"/>
+          </p:nvPr>
+        </p:nvSpPr>
+        <p:spPr/>
+        <p:txBody>
+          <a:bodyPr/>
+          <a:lstStyle/>
+          <a:p>
+            <a:fld id="{4FAB73BC-B049-4115-A692-8D63A059BFB8}" type="slidenum">
+              <a:rPr lang="en-US" smtClean="0"/>
+              <a:t>21</a:t>
+            </a:fld>
+            <a:endParaRPr lang="en-US" dirty="0"/>
+          </a:p>
+        </p:txBody>
+      </p:sp>
+    </p:spTree>
+    <p:extLst>
+      <p:ext uri="{BB962C8B-B14F-4D97-AF65-F5344CB8AC3E}">
+        <p14:creationId xmlns:p14="http://schemas.microsoft.com/office/powerpoint/2010/main" val="581634497"/>
+      </p:ext>
+    </p:extLst>
+  </p:cSld>
+  <p:clrMapOvr>
+    <a:masterClrMapping/>
+  </p:clrMapOvr>
+  <p:timing>
+    <p:tnLst>
+      <p:par>
+        <p:cTn id="1" dur="indefinite" restart="never" nodeType="tmRoot"/>
+      </p:par>
+    </p:tnLst>
+  </p:timing>
+</p:sld>
+</file>
+
+<file path=ppt/slides/slide22.xml><?xml version="1.0" encoding="utf-8"?>
+<p:sld xmlns:a="http://schemas.openxmlformats.org/drawingml/2006/main" xmlns:r="http://schemas.openxmlformats.org/officeDocument/2006/relationships" xmlns:p="http://schemas.openxmlformats.org/presentationml/2006/main">
+  <p:cSld>
+    <p:spTree>
+      <p:nvGrpSpPr>
+        <p:cNvPr id="1" name=""/>
+        <p:cNvGrpSpPr/>
+        <p:nvPr/>
+      </p:nvGrpSpPr>
+      <p:grpSpPr>
+        <a:xfrm>
+          <a:off x="0" y="0"/>
+          <a:ext cx="0" cy="0"/>
+          <a:chOff x="0" y="0"/>
+          <a:chExt cx="0" cy="0"/>
+        </a:xfrm>
+      </p:grpSpPr>
+      <p:sp>
+        <p:nvSpPr>
+          <p:cNvPr id="2" name="Title 1"/>
+          <p:cNvSpPr>
+            <a:spLocks noGrp="1"/>
+          </p:cNvSpPr>
+          <p:nvPr>
+            <p:ph type="title"/>
+          </p:nvPr>
+        </p:nvSpPr>
+        <p:spPr/>
+        <p:txBody>
+          <a:bodyPr>
+            <a:normAutofit/>
+          </a:bodyPr>
+          <a:lstStyle/>
+          <a:p>
+            <a:r>
+              <a:rPr lang="en-US" dirty="0" smtClean="0"/>
+              <a:t>PNP</a:t>
+            </a:r>
+            <a:r>
+              <a:rPr lang="en-US" baseline="30000" dirty="0" smtClean="0"/>
+              <a:t>2</a:t>
+            </a:r>
+            <a:r>
+              <a:rPr lang="en-US" dirty="0" smtClean="0"/>
+              <a:t> Analysis of Statically Routed Networks</a:t>
+            </a:r>
+            <a:endParaRPr lang="en-US" dirty="0"/>
+          </a:p>
+        </p:txBody>
+      </p:sp>
+      <p:sp>
+        <p:nvSpPr>
+          <p:cNvPr id="3" name="Content Placeholder 2"/>
+          <p:cNvSpPr>
+            <a:spLocks noGrp="1"/>
+          </p:cNvSpPr>
+          <p:nvPr>
+            <p:ph idx="1"/>
+          </p:nvPr>
+        </p:nvSpPr>
+        <p:spPr/>
+        <p:txBody>
+          <a:bodyPr>
+            <a:normAutofit lnSpcReduction="10000"/>
+          </a:bodyPr>
+          <a:lstStyle/>
+          <a:p>
+            <a:r>
+              <a:rPr lang="en-US" dirty="0" smtClean="0"/>
+              <a:t>Validated the accuracy of PNP</a:t>
+            </a:r>
+            <a:r>
+              <a:rPr lang="en-US" baseline="30000" dirty="0" smtClean="0"/>
+              <a:t>2</a:t>
+            </a:r>
+            <a:r>
+              <a:rPr lang="en-US" dirty="0" smtClean="0"/>
+              <a:t> predictions using custom network traffic generation code and a network testbed</a:t>
+            </a:r>
+          </a:p>
+          <a:p>
+            <a:pPr lvl="1"/>
+            <a:r>
+              <a:rPr lang="en-US" dirty="0" smtClean="0"/>
+              <a:t>Used </a:t>
+            </a:r>
+            <a:r>
+              <a:rPr lang="en-US" dirty="0" err="1" smtClean="0"/>
+              <a:t>Dummynet</a:t>
+            </a:r>
+            <a:r>
+              <a:rPr lang="en-US" dirty="0" smtClean="0"/>
+              <a:t> to perform traffic shaping and link emulation</a:t>
+            </a:r>
+          </a:p>
+          <a:p>
+            <a:r>
+              <a:rPr lang="en-US" dirty="0" smtClean="0"/>
+              <a:t>Integrated Network Calculus model into PNP</a:t>
+            </a:r>
+            <a:r>
+              <a:rPr lang="en-US" baseline="30000" dirty="0" smtClean="0"/>
+              <a:t>2</a:t>
+            </a:r>
+            <a:r>
+              <a:rPr lang="en-US" dirty="0" smtClean="0"/>
+              <a:t> tool, allows analysis of PNP</a:t>
+            </a:r>
+            <a:r>
+              <a:rPr lang="en-US" baseline="30000" dirty="0" smtClean="0"/>
+              <a:t>2</a:t>
+            </a:r>
+            <a:r>
+              <a:rPr lang="en-US" dirty="0" smtClean="0"/>
+              <a:t> model using NC’s semantics</a:t>
+            </a:r>
+          </a:p>
+          <a:p>
+            <a:pPr lvl="1"/>
+            <a:r>
+              <a:rPr lang="en-US" dirty="0" smtClean="0"/>
+              <a:t>Enables direct, easy comparison between analysis techniques</a:t>
+            </a:r>
+          </a:p>
+          <a:p>
+            <a:r>
+              <a:rPr lang="en-US" dirty="0" smtClean="0"/>
+              <a:t>Network Calculus defines arrival curves and service curves as functions of time-window size, therefore it cannot precisely analyze systems where the applications’ data production is tightly coupled with the service capacity of the system</a:t>
+            </a:r>
+          </a:p>
+          <a:p>
+            <a:pPr lvl="1"/>
+            <a:r>
+              <a:rPr lang="en-US" dirty="0" smtClean="0"/>
+              <a:t>i.e. applications know a </a:t>
+            </a:r>
+            <a:r>
+              <a:rPr lang="en-US" dirty="0" err="1" smtClean="0"/>
+              <a:t>prioi</a:t>
+            </a:r>
+            <a:r>
+              <a:rPr lang="en-US" dirty="0" smtClean="0"/>
+              <a:t> when the system will have high network capacity and are designed to send their data at that time</a:t>
+            </a:r>
+          </a:p>
+          <a:p>
+            <a:pPr lvl="1"/>
+            <a:endParaRPr lang="en-US" b="1" dirty="0" smtClean="0"/>
+          </a:p>
+        </p:txBody>
+      </p:sp>
+      <p:sp>
+        <p:nvSpPr>
+          <p:cNvPr id="4" name="Slide Number Placeholder 3"/>
+          <p:cNvSpPr>
+            <a:spLocks noGrp="1"/>
+          </p:cNvSpPr>
+          <p:nvPr>
+            <p:ph type="sldNum" sz="quarter" idx="12"/>
+          </p:nvPr>
+        </p:nvSpPr>
+        <p:spPr/>
+        <p:txBody>
+          <a:bodyPr/>
+          <a:lstStyle/>
+          <a:p>
+            <a:fld id="{4FAB73BC-B049-4115-A692-8D63A059BFB8}" type="slidenum">
+              <a:rPr lang="en-US" smtClean="0"/>
+              <a:t>22</a:t>
+            </a:fld>
+            <a:endParaRPr lang="en-US" dirty="0"/>
+          </a:p>
+        </p:txBody>
+      </p:sp>
+    </p:spTree>
+    <p:extLst>
+      <p:ext uri="{BB962C8B-B14F-4D97-AF65-F5344CB8AC3E}">
+        <p14:creationId xmlns:p14="http://schemas.microsoft.com/office/powerpoint/2010/main" val="2921965595"/>
+      </p:ext>
+    </p:extLst>
+  </p:cSld>
+  <p:clrMapOvr>
+    <a:masterClrMapping/>
+  </p:clrMapOvr>
+  <p:timing>
+    <p:tnLst>
+      <p:par>
+        <p:cTn id="1" dur="indefinite" restart="never" nodeType="tmRoot"/>
+      </p:par>
+    </p:tnLst>
+  </p:timing>
+</p:sld>
+</file>
+
+<file path=ppt/slides/slide23.xml><?xml version="1.0" encoding="utf-8"?>
+<p:sld xmlns:a="http://schemas.openxmlformats.org/drawingml/2006/main" xmlns:r="http://schemas.openxmlformats.org/officeDocument/2006/relationships" xmlns:p="http://schemas.openxmlformats.org/presentationml/2006/main">
+  <p:cSld>
+    <p:spTree>
+      <p:nvGrpSpPr>
+        <p:cNvPr id="1" name=""/>
+        <p:cNvGrpSpPr/>
+        <p:nvPr/>
+      </p:nvGrpSpPr>
+      <p:grpSpPr>
+        <a:xfrm>
+          <a:off x="0" y="0"/>
+          <a:ext cx="0" cy="0"/>
+          <a:chOff x="0" y="0"/>
+          <a:chExt cx="0" cy="0"/>
+        </a:xfrm>
+      </p:grpSpPr>
+      <p:sp>
+        <p:nvSpPr>
+          <p:cNvPr id="2" name="Title 1"/>
+          <p:cNvSpPr>
+            <a:spLocks noGrp="1"/>
+          </p:cNvSpPr>
+          <p:nvPr>
+            <p:ph type="title"/>
+          </p:nvPr>
+        </p:nvSpPr>
+        <p:spPr/>
+        <p:txBody>
           <a:bodyPr/>
           <a:lstStyle/>
           <a:p>
@@ -11353,7 +12447,7 @@
           <a:p>
             <a:fld id="{4FAB73BC-B049-4115-A692-8D63A059BFB8}" type="slidenum">
               <a:rPr lang="en-US" smtClean="0"/>
-              <a:t>19</a:t>
+              <a:t>23</a:t>
             </a:fld>
             <a:endParaRPr lang="en-US" dirty="0"/>
           </a:p>
@@ -11379,7 +12473,7 @@
 </p:sld>
 </file>
 
-<file path=ppt/slides/slide2.xml><?xml version="1.0" encoding="utf-8"?>
+<file path=ppt/slides/slide24.xml><?xml version="1.0" encoding="utf-8"?>
 <p:sld xmlns:a="http://schemas.openxmlformats.org/drawingml/2006/main" xmlns:r="http://schemas.openxmlformats.org/officeDocument/2006/relationships" xmlns:p="http://schemas.openxmlformats.org/presentationml/2006/main">
   <p:cSld>
     <p:spTree>
@@ -11408,227 +12502,6 @@
         </p:nvSpPr>
         <p:spPr/>
         <p:txBody>
-          <a:bodyPr/>
-          <a:lstStyle/>
-          <a:p>
-            <a:r>
-              <a:rPr lang="en-US" dirty="0" smtClean="0"/>
-              <a:t>Outline</a:t>
-            </a:r>
-            <a:endParaRPr lang="en-US" dirty="0"/>
-          </a:p>
-        </p:txBody>
-      </p:sp>
-      <p:sp>
-        <p:nvSpPr>
-          <p:cNvPr id="3" name="Content Placeholder 2"/>
-          <p:cNvSpPr>
-            <a:spLocks noGrp="1"/>
-          </p:cNvSpPr>
-          <p:nvPr>
-            <p:ph idx="1"/>
-          </p:nvPr>
-        </p:nvSpPr>
-        <p:spPr/>
-        <p:txBody>
-          <a:bodyPr>
-            <a:normAutofit fontScale="85000" lnSpcReduction="20000"/>
-          </a:bodyPr>
-          <a:lstStyle/>
-          <a:p>
-            <a:r>
-              <a:rPr lang="en-US" dirty="0" smtClean="0"/>
-              <a:t>Introduction </a:t>
-            </a:r>
-          </a:p>
-          <a:p>
-            <a:r>
-              <a:rPr lang="en-US" dirty="0" smtClean="0"/>
-              <a:t>Related Work</a:t>
-            </a:r>
-          </a:p>
-          <a:p>
-            <a:r>
-              <a:rPr lang="en-US" dirty="0" smtClean="0"/>
-              <a:t>Results: </a:t>
-            </a:r>
-          </a:p>
-          <a:p>
-            <a:pPr lvl="1"/>
-            <a:r>
-              <a:rPr lang="en-US" dirty="0" smtClean="0"/>
-              <a:t>Design-Time Network Performance Analysis of Distributed CPS Applications</a:t>
-            </a:r>
-          </a:p>
-          <a:p>
-            <a:pPr lvl="2"/>
-            <a:r>
-              <a:rPr lang="en-US" dirty="0" smtClean="0"/>
-              <a:t>Precise Network Performance </a:t>
-            </a:r>
-            <a:r>
-              <a:rPr lang="en-US" dirty="0"/>
-              <a:t>Prediction</a:t>
-            </a:r>
-          </a:p>
-          <a:p>
-            <a:pPr lvl="2"/>
-            <a:r>
-              <a:rPr lang="en-US" dirty="0"/>
-              <a:t>Comparison with Network Calculus</a:t>
-            </a:r>
-            <a:endParaRPr lang="en-US" dirty="0" smtClean="0"/>
-          </a:p>
-          <a:p>
-            <a:pPr lvl="2"/>
-            <a:r>
-              <a:rPr lang="en-US" dirty="0" smtClean="0"/>
-              <a:t>Analysis of Periodic </a:t>
-            </a:r>
-            <a:r>
-              <a:rPr lang="en-US" dirty="0" smtClean="0"/>
-              <a:t>Systems</a:t>
-            </a:r>
-          </a:p>
-          <a:p>
-            <a:pPr lvl="2"/>
-            <a:r>
-              <a:rPr lang="en-US" dirty="0" smtClean="0"/>
-              <a:t>Analysis of TDMA Scheduling</a:t>
-            </a:r>
-          </a:p>
-          <a:p>
-            <a:pPr lvl="2"/>
-            <a:r>
-              <a:rPr lang="en-US" dirty="0" smtClean="0"/>
-              <a:t>Compositional </a:t>
-            </a:r>
-            <a:r>
-              <a:rPr lang="en-US" dirty="0" smtClean="0"/>
-              <a:t>Analysis</a:t>
-            </a:r>
-          </a:p>
-          <a:p>
-            <a:pPr lvl="2"/>
-            <a:r>
-              <a:rPr lang="en-US" dirty="0" smtClean="0"/>
-              <a:t>Delay Analysis</a:t>
-            </a:r>
-          </a:p>
-          <a:p>
-            <a:pPr lvl="2"/>
-            <a:r>
-              <a:rPr lang="en-US" dirty="0" smtClean="0"/>
-              <a:t>Analysis of Statically Routed Networks</a:t>
-            </a:r>
-          </a:p>
-          <a:p>
-            <a:pPr lvl="1"/>
-            <a:r>
-              <a:rPr lang="en-US" dirty="0" smtClean="0"/>
-              <a:t>Run-Time Network Performance Monitoring and Management for Distributed CPS Applications</a:t>
-            </a:r>
-          </a:p>
-          <a:p>
-            <a:pPr lvl="2"/>
-            <a:r>
-              <a:rPr lang="en-US" dirty="0" smtClean="0"/>
-              <a:t>Measurement, Detection, and Enforcement</a:t>
-            </a:r>
-          </a:p>
-          <a:p>
-            <a:pPr lvl="2"/>
-            <a:r>
-              <a:rPr lang="en-US" dirty="0" smtClean="0"/>
-              <a:t>DDoS Detection</a:t>
-            </a:r>
-          </a:p>
-          <a:p>
-            <a:r>
-              <a:rPr lang="en-US" dirty="0" smtClean="0"/>
-              <a:t>Conclusions and Future Work</a:t>
-            </a:r>
-          </a:p>
-          <a:p>
-            <a:r>
-              <a:rPr lang="en-US" dirty="0" smtClean="0"/>
-              <a:t>Publications</a:t>
-            </a:r>
-          </a:p>
-        </p:txBody>
-      </p:sp>
-      <p:sp>
-        <p:nvSpPr>
-          <p:cNvPr id="4" name="Slide Number Placeholder 3"/>
-          <p:cNvSpPr>
-            <a:spLocks noGrp="1"/>
-          </p:cNvSpPr>
-          <p:nvPr>
-            <p:ph type="sldNum" sz="quarter" idx="12"/>
-          </p:nvPr>
-        </p:nvSpPr>
-        <p:spPr/>
-        <p:txBody>
-          <a:bodyPr/>
-          <a:lstStyle/>
-          <a:p>
-            <a:fld id="{4FAB73BC-B049-4115-A692-8D63A059BFB8}" type="slidenum">
-              <a:rPr lang="en-US" smtClean="0"/>
-              <a:t>2</a:t>
-            </a:fld>
-            <a:endParaRPr lang="en-US" dirty="0"/>
-          </a:p>
-        </p:txBody>
-      </p:sp>
-    </p:spTree>
-    <p:extLst>
-      <p:ext uri="{BB962C8B-B14F-4D97-AF65-F5344CB8AC3E}">
-        <p14:creationId xmlns:p14="http://schemas.microsoft.com/office/powerpoint/2010/main" val="386266896"/>
-      </p:ext>
-    </p:extLst>
-  </p:cSld>
-  <p:clrMapOvr>
-    <a:masterClrMapping/>
-  </p:clrMapOvr>
-  <p:timing>
-    <p:tnLst>
-      <p:par>
-        <p:cTn id="1" dur="indefinite" restart="never" nodeType="tmRoot"/>
-      </p:par>
-    </p:tnLst>
-  </p:timing>
-</p:sld>
-</file>
-
-<file path=ppt/slides/slide20.xml><?xml version="1.0" encoding="utf-8"?>
-<p:sld xmlns:a="http://schemas.openxmlformats.org/drawingml/2006/main" xmlns:r="http://schemas.openxmlformats.org/officeDocument/2006/relationships" xmlns:p="http://schemas.openxmlformats.org/presentationml/2006/main">
-  <p:cSld>
-    <p:spTree>
-      <p:nvGrpSpPr>
-        <p:cNvPr id="1" name=""/>
-        <p:cNvGrpSpPr/>
-        <p:nvPr/>
-      </p:nvGrpSpPr>
-      <p:grpSpPr>
-        <a:xfrm>
-          <a:off x="0" y="0"/>
-          <a:ext cx="0" cy="0"/>
-          <a:chOff x="0" y="0"/>
-          <a:chExt cx="0" cy="0"/>
-        </a:xfrm>
-      </p:grpSpPr>
-      <p:sp>
-        <p:nvSpPr>
-          <p:cNvPr id="2" name="Title 1"/>
-          <p:cNvSpPr>
-            <a:spLocks noGrp="1"/>
-          </p:cNvSpPr>
-          <p:nvPr>
-            <p:ph type="title"/>
-          </p:nvPr>
-        </p:nvSpPr>
-        <p:spPr/>
-        <p:txBody>
           <a:bodyPr>
             <a:normAutofit/>
           </a:bodyPr>
@@ -11734,7 +12607,7 @@
           <a:p>
             <a:fld id="{4FAB73BC-B049-4115-A692-8D63A059BFB8}" type="slidenum">
               <a:rPr lang="en-US" smtClean="0"/>
-              <a:t>20</a:t>
+              <a:t>24</a:t>
             </a:fld>
             <a:endParaRPr lang="en-US" dirty="0"/>
           </a:p>
@@ -11760,7 +12633,7 @@
 </p:sld>
 </file>
 
-<file path=ppt/slides/slide21.xml><?xml version="1.0" encoding="utf-8"?>
+<file path=ppt/slides/slide25.xml><?xml version="1.0" encoding="utf-8"?>
 <p:sld xmlns:a="http://schemas.openxmlformats.org/drawingml/2006/main" xmlns:r="http://schemas.openxmlformats.org/officeDocument/2006/relationships" xmlns:p="http://schemas.openxmlformats.org/presentationml/2006/main">
   <p:cSld>
     <p:spTree>
@@ -12104,7 +12977,7 @@
           <a:p>
             <a:fld id="{4FAB73BC-B049-4115-A692-8D63A059BFB8}" type="slidenum">
               <a:rPr lang="en-US" smtClean="0"/>
-              <a:t>21</a:t>
+              <a:t>25</a:t>
             </a:fld>
             <a:endParaRPr lang="en-US" dirty="0"/>
           </a:p>
@@ -12130,7 +13003,7 @@
 </p:sld>
 </file>
 
-<file path=ppt/slides/slide22.xml><?xml version="1.0" encoding="utf-8"?>
+<file path=ppt/slides/slide26.xml><?xml version="1.0" encoding="utf-8"?>
 <p:sld xmlns:a="http://schemas.openxmlformats.org/drawingml/2006/main" xmlns:r="http://schemas.openxmlformats.org/officeDocument/2006/relationships" xmlns:p="http://schemas.openxmlformats.org/presentationml/2006/main">
   <p:cSld>
     <p:spTree>
@@ -12219,7 +13092,7 @@
           <a:p>
             <a:fld id="{4FAB73BC-B049-4115-A692-8D63A059BFB8}" type="slidenum">
               <a:rPr lang="en-US" smtClean="0"/>
-              <a:t>22</a:t>
+              <a:t>26</a:t>
             </a:fld>
             <a:endParaRPr lang="en-US" dirty="0"/>
           </a:p>
@@ -12229,834 +13102,6 @@
     <p:extLst>
       <p:ext uri="{BB962C8B-B14F-4D97-AF65-F5344CB8AC3E}">
         <p14:creationId xmlns:p14="http://schemas.microsoft.com/office/powerpoint/2010/main" val="3334388207"/>
-      </p:ext>
-    </p:extLst>
-  </p:cSld>
-  <p:clrMapOvr>
-    <a:masterClrMapping/>
-  </p:clrMapOvr>
-  <p:timing>
-    <p:tnLst>
-      <p:par>
-        <p:cTn id="1" dur="indefinite" restart="never" nodeType="tmRoot"/>
-      </p:par>
-    </p:tnLst>
-  </p:timing>
-</p:sld>
-</file>
-
-<file path=ppt/slides/slide23.xml><?xml version="1.0" encoding="utf-8"?>
-<p:sld xmlns:a="http://schemas.openxmlformats.org/drawingml/2006/main" xmlns:r="http://schemas.openxmlformats.org/officeDocument/2006/relationships" xmlns:p="http://schemas.openxmlformats.org/presentationml/2006/main">
-  <p:cSld>
-    <p:spTree>
-      <p:nvGrpSpPr>
-        <p:cNvPr id="1" name=""/>
-        <p:cNvGrpSpPr/>
-        <p:nvPr/>
-      </p:nvGrpSpPr>
-      <p:grpSpPr>
-        <a:xfrm>
-          <a:off x="0" y="0"/>
-          <a:ext cx="0" cy="0"/>
-          <a:chOff x="0" y="0"/>
-          <a:chExt cx="0" cy="0"/>
-        </a:xfrm>
-      </p:grpSpPr>
-      <p:sp>
-        <p:nvSpPr>
-          <p:cNvPr id="2" name="Title 1"/>
-          <p:cNvSpPr>
-            <a:spLocks noGrp="1"/>
-          </p:cNvSpPr>
-          <p:nvPr>
-            <p:ph type="title"/>
-          </p:nvPr>
-        </p:nvSpPr>
-        <p:spPr/>
-        <p:txBody>
-          <a:bodyPr>
-            <a:normAutofit fontScale="90000"/>
-          </a:bodyPr>
-          <a:lstStyle/>
-          <a:p>
-            <a:r>
-              <a:rPr lang="en-US" dirty="0" smtClean="0"/>
-              <a:t>Generation of Application Network Profiles from Business Logic Models (3/3)</a:t>
-            </a:r>
-            <a:endParaRPr lang="en-US" dirty="0"/>
-          </a:p>
-        </p:txBody>
-      </p:sp>
-      <p:sp>
-        <p:nvSpPr>
-          <p:cNvPr id="4" name="Text Placeholder 3"/>
-          <p:cNvSpPr>
-            <a:spLocks noGrp="1"/>
-          </p:cNvSpPr>
-          <p:nvPr>
-            <p:ph type="body" idx="1"/>
-          </p:nvPr>
-        </p:nvSpPr>
-        <p:spPr>
-          <a:xfrm>
-            <a:off x="946403" y="1717185"/>
-            <a:ext cx="6047177" cy="731520"/>
-          </a:xfrm>
-        </p:spPr>
-        <p:txBody>
-          <a:bodyPr/>
-          <a:lstStyle/>
-          <a:p>
-            <a:r>
-              <a:rPr lang="en-US" dirty="0" smtClean="0"/>
-              <a:t>Proposed Contributions</a:t>
-            </a:r>
-            <a:endParaRPr lang="en-US" dirty="0"/>
-          </a:p>
-        </p:txBody>
-      </p:sp>
-      <p:sp>
-        <p:nvSpPr>
-          <p:cNvPr id="6" name="Content Placeholder 5"/>
-          <p:cNvSpPr>
-            <a:spLocks noGrp="1"/>
-          </p:cNvSpPr>
-          <p:nvPr>
-            <p:ph sz="half" idx="2"/>
-          </p:nvPr>
-        </p:nvSpPr>
-        <p:spPr>
-          <a:xfrm>
-            <a:off x="946403" y="2507550"/>
-            <a:ext cx="6047177" cy="3664650"/>
-          </a:xfrm>
-        </p:spPr>
-        <p:txBody>
-          <a:bodyPr>
-            <a:normAutofit fontScale="92500" lnSpcReduction="20000"/>
-          </a:bodyPr>
-          <a:lstStyle/>
-          <a:p>
-            <a:r>
-              <a:rPr lang="en-US" sz="1800" dirty="0" smtClean="0"/>
-              <a:t>We will develop an add-on to our currently existing modeling language for application business logic which captures the network resources required during each part of the business logic model.</a:t>
-            </a:r>
-          </a:p>
-          <a:p>
-            <a:r>
-              <a:rPr lang="en-US" sz="1800" dirty="0" smtClean="0"/>
-              <a:t>We will develop a compositional technique for generating the network resource requirement profile for an application from the combined business logic models of that application's components.  This is required because the business logic models describe the behavior of the callback associated with a component port, but does not describe the timing of the invocations of that callback.</a:t>
-            </a:r>
-          </a:p>
-          <a:p>
-            <a:r>
-              <a:rPr lang="en-US" sz="1800" dirty="0" smtClean="0"/>
-              <a:t>We will develop test applications for our </a:t>
-            </a:r>
-            <a:r>
-              <a:rPr lang="en-US" sz="1800" dirty="0" err="1" smtClean="0"/>
-              <a:t>testbed</a:t>
-            </a:r>
-            <a:r>
-              <a:rPr lang="en-US" sz="1800" dirty="0" smtClean="0"/>
-              <a:t> which adhere to the business logic models and allow us to measure the accuracy and precision of the predictions using these generated profiles.</a:t>
-            </a:r>
-          </a:p>
-          <a:p>
-            <a:endParaRPr lang="en-US" dirty="0"/>
-          </a:p>
-        </p:txBody>
-      </p:sp>
-      <p:sp>
-        <p:nvSpPr>
-          <p:cNvPr id="3" name="Slide Number Placeholder 2"/>
-          <p:cNvSpPr>
-            <a:spLocks noGrp="1"/>
-          </p:cNvSpPr>
-          <p:nvPr>
-            <p:ph type="sldNum" sz="quarter" idx="12"/>
-          </p:nvPr>
-        </p:nvSpPr>
-        <p:spPr/>
-        <p:txBody>
-          <a:bodyPr/>
-          <a:lstStyle/>
-          <a:p>
-            <a:fld id="{4FAB73BC-B049-4115-A692-8D63A059BFB8}" type="slidenum">
-              <a:rPr lang="en-US" smtClean="0"/>
-              <a:t>23</a:t>
-            </a:fld>
-            <a:endParaRPr lang="en-US" dirty="0"/>
-          </a:p>
-        </p:txBody>
-      </p:sp>
-    </p:spTree>
-    <p:extLst>
-      <p:ext uri="{BB962C8B-B14F-4D97-AF65-F5344CB8AC3E}">
-        <p14:creationId xmlns:p14="http://schemas.microsoft.com/office/powerpoint/2010/main" val="1474561979"/>
-      </p:ext>
-    </p:extLst>
-  </p:cSld>
-  <p:clrMapOvr>
-    <a:masterClrMapping/>
-  </p:clrMapOvr>
-  <p:timing>
-    <p:tnLst>
-      <p:par>
-        <p:cTn id="1" dur="indefinite" restart="never" nodeType="tmRoot"/>
-      </p:par>
-    </p:tnLst>
-  </p:timing>
-</p:sld>
-</file>
-
-<file path=ppt/slides/slide24.xml><?xml version="1.0" encoding="utf-8"?>
-<p:sld xmlns:a="http://schemas.openxmlformats.org/drawingml/2006/main" xmlns:r="http://schemas.openxmlformats.org/officeDocument/2006/relationships" xmlns:p="http://schemas.openxmlformats.org/presentationml/2006/main">
-  <p:cSld>
-    <p:spTree>
-      <p:nvGrpSpPr>
-        <p:cNvPr id="1" name=""/>
-        <p:cNvGrpSpPr/>
-        <p:nvPr/>
-      </p:nvGrpSpPr>
-      <p:grpSpPr>
-        <a:xfrm>
-          <a:off x="0" y="0"/>
-          <a:ext cx="0" cy="0"/>
-          <a:chOff x="0" y="0"/>
-          <a:chExt cx="0" cy="0"/>
-        </a:xfrm>
-      </p:grpSpPr>
-      <p:sp>
-        <p:nvSpPr>
-          <p:cNvPr id="2" name="Title 1"/>
-          <p:cNvSpPr>
-            <a:spLocks noGrp="1"/>
-          </p:cNvSpPr>
-          <p:nvPr>
-            <p:ph type="title"/>
-          </p:nvPr>
-        </p:nvSpPr>
-        <p:spPr/>
-        <p:txBody>
-          <a:bodyPr>
-            <a:normAutofit/>
-          </a:bodyPr>
-          <a:lstStyle/>
-          <a:p>
-            <a:r>
-              <a:rPr lang="en-US" dirty="0" smtClean="0"/>
-              <a:t>Analysis of Statically Routed Networks</a:t>
-            </a:r>
-            <a:endParaRPr lang="en-US" dirty="0"/>
-          </a:p>
-        </p:txBody>
-      </p:sp>
-      <p:sp>
-        <p:nvSpPr>
-          <p:cNvPr id="5" name="Text Placeholder 4"/>
-          <p:cNvSpPr>
-            <a:spLocks noGrp="1"/>
-          </p:cNvSpPr>
-          <p:nvPr>
-            <p:ph type="body" idx="1"/>
-          </p:nvPr>
-        </p:nvSpPr>
-        <p:spPr/>
-        <p:txBody>
-          <a:bodyPr/>
-          <a:lstStyle/>
-          <a:p>
-            <a:r>
-              <a:rPr lang="en-US" dirty="0" smtClean="0"/>
-              <a:t>Challenges</a:t>
-            </a:r>
-            <a:endParaRPr lang="en-US" dirty="0"/>
-          </a:p>
-        </p:txBody>
-      </p:sp>
-      <p:sp>
-        <p:nvSpPr>
-          <p:cNvPr id="3" name="Content Placeholder 2"/>
-          <p:cNvSpPr>
-            <a:spLocks noGrp="1"/>
-          </p:cNvSpPr>
-          <p:nvPr>
-            <p:ph sz="half" idx="2"/>
-          </p:nvPr>
-        </p:nvSpPr>
-        <p:spPr/>
-        <p:txBody>
-          <a:bodyPr>
-            <a:normAutofit fontScale="92500" lnSpcReduction="20000"/>
-          </a:bodyPr>
-          <a:lstStyle/>
-          <a:p>
-            <a:r>
-              <a:rPr lang="en-US" dirty="0" smtClean="0"/>
-              <a:t>Most realistic networks require some form of message routing</a:t>
-            </a:r>
-          </a:p>
-          <a:p>
-            <a:pPr lvl="1"/>
-            <a:r>
-              <a:rPr lang="en-US" dirty="0" smtClean="0"/>
-              <a:t>Not all</a:t>
-            </a:r>
-            <a:r>
-              <a:rPr lang="en-US" dirty="0"/>
-              <a:t> </a:t>
-            </a:r>
-            <a:r>
-              <a:rPr lang="en-US" dirty="0" smtClean="0"/>
-              <a:t>nodes</a:t>
-            </a:r>
-            <a:r>
-              <a:rPr lang="en-US" dirty="0"/>
-              <a:t> </a:t>
-            </a:r>
-            <a:r>
-              <a:rPr lang="en-US" dirty="0" smtClean="0"/>
-              <a:t>have a direct communications link to each other</a:t>
-            </a:r>
-          </a:p>
-          <a:p>
-            <a:pPr lvl="1"/>
-            <a:r>
-              <a:rPr lang="en-US" dirty="0" smtClean="0"/>
-              <a:t>Due</a:t>
-            </a:r>
-            <a:r>
-              <a:rPr lang="en-US" dirty="0"/>
-              <a:t> </a:t>
-            </a:r>
-            <a:r>
-              <a:rPr lang="en-US" dirty="0" smtClean="0"/>
-              <a:t>to</a:t>
-            </a:r>
-            <a:r>
-              <a:rPr lang="en-US" dirty="0"/>
-              <a:t> </a:t>
-            </a:r>
-            <a:r>
-              <a:rPr lang="en-US" dirty="0" smtClean="0"/>
-              <a:t>e.g.</a:t>
-            </a:r>
-            <a:r>
-              <a:rPr lang="en-US" dirty="0"/>
-              <a:t> </a:t>
-            </a:r>
-            <a:r>
-              <a:rPr lang="en-US" dirty="0" smtClean="0"/>
-              <a:t>obstructions, local interference, etc.</a:t>
-            </a:r>
-          </a:p>
-          <a:p>
-            <a:r>
-              <a:rPr lang="en-US" dirty="0" smtClean="0"/>
-              <a:t>Routing</a:t>
-            </a:r>
-            <a:r>
-              <a:rPr lang="en-US" dirty="0"/>
-              <a:t> </a:t>
-            </a:r>
-            <a:r>
-              <a:rPr lang="en-US" dirty="0" smtClean="0"/>
-              <a:t>allows</a:t>
-            </a:r>
-            <a:r>
-              <a:rPr lang="en-US" dirty="0"/>
-              <a:t> </a:t>
-            </a:r>
-            <a:r>
-              <a:rPr lang="en-US" dirty="0" smtClean="0"/>
-              <a:t>for</a:t>
-            </a:r>
-            <a:r>
-              <a:rPr lang="en-US" dirty="0"/>
-              <a:t> </a:t>
-            </a:r>
-            <a:r>
-              <a:rPr lang="en-US" dirty="0" smtClean="0"/>
-              <a:t>more</a:t>
-            </a:r>
-            <a:r>
-              <a:rPr lang="en-US" dirty="0"/>
-              <a:t> </a:t>
-            </a:r>
-            <a:r>
-              <a:rPr lang="en-US" dirty="0" smtClean="0"/>
-              <a:t>flexibility</a:t>
-            </a:r>
-            <a:r>
-              <a:rPr lang="en-US" dirty="0"/>
-              <a:t> </a:t>
-            </a:r>
-            <a:r>
-              <a:rPr lang="en-US" dirty="0" smtClean="0"/>
-              <a:t>with</a:t>
-            </a:r>
-            <a:r>
-              <a:rPr lang="en-US" dirty="0"/>
-              <a:t> </a:t>
-            </a:r>
-            <a:r>
-              <a:rPr lang="en-US" dirty="0" smtClean="0"/>
-              <a:t>respect to system deployment and connectivity</a:t>
-            </a:r>
-          </a:p>
-          <a:p>
-            <a:r>
-              <a:rPr lang="en-US" dirty="0" smtClean="0"/>
-              <a:t>Routing can be either pre-defined at deployment time (static) or configured dynamically at run-time</a:t>
-            </a:r>
-          </a:p>
-          <a:p>
-            <a:endParaRPr lang="en-US" dirty="0"/>
-          </a:p>
-        </p:txBody>
-      </p:sp>
-      <p:sp>
-        <p:nvSpPr>
-          <p:cNvPr id="9" name="Text Placeholder 8"/>
-          <p:cNvSpPr>
-            <a:spLocks noGrp="1"/>
-          </p:cNvSpPr>
-          <p:nvPr>
-            <p:ph type="body" sz="quarter" idx="13"/>
-          </p:nvPr>
-        </p:nvSpPr>
-        <p:spPr/>
-        <p:txBody>
-          <a:bodyPr/>
-          <a:lstStyle/>
-          <a:p>
-            <a:r>
-              <a:rPr lang="en-US" dirty="0" smtClean="0"/>
-              <a:t>Proposed Contributions</a:t>
-            </a:r>
-            <a:endParaRPr lang="en-US" dirty="0"/>
-          </a:p>
-        </p:txBody>
-      </p:sp>
-      <p:sp>
-        <p:nvSpPr>
-          <p:cNvPr id="7" name="Content Placeholder 6"/>
-          <p:cNvSpPr>
-            <a:spLocks noGrp="1"/>
-          </p:cNvSpPr>
-          <p:nvPr>
-            <p:ph sz="quarter" idx="4"/>
-          </p:nvPr>
-        </p:nvSpPr>
-        <p:spPr/>
-        <p:txBody>
-          <a:bodyPr>
-            <a:normAutofit fontScale="92500" lnSpcReduction="20000"/>
-          </a:bodyPr>
-          <a:lstStyle/>
-          <a:p>
-            <a:r>
-              <a:rPr lang="en-US" dirty="0" smtClean="0"/>
-              <a:t>We consider a case of routing in ad-hoc networks:</a:t>
-            </a:r>
-          </a:p>
-          <a:p>
-            <a:pPr lvl="1"/>
-            <a:r>
-              <a:rPr lang="en-US" b="1" dirty="0" smtClean="0"/>
-              <a:t>one or more nodes can route messages for other nodes</a:t>
-            </a:r>
-          </a:p>
-          <a:p>
-            <a:r>
-              <a:rPr lang="en-US" dirty="0" smtClean="0"/>
-              <a:t>We will extend our network resource modeling and analysis techniques to support networks in which system nodes can act as routers for packets in the network.</a:t>
-            </a:r>
-          </a:p>
-          <a:p>
-            <a:r>
-              <a:rPr lang="en-US" dirty="0" smtClean="0"/>
-              <a:t>We will show experimentally the validity of the analysis results using our </a:t>
-            </a:r>
-            <a:r>
-              <a:rPr lang="en-US" dirty="0" err="1" smtClean="0"/>
-              <a:t>testbed</a:t>
-            </a:r>
-            <a:r>
-              <a:rPr lang="en-US" dirty="0" smtClean="0"/>
-              <a:t> and test applications.</a:t>
-            </a:r>
-          </a:p>
-          <a:p>
-            <a:endParaRPr lang="en-US" dirty="0"/>
-          </a:p>
-        </p:txBody>
-      </p:sp>
-      <p:sp>
-        <p:nvSpPr>
-          <p:cNvPr id="4" name="Slide Number Placeholder 3"/>
-          <p:cNvSpPr>
-            <a:spLocks noGrp="1"/>
-          </p:cNvSpPr>
-          <p:nvPr>
-            <p:ph type="sldNum" sz="quarter" idx="12"/>
-          </p:nvPr>
-        </p:nvSpPr>
-        <p:spPr/>
-        <p:txBody>
-          <a:bodyPr/>
-          <a:lstStyle/>
-          <a:p>
-            <a:fld id="{4FAB73BC-B049-4115-A692-8D63A059BFB8}" type="slidenum">
-              <a:rPr lang="en-US" smtClean="0"/>
-              <a:t>24</a:t>
-            </a:fld>
-            <a:endParaRPr lang="en-US" dirty="0"/>
-          </a:p>
-        </p:txBody>
-      </p:sp>
-    </p:spTree>
-    <p:extLst>
-      <p:ext uri="{BB962C8B-B14F-4D97-AF65-F5344CB8AC3E}">
-        <p14:creationId xmlns:p14="http://schemas.microsoft.com/office/powerpoint/2010/main" val="1169702747"/>
-      </p:ext>
-    </p:extLst>
-  </p:cSld>
-  <p:clrMapOvr>
-    <a:masterClrMapping/>
-  </p:clrMapOvr>
-  <p:timing>
-    <p:tnLst>
-      <p:par>
-        <p:cTn id="1" dur="indefinite" restart="never" nodeType="tmRoot"/>
-      </p:par>
-    </p:tnLst>
-  </p:timing>
-</p:sld>
-</file>
-
-<file path=ppt/slides/slide25.xml><?xml version="1.0" encoding="utf-8"?>
-<p:sld xmlns:a="http://schemas.openxmlformats.org/drawingml/2006/main" xmlns:r="http://schemas.openxmlformats.org/officeDocument/2006/relationships" xmlns:p="http://schemas.openxmlformats.org/presentationml/2006/main">
-  <p:cSld>
-    <p:spTree>
-      <p:nvGrpSpPr>
-        <p:cNvPr id="1" name=""/>
-        <p:cNvGrpSpPr/>
-        <p:nvPr/>
-      </p:nvGrpSpPr>
-      <p:grpSpPr>
-        <a:xfrm>
-          <a:off x="0" y="0"/>
-          <a:ext cx="0" cy="0"/>
-          <a:chOff x="0" y="0"/>
-          <a:chExt cx="0" cy="0"/>
-        </a:xfrm>
-      </p:grpSpPr>
-      <p:sp>
-        <p:nvSpPr>
-          <p:cNvPr id="2" name="Title 1"/>
-          <p:cNvSpPr>
-            <a:spLocks noGrp="1"/>
-          </p:cNvSpPr>
-          <p:nvPr>
-            <p:ph type="title"/>
-          </p:nvPr>
-        </p:nvSpPr>
-        <p:spPr/>
-        <p:txBody>
-          <a:bodyPr>
-            <a:normAutofit/>
-          </a:bodyPr>
-          <a:lstStyle/>
-          <a:p>
-            <a:r>
-              <a:rPr lang="en-US" dirty="0" smtClean="0"/>
-              <a:t>Comparison of </a:t>
-            </a:r>
-            <a:r>
-              <a:rPr lang="en-US" dirty="0"/>
-              <a:t>PNP</a:t>
-            </a:r>
-            <a:r>
-              <a:rPr lang="en-US" baseline="30000" dirty="0"/>
-              <a:t>2</a:t>
-            </a:r>
-            <a:r>
-              <a:rPr lang="en-US" dirty="0" smtClean="0"/>
-              <a:t> </a:t>
-            </a:r>
-            <a:r>
-              <a:rPr lang="en-US" dirty="0" smtClean="0"/>
-              <a:t>to Network Calculus</a:t>
-            </a:r>
-            <a:endParaRPr lang="en-US" dirty="0"/>
-          </a:p>
-        </p:txBody>
-      </p:sp>
-      <p:sp>
-        <p:nvSpPr>
-          <p:cNvPr id="3" name="Content Placeholder 2"/>
-          <p:cNvSpPr>
-            <a:spLocks noGrp="1"/>
-          </p:cNvSpPr>
-          <p:nvPr>
-            <p:ph idx="1"/>
-          </p:nvPr>
-        </p:nvSpPr>
-        <p:spPr/>
-        <p:txBody>
-          <a:bodyPr>
-            <a:normAutofit/>
-          </a:bodyPr>
-          <a:lstStyle/>
-          <a:p>
-            <a:r>
-              <a:rPr lang="en-US" dirty="0" smtClean="0"/>
-              <a:t>By showing that the main concepts of Network Calculus, e.g. compositionality, hold for </a:t>
-            </a:r>
-            <a:r>
-              <a:rPr lang="en-US" dirty="0"/>
-              <a:t>PNP</a:t>
-            </a:r>
-            <a:r>
-              <a:rPr lang="en-US" baseline="30000" dirty="0"/>
-              <a:t>2</a:t>
-            </a:r>
-            <a:r>
-              <a:rPr lang="en-US" dirty="0" smtClean="0"/>
-              <a:t>, </a:t>
-            </a:r>
-            <a:r>
-              <a:rPr lang="en-US" dirty="0" smtClean="0"/>
-              <a:t>we show the capability for similar systems-theory based analysis approaches</a:t>
-            </a:r>
-          </a:p>
-          <a:p>
-            <a:r>
-              <a:rPr lang="en-US" dirty="0" smtClean="0"/>
-              <a:t>We will mathematically analyze the differences between the proposed technique and Network Calculus, showing that compositionality (i.e. concatenation of nodes in NC) applies to our analysis techniques</a:t>
-            </a:r>
-          </a:p>
-          <a:p>
-            <a:r>
-              <a:rPr lang="en-US" dirty="0" smtClean="0"/>
-              <a:t>We will analyze network flow composition to formalize operations for flow aggregation</a:t>
-            </a:r>
-            <a:endParaRPr lang="en-US" dirty="0"/>
-          </a:p>
-        </p:txBody>
-      </p:sp>
-      <p:sp>
-        <p:nvSpPr>
-          <p:cNvPr id="4" name="Slide Number Placeholder 3"/>
-          <p:cNvSpPr>
-            <a:spLocks noGrp="1"/>
-          </p:cNvSpPr>
-          <p:nvPr>
-            <p:ph type="sldNum" sz="quarter" idx="12"/>
-          </p:nvPr>
-        </p:nvSpPr>
-        <p:spPr/>
-        <p:txBody>
-          <a:bodyPr/>
-          <a:lstStyle/>
-          <a:p>
-            <a:fld id="{4FAB73BC-B049-4115-A692-8D63A059BFB8}" type="slidenum">
-              <a:rPr lang="en-US" smtClean="0"/>
-              <a:t>25</a:t>
-            </a:fld>
-            <a:endParaRPr lang="en-US" dirty="0"/>
-          </a:p>
-        </p:txBody>
-      </p:sp>
-    </p:spTree>
-    <p:extLst>
-      <p:ext uri="{BB962C8B-B14F-4D97-AF65-F5344CB8AC3E}">
-        <p14:creationId xmlns:p14="http://schemas.microsoft.com/office/powerpoint/2010/main" val="3262185113"/>
-      </p:ext>
-    </p:extLst>
-  </p:cSld>
-  <p:clrMapOvr>
-    <a:masterClrMapping/>
-  </p:clrMapOvr>
-  <p:timing>
-    <p:tnLst>
-      <p:par>
-        <p:cTn id="1" dur="indefinite" restart="never" nodeType="tmRoot"/>
-      </p:par>
-    </p:tnLst>
-  </p:timing>
-</p:sld>
-</file>
-
-<file path=ppt/slides/slide26.xml><?xml version="1.0" encoding="utf-8"?>
-<p:sld xmlns:a="http://schemas.openxmlformats.org/drawingml/2006/main" xmlns:r="http://schemas.openxmlformats.org/officeDocument/2006/relationships" xmlns:p="http://schemas.openxmlformats.org/presentationml/2006/main">
-  <p:cSld>
-    <p:spTree>
-      <p:nvGrpSpPr>
-        <p:cNvPr id="1" name=""/>
-        <p:cNvGrpSpPr/>
-        <p:nvPr/>
-      </p:nvGrpSpPr>
-      <p:grpSpPr>
-        <a:xfrm>
-          <a:off x="0" y="0"/>
-          <a:ext cx="0" cy="0"/>
-          <a:chOff x="0" y="0"/>
-          <a:chExt cx="0" cy="0"/>
-        </a:xfrm>
-      </p:grpSpPr>
-      <p:sp>
-        <p:nvSpPr>
-          <p:cNvPr id="2" name="Title 1"/>
-          <p:cNvSpPr>
-            <a:spLocks noGrp="1"/>
-          </p:cNvSpPr>
-          <p:nvPr>
-            <p:ph type="title"/>
-          </p:nvPr>
-        </p:nvSpPr>
-        <p:spPr/>
-        <p:txBody>
-          <a:bodyPr>
-            <a:normAutofit/>
-          </a:bodyPr>
-          <a:lstStyle/>
-          <a:p>
-            <a:r>
-              <a:rPr lang="en-US" dirty="0" smtClean="0"/>
-              <a:t>Network Application Fault/Anomaly Classification</a:t>
-            </a:r>
-            <a:endParaRPr lang="en-US" dirty="0"/>
-          </a:p>
-        </p:txBody>
-      </p:sp>
-      <p:sp>
-        <p:nvSpPr>
-          <p:cNvPr id="3" name="Content Placeholder 2"/>
-          <p:cNvSpPr>
-            <a:spLocks noGrp="1"/>
-          </p:cNvSpPr>
-          <p:nvPr>
-            <p:ph idx="1"/>
-          </p:nvPr>
-        </p:nvSpPr>
-        <p:spPr/>
-        <p:txBody>
-          <a:bodyPr/>
-          <a:lstStyle/>
-          <a:p>
-            <a:r>
-              <a:rPr lang="en-US" dirty="0" smtClean="0"/>
-              <a:t>We will use our </a:t>
-            </a:r>
-            <a:r>
-              <a:rPr lang="en-US" dirty="0" err="1" smtClean="0"/>
-              <a:t>testbed</a:t>
-            </a:r>
-            <a:r>
-              <a:rPr lang="en-US" dirty="0" smtClean="0"/>
-              <a:t> to run distributed network tests to classify certain types of anomalies, e.g. </a:t>
-            </a:r>
-            <a:r>
-              <a:rPr lang="en-US" dirty="0" err="1" smtClean="0"/>
-              <a:t>DDoS</a:t>
-            </a:r>
-            <a:r>
-              <a:rPr lang="en-US" dirty="0" smtClean="0"/>
-              <a:t> attacks from compromised applications within the cluster.</a:t>
-            </a:r>
-          </a:p>
-          <a:p>
-            <a:pPr lvl="1"/>
-            <a:r>
-              <a:rPr lang="en-US" dirty="0" smtClean="0"/>
-              <a:t>Cluster</a:t>
-            </a:r>
-            <a:r>
-              <a:rPr lang="en-US" dirty="0"/>
-              <a:t> </a:t>
-            </a:r>
-            <a:r>
-              <a:rPr lang="en-US" dirty="0" smtClean="0"/>
-              <a:t>is</a:t>
-            </a:r>
-            <a:r>
-              <a:rPr lang="en-US" dirty="0"/>
-              <a:t> </a:t>
-            </a:r>
-            <a:r>
-              <a:rPr lang="en-US" dirty="0" smtClean="0"/>
-              <a:t>a</a:t>
-            </a:r>
-            <a:r>
-              <a:rPr lang="en-US" dirty="0"/>
-              <a:t> </a:t>
-            </a:r>
-            <a:r>
-              <a:rPr lang="en-US" b="1" dirty="0" smtClean="0"/>
-              <a:t>managed</a:t>
-            </a:r>
-            <a:r>
-              <a:rPr lang="en-US" dirty="0"/>
-              <a:t> </a:t>
-            </a:r>
-            <a:r>
-              <a:rPr lang="en-US" dirty="0" smtClean="0"/>
-              <a:t>system; we have full control over all layers on each node, but not the applications</a:t>
-            </a:r>
-          </a:p>
-          <a:p>
-            <a:r>
-              <a:rPr lang="en-US" dirty="0" smtClean="0"/>
-              <a:t>We will use the network resource utilization measurements gained from the tests to derive metrics which allow us to differentiate between classes of behavior, e.g. standard/stable application behavior vs. </a:t>
-            </a:r>
-            <a:r>
-              <a:rPr lang="en-US" dirty="0" err="1" smtClean="0"/>
-              <a:t>DDoS</a:t>
-            </a:r>
-            <a:r>
-              <a:rPr lang="en-US" dirty="0" smtClean="0"/>
-              <a:t> behavior.</a:t>
-            </a:r>
-          </a:p>
-          <a:p>
-            <a:r>
-              <a:rPr lang="en-US" dirty="0" smtClean="0"/>
-              <a:t>We will then use the classifications to show that the system can detect these types of attacks, mitigate their propagation, and report the attack to the system's manager.</a:t>
-            </a:r>
-            <a:endParaRPr lang="en-US" dirty="0"/>
-          </a:p>
-        </p:txBody>
-      </p:sp>
-      <p:sp>
-        <p:nvSpPr>
-          <p:cNvPr id="4" name="Slide Number Placeholder 3"/>
-          <p:cNvSpPr>
-            <a:spLocks noGrp="1"/>
-          </p:cNvSpPr>
-          <p:nvPr>
-            <p:ph type="sldNum" sz="quarter" idx="12"/>
-          </p:nvPr>
-        </p:nvSpPr>
-        <p:spPr/>
-        <p:txBody>
-          <a:bodyPr/>
-          <a:lstStyle/>
-          <a:p>
-            <a:fld id="{4FAB73BC-B049-4115-A692-8D63A059BFB8}" type="slidenum">
-              <a:rPr lang="en-US" smtClean="0"/>
-              <a:t>26</a:t>
-            </a:fld>
-            <a:endParaRPr lang="en-US" dirty="0"/>
-          </a:p>
-        </p:txBody>
-      </p:sp>
-    </p:spTree>
-    <p:extLst>
-      <p:ext uri="{BB962C8B-B14F-4D97-AF65-F5344CB8AC3E}">
-        <p14:creationId xmlns:p14="http://schemas.microsoft.com/office/powerpoint/2010/main" val="1688782407"/>
       </p:ext>
     </p:extLst>
   </p:cSld>
@@ -13102,12 +13147,42 @@
         </p:nvSpPr>
         <p:spPr/>
         <p:txBody>
+          <a:bodyPr>
+            <a:normAutofit fontScale="90000"/>
+          </a:bodyPr>
+          <a:lstStyle/>
+          <a:p>
+            <a:r>
+              <a:rPr lang="en-US" dirty="0" smtClean="0"/>
+              <a:t>Generation of Application Network Profiles from Business Logic Models (3/3)</a:t>
+            </a:r>
+            <a:endParaRPr lang="en-US" dirty="0"/>
+          </a:p>
+        </p:txBody>
+      </p:sp>
+      <p:sp>
+        <p:nvSpPr>
+          <p:cNvPr id="4" name="Text Placeholder 3"/>
+          <p:cNvSpPr>
+            <a:spLocks noGrp="1"/>
+          </p:cNvSpPr>
+          <p:nvPr>
+            <p:ph type="body" idx="1"/>
+          </p:nvPr>
+        </p:nvSpPr>
+        <p:spPr>
+          <a:xfrm>
+            <a:off x="946403" y="1717185"/>
+            <a:ext cx="6047177" cy="731520"/>
+          </a:xfrm>
+        </p:spPr>
+        <p:txBody>
           <a:bodyPr/>
           <a:lstStyle/>
           <a:p>
             <a:r>
               <a:rPr lang="en-US" dirty="0" smtClean="0"/>
-              <a:t>Conclusions and Future Work</a:t>
+              <a:t>Proposed Contributions</a:t>
             </a:r>
             <a:endParaRPr lang="en-US" dirty="0"/>
           </a:p>
@@ -13115,85 +13190,59 @@
       </p:sp>
       <p:sp>
         <p:nvSpPr>
-          <p:cNvPr id="3" name="Content Placeholder 2"/>
-          <p:cNvSpPr>
-            <a:spLocks noGrp="1"/>
-          </p:cNvSpPr>
-          <p:nvPr>
-            <p:ph idx="1"/>
+          <p:cNvPr id="6" name="Content Placeholder 5"/>
+          <p:cNvSpPr>
+            <a:spLocks noGrp="1"/>
+          </p:cNvSpPr>
+          <p:nvPr>
+            <p:ph sz="half" idx="2"/>
           </p:nvPr>
         </p:nvSpPr>
         <p:spPr>
           <a:xfrm>
-            <a:off x="946404" y="1828801"/>
-            <a:ext cx="6446520" cy="2744915"/>
+            <a:off x="946403" y="2507550"/>
+            <a:ext cx="6047177" cy="3664650"/>
           </a:xfrm>
         </p:spPr>
         <p:txBody>
           <a:bodyPr>
-            <a:noAutofit/>
+            <a:normAutofit fontScale="92500" lnSpcReduction="20000"/>
           </a:bodyPr>
           <a:lstStyle/>
           <a:p>
             <a:r>
-              <a:rPr lang="en-US" sz="1200" dirty="0" smtClean="0"/>
-              <a:t>Certain</a:t>
-            </a:r>
-            <a:r>
-              <a:rPr lang="en-US" sz="1200" dirty="0"/>
-              <a:t> </a:t>
-            </a:r>
-            <a:r>
-              <a:rPr lang="en-US" sz="1200" dirty="0" smtClean="0"/>
-              <a:t>classes of distributed, real-time, embedded, cyber-physical systems require strict design-time guarantees about resource utilization and performance</a:t>
-            </a:r>
-          </a:p>
-          <a:p>
-            <a:pPr lvl="1"/>
-            <a:r>
-              <a:rPr lang="en-US" sz="1000" dirty="0" smtClean="0"/>
-              <a:t>Network resources are now critical for distributed CPS</a:t>
-            </a:r>
-          </a:p>
-          <a:p>
-            <a:r>
-              <a:rPr lang="en-US" sz="1200" dirty="0" smtClean="0"/>
-              <a:t>Current simulation or analysis techniques are too conservative at best, too inaccurate at worst</a:t>
-            </a:r>
-          </a:p>
-          <a:p>
-            <a:r>
-              <a:rPr lang="en-US" sz="1200" dirty="0" smtClean="0"/>
-              <a:t>Our proposed work extends previous work to increase the fidelity of the analysis results with respect to the run-time system</a:t>
-            </a:r>
-          </a:p>
-          <a:p>
-            <a:pPr lvl="1"/>
-            <a:r>
-              <a:rPr lang="en-US" sz="1200" dirty="0" smtClean="0"/>
-              <a:t>The</a:t>
-            </a:r>
-            <a:r>
-              <a:rPr lang="en-US" sz="1200" dirty="0"/>
-              <a:t> </a:t>
-            </a:r>
-            <a:r>
-              <a:rPr lang="en-US" sz="1200" dirty="0" smtClean="0"/>
-              <a:t>inclusion of temporal/physical dynamics into the analysis is paramount to providing strict performance guarantees</a:t>
-            </a:r>
-          </a:p>
-          <a:p>
-            <a:r>
-              <a:rPr lang="en-US" sz="1200" dirty="0" smtClean="0"/>
-              <a:t>We have described some remaining work in the field and outlined our plans to address it</a:t>
-            </a:r>
-            <a:endParaRPr lang="en-US" sz="1200" dirty="0"/>
-          </a:p>
-        </p:txBody>
-      </p:sp>
-      <p:sp>
-        <p:nvSpPr>
-          <p:cNvPr id="5" name="Slide Number Placeholder 4"/>
+              <a:rPr lang="en-US" sz="1800" dirty="0" smtClean="0"/>
+              <a:t>We will develop an add-on to our currently existing modeling language for application business logic which captures the network resources required during each part of the business logic model.</a:t>
+            </a:r>
+          </a:p>
+          <a:p>
+            <a:r>
+              <a:rPr lang="en-US" sz="1800" dirty="0" smtClean="0"/>
+              <a:t>We will develop a compositional technique for generating the network resource requirement profile for an application from the combined business logic models of that application's components.  This is required because the business logic models describe the behavior of the callback associated with a component port, but does not describe the timing of the invocations of that callback.</a:t>
+            </a:r>
+          </a:p>
+          <a:p>
+            <a:r>
+              <a:rPr lang="en-US" sz="1800" dirty="0" smtClean="0"/>
+              <a:t>We will develop test applications for our </a:t>
+            </a:r>
+            <a:r>
+              <a:rPr lang="en-US" sz="1800" dirty="0" err="1" smtClean="0"/>
+              <a:t>testbed</a:t>
+            </a:r>
+            <a:r>
+              <a:rPr lang="en-US" sz="1800" dirty="0" smtClean="0"/>
+              <a:t> which adhere to the business logic models and allow us to measure the accuracy and precision of the predictions using these generated profiles.</a:t>
+            </a:r>
+          </a:p>
+          <a:p>
+            <a:endParaRPr lang="en-US" dirty="0"/>
+          </a:p>
+        </p:txBody>
+      </p:sp>
+      <p:sp>
+        <p:nvSpPr>
+          <p:cNvPr id="3" name="Slide Number Placeholder 2"/>
           <p:cNvSpPr>
             <a:spLocks noGrp="1"/>
           </p:cNvSpPr>
@@ -13217,7 +13266,7 @@
     </p:spTree>
     <p:extLst>
       <p:ext uri="{BB962C8B-B14F-4D97-AF65-F5344CB8AC3E}">
-        <p14:creationId xmlns:p14="http://schemas.microsoft.com/office/powerpoint/2010/main" val="1316710534"/>
+        <p14:creationId xmlns:p14="http://schemas.microsoft.com/office/powerpoint/2010/main" val="1474561979"/>
       </p:ext>
     </p:extLst>
   </p:cSld>
@@ -13263,12 +13312,37 @@
         </p:nvSpPr>
         <p:spPr/>
         <p:txBody>
+          <a:bodyPr>
+            <a:normAutofit/>
+          </a:bodyPr>
+          <a:lstStyle/>
+          <a:p>
+            <a:r>
+              <a:rPr lang="en-US" dirty="0" smtClean="0"/>
+              <a:t>Analysis of Statically Routed Networks</a:t>
+            </a:r>
+            <a:endParaRPr lang="en-US" dirty="0"/>
+          </a:p>
+        </p:txBody>
+      </p:sp>
+      <p:sp>
+        <p:nvSpPr>
+          <p:cNvPr id="5" name="Text Placeholder 4"/>
+          <p:cNvSpPr>
+            <a:spLocks noGrp="1"/>
+          </p:cNvSpPr>
+          <p:nvPr>
+            <p:ph type="body" idx="1"/>
+          </p:nvPr>
+        </p:nvSpPr>
+        <p:spPr/>
+        <p:txBody>
           <a:bodyPr/>
           <a:lstStyle/>
           <a:p>
             <a:r>
               <a:rPr lang="en-US" dirty="0" smtClean="0"/>
-              <a:t>Publications</a:t>
+              <a:t>Challenges</a:t>
             </a:r>
             <a:endParaRPr lang="en-US" dirty="0"/>
           </a:p>
@@ -13281,318 +13355,214 @@
             <a:spLocks noGrp="1"/>
           </p:cNvSpPr>
           <p:nvPr>
-            <p:ph idx="1"/>
+            <p:ph sz="half" idx="2"/>
           </p:nvPr>
         </p:nvSpPr>
         <p:spPr/>
         <p:txBody>
           <a:bodyPr>
-            <a:normAutofit lnSpcReduction="10000"/>
+            <a:normAutofit fontScale="92500" lnSpcReduction="20000"/>
           </a:bodyPr>
           <a:lstStyle/>
           <a:p>
             <a:r>
-              <a:rPr lang="en-US" sz="800" b="0" i="0" u="none" strike="noStrike" baseline="0" dirty="0" smtClean="0">
-                <a:latin typeface="NimbusRomNo9L-Regu"/>
-              </a:rPr>
-              <a:t>W. Emfinger and G. Karsai. Modeling network medium access protocols for network quality of service analysis. In </a:t>
-            </a:r>
-            <a:r>
-              <a:rPr lang="en-US" sz="800" b="0" i="0" u="none" strike="noStrike" baseline="0" dirty="0" smtClean="0">
-                <a:latin typeface="NimbusRomNo9L-ReguItal"/>
-              </a:rPr>
-              <a:t>Proceedings of the 18th IEEE Symposium on Real-Time Computing (ISORC)</a:t>
-            </a:r>
-            <a:r>
-              <a:rPr lang="en-US" sz="800" b="0" i="0" u="none" strike="noStrike" baseline="0" dirty="0" smtClean="0">
-                <a:latin typeface="NimbusRomNo9L-Regu"/>
-              </a:rPr>
-              <a:t>, ISORC ’15, pages 44–47, Auckland, New Zealand, 2015. IEEE</a:t>
-            </a:r>
-          </a:p>
-          <a:p>
-            <a:r>
-              <a:rPr lang="en-US" sz="800" b="0" i="0" u="none" strike="noStrike" baseline="0" dirty="0" smtClean="0">
-                <a:latin typeface="NimbusRomNo9L-Regu"/>
-              </a:rPr>
-              <a:t>W. Emfinger, G. Karsai, A. Dubey, and A. Gokhale. Analysis, verification, and management </a:t>
-            </a:r>
-            <a:r>
-              <a:rPr lang="en-US" sz="800" b="0" i="0" u="none" strike="noStrike" baseline="0" dirty="0" err="1" smtClean="0">
-                <a:latin typeface="NimbusRomNo9L-Regu"/>
-              </a:rPr>
-              <a:t>toolsuite</a:t>
-            </a:r>
-            <a:r>
-              <a:rPr lang="en-US" sz="800" b="0" i="0" u="none" strike="noStrike" baseline="0" dirty="0" smtClean="0">
-                <a:latin typeface="NimbusRomNo9L-Regu"/>
-              </a:rPr>
-              <a:t> for cyber-physical applications on time-varying networks. In </a:t>
-            </a:r>
-            <a:r>
-              <a:rPr lang="en-US" sz="800" b="0" i="0" u="none" strike="noStrike" baseline="0" dirty="0" smtClean="0">
-                <a:latin typeface="NimbusRomNo9L-ReguItal"/>
-              </a:rPr>
-              <a:t>Proceedings of the 4th ACM SIGBED International Workshop on Design, Modeling, and Evaluation of Cyber-Physical Systems</a:t>
-            </a:r>
-            <a:r>
-              <a:rPr lang="en-US" sz="800" b="0" i="0" u="none" strike="noStrike" baseline="0" dirty="0" smtClean="0">
-                <a:latin typeface="NimbusRomNo9L-Regu"/>
-              </a:rPr>
-              <a:t>, </a:t>
-            </a:r>
-            <a:r>
-              <a:rPr lang="en-US" sz="800" b="0" i="0" u="none" strike="noStrike" baseline="0" dirty="0" err="1" smtClean="0">
-                <a:latin typeface="NimbusRomNo9L-Regu"/>
-              </a:rPr>
-              <a:t>CyPhy</a:t>
-            </a:r>
-            <a:r>
-              <a:rPr lang="en-US" sz="800" b="0" i="0" u="none" strike="noStrike" baseline="0" dirty="0" smtClean="0">
-                <a:latin typeface="NimbusRomNo9L-Regu"/>
-              </a:rPr>
-              <a:t> ’14, pages 44–47, New York, NY, USA, 2014. ACM</a:t>
-            </a:r>
-          </a:p>
-          <a:p>
-            <a:r>
-              <a:rPr lang="en-US" sz="800" b="0" i="0" u="none" strike="noStrike" baseline="0" dirty="0" smtClean="0">
-                <a:latin typeface="NimbusRomNo9L-Regu"/>
-              </a:rPr>
-              <a:t>W. Emfinger, P. Kumar, A. Dubey, W. Otte, A. Gokhale, G. Karsai. DREMS: A </a:t>
-            </a:r>
-            <a:r>
-              <a:rPr lang="en-US" sz="800" b="0" i="0" u="none" strike="noStrike" baseline="0" dirty="0" err="1" smtClean="0">
-                <a:latin typeface="NimbusRomNo9L-Regu"/>
-              </a:rPr>
-              <a:t>Toolchain</a:t>
-            </a:r>
-            <a:r>
-              <a:rPr lang="en-US" sz="800" b="0" i="0" u="none" strike="noStrike" baseline="0" dirty="0" smtClean="0">
-                <a:latin typeface="NimbusRomNo9L-Regu"/>
-              </a:rPr>
-              <a:t> for the Rapid Application Development, Integration, and Deployment of Managed Distributed Real-time Embedded Systems. In </a:t>
-            </a:r>
-            <a:r>
-              <a:rPr lang="en-US" sz="800" b="0" i="0" u="none" strike="noStrike" baseline="0" dirty="0" smtClean="0">
-                <a:latin typeface="NimbusRomNo9L-ReguItal"/>
-              </a:rPr>
-              <a:t>Proceedings of the IEEE Real-Time Systems Symposium</a:t>
-            </a:r>
-            <a:r>
-              <a:rPr lang="en-US" sz="800" b="0" i="0" u="none" strike="noStrike" baseline="0" dirty="0" smtClean="0">
-                <a:latin typeface="NimbusRomNo9L-Regu"/>
-              </a:rPr>
-              <a:t>, </a:t>
-            </a:r>
-            <a:r>
-              <a:rPr lang="en-US" sz="800" b="0" i="0" u="none" strike="noStrike" baseline="0" dirty="0" err="1" smtClean="0">
-                <a:latin typeface="NimbusRomNo9L-Regu"/>
-              </a:rPr>
-              <a:t>RTSS@Work</a:t>
-            </a:r>
-            <a:r>
-              <a:rPr lang="en-US" sz="800" b="0" i="0" u="none" strike="noStrike" baseline="0" dirty="0" smtClean="0">
-                <a:latin typeface="NimbusRomNo9L-Regu"/>
-              </a:rPr>
-              <a:t> 2013, Vancouver, Canada, 2013. IEEE</a:t>
-            </a:r>
-          </a:p>
-          <a:p>
-            <a:r>
-              <a:rPr lang="en-US" sz="800" b="0" i="0" u="none" strike="noStrike" baseline="0" dirty="0" smtClean="0">
-                <a:latin typeface="NimbusRomNo9L-Regu"/>
-              </a:rPr>
-              <a:t>Pradhan S., W. Emfinger, A. Dubey, W. Otte, A. </a:t>
-            </a:r>
-            <a:r>
-              <a:rPr lang="en-US" sz="800" b="0" i="0" u="none" strike="noStrike" baseline="0" dirty="0" err="1" smtClean="0">
-                <a:latin typeface="NimbusRomNo9L-Regu"/>
-              </a:rPr>
-              <a:t>Coglio</a:t>
-            </a:r>
-            <a:r>
-              <a:rPr lang="en-US" sz="800" b="0" i="0" u="none" strike="noStrike" baseline="0" dirty="0" smtClean="0">
-                <a:latin typeface="NimbusRomNo9L-Regu"/>
-              </a:rPr>
-              <a:t>, D. Balasubramanian, </a:t>
-            </a:r>
-            <a:r>
-              <a:rPr lang="en-US" sz="800" b="0" i="0" u="none" strike="noStrike" baseline="0" dirty="0" err="1" smtClean="0">
-                <a:latin typeface="NimbusRomNo9L-Regu"/>
-              </a:rPr>
-              <a:t>A.Gokhale</a:t>
-            </a:r>
-            <a:r>
-              <a:rPr lang="en-US" sz="800" b="0" i="0" u="none" strike="noStrike" baseline="0" dirty="0" smtClean="0">
-                <a:latin typeface="NimbusRomNo9L-Regu"/>
-              </a:rPr>
-              <a:t>, G. Karsai. Establishing secure interactions across distributed applications in satellite clusters. In </a:t>
-            </a:r>
-            <a:r>
-              <a:rPr lang="en-US" sz="800" b="0" i="0" u="none" strike="noStrike" baseline="0" dirty="0" smtClean="0">
-                <a:latin typeface="NimbusRomNo9L-ReguItal"/>
-              </a:rPr>
-              <a:t>Proceedings of the IEEE International Conference on Space Mission Challenges for Information Technology</a:t>
-            </a:r>
-            <a:r>
-              <a:rPr lang="en-US" sz="800" b="0" i="0" u="none" strike="noStrike" baseline="0" dirty="0" smtClean="0">
-                <a:latin typeface="NimbusRomNo9L-Regu"/>
-              </a:rPr>
-              <a:t>, SMC-IT, 2014, Laurel, MD, USA. IEEE </a:t>
-            </a:r>
-          </a:p>
-          <a:p>
-            <a:r>
-              <a:rPr lang="en-US" sz="800" b="0" i="0" u="none" strike="noStrike" baseline="0" dirty="0" smtClean="0">
-                <a:latin typeface="NimbusRomNo9L-Regu"/>
-              </a:rPr>
-              <a:t>Balasubramanian, D., W. Emfinger, P. S. Kumar, W. Otte, A. Dubey, and G. Karsai. An application development and deployment platform for satellite clusters. In </a:t>
-            </a:r>
-            <a:r>
-              <a:rPr lang="en-US" sz="800" b="0" i="0" u="none" strike="noStrike" baseline="0" dirty="0" smtClean="0">
-                <a:latin typeface="NimbusRomNo9L-ReguItal"/>
-              </a:rPr>
-              <a:t>Proceedings of the Workshop on Spacecraft Flight Software</a:t>
-            </a:r>
-            <a:r>
-              <a:rPr lang="en-US" sz="800" b="0" i="0" u="none" strike="noStrike" baseline="0" dirty="0" smtClean="0">
-                <a:latin typeface="NimbusRomNo9L-Regu"/>
-              </a:rPr>
-              <a:t>, 2013</a:t>
-            </a:r>
-          </a:p>
-          <a:p>
-            <a:r>
-              <a:rPr lang="en-US" sz="800" b="0" i="0" u="none" strike="noStrike" baseline="0" dirty="0" smtClean="0">
-                <a:latin typeface="NimbusRomNo9L-Regu"/>
-              </a:rPr>
-              <a:t>Balasubramanian, D., A. Dubey, W. R. Otte, W. Emfinger, P. Kumar, and G. Karsai. A Rapid Testing Framework for a Mobile Cloud Infrastructure. In </a:t>
-            </a:r>
-            <a:r>
-              <a:rPr lang="en-US" sz="800" b="0" i="0" u="none" strike="noStrike" baseline="0" dirty="0" smtClean="0">
-                <a:latin typeface="NimbusRomNo9L-ReguItal"/>
-              </a:rPr>
-              <a:t>Proceedings of the IEEE International Symposium on Rapid System Prototyping</a:t>
-            </a:r>
-            <a:r>
-              <a:rPr lang="en-US" sz="800" b="0" i="0" u="none" strike="noStrike" baseline="0" dirty="0" smtClean="0">
-                <a:latin typeface="NimbusRomNo9L-Regu"/>
-              </a:rPr>
-              <a:t>, RSP, 2014. IEEE</a:t>
-            </a:r>
-          </a:p>
-          <a:p>
-            <a:r>
-              <a:rPr lang="en-US" sz="800" b="0" i="0" u="none" strike="noStrike" baseline="0" dirty="0" smtClean="0">
-                <a:latin typeface="NimbusRomNo9L-Regu"/>
-              </a:rPr>
-              <a:t>Dubey, A., W. Emfinger, A. Gokhale, G. Karsai, W. R. Otte, J. Parsons, C. Szabo, A. </a:t>
-            </a:r>
-            <a:r>
-              <a:rPr lang="en-US" sz="800" b="0" i="0" u="none" strike="noStrike" baseline="0" dirty="0" err="1" smtClean="0">
-                <a:latin typeface="NimbusRomNo9L-Regu"/>
-              </a:rPr>
-              <a:t>Coglio</a:t>
-            </a:r>
-            <a:r>
-              <a:rPr lang="en-US" sz="800" b="0" i="0" u="none" strike="noStrike" baseline="0" dirty="0" smtClean="0">
-                <a:latin typeface="NimbusRomNo9L-Regu"/>
-              </a:rPr>
-              <a:t>, E. Smith, and P. Bose. A Software Platform for Fractionated Spacecraft. In </a:t>
-            </a:r>
-            <a:r>
-              <a:rPr lang="en-US" sz="800" b="0" i="0" u="none" strike="noStrike" baseline="0" dirty="0" smtClean="0">
-                <a:latin typeface="NimbusRomNo9L-ReguItal"/>
-              </a:rPr>
-              <a:t>Proceedings of the 2012 IEEE Aerospace Conference</a:t>
-            </a:r>
-            <a:r>
-              <a:rPr lang="en-US" sz="800" b="0" i="0" u="none" strike="noStrike" baseline="0" dirty="0" smtClean="0">
-                <a:latin typeface="NimbusRomNo9L-Regu"/>
-              </a:rPr>
-              <a:t>, Big Sky, Montana, 03/2012. IEEE</a:t>
-            </a:r>
-          </a:p>
-          <a:p>
-            <a:r>
-              <a:rPr lang="en-US" sz="800" b="0" i="0" u="none" strike="noStrike" baseline="0" dirty="0" err="1" smtClean="0">
-                <a:latin typeface="NimbusRomNo9L-Regu"/>
-              </a:rPr>
-              <a:t>Levendovszky</a:t>
-            </a:r>
-            <a:r>
-              <a:rPr lang="en-US" sz="800" b="0" i="0" u="none" strike="noStrike" baseline="0" dirty="0" smtClean="0">
-                <a:latin typeface="NimbusRomNo9L-Regu"/>
-              </a:rPr>
-              <a:t>, T., A. Dubey, W. R. Otte, D. Balasubramanian, A. </a:t>
-            </a:r>
-            <a:r>
-              <a:rPr lang="en-US" sz="800" b="0" i="0" u="none" strike="noStrike" baseline="0" dirty="0" err="1" smtClean="0">
-                <a:latin typeface="NimbusRomNo9L-Regu"/>
-              </a:rPr>
-              <a:t>Coglio</a:t>
-            </a:r>
-            <a:r>
-              <a:rPr lang="en-US" sz="800" b="0" i="0" u="none" strike="noStrike" baseline="0" dirty="0" smtClean="0">
-                <a:latin typeface="NimbusRomNo9L-Regu"/>
-              </a:rPr>
-              <a:t>, S. </a:t>
-            </a:r>
-            <a:r>
-              <a:rPr lang="en-US" sz="800" b="0" i="0" u="none" strike="noStrike" baseline="0" dirty="0" err="1" smtClean="0">
-                <a:latin typeface="NimbusRomNo9L-Regu"/>
-              </a:rPr>
-              <a:t>Nyako</a:t>
-            </a:r>
-            <a:r>
-              <a:rPr lang="en-US" sz="800" b="0" i="0" u="none" strike="noStrike" baseline="0" dirty="0" smtClean="0">
-                <a:latin typeface="NimbusRomNo9L-Regu"/>
-              </a:rPr>
-              <a:t>, W. Emfinger, P. Kumar, A. Gokhale, and G. Karsai. DREMS: A Model-Driven Distributed Secure Information Architecture Platform for Managed Embedded Systems. In </a:t>
-            </a:r>
-            <a:r>
-              <a:rPr lang="en-US" sz="800" b="0" i="0" u="none" strike="noStrike" baseline="0" dirty="0" smtClean="0">
-                <a:latin typeface="NimbusRomNo9L-ReguItal"/>
-              </a:rPr>
-              <a:t>IEEE Software</a:t>
-            </a:r>
-            <a:r>
-              <a:rPr lang="en-US" sz="800" b="0" i="0" u="none" strike="noStrike" baseline="0" dirty="0" smtClean="0">
-                <a:latin typeface="NimbusRomNo9L-Regu"/>
-              </a:rPr>
-              <a:t>, vol. 99: IEEE Computer Society, 2014. IEEE</a:t>
-            </a:r>
-          </a:p>
-          <a:p>
-            <a:r>
-              <a:rPr lang="en-US" sz="800" b="0" i="0" u="none" strike="noStrike" baseline="0" dirty="0" smtClean="0">
-                <a:latin typeface="NimbusRomNo9L-Regu"/>
-              </a:rPr>
-              <a:t>Submitted, Awaiting Review:</a:t>
+              <a:rPr lang="en-US" dirty="0" smtClean="0"/>
+              <a:t>Most realistic networks require some form of message routing</a:t>
             </a:r>
           </a:p>
           <a:p>
             <a:pPr lvl="1"/>
             <a:r>
-              <a:rPr lang="en-US" sz="800" b="0" i="0" u="none" strike="noStrike" baseline="0" dirty="0" smtClean="0">
-                <a:latin typeface="NimbusRomNo9L-Regu"/>
-              </a:rPr>
-              <a:t>W. Emfinger, P. Kumar, A. Dubey, G. Karsai. Towards Assurances in Self-Adaptive, Dynamic, Distributed Real-time Embedded Systems. In </a:t>
-            </a:r>
-            <a:r>
-              <a:rPr lang="en-US" sz="800" b="0" i="0" u="none" strike="noStrike" baseline="0" dirty="0" smtClean="0">
-                <a:latin typeface="NimbusRomNo9L-ReguItal"/>
-              </a:rPr>
-              <a:t>Software Engineering for Self-Adaptive Systems: Assurances</a:t>
-            </a:r>
-            <a:r>
-              <a:rPr lang="en-US" sz="800" b="0" i="0" u="none" strike="noStrike" baseline="0" dirty="0" smtClean="0">
-                <a:latin typeface="NimbusRomNo9L-Regu"/>
-              </a:rPr>
-              <a:t>, 2015.</a:t>
-            </a:r>
-            <a:endParaRPr lang="en-US" sz="800" dirty="0"/>
+              <a:rPr lang="en-US" dirty="0" smtClean="0"/>
+              <a:t>Not all</a:t>
+            </a:r>
+            <a:r>
+              <a:rPr lang="en-US" dirty="0"/>
+              <a:t> </a:t>
+            </a:r>
+            <a:r>
+              <a:rPr lang="en-US" dirty="0" smtClean="0"/>
+              <a:t>nodes</a:t>
+            </a:r>
+            <a:r>
+              <a:rPr lang="en-US" dirty="0"/>
+              <a:t> </a:t>
+            </a:r>
+            <a:r>
+              <a:rPr lang="en-US" dirty="0" smtClean="0"/>
+              <a:t>have a direct communications link to each other</a:t>
+            </a:r>
+          </a:p>
+          <a:p>
+            <a:pPr lvl="1"/>
+            <a:r>
+              <a:rPr lang="en-US" dirty="0" smtClean="0"/>
+              <a:t>Due</a:t>
+            </a:r>
+            <a:r>
+              <a:rPr lang="en-US" dirty="0"/>
+              <a:t> </a:t>
+            </a:r>
+            <a:r>
+              <a:rPr lang="en-US" dirty="0" smtClean="0"/>
+              <a:t>to</a:t>
+            </a:r>
+            <a:r>
+              <a:rPr lang="en-US" dirty="0"/>
+              <a:t> </a:t>
+            </a:r>
+            <a:r>
+              <a:rPr lang="en-US" dirty="0" smtClean="0"/>
+              <a:t>e.g.</a:t>
+            </a:r>
+            <a:r>
+              <a:rPr lang="en-US" dirty="0"/>
+              <a:t> </a:t>
+            </a:r>
+            <a:r>
+              <a:rPr lang="en-US" dirty="0" smtClean="0"/>
+              <a:t>obstructions, local interference, etc.</a:t>
+            </a:r>
+          </a:p>
+          <a:p>
+            <a:r>
+              <a:rPr lang="en-US" dirty="0" smtClean="0"/>
+              <a:t>Routing</a:t>
+            </a:r>
+            <a:r>
+              <a:rPr lang="en-US" dirty="0"/>
+              <a:t> </a:t>
+            </a:r>
+            <a:r>
+              <a:rPr lang="en-US" dirty="0" smtClean="0"/>
+              <a:t>allows</a:t>
+            </a:r>
+            <a:r>
+              <a:rPr lang="en-US" dirty="0"/>
+              <a:t> </a:t>
+            </a:r>
+            <a:r>
+              <a:rPr lang="en-US" dirty="0" smtClean="0"/>
+              <a:t>for</a:t>
+            </a:r>
+            <a:r>
+              <a:rPr lang="en-US" dirty="0"/>
+              <a:t> </a:t>
+            </a:r>
+            <a:r>
+              <a:rPr lang="en-US" dirty="0" smtClean="0"/>
+              <a:t>more</a:t>
+            </a:r>
+            <a:r>
+              <a:rPr lang="en-US" dirty="0"/>
+              <a:t> </a:t>
+            </a:r>
+            <a:r>
+              <a:rPr lang="en-US" dirty="0" smtClean="0"/>
+              <a:t>flexibility</a:t>
+            </a:r>
+            <a:r>
+              <a:rPr lang="en-US" dirty="0"/>
+              <a:t> </a:t>
+            </a:r>
+            <a:r>
+              <a:rPr lang="en-US" dirty="0" smtClean="0"/>
+              <a:t>with</a:t>
+            </a:r>
+            <a:r>
+              <a:rPr lang="en-US" dirty="0"/>
+              <a:t> </a:t>
+            </a:r>
+            <a:r>
+              <a:rPr lang="en-US" dirty="0" smtClean="0"/>
+              <a:t>respect to system deployment and connectivity</a:t>
+            </a:r>
+          </a:p>
+          <a:p>
+            <a:r>
+              <a:rPr lang="en-US" dirty="0" smtClean="0"/>
+              <a:t>Routing can be either pre-defined at deployment time (static) or configured dynamically at run-time</a:t>
+            </a:r>
+          </a:p>
+          <a:p>
+            <a:endParaRPr lang="en-US" dirty="0"/>
+          </a:p>
+        </p:txBody>
+      </p:sp>
+      <p:sp>
+        <p:nvSpPr>
+          <p:cNvPr id="9" name="Text Placeholder 8"/>
+          <p:cNvSpPr>
+            <a:spLocks noGrp="1"/>
+          </p:cNvSpPr>
+          <p:nvPr>
+            <p:ph type="body" sz="quarter" idx="13"/>
+          </p:nvPr>
+        </p:nvSpPr>
+        <p:spPr/>
+        <p:txBody>
+          <a:bodyPr/>
+          <a:lstStyle/>
+          <a:p>
+            <a:r>
+              <a:rPr lang="en-US" dirty="0" smtClean="0"/>
+              <a:t>Proposed Contributions</a:t>
+            </a:r>
+            <a:endParaRPr lang="en-US" dirty="0"/>
+          </a:p>
+        </p:txBody>
+      </p:sp>
+      <p:sp>
+        <p:nvSpPr>
+          <p:cNvPr id="7" name="Content Placeholder 6"/>
+          <p:cNvSpPr>
+            <a:spLocks noGrp="1"/>
+          </p:cNvSpPr>
+          <p:nvPr>
+            <p:ph sz="quarter" idx="4"/>
+          </p:nvPr>
+        </p:nvSpPr>
+        <p:spPr/>
+        <p:txBody>
+          <a:bodyPr>
+            <a:normAutofit fontScale="92500" lnSpcReduction="20000"/>
+          </a:bodyPr>
+          <a:lstStyle/>
+          <a:p>
+            <a:r>
+              <a:rPr lang="en-US" dirty="0" smtClean="0"/>
+              <a:t>We consider a case of routing in ad-hoc networks:</a:t>
+            </a:r>
+          </a:p>
+          <a:p>
+            <a:pPr lvl="1"/>
+            <a:r>
+              <a:rPr lang="en-US" b="1" dirty="0" smtClean="0"/>
+              <a:t>one or more nodes can route messages for other nodes</a:t>
+            </a:r>
+          </a:p>
+          <a:p>
+            <a:r>
+              <a:rPr lang="en-US" dirty="0" smtClean="0"/>
+              <a:t>We will extend our network resource modeling and analysis techniques to support networks in which system nodes can act as routers for packets in the network.</a:t>
+            </a:r>
+          </a:p>
+          <a:p>
+            <a:r>
+              <a:rPr lang="en-US" dirty="0" smtClean="0"/>
+              <a:t>We will show experimentally the validity of the analysis results using our </a:t>
+            </a:r>
+            <a:r>
+              <a:rPr lang="en-US" dirty="0" err="1" smtClean="0"/>
+              <a:t>testbed</a:t>
+            </a:r>
+            <a:r>
+              <a:rPr lang="en-US" dirty="0" smtClean="0"/>
+              <a:t> and test applications.</a:t>
+            </a:r>
+          </a:p>
+          <a:p>
+            <a:endParaRPr lang="en-US" dirty="0"/>
           </a:p>
         </p:txBody>
       </p:sp>
@@ -13622,7 +13592,7 @@
     </p:spTree>
     <p:extLst>
       <p:ext uri="{BB962C8B-B14F-4D97-AF65-F5344CB8AC3E}">
-        <p14:creationId xmlns:p14="http://schemas.microsoft.com/office/powerpoint/2010/main" val="4079945552"/>
+        <p14:creationId xmlns:p14="http://schemas.microsoft.com/office/powerpoint/2010/main" val="1169702747"/>
       </p:ext>
     </p:extLst>
   </p:cSld>
@@ -13668,437 +13638,83 @@
         </p:nvSpPr>
         <p:spPr/>
         <p:txBody>
-          <a:bodyPr/>
-          <a:lstStyle/>
-          <a:p>
-            <a:r>
-              <a:rPr lang="en-US" dirty="0" smtClean="0"/>
-              <a:t>References</a:t>
-            </a:r>
-            <a:endParaRPr lang="en-US" dirty="0"/>
-          </a:p>
-        </p:txBody>
-      </p:sp>
-      <p:sp>
-        <p:nvSpPr>
-          <p:cNvPr id="3" name="Content Placeholder 2"/>
-          <p:cNvSpPr>
-            <a:spLocks noGrp="1"/>
-          </p:cNvSpPr>
-          <p:nvPr>
-            <p:ph idx="1"/>
-          </p:nvPr>
-        </p:nvSpPr>
-        <p:spPr/>
-        <p:txBody>
           <a:bodyPr>
-            <a:normAutofit fontScale="40000" lnSpcReduction="20000"/>
+            <a:normAutofit/>
           </a:bodyPr>
           <a:lstStyle/>
           <a:p>
             <a:r>
-              <a:rPr lang="en-US" sz="1800" b="0" i="0" u="none" strike="noStrike" baseline="0" dirty="0" smtClean="0">
-                <a:latin typeface="NimbusRomNo9L-Regu"/>
-              </a:rPr>
-              <a:t>L. Thiele, S. Chakraborty, and M. </a:t>
-            </a:r>
-            <a:r>
-              <a:rPr lang="en-US" sz="1800" b="0" i="0" u="none" strike="noStrike" baseline="0" dirty="0" err="1" smtClean="0">
-                <a:latin typeface="NimbusRomNo9L-Regu"/>
-              </a:rPr>
-              <a:t>Naedele</a:t>
-            </a:r>
-            <a:r>
-              <a:rPr lang="en-US" sz="1800" b="0" i="0" u="none" strike="noStrike" baseline="0" dirty="0" smtClean="0">
-                <a:latin typeface="NimbusRomNo9L-Regu"/>
-              </a:rPr>
-              <a:t>. Real-time calculus for scheduling hard real-time systems. In </a:t>
-            </a:r>
-            <a:r>
-              <a:rPr lang="en-US" sz="1800" b="0" i="0" u="none" strike="noStrike" baseline="0" dirty="0" smtClean="0">
-                <a:latin typeface="NimbusRomNo9L-ReguItal"/>
-              </a:rPr>
-              <a:t>in ISCAS</a:t>
-            </a:r>
-            <a:r>
-              <a:rPr lang="en-US" sz="1800" b="0" i="0" u="none" strike="noStrike" baseline="0" dirty="0" smtClean="0">
-                <a:latin typeface="NimbusRomNo9L-Regu"/>
-              </a:rPr>
-              <a:t>, pages 101–104, 2000.</a:t>
-            </a:r>
-          </a:p>
-          <a:p>
-            <a:r>
-              <a:rPr lang="en-US" sz="1800" b="0" i="0" u="none" strike="noStrike" baseline="0" dirty="0" smtClean="0">
-                <a:latin typeface="NimbusRomNo9L-Regu"/>
-              </a:rPr>
-              <a:t>A. </a:t>
-            </a:r>
-            <a:r>
-              <a:rPr lang="en-US" sz="1800" b="0" i="0" u="none" strike="noStrike" baseline="0" dirty="0" err="1" smtClean="0">
-                <a:latin typeface="NimbusRomNo9L-Regu"/>
-              </a:rPr>
-              <a:t>Varga</a:t>
-            </a:r>
-            <a:r>
-              <a:rPr lang="en-US" sz="1800" b="0" i="0" u="none" strike="noStrike" baseline="0" dirty="0" smtClean="0">
-                <a:latin typeface="NimbusRomNo9L-Regu"/>
-              </a:rPr>
-              <a:t> and R. </a:t>
-            </a:r>
-            <a:r>
-              <a:rPr lang="en-US" sz="1800" b="0" i="0" u="none" strike="noStrike" baseline="0" dirty="0" err="1" smtClean="0">
-                <a:latin typeface="NimbusRomNo9L-Regu"/>
-              </a:rPr>
-              <a:t>Hornig</a:t>
-            </a:r>
-            <a:r>
-              <a:rPr lang="en-US" sz="1800" b="0" i="0" u="none" strike="noStrike" baseline="0" dirty="0" smtClean="0">
-                <a:latin typeface="NimbusRomNo9L-Regu"/>
-              </a:rPr>
-              <a:t>. An overview of the </a:t>
-            </a:r>
-            <a:r>
-              <a:rPr lang="en-US" sz="1800" b="0" i="0" u="none" strike="noStrike" baseline="0" dirty="0" err="1" smtClean="0">
-                <a:latin typeface="NimbusRomNo9L-Regu"/>
-              </a:rPr>
-              <a:t>omnet</a:t>
-            </a:r>
-            <a:r>
-              <a:rPr lang="en-US" sz="1800" b="0" i="0" u="none" strike="noStrike" baseline="0" dirty="0" smtClean="0">
-                <a:latin typeface="NimbusRomNo9L-Regu"/>
-              </a:rPr>
-              <a:t>++ simulation environment. In </a:t>
-            </a:r>
-            <a:r>
-              <a:rPr lang="en-US" sz="1800" b="0" i="0" u="none" strike="noStrike" baseline="0" dirty="0" err="1" smtClean="0">
-                <a:latin typeface="NimbusRomNo9L-ReguItal"/>
-              </a:rPr>
-              <a:t>Simutools</a:t>
-            </a:r>
-            <a:r>
-              <a:rPr lang="en-US" sz="1800" b="0" i="0" u="none" strike="noStrike" baseline="0" dirty="0" smtClean="0">
-                <a:latin typeface="NimbusRomNo9L-ReguItal"/>
-              </a:rPr>
-              <a:t> ’08: Proceedings of the 1st international conference on Simulation tools and techniques for communications, networks and systems &amp; workshops</a:t>
-            </a:r>
-            <a:r>
-              <a:rPr lang="en-US" sz="1800" b="0" i="0" u="none" strike="noStrike" baseline="0" dirty="0" smtClean="0">
-                <a:latin typeface="NimbusRomNo9L-Regu"/>
-              </a:rPr>
-              <a:t>, pages 1–10, ICST, Brussels, Belgium, Belgium, 2008. ICST (Institute for Computer </a:t>
-            </a:r>
-            <a:r>
-              <a:rPr lang="en-US" sz="1800" b="0" i="0" u="none" strike="noStrike" baseline="0" dirty="0" err="1" smtClean="0">
-                <a:latin typeface="NimbusRomNo9L-Regu"/>
-              </a:rPr>
-              <a:t>Sciences,Social</a:t>
-            </a:r>
-            <a:r>
-              <a:rPr lang="en-US" sz="1800" b="0" i="0" u="none" strike="noStrike" baseline="0" dirty="0" smtClean="0">
-                <a:latin typeface="NimbusRomNo9L-Regu"/>
-              </a:rPr>
-              <a:t>-Informatics and Telecommunications Engineering).</a:t>
-            </a:r>
-          </a:p>
-          <a:p>
-            <a:r>
-              <a:rPr lang="en-US" sz="1800" b="0" i="0" u="none" strike="noStrike" baseline="0" dirty="0" smtClean="0">
-                <a:latin typeface="NimbusRomNo9L-Regu"/>
-              </a:rPr>
-              <a:t>L. Rizzo. </a:t>
-            </a:r>
-            <a:r>
-              <a:rPr lang="en-US" sz="1800" b="0" i="0" u="none" strike="noStrike" baseline="0" dirty="0" err="1" smtClean="0">
-                <a:latin typeface="NimbusRomNo9L-Regu"/>
-              </a:rPr>
-              <a:t>Dummynet</a:t>
-            </a:r>
-            <a:r>
-              <a:rPr lang="en-US" sz="1800" b="0" i="0" u="none" strike="noStrike" baseline="0" dirty="0" smtClean="0">
-                <a:latin typeface="NimbusRomNo9L-Regu"/>
-              </a:rPr>
-              <a:t> : a simple approach to the evaluation of network protocols. </a:t>
-            </a:r>
-            <a:r>
-              <a:rPr lang="en-US" sz="1800" b="0" i="0" u="none" strike="noStrike" baseline="0" dirty="0" smtClean="0">
-                <a:latin typeface="NimbusRomNo9L-ReguItal"/>
-              </a:rPr>
-              <a:t>ACM SIGCOMM Computer Communication Review</a:t>
-            </a:r>
-            <a:r>
-              <a:rPr lang="en-US" sz="1800" b="0" i="0" u="none" strike="noStrike" baseline="0" dirty="0" smtClean="0">
-                <a:latin typeface="NimbusRomNo9L-Regu"/>
-              </a:rPr>
-              <a:t>, 27(1):31–41, 1997.</a:t>
-            </a:r>
-          </a:p>
-          <a:p>
-            <a:r>
-              <a:rPr lang="en-US" sz="1800" b="0" i="0" u="none" strike="noStrike" baseline="0" dirty="0" smtClean="0">
-                <a:latin typeface="NimbusRomNo9L-Regu"/>
-              </a:rPr>
-              <a:t>D. </a:t>
-            </a:r>
-            <a:r>
-              <a:rPr lang="en-US" sz="1800" b="0" i="0" u="none" strike="noStrike" baseline="0" dirty="0" err="1" smtClean="0">
-                <a:latin typeface="NimbusRomNo9L-Regu"/>
-              </a:rPr>
-              <a:t>Mahrenholz</a:t>
-            </a:r>
-            <a:r>
-              <a:rPr lang="en-US" sz="1800" b="0" i="0" u="none" strike="noStrike" baseline="0" dirty="0" smtClean="0">
-                <a:latin typeface="NimbusRomNo9L-Regu"/>
-              </a:rPr>
-              <a:t> and S. Ivanov. Real-time network emulation with ns-2. </a:t>
-            </a:r>
-            <a:r>
-              <a:rPr lang="en-US" sz="1800" b="0" i="0" u="none" strike="noStrike" baseline="0" dirty="0" smtClean="0">
-                <a:latin typeface="NimbusRomNo9L-ReguItal"/>
-              </a:rPr>
-              <a:t>Proceedings- Eighth IEEE International Symposium on Distributed Simulation and Real-Time Applications, DS-RT 2004</a:t>
-            </a:r>
-            <a:r>
-              <a:rPr lang="en-US" sz="1800" b="0" i="0" u="none" strike="noStrike" baseline="0" dirty="0" smtClean="0">
-                <a:latin typeface="NimbusRomNo9L-Regu"/>
-              </a:rPr>
-              <a:t>, pages 29–36, 2004.</a:t>
-            </a:r>
-          </a:p>
-          <a:p>
-            <a:r>
-              <a:rPr lang="en-US" sz="1800" b="0" i="0" u="none" strike="noStrike" baseline="0" dirty="0" smtClean="0">
-                <a:latin typeface="NimbusRomNo9L-Regu"/>
-              </a:rPr>
-              <a:t>J.-Y. Le </a:t>
-            </a:r>
-            <a:r>
-              <a:rPr lang="en-US" sz="1800" b="0" i="0" u="none" strike="noStrike" baseline="0" dirty="0" err="1" smtClean="0">
-                <a:latin typeface="NimbusRomNo9L-Regu"/>
-              </a:rPr>
-              <a:t>Boudec</a:t>
-            </a:r>
-            <a:r>
-              <a:rPr lang="en-US" sz="1800" b="0" i="0" u="none" strike="noStrike" baseline="0" dirty="0" smtClean="0">
-                <a:latin typeface="NimbusRomNo9L-Regu"/>
-              </a:rPr>
-              <a:t> and P. </a:t>
-            </a:r>
-            <a:r>
-              <a:rPr lang="en-US" sz="1800" b="0" i="0" u="none" strike="noStrike" baseline="0" dirty="0" err="1" smtClean="0">
-                <a:latin typeface="NimbusRomNo9L-Regu"/>
-              </a:rPr>
-              <a:t>Thiran</a:t>
-            </a:r>
-            <a:r>
-              <a:rPr lang="en-US" sz="1800" b="0" i="0" u="none" strike="noStrike" baseline="0" dirty="0" smtClean="0">
-                <a:latin typeface="NimbusRomNo9L-Regu"/>
-              </a:rPr>
-              <a:t>. </a:t>
-            </a:r>
-            <a:r>
-              <a:rPr lang="en-US" sz="1800" b="0" i="0" u="none" strike="noStrike" baseline="0" dirty="0" smtClean="0">
-                <a:latin typeface="NimbusRomNo9L-ReguItal"/>
-              </a:rPr>
-              <a:t>Network Calculus: A Theory of Deterministic Queuing Systems for the Internet</a:t>
-            </a:r>
-            <a:r>
-              <a:rPr lang="en-US" sz="1800" b="0" i="0" u="none" strike="noStrike" baseline="0" dirty="0" smtClean="0">
-                <a:latin typeface="NimbusRomNo9L-Regu"/>
-              </a:rPr>
-              <a:t>. Springer-</a:t>
-            </a:r>
-            <a:r>
-              <a:rPr lang="en-US" sz="1800" b="0" i="0" u="none" strike="noStrike" baseline="0" dirty="0" err="1" smtClean="0">
-                <a:latin typeface="NimbusRomNo9L-Regu"/>
-              </a:rPr>
-              <a:t>Verlag</a:t>
-            </a:r>
-            <a:r>
-              <a:rPr lang="en-US" sz="1800" b="0" i="0" u="none" strike="noStrike" baseline="0" dirty="0" smtClean="0">
-                <a:latin typeface="NimbusRomNo9L-Regu"/>
-              </a:rPr>
-              <a:t>, Berlin, Heidelberg, 2001.</a:t>
-            </a:r>
-          </a:p>
-          <a:p>
-            <a:r>
-              <a:rPr lang="en-US" sz="1800" b="0" i="0" u="none" strike="noStrike" baseline="0" dirty="0" smtClean="0">
-                <a:latin typeface="NimbusRomNo9L-Regu"/>
-              </a:rPr>
-              <a:t>D. G. Kendall. Stochastic Processes Occurring in the Theory of Queues and their Analysis by the Method of the Imbedded Markov Chain. </a:t>
-            </a:r>
-            <a:r>
-              <a:rPr lang="en-US" sz="1800" b="0" i="0" u="none" strike="noStrike" baseline="0" dirty="0" smtClean="0">
-                <a:latin typeface="NimbusRomNo9L-ReguItal"/>
-              </a:rPr>
-              <a:t>The Annals of Mathematical Statistics</a:t>
-            </a:r>
-            <a:r>
-              <a:rPr lang="en-US" sz="1800" b="0" i="0" u="none" strike="noStrike" baseline="0" dirty="0" smtClean="0">
-                <a:latin typeface="NimbusRomNo9L-Regu"/>
-              </a:rPr>
-              <a:t>, 24(3):338–354, 1953.</a:t>
-            </a:r>
-          </a:p>
-          <a:p>
-            <a:r>
-              <a:rPr lang="en-US" sz="1800" b="0" i="0" u="none" strike="noStrike" baseline="0" dirty="0" smtClean="0">
-                <a:latin typeface="NimbusRomNo9L-Regu"/>
-              </a:rPr>
-              <a:t>Gilberto Flores Lucio, Marcos Paredes-</a:t>
-            </a:r>
-            <a:r>
-              <a:rPr lang="en-US" sz="1800" b="0" i="0" u="none" strike="noStrike" baseline="0" dirty="0" err="1" smtClean="0">
-                <a:latin typeface="NimbusRomNo9L-Regu"/>
-              </a:rPr>
-              <a:t>farrera</a:t>
-            </a:r>
-            <a:r>
-              <a:rPr lang="en-US" sz="1800" b="0" i="0" u="none" strike="noStrike" baseline="0" dirty="0" smtClean="0">
-                <a:latin typeface="NimbusRomNo9L-Regu"/>
-              </a:rPr>
-              <a:t>, Emmanuel </a:t>
-            </a:r>
-            <a:r>
-              <a:rPr lang="en-US" sz="1800" b="0" i="0" u="none" strike="noStrike" baseline="0" dirty="0" err="1" smtClean="0">
-                <a:latin typeface="NimbusRomNo9L-Regu"/>
-              </a:rPr>
-              <a:t>Jammeh</a:t>
-            </a:r>
-            <a:r>
-              <a:rPr lang="en-US" sz="1800" b="0" i="0" u="none" strike="noStrike" baseline="0" dirty="0" smtClean="0">
-                <a:latin typeface="NimbusRomNo9L-Regu"/>
-              </a:rPr>
-              <a:t>, Martin </a:t>
-            </a:r>
-            <a:r>
-              <a:rPr lang="en-US" sz="1800" b="0" i="0" u="none" strike="noStrike" baseline="0" dirty="0" err="1" smtClean="0">
-                <a:latin typeface="NimbusRomNo9L-Regu"/>
-              </a:rPr>
-              <a:t>Fleury</a:t>
-            </a:r>
-            <a:r>
-              <a:rPr lang="en-US" sz="1800" b="0" i="0" u="none" strike="noStrike" baseline="0" dirty="0" smtClean="0">
-                <a:latin typeface="NimbusRomNo9L-Regu"/>
-              </a:rPr>
-              <a:t>, and M. J. Reed. OPNET Modeler and Ns-2: Comparing the Accuracy of Network Simulators for Packet-Level Analysis using a Network </a:t>
-            </a:r>
-            <a:r>
-              <a:rPr lang="en-US" sz="1800" b="0" i="0" u="none" strike="noStrike" baseline="0" dirty="0" err="1" smtClean="0">
-                <a:latin typeface="NimbusRomNo9L-Regu"/>
-              </a:rPr>
-              <a:t>Testbed</a:t>
-            </a:r>
-            <a:r>
-              <a:rPr lang="en-US" sz="1800" b="0" i="0" u="none" strike="noStrike" baseline="0" dirty="0" smtClean="0">
-                <a:latin typeface="NimbusRomNo9L-Regu"/>
-              </a:rPr>
-              <a:t>. </a:t>
-            </a:r>
-            <a:r>
-              <a:rPr lang="en-US" sz="1800" b="0" i="0" u="none" strike="noStrike" baseline="0" dirty="0" smtClean="0">
-                <a:latin typeface="NimbusRomNo9L-ReguItal"/>
-              </a:rPr>
-              <a:t>3rd WEAS International Conference on Simulation, Modelling and Optimization (ICOSMO)</a:t>
-            </a:r>
-            <a:r>
-              <a:rPr lang="en-US" sz="1800" b="0" i="0" u="none" strike="noStrike" baseline="0" dirty="0" smtClean="0">
-                <a:latin typeface="NimbusRomNo9L-Regu"/>
-              </a:rPr>
-              <a:t>, pages 700–707, 2003.</a:t>
-            </a:r>
-          </a:p>
-          <a:p>
-            <a:r>
-              <a:rPr lang="en-US" sz="1800" b="0" i="0" u="none" strike="noStrike" baseline="0" dirty="0" smtClean="0">
-                <a:latin typeface="NimbusRomNo9L-Regu"/>
-              </a:rPr>
-              <a:t>G. </a:t>
-            </a:r>
-            <a:r>
-              <a:rPr lang="en-US" sz="1800" b="0" i="0" u="none" strike="noStrike" baseline="0" dirty="0" err="1" smtClean="0">
-                <a:latin typeface="NimbusRomNo9L-Regu"/>
-              </a:rPr>
-              <a:t>Giambene</a:t>
-            </a:r>
-            <a:r>
-              <a:rPr lang="en-US" sz="1800" b="0" i="0" u="none" strike="noStrike" baseline="0" dirty="0" smtClean="0">
-                <a:latin typeface="NimbusRomNo9L-Regu"/>
-              </a:rPr>
-              <a:t>. </a:t>
-            </a:r>
-            <a:r>
-              <a:rPr lang="en-US" sz="1800" b="0" i="0" u="none" strike="noStrike" baseline="0" dirty="0" smtClean="0">
-                <a:latin typeface="NimbusRomNo9L-ReguItal"/>
-              </a:rPr>
-              <a:t>Queuing Theory and Telecommunications Networks and Applications</a:t>
-            </a:r>
-            <a:r>
-              <a:rPr lang="en-US" sz="1800" b="0" i="0" u="none" strike="noStrike" baseline="0" dirty="0" smtClean="0">
-                <a:latin typeface="NimbusRomNo9L-Regu"/>
-              </a:rPr>
-              <a:t>. 2005.</a:t>
-            </a:r>
-          </a:p>
-          <a:p>
-            <a:r>
-              <a:rPr lang="en-US" sz="1800" b="0" i="0" u="none" strike="noStrike" baseline="0" dirty="0" smtClean="0">
-                <a:latin typeface="NimbusRomNo9L-Regu"/>
-              </a:rPr>
-              <a:t>R. L. Cruz. A calculus for network delay–I: Network elements in isolation. </a:t>
-            </a:r>
-            <a:r>
-              <a:rPr lang="en-US" sz="1800" b="0" i="0" u="none" strike="noStrike" baseline="0" dirty="0" smtClean="0">
-                <a:latin typeface="NimbusRomNo9L-ReguItal"/>
-              </a:rPr>
-              <a:t>IEEE Transactions on Information Theory</a:t>
-            </a:r>
-            <a:r>
-              <a:rPr lang="en-US" sz="1800" b="0" i="0" u="none" strike="noStrike" baseline="0" dirty="0" smtClean="0">
-                <a:latin typeface="NimbusRomNo9L-Regu"/>
-              </a:rPr>
-              <a:t>, 37(1):114–131, 1991.</a:t>
-            </a:r>
-          </a:p>
-          <a:p>
-            <a:r>
-              <a:rPr lang="en-US" sz="1800" b="0" i="0" u="none" strike="noStrike" baseline="0" dirty="0" smtClean="0">
-                <a:latin typeface="NimbusRomNo9L-Regu"/>
-              </a:rPr>
-              <a:t>O. S. Consortium et al. </a:t>
-            </a:r>
-            <a:r>
-              <a:rPr lang="en-US" sz="1800" b="0" i="0" u="none" strike="noStrike" baseline="0" dirty="0" err="1" smtClean="0">
-                <a:latin typeface="NimbusRomNo9L-Regu"/>
-              </a:rPr>
-              <a:t>Openflow</a:t>
-            </a:r>
-            <a:r>
-              <a:rPr lang="en-US" sz="1800" b="0" i="0" u="none" strike="noStrike" baseline="0" dirty="0" smtClean="0">
-                <a:latin typeface="NimbusRomNo9L-Regu"/>
-              </a:rPr>
-              <a:t> switch specification version 1.0. 0, 2009.</a:t>
-            </a:r>
-          </a:p>
-          <a:p>
-            <a:r>
-              <a:rPr lang="en-US" sz="1800" b="0" i="0" u="none" strike="noStrike" baseline="0" dirty="0" smtClean="0">
-                <a:latin typeface="NimbusRomNo9L-Regu"/>
-              </a:rPr>
-              <a:t>M. Carbone and L. Rizzo. </a:t>
-            </a:r>
-            <a:r>
-              <a:rPr lang="en-US" sz="1800" b="0" i="0" u="none" strike="noStrike" baseline="0" dirty="0" err="1" smtClean="0">
-                <a:latin typeface="NimbusRomNo9L-Regu"/>
-              </a:rPr>
-              <a:t>Dummynet</a:t>
-            </a:r>
-            <a:r>
-              <a:rPr lang="en-US" sz="1800" b="0" i="0" u="none" strike="noStrike" baseline="0" dirty="0" smtClean="0">
-                <a:latin typeface="NimbusRomNo9L-Regu"/>
-              </a:rPr>
-              <a:t> revisited, 2010</a:t>
+              <a:rPr lang="en-US" dirty="0" smtClean="0"/>
+              <a:t>Comparison of </a:t>
+            </a:r>
+            <a:r>
+              <a:rPr lang="en-US" dirty="0"/>
+              <a:t>PNP</a:t>
+            </a:r>
+            <a:r>
+              <a:rPr lang="en-US" baseline="30000" dirty="0"/>
+              <a:t>2</a:t>
+            </a:r>
+            <a:r>
+              <a:rPr lang="en-US" dirty="0" smtClean="0"/>
+              <a:t> </a:t>
+            </a:r>
+            <a:r>
+              <a:rPr lang="en-US" dirty="0" smtClean="0"/>
+              <a:t>to Network Calculus</a:t>
+            </a:r>
+            <a:endParaRPr lang="en-US" dirty="0"/>
+          </a:p>
+        </p:txBody>
+      </p:sp>
+      <p:sp>
+        <p:nvSpPr>
+          <p:cNvPr id="3" name="Content Placeholder 2"/>
+          <p:cNvSpPr>
+            <a:spLocks noGrp="1"/>
+          </p:cNvSpPr>
+          <p:nvPr>
+            <p:ph idx="1"/>
+          </p:nvPr>
+        </p:nvSpPr>
+        <p:spPr/>
+        <p:txBody>
+          <a:bodyPr>
+            <a:normAutofit/>
+          </a:bodyPr>
+          <a:lstStyle/>
+          <a:p>
+            <a:r>
+              <a:rPr lang="en-US" dirty="0" smtClean="0"/>
+              <a:t>By showing that the main concepts of Network Calculus, e.g. compositionality, hold for </a:t>
+            </a:r>
+            <a:r>
+              <a:rPr lang="en-US" dirty="0"/>
+              <a:t>PNP</a:t>
+            </a:r>
+            <a:r>
+              <a:rPr lang="en-US" baseline="30000" dirty="0"/>
+              <a:t>2</a:t>
+            </a:r>
+            <a:r>
+              <a:rPr lang="en-US" dirty="0" smtClean="0"/>
+              <a:t>, </a:t>
+            </a:r>
+            <a:r>
+              <a:rPr lang="en-US" dirty="0" smtClean="0"/>
+              <a:t>we show the capability for similar systems-theory based analysis approaches</a:t>
+            </a:r>
+          </a:p>
+          <a:p>
+            <a:r>
+              <a:rPr lang="en-US" dirty="0" smtClean="0"/>
+              <a:t>We will mathematically analyze the differences between the proposed technique and Network Calculus, showing that compositionality (i.e. concatenation of nodes in NC) applies to our analysis techniques</a:t>
+            </a:r>
+          </a:p>
+          <a:p>
+            <a:r>
+              <a:rPr lang="en-US" dirty="0" smtClean="0"/>
+              <a:t>We will analyze network flow composition to formalize operations for flow aggregation</a:t>
             </a:r>
             <a:endParaRPr lang="en-US" dirty="0"/>
           </a:p>
@@ -14130,7 +13746,7 @@
     </p:spTree>
     <p:extLst>
       <p:ext uri="{BB962C8B-B14F-4D97-AF65-F5344CB8AC3E}">
-        <p14:creationId xmlns:p14="http://schemas.microsoft.com/office/powerpoint/2010/main" val="3737306379"/>
+        <p14:creationId xmlns:p14="http://schemas.microsoft.com/office/powerpoint/2010/main" val="3262185113"/>
       </p:ext>
     </p:extLst>
   </p:cSld>
@@ -14630,35 +14246,112 @@
         </p:nvSpPr>
         <p:spPr/>
         <p:txBody>
+          <a:bodyPr>
+            <a:normAutofit/>
+          </a:bodyPr>
+          <a:lstStyle/>
+          <a:p>
+            <a:r>
+              <a:rPr lang="en-US" dirty="0" smtClean="0"/>
+              <a:t>Network Application Fault/Anomaly Classification</a:t>
+            </a:r>
+            <a:endParaRPr lang="en-US" dirty="0"/>
+          </a:p>
+        </p:txBody>
+      </p:sp>
+      <p:sp>
+        <p:nvSpPr>
+          <p:cNvPr id="3" name="Content Placeholder 2"/>
+          <p:cNvSpPr>
+            <a:spLocks noGrp="1"/>
+          </p:cNvSpPr>
+          <p:nvPr>
+            <p:ph idx="1"/>
+          </p:nvPr>
+        </p:nvSpPr>
+        <p:spPr/>
+        <p:txBody>
           <a:bodyPr/>
           <a:lstStyle/>
           <a:p>
             <a:r>
               <a:rPr lang="en-US" dirty="0" smtClean="0"/>
-              <a:t>Questions?</a:t>
-            </a:r>
-            <a:endParaRPr lang="en-US" dirty="0"/>
-          </a:p>
-        </p:txBody>
-      </p:sp>
-      <p:sp>
-        <p:nvSpPr>
-          <p:cNvPr id="3" name="Content Placeholder 2"/>
-          <p:cNvSpPr>
-            <a:spLocks noGrp="1"/>
-          </p:cNvSpPr>
-          <p:nvPr>
-            <p:ph type="body" idx="1"/>
-          </p:nvPr>
-        </p:nvSpPr>
-        <p:spPr/>
-        <p:txBody>
-          <a:bodyPr/>
-          <a:lstStyle/>
-          <a:p>
-            <a:r>
-              <a:rPr lang="en-US" dirty="0" smtClean="0"/>
-              <a:t>Thank you for your attention!</a:t>
+              <a:t>We will use our </a:t>
+            </a:r>
+            <a:r>
+              <a:rPr lang="en-US" dirty="0" err="1" smtClean="0"/>
+              <a:t>testbed</a:t>
+            </a:r>
+            <a:r>
+              <a:rPr lang="en-US" dirty="0" smtClean="0"/>
+              <a:t> to run distributed network tests to classify certain types of anomalies, e.g. </a:t>
+            </a:r>
+            <a:r>
+              <a:rPr lang="en-US" dirty="0" err="1" smtClean="0"/>
+              <a:t>DDoS</a:t>
+            </a:r>
+            <a:r>
+              <a:rPr lang="en-US" dirty="0" smtClean="0"/>
+              <a:t> attacks from compromised applications within the cluster.</a:t>
+            </a:r>
+          </a:p>
+          <a:p>
+            <a:pPr lvl="1"/>
+            <a:r>
+              <a:rPr lang="en-US" dirty="0" smtClean="0"/>
+              <a:t>Cluster</a:t>
+            </a:r>
+            <a:r>
+              <a:rPr lang="en-US" dirty="0"/>
+              <a:t> </a:t>
+            </a:r>
+            <a:r>
+              <a:rPr lang="en-US" dirty="0" smtClean="0"/>
+              <a:t>is</a:t>
+            </a:r>
+            <a:r>
+              <a:rPr lang="en-US" dirty="0"/>
+              <a:t> </a:t>
+            </a:r>
+            <a:r>
+              <a:rPr lang="en-US" dirty="0" smtClean="0"/>
+              <a:t>a</a:t>
+            </a:r>
+            <a:r>
+              <a:rPr lang="en-US" dirty="0"/>
+              <a:t> </a:t>
+            </a:r>
+            <a:r>
+              <a:rPr lang="en-US" b="1" dirty="0" smtClean="0"/>
+              <a:t>managed</a:t>
+            </a:r>
+            <a:r>
+              <a:rPr lang="en-US" dirty="0"/>
+              <a:t> </a:t>
+            </a:r>
+            <a:r>
+              <a:rPr lang="en-US" dirty="0" smtClean="0"/>
+              <a:t>system; we have full control over all layers on each node, but not the applications</a:t>
+            </a:r>
+          </a:p>
+          <a:p>
+            <a:r>
+              <a:rPr lang="en-US" dirty="0" smtClean="0"/>
+              <a:t>We will use the network resource utilization measurements gained from the tests to derive metrics which allow us to differentiate between classes of behavior, e.g. standard/stable application behavior vs. </a:t>
+            </a:r>
+            <a:r>
+              <a:rPr lang="en-US" dirty="0" err="1" smtClean="0"/>
+              <a:t>DDoS</a:t>
+            </a:r>
+            <a:r>
+              <a:rPr lang="en-US" dirty="0" smtClean="0"/>
+              <a:t> behavior.</a:t>
+            </a:r>
+          </a:p>
+          <a:p>
+            <a:r>
+              <a:rPr lang="en-US" dirty="0" smtClean="0"/>
+              <a:t>We will then use the classifications to show that the system can detect these types of attacks, mitigate their propagation, and report the attack to the system's manager.</a:t>
             </a:r>
             <a:endParaRPr lang="en-US" dirty="0"/>
           </a:p>
@@ -14682,6 +14375,1186 @@
             <a:fld id="{4FAB73BC-B049-4115-A692-8D63A059BFB8}" type="slidenum">
               <a:rPr lang="en-US" smtClean="0"/>
               <a:t>30</a:t>
+            </a:fld>
+            <a:endParaRPr lang="en-US" dirty="0"/>
+          </a:p>
+        </p:txBody>
+      </p:sp>
+    </p:spTree>
+    <p:extLst>
+      <p:ext uri="{BB962C8B-B14F-4D97-AF65-F5344CB8AC3E}">
+        <p14:creationId xmlns:p14="http://schemas.microsoft.com/office/powerpoint/2010/main" val="1688782407"/>
+      </p:ext>
+    </p:extLst>
+  </p:cSld>
+  <p:clrMapOvr>
+    <a:masterClrMapping/>
+  </p:clrMapOvr>
+  <p:timing>
+    <p:tnLst>
+      <p:par>
+        <p:cTn id="1" dur="indefinite" restart="never" nodeType="tmRoot"/>
+      </p:par>
+    </p:tnLst>
+  </p:timing>
+</p:sld>
+</file>
+
+<file path=ppt/slides/slide31.xml><?xml version="1.0" encoding="utf-8"?>
+<p:sld xmlns:a="http://schemas.openxmlformats.org/drawingml/2006/main" xmlns:r="http://schemas.openxmlformats.org/officeDocument/2006/relationships" xmlns:p="http://schemas.openxmlformats.org/presentationml/2006/main">
+  <p:cSld>
+    <p:spTree>
+      <p:nvGrpSpPr>
+        <p:cNvPr id="1" name=""/>
+        <p:cNvGrpSpPr/>
+        <p:nvPr/>
+      </p:nvGrpSpPr>
+      <p:grpSpPr>
+        <a:xfrm>
+          <a:off x="0" y="0"/>
+          <a:ext cx="0" cy="0"/>
+          <a:chOff x="0" y="0"/>
+          <a:chExt cx="0" cy="0"/>
+        </a:xfrm>
+      </p:grpSpPr>
+      <p:sp>
+        <p:nvSpPr>
+          <p:cNvPr id="2" name="Title 1"/>
+          <p:cNvSpPr>
+            <a:spLocks noGrp="1"/>
+          </p:cNvSpPr>
+          <p:nvPr>
+            <p:ph type="title"/>
+          </p:nvPr>
+        </p:nvSpPr>
+        <p:spPr/>
+        <p:txBody>
+          <a:bodyPr/>
+          <a:lstStyle/>
+          <a:p>
+            <a:r>
+              <a:rPr lang="en-US" dirty="0" smtClean="0"/>
+              <a:t>Conclusions and Future Work</a:t>
+            </a:r>
+            <a:endParaRPr lang="en-US" dirty="0"/>
+          </a:p>
+        </p:txBody>
+      </p:sp>
+      <p:sp>
+        <p:nvSpPr>
+          <p:cNvPr id="3" name="Content Placeholder 2"/>
+          <p:cNvSpPr>
+            <a:spLocks noGrp="1"/>
+          </p:cNvSpPr>
+          <p:nvPr>
+            <p:ph idx="1"/>
+          </p:nvPr>
+        </p:nvSpPr>
+        <p:spPr>
+          <a:xfrm>
+            <a:off x="946404" y="1828801"/>
+            <a:ext cx="6446520" cy="2744915"/>
+          </a:xfrm>
+        </p:spPr>
+        <p:txBody>
+          <a:bodyPr>
+            <a:noAutofit/>
+          </a:bodyPr>
+          <a:lstStyle/>
+          <a:p>
+            <a:r>
+              <a:rPr lang="en-US" sz="1200" dirty="0" smtClean="0"/>
+              <a:t>Certain</a:t>
+            </a:r>
+            <a:r>
+              <a:rPr lang="en-US" sz="1200" dirty="0"/>
+              <a:t> </a:t>
+            </a:r>
+            <a:r>
+              <a:rPr lang="en-US" sz="1200" dirty="0" smtClean="0"/>
+              <a:t>classes of distributed, real-time, embedded, cyber-physical systems require strict design-time guarantees about resource utilization and performance</a:t>
+            </a:r>
+          </a:p>
+          <a:p>
+            <a:pPr lvl="1"/>
+            <a:r>
+              <a:rPr lang="en-US" sz="1000" dirty="0" smtClean="0"/>
+              <a:t>Network resources are now critical for distributed CPS</a:t>
+            </a:r>
+          </a:p>
+          <a:p>
+            <a:r>
+              <a:rPr lang="en-US" sz="1200" dirty="0" smtClean="0"/>
+              <a:t>Current simulation or analysis techniques are too conservative at best, too inaccurate at worst</a:t>
+            </a:r>
+          </a:p>
+          <a:p>
+            <a:r>
+              <a:rPr lang="en-US" sz="1200" dirty="0" smtClean="0"/>
+              <a:t>Our proposed work extends previous work to increase the fidelity of the analysis results with respect to the run-time system</a:t>
+            </a:r>
+          </a:p>
+          <a:p>
+            <a:pPr lvl="1"/>
+            <a:r>
+              <a:rPr lang="en-US" sz="1200" dirty="0" smtClean="0"/>
+              <a:t>The</a:t>
+            </a:r>
+            <a:r>
+              <a:rPr lang="en-US" sz="1200" dirty="0"/>
+              <a:t> </a:t>
+            </a:r>
+            <a:r>
+              <a:rPr lang="en-US" sz="1200" dirty="0" smtClean="0"/>
+              <a:t>inclusion of temporal/physical dynamics into the analysis is paramount to providing strict performance guarantees</a:t>
+            </a:r>
+          </a:p>
+          <a:p>
+            <a:r>
+              <a:rPr lang="en-US" sz="1200" dirty="0" smtClean="0"/>
+              <a:t>We have described some remaining work in the field and outlined our plans to address it</a:t>
+            </a:r>
+            <a:endParaRPr lang="en-US" sz="1200" dirty="0"/>
+          </a:p>
+        </p:txBody>
+      </p:sp>
+      <p:sp>
+        <p:nvSpPr>
+          <p:cNvPr id="5" name="Slide Number Placeholder 4"/>
+          <p:cNvSpPr>
+            <a:spLocks noGrp="1"/>
+          </p:cNvSpPr>
+          <p:nvPr>
+            <p:ph type="sldNum" sz="quarter" idx="12"/>
+          </p:nvPr>
+        </p:nvSpPr>
+        <p:spPr/>
+        <p:txBody>
+          <a:bodyPr/>
+          <a:lstStyle/>
+          <a:p>
+            <a:fld id="{4FAB73BC-B049-4115-A692-8D63A059BFB8}" type="slidenum">
+              <a:rPr lang="en-US" smtClean="0"/>
+              <a:t>31</a:t>
+            </a:fld>
+            <a:endParaRPr lang="en-US" dirty="0"/>
+          </a:p>
+        </p:txBody>
+      </p:sp>
+    </p:spTree>
+    <p:extLst>
+      <p:ext uri="{BB962C8B-B14F-4D97-AF65-F5344CB8AC3E}">
+        <p14:creationId xmlns:p14="http://schemas.microsoft.com/office/powerpoint/2010/main" val="1316710534"/>
+      </p:ext>
+    </p:extLst>
+  </p:cSld>
+  <p:clrMapOvr>
+    <a:masterClrMapping/>
+  </p:clrMapOvr>
+  <p:timing>
+    <p:tnLst>
+      <p:par>
+        <p:cTn id="1" dur="indefinite" restart="never" nodeType="tmRoot"/>
+      </p:par>
+    </p:tnLst>
+  </p:timing>
+</p:sld>
+</file>
+
+<file path=ppt/slides/slide32.xml><?xml version="1.0" encoding="utf-8"?>
+<p:sld xmlns:a="http://schemas.openxmlformats.org/drawingml/2006/main" xmlns:r="http://schemas.openxmlformats.org/officeDocument/2006/relationships" xmlns:p="http://schemas.openxmlformats.org/presentationml/2006/main">
+  <p:cSld>
+    <p:spTree>
+      <p:nvGrpSpPr>
+        <p:cNvPr id="1" name=""/>
+        <p:cNvGrpSpPr/>
+        <p:nvPr/>
+      </p:nvGrpSpPr>
+      <p:grpSpPr>
+        <a:xfrm>
+          <a:off x="0" y="0"/>
+          <a:ext cx="0" cy="0"/>
+          <a:chOff x="0" y="0"/>
+          <a:chExt cx="0" cy="0"/>
+        </a:xfrm>
+      </p:grpSpPr>
+      <p:sp>
+        <p:nvSpPr>
+          <p:cNvPr id="2" name="Title 1"/>
+          <p:cNvSpPr>
+            <a:spLocks noGrp="1"/>
+          </p:cNvSpPr>
+          <p:nvPr>
+            <p:ph type="title"/>
+          </p:nvPr>
+        </p:nvSpPr>
+        <p:spPr/>
+        <p:txBody>
+          <a:bodyPr/>
+          <a:lstStyle/>
+          <a:p>
+            <a:r>
+              <a:rPr lang="en-US" dirty="0" smtClean="0"/>
+              <a:t>Publications</a:t>
+            </a:r>
+            <a:endParaRPr lang="en-US" dirty="0"/>
+          </a:p>
+        </p:txBody>
+      </p:sp>
+      <p:sp>
+        <p:nvSpPr>
+          <p:cNvPr id="3" name="Content Placeholder 2"/>
+          <p:cNvSpPr>
+            <a:spLocks noGrp="1"/>
+          </p:cNvSpPr>
+          <p:nvPr>
+            <p:ph idx="1"/>
+          </p:nvPr>
+        </p:nvSpPr>
+        <p:spPr/>
+        <p:txBody>
+          <a:bodyPr>
+            <a:normAutofit lnSpcReduction="10000"/>
+          </a:bodyPr>
+          <a:lstStyle/>
+          <a:p>
+            <a:r>
+              <a:rPr lang="en-US" sz="800" b="0" i="0" u="none" strike="noStrike" baseline="0" dirty="0" smtClean="0">
+                <a:latin typeface="NimbusRomNo9L-Regu"/>
+              </a:rPr>
+              <a:t>W. Emfinger and G. Karsai. Modeling network medium access protocols for network quality of service analysis. In </a:t>
+            </a:r>
+            <a:r>
+              <a:rPr lang="en-US" sz="800" b="0" i="0" u="none" strike="noStrike" baseline="0" dirty="0" smtClean="0">
+                <a:latin typeface="NimbusRomNo9L-ReguItal"/>
+              </a:rPr>
+              <a:t>Proceedings of the 18th IEEE Symposium on Real-Time Computing (ISORC)</a:t>
+            </a:r>
+            <a:r>
+              <a:rPr lang="en-US" sz="800" b="0" i="0" u="none" strike="noStrike" baseline="0" dirty="0" smtClean="0">
+                <a:latin typeface="NimbusRomNo9L-Regu"/>
+              </a:rPr>
+              <a:t>, ISORC ’15, pages 44–47, Auckland, New Zealand, 2015. IEEE</a:t>
+            </a:r>
+          </a:p>
+          <a:p>
+            <a:r>
+              <a:rPr lang="en-US" sz="800" b="0" i="0" u="none" strike="noStrike" baseline="0" dirty="0" smtClean="0">
+                <a:latin typeface="NimbusRomNo9L-Regu"/>
+              </a:rPr>
+              <a:t>W. Emfinger, G. Karsai, A. Dubey, and A. Gokhale. Analysis, verification, and management </a:t>
+            </a:r>
+            <a:r>
+              <a:rPr lang="en-US" sz="800" b="0" i="0" u="none" strike="noStrike" baseline="0" dirty="0" err="1" smtClean="0">
+                <a:latin typeface="NimbusRomNo9L-Regu"/>
+              </a:rPr>
+              <a:t>toolsuite</a:t>
+            </a:r>
+            <a:r>
+              <a:rPr lang="en-US" sz="800" b="0" i="0" u="none" strike="noStrike" baseline="0" dirty="0" smtClean="0">
+                <a:latin typeface="NimbusRomNo9L-Regu"/>
+              </a:rPr>
+              <a:t> for cyber-physical applications on time-varying networks. In </a:t>
+            </a:r>
+            <a:r>
+              <a:rPr lang="en-US" sz="800" b="0" i="0" u="none" strike="noStrike" baseline="0" dirty="0" smtClean="0">
+                <a:latin typeface="NimbusRomNo9L-ReguItal"/>
+              </a:rPr>
+              <a:t>Proceedings of the 4th ACM SIGBED International Workshop on Design, Modeling, and Evaluation of Cyber-Physical Systems</a:t>
+            </a:r>
+            <a:r>
+              <a:rPr lang="en-US" sz="800" b="0" i="0" u="none" strike="noStrike" baseline="0" dirty="0" smtClean="0">
+                <a:latin typeface="NimbusRomNo9L-Regu"/>
+              </a:rPr>
+              <a:t>, </a:t>
+            </a:r>
+            <a:r>
+              <a:rPr lang="en-US" sz="800" b="0" i="0" u="none" strike="noStrike" baseline="0" dirty="0" err="1" smtClean="0">
+                <a:latin typeface="NimbusRomNo9L-Regu"/>
+              </a:rPr>
+              <a:t>CyPhy</a:t>
+            </a:r>
+            <a:r>
+              <a:rPr lang="en-US" sz="800" b="0" i="0" u="none" strike="noStrike" baseline="0" dirty="0" smtClean="0">
+                <a:latin typeface="NimbusRomNo9L-Regu"/>
+              </a:rPr>
+              <a:t> ’14, pages 44–47, New York, NY, USA, 2014. ACM</a:t>
+            </a:r>
+          </a:p>
+          <a:p>
+            <a:r>
+              <a:rPr lang="en-US" sz="800" b="0" i="0" u="none" strike="noStrike" baseline="0" dirty="0" smtClean="0">
+                <a:latin typeface="NimbusRomNo9L-Regu"/>
+              </a:rPr>
+              <a:t>W. Emfinger, P. Kumar, A. Dubey, W. Otte, A. Gokhale, G. Karsai. DREMS: A </a:t>
+            </a:r>
+            <a:r>
+              <a:rPr lang="en-US" sz="800" b="0" i="0" u="none" strike="noStrike" baseline="0" dirty="0" err="1" smtClean="0">
+                <a:latin typeface="NimbusRomNo9L-Regu"/>
+              </a:rPr>
+              <a:t>Toolchain</a:t>
+            </a:r>
+            <a:r>
+              <a:rPr lang="en-US" sz="800" b="0" i="0" u="none" strike="noStrike" baseline="0" dirty="0" smtClean="0">
+                <a:latin typeface="NimbusRomNo9L-Regu"/>
+              </a:rPr>
+              <a:t> for the Rapid Application Development, Integration, and Deployment of Managed Distributed Real-time Embedded Systems. In </a:t>
+            </a:r>
+            <a:r>
+              <a:rPr lang="en-US" sz="800" b="0" i="0" u="none" strike="noStrike" baseline="0" dirty="0" smtClean="0">
+                <a:latin typeface="NimbusRomNo9L-ReguItal"/>
+              </a:rPr>
+              <a:t>Proceedings of the IEEE Real-Time Systems Symposium</a:t>
+            </a:r>
+            <a:r>
+              <a:rPr lang="en-US" sz="800" b="0" i="0" u="none" strike="noStrike" baseline="0" dirty="0" smtClean="0">
+                <a:latin typeface="NimbusRomNo9L-Regu"/>
+              </a:rPr>
+              <a:t>, </a:t>
+            </a:r>
+            <a:r>
+              <a:rPr lang="en-US" sz="800" b="0" i="0" u="none" strike="noStrike" baseline="0" dirty="0" err="1" smtClean="0">
+                <a:latin typeface="NimbusRomNo9L-Regu"/>
+              </a:rPr>
+              <a:t>RTSS@Work</a:t>
+            </a:r>
+            <a:r>
+              <a:rPr lang="en-US" sz="800" b="0" i="0" u="none" strike="noStrike" baseline="0" dirty="0" smtClean="0">
+                <a:latin typeface="NimbusRomNo9L-Regu"/>
+              </a:rPr>
+              <a:t> 2013, Vancouver, Canada, 2013. IEEE</a:t>
+            </a:r>
+          </a:p>
+          <a:p>
+            <a:r>
+              <a:rPr lang="en-US" sz="800" b="0" i="0" u="none" strike="noStrike" baseline="0" dirty="0" smtClean="0">
+                <a:latin typeface="NimbusRomNo9L-Regu"/>
+              </a:rPr>
+              <a:t>Pradhan S., W. Emfinger, A. Dubey, W. Otte, A. </a:t>
+            </a:r>
+            <a:r>
+              <a:rPr lang="en-US" sz="800" b="0" i="0" u="none" strike="noStrike" baseline="0" dirty="0" err="1" smtClean="0">
+                <a:latin typeface="NimbusRomNo9L-Regu"/>
+              </a:rPr>
+              <a:t>Coglio</a:t>
+            </a:r>
+            <a:r>
+              <a:rPr lang="en-US" sz="800" b="0" i="0" u="none" strike="noStrike" baseline="0" dirty="0" smtClean="0">
+                <a:latin typeface="NimbusRomNo9L-Regu"/>
+              </a:rPr>
+              <a:t>, D. Balasubramanian, </a:t>
+            </a:r>
+            <a:r>
+              <a:rPr lang="en-US" sz="800" b="0" i="0" u="none" strike="noStrike" baseline="0" dirty="0" err="1" smtClean="0">
+                <a:latin typeface="NimbusRomNo9L-Regu"/>
+              </a:rPr>
+              <a:t>A.Gokhale</a:t>
+            </a:r>
+            <a:r>
+              <a:rPr lang="en-US" sz="800" b="0" i="0" u="none" strike="noStrike" baseline="0" dirty="0" smtClean="0">
+                <a:latin typeface="NimbusRomNo9L-Regu"/>
+              </a:rPr>
+              <a:t>, G. Karsai. Establishing secure interactions across distributed applications in satellite clusters. In </a:t>
+            </a:r>
+            <a:r>
+              <a:rPr lang="en-US" sz="800" b="0" i="0" u="none" strike="noStrike" baseline="0" dirty="0" smtClean="0">
+                <a:latin typeface="NimbusRomNo9L-ReguItal"/>
+              </a:rPr>
+              <a:t>Proceedings of the IEEE International Conference on Space Mission Challenges for Information Technology</a:t>
+            </a:r>
+            <a:r>
+              <a:rPr lang="en-US" sz="800" b="0" i="0" u="none" strike="noStrike" baseline="0" dirty="0" smtClean="0">
+                <a:latin typeface="NimbusRomNo9L-Regu"/>
+              </a:rPr>
+              <a:t>, SMC-IT, 2014, Laurel, MD, USA. IEEE </a:t>
+            </a:r>
+          </a:p>
+          <a:p>
+            <a:r>
+              <a:rPr lang="en-US" sz="800" b="0" i="0" u="none" strike="noStrike" baseline="0" dirty="0" smtClean="0">
+                <a:latin typeface="NimbusRomNo9L-Regu"/>
+              </a:rPr>
+              <a:t>Balasubramanian, D., W. Emfinger, P. S. Kumar, W. Otte, A. Dubey, and G. Karsai. An application development and deployment platform for satellite clusters. In </a:t>
+            </a:r>
+            <a:r>
+              <a:rPr lang="en-US" sz="800" b="0" i="0" u="none" strike="noStrike" baseline="0" dirty="0" smtClean="0">
+                <a:latin typeface="NimbusRomNo9L-ReguItal"/>
+              </a:rPr>
+              <a:t>Proceedings of the Workshop on Spacecraft Flight Software</a:t>
+            </a:r>
+            <a:r>
+              <a:rPr lang="en-US" sz="800" b="0" i="0" u="none" strike="noStrike" baseline="0" dirty="0" smtClean="0">
+                <a:latin typeface="NimbusRomNo9L-Regu"/>
+              </a:rPr>
+              <a:t>, 2013</a:t>
+            </a:r>
+          </a:p>
+          <a:p>
+            <a:r>
+              <a:rPr lang="en-US" sz="800" b="0" i="0" u="none" strike="noStrike" baseline="0" dirty="0" smtClean="0">
+                <a:latin typeface="NimbusRomNo9L-Regu"/>
+              </a:rPr>
+              <a:t>Balasubramanian, D., A. Dubey, W. R. Otte, W. Emfinger, P. Kumar, and G. Karsai. A Rapid Testing Framework for a Mobile Cloud Infrastructure. In </a:t>
+            </a:r>
+            <a:r>
+              <a:rPr lang="en-US" sz="800" b="0" i="0" u="none" strike="noStrike" baseline="0" dirty="0" smtClean="0">
+                <a:latin typeface="NimbusRomNo9L-ReguItal"/>
+              </a:rPr>
+              <a:t>Proceedings of the IEEE International Symposium on Rapid System Prototyping</a:t>
+            </a:r>
+            <a:r>
+              <a:rPr lang="en-US" sz="800" b="0" i="0" u="none" strike="noStrike" baseline="0" dirty="0" smtClean="0">
+                <a:latin typeface="NimbusRomNo9L-Regu"/>
+              </a:rPr>
+              <a:t>, RSP, 2014. IEEE</a:t>
+            </a:r>
+          </a:p>
+          <a:p>
+            <a:r>
+              <a:rPr lang="en-US" sz="800" b="0" i="0" u="none" strike="noStrike" baseline="0" dirty="0" smtClean="0">
+                <a:latin typeface="NimbusRomNo9L-Regu"/>
+              </a:rPr>
+              <a:t>Dubey, A., W. Emfinger, A. Gokhale, G. Karsai, W. R. Otte, J. Parsons, C. Szabo, A. </a:t>
+            </a:r>
+            <a:r>
+              <a:rPr lang="en-US" sz="800" b="0" i="0" u="none" strike="noStrike" baseline="0" dirty="0" err="1" smtClean="0">
+                <a:latin typeface="NimbusRomNo9L-Regu"/>
+              </a:rPr>
+              <a:t>Coglio</a:t>
+            </a:r>
+            <a:r>
+              <a:rPr lang="en-US" sz="800" b="0" i="0" u="none" strike="noStrike" baseline="0" dirty="0" smtClean="0">
+                <a:latin typeface="NimbusRomNo9L-Regu"/>
+              </a:rPr>
+              <a:t>, E. Smith, and P. Bose. A Software Platform for Fractionated Spacecraft. In </a:t>
+            </a:r>
+            <a:r>
+              <a:rPr lang="en-US" sz="800" b="0" i="0" u="none" strike="noStrike" baseline="0" dirty="0" smtClean="0">
+                <a:latin typeface="NimbusRomNo9L-ReguItal"/>
+              </a:rPr>
+              <a:t>Proceedings of the 2012 IEEE Aerospace Conference</a:t>
+            </a:r>
+            <a:r>
+              <a:rPr lang="en-US" sz="800" b="0" i="0" u="none" strike="noStrike" baseline="0" dirty="0" smtClean="0">
+                <a:latin typeface="NimbusRomNo9L-Regu"/>
+              </a:rPr>
+              <a:t>, Big Sky, Montana, 03/2012. IEEE</a:t>
+            </a:r>
+          </a:p>
+          <a:p>
+            <a:r>
+              <a:rPr lang="en-US" sz="800" b="0" i="0" u="none" strike="noStrike" baseline="0" dirty="0" err="1" smtClean="0">
+                <a:latin typeface="NimbusRomNo9L-Regu"/>
+              </a:rPr>
+              <a:t>Levendovszky</a:t>
+            </a:r>
+            <a:r>
+              <a:rPr lang="en-US" sz="800" b="0" i="0" u="none" strike="noStrike" baseline="0" dirty="0" smtClean="0">
+                <a:latin typeface="NimbusRomNo9L-Regu"/>
+              </a:rPr>
+              <a:t>, T., A. Dubey, W. R. Otte, D. Balasubramanian, A. </a:t>
+            </a:r>
+            <a:r>
+              <a:rPr lang="en-US" sz="800" b="0" i="0" u="none" strike="noStrike" baseline="0" dirty="0" err="1" smtClean="0">
+                <a:latin typeface="NimbusRomNo9L-Regu"/>
+              </a:rPr>
+              <a:t>Coglio</a:t>
+            </a:r>
+            <a:r>
+              <a:rPr lang="en-US" sz="800" b="0" i="0" u="none" strike="noStrike" baseline="0" dirty="0" smtClean="0">
+                <a:latin typeface="NimbusRomNo9L-Regu"/>
+              </a:rPr>
+              <a:t>, S. </a:t>
+            </a:r>
+            <a:r>
+              <a:rPr lang="en-US" sz="800" b="0" i="0" u="none" strike="noStrike" baseline="0" dirty="0" err="1" smtClean="0">
+                <a:latin typeface="NimbusRomNo9L-Regu"/>
+              </a:rPr>
+              <a:t>Nyako</a:t>
+            </a:r>
+            <a:r>
+              <a:rPr lang="en-US" sz="800" b="0" i="0" u="none" strike="noStrike" baseline="0" dirty="0" smtClean="0">
+                <a:latin typeface="NimbusRomNo9L-Regu"/>
+              </a:rPr>
+              <a:t>, W. Emfinger, P. Kumar, A. Gokhale, and G. Karsai. DREMS: A Model-Driven Distributed Secure Information Architecture Platform for Managed Embedded Systems. In </a:t>
+            </a:r>
+            <a:r>
+              <a:rPr lang="en-US" sz="800" b="0" i="0" u="none" strike="noStrike" baseline="0" dirty="0" smtClean="0">
+                <a:latin typeface="NimbusRomNo9L-ReguItal"/>
+              </a:rPr>
+              <a:t>IEEE Software</a:t>
+            </a:r>
+            <a:r>
+              <a:rPr lang="en-US" sz="800" b="0" i="0" u="none" strike="noStrike" baseline="0" dirty="0" smtClean="0">
+                <a:latin typeface="NimbusRomNo9L-Regu"/>
+              </a:rPr>
+              <a:t>, vol. 99: IEEE Computer Society, 2014. IEEE</a:t>
+            </a:r>
+          </a:p>
+          <a:p>
+            <a:r>
+              <a:rPr lang="en-US" sz="800" b="0" i="0" u="none" strike="noStrike" baseline="0" dirty="0" smtClean="0">
+                <a:latin typeface="NimbusRomNo9L-Regu"/>
+              </a:rPr>
+              <a:t>Submitted, Awaiting Review:</a:t>
+            </a:r>
+          </a:p>
+          <a:p>
+            <a:pPr lvl="1"/>
+            <a:r>
+              <a:rPr lang="en-US" sz="800" b="0" i="0" u="none" strike="noStrike" baseline="0" dirty="0" smtClean="0">
+                <a:latin typeface="NimbusRomNo9L-Regu"/>
+              </a:rPr>
+              <a:t>W. Emfinger, P. Kumar, A. Dubey, G. Karsai. Towards Assurances in Self-Adaptive, Dynamic, Distributed Real-time Embedded Systems. In </a:t>
+            </a:r>
+            <a:r>
+              <a:rPr lang="en-US" sz="800" b="0" i="0" u="none" strike="noStrike" baseline="0" dirty="0" smtClean="0">
+                <a:latin typeface="NimbusRomNo9L-ReguItal"/>
+              </a:rPr>
+              <a:t>Software Engineering for Self-Adaptive Systems: Assurances</a:t>
+            </a:r>
+            <a:r>
+              <a:rPr lang="en-US" sz="800" b="0" i="0" u="none" strike="noStrike" baseline="0" dirty="0" smtClean="0">
+                <a:latin typeface="NimbusRomNo9L-Regu"/>
+              </a:rPr>
+              <a:t>, 2015.</a:t>
+            </a:r>
+            <a:endParaRPr lang="en-US" sz="800" dirty="0"/>
+          </a:p>
+        </p:txBody>
+      </p:sp>
+      <p:sp>
+        <p:nvSpPr>
+          <p:cNvPr id="4" name="Slide Number Placeholder 3"/>
+          <p:cNvSpPr>
+            <a:spLocks noGrp="1"/>
+          </p:cNvSpPr>
+          <p:nvPr>
+            <p:ph type="sldNum" sz="quarter" idx="12"/>
+          </p:nvPr>
+        </p:nvSpPr>
+        <p:spPr/>
+        <p:txBody>
+          <a:bodyPr/>
+          <a:lstStyle/>
+          <a:p>
+            <a:fld id="{4FAB73BC-B049-4115-A692-8D63A059BFB8}" type="slidenum">
+              <a:rPr lang="en-US" smtClean="0"/>
+              <a:t>32</a:t>
+            </a:fld>
+            <a:endParaRPr lang="en-US" dirty="0"/>
+          </a:p>
+        </p:txBody>
+      </p:sp>
+    </p:spTree>
+    <p:extLst>
+      <p:ext uri="{BB962C8B-B14F-4D97-AF65-F5344CB8AC3E}">
+        <p14:creationId xmlns:p14="http://schemas.microsoft.com/office/powerpoint/2010/main" val="4079945552"/>
+      </p:ext>
+    </p:extLst>
+  </p:cSld>
+  <p:clrMapOvr>
+    <a:masterClrMapping/>
+  </p:clrMapOvr>
+  <p:timing>
+    <p:tnLst>
+      <p:par>
+        <p:cTn id="1" dur="indefinite" restart="never" nodeType="tmRoot"/>
+      </p:par>
+    </p:tnLst>
+  </p:timing>
+</p:sld>
+</file>
+
+<file path=ppt/slides/slide33.xml><?xml version="1.0" encoding="utf-8"?>
+<p:sld xmlns:a="http://schemas.openxmlformats.org/drawingml/2006/main" xmlns:r="http://schemas.openxmlformats.org/officeDocument/2006/relationships" xmlns:p="http://schemas.openxmlformats.org/presentationml/2006/main">
+  <p:cSld>
+    <p:spTree>
+      <p:nvGrpSpPr>
+        <p:cNvPr id="1" name=""/>
+        <p:cNvGrpSpPr/>
+        <p:nvPr/>
+      </p:nvGrpSpPr>
+      <p:grpSpPr>
+        <a:xfrm>
+          <a:off x="0" y="0"/>
+          <a:ext cx="0" cy="0"/>
+          <a:chOff x="0" y="0"/>
+          <a:chExt cx="0" cy="0"/>
+        </a:xfrm>
+      </p:grpSpPr>
+      <p:sp>
+        <p:nvSpPr>
+          <p:cNvPr id="2" name="Title 1"/>
+          <p:cNvSpPr>
+            <a:spLocks noGrp="1"/>
+          </p:cNvSpPr>
+          <p:nvPr>
+            <p:ph type="title"/>
+          </p:nvPr>
+        </p:nvSpPr>
+        <p:spPr/>
+        <p:txBody>
+          <a:bodyPr/>
+          <a:lstStyle/>
+          <a:p>
+            <a:r>
+              <a:rPr lang="en-US" dirty="0" smtClean="0"/>
+              <a:t>References</a:t>
+            </a:r>
+            <a:endParaRPr lang="en-US" dirty="0"/>
+          </a:p>
+        </p:txBody>
+      </p:sp>
+      <p:sp>
+        <p:nvSpPr>
+          <p:cNvPr id="3" name="Content Placeholder 2"/>
+          <p:cNvSpPr>
+            <a:spLocks noGrp="1"/>
+          </p:cNvSpPr>
+          <p:nvPr>
+            <p:ph idx="1"/>
+          </p:nvPr>
+        </p:nvSpPr>
+        <p:spPr/>
+        <p:txBody>
+          <a:bodyPr>
+            <a:normAutofit fontScale="40000" lnSpcReduction="20000"/>
+          </a:bodyPr>
+          <a:lstStyle/>
+          <a:p>
+            <a:r>
+              <a:rPr lang="en-US" sz="1800" b="0" i="0" u="none" strike="noStrike" baseline="0" dirty="0" smtClean="0">
+                <a:latin typeface="NimbusRomNo9L-Regu"/>
+              </a:rPr>
+              <a:t>L. Thiele, S. Chakraborty, and M. </a:t>
+            </a:r>
+            <a:r>
+              <a:rPr lang="en-US" sz="1800" b="0" i="0" u="none" strike="noStrike" baseline="0" dirty="0" err="1" smtClean="0">
+                <a:latin typeface="NimbusRomNo9L-Regu"/>
+              </a:rPr>
+              <a:t>Naedele</a:t>
+            </a:r>
+            <a:r>
+              <a:rPr lang="en-US" sz="1800" b="0" i="0" u="none" strike="noStrike" baseline="0" dirty="0" smtClean="0">
+                <a:latin typeface="NimbusRomNo9L-Regu"/>
+              </a:rPr>
+              <a:t>. Real-time calculus for scheduling hard real-time systems. In </a:t>
+            </a:r>
+            <a:r>
+              <a:rPr lang="en-US" sz="1800" b="0" i="0" u="none" strike="noStrike" baseline="0" dirty="0" smtClean="0">
+                <a:latin typeface="NimbusRomNo9L-ReguItal"/>
+              </a:rPr>
+              <a:t>in ISCAS</a:t>
+            </a:r>
+            <a:r>
+              <a:rPr lang="en-US" sz="1800" b="0" i="0" u="none" strike="noStrike" baseline="0" dirty="0" smtClean="0">
+                <a:latin typeface="NimbusRomNo9L-Regu"/>
+              </a:rPr>
+              <a:t>, pages 101–104, 2000.</a:t>
+            </a:r>
+          </a:p>
+          <a:p>
+            <a:r>
+              <a:rPr lang="en-US" sz="1800" b="0" i="0" u="none" strike="noStrike" baseline="0" dirty="0" smtClean="0">
+                <a:latin typeface="NimbusRomNo9L-Regu"/>
+              </a:rPr>
+              <a:t>A. </a:t>
+            </a:r>
+            <a:r>
+              <a:rPr lang="en-US" sz="1800" b="0" i="0" u="none" strike="noStrike" baseline="0" dirty="0" err="1" smtClean="0">
+                <a:latin typeface="NimbusRomNo9L-Regu"/>
+              </a:rPr>
+              <a:t>Varga</a:t>
+            </a:r>
+            <a:r>
+              <a:rPr lang="en-US" sz="1800" b="0" i="0" u="none" strike="noStrike" baseline="0" dirty="0" smtClean="0">
+                <a:latin typeface="NimbusRomNo9L-Regu"/>
+              </a:rPr>
+              <a:t> and R. </a:t>
+            </a:r>
+            <a:r>
+              <a:rPr lang="en-US" sz="1800" b="0" i="0" u="none" strike="noStrike" baseline="0" dirty="0" err="1" smtClean="0">
+                <a:latin typeface="NimbusRomNo9L-Regu"/>
+              </a:rPr>
+              <a:t>Hornig</a:t>
+            </a:r>
+            <a:r>
+              <a:rPr lang="en-US" sz="1800" b="0" i="0" u="none" strike="noStrike" baseline="0" dirty="0" smtClean="0">
+                <a:latin typeface="NimbusRomNo9L-Regu"/>
+              </a:rPr>
+              <a:t>. An overview of the </a:t>
+            </a:r>
+            <a:r>
+              <a:rPr lang="en-US" sz="1800" b="0" i="0" u="none" strike="noStrike" baseline="0" dirty="0" err="1" smtClean="0">
+                <a:latin typeface="NimbusRomNo9L-Regu"/>
+              </a:rPr>
+              <a:t>omnet</a:t>
+            </a:r>
+            <a:r>
+              <a:rPr lang="en-US" sz="1800" b="0" i="0" u="none" strike="noStrike" baseline="0" dirty="0" smtClean="0">
+                <a:latin typeface="NimbusRomNo9L-Regu"/>
+              </a:rPr>
+              <a:t>++ simulation environment. In </a:t>
+            </a:r>
+            <a:r>
+              <a:rPr lang="en-US" sz="1800" b="0" i="0" u="none" strike="noStrike" baseline="0" dirty="0" err="1" smtClean="0">
+                <a:latin typeface="NimbusRomNo9L-ReguItal"/>
+              </a:rPr>
+              <a:t>Simutools</a:t>
+            </a:r>
+            <a:r>
+              <a:rPr lang="en-US" sz="1800" b="0" i="0" u="none" strike="noStrike" baseline="0" dirty="0" smtClean="0">
+                <a:latin typeface="NimbusRomNo9L-ReguItal"/>
+              </a:rPr>
+              <a:t> ’08: Proceedings of the 1st international conference on Simulation tools and techniques for communications, networks and systems &amp; workshops</a:t>
+            </a:r>
+            <a:r>
+              <a:rPr lang="en-US" sz="1800" b="0" i="0" u="none" strike="noStrike" baseline="0" dirty="0" smtClean="0">
+                <a:latin typeface="NimbusRomNo9L-Regu"/>
+              </a:rPr>
+              <a:t>, pages 1–10, ICST, Brussels, Belgium, Belgium, 2008. ICST (Institute for Computer </a:t>
+            </a:r>
+            <a:r>
+              <a:rPr lang="en-US" sz="1800" b="0" i="0" u="none" strike="noStrike" baseline="0" dirty="0" err="1" smtClean="0">
+                <a:latin typeface="NimbusRomNo9L-Regu"/>
+              </a:rPr>
+              <a:t>Sciences,Social</a:t>
+            </a:r>
+            <a:r>
+              <a:rPr lang="en-US" sz="1800" b="0" i="0" u="none" strike="noStrike" baseline="0" dirty="0" smtClean="0">
+                <a:latin typeface="NimbusRomNo9L-Regu"/>
+              </a:rPr>
+              <a:t>-Informatics and Telecommunications Engineering).</a:t>
+            </a:r>
+          </a:p>
+          <a:p>
+            <a:r>
+              <a:rPr lang="en-US" sz="1800" b="0" i="0" u="none" strike="noStrike" baseline="0" dirty="0" smtClean="0">
+                <a:latin typeface="NimbusRomNo9L-Regu"/>
+              </a:rPr>
+              <a:t>L. Rizzo. </a:t>
+            </a:r>
+            <a:r>
+              <a:rPr lang="en-US" sz="1800" b="0" i="0" u="none" strike="noStrike" baseline="0" dirty="0" err="1" smtClean="0">
+                <a:latin typeface="NimbusRomNo9L-Regu"/>
+              </a:rPr>
+              <a:t>Dummynet</a:t>
+            </a:r>
+            <a:r>
+              <a:rPr lang="en-US" sz="1800" b="0" i="0" u="none" strike="noStrike" baseline="0" dirty="0" smtClean="0">
+                <a:latin typeface="NimbusRomNo9L-Regu"/>
+              </a:rPr>
+              <a:t> : a simple approach to the evaluation of network protocols. </a:t>
+            </a:r>
+            <a:r>
+              <a:rPr lang="en-US" sz="1800" b="0" i="0" u="none" strike="noStrike" baseline="0" dirty="0" smtClean="0">
+                <a:latin typeface="NimbusRomNo9L-ReguItal"/>
+              </a:rPr>
+              <a:t>ACM SIGCOMM Computer Communication Review</a:t>
+            </a:r>
+            <a:r>
+              <a:rPr lang="en-US" sz="1800" b="0" i="0" u="none" strike="noStrike" baseline="0" dirty="0" smtClean="0">
+                <a:latin typeface="NimbusRomNo9L-Regu"/>
+              </a:rPr>
+              <a:t>, 27(1):31–41, 1997.</a:t>
+            </a:r>
+          </a:p>
+          <a:p>
+            <a:r>
+              <a:rPr lang="en-US" sz="1800" b="0" i="0" u="none" strike="noStrike" baseline="0" dirty="0" smtClean="0">
+                <a:latin typeface="NimbusRomNo9L-Regu"/>
+              </a:rPr>
+              <a:t>D. </a:t>
+            </a:r>
+            <a:r>
+              <a:rPr lang="en-US" sz="1800" b="0" i="0" u="none" strike="noStrike" baseline="0" dirty="0" err="1" smtClean="0">
+                <a:latin typeface="NimbusRomNo9L-Regu"/>
+              </a:rPr>
+              <a:t>Mahrenholz</a:t>
+            </a:r>
+            <a:r>
+              <a:rPr lang="en-US" sz="1800" b="0" i="0" u="none" strike="noStrike" baseline="0" dirty="0" smtClean="0">
+                <a:latin typeface="NimbusRomNo9L-Regu"/>
+              </a:rPr>
+              <a:t> and S. Ivanov. Real-time network emulation with ns-2. </a:t>
+            </a:r>
+            <a:r>
+              <a:rPr lang="en-US" sz="1800" b="0" i="0" u="none" strike="noStrike" baseline="0" dirty="0" smtClean="0">
+                <a:latin typeface="NimbusRomNo9L-ReguItal"/>
+              </a:rPr>
+              <a:t>Proceedings- Eighth IEEE International Symposium on Distributed Simulation and Real-Time Applications, DS-RT 2004</a:t>
+            </a:r>
+            <a:r>
+              <a:rPr lang="en-US" sz="1800" b="0" i="0" u="none" strike="noStrike" baseline="0" dirty="0" smtClean="0">
+                <a:latin typeface="NimbusRomNo9L-Regu"/>
+              </a:rPr>
+              <a:t>, pages 29–36, 2004.</a:t>
+            </a:r>
+          </a:p>
+          <a:p>
+            <a:r>
+              <a:rPr lang="en-US" sz="1800" b="0" i="0" u="none" strike="noStrike" baseline="0" dirty="0" smtClean="0">
+                <a:latin typeface="NimbusRomNo9L-Regu"/>
+              </a:rPr>
+              <a:t>J.-Y. Le </a:t>
+            </a:r>
+            <a:r>
+              <a:rPr lang="en-US" sz="1800" b="0" i="0" u="none" strike="noStrike" baseline="0" dirty="0" err="1" smtClean="0">
+                <a:latin typeface="NimbusRomNo9L-Regu"/>
+              </a:rPr>
+              <a:t>Boudec</a:t>
+            </a:r>
+            <a:r>
+              <a:rPr lang="en-US" sz="1800" b="0" i="0" u="none" strike="noStrike" baseline="0" dirty="0" smtClean="0">
+                <a:latin typeface="NimbusRomNo9L-Regu"/>
+              </a:rPr>
+              <a:t> and P. </a:t>
+            </a:r>
+            <a:r>
+              <a:rPr lang="en-US" sz="1800" b="0" i="0" u="none" strike="noStrike" baseline="0" dirty="0" err="1" smtClean="0">
+                <a:latin typeface="NimbusRomNo9L-Regu"/>
+              </a:rPr>
+              <a:t>Thiran</a:t>
+            </a:r>
+            <a:r>
+              <a:rPr lang="en-US" sz="1800" b="0" i="0" u="none" strike="noStrike" baseline="0" dirty="0" smtClean="0">
+                <a:latin typeface="NimbusRomNo9L-Regu"/>
+              </a:rPr>
+              <a:t>. </a:t>
+            </a:r>
+            <a:r>
+              <a:rPr lang="en-US" sz="1800" b="0" i="0" u="none" strike="noStrike" baseline="0" dirty="0" smtClean="0">
+                <a:latin typeface="NimbusRomNo9L-ReguItal"/>
+              </a:rPr>
+              <a:t>Network Calculus: A Theory of Deterministic Queuing Systems for the Internet</a:t>
+            </a:r>
+            <a:r>
+              <a:rPr lang="en-US" sz="1800" b="0" i="0" u="none" strike="noStrike" baseline="0" dirty="0" smtClean="0">
+                <a:latin typeface="NimbusRomNo9L-Regu"/>
+              </a:rPr>
+              <a:t>. Springer-</a:t>
+            </a:r>
+            <a:r>
+              <a:rPr lang="en-US" sz="1800" b="0" i="0" u="none" strike="noStrike" baseline="0" dirty="0" err="1" smtClean="0">
+                <a:latin typeface="NimbusRomNo9L-Regu"/>
+              </a:rPr>
+              <a:t>Verlag</a:t>
+            </a:r>
+            <a:r>
+              <a:rPr lang="en-US" sz="1800" b="0" i="0" u="none" strike="noStrike" baseline="0" dirty="0" smtClean="0">
+                <a:latin typeface="NimbusRomNo9L-Regu"/>
+              </a:rPr>
+              <a:t>, Berlin, Heidelberg, 2001.</a:t>
+            </a:r>
+          </a:p>
+          <a:p>
+            <a:r>
+              <a:rPr lang="en-US" sz="1800" b="0" i="0" u="none" strike="noStrike" baseline="0" dirty="0" smtClean="0">
+                <a:latin typeface="NimbusRomNo9L-Regu"/>
+              </a:rPr>
+              <a:t>D. G. Kendall. Stochastic Processes Occurring in the Theory of Queues and their Analysis by the Method of the Imbedded Markov Chain. </a:t>
+            </a:r>
+            <a:r>
+              <a:rPr lang="en-US" sz="1800" b="0" i="0" u="none" strike="noStrike" baseline="0" dirty="0" smtClean="0">
+                <a:latin typeface="NimbusRomNo9L-ReguItal"/>
+              </a:rPr>
+              <a:t>The Annals of Mathematical Statistics</a:t>
+            </a:r>
+            <a:r>
+              <a:rPr lang="en-US" sz="1800" b="0" i="0" u="none" strike="noStrike" baseline="0" dirty="0" smtClean="0">
+                <a:latin typeface="NimbusRomNo9L-Regu"/>
+              </a:rPr>
+              <a:t>, 24(3):338–354, 1953.</a:t>
+            </a:r>
+          </a:p>
+          <a:p>
+            <a:r>
+              <a:rPr lang="en-US" sz="1800" b="0" i="0" u="none" strike="noStrike" baseline="0" dirty="0" smtClean="0">
+                <a:latin typeface="NimbusRomNo9L-Regu"/>
+              </a:rPr>
+              <a:t>Gilberto Flores Lucio, Marcos Paredes-</a:t>
+            </a:r>
+            <a:r>
+              <a:rPr lang="en-US" sz="1800" b="0" i="0" u="none" strike="noStrike" baseline="0" dirty="0" err="1" smtClean="0">
+                <a:latin typeface="NimbusRomNo9L-Regu"/>
+              </a:rPr>
+              <a:t>farrera</a:t>
+            </a:r>
+            <a:r>
+              <a:rPr lang="en-US" sz="1800" b="0" i="0" u="none" strike="noStrike" baseline="0" dirty="0" smtClean="0">
+                <a:latin typeface="NimbusRomNo9L-Regu"/>
+              </a:rPr>
+              <a:t>, Emmanuel </a:t>
+            </a:r>
+            <a:r>
+              <a:rPr lang="en-US" sz="1800" b="0" i="0" u="none" strike="noStrike" baseline="0" dirty="0" err="1" smtClean="0">
+                <a:latin typeface="NimbusRomNo9L-Regu"/>
+              </a:rPr>
+              <a:t>Jammeh</a:t>
+            </a:r>
+            <a:r>
+              <a:rPr lang="en-US" sz="1800" b="0" i="0" u="none" strike="noStrike" baseline="0" dirty="0" smtClean="0">
+                <a:latin typeface="NimbusRomNo9L-Regu"/>
+              </a:rPr>
+              <a:t>, Martin </a:t>
+            </a:r>
+            <a:r>
+              <a:rPr lang="en-US" sz="1800" b="0" i="0" u="none" strike="noStrike" baseline="0" dirty="0" err="1" smtClean="0">
+                <a:latin typeface="NimbusRomNo9L-Regu"/>
+              </a:rPr>
+              <a:t>Fleury</a:t>
+            </a:r>
+            <a:r>
+              <a:rPr lang="en-US" sz="1800" b="0" i="0" u="none" strike="noStrike" baseline="0" dirty="0" smtClean="0">
+                <a:latin typeface="NimbusRomNo9L-Regu"/>
+              </a:rPr>
+              <a:t>, and M. J. Reed. OPNET Modeler and Ns-2: Comparing the Accuracy of Network Simulators for Packet-Level Analysis using a Network </a:t>
+            </a:r>
+            <a:r>
+              <a:rPr lang="en-US" sz="1800" b="0" i="0" u="none" strike="noStrike" baseline="0" dirty="0" err="1" smtClean="0">
+                <a:latin typeface="NimbusRomNo9L-Regu"/>
+              </a:rPr>
+              <a:t>Testbed</a:t>
+            </a:r>
+            <a:r>
+              <a:rPr lang="en-US" sz="1800" b="0" i="0" u="none" strike="noStrike" baseline="0" dirty="0" smtClean="0">
+                <a:latin typeface="NimbusRomNo9L-Regu"/>
+              </a:rPr>
+              <a:t>. </a:t>
+            </a:r>
+            <a:r>
+              <a:rPr lang="en-US" sz="1800" b="0" i="0" u="none" strike="noStrike" baseline="0" dirty="0" smtClean="0">
+                <a:latin typeface="NimbusRomNo9L-ReguItal"/>
+              </a:rPr>
+              <a:t>3rd WEAS International Conference on Simulation, Modelling and Optimization (ICOSMO)</a:t>
+            </a:r>
+            <a:r>
+              <a:rPr lang="en-US" sz="1800" b="0" i="0" u="none" strike="noStrike" baseline="0" dirty="0" smtClean="0">
+                <a:latin typeface="NimbusRomNo9L-Regu"/>
+              </a:rPr>
+              <a:t>, pages 700–707, 2003.</a:t>
+            </a:r>
+          </a:p>
+          <a:p>
+            <a:r>
+              <a:rPr lang="en-US" sz="1800" b="0" i="0" u="none" strike="noStrike" baseline="0" dirty="0" smtClean="0">
+                <a:latin typeface="NimbusRomNo9L-Regu"/>
+              </a:rPr>
+              <a:t>G. </a:t>
+            </a:r>
+            <a:r>
+              <a:rPr lang="en-US" sz="1800" b="0" i="0" u="none" strike="noStrike" baseline="0" dirty="0" err="1" smtClean="0">
+                <a:latin typeface="NimbusRomNo9L-Regu"/>
+              </a:rPr>
+              <a:t>Giambene</a:t>
+            </a:r>
+            <a:r>
+              <a:rPr lang="en-US" sz="1800" b="0" i="0" u="none" strike="noStrike" baseline="0" dirty="0" smtClean="0">
+                <a:latin typeface="NimbusRomNo9L-Regu"/>
+              </a:rPr>
+              <a:t>. </a:t>
+            </a:r>
+            <a:r>
+              <a:rPr lang="en-US" sz="1800" b="0" i="0" u="none" strike="noStrike" baseline="0" dirty="0" smtClean="0">
+                <a:latin typeface="NimbusRomNo9L-ReguItal"/>
+              </a:rPr>
+              <a:t>Queuing Theory and Telecommunications Networks and Applications</a:t>
+            </a:r>
+            <a:r>
+              <a:rPr lang="en-US" sz="1800" b="0" i="0" u="none" strike="noStrike" baseline="0" dirty="0" smtClean="0">
+                <a:latin typeface="NimbusRomNo9L-Regu"/>
+              </a:rPr>
+              <a:t>. 2005.</a:t>
+            </a:r>
+          </a:p>
+          <a:p>
+            <a:r>
+              <a:rPr lang="en-US" sz="1800" b="0" i="0" u="none" strike="noStrike" baseline="0" dirty="0" smtClean="0">
+                <a:latin typeface="NimbusRomNo9L-Regu"/>
+              </a:rPr>
+              <a:t>R. L. Cruz. A calculus for network delay–I: Network elements in isolation. </a:t>
+            </a:r>
+            <a:r>
+              <a:rPr lang="en-US" sz="1800" b="0" i="0" u="none" strike="noStrike" baseline="0" dirty="0" smtClean="0">
+                <a:latin typeface="NimbusRomNo9L-ReguItal"/>
+              </a:rPr>
+              <a:t>IEEE Transactions on Information Theory</a:t>
+            </a:r>
+            <a:r>
+              <a:rPr lang="en-US" sz="1800" b="0" i="0" u="none" strike="noStrike" baseline="0" dirty="0" smtClean="0">
+                <a:latin typeface="NimbusRomNo9L-Regu"/>
+              </a:rPr>
+              <a:t>, 37(1):114–131, 1991.</a:t>
+            </a:r>
+          </a:p>
+          <a:p>
+            <a:r>
+              <a:rPr lang="en-US" sz="1800" b="0" i="0" u="none" strike="noStrike" baseline="0" dirty="0" smtClean="0">
+                <a:latin typeface="NimbusRomNo9L-Regu"/>
+              </a:rPr>
+              <a:t>O. S. Consortium et al. </a:t>
+            </a:r>
+            <a:r>
+              <a:rPr lang="en-US" sz="1800" b="0" i="0" u="none" strike="noStrike" baseline="0" dirty="0" err="1" smtClean="0">
+                <a:latin typeface="NimbusRomNo9L-Regu"/>
+              </a:rPr>
+              <a:t>Openflow</a:t>
+            </a:r>
+            <a:r>
+              <a:rPr lang="en-US" sz="1800" b="0" i="0" u="none" strike="noStrike" baseline="0" dirty="0" smtClean="0">
+                <a:latin typeface="NimbusRomNo9L-Regu"/>
+              </a:rPr>
+              <a:t> switch specification version 1.0. 0, 2009.</a:t>
+            </a:r>
+          </a:p>
+          <a:p>
+            <a:r>
+              <a:rPr lang="en-US" sz="1800" b="0" i="0" u="none" strike="noStrike" baseline="0" dirty="0" smtClean="0">
+                <a:latin typeface="NimbusRomNo9L-Regu"/>
+              </a:rPr>
+              <a:t>M. Carbone and L. Rizzo. </a:t>
+            </a:r>
+            <a:r>
+              <a:rPr lang="en-US" sz="1800" b="0" i="0" u="none" strike="noStrike" baseline="0" dirty="0" err="1" smtClean="0">
+                <a:latin typeface="NimbusRomNo9L-Regu"/>
+              </a:rPr>
+              <a:t>Dummynet</a:t>
+            </a:r>
+            <a:r>
+              <a:rPr lang="en-US" sz="1800" b="0" i="0" u="none" strike="noStrike" baseline="0" dirty="0" smtClean="0">
+                <a:latin typeface="NimbusRomNo9L-Regu"/>
+              </a:rPr>
+              <a:t> revisited, 2010</a:t>
+            </a:r>
+            <a:endParaRPr lang="en-US" dirty="0"/>
+          </a:p>
+        </p:txBody>
+      </p:sp>
+      <p:sp>
+        <p:nvSpPr>
+          <p:cNvPr id="4" name="Slide Number Placeholder 3"/>
+          <p:cNvSpPr>
+            <a:spLocks noGrp="1"/>
+          </p:cNvSpPr>
+          <p:nvPr>
+            <p:ph type="sldNum" sz="quarter" idx="12"/>
+          </p:nvPr>
+        </p:nvSpPr>
+        <p:spPr/>
+        <p:txBody>
+          <a:bodyPr/>
+          <a:lstStyle/>
+          <a:p>
+            <a:fld id="{4FAB73BC-B049-4115-A692-8D63A059BFB8}" type="slidenum">
+              <a:rPr lang="en-US" smtClean="0"/>
+              <a:t>33</a:t>
+            </a:fld>
+            <a:endParaRPr lang="en-US" dirty="0"/>
+          </a:p>
+        </p:txBody>
+      </p:sp>
+    </p:spTree>
+    <p:extLst>
+      <p:ext uri="{BB962C8B-B14F-4D97-AF65-F5344CB8AC3E}">
+        <p14:creationId xmlns:p14="http://schemas.microsoft.com/office/powerpoint/2010/main" val="3737306379"/>
+      </p:ext>
+    </p:extLst>
+  </p:cSld>
+  <p:clrMapOvr>
+    <a:masterClrMapping/>
+  </p:clrMapOvr>
+  <p:timing>
+    <p:tnLst>
+      <p:par>
+        <p:cTn id="1" dur="indefinite" restart="never" nodeType="tmRoot"/>
+      </p:par>
+    </p:tnLst>
+  </p:timing>
+</p:sld>
+</file>
+
+<file path=ppt/slides/slide34.xml><?xml version="1.0" encoding="utf-8"?>
+<p:sld xmlns:a="http://schemas.openxmlformats.org/drawingml/2006/main" xmlns:r="http://schemas.openxmlformats.org/officeDocument/2006/relationships" xmlns:p="http://schemas.openxmlformats.org/presentationml/2006/main">
+  <p:cSld>
+    <p:spTree>
+      <p:nvGrpSpPr>
+        <p:cNvPr id="1" name=""/>
+        <p:cNvGrpSpPr/>
+        <p:nvPr/>
+      </p:nvGrpSpPr>
+      <p:grpSpPr>
+        <a:xfrm>
+          <a:off x="0" y="0"/>
+          <a:ext cx="0" cy="0"/>
+          <a:chOff x="0" y="0"/>
+          <a:chExt cx="0" cy="0"/>
+        </a:xfrm>
+      </p:grpSpPr>
+      <p:sp>
+        <p:nvSpPr>
+          <p:cNvPr id="2" name="Title 1"/>
+          <p:cNvSpPr>
+            <a:spLocks noGrp="1"/>
+          </p:cNvSpPr>
+          <p:nvPr>
+            <p:ph type="title"/>
+          </p:nvPr>
+        </p:nvSpPr>
+        <p:spPr/>
+        <p:txBody>
+          <a:bodyPr/>
+          <a:lstStyle/>
+          <a:p>
+            <a:r>
+              <a:rPr lang="en-US" dirty="0" smtClean="0"/>
+              <a:t>Questions?</a:t>
+            </a:r>
+            <a:endParaRPr lang="en-US" dirty="0"/>
+          </a:p>
+        </p:txBody>
+      </p:sp>
+      <p:sp>
+        <p:nvSpPr>
+          <p:cNvPr id="3" name="Content Placeholder 2"/>
+          <p:cNvSpPr>
+            <a:spLocks noGrp="1"/>
+          </p:cNvSpPr>
+          <p:nvPr>
+            <p:ph type="body" idx="1"/>
+          </p:nvPr>
+        </p:nvSpPr>
+        <p:spPr/>
+        <p:txBody>
+          <a:bodyPr/>
+          <a:lstStyle/>
+          <a:p>
+            <a:r>
+              <a:rPr lang="en-US" dirty="0" smtClean="0"/>
+              <a:t>Thank you for your attention!</a:t>
+            </a:r>
+            <a:endParaRPr lang="en-US" dirty="0"/>
+          </a:p>
+        </p:txBody>
+      </p:sp>
+      <p:sp>
+        <p:nvSpPr>
+          <p:cNvPr id="4" name="Slide Number Placeholder 3"/>
+          <p:cNvSpPr>
+            <a:spLocks noGrp="1"/>
+          </p:cNvSpPr>
+          <p:nvPr>
+            <p:ph type="sldNum" sz="quarter" idx="12"/>
+          </p:nvPr>
+        </p:nvSpPr>
+        <p:spPr/>
+        <p:txBody>
+          <a:bodyPr/>
+          <a:lstStyle/>
+          <a:p>
+            <a:fld id="{4FAB73BC-B049-4115-A692-8D63A059BFB8}" type="slidenum">
+              <a:rPr lang="en-US" smtClean="0"/>
+              <a:t>34</a:t>
             </a:fld>
             <a:endParaRPr lang="en-US" dirty="0"/>
           </a:p>

--- a/thesis/Defense.pptx
+++ b/thesis/Defense.pptx
@@ -30,11 +30,11 @@
     <p:sldId id="364" r:id="rId18"/>
     <p:sldId id="365" r:id="rId19"/>
     <p:sldId id="366" r:id="rId20"/>
-    <p:sldId id="367" r:id="rId21"/>
-    <p:sldId id="368" r:id="rId22"/>
-    <p:sldId id="369" r:id="rId23"/>
-    <p:sldId id="356" r:id="rId24"/>
-    <p:sldId id="351" r:id="rId25"/>
+    <p:sldId id="370" r:id="rId21"/>
+    <p:sldId id="367" r:id="rId22"/>
+    <p:sldId id="368" r:id="rId23"/>
+    <p:sldId id="369" r:id="rId24"/>
+    <p:sldId id="356" r:id="rId25"/>
     <p:sldId id="352" r:id="rId26"/>
     <p:sldId id="357" r:id="rId27"/>
     <p:sldId id="358" r:id="rId28"/>
@@ -874,26 +874,13 @@
           <a:p>
             <a:r>
               <a:rPr lang="en-US" dirty="0" smtClean="0"/>
-              <a:t>Need to mention how we measure buffer space requirements: using Linux’s built-in measurement tools</a:t>
-            </a:r>
-          </a:p>
-          <a:p>
-            <a:endParaRPr lang="en-US" dirty="0" smtClean="0"/>
-          </a:p>
-          <a:p>
-            <a:r>
-              <a:rPr lang="en-US" dirty="0" smtClean="0"/>
-              <a:t>Model same application with RTC and </a:t>
-            </a:r>
-            <a:r>
-              <a:rPr lang="en-US" dirty="0" smtClean="0"/>
-              <a:t>PNP</a:t>
-            </a:r>
-            <a:r>
-              <a:rPr lang="en-US" baseline="30000" dirty="0" smtClean="0"/>
-              <a:t>2</a:t>
-            </a:r>
-            <a:endParaRPr lang="en-US" dirty="0" smtClean="0"/>
+              <a:t>These formulas remove</a:t>
+            </a:r>
+            <a:r>
+              <a:rPr lang="en-US" baseline="0" dirty="0" smtClean="0"/>
+              <a:t> the need to explicitly incorporate TDMA into the system model when modeling/analyzing the system</a:t>
+            </a:r>
+            <a:endParaRPr lang="en-US" dirty="0"/>
           </a:p>
         </p:txBody>
       </p:sp>
@@ -915,7 +902,7 @@
             <a:fld id="{BF235529-9E21-485D-85D0-B510246CE809}" type="slidenum">
               <a:rPr lang="en-US" smtClean="0"/>
               <a:pPr/>
-              <a:t>24</a:t>
+              <a:t>20</a:t>
             </a:fld>
             <a:endParaRPr lang="en-US"/>
           </a:p>
@@ -924,7 +911,7 @@
     </p:spTree>
     <p:extLst>
       <p:ext uri="{BB962C8B-B14F-4D97-AF65-F5344CB8AC3E}">
-        <p14:creationId xmlns:p14="http://schemas.microsoft.com/office/powerpoint/2010/main" val="222063346"/>
+        <p14:creationId xmlns:p14="http://schemas.microsoft.com/office/powerpoint/2010/main" val="981177030"/>
       </p:ext>
     </p:extLst>
   </p:cSld>
@@ -11199,107 +11186,344 @@
           </a:p>
         </p:txBody>
       </p:sp>
-      <p:sp>
-        <p:nvSpPr>
-          <p:cNvPr id="3" name="Content Placeholder 2"/>
-          <p:cNvSpPr>
-            <a:spLocks noGrp="1"/>
-          </p:cNvSpPr>
-          <p:nvPr>
-            <p:ph idx="1"/>
-          </p:nvPr>
-        </p:nvSpPr>
-        <p:spPr/>
-        <p:txBody>
-          <a:bodyPr>
-            <a:normAutofit lnSpcReduction="10000"/>
-          </a:bodyPr>
-          <a:lstStyle/>
-          <a:p>
-            <a:r>
-              <a:rPr lang="en-US" dirty="0" smtClean="0"/>
-              <a:t>Validated the accuracy of PNP</a:t>
-            </a:r>
-            <a:r>
-              <a:rPr lang="en-US" baseline="30000" dirty="0" smtClean="0"/>
-              <a:t>2</a:t>
-            </a:r>
-            <a:r>
-              <a:rPr lang="en-US" dirty="0" smtClean="0"/>
-              <a:t> predictions using custom network traffic generation code and a network testbed</a:t>
-            </a:r>
-          </a:p>
-          <a:p>
-            <a:pPr lvl="1"/>
-            <a:r>
-              <a:rPr lang="en-US" dirty="0" smtClean="0"/>
-              <a:t>Used </a:t>
-            </a:r>
-            <a:r>
-              <a:rPr lang="en-US" dirty="0" err="1" smtClean="0"/>
-              <a:t>Dummynet</a:t>
-            </a:r>
-            <a:r>
-              <a:rPr lang="en-US" dirty="0" smtClean="0"/>
-              <a:t> to perform traffic shaping and link emulation</a:t>
-            </a:r>
-          </a:p>
-          <a:p>
-            <a:r>
-              <a:rPr lang="en-US" dirty="0" smtClean="0"/>
-              <a:t>Integrated Network Calculus model into PNP</a:t>
-            </a:r>
-            <a:r>
-              <a:rPr lang="en-US" baseline="30000" dirty="0" smtClean="0"/>
-              <a:t>2</a:t>
-            </a:r>
-            <a:r>
-              <a:rPr lang="en-US" dirty="0" smtClean="0"/>
-              <a:t> tool, allows analysis of PNP</a:t>
-            </a:r>
-            <a:r>
-              <a:rPr lang="en-US" baseline="30000" dirty="0" smtClean="0"/>
-              <a:t>2</a:t>
-            </a:r>
-            <a:r>
-              <a:rPr lang="en-US" dirty="0" smtClean="0"/>
-              <a:t> model using NC’s semantics</a:t>
-            </a:r>
-          </a:p>
-          <a:p>
-            <a:pPr lvl="1"/>
-            <a:r>
-              <a:rPr lang="en-US" dirty="0" smtClean="0"/>
-              <a:t>Enables direct, easy comparison between analysis techniques</a:t>
-            </a:r>
-          </a:p>
-          <a:p>
-            <a:r>
-              <a:rPr lang="en-US" dirty="0" smtClean="0"/>
-              <a:t>Network Calculus defines arrival curves and service curves as functions of time-window size, therefore it cannot precisely analyze systems where the applications’ data production is tightly coupled with the service capacity of the system</a:t>
-            </a:r>
-          </a:p>
-          <a:p>
-            <a:pPr lvl="1"/>
-            <a:r>
-              <a:rPr lang="en-US" dirty="0" smtClean="0"/>
-              <a:t>i.e. applications know a </a:t>
-            </a:r>
-            <a:r>
-              <a:rPr lang="en-US" dirty="0" err="1" smtClean="0"/>
-              <a:t>prioi</a:t>
-            </a:r>
-            <a:r>
-              <a:rPr lang="en-US" dirty="0" smtClean="0"/>
-              <a:t> when the system will have high network capacity and are designed to send their data at that time</a:t>
-            </a:r>
-          </a:p>
-          <a:p>
-            <a:pPr lvl="1"/>
-            <a:endParaRPr lang="en-US" b="1" dirty="0" smtClean="0"/>
-          </a:p>
-        </p:txBody>
-      </p:sp>
+      <mc:AlternateContent xmlns:mc="http://schemas.openxmlformats.org/markup-compatibility/2006">
+        <mc:Choice xmlns:a14="http://schemas.microsoft.com/office/drawing/2010/main" Requires="a14">
+          <p:sp>
+            <p:nvSpPr>
+              <p:cNvPr id="3" name="Content Placeholder 2"/>
+              <p:cNvSpPr>
+                <a:spLocks noGrp="1"/>
+              </p:cNvSpPr>
+              <p:nvPr>
+                <p:ph idx="1"/>
+              </p:nvPr>
+            </p:nvSpPr>
+            <p:spPr/>
+            <p:txBody>
+              <a:bodyPr>
+                <a:normAutofit fontScale="77500" lnSpcReduction="20000"/>
+              </a:bodyPr>
+              <a:lstStyle/>
+              <a:p>
+                <a:r>
+                  <a:rPr lang="en-US" dirty="0" smtClean="0"/>
+                  <a:t>Time Division Multiple Access (TDMA) is a Medium Access Control (MAC) protocol designed to minimize the number of packet collisions</a:t>
+                </a:r>
+              </a:p>
+              <a:p>
+                <a:pPr lvl="1"/>
+                <a:r>
+                  <a:rPr lang="en-US" dirty="0" smtClean="0"/>
+                  <a:t>Allocates time slices to each transmitter during which only they are allowed to send</a:t>
+                </a:r>
+              </a:p>
+              <a:p>
+                <a:pPr lvl="1"/>
+                <a:r>
+                  <a:rPr lang="en-US" dirty="0" smtClean="0"/>
+                  <a:t>The sequence of time slices repeats with a certain period</a:t>
+                </a:r>
+              </a:p>
+              <a:p>
+                <a:pPr lvl="1"/>
+                <a:r>
+                  <a:rPr lang="en-US" dirty="0" smtClean="0"/>
+                  <a:t>The MAC layer protocol can affect the performance of the application adversely and so must be taken into account when analyzing the system</a:t>
+                </a:r>
+              </a:p>
+              <a:p>
+                <a:r>
+                  <a:rPr lang="en-US" dirty="0" smtClean="0"/>
+                  <a:t>By integrating such low-level protocol behavior models into the system model, we can more precisely predict the performance of the applications on the system</a:t>
+                </a:r>
+              </a:p>
+              <a:p>
+                <a:r>
+                  <a:rPr lang="en-US" dirty="0" smtClean="0"/>
+                  <a:t>Given:</a:t>
+                </a:r>
+              </a:p>
+              <a:p>
+                <a:pPr lvl="1"/>
+                <a14:m>
+                  <m:oMath xmlns:m="http://schemas.openxmlformats.org/officeDocument/2006/math">
+                    <m:r>
+                      <a:rPr lang="en-US" b="0" i="1" smtClean="0">
+                        <a:latin typeface="Cambria Math" panose="02040503050406030204" pitchFamily="18" charset="0"/>
+                      </a:rPr>
+                      <m:t>𝑇</m:t>
+                    </m:r>
+                  </m:oMath>
+                </a14:m>
+                <a:r>
+                  <a:rPr lang="en-US" dirty="0" smtClean="0"/>
+                  <a:t>: the period of the TDMA schedule</a:t>
+                </a:r>
+              </a:p>
+              <a:p>
+                <a:pPr lvl="1"/>
+                <a14:m>
+                  <m:oMath xmlns:m="http://schemas.openxmlformats.org/officeDocument/2006/math">
+                    <m:sSub>
+                      <m:sSubPr>
+                        <m:ctrlPr>
+                          <a:rPr lang="en-US" i="1" smtClean="0">
+                            <a:latin typeface="Cambria Math" panose="02040503050406030204" pitchFamily="18" charset="0"/>
+                          </a:rPr>
+                        </m:ctrlPr>
+                      </m:sSubPr>
+                      <m:e>
+                        <m:r>
+                          <a:rPr lang="en-US" b="0" i="1" smtClean="0">
+                            <a:latin typeface="Cambria Math" panose="02040503050406030204" pitchFamily="18" charset="0"/>
+                          </a:rPr>
+                          <m:t>𝑡</m:t>
+                        </m:r>
+                      </m:e>
+                      <m:sub>
+                        <m:r>
+                          <a:rPr lang="en-US" b="0" i="1" smtClean="0">
+                            <a:latin typeface="Cambria Math" panose="02040503050406030204" pitchFamily="18" charset="0"/>
+                          </a:rPr>
+                          <m:t>𝑛</m:t>
+                        </m:r>
+                      </m:sub>
+                    </m:sSub>
+                  </m:oMath>
+                </a14:m>
+                <a:r>
+                  <a:rPr lang="en-US" dirty="0" smtClean="0"/>
+                  <a:t>: the duration of node </a:t>
+                </a:r>
+                <a14:m>
+                  <m:oMath xmlns:m="http://schemas.openxmlformats.org/officeDocument/2006/math">
+                    <m:r>
+                      <a:rPr lang="en-US" b="0" i="1" smtClean="0">
+                        <a:latin typeface="Cambria Math" panose="02040503050406030204" pitchFamily="18" charset="0"/>
+                      </a:rPr>
+                      <m:t>𝑛</m:t>
+                    </m:r>
+                  </m:oMath>
+                </a14:m>
+                <a:r>
+                  <a:rPr lang="en-US" dirty="0" smtClean="0"/>
+                  <a:t>’s TDMA slot</a:t>
+                </a:r>
+              </a:p>
+              <a:p>
+                <a:pPr lvl="1"/>
+                <a14:m>
+                  <m:oMath xmlns:m="http://schemas.openxmlformats.org/officeDocument/2006/math">
+                    <m:sSub>
+                      <m:sSubPr>
+                        <m:ctrlPr>
+                          <a:rPr lang="en-US" i="1" smtClean="0">
+                            <a:latin typeface="Cambria Math" panose="02040503050406030204" pitchFamily="18" charset="0"/>
+                          </a:rPr>
+                        </m:ctrlPr>
+                      </m:sSubPr>
+                      <m:e>
+                        <m:r>
+                          <a:rPr lang="en-US" b="0" i="1" smtClean="0">
+                            <a:latin typeface="Cambria Math" panose="02040503050406030204" pitchFamily="18" charset="0"/>
+                          </a:rPr>
+                          <m:t>𝑏𝑤</m:t>
+                        </m:r>
+                      </m:e>
+                      <m:sub>
+                        <m:r>
+                          <a:rPr lang="en-US" b="0" i="1" smtClean="0">
+                            <a:latin typeface="Cambria Math" panose="02040503050406030204" pitchFamily="18" charset="0"/>
+                          </a:rPr>
+                          <m:t>𝑛</m:t>
+                        </m:r>
+                      </m:sub>
+                    </m:sSub>
+                  </m:oMath>
+                </a14:m>
+                <a:r>
+                  <a:rPr lang="en-US" dirty="0" smtClean="0"/>
+                  <a:t>: the bandwidth available to node </a:t>
+                </a:r>
+                <a14:m>
+                  <m:oMath xmlns:m="http://schemas.openxmlformats.org/officeDocument/2006/math">
+                    <m:r>
+                      <a:rPr lang="en-US" b="0" i="1" smtClean="0">
+                        <a:latin typeface="Cambria Math" panose="02040503050406030204" pitchFamily="18" charset="0"/>
+                      </a:rPr>
+                      <m:t>𝑛</m:t>
+                    </m:r>
+                  </m:oMath>
+                </a14:m>
+                <a:r>
+                  <a:rPr lang="en-US" dirty="0" smtClean="0"/>
+                  <a:t> during its slot</a:t>
+                </a:r>
+              </a:p>
+              <a:p>
+                <a:r>
+                  <a:rPr lang="en-US" dirty="0" smtClean="0"/>
+                  <a:t>We calculate:</a:t>
+                </a:r>
+              </a:p>
+              <a:p>
+                <a:pPr lvl="1"/>
+                <a14:m>
+                  <m:oMath xmlns:m="http://schemas.openxmlformats.org/officeDocument/2006/math">
+                    <m:sSub>
+                      <m:sSubPr>
+                        <m:ctrlPr>
+                          <a:rPr lang="en-US" i="1" smtClean="0">
+                            <a:latin typeface="Cambria Math" panose="02040503050406030204" pitchFamily="18" charset="0"/>
+                          </a:rPr>
+                        </m:ctrlPr>
+                      </m:sSubPr>
+                      <m:e>
+                        <m:r>
+                          <a:rPr lang="en-US" b="0" i="1" smtClean="0">
+                            <a:latin typeface="Cambria Math" panose="02040503050406030204" pitchFamily="18" charset="0"/>
+                          </a:rPr>
+                          <m:t>𝑏𝑤</m:t>
+                        </m:r>
+                      </m:e>
+                      <m:sub>
+                        <m:r>
+                          <a:rPr lang="en-US" b="0" i="1" smtClean="0">
+                            <a:latin typeface="Cambria Math" panose="02040503050406030204" pitchFamily="18" charset="0"/>
+                          </a:rPr>
+                          <m:t>𝑒𝑓𝑓𝑒𝑐𝑡𝑖𝑣𝑒</m:t>
+                        </m:r>
+                      </m:sub>
+                    </m:sSub>
+                  </m:oMath>
+                </a14:m>
+                <a:r>
+                  <a:rPr lang="en-US" dirty="0" smtClean="0"/>
+                  <a:t>: the perceived bandwidth available to the node during the TDMA period</a:t>
+                </a:r>
+              </a:p>
+              <a:p>
+                <a:pPr lvl="1"/>
+                <a14:m>
+                  <m:oMath xmlns:m="http://schemas.openxmlformats.org/officeDocument/2006/math">
+                    <m:sSub>
+                      <m:sSubPr>
+                        <m:ctrlPr>
+                          <a:rPr lang="en-US" i="1" smtClean="0">
+                            <a:latin typeface="Cambria Math" panose="02040503050406030204" pitchFamily="18" charset="0"/>
+                          </a:rPr>
+                        </m:ctrlPr>
+                      </m:sSubPr>
+                      <m:e>
+                        <m:r>
+                          <m:rPr>
+                            <m:sty m:val="p"/>
+                          </m:rPr>
+                          <a:rPr lang="en-US" b="0" i="0" smtClean="0">
+                            <a:latin typeface="Cambria Math" panose="02040503050406030204" pitchFamily="18" charset="0"/>
+                          </a:rPr>
+                          <m:t>Δ</m:t>
+                        </m:r>
+                      </m:e>
+                      <m:sub>
+                        <m:r>
+                          <a:rPr lang="en-US" b="0" i="1" smtClean="0">
+                            <a:latin typeface="Cambria Math" panose="02040503050406030204" pitchFamily="18" charset="0"/>
+                          </a:rPr>
+                          <m:t>𝑑𝑒𝑙𝑎𝑦</m:t>
+                        </m:r>
+                      </m:sub>
+                    </m:sSub>
+                  </m:oMath>
+                </a14:m>
+                <a:r>
+                  <a:rPr lang="en-US" dirty="0" smtClean="0"/>
+                  <a:t>: the change in the predicted delay experienced by application traffic</a:t>
+                </a:r>
+              </a:p>
+              <a:p>
+                <a:pPr lvl="1"/>
+                <a14:m>
+                  <m:oMath xmlns:m="http://schemas.openxmlformats.org/officeDocument/2006/math">
+                    <m:sSub>
+                      <m:sSubPr>
+                        <m:ctrlPr>
+                          <a:rPr lang="en-US" i="1" smtClean="0">
+                            <a:latin typeface="Cambria Math" panose="02040503050406030204" pitchFamily="18" charset="0"/>
+                          </a:rPr>
+                        </m:ctrlPr>
+                      </m:sSubPr>
+                      <m:e>
+                        <m:r>
+                          <m:rPr>
+                            <m:sty m:val="p"/>
+                          </m:rPr>
+                          <a:rPr lang="en-US" b="0" i="0" smtClean="0">
+                            <a:latin typeface="Cambria Math" panose="02040503050406030204" pitchFamily="18" charset="0"/>
+                          </a:rPr>
+                          <m:t>Δ</m:t>
+                        </m:r>
+                      </m:e>
+                      <m:sub>
+                        <m:r>
+                          <a:rPr lang="en-US" b="0" i="1" smtClean="0">
+                            <a:latin typeface="Cambria Math" panose="02040503050406030204" pitchFamily="18" charset="0"/>
+                          </a:rPr>
+                          <m:t>𝑏𝑢𝑓𝑓𝑒𝑟</m:t>
+                        </m:r>
+                      </m:sub>
+                    </m:sSub>
+                  </m:oMath>
+                </a14:m>
+                <a:r>
+                  <a:rPr lang="en-US" dirty="0" smtClean="0"/>
+                  <a:t>: the change in the predicted buffer space required for the application</a:t>
+                </a:r>
+              </a:p>
+              <a:p>
+                <a:endParaRPr lang="en-US" dirty="0" smtClean="0"/>
+              </a:p>
+              <a:p>
+                <a:pPr lvl="1"/>
+                <a:endParaRPr lang="en-US" b="1" dirty="0" smtClean="0"/>
+              </a:p>
+            </p:txBody>
+          </p:sp>
+        </mc:Choice>
+        <mc:Fallback>
+          <p:sp>
+            <p:nvSpPr>
+              <p:cNvPr id="3" name="Content Placeholder 2"/>
+              <p:cNvSpPr>
+                <a:spLocks noGrp="1" noRot="1" noChangeAspect="1" noMove="1" noResize="1" noEditPoints="1" noAdjustHandles="1" noChangeArrowheads="1" noChangeShapeType="1" noTextEdit="1"/>
+              </p:cNvSpPr>
+              <p:nvPr>
+                <p:ph idx="1"/>
+              </p:nvPr>
+            </p:nvSpPr>
+            <p:spPr>
+              <a:blipFill>
+                <a:blip r:embed="rId2"/>
+                <a:stretch>
+                  <a:fillRect t="-1541" r="-756"/>
+                </a:stretch>
+              </a:blipFill>
+            </p:spPr>
+            <p:txBody>
+              <a:bodyPr/>
+              <a:lstStyle/>
+              <a:p>
+                <a:r>
+                  <a:rPr lang="en-US">
+                    <a:noFill/>
+                  </a:rPr>
+                  <a:t> </a:t>
+                </a:r>
+              </a:p>
+            </p:txBody>
+          </p:sp>
+        </mc:Fallback>
+      </mc:AlternateContent>
       <p:sp>
         <p:nvSpPr>
           <p:cNvPr id="4" name="Slide Number Placeholder 3"/>
@@ -11608,110 +11832,9 @@
             </a:r>
             <a:r>
               <a:rPr lang="en-US" dirty="0" smtClean="0"/>
-              <a:t> Compositional Analysis</a:t>
+              <a:t> Analysis of TDMA</a:t>
             </a:r>
             <a:endParaRPr lang="en-US" dirty="0"/>
-          </a:p>
-        </p:txBody>
-      </p:sp>
-      <p:sp>
-        <p:nvSpPr>
-          <p:cNvPr id="3" name="Content Placeholder 2"/>
-          <p:cNvSpPr>
-            <a:spLocks noGrp="1"/>
-          </p:cNvSpPr>
-          <p:nvPr>
-            <p:ph idx="1"/>
-          </p:nvPr>
-        </p:nvSpPr>
-        <p:spPr/>
-        <p:txBody>
-          <a:bodyPr>
-            <a:normAutofit lnSpcReduction="10000"/>
-          </a:bodyPr>
-          <a:lstStyle/>
-          <a:p>
-            <a:r>
-              <a:rPr lang="en-US" dirty="0" smtClean="0"/>
-              <a:t>Validated the accuracy of PNP</a:t>
-            </a:r>
-            <a:r>
-              <a:rPr lang="en-US" baseline="30000" dirty="0" smtClean="0"/>
-              <a:t>2</a:t>
-            </a:r>
-            <a:r>
-              <a:rPr lang="en-US" dirty="0" smtClean="0"/>
-              <a:t> predictions using custom network traffic generation code and a network testbed</a:t>
-            </a:r>
-          </a:p>
-          <a:p>
-            <a:pPr lvl="1"/>
-            <a:r>
-              <a:rPr lang="en-US" dirty="0" smtClean="0"/>
-              <a:t>Used </a:t>
-            </a:r>
-            <a:r>
-              <a:rPr lang="en-US" dirty="0" err="1" smtClean="0"/>
-              <a:t>Dummynet</a:t>
-            </a:r>
-            <a:r>
-              <a:rPr lang="en-US" dirty="0" smtClean="0"/>
-              <a:t> to perform traffic shaping and link emulation</a:t>
-            </a:r>
-          </a:p>
-          <a:p>
-            <a:r>
-              <a:rPr lang="en-US" dirty="0" smtClean="0"/>
-              <a:t>Integrated Network Calculus model into PNP</a:t>
-            </a:r>
-            <a:r>
-              <a:rPr lang="en-US" baseline="30000" dirty="0" smtClean="0"/>
-              <a:t>2</a:t>
-            </a:r>
-            <a:r>
-              <a:rPr lang="en-US" dirty="0" smtClean="0"/>
-              <a:t> tool, allows analysis of PNP</a:t>
-            </a:r>
-            <a:r>
-              <a:rPr lang="en-US" baseline="30000" dirty="0" smtClean="0"/>
-              <a:t>2</a:t>
-            </a:r>
-            <a:r>
-              <a:rPr lang="en-US" dirty="0" smtClean="0"/>
-              <a:t> model using NC’s semantics</a:t>
-            </a:r>
-          </a:p>
-          <a:p>
-            <a:pPr lvl="1"/>
-            <a:r>
-              <a:rPr lang="en-US" dirty="0" smtClean="0"/>
-              <a:t>Enables direct, easy comparison between analysis techniques</a:t>
-            </a:r>
-          </a:p>
-          <a:p>
-            <a:r>
-              <a:rPr lang="en-US" dirty="0" smtClean="0"/>
-              <a:t>Network Calculus defines arrival curves and service curves as functions of time-window size, therefore it cannot precisely analyze systems where the applications’ data production is tightly coupled with the service capacity of the system</a:t>
-            </a:r>
-          </a:p>
-          <a:p>
-            <a:pPr lvl="1"/>
-            <a:r>
-              <a:rPr lang="en-US" dirty="0" smtClean="0"/>
-              <a:t>i.e. applications know a </a:t>
-            </a:r>
-            <a:r>
-              <a:rPr lang="en-US" dirty="0" err="1" smtClean="0"/>
-              <a:t>prioi</a:t>
-            </a:r>
-            <a:r>
-              <a:rPr lang="en-US" dirty="0" smtClean="0"/>
-              <a:t> when the system will have high network capacity and are designed to send their data at that time</a:t>
-            </a:r>
-          </a:p>
-          <a:p>
-            <a:pPr lvl="1"/>
-            <a:endParaRPr lang="en-US" b="1" dirty="0" smtClean="0"/>
           </a:p>
         </p:txBody>
       </p:sp>
@@ -11738,10 +11861,619 @@
           </a:p>
         </p:txBody>
       </p:sp>
+      <p:pic>
+        <p:nvPicPr>
+          <p:cNvPr id="5" name="Picture 4"/>
+          <p:cNvPicPr>
+            <a:picLocks noChangeAspect="1"/>
+          </p:cNvPicPr>
+          <p:nvPr/>
+        </p:nvPicPr>
+        <p:blipFill>
+          <a:blip r:embed="rId3">
+            <a:extLst>
+              <a:ext uri="{28A0092B-C50C-407E-A947-70E740481C1C}">
+                <a14:useLocalDpi xmlns:a14="http://schemas.microsoft.com/office/drawing/2010/main" val="0"/>
+              </a:ext>
+            </a:extLst>
+          </a:blip>
+          <a:stretch>
+            <a:fillRect/>
+          </a:stretch>
+        </p:blipFill>
+        <p:spPr>
+          <a:xfrm>
+            <a:off x="152400" y="4038600"/>
+            <a:ext cx="3810000" cy="2871576"/>
+          </a:xfrm>
+          <a:prstGeom prst="rect">
+            <a:avLst/>
+          </a:prstGeom>
+        </p:spPr>
+      </p:pic>
+      <p:pic>
+        <p:nvPicPr>
+          <p:cNvPr id="6" name="Picture 5"/>
+          <p:cNvPicPr>
+            <a:picLocks noChangeAspect="1"/>
+          </p:cNvPicPr>
+          <p:nvPr/>
+        </p:nvPicPr>
+        <p:blipFill>
+          <a:blip r:embed="rId4">
+            <a:extLst>
+              <a:ext uri="{28A0092B-C50C-407E-A947-70E740481C1C}">
+                <a14:useLocalDpi xmlns:a14="http://schemas.microsoft.com/office/drawing/2010/main" val="0"/>
+              </a:ext>
+            </a:extLst>
+          </a:blip>
+          <a:stretch>
+            <a:fillRect/>
+          </a:stretch>
+        </p:blipFill>
+        <p:spPr>
+          <a:xfrm>
+            <a:off x="4557774" y="4038600"/>
+            <a:ext cx="3813573" cy="2874269"/>
+          </a:xfrm>
+          <a:prstGeom prst="rect">
+            <a:avLst/>
+          </a:prstGeom>
+        </p:spPr>
+      </p:pic>
+      <mc:AlternateContent xmlns:mc="http://schemas.openxmlformats.org/markup-compatibility/2006">
+        <mc:Choice xmlns:a14="http://schemas.microsoft.com/office/drawing/2010/main" Requires="a14">
+          <p:sp>
+            <p:nvSpPr>
+              <p:cNvPr id="3" name="Content Placeholder 2"/>
+              <p:cNvSpPr>
+                <a:spLocks noGrp="1"/>
+              </p:cNvSpPr>
+              <p:nvPr>
+                <p:ph idx="1"/>
+              </p:nvPr>
+            </p:nvSpPr>
+            <p:spPr>
+              <a:xfrm>
+                <a:off x="946404" y="1828801"/>
+                <a:ext cx="6446520" cy="2362199"/>
+              </a:xfrm>
+            </p:spPr>
+            <p:txBody>
+              <a:bodyPr>
+                <a:normAutofit fontScale="70000" lnSpcReduction="20000"/>
+              </a:bodyPr>
+              <a:lstStyle/>
+              <a:p>
+                <a:pPr marL="0" indent="0">
+                  <a:buNone/>
+                </a:pPr>
+                <a14:m>
+                  <m:oMathPara xmlns:m="http://schemas.openxmlformats.org/officeDocument/2006/math">
+                    <m:oMathParaPr>
+                      <m:jc m:val="centerGroup"/>
+                    </m:oMathParaPr>
+                    <m:oMath xmlns:m="http://schemas.openxmlformats.org/officeDocument/2006/math">
+                      <m:sSub>
+                        <m:sSubPr>
+                          <m:ctrlPr>
+                            <a:rPr lang="en-US" i="1" smtClean="0">
+                              <a:latin typeface="Cambria Math" panose="02040503050406030204" pitchFamily="18" charset="0"/>
+                            </a:rPr>
+                          </m:ctrlPr>
+                        </m:sSubPr>
+                        <m:e>
+                          <m:r>
+                            <a:rPr lang="en-US" b="0" i="1" smtClean="0">
+                              <a:latin typeface="Cambria Math" panose="02040503050406030204" pitchFamily="18" charset="0"/>
+                            </a:rPr>
+                            <m:t>𝑏𝑤</m:t>
+                          </m:r>
+                        </m:e>
+                        <m:sub>
+                          <m:r>
+                            <a:rPr lang="en-US" b="0" i="1" smtClean="0">
+                              <a:latin typeface="Cambria Math" panose="02040503050406030204" pitchFamily="18" charset="0"/>
+                            </a:rPr>
+                            <m:t>𝑒𝑓𝑓𝑒𝑐𝑡𝑖𝑣𝑒</m:t>
+                          </m:r>
+                        </m:sub>
+                      </m:sSub>
+                      <m:r>
+                        <a:rPr lang="en-US" b="0" i="1" smtClean="0">
+                          <a:latin typeface="Cambria Math" panose="02040503050406030204" pitchFamily="18" charset="0"/>
+                        </a:rPr>
+                        <m:t>=</m:t>
+                      </m:r>
+                      <m:sSub>
+                        <m:sSubPr>
+                          <m:ctrlPr>
+                            <a:rPr lang="en-US" b="0" i="1" smtClean="0">
+                              <a:latin typeface="Cambria Math" panose="02040503050406030204" pitchFamily="18" charset="0"/>
+                            </a:rPr>
+                          </m:ctrlPr>
+                        </m:sSubPr>
+                        <m:e>
+                          <m:r>
+                            <a:rPr lang="en-US" b="0" i="1" smtClean="0">
+                              <a:latin typeface="Cambria Math" panose="02040503050406030204" pitchFamily="18" charset="0"/>
+                            </a:rPr>
+                            <m:t>𝑏𝑤</m:t>
+                          </m:r>
+                        </m:e>
+                        <m:sub>
+                          <m:r>
+                            <a:rPr lang="en-US" b="0" i="1" smtClean="0">
+                              <a:latin typeface="Cambria Math" panose="02040503050406030204" pitchFamily="18" charset="0"/>
+                            </a:rPr>
+                            <m:t>𝑛</m:t>
+                          </m:r>
+                        </m:sub>
+                      </m:sSub>
+                      <m:r>
+                        <a:rPr lang="en-US" b="0" i="1" smtClean="0">
+                          <a:latin typeface="Cambria Math" panose="02040503050406030204" pitchFamily="18" charset="0"/>
+                        </a:rPr>
+                        <m:t>∗</m:t>
+                      </m:r>
+                      <m:f>
+                        <m:fPr>
+                          <m:ctrlPr>
+                            <a:rPr lang="en-US" b="0" i="1" smtClean="0">
+                              <a:latin typeface="Cambria Math" panose="02040503050406030204" pitchFamily="18" charset="0"/>
+                            </a:rPr>
+                          </m:ctrlPr>
+                        </m:fPr>
+                        <m:num>
+                          <m:sSub>
+                            <m:sSubPr>
+                              <m:ctrlPr>
+                                <a:rPr lang="en-US" b="0" i="1" smtClean="0">
+                                  <a:latin typeface="Cambria Math" panose="02040503050406030204" pitchFamily="18" charset="0"/>
+                                </a:rPr>
+                              </m:ctrlPr>
+                            </m:sSubPr>
+                            <m:e>
+                              <m:r>
+                                <a:rPr lang="en-US" b="0" i="1" smtClean="0">
+                                  <a:latin typeface="Cambria Math" panose="02040503050406030204" pitchFamily="18" charset="0"/>
+                                </a:rPr>
+                                <m:t>𝑡</m:t>
+                              </m:r>
+                            </m:e>
+                            <m:sub>
+                              <m:r>
+                                <a:rPr lang="en-US" b="0" i="1" smtClean="0">
+                                  <a:latin typeface="Cambria Math" panose="02040503050406030204" pitchFamily="18" charset="0"/>
+                                </a:rPr>
+                                <m:t>𝑛</m:t>
+                              </m:r>
+                            </m:sub>
+                          </m:sSub>
+                        </m:num>
+                        <m:den>
+                          <m:r>
+                            <a:rPr lang="en-US" b="0" i="1" smtClean="0">
+                              <a:latin typeface="Cambria Math" panose="02040503050406030204" pitchFamily="18" charset="0"/>
+                            </a:rPr>
+                            <m:t>𝑇</m:t>
+                          </m:r>
+                        </m:den>
+                      </m:f>
+                    </m:oMath>
+                    <m:oMath xmlns:m="http://schemas.openxmlformats.org/officeDocument/2006/math">
+                      <m:sSub>
+                        <m:sSubPr>
+                          <m:ctrlPr>
+                            <a:rPr lang="en-US" b="0" i="1" smtClean="0">
+                              <a:latin typeface="Cambria Math" panose="02040503050406030204" pitchFamily="18" charset="0"/>
+                            </a:rPr>
+                          </m:ctrlPr>
+                        </m:sSubPr>
+                        <m:e>
+                          <m:r>
+                            <m:rPr>
+                              <m:sty m:val="p"/>
+                            </m:rPr>
+                            <a:rPr lang="en-US" b="0" i="0" smtClean="0">
+                              <a:latin typeface="Cambria Math" panose="02040503050406030204" pitchFamily="18" charset="0"/>
+                            </a:rPr>
+                            <m:t>Δ</m:t>
+                          </m:r>
+                        </m:e>
+                        <m:sub>
+                          <m:r>
+                            <a:rPr lang="en-US" b="0" i="1" smtClean="0">
+                              <a:latin typeface="Cambria Math" panose="02040503050406030204" pitchFamily="18" charset="0"/>
+                            </a:rPr>
+                            <m:t>𝑑𝑒𝑙𝑎𝑦</m:t>
+                          </m:r>
+                        </m:sub>
+                      </m:sSub>
+                      <m:r>
+                        <a:rPr lang="en-US" b="0" i="1" smtClean="0">
+                          <a:latin typeface="Cambria Math" panose="02040503050406030204" pitchFamily="18" charset="0"/>
+                        </a:rPr>
+                        <m:t>=</m:t>
+                      </m:r>
+                      <m:r>
+                        <a:rPr lang="en-US" b="0" i="1" smtClean="0">
+                          <a:latin typeface="Cambria Math" panose="02040503050406030204" pitchFamily="18" charset="0"/>
+                        </a:rPr>
+                        <m:t>𝑇</m:t>
+                      </m:r>
+                      <m:r>
+                        <a:rPr lang="en-US" b="0" i="1" smtClean="0">
+                          <a:latin typeface="Cambria Math" panose="02040503050406030204" pitchFamily="18" charset="0"/>
+                        </a:rPr>
+                        <m:t>−</m:t>
+                      </m:r>
+                      <m:sSub>
+                        <m:sSubPr>
+                          <m:ctrlPr>
+                            <a:rPr lang="en-US" b="0" i="1" smtClean="0">
+                              <a:latin typeface="Cambria Math" panose="02040503050406030204" pitchFamily="18" charset="0"/>
+                            </a:rPr>
+                          </m:ctrlPr>
+                        </m:sSubPr>
+                        <m:e>
+                          <m:r>
+                            <a:rPr lang="en-US" b="0" i="1" smtClean="0">
+                              <a:latin typeface="Cambria Math" panose="02040503050406030204" pitchFamily="18" charset="0"/>
+                            </a:rPr>
+                            <m:t>𝑡</m:t>
+                          </m:r>
+                        </m:e>
+                        <m:sub>
+                          <m:r>
+                            <a:rPr lang="en-US" b="0" i="1" smtClean="0">
+                              <a:latin typeface="Cambria Math" panose="02040503050406030204" pitchFamily="18" charset="0"/>
+                            </a:rPr>
+                            <m:t>𝑛</m:t>
+                          </m:r>
+                        </m:sub>
+                      </m:sSub>
+                    </m:oMath>
+                    <m:oMath xmlns:m="http://schemas.openxmlformats.org/officeDocument/2006/math">
+                      <m:sSub>
+                        <m:sSubPr>
+                          <m:ctrlPr>
+                            <a:rPr lang="en-US" b="0" i="1" smtClean="0">
+                              <a:latin typeface="Cambria Math" panose="02040503050406030204" pitchFamily="18" charset="0"/>
+                            </a:rPr>
+                          </m:ctrlPr>
+                        </m:sSubPr>
+                        <m:e>
+                          <m:r>
+                            <m:rPr>
+                              <m:sty m:val="p"/>
+                            </m:rPr>
+                            <a:rPr lang="en-US" b="0" i="0" smtClean="0">
+                              <a:latin typeface="Cambria Math" panose="02040503050406030204" pitchFamily="18" charset="0"/>
+                            </a:rPr>
+                            <m:t>Δ</m:t>
+                          </m:r>
+                        </m:e>
+                        <m:sub>
+                          <m:r>
+                            <a:rPr lang="en-US" b="0" i="1" smtClean="0">
+                              <a:latin typeface="Cambria Math" panose="02040503050406030204" pitchFamily="18" charset="0"/>
+                            </a:rPr>
+                            <m:t>𝑏𝑢𝑓𝑓𝑒𝑟</m:t>
+                          </m:r>
+                        </m:sub>
+                      </m:sSub>
+                      <m:r>
+                        <a:rPr lang="en-US" b="0" i="1" smtClean="0">
+                          <a:latin typeface="Cambria Math" panose="02040503050406030204" pitchFamily="18" charset="0"/>
+                        </a:rPr>
+                        <m:t>=</m:t>
+                      </m:r>
+                      <m:sSub>
+                        <m:sSubPr>
+                          <m:ctrlPr>
+                            <a:rPr lang="en-US" b="0" i="1" smtClean="0">
+                              <a:latin typeface="Cambria Math" panose="02040503050406030204" pitchFamily="18" charset="0"/>
+                            </a:rPr>
+                          </m:ctrlPr>
+                        </m:sSubPr>
+                        <m:e>
+                          <m:r>
+                            <m:rPr>
+                              <m:sty m:val="p"/>
+                            </m:rPr>
+                            <a:rPr lang="en-US" b="0" i="0" smtClean="0">
+                              <a:latin typeface="Cambria Math" panose="02040503050406030204" pitchFamily="18" charset="0"/>
+                            </a:rPr>
+                            <m:t>Δ</m:t>
+                          </m:r>
+                        </m:e>
+                        <m:sub>
+                          <m:r>
+                            <a:rPr lang="en-US" b="0" i="1" smtClean="0">
+                              <a:latin typeface="Cambria Math" panose="02040503050406030204" pitchFamily="18" charset="0"/>
+                            </a:rPr>
+                            <m:t>𝑑𝑒𝑙𝑎𝑦</m:t>
+                          </m:r>
+                        </m:sub>
+                      </m:sSub>
+                      <m:r>
+                        <a:rPr lang="en-US" b="0" i="1" smtClean="0">
+                          <a:latin typeface="Cambria Math" panose="02040503050406030204" pitchFamily="18" charset="0"/>
+                        </a:rPr>
+                        <m:t>∗</m:t>
+                      </m:r>
+                      <m:sSub>
+                        <m:sSubPr>
+                          <m:ctrlPr>
+                            <a:rPr lang="en-US" b="0" i="1" smtClean="0">
+                              <a:latin typeface="Cambria Math" panose="02040503050406030204" pitchFamily="18" charset="0"/>
+                            </a:rPr>
+                          </m:ctrlPr>
+                        </m:sSubPr>
+                        <m:e>
+                          <m:r>
+                            <a:rPr lang="en-US" b="0" i="1" smtClean="0">
+                              <a:latin typeface="Cambria Math" panose="02040503050406030204" pitchFamily="18" charset="0"/>
+                            </a:rPr>
+                            <m:t>𝑏𝑤</m:t>
+                          </m:r>
+                        </m:e>
+                        <m:sub>
+                          <m:r>
+                            <a:rPr lang="en-US" b="0" i="1" smtClean="0">
+                              <a:latin typeface="Cambria Math" panose="02040503050406030204" pitchFamily="18" charset="0"/>
+                            </a:rPr>
+                            <m:t>𝑒𝑓𝑓𝑒𝑐𝑡𝑖𝑣𝑒</m:t>
+                          </m:r>
+                        </m:sub>
+                      </m:sSub>
+                    </m:oMath>
+                  </m:oMathPara>
+                </a14:m>
+                <a:endParaRPr lang="en-US" dirty="0" smtClean="0"/>
+              </a:p>
+              <a:p>
+                <a:r>
+                  <a:rPr lang="en-US" dirty="0" smtClean="0"/>
+                  <a:t>Since</a:t>
+                </a:r>
+              </a:p>
+              <a:p>
+                <a:pPr lvl="1"/>
+                <a14:m>
+                  <m:oMath xmlns:m="http://schemas.openxmlformats.org/officeDocument/2006/math">
+                    <m:sSub>
+                      <m:sSubPr>
+                        <m:ctrlPr>
+                          <a:rPr lang="en-US" i="1" smtClean="0">
+                            <a:latin typeface="Cambria Math" panose="02040503050406030204" pitchFamily="18" charset="0"/>
+                          </a:rPr>
+                        </m:ctrlPr>
+                      </m:sSubPr>
+                      <m:e>
+                        <m:r>
+                          <a:rPr lang="en-US" b="0" i="1" smtClean="0">
+                            <a:latin typeface="Cambria Math" panose="02040503050406030204" pitchFamily="18" charset="0"/>
+                          </a:rPr>
+                          <m:t>𝑡</m:t>
+                        </m:r>
+                      </m:e>
+                      <m:sub>
+                        <m:r>
+                          <a:rPr lang="en-US" b="0" i="1" smtClean="0">
+                            <a:latin typeface="Cambria Math" panose="02040503050406030204" pitchFamily="18" charset="0"/>
+                          </a:rPr>
+                          <m:t>𝑛</m:t>
+                        </m:r>
+                      </m:sub>
+                    </m:sSub>
+                  </m:oMath>
+                </a14:m>
+                <a:r>
+                  <a:rPr lang="en-US" dirty="0" smtClean="0"/>
+                  <a:t> is dependent on </a:t>
+                </a:r>
+                <a14:m>
+                  <m:oMath xmlns:m="http://schemas.openxmlformats.org/officeDocument/2006/math">
+                    <m:r>
+                      <a:rPr lang="en-US" b="0" i="1" smtClean="0">
+                        <a:latin typeface="Cambria Math" panose="02040503050406030204" pitchFamily="18" charset="0"/>
+                      </a:rPr>
+                      <m:t>𝑇</m:t>
+                    </m:r>
+                  </m:oMath>
+                </a14:m>
+                <a:endParaRPr lang="en-US" dirty="0" smtClean="0"/>
+              </a:p>
+              <a:p>
+                <a:pPr lvl="1"/>
+                <a14:m>
+                  <m:oMath xmlns:m="http://schemas.openxmlformats.org/officeDocument/2006/math">
+                    <m:sSub>
+                      <m:sSubPr>
+                        <m:ctrlPr>
+                          <a:rPr lang="en-US" i="1" smtClean="0">
+                            <a:latin typeface="Cambria Math" panose="02040503050406030204" pitchFamily="18" charset="0"/>
+                          </a:rPr>
+                        </m:ctrlPr>
+                      </m:sSubPr>
+                      <m:e>
+                        <m:r>
+                          <m:rPr>
+                            <m:sty m:val="p"/>
+                          </m:rPr>
+                          <a:rPr lang="en-US" b="0" i="0" smtClean="0">
+                            <a:latin typeface="Cambria Math" panose="02040503050406030204" pitchFamily="18" charset="0"/>
+                          </a:rPr>
+                          <m:t>Δ</m:t>
+                        </m:r>
+                      </m:e>
+                      <m:sub>
+                        <m:r>
+                          <a:rPr lang="en-US" b="0" i="1" smtClean="0">
+                            <a:latin typeface="Cambria Math" panose="02040503050406030204" pitchFamily="18" charset="0"/>
+                          </a:rPr>
+                          <m:t>𝑑𝑒𝑙𝑎𝑦</m:t>
+                        </m:r>
+                      </m:sub>
+                    </m:sSub>
+                  </m:oMath>
+                </a14:m>
+                <a:r>
+                  <a:rPr lang="en-US" dirty="0" smtClean="0"/>
+                  <a:t> is bounded by </a:t>
+                </a:r>
+                <a14:m>
+                  <m:oMath xmlns:m="http://schemas.openxmlformats.org/officeDocument/2006/math">
+                    <m:r>
+                      <a:rPr lang="en-US" b="0" i="1" smtClean="0">
+                        <a:latin typeface="Cambria Math" panose="02040503050406030204" pitchFamily="18" charset="0"/>
+                      </a:rPr>
+                      <m:t>𝑇</m:t>
+                    </m:r>
+                  </m:oMath>
+                </a14:m>
+                <a:endParaRPr lang="en-US" dirty="0" smtClean="0"/>
+              </a:p>
+              <a:p>
+                <a:pPr lvl="1"/>
+                <a14:m>
+                  <m:oMath xmlns:m="http://schemas.openxmlformats.org/officeDocument/2006/math">
+                    <m:sSub>
+                      <m:sSubPr>
+                        <m:ctrlPr>
+                          <a:rPr lang="en-US" i="1" smtClean="0">
+                            <a:latin typeface="Cambria Math" panose="02040503050406030204" pitchFamily="18" charset="0"/>
+                          </a:rPr>
+                        </m:ctrlPr>
+                      </m:sSubPr>
+                      <m:e>
+                        <m:r>
+                          <m:rPr>
+                            <m:sty m:val="p"/>
+                          </m:rPr>
+                          <a:rPr lang="en-US" b="0" i="0" smtClean="0">
+                            <a:latin typeface="Cambria Math" panose="02040503050406030204" pitchFamily="18" charset="0"/>
+                          </a:rPr>
+                          <m:t>Δ</m:t>
+                        </m:r>
+                      </m:e>
+                      <m:sub>
+                        <m:r>
+                          <a:rPr lang="en-US" b="0" i="1" smtClean="0">
+                            <a:latin typeface="Cambria Math" panose="02040503050406030204" pitchFamily="18" charset="0"/>
+                          </a:rPr>
+                          <m:t>𝑏𝑢𝑓𝑓𝑒𝑟</m:t>
+                        </m:r>
+                      </m:sub>
+                    </m:sSub>
+                  </m:oMath>
+                </a14:m>
+                <a:r>
+                  <a:rPr lang="en-US" dirty="0" smtClean="0"/>
+                  <a:t> is governed by </a:t>
+                </a:r>
+                <a14:m>
+                  <m:oMath xmlns:m="http://schemas.openxmlformats.org/officeDocument/2006/math">
+                    <m:sSub>
+                      <m:sSubPr>
+                        <m:ctrlPr>
+                          <a:rPr lang="en-US" i="1" smtClean="0">
+                            <a:latin typeface="Cambria Math" panose="02040503050406030204" pitchFamily="18" charset="0"/>
+                          </a:rPr>
+                        </m:ctrlPr>
+                      </m:sSubPr>
+                      <m:e>
+                        <m:r>
+                          <a:rPr lang="en-US" b="0" i="1" smtClean="0">
+                            <a:latin typeface="Cambria Math" panose="02040503050406030204" pitchFamily="18" charset="0"/>
+                          </a:rPr>
+                          <m:t>𝑡</m:t>
+                        </m:r>
+                      </m:e>
+                      <m:sub>
+                        <m:r>
+                          <a:rPr lang="en-US" b="0" i="1" smtClean="0">
+                            <a:latin typeface="Cambria Math" panose="02040503050406030204" pitchFamily="18" charset="0"/>
+                          </a:rPr>
+                          <m:t>𝑛</m:t>
+                        </m:r>
+                      </m:sub>
+                    </m:sSub>
+                  </m:oMath>
+                </a14:m>
+                <a:endParaRPr lang="en-US" dirty="0" smtClean="0"/>
+              </a:p>
+              <a:p>
+                <a:r>
+                  <a:rPr lang="en-US" dirty="0" smtClean="0"/>
+                  <a:t>Minimizing </a:t>
+                </a:r>
+                <a14:m>
+                  <m:oMath xmlns:m="http://schemas.openxmlformats.org/officeDocument/2006/math">
+                    <m:r>
+                      <a:rPr lang="en-US" b="0" i="1" smtClean="0">
+                        <a:latin typeface="Cambria Math" panose="02040503050406030204" pitchFamily="18" charset="0"/>
+                      </a:rPr>
+                      <m:t>𝑇</m:t>
+                    </m:r>
+                  </m:oMath>
+                </a14:m>
+                <a:r>
+                  <a:rPr lang="en-US" dirty="0" smtClean="0"/>
+                  <a:t> minimizes both the maximum extra delay and maximum extra buffer space</a:t>
+                </a:r>
+              </a:p>
+              <a:p>
+                <a:pPr lvl="1"/>
+                <a:endParaRPr lang="en-US" dirty="0" smtClean="0"/>
+              </a:p>
+            </p:txBody>
+          </p:sp>
+        </mc:Choice>
+        <mc:Fallback>
+          <p:sp>
+            <p:nvSpPr>
+              <p:cNvPr id="3" name="Content Placeholder 2"/>
+              <p:cNvSpPr>
+                <a:spLocks noGrp="1" noRot="1" noChangeAspect="1" noMove="1" noResize="1" noEditPoints="1" noAdjustHandles="1" noChangeArrowheads="1" noChangeShapeType="1" noTextEdit="1"/>
+              </p:cNvSpPr>
+              <p:nvPr>
+                <p:ph idx="1"/>
+              </p:nvPr>
+            </p:nvSpPr>
+            <p:spPr>
+              <a:xfrm>
+                <a:off x="946404" y="1828801"/>
+                <a:ext cx="6446520" cy="2362199"/>
+              </a:xfrm>
+              <a:blipFill>
+                <a:blip r:embed="rId5"/>
+                <a:stretch>
+                  <a:fillRect/>
+                </a:stretch>
+              </a:blipFill>
+            </p:spPr>
+            <p:txBody>
+              <a:bodyPr/>
+              <a:lstStyle/>
+              <a:p>
+                <a:r>
+                  <a:rPr lang="en-US">
+                    <a:noFill/>
+                  </a:rPr>
+                  <a:t> </a:t>
+                </a:r>
+              </a:p>
+            </p:txBody>
+          </p:sp>
+        </mc:Fallback>
+      </mc:AlternateContent>
     </p:spTree>
     <p:extLst>
       <p:ext uri="{BB962C8B-B14F-4D97-AF65-F5344CB8AC3E}">
-        <p14:creationId xmlns:p14="http://schemas.microsoft.com/office/powerpoint/2010/main" val="3665410854"/>
+        <p14:creationId xmlns:p14="http://schemas.microsoft.com/office/powerpoint/2010/main" val="298565998"/>
       </p:ext>
     </p:extLst>
   </p:cSld>
@@ -11802,7 +12534,7 @@
             </a:r>
             <a:r>
               <a:rPr lang="en-US" dirty="0" smtClean="0"/>
-              <a:t> Delay Analysis</a:t>
+              <a:t> Compositional Analysis</a:t>
             </a:r>
             <a:endParaRPr lang="en-US" dirty="0"/>
           </a:p>
@@ -11935,7 +12667,7 @@
     </p:spTree>
     <p:extLst>
       <p:ext uri="{BB962C8B-B14F-4D97-AF65-F5344CB8AC3E}">
-        <p14:creationId xmlns:p14="http://schemas.microsoft.com/office/powerpoint/2010/main" val="581634497"/>
+        <p14:creationId xmlns:p14="http://schemas.microsoft.com/office/powerpoint/2010/main" val="3665410854"/>
       </p:ext>
     </p:extLst>
   </p:cSld>
@@ -11996,7 +12728,7 @@
             </a:r>
             <a:r>
               <a:rPr lang="en-US" dirty="0" smtClean="0"/>
-              <a:t> Analysis of Statically Routed Networks</a:t>
+              <a:t> Delay Analysis</a:t>
             </a:r>
             <a:endParaRPr lang="en-US" dirty="0"/>
           </a:p>
@@ -12121,6 +12853,200 @@
             <a:fld id="{4FAB73BC-B049-4115-A692-8D63A059BFB8}" type="slidenum">
               <a:rPr lang="en-US" smtClean="0"/>
               <a:t>22</a:t>
+            </a:fld>
+            <a:endParaRPr lang="en-US" dirty="0"/>
+          </a:p>
+        </p:txBody>
+      </p:sp>
+    </p:spTree>
+    <p:extLst>
+      <p:ext uri="{BB962C8B-B14F-4D97-AF65-F5344CB8AC3E}">
+        <p14:creationId xmlns:p14="http://schemas.microsoft.com/office/powerpoint/2010/main" val="581634497"/>
+      </p:ext>
+    </p:extLst>
+  </p:cSld>
+  <p:clrMapOvr>
+    <a:masterClrMapping/>
+  </p:clrMapOvr>
+  <p:timing>
+    <p:tnLst>
+      <p:par>
+        <p:cTn id="1" dur="indefinite" restart="never" nodeType="tmRoot"/>
+      </p:par>
+    </p:tnLst>
+  </p:timing>
+</p:sld>
+</file>
+
+<file path=ppt/slides/slide23.xml><?xml version="1.0" encoding="utf-8"?>
+<p:sld xmlns:a="http://schemas.openxmlformats.org/drawingml/2006/main" xmlns:r="http://schemas.openxmlformats.org/officeDocument/2006/relationships" xmlns:p="http://schemas.openxmlformats.org/presentationml/2006/main">
+  <p:cSld>
+    <p:spTree>
+      <p:nvGrpSpPr>
+        <p:cNvPr id="1" name=""/>
+        <p:cNvGrpSpPr/>
+        <p:nvPr/>
+      </p:nvGrpSpPr>
+      <p:grpSpPr>
+        <a:xfrm>
+          <a:off x="0" y="0"/>
+          <a:ext cx="0" cy="0"/>
+          <a:chOff x="0" y="0"/>
+          <a:chExt cx="0" cy="0"/>
+        </a:xfrm>
+      </p:grpSpPr>
+      <p:sp>
+        <p:nvSpPr>
+          <p:cNvPr id="2" name="Title 1"/>
+          <p:cNvSpPr>
+            <a:spLocks noGrp="1"/>
+          </p:cNvSpPr>
+          <p:nvPr>
+            <p:ph type="title"/>
+          </p:nvPr>
+        </p:nvSpPr>
+        <p:spPr/>
+        <p:txBody>
+          <a:bodyPr>
+            <a:normAutofit/>
+          </a:bodyPr>
+          <a:lstStyle/>
+          <a:p>
+            <a:r>
+              <a:rPr lang="en-US" dirty="0" smtClean="0"/>
+              <a:t>PNP</a:t>
+            </a:r>
+            <a:r>
+              <a:rPr lang="en-US" baseline="30000" dirty="0" smtClean="0"/>
+              <a:t>2</a:t>
+            </a:r>
+            <a:r>
+              <a:rPr lang="en-US" dirty="0" smtClean="0"/>
+              <a:t> Analysis of Statically Routed Networks</a:t>
+            </a:r>
+            <a:endParaRPr lang="en-US" dirty="0"/>
+          </a:p>
+        </p:txBody>
+      </p:sp>
+      <p:sp>
+        <p:nvSpPr>
+          <p:cNvPr id="3" name="Content Placeholder 2"/>
+          <p:cNvSpPr>
+            <a:spLocks noGrp="1"/>
+          </p:cNvSpPr>
+          <p:nvPr>
+            <p:ph idx="1"/>
+          </p:nvPr>
+        </p:nvSpPr>
+        <p:spPr/>
+        <p:txBody>
+          <a:bodyPr>
+            <a:normAutofit lnSpcReduction="10000"/>
+          </a:bodyPr>
+          <a:lstStyle/>
+          <a:p>
+            <a:r>
+              <a:rPr lang="en-US" dirty="0" smtClean="0"/>
+              <a:t>Validated the accuracy of PNP</a:t>
+            </a:r>
+            <a:r>
+              <a:rPr lang="en-US" baseline="30000" dirty="0" smtClean="0"/>
+              <a:t>2</a:t>
+            </a:r>
+            <a:r>
+              <a:rPr lang="en-US" dirty="0" smtClean="0"/>
+              <a:t> predictions using custom network traffic generation code and a network testbed</a:t>
+            </a:r>
+          </a:p>
+          <a:p>
+            <a:pPr lvl="1"/>
+            <a:r>
+              <a:rPr lang="en-US" dirty="0" smtClean="0"/>
+              <a:t>Used </a:t>
+            </a:r>
+            <a:r>
+              <a:rPr lang="en-US" dirty="0" err="1" smtClean="0"/>
+              <a:t>Dummynet</a:t>
+            </a:r>
+            <a:r>
+              <a:rPr lang="en-US" dirty="0" smtClean="0"/>
+              <a:t> to perform traffic shaping and link emulation</a:t>
+            </a:r>
+          </a:p>
+          <a:p>
+            <a:r>
+              <a:rPr lang="en-US" dirty="0" smtClean="0"/>
+              <a:t>Integrated Network Calculus model into PNP</a:t>
+            </a:r>
+            <a:r>
+              <a:rPr lang="en-US" baseline="30000" dirty="0" smtClean="0"/>
+              <a:t>2</a:t>
+            </a:r>
+            <a:r>
+              <a:rPr lang="en-US" dirty="0" smtClean="0"/>
+              <a:t> tool, allows analysis of PNP</a:t>
+            </a:r>
+            <a:r>
+              <a:rPr lang="en-US" baseline="30000" dirty="0" smtClean="0"/>
+              <a:t>2</a:t>
+            </a:r>
+            <a:r>
+              <a:rPr lang="en-US" dirty="0" smtClean="0"/>
+              <a:t> model using NC’s semantics</a:t>
+            </a:r>
+          </a:p>
+          <a:p>
+            <a:pPr lvl="1"/>
+            <a:r>
+              <a:rPr lang="en-US" dirty="0" smtClean="0"/>
+              <a:t>Enables direct, easy comparison between analysis techniques</a:t>
+            </a:r>
+          </a:p>
+          <a:p>
+            <a:r>
+              <a:rPr lang="en-US" dirty="0" smtClean="0"/>
+              <a:t>Network Calculus defines arrival curves and service curves as functions of time-window size, therefore it cannot precisely analyze systems where the applications’ data production is tightly coupled with the service capacity of the system</a:t>
+            </a:r>
+          </a:p>
+          <a:p>
+            <a:pPr lvl="1"/>
+            <a:r>
+              <a:rPr lang="en-US" dirty="0" smtClean="0"/>
+              <a:t>i.e. applications know a </a:t>
+            </a:r>
+            <a:r>
+              <a:rPr lang="en-US" dirty="0" err="1" smtClean="0"/>
+              <a:t>prioi</a:t>
+            </a:r>
+            <a:r>
+              <a:rPr lang="en-US" dirty="0" smtClean="0"/>
+              <a:t> when the system will have high network capacity and are designed to send their data at that time</a:t>
+            </a:r>
+          </a:p>
+          <a:p>
+            <a:pPr lvl="1"/>
+            <a:endParaRPr lang="en-US" b="1" dirty="0" smtClean="0"/>
+          </a:p>
+        </p:txBody>
+      </p:sp>
+      <p:sp>
+        <p:nvSpPr>
+          <p:cNvPr id="4" name="Slide Number Placeholder 3"/>
+          <p:cNvSpPr>
+            <a:spLocks noGrp="1"/>
+          </p:cNvSpPr>
+          <p:nvPr>
+            <p:ph type="sldNum" sz="quarter" idx="12"/>
+          </p:nvPr>
+        </p:nvSpPr>
+        <p:spPr/>
+        <p:txBody>
+          <a:bodyPr/>
+          <a:lstStyle/>
+          <a:p>
+            <a:fld id="{4FAB73BC-B049-4115-A692-8D63A059BFB8}" type="slidenum">
+              <a:rPr lang="en-US" smtClean="0"/>
+              <a:t>23</a:t>
             </a:fld>
             <a:endParaRPr lang="en-US" dirty="0"/>
           </a:p>
@@ -12146,7 +13072,7 @@
 </p:sld>
 </file>
 
-<file path=ppt/slides/slide23.xml><?xml version="1.0" encoding="utf-8"?>
+<file path=ppt/slides/slide24.xml><?xml version="1.0" encoding="utf-8"?>
 <p:sld xmlns:a="http://schemas.openxmlformats.org/drawingml/2006/main" xmlns:r="http://schemas.openxmlformats.org/officeDocument/2006/relationships" xmlns:p="http://schemas.openxmlformats.org/presentationml/2006/main">
   <p:cSld>
     <p:spTree>
@@ -12447,7 +13373,7 @@
           <a:p>
             <a:fld id="{4FAB73BC-B049-4115-A692-8D63A059BFB8}" type="slidenum">
               <a:rPr lang="en-US" smtClean="0"/>
-              <a:t>23</a:t>
+              <a:t>24</a:t>
             </a:fld>
             <a:endParaRPr lang="en-US" dirty="0"/>
           </a:p>
@@ -12457,166 +13383,6 @@
     <p:extLst>
       <p:ext uri="{BB962C8B-B14F-4D97-AF65-F5344CB8AC3E}">
         <p14:creationId xmlns:p14="http://schemas.microsoft.com/office/powerpoint/2010/main" val="2712061143"/>
-      </p:ext>
-    </p:extLst>
-  </p:cSld>
-  <p:clrMapOvr>
-    <a:masterClrMapping/>
-  </p:clrMapOvr>
-  <p:timing>
-    <p:tnLst>
-      <p:par>
-        <p:cTn id="1" dur="indefinite" restart="never" nodeType="tmRoot"/>
-      </p:par>
-    </p:tnLst>
-  </p:timing>
-</p:sld>
-</file>
-
-<file path=ppt/slides/slide24.xml><?xml version="1.0" encoding="utf-8"?>
-<p:sld xmlns:a="http://schemas.openxmlformats.org/drawingml/2006/main" xmlns:r="http://schemas.openxmlformats.org/officeDocument/2006/relationships" xmlns:p="http://schemas.openxmlformats.org/presentationml/2006/main">
-  <p:cSld>
-    <p:spTree>
-      <p:nvGrpSpPr>
-        <p:cNvPr id="1" name=""/>
-        <p:cNvGrpSpPr/>
-        <p:nvPr/>
-      </p:nvGrpSpPr>
-      <p:grpSpPr>
-        <a:xfrm>
-          <a:off x="0" y="0"/>
-          <a:ext cx="0" cy="0"/>
-          <a:chOff x="0" y="0"/>
-          <a:chExt cx="0" cy="0"/>
-        </a:xfrm>
-      </p:grpSpPr>
-      <p:sp>
-        <p:nvSpPr>
-          <p:cNvPr id="2" name="Title 1"/>
-          <p:cNvSpPr>
-            <a:spLocks noGrp="1"/>
-          </p:cNvSpPr>
-          <p:nvPr>
-            <p:ph type="title"/>
-          </p:nvPr>
-        </p:nvSpPr>
-        <p:spPr/>
-        <p:txBody>
-          <a:bodyPr>
-            <a:normAutofit/>
-          </a:bodyPr>
-          <a:lstStyle/>
-          <a:p>
-            <a:r>
-              <a:rPr lang="en-US" dirty="0" smtClean="0"/>
-              <a:t>Comparison of </a:t>
-            </a:r>
-            <a:r>
-              <a:rPr lang="en-US" dirty="0"/>
-              <a:t>PNP</a:t>
-            </a:r>
-            <a:r>
-              <a:rPr lang="en-US" baseline="30000" dirty="0"/>
-              <a:t>2</a:t>
-            </a:r>
-            <a:r>
-              <a:rPr lang="en-US" dirty="0" smtClean="0"/>
-              <a:t> </a:t>
-            </a:r>
-            <a:r>
-              <a:rPr lang="en-US" dirty="0" smtClean="0"/>
-              <a:t>with RTC Toolbox</a:t>
-            </a:r>
-            <a:endParaRPr lang="en-US" dirty="0"/>
-          </a:p>
-        </p:txBody>
-      </p:sp>
-      <p:sp>
-        <p:nvSpPr>
-          <p:cNvPr id="3" name="Content Placeholder 2"/>
-          <p:cNvSpPr>
-            <a:spLocks noGrp="1"/>
-          </p:cNvSpPr>
-          <p:nvPr>
-            <p:ph idx="1"/>
-          </p:nvPr>
-        </p:nvSpPr>
-        <p:spPr/>
-        <p:txBody>
-          <a:bodyPr>
-            <a:normAutofit fontScale="92500" lnSpcReduction="10000"/>
-          </a:bodyPr>
-          <a:lstStyle/>
-          <a:p>
-            <a:r>
-              <a:rPr lang="en-US" dirty="0" smtClean="0"/>
-              <a:t>We will develop test system and application models using our analysis techniques for which we can determine the predicted network resource requirements.</a:t>
-            </a:r>
-          </a:p>
-          <a:p>
-            <a:r>
-              <a:rPr lang="en-US" dirty="0" smtClean="0"/>
-              <a:t>We will develop those same test system and application models in RTC, using RTC Toolbox for MATLAB, for which we can determine comparison predicted network resource requirements.</a:t>
-            </a:r>
-          </a:p>
-          <a:p>
-            <a:r>
-              <a:rPr lang="en-US" dirty="0" smtClean="0"/>
-              <a:t>We will use our </a:t>
-            </a:r>
-            <a:r>
-              <a:rPr lang="en-US" dirty="0" err="1" smtClean="0"/>
-              <a:t>testbed</a:t>
-            </a:r>
-            <a:r>
-              <a:rPr lang="en-US" dirty="0" smtClean="0"/>
-              <a:t> to enforce the system profile and run application code which follows the network profile.  Measurement code on the </a:t>
-            </a:r>
-            <a:r>
-              <a:rPr lang="en-US" dirty="0" err="1" smtClean="0"/>
-              <a:t>testbed</a:t>
-            </a:r>
-            <a:r>
-              <a:rPr lang="en-US" dirty="0" smtClean="0"/>
-              <a:t> and in the application will allow us to determine the application's network buffer utilization and buffering delay.</a:t>
-            </a:r>
-          </a:p>
-          <a:p>
-            <a:r>
-              <a:rPr lang="en-US" dirty="0" smtClean="0"/>
-              <a:t>We will compare the predicted results for the test system and application combinations to see what, if any, difference exists between the techniques.</a:t>
-            </a:r>
-            <a:endParaRPr lang="en-US" dirty="0"/>
-          </a:p>
-        </p:txBody>
-      </p:sp>
-      <p:sp>
-        <p:nvSpPr>
-          <p:cNvPr id="4" name="Slide Number Placeholder 3"/>
-          <p:cNvSpPr>
-            <a:spLocks noGrp="1"/>
-          </p:cNvSpPr>
-          <p:nvPr>
-            <p:ph type="sldNum" sz="quarter" idx="12"/>
-          </p:nvPr>
-        </p:nvSpPr>
-        <p:spPr/>
-        <p:txBody>
-          <a:bodyPr/>
-          <a:lstStyle/>
-          <a:p>
-            <a:fld id="{4FAB73BC-B049-4115-A692-8D63A059BFB8}" type="slidenum">
-              <a:rPr lang="en-US" smtClean="0"/>
-              <a:t>24</a:t>
-            </a:fld>
-            <a:endParaRPr lang="en-US" dirty="0"/>
-          </a:p>
-        </p:txBody>
-      </p:sp>
-    </p:spTree>
-    <p:extLst>
-      <p:ext uri="{BB962C8B-B14F-4D97-AF65-F5344CB8AC3E}">
-        <p14:creationId xmlns:p14="http://schemas.microsoft.com/office/powerpoint/2010/main" val="1414555949"/>
       </p:ext>
     </p:extLst>
   </p:cSld>

--- a/thesis/Defense.pptx
+++ b/thesis/Defense.pptx
@@ -5,10 +5,10 @@
     <p:sldMasterId id="2147483768" r:id="rId1"/>
   </p:sldMasterIdLst>
   <p:notesMasterIdLst>
-    <p:notesMasterId r:id="rId36"/>
+    <p:notesMasterId r:id="rId37"/>
   </p:notesMasterIdLst>
   <p:handoutMasterIdLst>
-    <p:handoutMasterId r:id="rId37"/>
+    <p:handoutMasterId r:id="rId38"/>
   </p:handoutMasterIdLst>
   <p:sldIdLst>
     <p:sldId id="256" r:id="rId2"/>
@@ -31,20 +31,21 @@
     <p:sldId id="365" r:id="rId19"/>
     <p:sldId id="366" r:id="rId20"/>
     <p:sldId id="370" r:id="rId21"/>
-    <p:sldId id="367" r:id="rId22"/>
-    <p:sldId id="368" r:id="rId23"/>
-    <p:sldId id="369" r:id="rId24"/>
-    <p:sldId id="356" r:id="rId25"/>
-    <p:sldId id="352" r:id="rId26"/>
-    <p:sldId id="357" r:id="rId27"/>
-    <p:sldId id="358" r:id="rId28"/>
-    <p:sldId id="353" r:id="rId29"/>
-    <p:sldId id="354" r:id="rId30"/>
-    <p:sldId id="326" r:id="rId31"/>
-    <p:sldId id="329" r:id="rId32"/>
-    <p:sldId id="340" r:id="rId33"/>
-    <p:sldId id="355" r:id="rId34"/>
-    <p:sldId id="335" r:id="rId35"/>
+    <p:sldId id="371" r:id="rId22"/>
+    <p:sldId id="367" r:id="rId23"/>
+    <p:sldId id="368" r:id="rId24"/>
+    <p:sldId id="369" r:id="rId25"/>
+    <p:sldId id="356" r:id="rId26"/>
+    <p:sldId id="352" r:id="rId27"/>
+    <p:sldId id="357" r:id="rId28"/>
+    <p:sldId id="358" r:id="rId29"/>
+    <p:sldId id="353" r:id="rId30"/>
+    <p:sldId id="354" r:id="rId31"/>
+    <p:sldId id="326" r:id="rId32"/>
+    <p:sldId id="329" r:id="rId33"/>
+    <p:sldId id="340" r:id="rId34"/>
+    <p:sldId id="355" r:id="rId35"/>
+    <p:sldId id="335" r:id="rId36"/>
   </p:sldIdLst>
   <p:sldSz cx="9144000" cy="6858000" type="screen4x3"/>
   <p:notesSz cx="9296400" cy="7010400"/>
@@ -966,8 +967,12 @@
           <a:lstStyle/>
           <a:p>
             <a:r>
+              <a:rPr lang="en-US" dirty="0" smtClean="0"/>
+              <a:t>Mention how this priority</a:t>
+            </a:r>
+            <a:r>
               <a:rPr lang="en-US" baseline="0" dirty="0" smtClean="0"/>
-              <a:t>Don’t get into depth about CPN or anything</a:t>
+              <a:t> relation can be implemented in real networks using DSCP or TC</a:t>
             </a:r>
             <a:endParaRPr lang="en-US" dirty="0"/>
           </a:p>
@@ -991,7 +996,7 @@
             <a:fld id="{BF235529-9E21-485D-85D0-B510246CE809}" type="slidenum">
               <a:rPr lang="en-US" smtClean="0"/>
               <a:pPr/>
-              <a:t>25</a:t>
+              <a:t>22</a:t>
             </a:fld>
             <a:endParaRPr lang="en-US"/>
           </a:p>
@@ -1000,7 +1005,7 @@
     </p:spTree>
     <p:extLst>
       <p:ext uri="{BB962C8B-B14F-4D97-AF65-F5344CB8AC3E}">
-        <p14:creationId xmlns:p14="http://schemas.microsoft.com/office/powerpoint/2010/main" val="1242748954"/>
+        <p14:creationId xmlns:p14="http://schemas.microsoft.com/office/powerpoint/2010/main" val="3963887553"/>
       </p:ext>
     </p:extLst>
   </p:cSld>
@@ -1055,26 +1060,8 @@
           <a:lstStyle/>
           <a:p>
             <a:r>
-              <a:rPr lang="en-US" dirty="0" smtClean="0"/>
-              <a:t>2 component-based applications (shades of blue) split across 4 nodes in a cluster </a:t>
-            </a:r>
-          </a:p>
-          <a:p>
-            <a:endParaRPr lang="en-US" dirty="0" smtClean="0"/>
-          </a:p>
-          <a:p>
-            <a:r>
-              <a:rPr lang="en-US" dirty="0" smtClean="0"/>
-              <a:t>Apps communicate with each other</a:t>
-            </a:r>
-          </a:p>
-          <a:p>
-            <a:endParaRPr lang="en-US" dirty="0" smtClean="0"/>
-          </a:p>
-          <a:p>
-            <a:r>
-              <a:rPr lang="en-US" dirty="0" smtClean="0"/>
-              <a:t>All port traffic flows on the network</a:t>
+              <a:rPr lang="en-US" baseline="0" dirty="0" smtClean="0"/>
+              <a:t>Don’t get into depth about CPN or anything</a:t>
             </a:r>
             <a:endParaRPr lang="en-US" dirty="0"/>
           </a:p>
@@ -1107,7 +1094,7 @@
     </p:spTree>
     <p:extLst>
       <p:ext uri="{BB962C8B-B14F-4D97-AF65-F5344CB8AC3E}">
-        <p14:creationId xmlns:p14="http://schemas.microsoft.com/office/powerpoint/2010/main" val="101021381"/>
+        <p14:creationId xmlns:p14="http://schemas.microsoft.com/office/powerpoint/2010/main" val="1242748954"/>
       </p:ext>
     </p:extLst>
   </p:cSld>
@@ -1162,8 +1149,26 @@
           <a:lstStyle/>
           <a:p>
             <a:r>
-              <a:rPr lang="en-US" baseline="0" dirty="0" smtClean="0"/>
-              <a:t>Don’t get into depth about CPN or anything</a:t>
+              <a:rPr lang="en-US" dirty="0" smtClean="0"/>
+              <a:t>2 component-based applications (shades of blue) split across 4 nodes in a cluster </a:t>
+            </a:r>
+          </a:p>
+          <a:p>
+            <a:endParaRPr lang="en-US" dirty="0" smtClean="0"/>
+          </a:p>
+          <a:p>
+            <a:r>
+              <a:rPr lang="en-US" dirty="0" smtClean="0"/>
+              <a:t>Apps communicate with each other</a:t>
+            </a:r>
+          </a:p>
+          <a:p>
+            <a:endParaRPr lang="en-US" dirty="0" smtClean="0"/>
+          </a:p>
+          <a:p>
+            <a:r>
+              <a:rPr lang="en-US" dirty="0" smtClean="0"/>
+              <a:t>All port traffic flows on the network</a:t>
             </a:r>
             <a:endParaRPr lang="en-US" dirty="0"/>
           </a:p>
@@ -1250,6 +1255,10 @@
           <a:bodyPr/>
           <a:lstStyle/>
           <a:p>
+            <a:r>
+              <a:rPr lang="en-US" baseline="0" dirty="0" smtClean="0"/>
+              <a:t>Don’t get into depth about CPN or anything</a:t>
+            </a:r>
             <a:endParaRPr lang="en-US" dirty="0"/>
           </a:p>
         </p:txBody>
@@ -1281,7 +1290,7 @@
     </p:spTree>
     <p:extLst>
       <p:ext uri="{BB962C8B-B14F-4D97-AF65-F5344CB8AC3E}">
-        <p14:creationId xmlns:p14="http://schemas.microsoft.com/office/powerpoint/2010/main" val="3297586425"/>
+        <p14:creationId xmlns:p14="http://schemas.microsoft.com/office/powerpoint/2010/main" val="101021381"/>
       </p:ext>
     </p:extLst>
   </p:cSld>
@@ -1335,31 +1344,6 @@
           <a:bodyPr/>
           <a:lstStyle/>
           <a:p>
-            <a:r>
-              <a:rPr lang="en-US" dirty="0" smtClean="0"/>
-              <a:t>Since/if we know expected behavior, we can detect deviations from</a:t>
-            </a:r>
-            <a:r>
-              <a:rPr lang="en-US" baseline="0" dirty="0" smtClean="0"/>
-              <a:t> expected behavior;</a:t>
-            </a:r>
-          </a:p>
-          <a:p>
-            <a:endParaRPr lang="en-US" baseline="0" dirty="0" smtClean="0"/>
-          </a:p>
-          <a:p>
-            <a:r>
-              <a:rPr lang="en-US" baseline="0" dirty="0" smtClean="0"/>
-              <a:t>This is a </a:t>
-            </a:r>
-            <a:r>
-              <a:rPr lang="en-US" b="1" baseline="0" dirty="0" smtClean="0"/>
-              <a:t>managed</a:t>
-            </a:r>
-            <a:r>
-              <a:rPr lang="en-US" b="0" baseline="0" dirty="0" smtClean="0"/>
-              <a:t> system, we have full control over the layers in every node, but not over the applications</a:t>
-            </a:r>
             <a:endParaRPr lang="en-US" dirty="0"/>
           </a:p>
         </p:txBody>
@@ -1382,7 +1366,117 @@
             <a:fld id="{BF235529-9E21-485D-85D0-B510246CE809}" type="slidenum">
               <a:rPr lang="en-US" smtClean="0"/>
               <a:pPr/>
-              <a:t>30</a:t>
+              <a:t>29</a:t>
+            </a:fld>
+            <a:endParaRPr lang="en-US"/>
+          </a:p>
+        </p:txBody>
+      </p:sp>
+    </p:spTree>
+    <p:extLst>
+      <p:ext uri="{BB962C8B-B14F-4D97-AF65-F5344CB8AC3E}">
+        <p14:creationId xmlns:p14="http://schemas.microsoft.com/office/powerpoint/2010/main" val="3297586425"/>
+      </p:ext>
+    </p:extLst>
+  </p:cSld>
+  <p:clrMapOvr>
+    <a:masterClrMapping/>
+  </p:clrMapOvr>
+</p:notes>
+</file>
+
+<file path=ppt/notesSlides/notesSlide16.xml><?xml version="1.0" encoding="utf-8"?>
+<p:notes xmlns:a="http://schemas.openxmlformats.org/drawingml/2006/main" xmlns:r="http://schemas.openxmlformats.org/officeDocument/2006/relationships" xmlns:p="http://schemas.openxmlformats.org/presentationml/2006/main">
+  <p:cSld>
+    <p:spTree>
+      <p:nvGrpSpPr>
+        <p:cNvPr id="1" name=""/>
+        <p:cNvGrpSpPr/>
+        <p:nvPr/>
+      </p:nvGrpSpPr>
+      <p:grpSpPr>
+        <a:xfrm>
+          <a:off x="0" y="0"/>
+          <a:ext cx="0" cy="0"/>
+          <a:chOff x="0" y="0"/>
+          <a:chExt cx="0" cy="0"/>
+        </a:xfrm>
+      </p:grpSpPr>
+      <p:sp>
+        <p:nvSpPr>
+          <p:cNvPr id="2" name="Slide Image Placeholder 1"/>
+          <p:cNvSpPr>
+            <a:spLocks noGrp="1" noRot="1" noChangeAspect="1"/>
+          </p:cNvSpPr>
+          <p:nvPr>
+            <p:ph type="sldImg"/>
+          </p:nvPr>
+        </p:nvSpPr>
+        <p:spPr/>
+      </p:sp>
+      <p:sp>
+        <p:nvSpPr>
+          <p:cNvPr id="3" name="Notes Placeholder 2"/>
+          <p:cNvSpPr>
+            <a:spLocks noGrp="1"/>
+          </p:cNvSpPr>
+          <p:nvPr>
+            <p:ph type="body" idx="1"/>
+          </p:nvPr>
+        </p:nvSpPr>
+        <p:spPr/>
+        <p:txBody>
+          <a:bodyPr/>
+          <a:lstStyle/>
+          <a:p>
+            <a:r>
+              <a:rPr lang="en-US" dirty="0" smtClean="0"/>
+              <a:t>Since/if we know expected behavior, we can detect deviations from</a:t>
+            </a:r>
+            <a:r>
+              <a:rPr lang="en-US" baseline="0" dirty="0" smtClean="0"/>
+              <a:t> expected behavior;</a:t>
+            </a:r>
+          </a:p>
+          <a:p>
+            <a:endParaRPr lang="en-US" baseline="0" dirty="0" smtClean="0"/>
+          </a:p>
+          <a:p>
+            <a:r>
+              <a:rPr lang="en-US" baseline="0" dirty="0" smtClean="0"/>
+              <a:t>This is a </a:t>
+            </a:r>
+            <a:r>
+              <a:rPr lang="en-US" b="1" baseline="0" dirty="0" smtClean="0"/>
+              <a:t>managed</a:t>
+            </a:r>
+            <a:r>
+              <a:rPr lang="en-US" b="0" baseline="0" dirty="0" smtClean="0"/>
+              <a:t> system, we have full control over the layers in every node, but not over the applications</a:t>
+            </a:r>
+            <a:endParaRPr lang="en-US" dirty="0"/>
+          </a:p>
+        </p:txBody>
+      </p:sp>
+      <p:sp>
+        <p:nvSpPr>
+          <p:cNvPr id="4" name="Slide Number Placeholder 3"/>
+          <p:cNvSpPr>
+            <a:spLocks noGrp="1"/>
+          </p:cNvSpPr>
+          <p:nvPr>
+            <p:ph type="sldNum" sz="quarter" idx="10"/>
+          </p:nvPr>
+        </p:nvSpPr>
+        <p:spPr/>
+        <p:txBody>
+          <a:bodyPr/>
+          <a:lstStyle/>
+          <a:p>
+            <a:fld id="{BF235529-9E21-485D-85D0-B510246CE809}" type="slidenum">
+              <a:rPr lang="en-US" smtClean="0"/>
+              <a:pPr/>
+              <a:t>31</a:t>
             </a:fld>
             <a:endParaRPr lang="en-US"/>
           </a:p>
@@ -2567,6 +2661,15 @@
             <a:r>
               <a:rPr lang="en-US" baseline="0" dirty="0" smtClean="0"/>
               <a:t>, i.e. why they are different and what that means</a:t>
+            </a:r>
+          </a:p>
+          <a:p>
+            <a:endParaRPr lang="en-US" baseline="0" dirty="0" smtClean="0"/>
+          </a:p>
+          <a:p>
+            <a:r>
+              <a:rPr lang="en-US" baseline="0" dirty="0" smtClean="0"/>
+              <a:t>Time of delay can’t be calculated for NC because it loses the connection between data and time</a:t>
             </a:r>
             <a:endParaRPr lang="en-US" dirty="0"/>
           </a:p>
@@ -8122,7 +8225,7 @@
           <a:p>
             <a:r>
               <a:rPr lang="en-US" dirty="0" smtClean="0"/>
-              <a:t>We wish to analyze the behavior of the system, specifically by looking at the outputs in the system</a:t>
+              <a:t>We wish to analyze the behavior of the system, specifically by looking at the system’s outputs</a:t>
             </a:r>
           </a:p>
           <a:p>
@@ -8935,7 +9038,7 @@
                 </a:r>
                 <a:r>
                   <a:rPr lang="en-US" dirty="0" smtClean="0"/>
-                  <a:t>e a </a:t>
+                  <a:t>e </a:t>
                 </a:r>
                 <a14:m>
                   <m:oMath xmlns:m="http://schemas.openxmlformats.org/officeDocument/2006/math">
@@ -11228,7 +11331,7 @@
                 <a:pPr lvl="1"/>
                 <a:r>
                   <a:rPr lang="en-US" dirty="0" smtClean="0"/>
-                  <a:t>The MAC layer protocol can affect the performance of the application adversely and so must be taken into account when analyzing the system</a:t>
+                  <a:t>MAC layer protocols can affect the performance of the application adversely and so must be taken into account when analyzing the system</a:t>
                 </a:r>
               </a:p>
               <a:p>
@@ -11883,7 +11986,7 @@
         </p:blipFill>
         <p:spPr>
           <a:xfrm>
-            <a:off x="152400" y="4038600"/>
+            <a:off x="90426" y="3983731"/>
             <a:ext cx="3810000" cy="2871576"/>
           </a:xfrm>
           <a:prstGeom prst="rect">
@@ -11913,7 +12016,7 @@
         </p:blipFill>
         <p:spPr>
           <a:xfrm>
-            <a:off x="4557774" y="4038600"/>
+            <a:off x="4495800" y="3983731"/>
             <a:ext cx="3813573" cy="2874269"/>
           </a:xfrm>
           <a:prstGeom prst="rect">
@@ -12553,91 +12656,44 @@
         <p:spPr/>
         <p:txBody>
           <a:bodyPr>
-            <a:normAutofit lnSpcReduction="10000"/>
+            <a:normAutofit/>
           </a:bodyPr>
           <a:lstStyle/>
           <a:p>
             <a:r>
               <a:rPr lang="en-US" dirty="0" smtClean="0"/>
-              <a:t>Validated the accuracy of PNP</a:t>
-            </a:r>
-            <a:r>
-              <a:rPr lang="en-US" baseline="30000" dirty="0" smtClean="0"/>
-              <a:t>2</a:t>
-            </a:r>
-            <a:r>
-              <a:rPr lang="en-US" dirty="0" smtClean="0"/>
-              <a:t> predictions using custom network traffic generation code and a network testbed</a:t>
-            </a:r>
-          </a:p>
-          <a:p>
-            <a:pPr lvl="1"/>
-            <a:r>
-              <a:rPr lang="en-US" dirty="0" smtClean="0"/>
-              <a:t>Used </a:t>
-            </a:r>
-            <a:r>
-              <a:rPr lang="en-US" dirty="0" err="1" smtClean="0"/>
-              <a:t>Dummynet</a:t>
-            </a:r>
-            <a:r>
-              <a:rPr lang="en-US" dirty="0" smtClean="0"/>
-              <a:t> to perform traffic shaping and link emulation</a:t>
-            </a:r>
-          </a:p>
-          <a:p>
-            <a:r>
-              <a:rPr lang="en-US" dirty="0" smtClean="0"/>
-              <a:t>Integrated Network Calculus model into PNP</a:t>
-            </a:r>
-            <a:r>
-              <a:rPr lang="en-US" baseline="30000" dirty="0" smtClean="0"/>
-              <a:t>2</a:t>
-            </a:r>
-            <a:r>
-              <a:rPr lang="en-US" dirty="0" smtClean="0"/>
-              <a:t> tool, allows analysis of PNP</a:t>
-            </a:r>
-            <a:r>
-              <a:rPr lang="en-US" baseline="30000" dirty="0" smtClean="0"/>
-              <a:t>2</a:t>
-            </a:r>
-            <a:r>
-              <a:rPr lang="en-US" dirty="0" smtClean="0"/>
-              <a:t> model using NC’s semantics</a:t>
-            </a:r>
-          </a:p>
-          <a:p>
-            <a:pPr lvl="1"/>
-            <a:r>
-              <a:rPr lang="en-US" dirty="0" smtClean="0"/>
-              <a:t>Enables direct, easy comparison between analysis techniques</a:t>
-            </a:r>
-          </a:p>
-          <a:p>
-            <a:r>
-              <a:rPr lang="en-US" dirty="0" smtClean="0"/>
-              <a:t>Network Calculus defines arrival curves and service curves as functions of time-window size, therefore it cannot precisely analyze systems where the applications’ data production is tightly coupled with the service capacity of the system</a:t>
-            </a:r>
-          </a:p>
-          <a:p>
-            <a:pPr lvl="1"/>
-            <a:r>
-              <a:rPr lang="en-US" dirty="0" smtClean="0"/>
-              <a:t>i.e. applications know a </a:t>
-            </a:r>
-            <a:r>
-              <a:rPr lang="en-US" dirty="0" err="1" smtClean="0"/>
-              <a:t>prioi</a:t>
-            </a:r>
-            <a:r>
-              <a:rPr lang="en-US" dirty="0" smtClean="0"/>
-              <a:t> when the system will have high network capacity and are designed to send their data at that time</a:t>
-            </a:r>
-          </a:p>
-          <a:p>
-            <a:pPr lvl="1"/>
-            <a:endParaRPr lang="en-US" b="1" dirty="0" smtClean="0"/>
+              <a:t>Goal: allow applications to be analyzed separately, derive performance prediction </a:t>
+            </a:r>
+            <a:r>
+              <a:rPr lang="en-US" dirty="0" smtClean="0"/>
+              <a:t>for each application</a:t>
+            </a:r>
+          </a:p>
+          <a:p>
+            <a:r>
+              <a:rPr lang="en-US" b="1" dirty="0" smtClean="0"/>
+              <a:t>Compositionality</a:t>
+            </a:r>
+            <a:r>
+              <a:rPr lang="en-US" dirty="0" smtClean="0"/>
+              <a:t>: when a system’s properties can be derived from the properties of its components and how they are interconnected</a:t>
+            </a:r>
+          </a:p>
+          <a:p>
+            <a:r>
+              <a:rPr lang="en-US" b="1" dirty="0" smtClean="0"/>
+              <a:t>Composability</a:t>
+            </a:r>
+            <a:r>
+              <a:rPr lang="en-US" dirty="0" smtClean="0"/>
+              <a:t>: when components’ properties do not change when it is composed with other components</a:t>
+            </a:r>
+          </a:p>
+          <a:p>
+            <a:r>
+              <a:rPr lang="en-US" dirty="0" smtClean="0"/>
+              <a:t>Must define the way applications’ profiles share their node’s resources and formalize mathematically the sharing of the resources</a:t>
+            </a:r>
           </a:p>
         </p:txBody>
       </p:sp>
@@ -12667,7 +12723,7 @@
     </p:spTree>
     <p:extLst>
       <p:ext uri="{BB962C8B-B14F-4D97-AF65-F5344CB8AC3E}">
-        <p14:creationId xmlns:p14="http://schemas.microsoft.com/office/powerpoint/2010/main" val="3665410854"/>
+        <p14:creationId xmlns:p14="http://schemas.microsoft.com/office/powerpoint/2010/main" val="1319537071"/>
       </p:ext>
     </p:extLst>
   </p:cSld>
@@ -12728,113 +12784,862 @@
             </a:r>
             <a:r>
               <a:rPr lang="en-US" dirty="0" smtClean="0"/>
-              <a:t> Delay Analysis</a:t>
+              <a:t> Compositional Analysis</a:t>
             </a:r>
             <a:endParaRPr lang="en-US" dirty="0"/>
           </a:p>
         </p:txBody>
       </p:sp>
-      <p:sp>
-        <p:nvSpPr>
-          <p:cNvPr id="3" name="Content Placeholder 2"/>
-          <p:cNvSpPr>
-            <a:spLocks noGrp="1"/>
-          </p:cNvSpPr>
-          <p:nvPr>
-            <p:ph idx="1"/>
-          </p:nvPr>
-        </p:nvSpPr>
-        <p:spPr/>
-        <p:txBody>
-          <a:bodyPr>
-            <a:normAutofit lnSpcReduction="10000"/>
-          </a:bodyPr>
-          <a:lstStyle/>
-          <a:p>
-            <a:r>
-              <a:rPr lang="en-US" dirty="0" smtClean="0"/>
-              <a:t>Validated the accuracy of PNP</a:t>
-            </a:r>
-            <a:r>
-              <a:rPr lang="en-US" baseline="30000" dirty="0" smtClean="0"/>
-              <a:t>2</a:t>
-            </a:r>
-            <a:r>
-              <a:rPr lang="en-US" dirty="0" smtClean="0"/>
-              <a:t> predictions using custom network traffic generation code and a network testbed</a:t>
-            </a:r>
-          </a:p>
-          <a:p>
-            <a:pPr lvl="1"/>
-            <a:r>
-              <a:rPr lang="en-US" dirty="0" smtClean="0"/>
-              <a:t>Used </a:t>
-            </a:r>
-            <a:r>
-              <a:rPr lang="en-US" dirty="0" err="1" smtClean="0"/>
-              <a:t>Dummynet</a:t>
-            </a:r>
-            <a:r>
-              <a:rPr lang="en-US" dirty="0" smtClean="0"/>
-              <a:t> to perform traffic shaping and link emulation</a:t>
-            </a:r>
-          </a:p>
-          <a:p>
-            <a:r>
-              <a:rPr lang="en-US" dirty="0" smtClean="0"/>
-              <a:t>Integrated Network Calculus model into PNP</a:t>
-            </a:r>
-            <a:r>
-              <a:rPr lang="en-US" baseline="30000" dirty="0" smtClean="0"/>
-              <a:t>2</a:t>
-            </a:r>
-            <a:r>
-              <a:rPr lang="en-US" dirty="0" smtClean="0"/>
-              <a:t> tool, allows analysis of PNP</a:t>
-            </a:r>
-            <a:r>
-              <a:rPr lang="en-US" baseline="30000" dirty="0" smtClean="0"/>
-              <a:t>2</a:t>
-            </a:r>
-            <a:r>
-              <a:rPr lang="en-US" dirty="0" smtClean="0"/>
-              <a:t> model using NC’s semantics</a:t>
-            </a:r>
-          </a:p>
-          <a:p>
-            <a:pPr lvl="1"/>
-            <a:r>
-              <a:rPr lang="en-US" dirty="0" smtClean="0"/>
-              <a:t>Enables direct, easy comparison between analysis techniques</a:t>
-            </a:r>
-          </a:p>
-          <a:p>
-            <a:r>
-              <a:rPr lang="en-US" dirty="0" smtClean="0"/>
-              <a:t>Network Calculus defines arrival curves and service curves as functions of time-window size, therefore it cannot precisely analyze systems where the applications’ data production is tightly coupled with the service capacity of the system</a:t>
-            </a:r>
-          </a:p>
-          <a:p>
-            <a:pPr lvl="1"/>
-            <a:r>
-              <a:rPr lang="en-US" dirty="0" smtClean="0"/>
-              <a:t>i.e. applications know a </a:t>
-            </a:r>
-            <a:r>
-              <a:rPr lang="en-US" dirty="0" err="1" smtClean="0"/>
-              <a:t>prioi</a:t>
-            </a:r>
-            <a:r>
-              <a:rPr lang="en-US" dirty="0" smtClean="0"/>
-              <a:t> when the system will have high network capacity and are designed to send their data at that time</a:t>
-            </a:r>
-          </a:p>
-          <a:p>
-            <a:pPr lvl="1"/>
-            <a:endParaRPr lang="en-US" b="1" dirty="0" smtClean="0"/>
-          </a:p>
-        </p:txBody>
-      </p:sp>
+      <mc:AlternateContent xmlns:mc="http://schemas.openxmlformats.org/markup-compatibility/2006">
+        <mc:Choice xmlns:a14="http://schemas.microsoft.com/office/drawing/2010/main" Requires="a14">
+          <p:sp>
+            <p:nvSpPr>
+              <p:cNvPr id="3" name="Content Placeholder 2"/>
+              <p:cNvSpPr>
+                <a:spLocks noGrp="1"/>
+              </p:cNvSpPr>
+              <p:nvPr>
+                <p:ph idx="1"/>
+              </p:nvPr>
+            </p:nvSpPr>
+            <p:spPr/>
+            <p:txBody>
+              <a:bodyPr>
+                <a:normAutofit fontScale="92500" lnSpcReduction="10000"/>
+              </a:bodyPr>
+              <a:lstStyle/>
+              <a:p>
+                <a:r>
+                  <a:rPr lang="en-US" dirty="0" smtClean="0"/>
+                  <a:t>To determine the way in which a node provides network capacity to its applications, we assign each application in the </a:t>
+                </a:r>
+                <a:r>
+                  <a:rPr lang="en-US" b="1" dirty="0" smtClean="0"/>
+                  <a:t>system</a:t>
+                </a:r>
+                <a:r>
+                  <a:rPr lang="en-US" dirty="0" smtClean="0"/>
+                  <a:t> a unique priority, </a:t>
+                </a:r>
+                <a14:m>
+                  <m:oMath xmlns:m="http://schemas.openxmlformats.org/officeDocument/2006/math">
+                    <m:r>
+                      <a:rPr lang="en-US" b="0" i="1" smtClean="0">
+                        <a:latin typeface="Cambria Math" panose="02040503050406030204" pitchFamily="18" charset="0"/>
+                      </a:rPr>
+                      <m:t>𝑈</m:t>
+                    </m:r>
+                  </m:oMath>
+                </a14:m>
+                <a:endParaRPr lang="en-US" dirty="0" smtClean="0"/>
+              </a:p>
+              <a:p>
+                <a:pPr lvl="1"/>
+                <a:r>
+                  <a:rPr lang="en-US" dirty="0" smtClean="0"/>
+                  <a:t>Applications are serviced in the system in order of decreasing priority</a:t>
+                </a:r>
+              </a:p>
+              <a:p>
+                <a:pPr lvl="1"/>
+                <a:r>
+                  <a:rPr lang="en-US" dirty="0" smtClean="0"/>
+                  <a:t>Profile </a:t>
+                </a:r>
+                <a14:m>
+                  <m:oMath xmlns:m="http://schemas.openxmlformats.org/officeDocument/2006/math">
+                    <m:sSub>
+                      <m:sSubPr>
+                        <m:ctrlPr>
+                          <a:rPr lang="en-US" i="1" smtClean="0">
+                            <a:latin typeface="Cambria Math" panose="02040503050406030204" pitchFamily="18" charset="0"/>
+                          </a:rPr>
+                        </m:ctrlPr>
+                      </m:sSubPr>
+                      <m:e>
+                        <m:r>
+                          <a:rPr lang="en-US" b="0" i="1" smtClean="0">
+                            <a:latin typeface="Cambria Math" panose="02040503050406030204" pitchFamily="18" charset="0"/>
+                          </a:rPr>
+                          <m:t>𝑃</m:t>
+                        </m:r>
+                      </m:e>
+                      <m:sub>
+                        <m:r>
+                          <a:rPr lang="en-US" b="0" i="1" smtClean="0">
+                            <a:latin typeface="Cambria Math" panose="02040503050406030204" pitchFamily="18" charset="0"/>
+                          </a:rPr>
+                          <m:t>1</m:t>
+                        </m:r>
+                      </m:sub>
+                    </m:sSub>
+                  </m:oMath>
+                </a14:m>
+                <a:r>
+                  <a:rPr lang="en-US" dirty="0" smtClean="0"/>
+                  <a:t> has a </a:t>
+                </a:r>
+                <a:r>
+                  <a:rPr lang="en-US" b="1" dirty="0" smtClean="0"/>
+                  <a:t>higher priority</a:t>
+                </a:r>
+                <a:r>
+                  <a:rPr lang="en-US" dirty="0" smtClean="0"/>
+                  <a:t> than profile </a:t>
+                </a:r>
+                <a14:m>
+                  <m:oMath xmlns:m="http://schemas.openxmlformats.org/officeDocument/2006/math">
+                    <m:sSub>
+                      <m:sSubPr>
+                        <m:ctrlPr>
+                          <a:rPr lang="en-US" i="1" smtClean="0">
+                            <a:latin typeface="Cambria Math" panose="02040503050406030204" pitchFamily="18" charset="0"/>
+                          </a:rPr>
+                        </m:ctrlPr>
+                      </m:sSubPr>
+                      <m:e>
+                        <m:r>
+                          <a:rPr lang="en-US" b="0" i="1" smtClean="0">
+                            <a:latin typeface="Cambria Math" panose="02040503050406030204" pitchFamily="18" charset="0"/>
+                          </a:rPr>
+                          <m:t>𝑃</m:t>
+                        </m:r>
+                      </m:e>
+                      <m:sub>
+                        <m:r>
+                          <a:rPr lang="en-US" b="0" i="1" smtClean="0">
+                            <a:latin typeface="Cambria Math" panose="02040503050406030204" pitchFamily="18" charset="0"/>
+                          </a:rPr>
+                          <m:t>2</m:t>
+                        </m:r>
+                      </m:sub>
+                    </m:sSub>
+                    <m:r>
+                      <a:rPr lang="en-US" b="0" i="1" smtClean="0">
+                        <a:latin typeface="Cambria Math" panose="02040503050406030204" pitchFamily="18" charset="0"/>
+                      </a:rPr>
+                      <m:t> </m:t>
+                    </m:r>
+                    <m:r>
+                      <a:rPr lang="en-US" b="0" i="1" smtClean="0">
+                        <a:latin typeface="Cambria Math" panose="02040503050406030204" pitchFamily="18" charset="0"/>
+                      </a:rPr>
+                      <m:t>𝑖𝑓𝑓</m:t>
+                    </m:r>
+                    <m:r>
+                      <a:rPr lang="en-US" b="0" i="1" smtClean="0">
+                        <a:latin typeface="Cambria Math" panose="02040503050406030204" pitchFamily="18" charset="0"/>
+                      </a:rPr>
+                      <m:t> </m:t>
+                    </m:r>
+                    <m:sSub>
+                      <m:sSubPr>
+                        <m:ctrlPr>
+                          <a:rPr lang="en-US" b="0" i="1" smtClean="0">
+                            <a:latin typeface="Cambria Math" panose="02040503050406030204" pitchFamily="18" charset="0"/>
+                          </a:rPr>
+                        </m:ctrlPr>
+                      </m:sSubPr>
+                      <m:e>
+                        <m:r>
+                          <a:rPr lang="en-US" b="0" i="1" smtClean="0">
+                            <a:latin typeface="Cambria Math" panose="02040503050406030204" pitchFamily="18" charset="0"/>
+                          </a:rPr>
+                          <m:t>𝑈</m:t>
+                        </m:r>
+                      </m:e>
+                      <m:sub>
+                        <m:sSub>
+                          <m:sSubPr>
+                            <m:ctrlPr>
+                              <a:rPr lang="en-US" b="0" i="1" smtClean="0">
+                                <a:latin typeface="Cambria Math" panose="02040503050406030204" pitchFamily="18" charset="0"/>
+                              </a:rPr>
+                            </m:ctrlPr>
+                          </m:sSubPr>
+                          <m:e>
+                            <m:r>
+                              <a:rPr lang="en-US" b="0" i="1" smtClean="0">
+                                <a:latin typeface="Cambria Math" panose="02040503050406030204" pitchFamily="18" charset="0"/>
+                              </a:rPr>
+                              <m:t>𝑃</m:t>
+                            </m:r>
+                          </m:e>
+                          <m:sub>
+                            <m:r>
+                              <a:rPr lang="en-US" b="0" i="1" smtClean="0">
+                                <a:latin typeface="Cambria Math" panose="02040503050406030204" pitchFamily="18" charset="0"/>
+                              </a:rPr>
+                              <m:t>1</m:t>
+                            </m:r>
+                          </m:sub>
+                        </m:sSub>
+                      </m:sub>
+                    </m:sSub>
+                    <m:r>
+                      <a:rPr lang="en-US" b="0" i="1" smtClean="0">
+                        <a:latin typeface="Cambria Math" panose="02040503050406030204" pitchFamily="18" charset="0"/>
+                      </a:rPr>
+                      <m:t>&lt;</m:t>
+                    </m:r>
+                    <m:sSub>
+                      <m:sSubPr>
+                        <m:ctrlPr>
+                          <a:rPr lang="en-US" i="1">
+                            <a:latin typeface="Cambria Math" panose="02040503050406030204" pitchFamily="18" charset="0"/>
+                          </a:rPr>
+                        </m:ctrlPr>
+                      </m:sSubPr>
+                      <m:e>
+                        <m:r>
+                          <a:rPr lang="en-US" i="1">
+                            <a:latin typeface="Cambria Math" panose="02040503050406030204" pitchFamily="18" charset="0"/>
+                          </a:rPr>
+                          <m:t>𝑈</m:t>
+                        </m:r>
+                      </m:e>
+                      <m:sub>
+                        <m:sSub>
+                          <m:sSubPr>
+                            <m:ctrlPr>
+                              <a:rPr lang="en-US" i="1">
+                                <a:latin typeface="Cambria Math" panose="02040503050406030204" pitchFamily="18" charset="0"/>
+                              </a:rPr>
+                            </m:ctrlPr>
+                          </m:sSubPr>
+                          <m:e>
+                            <m:r>
+                              <a:rPr lang="en-US" i="1">
+                                <a:latin typeface="Cambria Math" panose="02040503050406030204" pitchFamily="18" charset="0"/>
+                              </a:rPr>
+                              <m:t>𝑃</m:t>
+                            </m:r>
+                          </m:e>
+                          <m:sub>
+                            <m:r>
+                              <a:rPr lang="en-US" b="0" i="1" smtClean="0">
+                                <a:latin typeface="Cambria Math" panose="02040503050406030204" pitchFamily="18" charset="0"/>
+                              </a:rPr>
+                              <m:t>2</m:t>
+                            </m:r>
+                          </m:sub>
+                        </m:sSub>
+                      </m:sub>
+                    </m:sSub>
+                  </m:oMath>
+                </a14:m>
+                <a:endParaRPr lang="en-US" dirty="0" smtClean="0"/>
+              </a:p>
+              <a:p>
+                <a:pPr lvl="1"/>
+                <a:r>
+                  <a:rPr lang="en-US" dirty="0" smtClean="0"/>
+                  <a:t>A profile </a:t>
+                </a:r>
+                <a14:m>
+                  <m:oMath xmlns:m="http://schemas.openxmlformats.org/officeDocument/2006/math">
+                    <m:sSub>
+                      <m:sSubPr>
+                        <m:ctrlPr>
+                          <a:rPr lang="en-US" i="1">
+                            <a:latin typeface="Cambria Math" panose="02040503050406030204" pitchFamily="18" charset="0"/>
+                          </a:rPr>
+                        </m:ctrlPr>
+                      </m:sSubPr>
+                      <m:e>
+                        <m:r>
+                          <a:rPr lang="en-US" b="0" i="1" smtClean="0">
+                            <a:latin typeface="Cambria Math" panose="02040503050406030204" pitchFamily="18" charset="0"/>
+                          </a:rPr>
+                          <m:t>𝑃</m:t>
+                        </m:r>
+                      </m:e>
+                      <m:sub>
+                        <m:r>
+                          <a:rPr lang="en-US" b="0" i="1" smtClean="0">
+                            <a:latin typeface="Cambria Math" panose="02040503050406030204" pitchFamily="18" charset="0"/>
+                          </a:rPr>
+                          <m:t>𝑖</m:t>
+                        </m:r>
+                      </m:sub>
+                    </m:sSub>
+                  </m:oMath>
+                </a14:m>
+                <a:r>
+                  <a:rPr lang="en-US" dirty="0" smtClean="0"/>
+                  <a:t> does not receive any service from a node until all other profiles with higher priority </a:t>
+                </a:r>
+                <a:r>
+                  <a:rPr lang="en-US" dirty="0" smtClean="0"/>
+                  <a:t>have been serviced by that node</a:t>
+                </a:r>
+              </a:p>
+              <a:p>
+                <a:pPr lvl="2"/>
+                <a:r>
+                  <a:rPr lang="en-US" dirty="0" smtClean="0"/>
+                  <a:t>In this way, lower priority applications’ data may be buffered if the node has no remaining capacity at the time</a:t>
+                </a:r>
+              </a:p>
+              <a:p>
+                <a:r>
+                  <a:rPr lang="en-US" dirty="0" smtClean="0"/>
+                  <a:t>Mathematically, a node’s remaining service profile </a:t>
+                </a:r>
+                <a14:m>
+                  <m:oMath xmlns:m="http://schemas.openxmlformats.org/officeDocument/2006/math">
+                    <m:sSubSup>
+                      <m:sSubSupPr>
+                        <m:ctrlPr>
+                          <a:rPr lang="en-US" i="1" smtClean="0">
+                            <a:latin typeface="Cambria Math" panose="02040503050406030204" pitchFamily="18" charset="0"/>
+                          </a:rPr>
+                        </m:ctrlPr>
+                      </m:sSubSupPr>
+                      <m:e>
+                        <m:r>
+                          <a:rPr lang="en-US" b="0" i="1" smtClean="0">
+                            <a:latin typeface="Cambria Math" panose="02040503050406030204" pitchFamily="18" charset="0"/>
+                          </a:rPr>
+                          <m:t>𝑃</m:t>
+                        </m:r>
+                      </m:e>
+                      <m:sub>
+                        <m:r>
+                          <a:rPr lang="en-US" b="0" i="1" smtClean="0">
+                            <a:latin typeface="Cambria Math" panose="02040503050406030204" pitchFamily="18" charset="0"/>
+                          </a:rPr>
+                          <m:t>𝑆</m:t>
+                        </m:r>
+                      </m:sub>
+                      <m:sup>
+                        <m:r>
+                          <a:rPr lang="en-US" b="0" i="1" smtClean="0">
+                            <a:latin typeface="Cambria Math" panose="02040503050406030204" pitchFamily="18" charset="0"/>
+                          </a:rPr>
+                          <m:t>′</m:t>
+                        </m:r>
+                      </m:sup>
+                    </m:sSubSup>
+                  </m:oMath>
+                </a14:m>
+                <a:r>
+                  <a:rPr lang="en-US" dirty="0" smtClean="0"/>
+                  <a:t> after it provides service profile </a:t>
+                </a:r>
+                <a14:m>
+                  <m:oMath xmlns:m="http://schemas.openxmlformats.org/officeDocument/2006/math">
+                    <m:sSub>
+                      <m:sSubPr>
+                        <m:ctrlPr>
+                          <a:rPr lang="en-US" b="0" i="1" smtClean="0">
+                            <a:latin typeface="Cambria Math" panose="02040503050406030204" pitchFamily="18" charset="0"/>
+                          </a:rPr>
+                        </m:ctrlPr>
+                      </m:sSubPr>
+                      <m:e>
+                        <m:r>
+                          <a:rPr lang="en-US" b="0" i="1" smtClean="0">
+                            <a:latin typeface="Cambria Math" panose="02040503050406030204" pitchFamily="18" charset="0"/>
+                          </a:rPr>
+                          <m:t>𝑃</m:t>
+                        </m:r>
+                      </m:e>
+                      <m:sub>
+                        <m:r>
+                          <a:rPr lang="en-US" b="0" i="1" smtClean="0">
+                            <a:latin typeface="Cambria Math" panose="02040503050406030204" pitchFamily="18" charset="0"/>
+                          </a:rPr>
+                          <m:t>𝑆</m:t>
+                        </m:r>
+                      </m:sub>
+                    </m:sSub>
+                  </m:oMath>
+                </a14:m>
+                <a:r>
+                  <a:rPr lang="en-US" dirty="0" smtClean="0"/>
+                  <a:t> to an application profile </a:t>
+                </a:r>
+                <a14:m>
+                  <m:oMath xmlns:m="http://schemas.openxmlformats.org/officeDocument/2006/math">
+                    <m:sSub>
+                      <m:sSubPr>
+                        <m:ctrlPr>
+                          <a:rPr lang="en-US" i="1" smtClean="0">
+                            <a:latin typeface="Cambria Math" panose="02040503050406030204" pitchFamily="18" charset="0"/>
+                          </a:rPr>
+                        </m:ctrlPr>
+                      </m:sSubPr>
+                      <m:e>
+                        <m:r>
+                          <a:rPr lang="en-US" b="0" i="1" smtClean="0">
+                            <a:latin typeface="Cambria Math" panose="02040503050406030204" pitchFamily="18" charset="0"/>
+                          </a:rPr>
+                          <m:t>𝑃</m:t>
+                        </m:r>
+                      </m:e>
+                      <m:sub>
+                        <m:r>
+                          <a:rPr lang="en-US" b="0" i="1" smtClean="0">
+                            <a:latin typeface="Cambria Math" panose="02040503050406030204" pitchFamily="18" charset="0"/>
+                          </a:rPr>
+                          <m:t>𝑖</m:t>
+                        </m:r>
+                      </m:sub>
+                    </m:sSub>
+                  </m:oMath>
+                </a14:m>
+                <a:r>
+                  <a:rPr lang="en-US" dirty="0" smtClean="0"/>
+                  <a:t> is </a:t>
+                </a:r>
+                <a:br>
+                  <a:rPr lang="en-US" dirty="0" smtClean="0"/>
+                </a:br>
+                <a14:m>
+                  <m:oMath xmlns:m="http://schemas.openxmlformats.org/officeDocument/2006/math">
+                    <m:sSubSup>
+                      <m:sSubSupPr>
+                        <m:ctrlPr>
+                          <a:rPr lang="en-US" i="1" smtClean="0">
+                            <a:latin typeface="Cambria Math" panose="02040503050406030204" pitchFamily="18" charset="0"/>
+                          </a:rPr>
+                        </m:ctrlPr>
+                      </m:sSubSupPr>
+                      <m:e>
+                        <m:r>
+                          <a:rPr lang="en-US" b="0" i="1" smtClean="0">
+                            <a:latin typeface="Cambria Math" panose="02040503050406030204" pitchFamily="18" charset="0"/>
+                          </a:rPr>
+                          <m:t>𝑃</m:t>
+                        </m:r>
+                      </m:e>
+                      <m:sub>
+                        <m:r>
+                          <a:rPr lang="en-US" b="0" i="1" smtClean="0">
+                            <a:latin typeface="Cambria Math" panose="02040503050406030204" pitchFamily="18" charset="0"/>
+                          </a:rPr>
+                          <m:t>𝑆</m:t>
+                        </m:r>
+                      </m:sub>
+                      <m:sup>
+                        <m:r>
+                          <a:rPr lang="en-US" b="0" i="1" smtClean="0">
+                            <a:latin typeface="Cambria Math" panose="02040503050406030204" pitchFamily="18" charset="0"/>
+                          </a:rPr>
+                          <m:t>′</m:t>
+                        </m:r>
+                      </m:sup>
+                    </m:sSubSup>
+                    <m:r>
+                      <a:rPr lang="en-US" b="0" i="1" smtClean="0">
+                        <a:latin typeface="Cambria Math" panose="02040503050406030204" pitchFamily="18" charset="0"/>
+                      </a:rPr>
+                      <m:t>=</m:t>
+                    </m:r>
+                    <m:sSub>
+                      <m:sSubPr>
+                        <m:ctrlPr>
+                          <a:rPr lang="en-US" b="0" i="1" smtClean="0">
+                            <a:latin typeface="Cambria Math" panose="02040503050406030204" pitchFamily="18" charset="0"/>
+                          </a:rPr>
+                        </m:ctrlPr>
+                      </m:sSubPr>
+                      <m:e>
+                        <m:r>
+                          <a:rPr lang="en-US" b="0" i="1" smtClean="0">
+                            <a:latin typeface="Cambria Math" panose="02040503050406030204" pitchFamily="18" charset="0"/>
+                          </a:rPr>
+                          <m:t>𝑃</m:t>
+                        </m:r>
+                      </m:e>
+                      <m:sub>
+                        <m:r>
+                          <a:rPr lang="en-US" b="0" i="1" smtClean="0">
+                            <a:latin typeface="Cambria Math" panose="02040503050406030204" pitchFamily="18" charset="0"/>
+                          </a:rPr>
+                          <m:t>𝑆</m:t>
+                        </m:r>
+                      </m:sub>
+                    </m:sSub>
+                    <m:r>
+                      <a:rPr lang="en-US" b="0" i="1" smtClean="0">
+                        <a:latin typeface="Cambria Math" panose="02040503050406030204" pitchFamily="18" charset="0"/>
+                      </a:rPr>
+                      <m:t>−(</m:t>
+                    </m:r>
+                    <m:sSub>
+                      <m:sSubPr>
+                        <m:ctrlPr>
+                          <a:rPr lang="en-US" b="0" i="1" smtClean="0">
+                            <a:latin typeface="Cambria Math" panose="02040503050406030204" pitchFamily="18" charset="0"/>
+                          </a:rPr>
+                        </m:ctrlPr>
+                      </m:sSubPr>
+                      <m:e>
+                        <m:r>
+                          <a:rPr lang="en-US" b="0" i="1" smtClean="0">
+                            <a:latin typeface="Cambria Math" panose="02040503050406030204" pitchFamily="18" charset="0"/>
+                          </a:rPr>
+                          <m:t>𝑃</m:t>
+                        </m:r>
+                      </m:e>
+                      <m:sub>
+                        <m:r>
+                          <a:rPr lang="en-US" b="0" i="1" smtClean="0">
+                            <a:latin typeface="Cambria Math" panose="02040503050406030204" pitchFamily="18" charset="0"/>
+                          </a:rPr>
+                          <m:t>𝑆</m:t>
+                        </m:r>
+                      </m:sub>
+                    </m:sSub>
+                    <m:r>
+                      <a:rPr lang="en-US" b="0" i="1" smtClean="0">
+                        <a:latin typeface="Cambria Math" panose="02040503050406030204" pitchFamily="18" charset="0"/>
+                      </a:rPr>
+                      <m:t>⊗</m:t>
+                    </m:r>
+                    <m:sSub>
+                      <m:sSubPr>
+                        <m:ctrlPr>
+                          <a:rPr lang="en-US" b="0" i="1" smtClean="0">
+                            <a:latin typeface="Cambria Math" panose="02040503050406030204" pitchFamily="18" charset="0"/>
+                          </a:rPr>
+                        </m:ctrlPr>
+                      </m:sSubPr>
+                      <m:e>
+                        <m:r>
+                          <a:rPr lang="en-US" b="0" i="1" smtClean="0">
+                            <a:latin typeface="Cambria Math" panose="02040503050406030204" pitchFamily="18" charset="0"/>
+                          </a:rPr>
+                          <m:t>𝑃</m:t>
+                        </m:r>
+                      </m:e>
+                      <m:sub>
+                        <m:r>
+                          <a:rPr lang="en-US" b="0" i="1" smtClean="0">
+                            <a:latin typeface="Cambria Math" panose="02040503050406030204" pitchFamily="18" charset="0"/>
+                          </a:rPr>
+                          <m:t>𝑖</m:t>
+                        </m:r>
+                      </m:sub>
+                    </m:sSub>
+                    <m:r>
+                      <a:rPr lang="en-US" b="0" i="1" smtClean="0">
+                        <a:latin typeface="Cambria Math" panose="02040503050406030204" pitchFamily="18" charset="0"/>
+                      </a:rPr>
+                      <m:t>)</m:t>
+                    </m:r>
+                  </m:oMath>
+                </a14:m>
+                <a:endParaRPr lang="en-US" dirty="0" smtClean="0"/>
+              </a:p>
+              <a:p>
+                <a:pPr lvl="1"/>
+                <a:r>
+                  <a:rPr lang="en-US" dirty="0" smtClean="0"/>
+                  <a:t>Where we define addition and subtraction of profiles, </a:t>
+                </a:r>
+                <a14:m>
+                  <m:oMath xmlns:m="http://schemas.openxmlformats.org/officeDocument/2006/math">
+                    <m:r>
+                      <a:rPr lang="en-US" b="0" i="1" smtClean="0">
+                        <a:latin typeface="Cambria Math" panose="02040503050406030204" pitchFamily="18" charset="0"/>
+                      </a:rPr>
+                      <m:t>𝑓</m:t>
+                    </m:r>
+                    <m:d>
+                      <m:dPr>
+                        <m:begChr m:val="["/>
+                        <m:endChr m:val="]"/>
+                        <m:ctrlPr>
+                          <a:rPr lang="en-US" b="0" i="1" smtClean="0">
+                            <a:latin typeface="Cambria Math" panose="02040503050406030204" pitchFamily="18" charset="0"/>
+                          </a:rPr>
+                        </m:ctrlPr>
+                      </m:dPr>
+                      <m:e>
+                        <m:r>
+                          <a:rPr lang="en-US" b="0" i="1" smtClean="0">
+                            <a:latin typeface="Cambria Math" panose="02040503050406030204" pitchFamily="18" charset="0"/>
+                          </a:rPr>
+                          <m:t>𝑡</m:t>
+                        </m:r>
+                      </m:e>
+                    </m:d>
+                    <m:r>
+                      <a:rPr lang="en-US" b="0" i="1" smtClean="0">
+                        <a:latin typeface="Cambria Math" panose="02040503050406030204" pitchFamily="18" charset="0"/>
+                      </a:rPr>
+                      <m:t>,</m:t>
+                    </m:r>
+                    <m:r>
+                      <a:rPr lang="en-US" b="0" i="1" smtClean="0">
+                        <a:latin typeface="Cambria Math" panose="02040503050406030204" pitchFamily="18" charset="0"/>
+                      </a:rPr>
+                      <m:t>𝑔</m:t>
+                    </m:r>
+                    <m:d>
+                      <m:dPr>
+                        <m:begChr m:val="["/>
+                        <m:endChr m:val="]"/>
+                        <m:ctrlPr>
+                          <a:rPr lang="en-US" b="0" i="1" smtClean="0">
+                            <a:latin typeface="Cambria Math" panose="02040503050406030204" pitchFamily="18" charset="0"/>
+                          </a:rPr>
+                        </m:ctrlPr>
+                      </m:dPr>
+                      <m:e>
+                        <m:r>
+                          <a:rPr lang="en-US" b="0" i="1" smtClean="0">
+                            <a:latin typeface="Cambria Math" panose="02040503050406030204" pitchFamily="18" charset="0"/>
+                          </a:rPr>
+                          <m:t>𝑡</m:t>
+                        </m:r>
+                      </m:e>
+                    </m:d>
+                    <m:r>
+                      <a:rPr lang="en-US" b="0" i="1" smtClean="0">
+                        <a:latin typeface="Cambria Math" panose="02040503050406030204" pitchFamily="18" charset="0"/>
+                      </a:rPr>
+                      <m:t>:</m:t>
+                    </m:r>
+                  </m:oMath>
+                </a14:m>
+                <a:r>
+                  <a:rPr lang="en-US" b="0" dirty="0" smtClean="0"/>
+                  <a:t/>
+                </a:r>
+                <a:br>
+                  <a:rPr lang="en-US" b="0" dirty="0" smtClean="0"/>
+                </a:br>
+                <a14:m>
+                  <m:oMath xmlns:m="http://schemas.openxmlformats.org/officeDocument/2006/math">
+                    <m:r>
+                      <a:rPr lang="en-US" b="0" i="1" smtClean="0">
+                        <a:latin typeface="Cambria Math" panose="02040503050406030204" pitchFamily="18" charset="0"/>
+                      </a:rPr>
+                      <m:t>𝑠</m:t>
+                    </m:r>
+                    <m:d>
+                      <m:dPr>
+                        <m:begChr m:val="["/>
+                        <m:endChr m:val="]"/>
+                        <m:ctrlPr>
+                          <a:rPr lang="en-US" b="0" i="1" smtClean="0">
+                            <a:latin typeface="Cambria Math" panose="02040503050406030204" pitchFamily="18" charset="0"/>
+                          </a:rPr>
+                        </m:ctrlPr>
+                      </m:dPr>
+                      <m:e>
+                        <m:r>
+                          <a:rPr lang="en-US" b="0" i="1" smtClean="0">
+                            <a:latin typeface="Cambria Math" panose="02040503050406030204" pitchFamily="18" charset="0"/>
+                          </a:rPr>
+                          <m:t>𝑡</m:t>
+                        </m:r>
+                      </m:e>
+                    </m:d>
+                    <m:r>
+                      <a:rPr lang="en-US" b="0" i="1" smtClean="0">
+                        <a:latin typeface="Cambria Math" panose="02040503050406030204" pitchFamily="18" charset="0"/>
+                      </a:rPr>
+                      <m:t>=</m:t>
+                    </m:r>
+                    <m:r>
+                      <a:rPr lang="en-US" b="0" i="1" smtClean="0">
+                        <a:latin typeface="Cambria Math" panose="02040503050406030204" pitchFamily="18" charset="0"/>
+                      </a:rPr>
+                      <m:t>𝑓</m:t>
+                    </m:r>
+                    <m:d>
+                      <m:dPr>
+                        <m:begChr m:val="["/>
+                        <m:endChr m:val="]"/>
+                        <m:ctrlPr>
+                          <a:rPr lang="en-US" b="0" i="1" smtClean="0">
+                            <a:latin typeface="Cambria Math" panose="02040503050406030204" pitchFamily="18" charset="0"/>
+                          </a:rPr>
+                        </m:ctrlPr>
+                      </m:dPr>
+                      <m:e>
+                        <m:r>
+                          <a:rPr lang="en-US" b="0" i="1" smtClean="0">
+                            <a:latin typeface="Cambria Math" panose="02040503050406030204" pitchFamily="18" charset="0"/>
+                          </a:rPr>
+                          <m:t>𝑡</m:t>
+                        </m:r>
+                      </m:e>
+                    </m:d>
+                    <m:r>
+                      <a:rPr lang="en-US" b="0" i="1" smtClean="0">
+                        <a:latin typeface="Cambria Math" panose="02040503050406030204" pitchFamily="18" charset="0"/>
+                      </a:rPr>
+                      <m:t>+</m:t>
+                    </m:r>
+                    <m:r>
+                      <a:rPr lang="en-US" b="0" i="1" smtClean="0">
+                        <a:latin typeface="Cambria Math" panose="02040503050406030204" pitchFamily="18" charset="0"/>
+                      </a:rPr>
+                      <m:t>𝑔</m:t>
+                    </m:r>
+                    <m:d>
+                      <m:dPr>
+                        <m:begChr m:val="["/>
+                        <m:endChr m:val="]"/>
+                        <m:ctrlPr>
+                          <a:rPr lang="en-US" b="0" i="1" smtClean="0">
+                            <a:latin typeface="Cambria Math" panose="02040503050406030204" pitchFamily="18" charset="0"/>
+                          </a:rPr>
+                        </m:ctrlPr>
+                      </m:dPr>
+                      <m:e>
+                        <m:r>
+                          <a:rPr lang="en-US" b="0" i="1" smtClean="0">
+                            <a:latin typeface="Cambria Math" panose="02040503050406030204" pitchFamily="18" charset="0"/>
+                          </a:rPr>
+                          <m:t>𝑡</m:t>
+                        </m:r>
+                      </m:e>
+                    </m:d>
+                  </m:oMath>
+                </a14:m>
+                <a:r>
+                  <a:rPr lang="en-US" b="0" dirty="0" smtClean="0"/>
+                  <a:t/>
+                </a:r>
+                <a:br>
+                  <a:rPr lang="en-US" b="0" dirty="0" smtClean="0"/>
+                </a:br>
+                <a14:m>
+                  <m:oMath xmlns:m="http://schemas.openxmlformats.org/officeDocument/2006/math">
+                    <m:r>
+                      <a:rPr lang="en-US" b="0" i="1" smtClean="0">
+                        <a:latin typeface="Cambria Math" panose="02040503050406030204" pitchFamily="18" charset="0"/>
+                      </a:rPr>
+                      <m:t>𝑠</m:t>
+                    </m:r>
+                    <m:d>
+                      <m:dPr>
+                        <m:begChr m:val="["/>
+                        <m:endChr m:val="]"/>
+                        <m:ctrlPr>
+                          <a:rPr lang="en-US" b="0" i="1" smtClean="0">
+                            <a:latin typeface="Cambria Math" panose="02040503050406030204" pitchFamily="18" charset="0"/>
+                          </a:rPr>
+                        </m:ctrlPr>
+                      </m:dPr>
+                      <m:e>
+                        <m:r>
+                          <a:rPr lang="en-US" b="0" i="1" smtClean="0">
+                            <a:latin typeface="Cambria Math" panose="02040503050406030204" pitchFamily="18" charset="0"/>
+                          </a:rPr>
+                          <m:t>𝑡</m:t>
+                        </m:r>
+                      </m:e>
+                    </m:d>
+                    <m:r>
+                      <a:rPr lang="en-US" b="0" i="1" smtClean="0">
+                        <a:latin typeface="Cambria Math" panose="02040503050406030204" pitchFamily="18" charset="0"/>
+                      </a:rPr>
+                      <m:t>=</m:t>
+                    </m:r>
+                    <m:r>
+                      <a:rPr lang="en-US" b="0" i="1" smtClean="0">
+                        <a:latin typeface="Cambria Math" panose="02040503050406030204" pitchFamily="18" charset="0"/>
+                      </a:rPr>
+                      <m:t>𝑓</m:t>
+                    </m:r>
+                    <m:d>
+                      <m:dPr>
+                        <m:begChr m:val="["/>
+                        <m:endChr m:val="]"/>
+                        <m:ctrlPr>
+                          <a:rPr lang="en-US" b="0" i="1" smtClean="0">
+                            <a:latin typeface="Cambria Math" panose="02040503050406030204" pitchFamily="18" charset="0"/>
+                          </a:rPr>
+                        </m:ctrlPr>
+                      </m:dPr>
+                      <m:e>
+                        <m:r>
+                          <a:rPr lang="en-US" b="0" i="1" smtClean="0">
+                            <a:latin typeface="Cambria Math" panose="02040503050406030204" pitchFamily="18" charset="0"/>
+                          </a:rPr>
+                          <m:t>𝑡</m:t>
+                        </m:r>
+                      </m:e>
+                    </m:d>
+                    <m:r>
+                      <a:rPr lang="en-US" b="0" i="1" smtClean="0">
+                        <a:latin typeface="Cambria Math" panose="02040503050406030204" pitchFamily="18" charset="0"/>
+                      </a:rPr>
+                      <m:t>−</m:t>
+                    </m:r>
+                    <m:r>
+                      <a:rPr lang="en-US" b="0" i="1" smtClean="0">
+                        <a:latin typeface="Cambria Math" panose="02040503050406030204" pitchFamily="18" charset="0"/>
+                      </a:rPr>
+                      <m:t>𝑔</m:t>
+                    </m:r>
+                    <m:r>
+                      <a:rPr lang="en-US" b="0" i="1" smtClean="0">
+                        <a:latin typeface="Cambria Math" panose="02040503050406030204" pitchFamily="18" charset="0"/>
+                      </a:rPr>
+                      <m:t>[</m:t>
+                    </m:r>
+                    <m:r>
+                      <a:rPr lang="en-US" b="0" i="1" smtClean="0">
+                        <a:latin typeface="Cambria Math" panose="02040503050406030204" pitchFamily="18" charset="0"/>
+                      </a:rPr>
+                      <m:t>𝑡</m:t>
+                    </m:r>
+                    <m:r>
+                      <a:rPr lang="en-US" b="0" i="1" smtClean="0">
+                        <a:latin typeface="Cambria Math" panose="02040503050406030204" pitchFamily="18" charset="0"/>
+                      </a:rPr>
+                      <m:t>]</m:t>
+                    </m:r>
+                  </m:oMath>
+                </a14:m>
+                <a:endParaRPr lang="en-US" dirty="0" smtClean="0"/>
+              </a:p>
+            </p:txBody>
+          </p:sp>
+        </mc:Choice>
+        <mc:Fallback>
+          <p:sp>
+            <p:nvSpPr>
+              <p:cNvPr id="3" name="Content Placeholder 2"/>
+              <p:cNvSpPr>
+                <a:spLocks noGrp="1" noRot="1" noChangeAspect="1" noMove="1" noResize="1" noEditPoints="1" noAdjustHandles="1" noChangeArrowheads="1" noChangeShapeType="1" noTextEdit="1"/>
+              </p:cNvSpPr>
+              <p:nvPr>
+                <p:ph idx="1"/>
+              </p:nvPr>
+            </p:nvSpPr>
+            <p:spPr>
+              <a:blipFill>
+                <a:blip r:embed="rId3"/>
+                <a:stretch>
+                  <a:fillRect l="-95" t="-1261"/>
+                </a:stretch>
+              </a:blipFill>
+            </p:spPr>
+            <p:txBody>
+              <a:bodyPr/>
+              <a:lstStyle/>
+              <a:p>
+                <a:r>
+                  <a:rPr lang="en-US">
+                    <a:noFill/>
+                  </a:rPr>
+                  <a:t> </a:t>
+                </a:r>
+              </a:p>
+            </p:txBody>
+          </p:sp>
+        </mc:Fallback>
+      </mc:AlternateContent>
       <p:sp>
         <p:nvSpPr>
           <p:cNvPr id="4" name="Slide Number Placeholder 3"/>
@@ -12861,7 +13666,7 @@
     </p:spTree>
     <p:extLst>
       <p:ext uri="{BB962C8B-B14F-4D97-AF65-F5344CB8AC3E}">
-        <p14:creationId xmlns:p14="http://schemas.microsoft.com/office/powerpoint/2010/main" val="581634497"/>
+        <p14:creationId xmlns:p14="http://schemas.microsoft.com/office/powerpoint/2010/main" val="3665410854"/>
       </p:ext>
     </p:extLst>
   </p:cSld>
@@ -12922,7 +13727,7 @@
             </a:r>
             <a:r>
               <a:rPr lang="en-US" dirty="0" smtClean="0"/>
-              <a:t> Analysis of Statically Routed Networks</a:t>
+              <a:t> Delay Analysis</a:t>
             </a:r>
             <a:endParaRPr lang="en-US" dirty="0"/>
           </a:p>
@@ -13047,6 +13852,200 @@
             <a:fld id="{4FAB73BC-B049-4115-A692-8D63A059BFB8}" type="slidenum">
               <a:rPr lang="en-US" smtClean="0"/>
               <a:t>23</a:t>
+            </a:fld>
+            <a:endParaRPr lang="en-US" dirty="0"/>
+          </a:p>
+        </p:txBody>
+      </p:sp>
+    </p:spTree>
+    <p:extLst>
+      <p:ext uri="{BB962C8B-B14F-4D97-AF65-F5344CB8AC3E}">
+        <p14:creationId xmlns:p14="http://schemas.microsoft.com/office/powerpoint/2010/main" val="581634497"/>
+      </p:ext>
+    </p:extLst>
+  </p:cSld>
+  <p:clrMapOvr>
+    <a:masterClrMapping/>
+  </p:clrMapOvr>
+  <p:timing>
+    <p:tnLst>
+      <p:par>
+        <p:cTn id="1" dur="indefinite" restart="never" nodeType="tmRoot"/>
+      </p:par>
+    </p:tnLst>
+  </p:timing>
+</p:sld>
+</file>
+
+<file path=ppt/slides/slide24.xml><?xml version="1.0" encoding="utf-8"?>
+<p:sld xmlns:a="http://schemas.openxmlformats.org/drawingml/2006/main" xmlns:r="http://schemas.openxmlformats.org/officeDocument/2006/relationships" xmlns:p="http://schemas.openxmlformats.org/presentationml/2006/main">
+  <p:cSld>
+    <p:spTree>
+      <p:nvGrpSpPr>
+        <p:cNvPr id="1" name=""/>
+        <p:cNvGrpSpPr/>
+        <p:nvPr/>
+      </p:nvGrpSpPr>
+      <p:grpSpPr>
+        <a:xfrm>
+          <a:off x="0" y="0"/>
+          <a:ext cx="0" cy="0"/>
+          <a:chOff x="0" y="0"/>
+          <a:chExt cx="0" cy="0"/>
+        </a:xfrm>
+      </p:grpSpPr>
+      <p:sp>
+        <p:nvSpPr>
+          <p:cNvPr id="2" name="Title 1"/>
+          <p:cNvSpPr>
+            <a:spLocks noGrp="1"/>
+          </p:cNvSpPr>
+          <p:nvPr>
+            <p:ph type="title"/>
+          </p:nvPr>
+        </p:nvSpPr>
+        <p:spPr/>
+        <p:txBody>
+          <a:bodyPr>
+            <a:normAutofit/>
+          </a:bodyPr>
+          <a:lstStyle/>
+          <a:p>
+            <a:r>
+              <a:rPr lang="en-US" dirty="0" smtClean="0"/>
+              <a:t>PNP</a:t>
+            </a:r>
+            <a:r>
+              <a:rPr lang="en-US" baseline="30000" dirty="0" smtClean="0"/>
+              <a:t>2</a:t>
+            </a:r>
+            <a:r>
+              <a:rPr lang="en-US" dirty="0" smtClean="0"/>
+              <a:t> Analysis of Statically Routed Networks</a:t>
+            </a:r>
+            <a:endParaRPr lang="en-US" dirty="0"/>
+          </a:p>
+        </p:txBody>
+      </p:sp>
+      <p:sp>
+        <p:nvSpPr>
+          <p:cNvPr id="3" name="Content Placeholder 2"/>
+          <p:cNvSpPr>
+            <a:spLocks noGrp="1"/>
+          </p:cNvSpPr>
+          <p:nvPr>
+            <p:ph idx="1"/>
+          </p:nvPr>
+        </p:nvSpPr>
+        <p:spPr/>
+        <p:txBody>
+          <a:bodyPr>
+            <a:normAutofit lnSpcReduction="10000"/>
+          </a:bodyPr>
+          <a:lstStyle/>
+          <a:p>
+            <a:r>
+              <a:rPr lang="en-US" dirty="0" smtClean="0"/>
+              <a:t>Validated the accuracy of PNP</a:t>
+            </a:r>
+            <a:r>
+              <a:rPr lang="en-US" baseline="30000" dirty="0" smtClean="0"/>
+              <a:t>2</a:t>
+            </a:r>
+            <a:r>
+              <a:rPr lang="en-US" dirty="0" smtClean="0"/>
+              <a:t> predictions using custom network traffic generation code and a network testbed</a:t>
+            </a:r>
+          </a:p>
+          <a:p>
+            <a:pPr lvl="1"/>
+            <a:r>
+              <a:rPr lang="en-US" dirty="0" smtClean="0"/>
+              <a:t>Used </a:t>
+            </a:r>
+            <a:r>
+              <a:rPr lang="en-US" dirty="0" err="1" smtClean="0"/>
+              <a:t>Dummynet</a:t>
+            </a:r>
+            <a:r>
+              <a:rPr lang="en-US" dirty="0" smtClean="0"/>
+              <a:t> to perform traffic shaping and link emulation</a:t>
+            </a:r>
+          </a:p>
+          <a:p>
+            <a:r>
+              <a:rPr lang="en-US" dirty="0" smtClean="0"/>
+              <a:t>Integrated Network Calculus model into PNP</a:t>
+            </a:r>
+            <a:r>
+              <a:rPr lang="en-US" baseline="30000" dirty="0" smtClean="0"/>
+              <a:t>2</a:t>
+            </a:r>
+            <a:r>
+              <a:rPr lang="en-US" dirty="0" smtClean="0"/>
+              <a:t> tool, allows analysis of PNP</a:t>
+            </a:r>
+            <a:r>
+              <a:rPr lang="en-US" baseline="30000" dirty="0" smtClean="0"/>
+              <a:t>2</a:t>
+            </a:r>
+            <a:r>
+              <a:rPr lang="en-US" dirty="0" smtClean="0"/>
+              <a:t> model using NC’s semantics</a:t>
+            </a:r>
+          </a:p>
+          <a:p>
+            <a:pPr lvl="1"/>
+            <a:r>
+              <a:rPr lang="en-US" dirty="0" smtClean="0"/>
+              <a:t>Enables direct, easy comparison between analysis techniques</a:t>
+            </a:r>
+          </a:p>
+          <a:p>
+            <a:r>
+              <a:rPr lang="en-US" dirty="0" smtClean="0"/>
+              <a:t>Network Calculus defines arrival curves and service curves as functions of time-window size, therefore it cannot precisely analyze systems where the applications’ data production is tightly coupled with the service capacity of the system</a:t>
+            </a:r>
+          </a:p>
+          <a:p>
+            <a:pPr lvl="1"/>
+            <a:r>
+              <a:rPr lang="en-US" dirty="0" smtClean="0"/>
+              <a:t>i.e. applications know a </a:t>
+            </a:r>
+            <a:r>
+              <a:rPr lang="en-US" dirty="0" err="1" smtClean="0"/>
+              <a:t>prioi</a:t>
+            </a:r>
+            <a:r>
+              <a:rPr lang="en-US" dirty="0" smtClean="0"/>
+              <a:t> when the system will have high network capacity and are designed to send their data at that time</a:t>
+            </a:r>
+          </a:p>
+          <a:p>
+            <a:pPr lvl="1"/>
+            <a:endParaRPr lang="en-US" b="1" dirty="0" smtClean="0"/>
+          </a:p>
+        </p:txBody>
+      </p:sp>
+      <p:sp>
+        <p:nvSpPr>
+          <p:cNvPr id="4" name="Slide Number Placeholder 3"/>
+          <p:cNvSpPr>
+            <a:spLocks noGrp="1"/>
+          </p:cNvSpPr>
+          <p:nvPr>
+            <p:ph type="sldNum" sz="quarter" idx="12"/>
+          </p:nvPr>
+        </p:nvSpPr>
+        <p:spPr/>
+        <p:txBody>
+          <a:bodyPr/>
+          <a:lstStyle/>
+          <a:p>
+            <a:fld id="{4FAB73BC-B049-4115-A692-8D63A059BFB8}" type="slidenum">
+              <a:rPr lang="en-US" smtClean="0"/>
+              <a:t>24</a:t>
             </a:fld>
             <a:endParaRPr lang="en-US" dirty="0"/>
           </a:p>
@@ -13072,7 +14071,7 @@
 </p:sld>
 </file>
 
-<file path=ppt/slides/slide24.xml><?xml version="1.0" encoding="utf-8"?>
+<file path=ppt/slides/slide25.xml><?xml version="1.0" encoding="utf-8"?>
 <p:sld xmlns:a="http://schemas.openxmlformats.org/drawingml/2006/main" xmlns:r="http://schemas.openxmlformats.org/officeDocument/2006/relationships" xmlns:p="http://schemas.openxmlformats.org/presentationml/2006/main">
   <p:cSld>
     <p:spTree>
@@ -13373,7 +14372,7 @@
           <a:p>
             <a:fld id="{4FAB73BC-B049-4115-A692-8D63A059BFB8}" type="slidenum">
               <a:rPr lang="en-US" smtClean="0"/>
-              <a:t>24</a:t>
+              <a:t>25</a:t>
             </a:fld>
             <a:endParaRPr lang="en-US" dirty="0"/>
           </a:p>
@@ -13399,7 +14398,7 @@
 </p:sld>
 </file>
 
-<file path=ppt/slides/slide25.xml><?xml version="1.0" encoding="utf-8"?>
+<file path=ppt/slides/slide26.xml><?xml version="1.0" encoding="utf-8"?>
 <p:sld xmlns:a="http://schemas.openxmlformats.org/drawingml/2006/main" xmlns:r="http://schemas.openxmlformats.org/officeDocument/2006/relationships" xmlns:p="http://schemas.openxmlformats.org/presentationml/2006/main">
   <p:cSld>
     <p:spTree>
@@ -13743,7 +14742,7 @@
           <a:p>
             <a:fld id="{4FAB73BC-B049-4115-A692-8D63A059BFB8}" type="slidenum">
               <a:rPr lang="en-US" smtClean="0"/>
-              <a:t>25</a:t>
+              <a:t>26</a:t>
             </a:fld>
             <a:endParaRPr lang="en-US" dirty="0"/>
           </a:p>
@@ -13769,7 +14768,7 @@
 </p:sld>
 </file>
 
-<file path=ppt/slides/slide26.xml><?xml version="1.0" encoding="utf-8"?>
+<file path=ppt/slides/slide27.xml><?xml version="1.0" encoding="utf-8"?>
 <p:sld xmlns:a="http://schemas.openxmlformats.org/drawingml/2006/main" xmlns:r="http://schemas.openxmlformats.org/officeDocument/2006/relationships" xmlns:p="http://schemas.openxmlformats.org/presentationml/2006/main">
   <p:cSld>
     <p:spTree>
@@ -13858,7 +14857,7 @@
           <a:p>
             <a:fld id="{4FAB73BC-B049-4115-A692-8D63A059BFB8}" type="slidenum">
               <a:rPr lang="en-US" smtClean="0"/>
-              <a:t>26</a:t>
+              <a:t>27</a:t>
             </a:fld>
             <a:endParaRPr lang="en-US" dirty="0"/>
           </a:p>
@@ -13868,171 +14867,6 @@
     <p:extLst>
       <p:ext uri="{BB962C8B-B14F-4D97-AF65-F5344CB8AC3E}">
         <p14:creationId xmlns:p14="http://schemas.microsoft.com/office/powerpoint/2010/main" val="3334388207"/>
-      </p:ext>
-    </p:extLst>
-  </p:cSld>
-  <p:clrMapOvr>
-    <a:masterClrMapping/>
-  </p:clrMapOvr>
-  <p:timing>
-    <p:tnLst>
-      <p:par>
-        <p:cTn id="1" dur="indefinite" restart="never" nodeType="tmRoot"/>
-      </p:par>
-    </p:tnLst>
-  </p:timing>
-</p:sld>
-</file>
-
-<file path=ppt/slides/slide27.xml><?xml version="1.0" encoding="utf-8"?>
-<p:sld xmlns:a="http://schemas.openxmlformats.org/drawingml/2006/main" xmlns:r="http://schemas.openxmlformats.org/officeDocument/2006/relationships" xmlns:p="http://schemas.openxmlformats.org/presentationml/2006/main">
-  <p:cSld>
-    <p:spTree>
-      <p:nvGrpSpPr>
-        <p:cNvPr id="1" name=""/>
-        <p:cNvGrpSpPr/>
-        <p:nvPr/>
-      </p:nvGrpSpPr>
-      <p:grpSpPr>
-        <a:xfrm>
-          <a:off x="0" y="0"/>
-          <a:ext cx="0" cy="0"/>
-          <a:chOff x="0" y="0"/>
-          <a:chExt cx="0" cy="0"/>
-        </a:xfrm>
-      </p:grpSpPr>
-      <p:sp>
-        <p:nvSpPr>
-          <p:cNvPr id="2" name="Title 1"/>
-          <p:cNvSpPr>
-            <a:spLocks noGrp="1"/>
-          </p:cNvSpPr>
-          <p:nvPr>
-            <p:ph type="title"/>
-          </p:nvPr>
-        </p:nvSpPr>
-        <p:spPr/>
-        <p:txBody>
-          <a:bodyPr>
-            <a:normAutofit fontScale="90000"/>
-          </a:bodyPr>
-          <a:lstStyle/>
-          <a:p>
-            <a:r>
-              <a:rPr lang="en-US" dirty="0" smtClean="0"/>
-              <a:t>Generation of Application Network Profiles from Business Logic Models (3/3)</a:t>
-            </a:r>
-            <a:endParaRPr lang="en-US" dirty="0"/>
-          </a:p>
-        </p:txBody>
-      </p:sp>
-      <p:sp>
-        <p:nvSpPr>
-          <p:cNvPr id="4" name="Text Placeholder 3"/>
-          <p:cNvSpPr>
-            <a:spLocks noGrp="1"/>
-          </p:cNvSpPr>
-          <p:nvPr>
-            <p:ph type="body" idx="1"/>
-          </p:nvPr>
-        </p:nvSpPr>
-        <p:spPr>
-          <a:xfrm>
-            <a:off x="946403" y="1717185"/>
-            <a:ext cx="6047177" cy="731520"/>
-          </a:xfrm>
-        </p:spPr>
-        <p:txBody>
-          <a:bodyPr/>
-          <a:lstStyle/>
-          <a:p>
-            <a:r>
-              <a:rPr lang="en-US" dirty="0" smtClean="0"/>
-              <a:t>Proposed Contributions</a:t>
-            </a:r>
-            <a:endParaRPr lang="en-US" dirty="0"/>
-          </a:p>
-        </p:txBody>
-      </p:sp>
-      <p:sp>
-        <p:nvSpPr>
-          <p:cNvPr id="6" name="Content Placeholder 5"/>
-          <p:cNvSpPr>
-            <a:spLocks noGrp="1"/>
-          </p:cNvSpPr>
-          <p:nvPr>
-            <p:ph sz="half" idx="2"/>
-          </p:nvPr>
-        </p:nvSpPr>
-        <p:spPr>
-          <a:xfrm>
-            <a:off x="946403" y="2507550"/>
-            <a:ext cx="6047177" cy="3664650"/>
-          </a:xfrm>
-        </p:spPr>
-        <p:txBody>
-          <a:bodyPr>
-            <a:normAutofit fontScale="92500" lnSpcReduction="20000"/>
-          </a:bodyPr>
-          <a:lstStyle/>
-          <a:p>
-            <a:r>
-              <a:rPr lang="en-US" sz="1800" dirty="0" smtClean="0"/>
-              <a:t>We will develop an add-on to our currently existing modeling language for application business logic which captures the network resources required during each part of the business logic model.</a:t>
-            </a:r>
-          </a:p>
-          <a:p>
-            <a:r>
-              <a:rPr lang="en-US" sz="1800" dirty="0" smtClean="0"/>
-              <a:t>We will develop a compositional technique for generating the network resource requirement profile for an application from the combined business logic models of that application's components.  This is required because the business logic models describe the behavior of the callback associated with a component port, but does not describe the timing of the invocations of that callback.</a:t>
-            </a:r>
-          </a:p>
-          <a:p>
-            <a:r>
-              <a:rPr lang="en-US" sz="1800" dirty="0" smtClean="0"/>
-              <a:t>We will develop test applications for our </a:t>
-            </a:r>
-            <a:r>
-              <a:rPr lang="en-US" sz="1800" dirty="0" err="1" smtClean="0"/>
-              <a:t>testbed</a:t>
-            </a:r>
-            <a:r>
-              <a:rPr lang="en-US" sz="1800" dirty="0" smtClean="0"/>
-              <a:t> which adhere to the business logic models and allow us to measure the accuracy and precision of the predictions using these generated profiles.</a:t>
-            </a:r>
-          </a:p>
-          <a:p>
-            <a:endParaRPr lang="en-US" dirty="0"/>
-          </a:p>
-        </p:txBody>
-      </p:sp>
-      <p:sp>
-        <p:nvSpPr>
-          <p:cNvPr id="3" name="Slide Number Placeholder 2"/>
-          <p:cNvSpPr>
-            <a:spLocks noGrp="1"/>
-          </p:cNvSpPr>
-          <p:nvPr>
-            <p:ph type="sldNum" sz="quarter" idx="12"/>
-          </p:nvPr>
-        </p:nvSpPr>
-        <p:spPr/>
-        <p:txBody>
-          <a:bodyPr/>
-          <a:lstStyle/>
-          <a:p>
-            <a:fld id="{4FAB73BC-B049-4115-A692-8D63A059BFB8}" type="slidenum">
-              <a:rPr lang="en-US" smtClean="0"/>
-              <a:t>27</a:t>
-            </a:fld>
-            <a:endParaRPr lang="en-US" dirty="0"/>
-          </a:p>
-        </p:txBody>
-      </p:sp>
-    </p:spTree>
-    <p:extLst>
-      <p:ext uri="{BB962C8B-B14F-4D97-AF65-F5344CB8AC3E}">
-        <p14:creationId xmlns:p14="http://schemas.microsoft.com/office/powerpoint/2010/main" val="1474561979"/>
       </p:ext>
     </p:extLst>
   </p:cSld>
@@ -14079,13 +14913,13 @@
         <p:spPr/>
         <p:txBody>
           <a:bodyPr>
-            <a:normAutofit/>
+            <a:normAutofit fontScale="90000"/>
           </a:bodyPr>
           <a:lstStyle/>
           <a:p>
             <a:r>
               <a:rPr lang="en-US" dirty="0" smtClean="0"/>
-              <a:t>Analysis of Statically Routed Networks</a:t>
+              <a:t>Generation of Application Network Profiles from Business Logic Models (3/3)</a:t>
             </a:r>
             <a:endParaRPr lang="en-US" dirty="0"/>
           </a:p>
@@ -14093,7 +14927,7 @@
       </p:sp>
       <p:sp>
         <p:nvSpPr>
-          <p:cNvPr id="5" name="Text Placeholder 4"/>
+          <p:cNvPr id="4" name="Text Placeholder 3"/>
           <p:cNvSpPr>
             <a:spLocks noGrp="1"/>
           </p:cNvSpPr>
@@ -14101,14 +14935,19 @@
             <p:ph type="body" idx="1"/>
           </p:nvPr>
         </p:nvSpPr>
-        <p:spPr/>
+        <p:spPr>
+          <a:xfrm>
+            <a:off x="946403" y="1717185"/>
+            <a:ext cx="6047177" cy="731520"/>
+          </a:xfrm>
+        </p:spPr>
         <p:txBody>
           <a:bodyPr/>
           <a:lstStyle/>
           <a:p>
             <a:r>
               <a:rPr lang="en-US" dirty="0" smtClean="0"/>
-              <a:t>Challenges</a:t>
+              <a:t>Proposed Contributions</a:t>
             </a:r>
             <a:endParaRPr lang="en-US" dirty="0"/>
           </a:p>
@@ -14116,7 +14955,7 @@
       </p:sp>
       <p:sp>
         <p:nvSpPr>
-          <p:cNvPr id="3" name="Content Placeholder 2"/>
+          <p:cNvPr id="6" name="Content Placeholder 5"/>
           <p:cNvSpPr>
             <a:spLocks noGrp="1"/>
           </p:cNvSpPr>
@@ -14124,7 +14963,12 @@
             <p:ph sz="half" idx="2"/>
           </p:nvPr>
         </p:nvSpPr>
-        <p:spPr/>
+        <p:spPr>
+          <a:xfrm>
+            <a:off x="946403" y="2507550"/>
+            <a:ext cx="6047177" cy="3664650"/>
+          </a:xfrm>
+        </p:spPr>
         <p:txBody>
           <a:bodyPr>
             <a:normAutofit fontScale="92500" lnSpcReduction="20000"/>
@@ -14132,122 +14976,28 @@
           <a:lstStyle/>
           <a:p>
             <a:r>
-              <a:rPr lang="en-US" dirty="0" smtClean="0"/>
-              <a:t>Most realistic networks require some form of message routing</a:t>
-            </a:r>
-          </a:p>
-          <a:p>
-            <a:pPr lvl="1"/>
-            <a:r>
-              <a:rPr lang="en-US" dirty="0" smtClean="0"/>
-              <a:t>Not all</a:t>
-            </a:r>
-            <a:r>
-              <a:rPr lang="en-US" dirty="0"/>
-              <a:t> </a:t>
-            </a:r>
-            <a:r>
-              <a:rPr lang="en-US" dirty="0" smtClean="0"/>
-              <a:t>nodes</a:t>
-            </a:r>
-            <a:r>
-              <a:rPr lang="en-US" dirty="0"/>
-              <a:t> </a:t>
-            </a:r>
-            <a:r>
-              <a:rPr lang="en-US" dirty="0" smtClean="0"/>
-              <a:t>have a direct communications link to each other</a:t>
-            </a:r>
-          </a:p>
-          <a:p>
-            <a:pPr lvl="1"/>
-            <a:r>
-              <a:rPr lang="en-US" dirty="0" smtClean="0"/>
-              <a:t>Due</a:t>
-            </a:r>
-            <a:r>
-              <a:rPr lang="en-US" dirty="0"/>
-              <a:t> </a:t>
-            </a:r>
-            <a:r>
-              <a:rPr lang="en-US" dirty="0" smtClean="0"/>
-              <a:t>to</a:t>
-            </a:r>
-            <a:r>
-              <a:rPr lang="en-US" dirty="0"/>
-              <a:t> </a:t>
-            </a:r>
-            <a:r>
-              <a:rPr lang="en-US" dirty="0" smtClean="0"/>
-              <a:t>e.g.</a:t>
-            </a:r>
-            <a:r>
-              <a:rPr lang="en-US" dirty="0"/>
-              <a:t> </a:t>
-            </a:r>
-            <a:r>
-              <a:rPr lang="en-US" dirty="0" smtClean="0"/>
-              <a:t>obstructions, local interference, etc.</a:t>
-            </a:r>
-          </a:p>
-          <a:p>
-            <a:r>
-              <a:rPr lang="en-US" dirty="0" smtClean="0"/>
-              <a:t>Routing</a:t>
-            </a:r>
-            <a:r>
-              <a:rPr lang="en-US" dirty="0"/>
-              <a:t> </a:t>
-            </a:r>
-            <a:r>
-              <a:rPr lang="en-US" dirty="0" smtClean="0"/>
-              <a:t>allows</a:t>
-            </a:r>
-            <a:r>
-              <a:rPr lang="en-US" dirty="0"/>
-              <a:t> </a:t>
-            </a:r>
-            <a:r>
-              <a:rPr lang="en-US" dirty="0" smtClean="0"/>
-              <a:t>for</a:t>
-            </a:r>
-            <a:r>
-              <a:rPr lang="en-US" dirty="0"/>
-              <a:t> </a:t>
-            </a:r>
-            <a:r>
-              <a:rPr lang="en-US" dirty="0" smtClean="0"/>
-              <a:t>more</a:t>
-            </a:r>
-            <a:r>
-              <a:rPr lang="en-US" dirty="0"/>
-              <a:t> </a:t>
-            </a:r>
-            <a:r>
-              <a:rPr lang="en-US" dirty="0" smtClean="0"/>
-              <a:t>flexibility</a:t>
-            </a:r>
-            <a:r>
-              <a:rPr lang="en-US" dirty="0"/>
-              <a:t> </a:t>
-            </a:r>
-            <a:r>
-              <a:rPr lang="en-US" dirty="0" smtClean="0"/>
-              <a:t>with</a:t>
-            </a:r>
-            <a:r>
-              <a:rPr lang="en-US" dirty="0"/>
-              <a:t> </a:t>
-            </a:r>
-            <a:r>
-              <a:rPr lang="en-US" dirty="0" smtClean="0"/>
-              <a:t>respect to system deployment and connectivity</a:t>
-            </a:r>
-          </a:p>
-          <a:p>
-            <a:r>
-              <a:rPr lang="en-US" dirty="0" smtClean="0"/>
-              <a:t>Routing can be either pre-defined at deployment time (static) or configured dynamically at run-time</a:t>
+              <a:rPr lang="en-US" sz="1800" dirty="0" smtClean="0"/>
+              <a:t>We will develop an add-on to our currently existing modeling language for application business logic which captures the network resources required during each part of the business logic model.</a:t>
+            </a:r>
+          </a:p>
+          <a:p>
+            <a:r>
+              <a:rPr lang="en-US" sz="1800" dirty="0" smtClean="0"/>
+              <a:t>We will develop a compositional technique for generating the network resource requirement profile for an application from the combined business logic models of that application's components.  This is required because the business logic models describe the behavior of the callback associated with a component port, but does not describe the timing of the invocations of that callback.</a:t>
+            </a:r>
+          </a:p>
+          <a:p>
+            <a:r>
+              <a:rPr lang="en-US" sz="1800" dirty="0" smtClean="0"/>
+              <a:t>We will develop test applications for our </a:t>
+            </a:r>
+            <a:r>
+              <a:rPr lang="en-US" sz="1800" dirty="0" err="1" smtClean="0"/>
+              <a:t>testbed</a:t>
+            </a:r>
+            <a:r>
+              <a:rPr lang="en-US" sz="1800" dirty="0" smtClean="0"/>
+              <a:t> which adhere to the business logic models and allow us to measure the accuracy and precision of the predictions using these generated profiles.</a:t>
             </a:r>
           </a:p>
           <a:p>
@@ -14257,84 +15007,7 @@
       </p:sp>
       <p:sp>
         <p:nvSpPr>
-          <p:cNvPr id="9" name="Text Placeholder 8"/>
-          <p:cNvSpPr>
-            <a:spLocks noGrp="1"/>
-          </p:cNvSpPr>
-          <p:nvPr>
-            <p:ph type="body" sz="quarter" idx="13"/>
-          </p:nvPr>
-        </p:nvSpPr>
-        <p:spPr/>
-        <p:txBody>
-          <a:bodyPr/>
-          <a:lstStyle/>
-          <a:p>
-            <a:r>
-              <a:rPr lang="en-US" dirty="0" smtClean="0"/>
-              <a:t>Proposed Contributions</a:t>
-            </a:r>
-            <a:endParaRPr lang="en-US" dirty="0"/>
-          </a:p>
-        </p:txBody>
-      </p:sp>
-      <p:sp>
-        <p:nvSpPr>
-          <p:cNvPr id="7" name="Content Placeholder 6"/>
-          <p:cNvSpPr>
-            <a:spLocks noGrp="1"/>
-          </p:cNvSpPr>
-          <p:nvPr>
-            <p:ph sz="quarter" idx="4"/>
-          </p:nvPr>
-        </p:nvSpPr>
-        <p:spPr/>
-        <p:txBody>
-          <a:bodyPr>
-            <a:normAutofit fontScale="92500" lnSpcReduction="20000"/>
-          </a:bodyPr>
-          <a:lstStyle/>
-          <a:p>
-            <a:r>
-              <a:rPr lang="en-US" dirty="0" smtClean="0"/>
-              <a:t>We consider a case of routing in ad-hoc networks:</a:t>
-            </a:r>
-          </a:p>
-          <a:p>
-            <a:pPr lvl="1"/>
-            <a:r>
-              <a:rPr lang="en-US" b="1" dirty="0" smtClean="0"/>
-              <a:t>one or more nodes can route messages for other nodes</a:t>
-            </a:r>
-          </a:p>
-          <a:p>
-            <a:r>
-              <a:rPr lang="en-US" dirty="0" smtClean="0"/>
-              <a:t>We will extend our network resource modeling and analysis techniques to support networks in which system nodes can act as routers for packets in the network.</a:t>
-            </a:r>
-          </a:p>
-          <a:p>
-            <a:r>
-              <a:rPr lang="en-US" dirty="0" smtClean="0"/>
-              <a:t>We will show experimentally the validity of the analysis results using our </a:t>
-            </a:r>
-            <a:r>
-              <a:rPr lang="en-US" dirty="0" err="1" smtClean="0"/>
-              <a:t>testbed</a:t>
-            </a:r>
-            <a:r>
-              <a:rPr lang="en-US" dirty="0" smtClean="0"/>
-              <a:t> and test applications.</a:t>
-            </a:r>
-          </a:p>
-          <a:p>
-            <a:endParaRPr lang="en-US" dirty="0"/>
-          </a:p>
-        </p:txBody>
-      </p:sp>
-      <p:sp>
-        <p:nvSpPr>
-          <p:cNvPr id="4" name="Slide Number Placeholder 3"/>
+          <p:cNvPr id="3" name="Slide Number Placeholder 2"/>
           <p:cNvSpPr>
             <a:spLocks noGrp="1"/>
           </p:cNvSpPr>
@@ -14358,7 +15031,7 @@
     </p:spTree>
     <p:extLst>
       <p:ext uri="{BB962C8B-B14F-4D97-AF65-F5344CB8AC3E}">
-        <p14:creationId xmlns:p14="http://schemas.microsoft.com/office/powerpoint/2010/main" val="1169702747"/>
+        <p14:creationId xmlns:p14="http://schemas.microsoft.com/office/powerpoint/2010/main" val="1474561979"/>
       </p:ext>
     </p:extLst>
   </p:cSld>
@@ -14411,23 +15084,7 @@
           <a:p>
             <a:r>
               <a:rPr lang="en-US" dirty="0" smtClean="0"/>
-              <a:t>Comparison of </a:t>
-            </a:r>
-            <a:r>
-              <a:rPr lang="en-US" dirty="0"/>
-              <a:t>PNP</a:t>
-            </a:r>
-            <a:r>
-              <a:rPr lang="en-US" baseline="30000" dirty="0"/>
-              <a:t>2</a:t>
-            </a:r>
-            <a:r>
-              <a:rPr lang="en-US" dirty="0" smtClean="0"/>
-              <a:t> </a:t>
-            </a:r>
-            <a:r>
-              <a:rPr lang="en-US" dirty="0" smtClean="0"/>
-              <a:t>to Network Calculus</a:t>
+              <a:t>Analysis of Statically Routed Networks</a:t>
             </a:r>
             <a:endParaRPr lang="en-US" dirty="0"/>
           </a:p>
@@ -14435,53 +15092,241 @@
       </p:sp>
       <p:sp>
         <p:nvSpPr>
+          <p:cNvPr id="5" name="Text Placeholder 4"/>
+          <p:cNvSpPr>
+            <a:spLocks noGrp="1"/>
+          </p:cNvSpPr>
+          <p:nvPr>
+            <p:ph type="body" idx="1"/>
+          </p:nvPr>
+        </p:nvSpPr>
+        <p:spPr/>
+        <p:txBody>
+          <a:bodyPr/>
+          <a:lstStyle/>
+          <a:p>
+            <a:r>
+              <a:rPr lang="en-US" dirty="0" smtClean="0"/>
+              <a:t>Challenges</a:t>
+            </a:r>
+            <a:endParaRPr lang="en-US" dirty="0"/>
+          </a:p>
+        </p:txBody>
+      </p:sp>
+      <p:sp>
+        <p:nvSpPr>
           <p:cNvPr id="3" name="Content Placeholder 2"/>
           <p:cNvSpPr>
             <a:spLocks noGrp="1"/>
           </p:cNvSpPr>
           <p:nvPr>
-            <p:ph idx="1"/>
+            <p:ph sz="half" idx="2"/>
           </p:nvPr>
         </p:nvSpPr>
         <p:spPr/>
         <p:txBody>
           <a:bodyPr>
-            <a:normAutofit/>
+            <a:normAutofit fontScale="92500" lnSpcReduction="20000"/>
           </a:bodyPr>
           <a:lstStyle/>
           <a:p>
             <a:r>
               <a:rPr lang="en-US" dirty="0" smtClean="0"/>
-              <a:t>By showing that the main concepts of Network Calculus, e.g. compositionality, hold for </a:t>
+              <a:t>Most realistic networks require some form of message routing</a:t>
+            </a:r>
+          </a:p>
+          <a:p>
+            <a:pPr lvl="1"/>
+            <a:r>
+              <a:rPr lang="en-US" dirty="0" smtClean="0"/>
+              <a:t>Not all</a:t>
             </a:r>
             <a:r>
               <a:rPr lang="en-US" dirty="0"/>
-              <a:t>PNP</a:t>
-            </a:r>
-            <a:r>
-              <a:rPr lang="en-US" baseline="30000" dirty="0"/>
-              <a:t>2</a:t>
-            </a:r>
-            <a:r>
-              <a:rPr lang="en-US" dirty="0" smtClean="0"/>
-              <a:t>, </a:t>
-            </a:r>
-            <a:r>
-              <a:rPr lang="en-US" dirty="0" smtClean="0"/>
-              <a:t>we show the capability for similar systems-theory based analysis approaches</a:t>
-            </a:r>
-          </a:p>
-          <a:p>
-            <a:r>
-              <a:rPr lang="en-US" dirty="0" smtClean="0"/>
-              <a:t>We will mathematically analyze the differences between the proposed technique and Network Calculus, showing that compositionality (i.e. concatenation of nodes in NC) applies to our analysis techniques</a:t>
-            </a:r>
-          </a:p>
-          <a:p>
-            <a:r>
-              <a:rPr lang="en-US" dirty="0" smtClean="0"/>
-              <a:t>We will analyze network flow composition to formalize operations for flow aggregation</a:t>
-            </a:r>
+              <a:t> </a:t>
+            </a:r>
+            <a:r>
+              <a:rPr lang="en-US" dirty="0" smtClean="0"/>
+              <a:t>nodes</a:t>
+            </a:r>
+            <a:r>
+              <a:rPr lang="en-US" dirty="0"/>
+              <a:t> </a:t>
+            </a:r>
+            <a:r>
+              <a:rPr lang="en-US" dirty="0" smtClean="0"/>
+              <a:t>have a direct communications link to each other</a:t>
+            </a:r>
+          </a:p>
+          <a:p>
+            <a:pPr lvl="1"/>
+            <a:r>
+              <a:rPr lang="en-US" dirty="0" smtClean="0"/>
+              <a:t>Due</a:t>
+            </a:r>
+            <a:r>
+              <a:rPr lang="en-US" dirty="0"/>
+              <a:t> </a:t>
+            </a:r>
+            <a:r>
+              <a:rPr lang="en-US" dirty="0" smtClean="0"/>
+              <a:t>to</a:t>
+            </a:r>
+            <a:r>
+              <a:rPr lang="en-US" dirty="0"/>
+              <a:t> </a:t>
+            </a:r>
+            <a:r>
+              <a:rPr lang="en-US" dirty="0" smtClean="0"/>
+              <a:t>e.g.</a:t>
+            </a:r>
+            <a:r>
+              <a:rPr lang="en-US" dirty="0"/>
+              <a:t> </a:t>
+            </a:r>
+            <a:r>
+              <a:rPr lang="en-US" dirty="0" smtClean="0"/>
+              <a:t>obstructions, local interference, etc.</a:t>
+            </a:r>
+          </a:p>
+          <a:p>
+            <a:r>
+              <a:rPr lang="en-US" dirty="0" smtClean="0"/>
+              <a:t>Routing</a:t>
+            </a:r>
+            <a:r>
+              <a:rPr lang="en-US" dirty="0"/>
+              <a:t> </a:t>
+            </a:r>
+            <a:r>
+              <a:rPr lang="en-US" dirty="0" smtClean="0"/>
+              <a:t>allows</a:t>
+            </a:r>
+            <a:r>
+              <a:rPr lang="en-US" dirty="0"/>
+              <a:t> </a:t>
+            </a:r>
+            <a:r>
+              <a:rPr lang="en-US" dirty="0" smtClean="0"/>
+              <a:t>for</a:t>
+            </a:r>
+            <a:r>
+              <a:rPr lang="en-US" dirty="0"/>
+              <a:t> </a:t>
+            </a:r>
+            <a:r>
+              <a:rPr lang="en-US" dirty="0" smtClean="0"/>
+              <a:t>more</a:t>
+            </a:r>
+            <a:r>
+              <a:rPr lang="en-US" dirty="0"/>
+              <a:t> </a:t>
+            </a:r>
+            <a:r>
+              <a:rPr lang="en-US" dirty="0" smtClean="0"/>
+              <a:t>flexibility</a:t>
+            </a:r>
+            <a:r>
+              <a:rPr lang="en-US" dirty="0"/>
+              <a:t> </a:t>
+            </a:r>
+            <a:r>
+              <a:rPr lang="en-US" dirty="0" smtClean="0"/>
+              <a:t>with</a:t>
+            </a:r>
+            <a:r>
+              <a:rPr lang="en-US" dirty="0"/>
+              <a:t> </a:t>
+            </a:r>
+            <a:r>
+              <a:rPr lang="en-US" dirty="0" smtClean="0"/>
+              <a:t>respect to system deployment and connectivity</a:t>
+            </a:r>
+          </a:p>
+          <a:p>
+            <a:r>
+              <a:rPr lang="en-US" dirty="0" smtClean="0"/>
+              <a:t>Routing can be either pre-defined at deployment time (static) or configured dynamically at run-time</a:t>
+            </a:r>
+          </a:p>
+          <a:p>
+            <a:endParaRPr lang="en-US" dirty="0"/>
+          </a:p>
+        </p:txBody>
+      </p:sp>
+      <p:sp>
+        <p:nvSpPr>
+          <p:cNvPr id="9" name="Text Placeholder 8"/>
+          <p:cNvSpPr>
+            <a:spLocks noGrp="1"/>
+          </p:cNvSpPr>
+          <p:nvPr>
+            <p:ph type="body" sz="quarter" idx="13"/>
+          </p:nvPr>
+        </p:nvSpPr>
+        <p:spPr/>
+        <p:txBody>
+          <a:bodyPr/>
+          <a:lstStyle/>
+          <a:p>
+            <a:r>
+              <a:rPr lang="en-US" dirty="0" smtClean="0"/>
+              <a:t>Proposed Contributions</a:t>
+            </a:r>
+            <a:endParaRPr lang="en-US" dirty="0"/>
+          </a:p>
+        </p:txBody>
+      </p:sp>
+      <p:sp>
+        <p:nvSpPr>
+          <p:cNvPr id="7" name="Content Placeholder 6"/>
+          <p:cNvSpPr>
+            <a:spLocks noGrp="1"/>
+          </p:cNvSpPr>
+          <p:nvPr>
+            <p:ph sz="quarter" idx="4"/>
+          </p:nvPr>
+        </p:nvSpPr>
+        <p:spPr/>
+        <p:txBody>
+          <a:bodyPr>
+            <a:normAutofit fontScale="92500" lnSpcReduction="20000"/>
+          </a:bodyPr>
+          <a:lstStyle/>
+          <a:p>
+            <a:r>
+              <a:rPr lang="en-US" dirty="0" smtClean="0"/>
+              <a:t>We consider a case of routing in ad-hoc networks:</a:t>
+            </a:r>
+          </a:p>
+          <a:p>
+            <a:pPr lvl="1"/>
+            <a:r>
+              <a:rPr lang="en-US" b="1" dirty="0" smtClean="0"/>
+              <a:t>one or more nodes can route messages for other nodes</a:t>
+            </a:r>
+          </a:p>
+          <a:p>
+            <a:r>
+              <a:rPr lang="en-US" dirty="0" smtClean="0"/>
+              <a:t>We will extend our network resource modeling and analysis techniques to support networks in which system nodes can act as routers for packets in the network.</a:t>
+            </a:r>
+          </a:p>
+          <a:p>
+            <a:r>
+              <a:rPr lang="en-US" dirty="0" smtClean="0"/>
+              <a:t>We will show experimentally the validity of the analysis results using our </a:t>
+            </a:r>
+            <a:r>
+              <a:rPr lang="en-US" dirty="0" err="1" smtClean="0"/>
+              <a:t>testbed</a:t>
+            </a:r>
+            <a:r>
+              <a:rPr lang="en-US" dirty="0" smtClean="0"/>
+              <a:t> and test applications.</a:t>
+            </a:r>
+          </a:p>
+          <a:p>
             <a:endParaRPr lang="en-US" dirty="0"/>
           </a:p>
         </p:txBody>
@@ -14512,7 +15357,7 @@
     </p:spTree>
     <p:extLst>
       <p:ext uri="{BB962C8B-B14F-4D97-AF65-F5344CB8AC3E}">
-        <p14:creationId xmlns:p14="http://schemas.microsoft.com/office/powerpoint/2010/main" val="3262185113"/>
+        <p14:creationId xmlns:p14="http://schemas.microsoft.com/office/powerpoint/2010/main" val="1169702747"/>
       </p:ext>
     </p:extLst>
   </p:cSld>
@@ -15019,7 +15864,23 @@
           <a:p>
             <a:r>
               <a:rPr lang="en-US" dirty="0" smtClean="0"/>
-              <a:t>Network Application Fault/Anomaly Classification</a:t>
+              <a:t>Comparison of </a:t>
+            </a:r>
+            <a:r>
+              <a:rPr lang="en-US" dirty="0"/>
+              <a:t>PNP</a:t>
+            </a:r>
+            <a:r>
+              <a:rPr lang="en-US" baseline="30000" dirty="0"/>
+              <a:t>2</a:t>
+            </a:r>
+            <a:r>
+              <a:rPr lang="en-US" dirty="0" smtClean="0"/>
+              <a:t> </a:t>
+            </a:r>
+            <a:r>
+              <a:rPr lang="en-US" dirty="0" smtClean="0"/>
+              <a:t>to Network Calculus</a:t>
             </a:r>
             <a:endParaRPr lang="en-US" dirty="0"/>
           </a:p>
@@ -15037,87 +15898,42 @@
         </p:nvSpPr>
         <p:spPr/>
         <p:txBody>
-          <a:bodyPr/>
+          <a:bodyPr>
+            <a:normAutofit/>
+          </a:bodyPr>
           <a:lstStyle/>
           <a:p>
             <a:r>
               <a:rPr lang="en-US" dirty="0" smtClean="0"/>
-              <a:t>We will use our </a:t>
-            </a:r>
-            <a:r>
-              <a:rPr lang="en-US" dirty="0" err="1" smtClean="0"/>
-              <a:t>testbed</a:t>
-            </a:r>
-            <a:r>
-              <a:rPr lang="en-US" dirty="0" smtClean="0"/>
-              <a:t> to run distributed network tests to classify certain types of anomalies, e.g. </a:t>
-            </a:r>
-            <a:r>
-              <a:rPr lang="en-US" dirty="0" err="1" smtClean="0"/>
-              <a:t>DDoS</a:t>
-            </a:r>
-            <a:r>
-              <a:rPr lang="en-US" dirty="0" smtClean="0"/>
-              <a:t> attacks from compromised applications within the cluster.</a:t>
-            </a:r>
-          </a:p>
-          <a:p>
-            <a:pPr lvl="1"/>
-            <a:r>
-              <a:rPr lang="en-US" dirty="0" smtClean="0"/>
-              <a:t>Cluster</a:t>
+              <a:t>By showing that the main concepts of Network Calculus, e.g. compositionality, hold for </a:t>
             </a:r>
             <a:r>
               <a:rPr lang="en-US" dirty="0"/>
-              <a:t> </a:t>
-            </a:r>
-            <a:r>
-              <a:rPr lang="en-US" dirty="0" smtClean="0"/>
-              <a:t>is</a:t>
-            </a:r>
-            <a:r>
-              <a:rPr lang="en-US" dirty="0"/>
-              <a:t> </a:t>
-            </a:r>
-            <a:r>
-              <a:rPr lang="en-US" dirty="0" smtClean="0"/>
-              <a:t>a</a:t>
-            </a:r>
-            <a:r>
-              <a:rPr lang="en-US" dirty="0"/>
-              <a:t> </a:t>
-            </a:r>
-            <a:r>
-              <a:rPr lang="en-US" b="1" dirty="0" smtClean="0"/>
-              <a:t>managed</a:t>
-            </a:r>
-            <a:r>
-              <a:rPr lang="en-US" dirty="0"/>
-              <a:t> </a:t>
-            </a:r>
-            <a:r>
-              <a:rPr lang="en-US" dirty="0" smtClean="0"/>
-              <a:t>system; we have full control over all layers on each node, but not the applications</a:t>
-            </a:r>
-          </a:p>
-          <a:p>
-            <a:r>
-              <a:rPr lang="en-US" dirty="0" smtClean="0"/>
-              <a:t>We will use the network resource utilization measurements gained from the tests to derive metrics which allow us to differentiate between classes of behavior, e.g. standard/stable application behavior vs. </a:t>
-            </a:r>
-            <a:r>
-              <a:rPr lang="en-US" dirty="0" err="1" smtClean="0"/>
-              <a:t>DDoS</a:t>
-            </a:r>
-            <a:r>
-              <a:rPr lang="en-US" dirty="0" smtClean="0"/>
-              <a:t> behavior.</a:t>
-            </a:r>
-          </a:p>
-          <a:p>
-            <a:r>
-              <a:rPr lang="en-US" dirty="0" smtClean="0"/>
-              <a:t>We will then use the classifications to show that the system can detect these types of attacks, mitigate their propagation, and report the attack to the system's manager.</a:t>
+              <a:t>PNP</a:t>
+            </a:r>
+            <a:r>
+              <a:rPr lang="en-US" baseline="30000" dirty="0"/>
+              <a:t>2</a:t>
+            </a:r>
+            <a:r>
+              <a:rPr lang="en-US" dirty="0" smtClean="0"/>
+              <a:t>, </a:t>
+            </a:r>
+            <a:r>
+              <a:rPr lang="en-US" dirty="0" smtClean="0"/>
+              <a:t>we show the capability for similar systems-theory based analysis approaches</a:t>
+            </a:r>
+          </a:p>
+          <a:p>
+            <a:r>
+              <a:rPr lang="en-US" dirty="0" smtClean="0"/>
+              <a:t>We will mathematically analyze the differences between the proposed technique and Network Calculus, showing that compositionality (i.e. concatenation of nodes in NC) applies to our analysis techniques</a:t>
+            </a:r>
+          </a:p>
+          <a:p>
+            <a:r>
+              <a:rPr lang="en-US" dirty="0" smtClean="0"/>
+              <a:t>We will analyze network flow composition to formalize operations for flow aggregation</a:t>
             </a:r>
             <a:endParaRPr lang="en-US" dirty="0"/>
           </a:p>
@@ -15149,7 +15965,7 @@
     </p:spTree>
     <p:extLst>
       <p:ext uri="{BB962C8B-B14F-4D97-AF65-F5344CB8AC3E}">
-        <p14:creationId xmlns:p14="http://schemas.microsoft.com/office/powerpoint/2010/main" val="1688782407"/>
+        <p14:creationId xmlns:p14="http://schemas.microsoft.com/office/powerpoint/2010/main" val="3262185113"/>
       </p:ext>
     </p:extLst>
   </p:cSld>
@@ -15195,12 +16011,112 @@
         </p:nvSpPr>
         <p:spPr/>
         <p:txBody>
+          <a:bodyPr>
+            <a:normAutofit/>
+          </a:bodyPr>
+          <a:lstStyle/>
+          <a:p>
+            <a:r>
+              <a:rPr lang="en-US" dirty="0" smtClean="0"/>
+              <a:t>Network Application Fault/Anomaly Classification</a:t>
+            </a:r>
+            <a:endParaRPr lang="en-US" dirty="0"/>
+          </a:p>
+        </p:txBody>
+      </p:sp>
+      <p:sp>
+        <p:nvSpPr>
+          <p:cNvPr id="3" name="Content Placeholder 2"/>
+          <p:cNvSpPr>
+            <a:spLocks noGrp="1"/>
+          </p:cNvSpPr>
+          <p:nvPr>
+            <p:ph idx="1"/>
+          </p:nvPr>
+        </p:nvSpPr>
+        <p:spPr/>
+        <p:txBody>
           <a:bodyPr/>
           <a:lstStyle/>
           <a:p>
             <a:r>
               <a:rPr lang="en-US" dirty="0" smtClean="0"/>
-              <a:t>Conclusions and Future Work</a:t>
+              <a:t>We will use our </a:t>
+            </a:r>
+            <a:r>
+              <a:rPr lang="en-US" dirty="0" err="1" smtClean="0"/>
+              <a:t>testbed</a:t>
+            </a:r>
+            <a:r>
+              <a:rPr lang="en-US" dirty="0" smtClean="0"/>
+              <a:t> to run distributed network tests to classify certain types of anomalies, e.g. </a:t>
+            </a:r>
+            <a:r>
+              <a:rPr lang="en-US" dirty="0" err="1" smtClean="0"/>
+              <a:t>DDoS</a:t>
+            </a:r>
+            <a:r>
+              <a:rPr lang="en-US" dirty="0" smtClean="0"/>
+              <a:t> attacks from compromised applications within the cluster.</a:t>
+            </a:r>
+          </a:p>
+          <a:p>
+            <a:pPr lvl="1"/>
+            <a:r>
+              <a:rPr lang="en-US" dirty="0" smtClean="0"/>
+              <a:t>Cluster</a:t>
+            </a:r>
+            <a:r>
+              <a:rPr lang="en-US" dirty="0"/>
+              <a:t> </a:t>
+            </a:r>
+            <a:r>
+              <a:rPr lang="en-US" dirty="0" smtClean="0"/>
+              <a:t>is</a:t>
+            </a:r>
+            <a:r>
+              <a:rPr lang="en-US" dirty="0"/>
+              <a:t> </a:t>
+            </a:r>
+            <a:r>
+              <a:rPr lang="en-US" dirty="0" smtClean="0"/>
+              <a:t>a</a:t>
+            </a:r>
+            <a:r>
+              <a:rPr lang="en-US" dirty="0"/>
+              <a:t> </a:t>
+            </a:r>
+            <a:r>
+              <a:rPr lang="en-US" b="1" dirty="0" smtClean="0"/>
+              <a:t>managed</a:t>
+            </a:r>
+            <a:r>
+              <a:rPr lang="en-US" dirty="0"/>
+              <a:t> </a:t>
+            </a:r>
+            <a:r>
+              <a:rPr lang="en-US" dirty="0" smtClean="0"/>
+              <a:t>system; we have full control over all layers on each node, but not the applications</a:t>
+            </a:r>
+          </a:p>
+          <a:p>
+            <a:r>
+              <a:rPr lang="en-US" dirty="0" smtClean="0"/>
+              <a:t>We will use the network resource utilization measurements gained from the tests to derive metrics which allow us to differentiate between classes of behavior, e.g. standard/stable application behavior vs. </a:t>
+            </a:r>
+            <a:r>
+              <a:rPr lang="en-US" dirty="0" err="1" smtClean="0"/>
+              <a:t>DDoS</a:t>
+            </a:r>
+            <a:r>
+              <a:rPr lang="en-US" dirty="0" smtClean="0"/>
+              <a:t> behavior.</a:t>
+            </a:r>
+          </a:p>
+          <a:p>
+            <a:r>
+              <a:rPr lang="en-US" dirty="0" smtClean="0"/>
+              <a:t>We will then use the classifications to show that the system can detect these types of attacks, mitigate their propagation, and report the attack to the system's manager.</a:t>
             </a:r>
             <a:endParaRPr lang="en-US" dirty="0"/>
           </a:p>
@@ -15208,85 +16124,7 @@
       </p:sp>
       <p:sp>
         <p:nvSpPr>
-          <p:cNvPr id="3" name="Content Placeholder 2"/>
-          <p:cNvSpPr>
-            <a:spLocks noGrp="1"/>
-          </p:cNvSpPr>
-          <p:nvPr>
-            <p:ph idx="1"/>
-          </p:nvPr>
-        </p:nvSpPr>
-        <p:spPr>
-          <a:xfrm>
-            <a:off x="946404" y="1828801"/>
-            <a:ext cx="6446520" cy="2744915"/>
-          </a:xfrm>
-        </p:spPr>
-        <p:txBody>
-          <a:bodyPr>
-            <a:noAutofit/>
-          </a:bodyPr>
-          <a:lstStyle/>
-          <a:p>
-            <a:r>
-              <a:rPr lang="en-US" sz="1200" dirty="0" smtClean="0"/>
-              <a:t>Certain</a:t>
-            </a:r>
-            <a:r>
-              <a:rPr lang="en-US" sz="1200" dirty="0"/>
-              <a:t> </a:t>
-            </a:r>
-            <a:r>
-              <a:rPr lang="en-US" sz="1200" dirty="0" smtClean="0"/>
-              <a:t>classes of distributed, real-time, embedded, cyber-physical systems require strict design-time guarantees about resource utilization and performance</a:t>
-            </a:r>
-          </a:p>
-          <a:p>
-            <a:pPr lvl="1"/>
-            <a:r>
-              <a:rPr lang="en-US" sz="1000" dirty="0" smtClean="0"/>
-              <a:t>Network resources are now critical for distributed CPS</a:t>
-            </a:r>
-          </a:p>
-          <a:p>
-            <a:r>
-              <a:rPr lang="en-US" sz="1200" dirty="0" smtClean="0"/>
-              <a:t>Current simulation or analysis techniques are too conservative at best, too inaccurate at worst</a:t>
-            </a:r>
-          </a:p>
-          <a:p>
-            <a:r>
-              <a:rPr lang="en-US" sz="1200" dirty="0" smtClean="0"/>
-              <a:t>Our proposed work extends previous work to increase the fidelity of the analysis results with respect to the run-time system</a:t>
-            </a:r>
-          </a:p>
-          <a:p>
-            <a:pPr lvl="1"/>
-            <a:r>
-              <a:rPr lang="en-US" sz="1200" dirty="0" smtClean="0"/>
-              <a:t>The</a:t>
-            </a:r>
-            <a:r>
-              <a:rPr lang="en-US" sz="1200" dirty="0"/>
-              <a:t> </a:t>
-            </a:r>
-            <a:r>
-              <a:rPr lang="en-US" sz="1200" dirty="0" smtClean="0"/>
-              <a:t>inclusion of temporal/physical dynamics into the analysis is paramount to providing strict performance guarantees</a:t>
-            </a:r>
-          </a:p>
-          <a:p>
-            <a:r>
-              <a:rPr lang="en-US" sz="1200" dirty="0" smtClean="0"/>
-              <a:t>We have described some remaining work in the field and outlined our plans to address it</a:t>
-            </a:r>
-            <a:endParaRPr lang="en-US" sz="1200" dirty="0"/>
-          </a:p>
-        </p:txBody>
-      </p:sp>
-      <p:sp>
-        <p:nvSpPr>
-          <p:cNvPr id="5" name="Slide Number Placeholder 4"/>
+          <p:cNvPr id="4" name="Slide Number Placeholder 3"/>
           <p:cNvSpPr>
             <a:spLocks noGrp="1"/>
           </p:cNvSpPr>
@@ -15310,7 +16148,7 @@
     </p:spTree>
     <p:extLst>
       <p:ext uri="{BB962C8B-B14F-4D97-AF65-F5344CB8AC3E}">
-        <p14:creationId xmlns:p14="http://schemas.microsoft.com/office/powerpoint/2010/main" val="1316710534"/>
+        <p14:creationId xmlns:p14="http://schemas.microsoft.com/office/powerpoint/2010/main" val="1688782407"/>
       </p:ext>
     </p:extLst>
   </p:cSld>
@@ -15361,7 +16199,7 @@
           <a:p>
             <a:r>
               <a:rPr lang="en-US" dirty="0" smtClean="0"/>
-              <a:t>Publications</a:t>
+              <a:t>Conclusions and Future Work</a:t>
             </a:r>
             <a:endParaRPr lang="en-US" dirty="0"/>
           </a:p>
@@ -15377,321 +16215,77 @@
             <p:ph idx="1"/>
           </p:nvPr>
         </p:nvSpPr>
-        <p:spPr/>
+        <p:spPr>
+          <a:xfrm>
+            <a:off x="946404" y="1828801"/>
+            <a:ext cx="6446520" cy="2744915"/>
+          </a:xfrm>
+        </p:spPr>
         <p:txBody>
           <a:bodyPr>
-            <a:normAutofit lnSpcReduction="10000"/>
+            <a:noAutofit/>
           </a:bodyPr>
           <a:lstStyle/>
           <a:p>
             <a:r>
-              <a:rPr lang="en-US" sz="800" b="0" i="0" u="none" strike="noStrike" baseline="0" dirty="0" smtClean="0">
-                <a:latin typeface="NimbusRomNo9L-Regu"/>
-              </a:rPr>
-              <a:t>W. Emfinger and G. Karsai. Modeling network medium access protocols for network quality of service analysis. In </a:t>
-            </a:r>
-            <a:r>
-              <a:rPr lang="en-US" sz="800" b="0" i="0" u="none" strike="noStrike" baseline="0" dirty="0" smtClean="0">
-                <a:latin typeface="NimbusRomNo9L-ReguItal"/>
-              </a:rPr>
-              <a:t>Proceedings of the 18th IEEE Symposium on Real-Time Computing (ISORC)</a:t>
-            </a:r>
-            <a:r>
-              <a:rPr lang="en-US" sz="800" b="0" i="0" u="none" strike="noStrike" baseline="0" dirty="0" smtClean="0">
-                <a:latin typeface="NimbusRomNo9L-Regu"/>
-              </a:rPr>
-              <a:t>, ISORC ’15, pages 44–47, Auckland, New Zealand, 2015. IEEE</a:t>
-            </a:r>
-          </a:p>
-          <a:p>
-            <a:r>
-              <a:rPr lang="en-US" sz="800" b="0" i="0" u="none" strike="noStrike" baseline="0" dirty="0" smtClean="0">
-                <a:latin typeface="NimbusRomNo9L-Regu"/>
-              </a:rPr>
-              <a:t>W. Emfinger, G. Karsai, A. Dubey, and A. Gokhale. Analysis, verification, and management </a:t>
-            </a:r>
-            <a:r>
-              <a:rPr lang="en-US" sz="800" b="0" i="0" u="none" strike="noStrike" baseline="0" dirty="0" err="1" smtClean="0">
-                <a:latin typeface="NimbusRomNo9L-Regu"/>
-              </a:rPr>
-              <a:t>toolsuite</a:t>
-            </a:r>
-            <a:r>
-              <a:rPr lang="en-US" sz="800" b="0" i="0" u="none" strike="noStrike" baseline="0" dirty="0" smtClean="0">
-                <a:latin typeface="NimbusRomNo9L-Regu"/>
-              </a:rPr>
-              <a:t> for cyber-physical applications on time-varying networks. In </a:t>
-            </a:r>
-            <a:r>
-              <a:rPr lang="en-US" sz="800" b="0" i="0" u="none" strike="noStrike" baseline="0" dirty="0" smtClean="0">
-                <a:latin typeface="NimbusRomNo9L-ReguItal"/>
-              </a:rPr>
-              <a:t>Proceedings of the 4th ACM SIGBED International Workshop on Design, Modeling, and Evaluation of Cyber-Physical Systems</a:t>
-            </a:r>
-            <a:r>
-              <a:rPr lang="en-US" sz="800" b="0" i="0" u="none" strike="noStrike" baseline="0" dirty="0" smtClean="0">
-                <a:latin typeface="NimbusRomNo9L-Regu"/>
-              </a:rPr>
-              <a:t>, </a:t>
-            </a:r>
-            <a:r>
-              <a:rPr lang="en-US" sz="800" b="0" i="0" u="none" strike="noStrike" baseline="0" dirty="0" err="1" smtClean="0">
-                <a:latin typeface="NimbusRomNo9L-Regu"/>
-              </a:rPr>
-              <a:t>CyPhy</a:t>
-            </a:r>
-            <a:r>
-              <a:rPr lang="en-US" sz="800" b="0" i="0" u="none" strike="noStrike" baseline="0" dirty="0" smtClean="0">
-                <a:latin typeface="NimbusRomNo9L-Regu"/>
-              </a:rPr>
-              <a:t> ’14, pages 44–47, New York, NY, USA, 2014. ACM</a:t>
-            </a:r>
-          </a:p>
-          <a:p>
-            <a:r>
-              <a:rPr lang="en-US" sz="800" b="0" i="0" u="none" strike="noStrike" baseline="0" dirty="0" smtClean="0">
-                <a:latin typeface="NimbusRomNo9L-Regu"/>
-              </a:rPr>
-              <a:t>W. Emfinger, P. Kumar, A. Dubey, W. Otte, A. Gokhale, G. Karsai. DREMS: A </a:t>
-            </a:r>
-            <a:r>
-              <a:rPr lang="en-US" sz="800" b="0" i="0" u="none" strike="noStrike" baseline="0" dirty="0" err="1" smtClean="0">
-                <a:latin typeface="NimbusRomNo9L-Regu"/>
-              </a:rPr>
-              <a:t>Toolchain</a:t>
-            </a:r>
-            <a:r>
-              <a:rPr lang="en-US" sz="800" b="0" i="0" u="none" strike="noStrike" baseline="0" dirty="0" smtClean="0">
-                <a:latin typeface="NimbusRomNo9L-Regu"/>
-              </a:rPr>
-              <a:t> for the Rapid Application Development, Integration, and Deployment of Managed Distributed Real-time Embedded Systems. In </a:t>
-            </a:r>
-            <a:r>
-              <a:rPr lang="en-US" sz="800" b="0" i="0" u="none" strike="noStrike" baseline="0" dirty="0" smtClean="0">
-                <a:latin typeface="NimbusRomNo9L-ReguItal"/>
-              </a:rPr>
-              <a:t>Proceedings of the IEEE Real-Time Systems Symposium</a:t>
-            </a:r>
-            <a:r>
-              <a:rPr lang="en-US" sz="800" b="0" i="0" u="none" strike="noStrike" baseline="0" dirty="0" smtClean="0">
-                <a:latin typeface="NimbusRomNo9L-Regu"/>
-              </a:rPr>
-              <a:t>, </a:t>
-            </a:r>
-            <a:r>
-              <a:rPr lang="en-US" sz="800" b="0" i="0" u="none" strike="noStrike" baseline="0" dirty="0" err="1" smtClean="0">
-                <a:latin typeface="NimbusRomNo9L-Regu"/>
-              </a:rPr>
-              <a:t>RTSS@Work</a:t>
-            </a:r>
-            <a:r>
-              <a:rPr lang="en-US" sz="800" b="0" i="0" u="none" strike="noStrike" baseline="0" dirty="0" smtClean="0">
-                <a:latin typeface="NimbusRomNo9L-Regu"/>
-              </a:rPr>
-              <a:t> 2013, Vancouver, Canada, 2013. IEEE</a:t>
-            </a:r>
-          </a:p>
-          <a:p>
-            <a:r>
-              <a:rPr lang="en-US" sz="800" b="0" i="0" u="none" strike="noStrike" baseline="0" dirty="0" smtClean="0">
-                <a:latin typeface="NimbusRomNo9L-Regu"/>
-              </a:rPr>
-              <a:t>Pradhan S., W. Emfinger, A. Dubey, W. Otte, A. </a:t>
-            </a:r>
-            <a:r>
-              <a:rPr lang="en-US" sz="800" b="0" i="0" u="none" strike="noStrike" baseline="0" dirty="0" err="1" smtClean="0">
-                <a:latin typeface="NimbusRomNo9L-Regu"/>
-              </a:rPr>
-              <a:t>Coglio</a:t>
-            </a:r>
-            <a:r>
-              <a:rPr lang="en-US" sz="800" b="0" i="0" u="none" strike="noStrike" baseline="0" dirty="0" smtClean="0">
-                <a:latin typeface="NimbusRomNo9L-Regu"/>
-              </a:rPr>
-              <a:t>, D. Balasubramanian, </a:t>
-            </a:r>
-            <a:r>
-              <a:rPr lang="en-US" sz="800" b="0" i="0" u="none" strike="noStrike" baseline="0" dirty="0" err="1" smtClean="0">
-                <a:latin typeface="NimbusRomNo9L-Regu"/>
-              </a:rPr>
-              <a:t>A.Gokhale</a:t>
-            </a:r>
-            <a:r>
-              <a:rPr lang="en-US" sz="800" b="0" i="0" u="none" strike="noStrike" baseline="0" dirty="0" smtClean="0">
-                <a:latin typeface="NimbusRomNo9L-Regu"/>
-              </a:rPr>
-              <a:t>, G. Karsai. Establishing secure interactions across distributed applications in satellite clusters. In </a:t>
-            </a:r>
-            <a:r>
-              <a:rPr lang="en-US" sz="800" b="0" i="0" u="none" strike="noStrike" baseline="0" dirty="0" smtClean="0">
-                <a:latin typeface="NimbusRomNo9L-ReguItal"/>
-              </a:rPr>
-              <a:t>Proceedings of the IEEE International Conference on Space Mission Challenges for Information Technology</a:t>
-            </a:r>
-            <a:r>
-              <a:rPr lang="en-US" sz="800" b="0" i="0" u="none" strike="noStrike" baseline="0" dirty="0" smtClean="0">
-                <a:latin typeface="NimbusRomNo9L-Regu"/>
-              </a:rPr>
-              <a:t>, SMC-IT, 2014, Laurel, MD, USA. IEEE </a:t>
-            </a:r>
-          </a:p>
-          <a:p>
-            <a:r>
-              <a:rPr lang="en-US" sz="800" b="0" i="0" u="none" strike="noStrike" baseline="0" dirty="0" smtClean="0">
-                <a:latin typeface="NimbusRomNo9L-Regu"/>
-              </a:rPr>
-              <a:t>Balasubramanian, D., W. Emfinger, P. S. Kumar, W. Otte, A. Dubey, and G. Karsai. An application development and deployment platform for satellite clusters. In </a:t>
-            </a:r>
-            <a:r>
-              <a:rPr lang="en-US" sz="800" b="0" i="0" u="none" strike="noStrike" baseline="0" dirty="0" smtClean="0">
-                <a:latin typeface="NimbusRomNo9L-ReguItal"/>
-              </a:rPr>
-              <a:t>Proceedings of the Workshop on Spacecraft Flight Software</a:t>
-            </a:r>
-            <a:r>
-              <a:rPr lang="en-US" sz="800" b="0" i="0" u="none" strike="noStrike" baseline="0" dirty="0" smtClean="0">
-                <a:latin typeface="NimbusRomNo9L-Regu"/>
-              </a:rPr>
-              <a:t>, 2013</a:t>
-            </a:r>
-          </a:p>
-          <a:p>
-            <a:r>
-              <a:rPr lang="en-US" sz="800" b="0" i="0" u="none" strike="noStrike" baseline="0" dirty="0" smtClean="0">
-                <a:latin typeface="NimbusRomNo9L-Regu"/>
-              </a:rPr>
-              <a:t>Balasubramanian, D., A. Dubey, W. R. Otte, W. Emfinger, P. Kumar, and G. Karsai. A Rapid Testing Framework for a Mobile Cloud Infrastructure. In </a:t>
-            </a:r>
-            <a:r>
-              <a:rPr lang="en-US" sz="800" b="0" i="0" u="none" strike="noStrike" baseline="0" dirty="0" smtClean="0">
-                <a:latin typeface="NimbusRomNo9L-ReguItal"/>
-              </a:rPr>
-              <a:t>Proceedings of the IEEE International Symposium on Rapid System Prototyping</a:t>
-            </a:r>
-            <a:r>
-              <a:rPr lang="en-US" sz="800" b="0" i="0" u="none" strike="noStrike" baseline="0" dirty="0" smtClean="0">
-                <a:latin typeface="NimbusRomNo9L-Regu"/>
-              </a:rPr>
-              <a:t>, RSP, 2014. IEEE</a:t>
-            </a:r>
-          </a:p>
-          <a:p>
-            <a:r>
-              <a:rPr lang="en-US" sz="800" b="0" i="0" u="none" strike="noStrike" baseline="0" dirty="0" smtClean="0">
-                <a:latin typeface="NimbusRomNo9L-Regu"/>
-              </a:rPr>
-              <a:t>Dubey, A., W. Emfinger, A. Gokhale, G. Karsai, W. R. Otte, J. Parsons, C. Szabo, A. </a:t>
-            </a:r>
-            <a:r>
-              <a:rPr lang="en-US" sz="800" b="0" i="0" u="none" strike="noStrike" baseline="0" dirty="0" err="1" smtClean="0">
-                <a:latin typeface="NimbusRomNo9L-Regu"/>
-              </a:rPr>
-              <a:t>Coglio</a:t>
-            </a:r>
-            <a:r>
-              <a:rPr lang="en-US" sz="800" b="0" i="0" u="none" strike="noStrike" baseline="0" dirty="0" smtClean="0">
-                <a:latin typeface="NimbusRomNo9L-Regu"/>
-              </a:rPr>
-              <a:t>, E. Smith, and P. Bose. A Software Platform for Fractionated Spacecraft. In </a:t>
-            </a:r>
-            <a:r>
-              <a:rPr lang="en-US" sz="800" b="0" i="0" u="none" strike="noStrike" baseline="0" dirty="0" smtClean="0">
-                <a:latin typeface="NimbusRomNo9L-ReguItal"/>
-              </a:rPr>
-              <a:t>Proceedings of the 2012 IEEE Aerospace Conference</a:t>
-            </a:r>
-            <a:r>
-              <a:rPr lang="en-US" sz="800" b="0" i="0" u="none" strike="noStrike" baseline="0" dirty="0" smtClean="0">
-                <a:latin typeface="NimbusRomNo9L-Regu"/>
-              </a:rPr>
-              <a:t>, Big Sky, Montana, 03/2012. IEEE</a:t>
-            </a:r>
-          </a:p>
-          <a:p>
-            <a:r>
-              <a:rPr lang="en-US" sz="800" b="0" i="0" u="none" strike="noStrike" baseline="0" dirty="0" err="1" smtClean="0">
-                <a:latin typeface="NimbusRomNo9L-Regu"/>
-              </a:rPr>
-              <a:t>Levendovszky</a:t>
-            </a:r>
-            <a:r>
-              <a:rPr lang="en-US" sz="800" b="0" i="0" u="none" strike="noStrike" baseline="0" dirty="0" smtClean="0">
-                <a:latin typeface="NimbusRomNo9L-Regu"/>
-              </a:rPr>
-              <a:t>, T., A. Dubey, W. R. Otte, D. Balasubramanian, A. </a:t>
-            </a:r>
-            <a:r>
-              <a:rPr lang="en-US" sz="800" b="0" i="0" u="none" strike="noStrike" baseline="0" dirty="0" err="1" smtClean="0">
-                <a:latin typeface="NimbusRomNo9L-Regu"/>
-              </a:rPr>
-              <a:t>Coglio</a:t>
-            </a:r>
-            <a:r>
-              <a:rPr lang="en-US" sz="800" b="0" i="0" u="none" strike="noStrike" baseline="0" dirty="0" smtClean="0">
-                <a:latin typeface="NimbusRomNo9L-Regu"/>
-              </a:rPr>
-              <a:t>, S. </a:t>
-            </a:r>
-            <a:r>
-              <a:rPr lang="en-US" sz="800" b="0" i="0" u="none" strike="noStrike" baseline="0" dirty="0" err="1" smtClean="0">
-                <a:latin typeface="NimbusRomNo9L-Regu"/>
-              </a:rPr>
-              <a:t>Nyako</a:t>
-            </a:r>
-            <a:r>
-              <a:rPr lang="en-US" sz="800" b="0" i="0" u="none" strike="noStrike" baseline="0" dirty="0" smtClean="0">
-                <a:latin typeface="NimbusRomNo9L-Regu"/>
-              </a:rPr>
-              <a:t>, W. Emfinger, P. Kumar, A. Gokhale, and G. Karsai. DREMS: A Model-Driven Distributed Secure Information Architecture Platform for Managed Embedded Systems. In </a:t>
-            </a:r>
-            <a:r>
-              <a:rPr lang="en-US" sz="800" b="0" i="0" u="none" strike="noStrike" baseline="0" dirty="0" smtClean="0">
-                <a:latin typeface="NimbusRomNo9L-ReguItal"/>
-              </a:rPr>
-              <a:t>IEEE Software</a:t>
-            </a:r>
-            <a:r>
-              <a:rPr lang="en-US" sz="800" b="0" i="0" u="none" strike="noStrike" baseline="0" dirty="0" smtClean="0">
-                <a:latin typeface="NimbusRomNo9L-Regu"/>
-              </a:rPr>
-              <a:t>, vol. 99: IEEE Computer Society, 2014. IEEE</a:t>
-            </a:r>
-          </a:p>
-          <a:p>
-            <a:r>
-              <a:rPr lang="en-US" sz="800" b="0" i="0" u="none" strike="noStrike" baseline="0" dirty="0" smtClean="0">
-                <a:latin typeface="NimbusRomNo9L-Regu"/>
-              </a:rPr>
-              <a:t>Submitted, Awaiting Review:</a:t>
+              <a:rPr lang="en-US" sz="1200" dirty="0" smtClean="0"/>
+              <a:t>Certain</a:t>
+            </a:r>
+            <a:r>
+              <a:rPr lang="en-US" sz="1200" dirty="0"/>
+              <a:t> </a:t>
+            </a:r>
+            <a:r>
+              <a:rPr lang="en-US" sz="1200" dirty="0" smtClean="0"/>
+              <a:t>classes of distributed, real-time, embedded, cyber-physical systems require strict design-time guarantees about resource utilization and performance</a:t>
             </a:r>
           </a:p>
           <a:p>
             <a:pPr lvl="1"/>
             <a:r>
-              <a:rPr lang="en-US" sz="800" b="0" i="0" u="none" strike="noStrike" baseline="0" dirty="0" smtClean="0">
-                <a:latin typeface="NimbusRomNo9L-Regu"/>
-              </a:rPr>
-              <a:t>W. Emfinger, P. Kumar, A. Dubey, G. Karsai. Towards Assurances in Self-Adaptive, Dynamic, Distributed Real-time Embedded Systems. In </a:t>
-            </a:r>
-            <a:r>
-              <a:rPr lang="en-US" sz="800" b="0" i="0" u="none" strike="noStrike" baseline="0" dirty="0" smtClean="0">
-                <a:latin typeface="NimbusRomNo9L-ReguItal"/>
-              </a:rPr>
-              <a:t>Software Engineering for Self-Adaptive Systems: Assurances</a:t>
-            </a:r>
-            <a:r>
-              <a:rPr lang="en-US" sz="800" b="0" i="0" u="none" strike="noStrike" baseline="0" dirty="0" smtClean="0">
-                <a:latin typeface="NimbusRomNo9L-Regu"/>
-              </a:rPr>
-              <a:t>, 2015.</a:t>
-            </a:r>
-            <a:endParaRPr lang="en-US" sz="800" dirty="0"/>
-          </a:p>
-        </p:txBody>
-      </p:sp>
-      <p:sp>
-        <p:nvSpPr>
-          <p:cNvPr id="4" name="Slide Number Placeholder 3"/>
+              <a:rPr lang="en-US" sz="1000" dirty="0" smtClean="0"/>
+              <a:t>Network resources are now critical for distributed CPS</a:t>
+            </a:r>
+          </a:p>
+          <a:p>
+            <a:r>
+              <a:rPr lang="en-US" sz="1200" dirty="0" smtClean="0"/>
+              <a:t>Current simulation or analysis techniques are too conservative at best, too inaccurate at worst</a:t>
+            </a:r>
+          </a:p>
+          <a:p>
+            <a:r>
+              <a:rPr lang="en-US" sz="1200" dirty="0" smtClean="0"/>
+              <a:t>Our proposed work extends previous work to increase the fidelity of the analysis results with respect to the run-time system</a:t>
+            </a:r>
+          </a:p>
+          <a:p>
+            <a:pPr lvl="1"/>
+            <a:r>
+              <a:rPr lang="en-US" sz="1200" dirty="0" smtClean="0"/>
+              <a:t>The</a:t>
+            </a:r>
+            <a:r>
+              <a:rPr lang="en-US" sz="1200" dirty="0"/>
+              <a:t> </a:t>
+            </a:r>
+            <a:r>
+              <a:rPr lang="en-US" sz="1200" dirty="0" smtClean="0"/>
+              <a:t>inclusion of temporal/physical dynamics into the analysis is paramount to providing strict performance guarantees</a:t>
+            </a:r>
+          </a:p>
+          <a:p>
+            <a:r>
+              <a:rPr lang="en-US" sz="1200" dirty="0" smtClean="0"/>
+              <a:t>We have described some remaining work in the field and outlined our plans to address it</a:t>
+            </a:r>
+            <a:endParaRPr lang="en-US" sz="1200" dirty="0"/>
+          </a:p>
+        </p:txBody>
+      </p:sp>
+      <p:sp>
+        <p:nvSpPr>
+          <p:cNvPr id="5" name="Slide Number Placeholder 4"/>
           <p:cNvSpPr>
             <a:spLocks noGrp="1"/>
           </p:cNvSpPr>
@@ -15715,7 +16309,7 @@
     </p:spTree>
     <p:extLst>
       <p:ext uri="{BB962C8B-B14F-4D97-AF65-F5344CB8AC3E}">
-        <p14:creationId xmlns:p14="http://schemas.microsoft.com/office/powerpoint/2010/main" val="4079945552"/>
+        <p14:creationId xmlns:p14="http://schemas.microsoft.com/office/powerpoint/2010/main" val="1316710534"/>
       </p:ext>
     </p:extLst>
   </p:cSld>
@@ -15766,7 +16360,7 @@
           <a:p>
             <a:r>
               <a:rPr lang="en-US" dirty="0" smtClean="0"/>
-              <a:t>References</a:t>
+              <a:t>Publications</a:t>
             </a:r>
             <a:endParaRPr lang="en-US" dirty="0"/>
           </a:p>
@@ -15785,415 +16379,312 @@
         <p:spPr/>
         <p:txBody>
           <a:bodyPr>
-            <a:normAutofit fontScale="40000" lnSpcReduction="20000"/>
+            <a:normAutofit lnSpcReduction="10000"/>
           </a:bodyPr>
           <a:lstStyle/>
           <a:p>
             <a:r>
-              <a:rPr lang="en-US" sz="1800" b="0" i="0" u="none" strike="noStrike" baseline="0" dirty="0" smtClean="0">
+              <a:rPr lang="en-US" sz="800" b="0" i="0" u="none" strike="noStrike" baseline="0" dirty="0" smtClean="0">
                 <a:latin typeface="NimbusRomNo9L-Regu"/>
               </a:rPr>
-              <a:t>L. Thiele, S. Chakraborty, and M. </a:t>
-            </a:r>
-            <a:r>
-              <a:rPr lang="en-US" sz="1800" b="0" i="0" u="none" strike="noStrike" baseline="0" dirty="0" err="1" smtClean="0">
+              <a:t>W. Emfinger and G. Karsai. Modeling network medium access protocols for network quality of service analysis. In </a:t>
+            </a:r>
+            <a:r>
+              <a:rPr lang="en-US" sz="800" b="0" i="0" u="none" strike="noStrike" baseline="0" dirty="0" smtClean="0">
+                <a:latin typeface="NimbusRomNo9L-ReguItal"/>
+              </a:rPr>
+              <a:t>Proceedings of the 18th IEEE Symposium on Real-Time Computing (ISORC)</a:t>
+            </a:r>
+            <a:r>
+              <a:rPr lang="en-US" sz="800" b="0" i="0" u="none" strike="noStrike" baseline="0" dirty="0" smtClean="0">
                 <a:latin typeface="NimbusRomNo9L-Regu"/>
               </a:rPr>
-              <a:t>Naedele</a:t>
-            </a:r>
-            <a:r>
-              <a:rPr lang="en-US" sz="1800" b="0" i="0" u="none" strike="noStrike" baseline="0" dirty="0" smtClean="0">
+              <a:t>, ISORC ’15, pages 44–47, Auckland, New Zealand, 2015. IEEE</a:t>
+            </a:r>
+          </a:p>
+          <a:p>
+            <a:r>
+              <a:rPr lang="en-US" sz="800" b="0" i="0" u="none" strike="noStrike" baseline="0" dirty="0" smtClean="0">
                 <a:latin typeface="NimbusRomNo9L-Regu"/>
               </a:rPr>
-              <a:t>. Real-time calculus for scheduling hard real-time systems. In </a:t>
-            </a:r>
-            <a:r>
-              <a:rPr lang="en-US" sz="1800" b="0" i="0" u="none" strike="noStrike" baseline="0" dirty="0" smtClean="0">
+              <a:t>W. Emfinger, G. Karsai, A. Dubey, and A. Gokhale. Analysis, verification, and management </a:t>
+            </a:r>
+            <a:r>
+              <a:rPr lang="en-US" sz="800" b="0" i="0" u="none" strike="noStrike" baseline="0" dirty="0" err="1" smtClean="0">
+                <a:latin typeface="NimbusRomNo9L-Regu"/>
+              </a:rPr>
+              <a:t>toolsuite</a:t>
+            </a:r>
+            <a:r>
+              <a:rPr lang="en-US" sz="800" b="0" i="0" u="none" strike="noStrike" baseline="0" dirty="0" smtClean="0">
+                <a:latin typeface="NimbusRomNo9L-Regu"/>
+              </a:rPr>
+              <a:t> for cyber-physical applications on time-varying networks. In </a:t>
+            </a:r>
+            <a:r>
+              <a:rPr lang="en-US" sz="800" b="0" i="0" u="none" strike="noStrike" baseline="0" dirty="0" smtClean="0">
                 <a:latin typeface="NimbusRomNo9L-ReguItal"/>
               </a:rPr>
-              <a:t>in ISCAS</a:t>
-            </a:r>
-            <a:r>
-              <a:rPr lang="en-US" sz="1800" b="0" i="0" u="none" strike="noStrike" baseline="0" dirty="0" smtClean="0">
+              <a:t>Proceedings of the 4th ACM SIGBED International Workshop on Design, Modeling, and Evaluation of Cyber-Physical Systems</a:t>
+            </a:r>
+            <a:r>
+              <a:rPr lang="en-US" sz="800" b="0" i="0" u="none" strike="noStrike" baseline="0" dirty="0" smtClean="0">
                 <a:latin typeface="NimbusRomNo9L-Regu"/>
               </a:rPr>
-              <a:t>, pages 101–104, 2000.</a:t>
-            </a:r>
-          </a:p>
-          <a:p>
-            <a:r>
-              <a:rPr lang="en-US" sz="1800" b="0" i="0" u="none" strike="noStrike" baseline="0" dirty="0" smtClean="0">
+              <a:t>, </a:t>
+            </a:r>
+            <a:r>
+              <a:rPr lang="en-US" sz="800" b="0" i="0" u="none" strike="noStrike" baseline="0" dirty="0" err="1" smtClean="0">
                 <a:latin typeface="NimbusRomNo9L-Regu"/>
               </a:rPr>
-              <a:t>A. </a:t>
-            </a:r>
-            <a:r>
-              <a:rPr lang="en-US" sz="1800" b="0" i="0" u="none" strike="noStrike" baseline="0" dirty="0" err="1" smtClean="0">
+              <a:t>CyPhy</a:t>
+            </a:r>
+            <a:r>
+              <a:rPr lang="en-US" sz="800" b="0" i="0" u="none" strike="noStrike" baseline="0" dirty="0" smtClean="0">
                 <a:latin typeface="NimbusRomNo9L-Regu"/>
               </a:rPr>
-              <a:t>Varga</a:t>
-            </a:r>
-            <a:r>
-              <a:rPr lang="en-US" sz="1800" b="0" i="0" u="none" strike="noStrike" baseline="0" dirty="0" smtClean="0">
+              <a:t> ’14, pages 44–47, New York, NY, USA, 2014. ACM</a:t>
+            </a:r>
+          </a:p>
+          <a:p>
+            <a:r>
+              <a:rPr lang="en-US" sz="800" b="0" i="0" u="none" strike="noStrike" baseline="0" dirty="0" smtClean="0">
                 <a:latin typeface="NimbusRomNo9L-Regu"/>
               </a:rPr>
-              <a:t> and R. </a:t>
-            </a:r>
-            <a:r>
-              <a:rPr lang="en-US" sz="1800" b="0" i="0" u="none" strike="noStrike" baseline="0" dirty="0" err="1" smtClean="0">
+              <a:t>W. Emfinger, P. Kumar, A. Dubey, W. Otte, A. Gokhale, G. Karsai. DREMS: A </a:t>
+            </a:r>
+            <a:r>
+              <a:rPr lang="en-US" sz="800" b="0" i="0" u="none" strike="noStrike" baseline="0" dirty="0" err="1" smtClean="0">
                 <a:latin typeface="NimbusRomNo9L-Regu"/>
               </a:rPr>
-              <a:t>Hornig</a:t>
-            </a:r>
-            <a:r>
-              <a:rPr lang="en-US" sz="1800" b="0" i="0" u="none" strike="noStrike" baseline="0" dirty="0" smtClean="0">
+              <a:t>Toolchain</a:t>
+            </a:r>
+            <a:r>
+              <a:rPr lang="en-US" sz="800" b="0" i="0" u="none" strike="noStrike" baseline="0" dirty="0" smtClean="0">
                 <a:latin typeface="NimbusRomNo9L-Regu"/>
               </a:rPr>
-              <a:t>. An overview of the </a:t>
-            </a:r>
-            <a:r>
-              <a:rPr lang="en-US" sz="1800" b="0" i="0" u="none" strike="noStrike" baseline="0" dirty="0" err="1" smtClean="0">
+              <a:t> for the Rapid Application Development, Integration, and Deployment of Managed Distributed Real-time Embedded Systems. In </a:t>
+            </a:r>
+            <a:r>
+              <a:rPr lang="en-US" sz="800" b="0" i="0" u="none" strike="noStrike" baseline="0" dirty="0" smtClean="0">
+                <a:latin typeface="NimbusRomNo9L-ReguItal"/>
+              </a:rPr>
+              <a:t>Proceedings of the IEEE Real-Time Systems Symposium</a:t>
+            </a:r>
+            <a:r>
+              <a:rPr lang="en-US" sz="800" b="0" i="0" u="none" strike="noStrike" baseline="0" dirty="0" smtClean="0">
                 <a:latin typeface="NimbusRomNo9L-Regu"/>
               </a:rPr>
-              <a:t>omnet</a:t>
-            </a:r>
-            <a:r>
-              <a:rPr lang="en-US" sz="1800" b="0" i="0" u="none" strike="noStrike" baseline="0" dirty="0" smtClean="0">
+              <a:t>, </a:t>
+            </a:r>
+            <a:r>
+              <a:rPr lang="en-US" sz="800" b="0" i="0" u="none" strike="noStrike" baseline="0" dirty="0" err="1" smtClean="0">
                 <a:latin typeface="NimbusRomNo9L-Regu"/>
               </a:rPr>
-              <a:t>++ simulation environment. In </a:t>
-            </a:r>
-            <a:r>
-              <a:rPr lang="en-US" sz="1800" b="0" i="0" u="none" strike="noStrike" baseline="0" dirty="0" err="1" smtClean="0">
+              <a:t>RTSS@Work</a:t>
+            </a:r>
+            <a:r>
+              <a:rPr lang="en-US" sz="800" b="0" i="0" u="none" strike="noStrike" baseline="0" dirty="0" smtClean="0">
+                <a:latin typeface="NimbusRomNo9L-Regu"/>
+              </a:rPr>
+              <a:t> 2013, Vancouver, Canada, 2013. IEEE</a:t>
+            </a:r>
+          </a:p>
+          <a:p>
+            <a:r>
+              <a:rPr lang="en-US" sz="800" b="0" i="0" u="none" strike="noStrike" baseline="0" dirty="0" smtClean="0">
+                <a:latin typeface="NimbusRomNo9L-Regu"/>
+              </a:rPr>
+              <a:t>Pradhan S., W. Emfinger, A. Dubey, W. Otte, A. </a:t>
+            </a:r>
+            <a:r>
+              <a:rPr lang="en-US" sz="800" b="0" i="0" u="none" strike="noStrike" baseline="0" dirty="0" err="1" smtClean="0">
+                <a:latin typeface="NimbusRomNo9L-Regu"/>
+              </a:rPr>
+              <a:t>Coglio</a:t>
+            </a:r>
+            <a:r>
+              <a:rPr lang="en-US" sz="800" b="0" i="0" u="none" strike="noStrike" baseline="0" dirty="0" smtClean="0">
+                <a:latin typeface="NimbusRomNo9L-Regu"/>
+              </a:rPr>
+              <a:t>, D. Balasubramanian, </a:t>
+            </a:r>
+            <a:r>
+              <a:rPr lang="en-US" sz="800" b="0" i="0" u="none" strike="noStrike" baseline="0" dirty="0" err="1" smtClean="0">
+                <a:latin typeface="NimbusRomNo9L-Regu"/>
+              </a:rPr>
+              <a:t>A.Gokhale</a:t>
+            </a:r>
+            <a:r>
+              <a:rPr lang="en-US" sz="800" b="0" i="0" u="none" strike="noStrike" baseline="0" dirty="0" smtClean="0">
+                <a:latin typeface="NimbusRomNo9L-Regu"/>
+              </a:rPr>
+              <a:t>, G. Karsai. Establishing secure interactions across distributed applications in satellite clusters. In </a:t>
+            </a:r>
+            <a:r>
+              <a:rPr lang="en-US" sz="800" b="0" i="0" u="none" strike="noStrike" baseline="0" dirty="0" smtClean="0">
                 <a:latin typeface="NimbusRomNo9L-ReguItal"/>
               </a:rPr>
-              <a:t>Simutools</a:t>
-            </a:r>
-            <a:r>
-              <a:rPr lang="en-US" sz="1800" b="0" i="0" u="none" strike="noStrike" baseline="0" dirty="0" smtClean="0">
+              <a:t>Proceedings of the IEEE International Conference on Space Mission Challenges for Information Technology</a:t>
+            </a:r>
+            <a:r>
+              <a:rPr lang="en-US" sz="800" b="0" i="0" u="none" strike="noStrike" baseline="0" dirty="0" smtClean="0">
+                <a:latin typeface="NimbusRomNo9L-Regu"/>
+              </a:rPr>
+              <a:t>, SMC-IT, 2014, Laurel, MD, USA. IEEE </a:t>
+            </a:r>
+          </a:p>
+          <a:p>
+            <a:r>
+              <a:rPr lang="en-US" sz="800" b="0" i="0" u="none" strike="noStrike" baseline="0" dirty="0" smtClean="0">
+                <a:latin typeface="NimbusRomNo9L-Regu"/>
+              </a:rPr>
+              <a:t>Balasubramanian, D., W. Emfinger, P. S. Kumar, W. Otte, A. Dubey, and G. Karsai. An application development and deployment platform for satellite clusters. In </a:t>
+            </a:r>
+            <a:r>
+              <a:rPr lang="en-US" sz="800" b="0" i="0" u="none" strike="noStrike" baseline="0" dirty="0" smtClean="0">
                 <a:latin typeface="NimbusRomNo9L-ReguItal"/>
               </a:rPr>
-              <a:t> ’08: Proceedings of the 1st international conference on Simulation tools and techniques for communications, networks and systems &amp; workshops</a:t>
-            </a:r>
-            <a:r>
-              <a:rPr lang="en-US" sz="1800" b="0" i="0" u="none" strike="noStrike" baseline="0" dirty="0" smtClean="0">
+              <a:t>Proceedings of the Workshop on Spacecraft Flight Software</a:t>
+            </a:r>
+            <a:r>
+              <a:rPr lang="en-US" sz="800" b="0" i="0" u="none" strike="noStrike" baseline="0" dirty="0" smtClean="0">
                 <a:latin typeface="NimbusRomNo9L-Regu"/>
               </a:rPr>
-              <a:t>, pages 1–10, ICST, Brussels, Belgium, Belgium, 2008. ICST (Institute for Computer </a:t>
-            </a:r>
-            <a:r>
-              <a:rPr lang="en-US" sz="1800" b="0" i="0" u="none" strike="noStrike" baseline="0" dirty="0" err="1" smtClean="0">
+              <a:t>, 2013</a:t>
+            </a:r>
+          </a:p>
+          <a:p>
+            <a:r>
+              <a:rPr lang="en-US" sz="800" b="0" i="0" u="none" strike="noStrike" baseline="0" dirty="0" smtClean="0">
                 <a:latin typeface="NimbusRomNo9L-Regu"/>
               </a:rPr>
-              <a:t>Sciences,Social</a:t>
-            </a:r>
-            <a:r>
-              <a:rPr lang="en-US" sz="1800" b="0" i="0" u="none" strike="noStrike" baseline="0" dirty="0" smtClean="0">
+              <a:t>Balasubramanian, D., A. Dubey, W. R. Otte, W. Emfinger, P. Kumar, and G. Karsai. A Rapid Testing Framework for a Mobile Cloud Infrastructure. In </a:t>
+            </a:r>
+            <a:r>
+              <a:rPr lang="en-US" sz="800" b="0" i="0" u="none" strike="noStrike" baseline="0" dirty="0" smtClean="0">
+                <a:latin typeface="NimbusRomNo9L-ReguItal"/>
+              </a:rPr>
+              <a:t>Proceedings of the IEEE International Symposium on Rapid System Prototyping</a:t>
+            </a:r>
+            <a:r>
+              <a:rPr lang="en-US" sz="800" b="0" i="0" u="none" strike="noStrike" baseline="0" dirty="0" smtClean="0">
                 <a:latin typeface="NimbusRomNo9L-Regu"/>
               </a:rPr>
-              <a:t>-Informatics and Telecommunications Engineering).</a:t>
-            </a:r>
-          </a:p>
-          <a:p>
-            <a:r>
-              <a:rPr lang="en-US" sz="1800" b="0" i="0" u="none" strike="noStrike" baseline="0" dirty="0" smtClean="0">
+              <a:t>, RSP, 2014. IEEE</a:t>
+            </a:r>
+          </a:p>
+          <a:p>
+            <a:r>
+              <a:rPr lang="en-US" sz="800" b="0" i="0" u="none" strike="noStrike" baseline="0" dirty="0" smtClean="0">
                 <a:latin typeface="NimbusRomNo9L-Regu"/>
               </a:rPr>
-              <a:t>L. Rizzo. </a:t>
-            </a:r>
-            <a:r>
-              <a:rPr lang="en-US" sz="1800" b="0" i="0" u="none" strike="noStrike" baseline="0" dirty="0" err="1" smtClean="0">
+              <a:t>Dubey, A., W. Emfinger, A. Gokhale, G. Karsai, W. R. Otte, J. Parsons, C. Szabo, A. </a:t>
+            </a:r>
+            <a:r>
+              <a:rPr lang="en-US" sz="800" b="0" i="0" u="none" strike="noStrike" baseline="0" dirty="0" err="1" smtClean="0">
                 <a:latin typeface="NimbusRomNo9L-Regu"/>
               </a:rPr>
-              <a:t>Dummynet</a:t>
-            </a:r>
-            <a:r>
-              <a:rPr lang="en-US" sz="1800" b="0" i="0" u="none" strike="noStrike" baseline="0" dirty="0" smtClean="0">
+              <a:t>Coglio</a:t>
+            </a:r>
+            <a:r>
+              <a:rPr lang="en-US" sz="800" b="0" i="0" u="none" strike="noStrike" baseline="0" dirty="0" smtClean="0">
                 <a:latin typeface="NimbusRomNo9L-Regu"/>
               </a:rPr>
-              <a:t> : a simple approach to the evaluation of network protocols. </a:t>
-            </a:r>
-            <a:r>
-              <a:rPr lang="en-US" sz="1800" b="0" i="0" u="none" strike="noStrike" baseline="0" dirty="0" smtClean="0">
+              <a:t>, E. Smith, and P. Bose. A Software Platform for Fractionated Spacecraft. In </a:t>
+            </a:r>
+            <a:r>
+              <a:rPr lang="en-US" sz="800" b="0" i="0" u="none" strike="noStrike" baseline="0" dirty="0" smtClean="0">
                 <a:latin typeface="NimbusRomNo9L-ReguItal"/>
               </a:rPr>
-              <a:t>ACM SIGCOMM Computer Communication Review</a:t>
-            </a:r>
-            <a:r>
-              <a:rPr lang="en-US" sz="1800" b="0" i="0" u="none" strike="noStrike" baseline="0" dirty="0" smtClean="0">
+              <a:t>Proceedings of the 2012 IEEE Aerospace Conference</a:t>
+            </a:r>
+            <a:r>
+              <a:rPr lang="en-US" sz="800" b="0" i="0" u="none" strike="noStrike" baseline="0" dirty="0" smtClean="0">
                 <a:latin typeface="NimbusRomNo9L-Regu"/>
               </a:rPr>
-              <a:t>, 27(1):31–41, 1997.</a:t>
-            </a:r>
-          </a:p>
-          <a:p>
-            <a:r>
-              <a:rPr lang="en-US" sz="1800" b="0" i="0" u="none" strike="noStrike" baseline="0" dirty="0" smtClean="0">
+              <a:t>, Big Sky, Montana, 03/2012. IEEE</a:t>
+            </a:r>
+          </a:p>
+          <a:p>
+            <a:r>
+              <a:rPr lang="en-US" sz="800" b="0" i="0" u="none" strike="noStrike" baseline="0" dirty="0" err="1" smtClean="0">
                 <a:latin typeface="NimbusRomNo9L-Regu"/>
               </a:rPr>
-              <a:t>D. </a:t>
-            </a:r>
-            <a:r>
-              <a:rPr lang="en-US" sz="1800" b="0" i="0" u="none" strike="noStrike" baseline="0" dirty="0" err="1" smtClean="0">
+              <a:t>Levendovszky</a:t>
+            </a:r>
+            <a:r>
+              <a:rPr lang="en-US" sz="800" b="0" i="0" u="none" strike="noStrike" baseline="0" dirty="0" smtClean="0">
                 <a:latin typeface="NimbusRomNo9L-Regu"/>
               </a:rPr>
-              <a:t>Mahrenholz</a:t>
-            </a:r>
-            <a:r>
-              <a:rPr lang="en-US" sz="1800" b="0" i="0" u="none" strike="noStrike" baseline="0" dirty="0" smtClean="0">
+              <a:t>, T., A. Dubey, W. R. Otte, D. Balasubramanian, A. </a:t>
+            </a:r>
+            <a:r>
+              <a:rPr lang="en-US" sz="800" b="0" i="0" u="none" strike="noStrike" baseline="0" dirty="0" err="1" smtClean="0">
                 <a:latin typeface="NimbusRomNo9L-Regu"/>
               </a:rPr>
-              <a:t> and S. Ivanov. Real-time network emulation with ns-2. </a:t>
-            </a:r>
-            <a:r>
-              <a:rPr lang="en-US" sz="1800" b="0" i="0" u="none" strike="noStrike" baseline="0" dirty="0" smtClean="0">
+              <a:t>Coglio</a:t>
+            </a:r>
+            <a:r>
+              <a:rPr lang="en-US" sz="800" b="0" i="0" u="none" strike="noStrike" baseline="0" dirty="0" smtClean="0">
+                <a:latin typeface="NimbusRomNo9L-Regu"/>
+              </a:rPr>
+              <a:t>, S. </a:t>
+            </a:r>
+            <a:r>
+              <a:rPr lang="en-US" sz="800" b="0" i="0" u="none" strike="noStrike" baseline="0" dirty="0" err="1" smtClean="0">
+                <a:latin typeface="NimbusRomNo9L-Regu"/>
+              </a:rPr>
+              <a:t>Nyako</a:t>
+            </a:r>
+            <a:r>
+              <a:rPr lang="en-US" sz="800" b="0" i="0" u="none" strike="noStrike" baseline="0" dirty="0" smtClean="0">
+                <a:latin typeface="NimbusRomNo9L-Regu"/>
+              </a:rPr>
+              <a:t>, W. Emfinger, P. Kumar, A. Gokhale, and G. Karsai. DREMS: A Model-Driven Distributed Secure Information Architecture Platform for Managed Embedded Systems. In </a:t>
+            </a:r>
+            <a:r>
+              <a:rPr lang="en-US" sz="800" b="0" i="0" u="none" strike="noStrike" baseline="0" dirty="0" smtClean="0">
                 <a:latin typeface="NimbusRomNo9L-ReguItal"/>
               </a:rPr>
-              <a:t>Proceedings- Eighth IEEE International Symposium on Distributed Simulation and Real-Time Applications, DS-RT 2004</a:t>
-            </a:r>
-            <a:r>
-              <a:rPr lang="en-US" sz="1800" b="0" i="0" u="none" strike="noStrike" baseline="0" dirty="0" smtClean="0">
+              <a:t>IEEE Software</a:t>
+            </a:r>
+            <a:r>
+              <a:rPr lang="en-US" sz="800" b="0" i="0" u="none" strike="noStrike" baseline="0" dirty="0" smtClean="0">
                 <a:latin typeface="NimbusRomNo9L-Regu"/>
               </a:rPr>
-              <a:t>, pages 29–36, 2004.</a:t>
-            </a:r>
-          </a:p>
-          <a:p>
-            <a:r>
-              <a:rPr lang="en-US" sz="1800" b="0" i="0" u="none" strike="noStrike" baseline="0" dirty="0" smtClean="0">
+              <a:t>, vol. 99: IEEE Computer Society, 2014. IEEE</a:t>
+            </a:r>
+          </a:p>
+          <a:p>
+            <a:r>
+              <a:rPr lang="en-US" sz="800" b="0" i="0" u="none" strike="noStrike" baseline="0" dirty="0" smtClean="0">
                 <a:latin typeface="NimbusRomNo9L-Regu"/>
               </a:rPr>
-              <a:t>J.-Y. Le </a:t>
-            </a:r>
-            <a:r>
-              <a:rPr lang="en-US" sz="1800" b="0" i="0" u="none" strike="noStrike" baseline="0" dirty="0" err="1" smtClean="0">
+              <a:t>Submitted, Awaiting Review:</a:t>
+            </a:r>
+          </a:p>
+          <a:p>
+            <a:pPr lvl="1"/>
+            <a:r>
+              <a:rPr lang="en-US" sz="800" b="0" i="0" u="none" strike="noStrike" baseline="0" dirty="0" smtClean="0">
                 <a:latin typeface="NimbusRomNo9L-Regu"/>
               </a:rPr>
-              <a:t>Boudec</a:t>
-            </a:r>
-            <a:r>
-              <a:rPr lang="en-US" sz="1800" b="0" i="0" u="none" strike="noStrike" baseline="0" dirty="0" smtClean="0">
+              <a:t>W. Emfinger, P. Kumar, A. Dubey, G. Karsai. Towards Assurances in Self-Adaptive, Dynamic, Distributed Real-time Embedded Systems. In </a:t>
+            </a:r>
+            <a:r>
+              <a:rPr lang="en-US" sz="800" b="0" i="0" u="none" strike="noStrike" baseline="0" dirty="0" smtClean="0">
+                <a:latin typeface="NimbusRomNo9L-ReguItal"/>
+              </a:rPr>
+              <a:t>Software Engineering for Self-Adaptive Systems: Assurances</a:t>
+            </a:r>
+            <a:r>
+              <a:rPr lang="en-US" sz="800" b="0" i="0" u="none" strike="noStrike" baseline="0" dirty="0" smtClean="0">
                 <a:latin typeface="NimbusRomNo9L-Regu"/>
               </a:rPr>
-              <a:t> and P. </a:t>
-            </a:r>
-            <a:r>
-              <a:rPr lang="en-US" sz="1800" b="0" i="0" u="none" strike="noStrike" baseline="0" dirty="0" err="1" smtClean="0">
-                <a:latin typeface="NimbusRomNo9L-Regu"/>
-              </a:rPr>
-              <a:t>Thiran</a:t>
-            </a:r>
-            <a:r>
-              <a:rPr lang="en-US" sz="1800" b="0" i="0" u="none" strike="noStrike" baseline="0" dirty="0" smtClean="0">
-                <a:latin typeface="NimbusRomNo9L-Regu"/>
-              </a:rPr>
-              <a:t>. </a:t>
-            </a:r>
-            <a:r>
-              <a:rPr lang="en-US" sz="1800" b="0" i="0" u="none" strike="noStrike" baseline="0" dirty="0" smtClean="0">
-                <a:latin typeface="NimbusRomNo9L-ReguItal"/>
-              </a:rPr>
-              <a:t>Network Calculus: A Theory of Deterministic Queuing Systems for the Internet</a:t>
-            </a:r>
-            <a:r>
-              <a:rPr lang="en-US" sz="1800" b="0" i="0" u="none" strike="noStrike" baseline="0" dirty="0" smtClean="0">
-                <a:latin typeface="NimbusRomNo9L-Regu"/>
-              </a:rPr>
-              <a:t>. Springer-</a:t>
-            </a:r>
-            <a:r>
-              <a:rPr lang="en-US" sz="1800" b="0" i="0" u="none" strike="noStrike" baseline="0" dirty="0" err="1" smtClean="0">
-                <a:latin typeface="NimbusRomNo9L-Regu"/>
-              </a:rPr>
-              <a:t>Verlag</a:t>
-            </a:r>
-            <a:r>
-              <a:rPr lang="en-US" sz="1800" b="0" i="0" u="none" strike="noStrike" baseline="0" dirty="0" smtClean="0">
-                <a:latin typeface="NimbusRomNo9L-Regu"/>
-              </a:rPr>
-              <a:t>, Berlin, Heidelberg, 2001.</a:t>
-            </a:r>
-          </a:p>
-          <a:p>
-            <a:r>
-              <a:rPr lang="en-US" sz="1800" b="0" i="0" u="none" strike="noStrike" baseline="0" dirty="0" smtClean="0">
-                <a:latin typeface="NimbusRomNo9L-Regu"/>
-              </a:rPr>
-              <a:t>D. G. Kendall. Stochastic Processes Occurring in the Theory of Queues and their Analysis by the Method of the Imbedded Markov Chain. </a:t>
-            </a:r>
-            <a:r>
-              <a:rPr lang="en-US" sz="1800" b="0" i="0" u="none" strike="noStrike" baseline="0" dirty="0" smtClean="0">
-                <a:latin typeface="NimbusRomNo9L-ReguItal"/>
-              </a:rPr>
-              <a:t>The Annals of Mathematical Statistics</a:t>
-            </a:r>
-            <a:r>
-              <a:rPr lang="en-US" sz="1800" b="0" i="0" u="none" strike="noStrike" baseline="0" dirty="0" smtClean="0">
-                <a:latin typeface="NimbusRomNo9L-Regu"/>
-              </a:rPr>
-              <a:t>, 24(3):338–354, 1953.</a:t>
-            </a:r>
-          </a:p>
-          <a:p>
-            <a:r>
-              <a:rPr lang="en-US" sz="1800" b="0" i="0" u="none" strike="noStrike" baseline="0" dirty="0" smtClean="0">
-                <a:latin typeface="NimbusRomNo9L-Regu"/>
-              </a:rPr>
-              <a:t>Gilberto Flores Lucio, Marcos Paredes-</a:t>
-            </a:r>
-            <a:r>
-              <a:rPr lang="en-US" sz="1800" b="0" i="0" u="none" strike="noStrike" baseline="0" dirty="0" err="1" smtClean="0">
-                <a:latin typeface="NimbusRomNo9L-Regu"/>
-              </a:rPr>
-              <a:t>farrera</a:t>
-            </a:r>
-            <a:r>
-              <a:rPr lang="en-US" sz="1800" b="0" i="0" u="none" strike="noStrike" baseline="0" dirty="0" smtClean="0">
-                <a:latin typeface="NimbusRomNo9L-Regu"/>
-              </a:rPr>
-              <a:t>, Emmanuel </a:t>
-            </a:r>
-            <a:r>
-              <a:rPr lang="en-US" sz="1800" b="0" i="0" u="none" strike="noStrike" baseline="0" dirty="0" err="1" smtClean="0">
-                <a:latin typeface="NimbusRomNo9L-Regu"/>
-              </a:rPr>
-              <a:t>Jammeh</a:t>
-            </a:r>
-            <a:r>
-              <a:rPr lang="en-US" sz="1800" b="0" i="0" u="none" strike="noStrike" baseline="0" dirty="0" smtClean="0">
-                <a:latin typeface="NimbusRomNo9L-Regu"/>
-              </a:rPr>
-              <a:t>, Martin </a:t>
-            </a:r>
-            <a:r>
-              <a:rPr lang="en-US" sz="1800" b="0" i="0" u="none" strike="noStrike" baseline="0" dirty="0" err="1" smtClean="0">
-                <a:latin typeface="NimbusRomNo9L-Regu"/>
-              </a:rPr>
-              <a:t>Fleury</a:t>
-            </a:r>
-            <a:r>
-              <a:rPr lang="en-US" sz="1800" b="0" i="0" u="none" strike="noStrike" baseline="0" dirty="0" smtClean="0">
-                <a:latin typeface="NimbusRomNo9L-Regu"/>
-              </a:rPr>
-              <a:t>, and M. J. Reed. OPNET Modeler and Ns-2: Comparing the Accuracy of Network Simulators for Packet-Level Analysis using a Network </a:t>
-            </a:r>
-            <a:r>
-              <a:rPr lang="en-US" sz="1800" b="0" i="0" u="none" strike="noStrike" baseline="0" dirty="0" err="1" smtClean="0">
-                <a:latin typeface="NimbusRomNo9L-Regu"/>
-              </a:rPr>
-              <a:t>Testbed</a:t>
-            </a:r>
-            <a:r>
-              <a:rPr lang="en-US" sz="1800" b="0" i="0" u="none" strike="noStrike" baseline="0" dirty="0" smtClean="0">
-                <a:latin typeface="NimbusRomNo9L-Regu"/>
-              </a:rPr>
-              <a:t>. </a:t>
-            </a:r>
-            <a:r>
-              <a:rPr lang="en-US" sz="1800" b="0" i="0" u="none" strike="noStrike" baseline="0" dirty="0" smtClean="0">
-                <a:latin typeface="NimbusRomNo9L-ReguItal"/>
-              </a:rPr>
-              <a:t>3rd WEAS International Conference on Simulation, Modelling and Optimization (ICOSMO)</a:t>
-            </a:r>
-            <a:r>
-              <a:rPr lang="en-US" sz="1800" b="0" i="0" u="none" strike="noStrike" baseline="0" dirty="0" smtClean="0">
-                <a:latin typeface="NimbusRomNo9L-Regu"/>
-              </a:rPr>
-              <a:t>, pages 700–707, 2003.</a:t>
-            </a:r>
-          </a:p>
-          <a:p>
-            <a:r>
-              <a:rPr lang="en-US" sz="1800" b="0" i="0" u="none" strike="noStrike" baseline="0" dirty="0" smtClean="0">
-                <a:latin typeface="NimbusRomNo9L-Regu"/>
-              </a:rPr>
-              <a:t>G. </a:t>
-            </a:r>
-            <a:r>
-              <a:rPr lang="en-US" sz="1800" b="0" i="0" u="none" strike="noStrike" baseline="0" dirty="0" err="1" smtClean="0">
-                <a:latin typeface="NimbusRomNo9L-Regu"/>
-              </a:rPr>
-              <a:t>Giambene</a:t>
-            </a:r>
-            <a:r>
-              <a:rPr lang="en-US" sz="1800" b="0" i="0" u="none" strike="noStrike" baseline="0" dirty="0" smtClean="0">
-                <a:latin typeface="NimbusRomNo9L-Regu"/>
-              </a:rPr>
-              <a:t>. </a:t>
-            </a:r>
-            <a:r>
-              <a:rPr lang="en-US" sz="1800" b="0" i="0" u="none" strike="noStrike" baseline="0" dirty="0" smtClean="0">
-                <a:latin typeface="NimbusRomNo9L-ReguItal"/>
-              </a:rPr>
-              <a:t>Queuing Theory and Telecommunications Networks and Applications</a:t>
-            </a:r>
-            <a:r>
-              <a:rPr lang="en-US" sz="1800" b="0" i="0" u="none" strike="noStrike" baseline="0" dirty="0" smtClean="0">
-                <a:latin typeface="NimbusRomNo9L-Regu"/>
-              </a:rPr>
-              <a:t>. 2005.</a:t>
-            </a:r>
-          </a:p>
-          <a:p>
-            <a:r>
-              <a:rPr lang="en-US" sz="1800" b="0" i="0" u="none" strike="noStrike" baseline="0" dirty="0" smtClean="0">
-                <a:latin typeface="NimbusRomNo9L-Regu"/>
-              </a:rPr>
-              <a:t>R. L. Cruz. A calculus for network delay–I: Network elements in isolation. </a:t>
-            </a:r>
-            <a:r>
-              <a:rPr lang="en-US" sz="1800" b="0" i="0" u="none" strike="noStrike" baseline="0" dirty="0" smtClean="0">
-                <a:latin typeface="NimbusRomNo9L-ReguItal"/>
-              </a:rPr>
-              <a:t>IEEE Transactions on Information Theory</a:t>
-            </a:r>
-            <a:r>
-              <a:rPr lang="en-US" sz="1800" b="0" i="0" u="none" strike="noStrike" baseline="0" dirty="0" smtClean="0">
-                <a:latin typeface="NimbusRomNo9L-Regu"/>
-              </a:rPr>
-              <a:t>, 37(1):114–131, 1991.</a:t>
-            </a:r>
-          </a:p>
-          <a:p>
-            <a:r>
-              <a:rPr lang="en-US" sz="1800" b="0" i="0" u="none" strike="noStrike" baseline="0" dirty="0" smtClean="0">
-                <a:latin typeface="NimbusRomNo9L-Regu"/>
-              </a:rPr>
-              <a:t>O. S. Consortium et al. </a:t>
-            </a:r>
-            <a:r>
-              <a:rPr lang="en-US" sz="1800" b="0" i="0" u="none" strike="noStrike" baseline="0" dirty="0" err="1" smtClean="0">
-                <a:latin typeface="NimbusRomNo9L-Regu"/>
-              </a:rPr>
-              <a:t>Openflow</a:t>
-            </a:r>
-            <a:r>
-              <a:rPr lang="en-US" sz="1800" b="0" i="0" u="none" strike="noStrike" baseline="0" dirty="0" smtClean="0">
-                <a:latin typeface="NimbusRomNo9L-Regu"/>
-              </a:rPr>
-              <a:t> switch specification version 1.0. 0, 2009.</a:t>
-            </a:r>
-          </a:p>
-          <a:p>
-            <a:r>
-              <a:rPr lang="en-US" sz="1800" b="0" i="0" u="none" strike="noStrike" baseline="0" dirty="0" smtClean="0">
-                <a:latin typeface="NimbusRomNo9L-Regu"/>
-              </a:rPr>
-              <a:t>M. Carbone and L. Rizzo. </a:t>
-            </a:r>
-            <a:r>
-              <a:rPr lang="en-US" sz="1800" b="0" i="0" u="none" strike="noStrike" baseline="0" dirty="0" err="1" smtClean="0">
-                <a:latin typeface="NimbusRomNo9L-Regu"/>
-              </a:rPr>
-              <a:t>Dummynet</a:t>
-            </a:r>
-            <a:r>
-              <a:rPr lang="en-US" sz="1800" b="0" i="0" u="none" strike="noStrike" baseline="0" dirty="0" smtClean="0">
-                <a:latin typeface="NimbusRomNo9L-Regu"/>
-              </a:rPr>
-              <a:t> revisited, 2010</a:t>
-            </a:r>
-            <a:endParaRPr lang="en-US" dirty="0"/>
+              <a:t>, 2015.</a:t>
+            </a:r>
+            <a:endParaRPr lang="en-US" sz="800" dirty="0"/>
           </a:p>
         </p:txBody>
       </p:sp>
@@ -16223,7 +16714,7 @@
     </p:spTree>
     <p:extLst>
       <p:ext uri="{BB962C8B-B14F-4D97-AF65-F5344CB8AC3E}">
-        <p14:creationId xmlns:p14="http://schemas.microsoft.com/office/powerpoint/2010/main" val="3737306379"/>
+        <p14:creationId xmlns:p14="http://schemas.microsoft.com/office/powerpoint/2010/main" val="4079945552"/>
       </p:ext>
     </p:extLst>
   </p:cSld>
@@ -16274,7 +16765,7 @@
           <a:p>
             <a:r>
               <a:rPr lang="en-US" dirty="0" smtClean="0"/>
-              <a:t>Questions?</a:t>
+              <a:t>References</a:t>
             </a:r>
             <a:endParaRPr lang="en-US" dirty="0"/>
           </a:p>
@@ -16287,17 +16778,419 @@
             <a:spLocks noGrp="1"/>
           </p:cNvSpPr>
           <p:nvPr>
-            <p:ph type="body" idx="1"/>
+            <p:ph idx="1"/>
           </p:nvPr>
         </p:nvSpPr>
         <p:spPr/>
         <p:txBody>
-          <a:bodyPr/>
+          <a:bodyPr>
+            <a:normAutofit fontScale="40000" lnSpcReduction="20000"/>
+          </a:bodyPr>
           <a:lstStyle/>
           <a:p>
             <a:r>
-              <a:rPr lang="en-US" dirty="0" smtClean="0"/>
-              <a:t>Thank you for your attention!</a:t>
+              <a:rPr lang="en-US" sz="1800" b="0" i="0" u="none" strike="noStrike" baseline="0" dirty="0" smtClean="0">
+                <a:latin typeface="NimbusRomNo9L-Regu"/>
+              </a:rPr>
+              <a:t>L. Thiele, S. Chakraborty, and M. </a:t>
+            </a:r>
+            <a:r>
+              <a:rPr lang="en-US" sz="1800" b="0" i="0" u="none" strike="noStrike" baseline="0" dirty="0" err="1" smtClean="0">
+                <a:latin typeface="NimbusRomNo9L-Regu"/>
+              </a:rPr>
+              <a:t>Naedele</a:t>
+            </a:r>
+            <a:r>
+              <a:rPr lang="en-US" sz="1800" b="0" i="0" u="none" strike="noStrike" baseline="0" dirty="0" smtClean="0">
+                <a:latin typeface="NimbusRomNo9L-Regu"/>
+              </a:rPr>
+              <a:t>. Real-time calculus for scheduling hard real-time systems. In </a:t>
+            </a:r>
+            <a:r>
+              <a:rPr lang="en-US" sz="1800" b="0" i="0" u="none" strike="noStrike" baseline="0" dirty="0" smtClean="0">
+                <a:latin typeface="NimbusRomNo9L-ReguItal"/>
+              </a:rPr>
+              <a:t>in ISCAS</a:t>
+            </a:r>
+            <a:r>
+              <a:rPr lang="en-US" sz="1800" b="0" i="0" u="none" strike="noStrike" baseline="0" dirty="0" smtClean="0">
+                <a:latin typeface="NimbusRomNo9L-Regu"/>
+              </a:rPr>
+              <a:t>, pages 101–104, 2000.</a:t>
+            </a:r>
+          </a:p>
+          <a:p>
+            <a:r>
+              <a:rPr lang="en-US" sz="1800" b="0" i="0" u="none" strike="noStrike" baseline="0" dirty="0" smtClean="0">
+                <a:latin typeface="NimbusRomNo9L-Regu"/>
+              </a:rPr>
+              <a:t>A. </a:t>
+            </a:r>
+            <a:r>
+              <a:rPr lang="en-US" sz="1800" b="0" i="0" u="none" strike="noStrike" baseline="0" dirty="0" err="1" smtClean="0">
+                <a:latin typeface="NimbusRomNo9L-Regu"/>
+              </a:rPr>
+              <a:t>Varga</a:t>
+            </a:r>
+            <a:r>
+              <a:rPr lang="en-US" sz="1800" b="0" i="0" u="none" strike="noStrike" baseline="0" dirty="0" smtClean="0">
+                <a:latin typeface="NimbusRomNo9L-Regu"/>
+              </a:rPr>
+              <a:t> and R. </a:t>
+            </a:r>
+            <a:r>
+              <a:rPr lang="en-US" sz="1800" b="0" i="0" u="none" strike="noStrike" baseline="0" dirty="0" err="1" smtClean="0">
+                <a:latin typeface="NimbusRomNo9L-Regu"/>
+              </a:rPr>
+              <a:t>Hornig</a:t>
+            </a:r>
+            <a:r>
+              <a:rPr lang="en-US" sz="1800" b="0" i="0" u="none" strike="noStrike" baseline="0" dirty="0" smtClean="0">
+                <a:latin typeface="NimbusRomNo9L-Regu"/>
+              </a:rPr>
+              <a:t>. An overview of the </a:t>
+            </a:r>
+            <a:r>
+              <a:rPr lang="en-US" sz="1800" b="0" i="0" u="none" strike="noStrike" baseline="0" dirty="0" err="1" smtClean="0">
+                <a:latin typeface="NimbusRomNo9L-Regu"/>
+              </a:rPr>
+              <a:t>omnet</a:t>
+            </a:r>
+            <a:r>
+              <a:rPr lang="en-US" sz="1800" b="0" i="0" u="none" strike="noStrike" baseline="0" dirty="0" smtClean="0">
+                <a:latin typeface="NimbusRomNo9L-Regu"/>
+              </a:rPr>
+              <a:t>++ simulation environment. In </a:t>
+            </a:r>
+            <a:r>
+              <a:rPr lang="en-US" sz="1800" b="0" i="0" u="none" strike="noStrike" baseline="0" dirty="0" err="1" smtClean="0">
+                <a:latin typeface="NimbusRomNo9L-ReguItal"/>
+              </a:rPr>
+              <a:t>Simutools</a:t>
+            </a:r>
+            <a:r>
+              <a:rPr lang="en-US" sz="1800" b="0" i="0" u="none" strike="noStrike" baseline="0" dirty="0" smtClean="0">
+                <a:latin typeface="NimbusRomNo9L-ReguItal"/>
+              </a:rPr>
+              <a:t> ’08: Proceedings of the 1st international conference on Simulation tools and techniques for communications, networks and systems &amp; workshops</a:t>
+            </a:r>
+            <a:r>
+              <a:rPr lang="en-US" sz="1800" b="0" i="0" u="none" strike="noStrike" baseline="0" dirty="0" smtClean="0">
+                <a:latin typeface="NimbusRomNo9L-Regu"/>
+              </a:rPr>
+              <a:t>, pages 1–10, ICST, Brussels, Belgium, Belgium, 2008. ICST (Institute for Computer </a:t>
+            </a:r>
+            <a:r>
+              <a:rPr lang="en-US" sz="1800" b="0" i="0" u="none" strike="noStrike" baseline="0" dirty="0" err="1" smtClean="0">
+                <a:latin typeface="NimbusRomNo9L-Regu"/>
+              </a:rPr>
+              <a:t>Sciences,Social</a:t>
+            </a:r>
+            <a:r>
+              <a:rPr lang="en-US" sz="1800" b="0" i="0" u="none" strike="noStrike" baseline="0" dirty="0" smtClean="0">
+                <a:latin typeface="NimbusRomNo9L-Regu"/>
+              </a:rPr>
+              <a:t>-Informatics and Telecommunications Engineering).</a:t>
+            </a:r>
+          </a:p>
+          <a:p>
+            <a:r>
+              <a:rPr lang="en-US" sz="1800" b="0" i="0" u="none" strike="noStrike" baseline="0" dirty="0" smtClean="0">
+                <a:latin typeface="NimbusRomNo9L-Regu"/>
+              </a:rPr>
+              <a:t>L. Rizzo. </a:t>
+            </a:r>
+            <a:r>
+              <a:rPr lang="en-US" sz="1800" b="0" i="0" u="none" strike="noStrike" baseline="0" dirty="0" err="1" smtClean="0">
+                <a:latin typeface="NimbusRomNo9L-Regu"/>
+              </a:rPr>
+              <a:t>Dummynet</a:t>
+            </a:r>
+            <a:r>
+              <a:rPr lang="en-US" sz="1800" b="0" i="0" u="none" strike="noStrike" baseline="0" dirty="0" smtClean="0">
+                <a:latin typeface="NimbusRomNo9L-Regu"/>
+              </a:rPr>
+              <a:t> : a simple approach to the evaluation of network protocols. </a:t>
+            </a:r>
+            <a:r>
+              <a:rPr lang="en-US" sz="1800" b="0" i="0" u="none" strike="noStrike" baseline="0" dirty="0" smtClean="0">
+                <a:latin typeface="NimbusRomNo9L-ReguItal"/>
+              </a:rPr>
+              <a:t>ACM SIGCOMM Computer Communication Review</a:t>
+            </a:r>
+            <a:r>
+              <a:rPr lang="en-US" sz="1800" b="0" i="0" u="none" strike="noStrike" baseline="0" dirty="0" smtClean="0">
+                <a:latin typeface="NimbusRomNo9L-Regu"/>
+              </a:rPr>
+              <a:t>, 27(1):31–41, 1997.</a:t>
+            </a:r>
+          </a:p>
+          <a:p>
+            <a:r>
+              <a:rPr lang="en-US" sz="1800" b="0" i="0" u="none" strike="noStrike" baseline="0" dirty="0" smtClean="0">
+                <a:latin typeface="NimbusRomNo9L-Regu"/>
+              </a:rPr>
+              <a:t>D. </a:t>
+            </a:r>
+            <a:r>
+              <a:rPr lang="en-US" sz="1800" b="0" i="0" u="none" strike="noStrike" baseline="0" dirty="0" err="1" smtClean="0">
+                <a:latin typeface="NimbusRomNo9L-Regu"/>
+              </a:rPr>
+              <a:t>Mahrenholz</a:t>
+            </a:r>
+            <a:r>
+              <a:rPr lang="en-US" sz="1800" b="0" i="0" u="none" strike="noStrike" baseline="0" dirty="0" smtClean="0">
+                <a:latin typeface="NimbusRomNo9L-Regu"/>
+              </a:rPr>
+              <a:t> and S. Ivanov. Real-time network emulation with ns-2. </a:t>
+            </a:r>
+            <a:r>
+              <a:rPr lang="en-US" sz="1800" b="0" i="0" u="none" strike="noStrike" baseline="0" dirty="0" smtClean="0">
+                <a:latin typeface="NimbusRomNo9L-ReguItal"/>
+              </a:rPr>
+              <a:t>Proceedings- Eighth IEEE International Symposium on Distributed Simulation and Real-Time Applications, DS-RT 2004</a:t>
+            </a:r>
+            <a:r>
+              <a:rPr lang="en-US" sz="1800" b="0" i="0" u="none" strike="noStrike" baseline="0" dirty="0" smtClean="0">
+                <a:latin typeface="NimbusRomNo9L-Regu"/>
+              </a:rPr>
+              <a:t>, pages 29–36, 2004.</a:t>
+            </a:r>
+          </a:p>
+          <a:p>
+            <a:r>
+              <a:rPr lang="en-US" sz="1800" b="0" i="0" u="none" strike="noStrike" baseline="0" dirty="0" smtClean="0">
+                <a:latin typeface="NimbusRomNo9L-Regu"/>
+              </a:rPr>
+              <a:t>J.-Y. Le </a:t>
+            </a:r>
+            <a:r>
+              <a:rPr lang="en-US" sz="1800" b="0" i="0" u="none" strike="noStrike" baseline="0" dirty="0" err="1" smtClean="0">
+                <a:latin typeface="NimbusRomNo9L-Regu"/>
+              </a:rPr>
+              <a:t>Boudec</a:t>
+            </a:r>
+            <a:r>
+              <a:rPr lang="en-US" sz="1800" b="0" i="0" u="none" strike="noStrike" baseline="0" dirty="0" smtClean="0">
+                <a:latin typeface="NimbusRomNo9L-Regu"/>
+              </a:rPr>
+              <a:t> and P. </a:t>
+            </a:r>
+            <a:r>
+              <a:rPr lang="en-US" sz="1800" b="0" i="0" u="none" strike="noStrike" baseline="0" dirty="0" err="1" smtClean="0">
+                <a:latin typeface="NimbusRomNo9L-Regu"/>
+              </a:rPr>
+              <a:t>Thiran</a:t>
+            </a:r>
+            <a:r>
+              <a:rPr lang="en-US" sz="1800" b="0" i="0" u="none" strike="noStrike" baseline="0" dirty="0" smtClean="0">
+                <a:latin typeface="NimbusRomNo9L-Regu"/>
+              </a:rPr>
+              <a:t>. </a:t>
+            </a:r>
+            <a:r>
+              <a:rPr lang="en-US" sz="1800" b="0" i="0" u="none" strike="noStrike" baseline="0" dirty="0" smtClean="0">
+                <a:latin typeface="NimbusRomNo9L-ReguItal"/>
+              </a:rPr>
+              <a:t>Network Calculus: A Theory of Deterministic Queuing Systems for the Internet</a:t>
+            </a:r>
+            <a:r>
+              <a:rPr lang="en-US" sz="1800" b="0" i="0" u="none" strike="noStrike" baseline="0" dirty="0" smtClean="0">
+                <a:latin typeface="NimbusRomNo9L-Regu"/>
+              </a:rPr>
+              <a:t>. Springer-</a:t>
+            </a:r>
+            <a:r>
+              <a:rPr lang="en-US" sz="1800" b="0" i="0" u="none" strike="noStrike" baseline="0" dirty="0" err="1" smtClean="0">
+                <a:latin typeface="NimbusRomNo9L-Regu"/>
+              </a:rPr>
+              <a:t>Verlag</a:t>
+            </a:r>
+            <a:r>
+              <a:rPr lang="en-US" sz="1800" b="0" i="0" u="none" strike="noStrike" baseline="0" dirty="0" smtClean="0">
+                <a:latin typeface="NimbusRomNo9L-Regu"/>
+              </a:rPr>
+              <a:t>, Berlin, Heidelberg, 2001.</a:t>
+            </a:r>
+          </a:p>
+          <a:p>
+            <a:r>
+              <a:rPr lang="en-US" sz="1800" b="0" i="0" u="none" strike="noStrike" baseline="0" dirty="0" smtClean="0">
+                <a:latin typeface="NimbusRomNo9L-Regu"/>
+              </a:rPr>
+              <a:t>D. G. Kendall. Stochastic Processes Occurring in the Theory of Queues and their Analysis by the Method of the Imbedded Markov Chain. </a:t>
+            </a:r>
+            <a:r>
+              <a:rPr lang="en-US" sz="1800" b="0" i="0" u="none" strike="noStrike" baseline="0" dirty="0" smtClean="0">
+                <a:latin typeface="NimbusRomNo9L-ReguItal"/>
+              </a:rPr>
+              <a:t>The Annals of Mathematical Statistics</a:t>
+            </a:r>
+            <a:r>
+              <a:rPr lang="en-US" sz="1800" b="0" i="0" u="none" strike="noStrike" baseline="0" dirty="0" smtClean="0">
+                <a:latin typeface="NimbusRomNo9L-Regu"/>
+              </a:rPr>
+              <a:t>, 24(3):338–354, 1953.</a:t>
+            </a:r>
+          </a:p>
+          <a:p>
+            <a:r>
+              <a:rPr lang="en-US" sz="1800" b="0" i="0" u="none" strike="noStrike" baseline="0" dirty="0" smtClean="0">
+                <a:latin typeface="NimbusRomNo9L-Regu"/>
+              </a:rPr>
+              <a:t>Gilberto Flores Lucio, Marcos Paredes-</a:t>
+            </a:r>
+            <a:r>
+              <a:rPr lang="en-US" sz="1800" b="0" i="0" u="none" strike="noStrike" baseline="0" dirty="0" err="1" smtClean="0">
+                <a:latin typeface="NimbusRomNo9L-Regu"/>
+              </a:rPr>
+              <a:t>farrera</a:t>
+            </a:r>
+            <a:r>
+              <a:rPr lang="en-US" sz="1800" b="0" i="0" u="none" strike="noStrike" baseline="0" dirty="0" smtClean="0">
+                <a:latin typeface="NimbusRomNo9L-Regu"/>
+              </a:rPr>
+              <a:t>, Emmanuel </a:t>
+            </a:r>
+            <a:r>
+              <a:rPr lang="en-US" sz="1800" b="0" i="0" u="none" strike="noStrike" baseline="0" dirty="0" err="1" smtClean="0">
+                <a:latin typeface="NimbusRomNo9L-Regu"/>
+              </a:rPr>
+              <a:t>Jammeh</a:t>
+            </a:r>
+            <a:r>
+              <a:rPr lang="en-US" sz="1800" b="0" i="0" u="none" strike="noStrike" baseline="0" dirty="0" smtClean="0">
+                <a:latin typeface="NimbusRomNo9L-Regu"/>
+              </a:rPr>
+              <a:t>, Martin </a:t>
+            </a:r>
+            <a:r>
+              <a:rPr lang="en-US" sz="1800" b="0" i="0" u="none" strike="noStrike" baseline="0" dirty="0" err="1" smtClean="0">
+                <a:latin typeface="NimbusRomNo9L-Regu"/>
+              </a:rPr>
+              <a:t>Fleury</a:t>
+            </a:r>
+            <a:r>
+              <a:rPr lang="en-US" sz="1800" b="0" i="0" u="none" strike="noStrike" baseline="0" dirty="0" smtClean="0">
+                <a:latin typeface="NimbusRomNo9L-Regu"/>
+              </a:rPr>
+              <a:t>, and M. J. Reed. OPNET Modeler and Ns-2: Comparing the Accuracy of Network Simulators for Packet-Level Analysis using a Network </a:t>
+            </a:r>
+            <a:r>
+              <a:rPr lang="en-US" sz="1800" b="0" i="0" u="none" strike="noStrike" baseline="0" dirty="0" err="1" smtClean="0">
+                <a:latin typeface="NimbusRomNo9L-Regu"/>
+              </a:rPr>
+              <a:t>Testbed</a:t>
+            </a:r>
+            <a:r>
+              <a:rPr lang="en-US" sz="1800" b="0" i="0" u="none" strike="noStrike" baseline="0" dirty="0" smtClean="0">
+                <a:latin typeface="NimbusRomNo9L-Regu"/>
+              </a:rPr>
+              <a:t>. </a:t>
+            </a:r>
+            <a:r>
+              <a:rPr lang="en-US" sz="1800" b="0" i="0" u="none" strike="noStrike" baseline="0" dirty="0" smtClean="0">
+                <a:latin typeface="NimbusRomNo9L-ReguItal"/>
+              </a:rPr>
+              <a:t>3rd WEAS International Conference on Simulation, Modelling and Optimization (ICOSMO)</a:t>
+            </a:r>
+            <a:r>
+              <a:rPr lang="en-US" sz="1800" b="0" i="0" u="none" strike="noStrike" baseline="0" dirty="0" smtClean="0">
+                <a:latin typeface="NimbusRomNo9L-Regu"/>
+              </a:rPr>
+              <a:t>, pages 700–707, 2003.</a:t>
+            </a:r>
+          </a:p>
+          <a:p>
+            <a:r>
+              <a:rPr lang="en-US" sz="1800" b="0" i="0" u="none" strike="noStrike" baseline="0" dirty="0" smtClean="0">
+                <a:latin typeface="NimbusRomNo9L-Regu"/>
+              </a:rPr>
+              <a:t>G. </a:t>
+            </a:r>
+            <a:r>
+              <a:rPr lang="en-US" sz="1800" b="0" i="0" u="none" strike="noStrike" baseline="0" dirty="0" err="1" smtClean="0">
+                <a:latin typeface="NimbusRomNo9L-Regu"/>
+              </a:rPr>
+              <a:t>Giambene</a:t>
+            </a:r>
+            <a:r>
+              <a:rPr lang="en-US" sz="1800" b="0" i="0" u="none" strike="noStrike" baseline="0" dirty="0" smtClean="0">
+                <a:latin typeface="NimbusRomNo9L-Regu"/>
+              </a:rPr>
+              <a:t>. </a:t>
+            </a:r>
+            <a:r>
+              <a:rPr lang="en-US" sz="1800" b="0" i="0" u="none" strike="noStrike" baseline="0" dirty="0" smtClean="0">
+                <a:latin typeface="NimbusRomNo9L-ReguItal"/>
+              </a:rPr>
+              <a:t>Queuing Theory and Telecommunications Networks and Applications</a:t>
+            </a:r>
+            <a:r>
+              <a:rPr lang="en-US" sz="1800" b="0" i="0" u="none" strike="noStrike" baseline="0" dirty="0" smtClean="0">
+                <a:latin typeface="NimbusRomNo9L-Regu"/>
+              </a:rPr>
+              <a:t>. 2005.</a:t>
+            </a:r>
+          </a:p>
+          <a:p>
+            <a:r>
+              <a:rPr lang="en-US" sz="1800" b="0" i="0" u="none" strike="noStrike" baseline="0" dirty="0" smtClean="0">
+                <a:latin typeface="NimbusRomNo9L-Regu"/>
+              </a:rPr>
+              <a:t>R. L. Cruz. A calculus for network delay–I: Network elements in isolation. </a:t>
+            </a:r>
+            <a:r>
+              <a:rPr lang="en-US" sz="1800" b="0" i="0" u="none" strike="noStrike" baseline="0" dirty="0" smtClean="0">
+                <a:latin typeface="NimbusRomNo9L-ReguItal"/>
+              </a:rPr>
+              <a:t>IEEE Transactions on Information Theory</a:t>
+            </a:r>
+            <a:r>
+              <a:rPr lang="en-US" sz="1800" b="0" i="0" u="none" strike="noStrike" baseline="0" dirty="0" smtClean="0">
+                <a:latin typeface="NimbusRomNo9L-Regu"/>
+              </a:rPr>
+              <a:t>, 37(1):114–131, 1991.</a:t>
+            </a:r>
+          </a:p>
+          <a:p>
+            <a:r>
+              <a:rPr lang="en-US" sz="1800" b="0" i="0" u="none" strike="noStrike" baseline="0" dirty="0" smtClean="0">
+                <a:latin typeface="NimbusRomNo9L-Regu"/>
+              </a:rPr>
+              <a:t>O. S. Consortium et al. </a:t>
+            </a:r>
+            <a:r>
+              <a:rPr lang="en-US" sz="1800" b="0" i="0" u="none" strike="noStrike" baseline="0" dirty="0" err="1" smtClean="0">
+                <a:latin typeface="NimbusRomNo9L-Regu"/>
+              </a:rPr>
+              <a:t>Openflow</a:t>
+            </a:r>
+            <a:r>
+              <a:rPr lang="en-US" sz="1800" b="0" i="0" u="none" strike="noStrike" baseline="0" dirty="0" smtClean="0">
+                <a:latin typeface="NimbusRomNo9L-Regu"/>
+              </a:rPr>
+              <a:t> switch specification version 1.0. 0, 2009.</a:t>
+            </a:r>
+          </a:p>
+          <a:p>
+            <a:r>
+              <a:rPr lang="en-US" sz="1800" b="0" i="0" u="none" strike="noStrike" baseline="0" dirty="0" smtClean="0">
+                <a:latin typeface="NimbusRomNo9L-Regu"/>
+              </a:rPr>
+              <a:t>M. Carbone and L. Rizzo. </a:t>
+            </a:r>
+            <a:r>
+              <a:rPr lang="en-US" sz="1800" b="0" i="0" u="none" strike="noStrike" baseline="0" dirty="0" err="1" smtClean="0">
+                <a:latin typeface="NimbusRomNo9L-Regu"/>
+              </a:rPr>
+              <a:t>Dummynet</a:t>
+            </a:r>
+            <a:r>
+              <a:rPr lang="en-US" sz="1800" b="0" i="0" u="none" strike="noStrike" baseline="0" dirty="0" smtClean="0">
+                <a:latin typeface="NimbusRomNo9L-Regu"/>
+              </a:rPr>
+              <a:t> revisited, 2010</a:t>
             </a:r>
             <a:endParaRPr lang="en-US" dirty="0"/>
           </a:p>
@@ -16321,6 +17214,112 @@
             <a:fld id="{4FAB73BC-B049-4115-A692-8D63A059BFB8}" type="slidenum">
               <a:rPr lang="en-US" smtClean="0"/>
               <a:t>34</a:t>
+            </a:fld>
+            <a:endParaRPr lang="en-US" dirty="0"/>
+          </a:p>
+        </p:txBody>
+      </p:sp>
+    </p:spTree>
+    <p:extLst>
+      <p:ext uri="{BB962C8B-B14F-4D97-AF65-F5344CB8AC3E}">
+        <p14:creationId xmlns:p14="http://schemas.microsoft.com/office/powerpoint/2010/main" val="3737306379"/>
+      </p:ext>
+    </p:extLst>
+  </p:cSld>
+  <p:clrMapOvr>
+    <a:masterClrMapping/>
+  </p:clrMapOvr>
+  <p:timing>
+    <p:tnLst>
+      <p:par>
+        <p:cTn id="1" dur="indefinite" restart="never" nodeType="tmRoot"/>
+      </p:par>
+    </p:tnLst>
+  </p:timing>
+</p:sld>
+</file>
+
+<file path=ppt/slides/slide35.xml><?xml version="1.0" encoding="utf-8"?>
+<p:sld xmlns:a="http://schemas.openxmlformats.org/drawingml/2006/main" xmlns:r="http://schemas.openxmlformats.org/officeDocument/2006/relationships" xmlns:p="http://schemas.openxmlformats.org/presentationml/2006/main">
+  <p:cSld>
+    <p:spTree>
+      <p:nvGrpSpPr>
+        <p:cNvPr id="1" name=""/>
+        <p:cNvGrpSpPr/>
+        <p:nvPr/>
+      </p:nvGrpSpPr>
+      <p:grpSpPr>
+        <a:xfrm>
+          <a:off x="0" y="0"/>
+          <a:ext cx="0" cy="0"/>
+          <a:chOff x="0" y="0"/>
+          <a:chExt cx="0" cy="0"/>
+        </a:xfrm>
+      </p:grpSpPr>
+      <p:sp>
+        <p:nvSpPr>
+          <p:cNvPr id="2" name="Title 1"/>
+          <p:cNvSpPr>
+            <a:spLocks noGrp="1"/>
+          </p:cNvSpPr>
+          <p:nvPr>
+            <p:ph type="title"/>
+          </p:nvPr>
+        </p:nvSpPr>
+        <p:spPr/>
+        <p:txBody>
+          <a:bodyPr/>
+          <a:lstStyle/>
+          <a:p>
+            <a:r>
+              <a:rPr lang="en-US" dirty="0" smtClean="0"/>
+              <a:t>Questions?</a:t>
+            </a:r>
+            <a:endParaRPr lang="en-US" dirty="0"/>
+          </a:p>
+        </p:txBody>
+      </p:sp>
+      <p:sp>
+        <p:nvSpPr>
+          <p:cNvPr id="3" name="Content Placeholder 2"/>
+          <p:cNvSpPr>
+            <a:spLocks noGrp="1"/>
+          </p:cNvSpPr>
+          <p:nvPr>
+            <p:ph type="body" idx="1"/>
+          </p:nvPr>
+        </p:nvSpPr>
+        <p:spPr/>
+        <p:txBody>
+          <a:bodyPr/>
+          <a:lstStyle/>
+          <a:p>
+            <a:r>
+              <a:rPr lang="en-US" dirty="0" smtClean="0"/>
+              <a:t>Thank you for your attention!</a:t>
+            </a:r>
+            <a:endParaRPr lang="en-US" dirty="0"/>
+          </a:p>
+        </p:txBody>
+      </p:sp>
+      <p:sp>
+        <p:nvSpPr>
+          <p:cNvPr id="4" name="Slide Number Placeholder 3"/>
+          <p:cNvSpPr>
+            <a:spLocks noGrp="1"/>
+          </p:cNvSpPr>
+          <p:nvPr>
+            <p:ph type="sldNum" sz="quarter" idx="12"/>
+          </p:nvPr>
+        </p:nvSpPr>
+        <p:spPr/>
+        <p:txBody>
+          <a:bodyPr/>
+          <a:lstStyle/>
+          <a:p>
+            <a:fld id="{4FAB73BC-B049-4115-A692-8D63A059BFB8}" type="slidenum">
+              <a:rPr lang="en-US" smtClean="0"/>
+              <a:t>35</a:t>
             </a:fld>
             <a:endParaRPr lang="en-US" dirty="0"/>
           </a:p>

--- a/thesis/Defense.pptx
+++ b/thesis/Defense.pptx
@@ -5,10 +5,10 @@
     <p:sldMasterId id="2147483768" r:id="rId1"/>
   </p:sldMasterIdLst>
   <p:notesMasterIdLst>
-    <p:notesMasterId r:id="rId37"/>
+    <p:notesMasterId r:id="rId38"/>
   </p:notesMasterIdLst>
   <p:handoutMasterIdLst>
-    <p:handoutMasterId r:id="rId38"/>
+    <p:handoutMasterId r:id="rId39"/>
   </p:handoutMasterIdLst>
   <p:sldIdLst>
     <p:sldId id="256" r:id="rId2"/>
@@ -34,18 +34,19 @@
     <p:sldId id="371" r:id="rId22"/>
     <p:sldId id="367" r:id="rId23"/>
     <p:sldId id="368" r:id="rId24"/>
-    <p:sldId id="369" r:id="rId25"/>
-    <p:sldId id="356" r:id="rId26"/>
-    <p:sldId id="352" r:id="rId27"/>
-    <p:sldId id="357" r:id="rId28"/>
-    <p:sldId id="358" r:id="rId29"/>
-    <p:sldId id="353" r:id="rId30"/>
-    <p:sldId id="354" r:id="rId31"/>
-    <p:sldId id="326" r:id="rId32"/>
-    <p:sldId id="329" r:id="rId33"/>
-    <p:sldId id="340" r:id="rId34"/>
-    <p:sldId id="355" r:id="rId35"/>
-    <p:sldId id="335" r:id="rId36"/>
+    <p:sldId id="372" r:id="rId25"/>
+    <p:sldId id="373" r:id="rId26"/>
+    <p:sldId id="356" r:id="rId27"/>
+    <p:sldId id="352" r:id="rId28"/>
+    <p:sldId id="357" r:id="rId29"/>
+    <p:sldId id="358" r:id="rId30"/>
+    <p:sldId id="353" r:id="rId31"/>
+    <p:sldId id="354" r:id="rId32"/>
+    <p:sldId id="326" r:id="rId33"/>
+    <p:sldId id="329" r:id="rId34"/>
+    <p:sldId id="340" r:id="rId35"/>
+    <p:sldId id="355" r:id="rId36"/>
+    <p:sldId id="335" r:id="rId37"/>
   </p:sldIdLst>
   <p:sldSz cx="9144000" cy="6858000" type="screen4x3"/>
   <p:notesSz cx="9296400" cy="7010400"/>
@@ -1085,7 +1086,7 @@
             <a:fld id="{BF235529-9E21-485D-85D0-B510246CE809}" type="slidenum">
               <a:rPr lang="en-US" smtClean="0"/>
               <a:pPr/>
-              <a:t>26</a:t>
+              <a:t>27</a:t>
             </a:fld>
             <a:endParaRPr lang="en-US"/>
           </a:p>
@@ -1192,7 +1193,7 @@
             <a:fld id="{BF235529-9E21-485D-85D0-B510246CE809}" type="slidenum">
               <a:rPr lang="en-US" smtClean="0"/>
               <a:pPr/>
-              <a:t>27</a:t>
+              <a:t>28</a:t>
             </a:fld>
             <a:endParaRPr lang="en-US"/>
           </a:p>
@@ -1281,7 +1282,7 @@
             <a:fld id="{BF235529-9E21-485D-85D0-B510246CE809}" type="slidenum">
               <a:rPr lang="en-US" smtClean="0"/>
               <a:pPr/>
-              <a:t>28</a:t>
+              <a:t>29</a:t>
             </a:fld>
             <a:endParaRPr lang="en-US"/>
           </a:p>
@@ -1366,7 +1367,7 @@
             <a:fld id="{BF235529-9E21-485D-85D0-B510246CE809}" type="slidenum">
               <a:rPr lang="en-US" smtClean="0"/>
               <a:pPr/>
-              <a:t>29</a:t>
+              <a:t>30</a:t>
             </a:fld>
             <a:endParaRPr lang="en-US"/>
           </a:p>
@@ -1476,7 +1477,7 @@
             <a:fld id="{BF235529-9E21-485D-85D0-B510246CE809}" type="slidenum">
               <a:rPr lang="en-US" smtClean="0"/>
               <a:pPr/>
-              <a:t>31</a:t>
+              <a:t>32</a:t>
             </a:fld>
             <a:endParaRPr lang="en-US"/>
           </a:p>
@@ -13733,107 +13734,292 @@
           </a:p>
         </p:txBody>
       </p:sp>
-      <p:sp>
-        <p:nvSpPr>
-          <p:cNvPr id="3" name="Content Placeholder 2"/>
-          <p:cNvSpPr>
-            <a:spLocks noGrp="1"/>
-          </p:cNvSpPr>
-          <p:nvPr>
-            <p:ph idx="1"/>
-          </p:nvPr>
-        </p:nvSpPr>
-        <p:spPr/>
-        <p:txBody>
-          <a:bodyPr>
-            <a:normAutofit lnSpcReduction="10000"/>
-          </a:bodyPr>
-          <a:lstStyle/>
-          <a:p>
-            <a:r>
-              <a:rPr lang="en-US" dirty="0" smtClean="0"/>
-              <a:t>Validated the accuracy of PNP</a:t>
-            </a:r>
-            <a:r>
-              <a:rPr lang="en-US" baseline="30000" dirty="0" smtClean="0"/>
-              <a:t>2</a:t>
-            </a:r>
-            <a:r>
-              <a:rPr lang="en-US" dirty="0" smtClean="0"/>
-              <a:t> predictions using custom network traffic generation code and a network testbed</a:t>
-            </a:r>
-          </a:p>
-          <a:p>
-            <a:pPr lvl="1"/>
-            <a:r>
-              <a:rPr lang="en-US" dirty="0" smtClean="0"/>
-              <a:t>Used </a:t>
-            </a:r>
-            <a:r>
-              <a:rPr lang="en-US" dirty="0" err="1" smtClean="0"/>
-              <a:t>Dummynet</a:t>
-            </a:r>
-            <a:r>
-              <a:rPr lang="en-US" dirty="0" smtClean="0"/>
-              <a:t> to perform traffic shaping and link emulation</a:t>
-            </a:r>
-          </a:p>
-          <a:p>
-            <a:r>
-              <a:rPr lang="en-US" dirty="0" smtClean="0"/>
-              <a:t>Integrated Network Calculus model into PNP</a:t>
-            </a:r>
-            <a:r>
-              <a:rPr lang="en-US" baseline="30000" dirty="0" smtClean="0"/>
-              <a:t>2</a:t>
-            </a:r>
-            <a:r>
-              <a:rPr lang="en-US" dirty="0" smtClean="0"/>
-              <a:t> tool, allows analysis of PNP</a:t>
-            </a:r>
-            <a:r>
-              <a:rPr lang="en-US" baseline="30000" dirty="0" smtClean="0"/>
-              <a:t>2</a:t>
-            </a:r>
-            <a:r>
-              <a:rPr lang="en-US" dirty="0" smtClean="0"/>
-              <a:t> model using NC’s semantics</a:t>
-            </a:r>
-          </a:p>
-          <a:p>
-            <a:pPr lvl="1"/>
-            <a:r>
-              <a:rPr lang="en-US" dirty="0" smtClean="0"/>
-              <a:t>Enables direct, easy comparison between analysis techniques</a:t>
-            </a:r>
-          </a:p>
-          <a:p>
-            <a:r>
-              <a:rPr lang="en-US" dirty="0" smtClean="0"/>
-              <a:t>Network Calculus defines arrival curves and service curves as functions of time-window size, therefore it cannot precisely analyze systems where the applications’ data production is tightly coupled with the service capacity of the system</a:t>
-            </a:r>
-          </a:p>
-          <a:p>
-            <a:pPr lvl="1"/>
-            <a:r>
-              <a:rPr lang="en-US" dirty="0" smtClean="0"/>
-              <a:t>i.e. applications know a </a:t>
-            </a:r>
-            <a:r>
-              <a:rPr lang="en-US" dirty="0" err="1" smtClean="0"/>
-              <a:t>prioi</a:t>
-            </a:r>
-            <a:r>
-              <a:rPr lang="en-US" dirty="0" smtClean="0"/>
-              <a:t> when the system will have high network capacity and are designed to send their data at that time</a:t>
-            </a:r>
-          </a:p>
-          <a:p>
-            <a:pPr lvl="1"/>
-            <a:endParaRPr lang="en-US" b="1" dirty="0" smtClean="0"/>
-          </a:p>
-        </p:txBody>
-      </p:sp>
+      <mc:AlternateContent xmlns:mc="http://schemas.openxmlformats.org/markup-compatibility/2006">
+        <mc:Choice xmlns:a14="http://schemas.microsoft.com/office/drawing/2010/main" Requires="a14">
+          <p:sp>
+            <p:nvSpPr>
+              <p:cNvPr id="3" name="Content Placeholder 2"/>
+              <p:cNvSpPr>
+                <a:spLocks noGrp="1"/>
+              </p:cNvSpPr>
+              <p:nvPr>
+                <p:ph idx="1"/>
+              </p:nvPr>
+            </p:nvSpPr>
+            <p:spPr/>
+            <p:txBody>
+              <a:bodyPr>
+                <a:normAutofit lnSpcReduction="10000"/>
+              </a:bodyPr>
+              <a:lstStyle/>
+              <a:p>
+                <a:r>
+                  <a:rPr lang="en-US" dirty="0" smtClean="0"/>
+                  <a:t>Goal: incorporate network delays into the analysis, e.g. transmission delay, protocol processing delay, etc.</a:t>
+                </a:r>
+              </a:p>
+              <a:p>
+                <a:r>
+                  <a:rPr lang="en-US" dirty="0" smtClean="0"/>
+                  <a:t>We model latency as a </a:t>
+                </a:r>
+                <a:r>
+                  <a:rPr lang="en-US" i="1" dirty="0" smtClean="0"/>
+                  <a:t>linear </a:t>
+                </a:r>
+                <a:r>
+                  <a:rPr lang="en-US" dirty="0" smtClean="0"/>
+                  <a:t>continuous function of time, which may be its own profile or be composed together with another profile, e.g. a link profile</a:t>
+                </a:r>
+              </a:p>
+              <a:p>
+                <a:r>
+                  <a:rPr lang="en-US" dirty="0" smtClean="0"/>
+                  <a:t>Given:</a:t>
+                </a:r>
+              </a:p>
+              <a:p>
+                <a:pPr lvl="1"/>
+                <a14:m>
+                  <m:oMath xmlns:m="http://schemas.openxmlformats.org/officeDocument/2006/math">
+                    <m:r>
+                      <a:rPr lang="en-US" b="0" i="1" smtClean="0">
+                        <a:latin typeface="Cambria Math" panose="02040503050406030204" pitchFamily="18" charset="0"/>
+                      </a:rPr>
+                      <m:t>𝑙</m:t>
+                    </m:r>
+                    <m:r>
+                      <a:rPr lang="en-US" b="0" i="1" smtClean="0">
+                        <a:latin typeface="Cambria Math" panose="02040503050406030204" pitchFamily="18" charset="0"/>
+                      </a:rPr>
+                      <m:t>[</m:t>
+                    </m:r>
+                    <m:r>
+                      <a:rPr lang="en-US" b="0" i="1" smtClean="0">
+                        <a:latin typeface="Cambria Math" panose="02040503050406030204" pitchFamily="18" charset="0"/>
+                      </a:rPr>
+                      <m:t>𝑡</m:t>
+                    </m:r>
+                    <m:r>
+                      <a:rPr lang="en-US" b="0" i="1" smtClean="0">
+                        <a:latin typeface="Cambria Math" panose="02040503050406030204" pitchFamily="18" charset="0"/>
+                      </a:rPr>
+                      <m:t>]</m:t>
+                    </m:r>
+                  </m:oMath>
+                </a14:m>
+                <a:r>
+                  <a:rPr lang="en-US" dirty="0" smtClean="0"/>
+                  <a:t>: the data’s profile which is being delayed, e.g. on a network link</a:t>
+                </a:r>
+              </a:p>
+              <a:p>
+                <a:pPr lvl="1"/>
+                <a14:m>
+                  <m:oMath xmlns:m="http://schemas.openxmlformats.org/officeDocument/2006/math">
+                    <m:r>
+                      <a:rPr lang="en-US" b="0" i="1" smtClean="0">
+                        <a:latin typeface="Cambria Math" panose="02040503050406030204" pitchFamily="18" charset="0"/>
+                      </a:rPr>
+                      <m:t>𝛿</m:t>
+                    </m:r>
+                    <m:r>
+                      <a:rPr lang="en-US" b="0" i="1" smtClean="0">
+                        <a:latin typeface="Cambria Math" panose="02040503050406030204" pitchFamily="18" charset="0"/>
+                      </a:rPr>
+                      <m:t>[</m:t>
+                    </m:r>
+                    <m:r>
+                      <a:rPr lang="en-US" b="0" i="1" smtClean="0">
+                        <a:latin typeface="Cambria Math" panose="02040503050406030204" pitchFamily="18" charset="0"/>
+                      </a:rPr>
+                      <m:t>𝑡</m:t>
+                    </m:r>
+                    <m:r>
+                      <a:rPr lang="en-US" b="0" i="1" smtClean="0">
+                        <a:latin typeface="Cambria Math" panose="02040503050406030204" pitchFamily="18" charset="0"/>
+                      </a:rPr>
+                      <m:t>]</m:t>
+                    </m:r>
+                  </m:oMath>
+                </a14:m>
+                <a:r>
+                  <a:rPr lang="en-US" dirty="0" smtClean="0"/>
+                  <a:t>: the delay profile describing latency as a function of time</a:t>
+                </a:r>
+              </a:p>
+              <a:p>
+                <a:pPr lvl="1"/>
+                <a14:m>
+                  <m:oMath xmlns:m="http://schemas.openxmlformats.org/officeDocument/2006/math">
+                    <m:r>
+                      <a:rPr lang="en-US" b="0" i="1" smtClean="0">
+                        <a:latin typeface="Cambria Math" panose="02040503050406030204" pitchFamily="18" charset="0"/>
+                      </a:rPr>
+                      <m:t>𝑟</m:t>
+                    </m:r>
+                    <m:r>
+                      <a:rPr lang="en-US" b="0" i="1" smtClean="0">
+                        <a:latin typeface="Cambria Math" panose="02040503050406030204" pitchFamily="18" charset="0"/>
+                      </a:rPr>
+                      <m:t>[</m:t>
+                    </m:r>
+                    <m:r>
+                      <a:rPr lang="en-US" b="0" i="1" smtClean="0">
+                        <a:latin typeface="Cambria Math" panose="02040503050406030204" pitchFamily="18" charset="0"/>
+                      </a:rPr>
+                      <m:t>𝑡</m:t>
+                    </m:r>
+                    <m:r>
+                      <a:rPr lang="en-US" b="0" i="1" smtClean="0">
+                        <a:latin typeface="Cambria Math" panose="02040503050406030204" pitchFamily="18" charset="0"/>
+                      </a:rPr>
+                      <m:t>]</m:t>
+                    </m:r>
+                  </m:oMath>
+                </a14:m>
+                <a:r>
+                  <a:rPr lang="en-US" dirty="0" smtClean="0"/>
+                  <a:t>: the received profile describing the data vs. time as it is received after being delayed</a:t>
+                </a:r>
+              </a:p>
+              <a:p>
+                <a:r>
+                  <a:rPr lang="en-US" dirty="0" smtClean="0"/>
+                  <a:t>With this modeling semantics, convolution with a delay profile becomes:</a:t>
+                </a:r>
+                <a:br>
+                  <a:rPr lang="en-US" dirty="0" smtClean="0"/>
+                </a:br>
+                <a14:m>
+                  <m:oMath xmlns:m="http://schemas.openxmlformats.org/officeDocument/2006/math">
+                    <m:r>
+                      <a:rPr lang="en-US" b="0" i="1" smtClean="0">
+                        <a:latin typeface="Cambria Math" panose="02040503050406030204" pitchFamily="18" charset="0"/>
+                      </a:rPr>
+                      <m:t>𝑟</m:t>
+                    </m:r>
+                    <m:d>
+                      <m:dPr>
+                        <m:begChr m:val="["/>
+                        <m:endChr m:val="]"/>
+                        <m:ctrlPr>
+                          <a:rPr lang="en-US" b="0" i="1" smtClean="0">
+                            <a:latin typeface="Cambria Math" panose="02040503050406030204" pitchFamily="18" charset="0"/>
+                          </a:rPr>
+                        </m:ctrlPr>
+                      </m:dPr>
+                      <m:e>
+                        <m:r>
+                          <a:rPr lang="en-US" b="0" i="1" smtClean="0">
+                            <a:latin typeface="Cambria Math" panose="02040503050406030204" pitchFamily="18" charset="0"/>
+                          </a:rPr>
+                          <m:t>𝑡</m:t>
+                        </m:r>
+                        <m:r>
+                          <a:rPr lang="en-US" b="0" i="1" smtClean="0">
+                            <a:latin typeface="Cambria Math" panose="02040503050406030204" pitchFamily="18" charset="0"/>
+                          </a:rPr>
+                          <m:t>+</m:t>
+                        </m:r>
+                        <m:r>
+                          <a:rPr lang="en-US" b="0" i="1" smtClean="0">
+                            <a:latin typeface="Cambria Math" panose="02040503050406030204" pitchFamily="18" charset="0"/>
+                          </a:rPr>
+                          <m:t>𝛿</m:t>
+                        </m:r>
+                        <m:d>
+                          <m:dPr>
+                            <m:begChr m:val="["/>
+                            <m:endChr m:val="]"/>
+                            <m:ctrlPr>
+                              <a:rPr lang="en-US" b="0" i="1" smtClean="0">
+                                <a:latin typeface="Cambria Math" panose="02040503050406030204" pitchFamily="18" charset="0"/>
+                              </a:rPr>
+                            </m:ctrlPr>
+                          </m:dPr>
+                          <m:e>
+                            <m:r>
+                              <a:rPr lang="en-US" b="0" i="1" smtClean="0">
+                                <a:latin typeface="Cambria Math" panose="02040503050406030204" pitchFamily="18" charset="0"/>
+                              </a:rPr>
+                              <m:t>𝑡</m:t>
+                            </m:r>
+                          </m:e>
+                        </m:d>
+                      </m:e>
+                    </m:d>
+                    <m:r>
+                      <a:rPr lang="en-US" b="0" i="1" smtClean="0">
+                        <a:latin typeface="Cambria Math" panose="02040503050406030204" pitchFamily="18" charset="0"/>
+                      </a:rPr>
+                      <m:t>=</m:t>
+                    </m:r>
+                    <m:r>
+                      <a:rPr lang="en-US" b="0" i="1" smtClean="0">
+                        <a:latin typeface="Cambria Math" panose="02040503050406030204" pitchFamily="18" charset="0"/>
+                      </a:rPr>
+                      <m:t>𝑙</m:t>
+                    </m:r>
+                    <m:r>
+                      <a:rPr lang="en-US" b="0" i="1" smtClean="0">
+                        <a:latin typeface="Cambria Math" panose="02040503050406030204" pitchFamily="18" charset="0"/>
+                      </a:rPr>
+                      <m:t>[</m:t>
+                    </m:r>
+                    <m:r>
+                      <a:rPr lang="en-US" b="0" i="1" smtClean="0">
+                        <a:latin typeface="Cambria Math" panose="02040503050406030204" pitchFamily="18" charset="0"/>
+                      </a:rPr>
+                      <m:t>𝑡</m:t>
+                    </m:r>
+                    <m:r>
+                      <a:rPr lang="en-US" b="0" i="1" smtClean="0">
+                        <a:latin typeface="Cambria Math" panose="02040503050406030204" pitchFamily="18" charset="0"/>
+                      </a:rPr>
+                      <m:t>]</m:t>
+                    </m:r>
+                  </m:oMath>
+                </a14:m>
+                <a:endParaRPr lang="en-US" dirty="0" smtClean="0"/>
+              </a:p>
+            </p:txBody>
+          </p:sp>
+        </mc:Choice>
+        <mc:Fallback>
+          <p:sp>
+            <p:nvSpPr>
+              <p:cNvPr id="3" name="Content Placeholder 2"/>
+              <p:cNvSpPr>
+                <a:spLocks noGrp="1" noRot="1" noChangeAspect="1" noMove="1" noResize="1" noEditPoints="1" noAdjustHandles="1" noChangeArrowheads="1" noChangeShapeType="1" noTextEdit="1"/>
+              </p:cNvSpPr>
+              <p:nvPr>
+                <p:ph idx="1"/>
+              </p:nvPr>
+            </p:nvSpPr>
+            <p:spPr>
+              <a:blipFill>
+                <a:blip r:embed="rId2"/>
+                <a:stretch>
+                  <a:fillRect l="-189" t="-1681"/>
+                </a:stretch>
+              </a:blipFill>
+            </p:spPr>
+            <p:txBody>
+              <a:bodyPr/>
+              <a:lstStyle/>
+              <a:p>
+                <a:r>
+                  <a:rPr lang="en-US">
+                    <a:noFill/>
+                  </a:rPr>
+                  <a:t> </a:t>
+                </a:r>
+              </a:p>
+            </p:txBody>
+          </p:sp>
+        </mc:Fallback>
+      </mc:AlternateContent>
       <p:sp>
         <p:nvSpPr>
           <p:cNvPr id="4" name="Slide Number Placeholder 3"/>
@@ -13921,113 +14107,1065 @@
             </a:r>
             <a:r>
               <a:rPr lang="en-US" dirty="0" smtClean="0"/>
-              <a:t> Analysis of Statically Routed Networks</a:t>
+              <a:t> Delay Analysis</a:t>
             </a:r>
             <a:endParaRPr lang="en-US" dirty="0"/>
           </a:p>
         </p:txBody>
       </p:sp>
-      <p:sp>
-        <p:nvSpPr>
-          <p:cNvPr id="3" name="Content Placeholder 2"/>
-          <p:cNvSpPr>
-            <a:spLocks noGrp="1"/>
-          </p:cNvSpPr>
-          <p:nvPr>
-            <p:ph idx="1"/>
-          </p:nvPr>
-        </p:nvSpPr>
-        <p:spPr/>
-        <p:txBody>
-          <a:bodyPr>
-            <a:normAutofit lnSpcReduction="10000"/>
-          </a:bodyPr>
-          <a:lstStyle/>
-          <a:p>
-            <a:r>
-              <a:rPr lang="en-US" dirty="0" smtClean="0"/>
-              <a:t>Validated the accuracy of PNP</a:t>
-            </a:r>
-            <a:r>
-              <a:rPr lang="en-US" baseline="30000" dirty="0" smtClean="0"/>
-              <a:t>2</a:t>
-            </a:r>
-            <a:r>
-              <a:rPr lang="en-US" dirty="0" smtClean="0"/>
-              <a:t> predictions using custom network traffic generation code and a network testbed</a:t>
-            </a:r>
-          </a:p>
-          <a:p>
-            <a:pPr lvl="1"/>
-            <a:r>
-              <a:rPr lang="en-US" dirty="0" smtClean="0"/>
-              <a:t>Used </a:t>
-            </a:r>
-            <a:r>
-              <a:rPr lang="en-US" dirty="0" err="1" smtClean="0"/>
-              <a:t>Dummynet</a:t>
-            </a:r>
-            <a:r>
-              <a:rPr lang="en-US" dirty="0" smtClean="0"/>
-              <a:t> to perform traffic shaping and link emulation</a:t>
-            </a:r>
-          </a:p>
-          <a:p>
-            <a:r>
-              <a:rPr lang="en-US" dirty="0" smtClean="0"/>
-              <a:t>Integrated Network Calculus model into PNP</a:t>
-            </a:r>
-            <a:r>
-              <a:rPr lang="en-US" baseline="30000" dirty="0" smtClean="0"/>
-              <a:t>2</a:t>
-            </a:r>
-            <a:r>
-              <a:rPr lang="en-US" dirty="0" smtClean="0"/>
-              <a:t> tool, allows analysis of PNP</a:t>
-            </a:r>
-            <a:r>
-              <a:rPr lang="en-US" baseline="30000" dirty="0" smtClean="0"/>
-              <a:t>2</a:t>
-            </a:r>
-            <a:r>
-              <a:rPr lang="en-US" dirty="0" smtClean="0"/>
-              <a:t> model using NC’s semantics</a:t>
-            </a:r>
-          </a:p>
-          <a:p>
-            <a:pPr lvl="1"/>
-            <a:r>
-              <a:rPr lang="en-US" dirty="0" smtClean="0"/>
-              <a:t>Enables direct, easy comparison between analysis techniques</a:t>
-            </a:r>
-          </a:p>
-          <a:p>
-            <a:r>
-              <a:rPr lang="en-US" dirty="0" smtClean="0"/>
-              <a:t>Network Calculus defines arrival curves and service curves as functions of time-window size, therefore it cannot precisely analyze systems where the applications’ data production is tightly coupled with the service capacity of the system</a:t>
-            </a:r>
-          </a:p>
-          <a:p>
-            <a:pPr lvl="1"/>
-            <a:r>
-              <a:rPr lang="en-US" dirty="0" smtClean="0"/>
-              <a:t>i.e. applications know a </a:t>
-            </a:r>
-            <a:r>
-              <a:rPr lang="en-US" dirty="0" err="1" smtClean="0"/>
-              <a:t>prioi</a:t>
-            </a:r>
-            <a:r>
-              <a:rPr lang="en-US" dirty="0" smtClean="0"/>
-              <a:t> when the system will have high network capacity and are designed to send their data at that time</a:t>
-            </a:r>
-          </a:p>
-          <a:p>
-            <a:pPr lvl="1"/>
-            <a:endParaRPr lang="en-US" b="1" dirty="0" smtClean="0"/>
-          </a:p>
-        </p:txBody>
-      </p:sp>
+      <mc:AlternateContent xmlns:mc="http://schemas.openxmlformats.org/markup-compatibility/2006">
+        <mc:Choice xmlns:a14="http://schemas.microsoft.com/office/drawing/2010/main" Requires="a14">
+          <p:sp>
+            <p:nvSpPr>
+              <p:cNvPr id="3" name="Content Placeholder 2"/>
+              <p:cNvSpPr>
+                <a:spLocks noGrp="1"/>
+              </p:cNvSpPr>
+              <p:nvPr>
+                <p:ph idx="1"/>
+              </p:nvPr>
+            </p:nvSpPr>
+            <p:spPr/>
+            <p:txBody>
+              <a:bodyPr>
+                <a:noAutofit/>
+              </a:bodyPr>
+              <a:lstStyle/>
+              <a:p>
+                <a:r>
+                  <a:rPr lang="en-US" sz="1600" dirty="0" smtClean="0"/>
+                  <a:t>How does the delay affect the periodicity of the profile?</a:t>
+                </a:r>
+              </a:p>
+              <a:p>
+                <a:pPr lvl="1"/>
+                <a:r>
+                  <a:rPr lang="en-US" sz="1400" dirty="0" smtClean="0"/>
+                  <a:t>What is the scenario in which the period of </a:t>
+                </a:r>
+                <a14:m>
+                  <m:oMath xmlns:m="http://schemas.openxmlformats.org/officeDocument/2006/math">
+                    <m:r>
+                      <a:rPr lang="en-US" sz="1400" b="0" i="1" smtClean="0">
+                        <a:latin typeface="Cambria Math" panose="02040503050406030204" pitchFamily="18" charset="0"/>
+                      </a:rPr>
+                      <m:t>𝑟</m:t>
+                    </m:r>
+                    <m:r>
+                      <a:rPr lang="en-US" sz="1400" b="0" i="1" smtClean="0">
+                        <a:latin typeface="Cambria Math" panose="02040503050406030204" pitchFamily="18" charset="0"/>
+                      </a:rPr>
+                      <m:t>[</m:t>
+                    </m:r>
+                    <m:r>
+                      <a:rPr lang="en-US" sz="1400" b="0" i="1" smtClean="0">
+                        <a:latin typeface="Cambria Math" panose="02040503050406030204" pitchFamily="18" charset="0"/>
+                      </a:rPr>
+                      <m:t>𝑡</m:t>
+                    </m:r>
+                    <m:r>
+                      <a:rPr lang="en-US" sz="1400" b="0" i="1" smtClean="0">
+                        <a:latin typeface="Cambria Math" panose="02040503050406030204" pitchFamily="18" charset="0"/>
+                      </a:rPr>
+                      <m:t>]</m:t>
+                    </m:r>
+                  </m:oMath>
+                </a14:m>
+                <a:r>
+                  <a:rPr lang="en-US" sz="1400" dirty="0" smtClean="0"/>
+                  <a:t> is the same as the period of </a:t>
+                </a:r>
+                <a14:m>
+                  <m:oMath xmlns:m="http://schemas.openxmlformats.org/officeDocument/2006/math">
+                    <m:r>
+                      <a:rPr lang="en-US" sz="1400" b="0" i="1" smtClean="0">
+                        <a:latin typeface="Cambria Math" panose="02040503050406030204" pitchFamily="18" charset="0"/>
+                      </a:rPr>
+                      <m:t>𝑙</m:t>
+                    </m:r>
+                    <m:r>
+                      <a:rPr lang="en-US" sz="1400" b="0" i="1" smtClean="0">
+                        <a:latin typeface="Cambria Math" panose="02040503050406030204" pitchFamily="18" charset="0"/>
+                      </a:rPr>
+                      <m:t>[</m:t>
+                    </m:r>
+                    <m:r>
+                      <a:rPr lang="en-US" sz="1400" b="0" i="1" smtClean="0">
+                        <a:latin typeface="Cambria Math" panose="02040503050406030204" pitchFamily="18" charset="0"/>
+                      </a:rPr>
+                      <m:t>𝑡</m:t>
+                    </m:r>
+                    <m:r>
+                      <a:rPr lang="en-US" sz="1400" b="0" i="1" smtClean="0">
+                        <a:latin typeface="Cambria Math" panose="02040503050406030204" pitchFamily="18" charset="0"/>
+                      </a:rPr>
+                      <m:t>]</m:t>
+                    </m:r>
+                  </m:oMath>
+                </a14:m>
+                <a:r>
+                  <a:rPr lang="en-US" sz="1400" dirty="0" smtClean="0"/>
+                  <a:t>?</a:t>
+                </a:r>
+              </a:p>
+              <a:p>
+                <a:pPr lvl="1"/>
+                <a:r>
+                  <a:rPr lang="en-US" sz="1400" dirty="0" smtClean="0"/>
+                  <a:t>The period of </a:t>
+                </a:r>
+                <a14:m>
+                  <m:oMath xmlns:m="http://schemas.openxmlformats.org/officeDocument/2006/math">
+                    <m:r>
+                      <a:rPr lang="en-US" sz="1400" b="0" i="1" smtClean="0">
+                        <a:latin typeface="Cambria Math" panose="02040503050406030204" pitchFamily="18" charset="0"/>
+                      </a:rPr>
+                      <m:t>𝑟</m:t>
+                    </m:r>
+                    <m:r>
+                      <a:rPr lang="en-US" sz="1400" b="0" i="1" smtClean="0">
+                        <a:latin typeface="Cambria Math" panose="02040503050406030204" pitchFamily="18" charset="0"/>
+                      </a:rPr>
+                      <m:t>[</m:t>
+                    </m:r>
+                    <m:r>
+                      <a:rPr lang="en-US" sz="1400" b="0" i="1" smtClean="0">
+                        <a:latin typeface="Cambria Math" panose="02040503050406030204" pitchFamily="18" charset="0"/>
+                      </a:rPr>
+                      <m:t>𝑡</m:t>
+                    </m:r>
+                    <m:r>
+                      <a:rPr lang="en-US" sz="1400" b="0" i="1" smtClean="0">
+                        <a:latin typeface="Cambria Math" panose="02040503050406030204" pitchFamily="18" charset="0"/>
+                      </a:rPr>
+                      <m:t>]</m:t>
+                    </m:r>
+                  </m:oMath>
+                </a14:m>
+                <a:r>
+                  <a:rPr lang="en-US" sz="1400" dirty="0" smtClean="0"/>
+                  <a:t> is the difference between its start time and end time</a:t>
+                </a:r>
+              </a:p>
+              <a:p>
+                <a:r>
+                  <a:rPr lang="en-US" sz="1600" dirty="0" smtClean="0"/>
+                  <a:t>Given:</a:t>
+                </a:r>
+              </a:p>
+              <a:p>
+                <a:pPr lvl="1"/>
+                <a14:m>
+                  <m:oMath xmlns:m="http://schemas.openxmlformats.org/officeDocument/2006/math">
+                    <m:r>
+                      <a:rPr lang="en-US" sz="1400" b="0" i="1" smtClean="0">
+                        <a:latin typeface="Cambria Math" panose="02040503050406030204" pitchFamily="18" charset="0"/>
+                      </a:rPr>
+                      <m:t>𝑇</m:t>
+                    </m:r>
+                  </m:oMath>
+                </a14:m>
+                <a:r>
+                  <a:rPr lang="en-US" sz="1400" dirty="0" smtClean="0"/>
+                  <a:t>: the </a:t>
+                </a:r>
+                <a:r>
+                  <a:rPr lang="en-US" sz="1400" dirty="0" err="1" smtClean="0"/>
+                  <a:t>hyperperiod</a:t>
+                </a:r>
+                <a:r>
+                  <a:rPr lang="en-US" sz="1400" dirty="0" smtClean="0"/>
+                  <a:t> of the link profile and the delay profile</a:t>
+                </a:r>
+              </a:p>
+              <a:p>
+                <a:pPr lvl="1"/>
+                <a14:m>
+                  <m:oMath xmlns:m="http://schemas.openxmlformats.org/officeDocument/2006/math">
+                    <m:r>
+                      <a:rPr lang="en-US" sz="1400" b="0" i="1" smtClean="0">
+                        <a:latin typeface="Cambria Math" panose="02040503050406030204" pitchFamily="18" charset="0"/>
+                      </a:rPr>
+                      <m:t>𝑟</m:t>
+                    </m:r>
+                    <m:r>
+                      <a:rPr lang="en-US" sz="1400" b="0" i="1" smtClean="0">
+                        <a:latin typeface="Cambria Math" panose="02040503050406030204" pitchFamily="18" charset="0"/>
+                      </a:rPr>
+                      <m:t>[</m:t>
+                    </m:r>
+                    <m:r>
+                      <a:rPr lang="en-US" sz="1400" b="0" i="1" smtClean="0">
+                        <a:latin typeface="Cambria Math" panose="02040503050406030204" pitchFamily="18" charset="0"/>
+                      </a:rPr>
+                      <m:t>𝑡</m:t>
+                    </m:r>
+                    <m:r>
+                      <a:rPr lang="en-US" sz="1400" b="0" i="1" smtClean="0">
+                        <a:latin typeface="Cambria Math" panose="02040503050406030204" pitchFamily="18" charset="0"/>
+                      </a:rPr>
+                      <m:t>+</m:t>
+                    </m:r>
+                    <m:r>
+                      <a:rPr lang="en-US" sz="1400" b="0" i="1" smtClean="0">
+                        <a:latin typeface="Cambria Math" panose="02040503050406030204" pitchFamily="18" charset="0"/>
+                      </a:rPr>
+                      <m:t>𝛿</m:t>
+                    </m:r>
+                    <m:d>
+                      <m:dPr>
+                        <m:begChr m:val="["/>
+                        <m:endChr m:val="]"/>
+                        <m:ctrlPr>
+                          <a:rPr lang="en-US" sz="1400" b="0" i="1" smtClean="0">
+                            <a:latin typeface="Cambria Math" panose="02040503050406030204" pitchFamily="18" charset="0"/>
+                          </a:rPr>
+                        </m:ctrlPr>
+                      </m:dPr>
+                      <m:e>
+                        <m:r>
+                          <a:rPr lang="en-US" sz="1400" b="0" i="1" smtClean="0">
+                            <a:latin typeface="Cambria Math" panose="02040503050406030204" pitchFamily="18" charset="0"/>
+                          </a:rPr>
+                          <m:t>𝑡</m:t>
+                        </m:r>
+                      </m:e>
+                    </m:d>
+                    <m:r>
+                      <a:rPr lang="en-US" sz="1400" b="0" i="1" smtClean="0">
+                        <a:latin typeface="Cambria Math" panose="02040503050406030204" pitchFamily="18" charset="0"/>
+                      </a:rPr>
+                      <m:t>]</m:t>
+                    </m:r>
+                  </m:oMath>
+                </a14:m>
+                <a:r>
+                  <a:rPr lang="en-US" sz="1400" dirty="0" smtClean="0"/>
+                  <a:t>: the beginning of the received profile, </a:t>
+                </a:r>
+                <a14:m>
+                  <m:oMath xmlns:m="http://schemas.openxmlformats.org/officeDocument/2006/math">
+                    <m:sSub>
+                      <m:sSubPr>
+                        <m:ctrlPr>
+                          <a:rPr lang="en-US" sz="1400" i="1" smtClean="0">
+                            <a:latin typeface="Cambria Math" panose="02040503050406030204" pitchFamily="18" charset="0"/>
+                          </a:rPr>
+                        </m:ctrlPr>
+                      </m:sSubPr>
+                      <m:e>
+                        <m:r>
+                          <a:rPr lang="en-US" sz="1400" b="0" i="1" smtClean="0">
+                            <a:latin typeface="Cambria Math" panose="02040503050406030204" pitchFamily="18" charset="0"/>
+                          </a:rPr>
+                          <m:t>𝑡</m:t>
+                        </m:r>
+                      </m:e>
+                      <m:sub>
+                        <m:r>
+                          <a:rPr lang="en-US" sz="1400" b="0" i="1" smtClean="0">
+                            <a:latin typeface="Cambria Math" panose="02040503050406030204" pitchFamily="18" charset="0"/>
+                          </a:rPr>
+                          <m:t>𝑠𝑡𝑎𝑟𝑡</m:t>
+                        </m:r>
+                      </m:sub>
+                    </m:sSub>
+                  </m:oMath>
+                </a14:m>
+                <a:endParaRPr lang="en-US" sz="1400" dirty="0" smtClean="0"/>
+              </a:p>
+              <a:p>
+                <a:pPr lvl="1"/>
+                <a14:m>
+                  <m:oMath xmlns:m="http://schemas.openxmlformats.org/officeDocument/2006/math">
+                    <m:r>
+                      <a:rPr lang="en-US" sz="1400" b="0" i="1" smtClean="0">
+                        <a:latin typeface="Cambria Math" panose="02040503050406030204" pitchFamily="18" charset="0"/>
+                      </a:rPr>
+                      <m:t>𝑟</m:t>
+                    </m:r>
+                    <m:r>
+                      <a:rPr lang="en-US" sz="1400" b="0" i="1" smtClean="0">
+                        <a:latin typeface="Cambria Math" panose="02040503050406030204" pitchFamily="18" charset="0"/>
+                      </a:rPr>
+                      <m:t>[</m:t>
+                    </m:r>
+                    <m:d>
+                      <m:dPr>
+                        <m:ctrlPr>
+                          <a:rPr lang="en-US" sz="1400" b="0" i="1" smtClean="0">
+                            <a:latin typeface="Cambria Math" panose="02040503050406030204" pitchFamily="18" charset="0"/>
+                          </a:rPr>
+                        </m:ctrlPr>
+                      </m:dPr>
+                      <m:e>
+                        <m:r>
+                          <a:rPr lang="en-US" sz="1400" b="0" i="1" smtClean="0">
+                            <a:latin typeface="Cambria Math" panose="02040503050406030204" pitchFamily="18" charset="0"/>
+                          </a:rPr>
+                          <m:t>𝑡</m:t>
+                        </m:r>
+                        <m:r>
+                          <a:rPr lang="en-US" sz="1400" b="0" i="1" smtClean="0">
+                            <a:latin typeface="Cambria Math" panose="02040503050406030204" pitchFamily="18" charset="0"/>
+                          </a:rPr>
+                          <m:t>+</m:t>
+                        </m:r>
+                        <m:r>
+                          <a:rPr lang="en-US" sz="1400" b="0" i="1" smtClean="0">
+                            <a:latin typeface="Cambria Math" panose="02040503050406030204" pitchFamily="18" charset="0"/>
+                          </a:rPr>
+                          <m:t>𝑇</m:t>
+                        </m:r>
+                      </m:e>
+                    </m:d>
+                    <m:r>
+                      <a:rPr lang="en-US" sz="1400" b="0" i="1" smtClean="0">
+                        <a:latin typeface="Cambria Math" panose="02040503050406030204" pitchFamily="18" charset="0"/>
+                      </a:rPr>
+                      <m:t>+</m:t>
+                    </m:r>
+                    <m:r>
+                      <a:rPr lang="en-US" sz="1400" b="0" i="1" smtClean="0">
+                        <a:latin typeface="Cambria Math" panose="02040503050406030204" pitchFamily="18" charset="0"/>
+                      </a:rPr>
+                      <m:t>𝛿</m:t>
+                    </m:r>
+                    <m:r>
+                      <a:rPr lang="en-US" sz="1400" b="0" i="1" smtClean="0">
+                        <a:latin typeface="Cambria Math" panose="02040503050406030204" pitchFamily="18" charset="0"/>
+                      </a:rPr>
+                      <m:t>[</m:t>
+                    </m:r>
+                    <m:r>
+                      <a:rPr lang="en-US" sz="1400" b="0" i="1" smtClean="0">
+                        <a:latin typeface="Cambria Math" panose="02040503050406030204" pitchFamily="18" charset="0"/>
+                      </a:rPr>
+                      <m:t>𝑡</m:t>
+                    </m:r>
+                    <m:r>
+                      <a:rPr lang="en-US" sz="1400" b="0" i="1" smtClean="0">
+                        <a:latin typeface="Cambria Math" panose="02040503050406030204" pitchFamily="18" charset="0"/>
+                      </a:rPr>
+                      <m:t>+</m:t>
+                    </m:r>
+                    <m:r>
+                      <a:rPr lang="en-US" sz="1400" b="0" i="1" smtClean="0">
+                        <a:latin typeface="Cambria Math" panose="02040503050406030204" pitchFamily="18" charset="0"/>
+                      </a:rPr>
+                      <m:t>𝑇</m:t>
+                    </m:r>
+                    <m:r>
+                      <a:rPr lang="en-US" sz="1400" b="0" i="1" smtClean="0">
+                        <a:latin typeface="Cambria Math" panose="02040503050406030204" pitchFamily="18" charset="0"/>
+                      </a:rPr>
+                      <m:t>]]</m:t>
+                    </m:r>
+                  </m:oMath>
+                </a14:m>
+                <a:r>
+                  <a:rPr lang="en-US" sz="1400" dirty="0" smtClean="0"/>
+                  <a:t>: is the end of th</a:t>
+                </a:r>
+                <a:r>
+                  <a:rPr lang="en-US" sz="1400" dirty="0" smtClean="0"/>
+                  <a:t>e received profile, </a:t>
+                </a:r>
+                <a14:m>
+                  <m:oMath xmlns:m="http://schemas.openxmlformats.org/officeDocument/2006/math">
+                    <m:sSub>
+                      <m:sSubPr>
+                        <m:ctrlPr>
+                          <a:rPr lang="en-US" sz="1400" i="1" smtClean="0">
+                            <a:latin typeface="Cambria Math" panose="02040503050406030204" pitchFamily="18" charset="0"/>
+                          </a:rPr>
+                        </m:ctrlPr>
+                      </m:sSubPr>
+                      <m:e>
+                        <m:r>
+                          <a:rPr lang="en-US" sz="1400" b="0" i="1" smtClean="0">
+                            <a:latin typeface="Cambria Math" panose="02040503050406030204" pitchFamily="18" charset="0"/>
+                          </a:rPr>
+                          <m:t>𝑡</m:t>
+                        </m:r>
+                      </m:e>
+                      <m:sub>
+                        <m:r>
+                          <a:rPr lang="en-US" sz="1400" b="0" i="1" smtClean="0">
+                            <a:latin typeface="Cambria Math" panose="02040503050406030204" pitchFamily="18" charset="0"/>
+                          </a:rPr>
+                          <m:t>𝑒𝑛𝑑</m:t>
+                        </m:r>
+                      </m:sub>
+                    </m:sSub>
+                  </m:oMath>
+                </a14:m>
+                <a:endParaRPr lang="en-US" sz="1400" dirty="0" smtClean="0"/>
+              </a:p>
+              <a:p>
+                <a:r>
+                  <a:rPr lang="en-US" sz="1600" dirty="0" smtClean="0"/>
+                  <a:t>We can find the condition for which the periodicity of the profile is unchanged:</a:t>
+                </a:r>
+              </a:p>
+              <a:p>
+                <a:pPr marL="0" indent="0">
+                  <a:buNone/>
+                </a:pPr>
+                <a14:m>
+                  <m:oMathPara xmlns:m="http://schemas.openxmlformats.org/officeDocument/2006/math">
+                    <m:oMathParaPr>
+                      <m:jc m:val="centerGroup"/>
+                    </m:oMathParaPr>
+                    <m:oMath xmlns:m="http://schemas.openxmlformats.org/officeDocument/2006/math">
+                      <m:sSub>
+                        <m:sSubPr>
+                          <m:ctrlPr>
+                            <a:rPr lang="en-US" sz="1600" b="0" i="1" smtClean="0">
+                              <a:latin typeface="Cambria Math" panose="02040503050406030204" pitchFamily="18" charset="0"/>
+                            </a:rPr>
+                          </m:ctrlPr>
+                        </m:sSubPr>
+                        <m:e>
+                          <m:r>
+                            <a:rPr lang="en-US" sz="1600" b="0" i="1" smtClean="0">
+                              <a:latin typeface="Cambria Math" panose="02040503050406030204" pitchFamily="18" charset="0"/>
+                            </a:rPr>
+                            <m:t>𝑡</m:t>
+                          </m:r>
+                        </m:e>
+                        <m:sub>
+                          <m:r>
+                            <a:rPr lang="en-US" sz="1600" b="0" i="1" smtClean="0">
+                              <a:latin typeface="Cambria Math" panose="02040503050406030204" pitchFamily="18" charset="0"/>
+                            </a:rPr>
+                            <m:t>𝑒𝑛𝑑</m:t>
+                          </m:r>
+                        </m:sub>
+                      </m:sSub>
+                      <m:r>
+                        <a:rPr lang="en-US" sz="1600" b="0" i="1" smtClean="0">
+                          <a:latin typeface="Cambria Math" panose="02040503050406030204" pitchFamily="18" charset="0"/>
+                        </a:rPr>
+                        <m:t>−</m:t>
+                      </m:r>
+                      <m:sSub>
+                        <m:sSubPr>
+                          <m:ctrlPr>
+                            <a:rPr lang="en-US" sz="1600" b="0" i="1" smtClean="0">
+                              <a:latin typeface="Cambria Math" panose="02040503050406030204" pitchFamily="18" charset="0"/>
+                            </a:rPr>
+                          </m:ctrlPr>
+                        </m:sSubPr>
+                        <m:e>
+                          <m:r>
+                            <a:rPr lang="en-US" sz="1600" b="0" i="1" smtClean="0">
+                              <a:latin typeface="Cambria Math" panose="02040503050406030204" pitchFamily="18" charset="0"/>
+                            </a:rPr>
+                            <m:t>𝑡</m:t>
+                          </m:r>
+                        </m:e>
+                        <m:sub>
+                          <m:r>
+                            <a:rPr lang="en-US" sz="1600" b="0" i="1" smtClean="0">
+                              <a:latin typeface="Cambria Math" panose="02040503050406030204" pitchFamily="18" charset="0"/>
+                            </a:rPr>
+                            <m:t>𝑠𝑡𝑎𝑟𝑡</m:t>
+                          </m:r>
+                        </m:sub>
+                      </m:sSub>
+                      <m:r>
+                        <a:rPr lang="en-US" sz="1600" b="0" i="1" smtClean="0">
+                          <a:latin typeface="Cambria Math" panose="02040503050406030204" pitchFamily="18" charset="0"/>
+                        </a:rPr>
+                        <m:t>=</m:t>
+                      </m:r>
+                      <m:r>
+                        <a:rPr lang="en-US" sz="1600" b="0" i="1" smtClean="0">
+                          <a:latin typeface="Cambria Math" panose="02040503050406030204" pitchFamily="18" charset="0"/>
+                        </a:rPr>
+                        <m:t>𝑇</m:t>
+                      </m:r>
+                    </m:oMath>
+                    <m:oMath xmlns:m="http://schemas.openxmlformats.org/officeDocument/2006/math">
+                      <m:d>
+                        <m:dPr>
+                          <m:ctrlPr>
+                            <a:rPr lang="en-US" sz="1600" b="0" i="1" smtClean="0">
+                              <a:latin typeface="Cambria Math" panose="02040503050406030204" pitchFamily="18" charset="0"/>
+                            </a:rPr>
+                          </m:ctrlPr>
+                        </m:dPr>
+                        <m:e>
+                          <m:r>
+                            <a:rPr lang="en-US" sz="1600" b="0" i="1" smtClean="0">
+                              <a:latin typeface="Cambria Math" panose="02040503050406030204" pitchFamily="18" charset="0"/>
+                            </a:rPr>
+                            <m:t>𝑇</m:t>
+                          </m:r>
+                          <m:r>
+                            <a:rPr lang="en-US" sz="1600" b="0" i="1" smtClean="0">
+                              <a:latin typeface="Cambria Math" panose="02040503050406030204" pitchFamily="18" charset="0"/>
+                            </a:rPr>
+                            <m:t>+</m:t>
+                          </m:r>
+                          <m:r>
+                            <a:rPr lang="en-US" sz="1600" b="0" i="1" smtClean="0">
+                              <a:latin typeface="Cambria Math" panose="02040503050406030204" pitchFamily="18" charset="0"/>
+                            </a:rPr>
+                            <m:t>𝑡</m:t>
+                          </m:r>
+                          <m:r>
+                            <a:rPr lang="en-US" sz="1600" b="0" i="1" smtClean="0">
+                              <a:latin typeface="Cambria Math" panose="02040503050406030204" pitchFamily="18" charset="0"/>
+                            </a:rPr>
+                            <m:t>+</m:t>
+                          </m:r>
+                          <m:r>
+                            <a:rPr lang="en-US" sz="1600" b="0" i="1" smtClean="0">
+                              <a:latin typeface="Cambria Math" panose="02040503050406030204" pitchFamily="18" charset="0"/>
+                            </a:rPr>
+                            <m:t>𝛿</m:t>
+                          </m:r>
+                          <m:d>
+                            <m:dPr>
+                              <m:begChr m:val="["/>
+                              <m:endChr m:val="]"/>
+                              <m:ctrlPr>
+                                <a:rPr lang="en-US" sz="1600" b="0" i="1" smtClean="0">
+                                  <a:latin typeface="Cambria Math" panose="02040503050406030204" pitchFamily="18" charset="0"/>
+                                </a:rPr>
+                              </m:ctrlPr>
+                            </m:dPr>
+                            <m:e>
+                              <m:r>
+                                <a:rPr lang="en-US" sz="1600" b="0" i="1" smtClean="0">
+                                  <a:latin typeface="Cambria Math" panose="02040503050406030204" pitchFamily="18" charset="0"/>
+                                </a:rPr>
+                                <m:t>𝑇</m:t>
+                              </m:r>
+                              <m:r>
+                                <a:rPr lang="en-US" sz="1600" b="0" i="1" smtClean="0">
+                                  <a:latin typeface="Cambria Math" panose="02040503050406030204" pitchFamily="18" charset="0"/>
+                                </a:rPr>
+                                <m:t>+</m:t>
+                              </m:r>
+                              <m:r>
+                                <a:rPr lang="en-US" sz="1600" b="0" i="1" smtClean="0">
+                                  <a:latin typeface="Cambria Math" panose="02040503050406030204" pitchFamily="18" charset="0"/>
+                                </a:rPr>
+                                <m:t>𝑡</m:t>
+                              </m:r>
+                            </m:e>
+                          </m:d>
+                        </m:e>
+                      </m:d>
+                      <m:r>
+                        <a:rPr lang="en-US" sz="1600" b="0" i="1" smtClean="0">
+                          <a:latin typeface="Cambria Math" panose="02040503050406030204" pitchFamily="18" charset="0"/>
+                        </a:rPr>
+                        <m:t>−</m:t>
+                      </m:r>
+                      <m:d>
+                        <m:dPr>
+                          <m:ctrlPr>
+                            <a:rPr lang="en-US" sz="1600" b="0" i="1" smtClean="0">
+                              <a:latin typeface="Cambria Math" panose="02040503050406030204" pitchFamily="18" charset="0"/>
+                            </a:rPr>
+                          </m:ctrlPr>
+                        </m:dPr>
+                        <m:e>
+                          <m:r>
+                            <a:rPr lang="en-US" sz="1600" b="0" i="1" smtClean="0">
+                              <a:latin typeface="Cambria Math" panose="02040503050406030204" pitchFamily="18" charset="0"/>
+                            </a:rPr>
+                            <m:t>𝑡</m:t>
+                          </m:r>
+                          <m:r>
+                            <a:rPr lang="en-US" sz="1600" b="0" i="1" smtClean="0">
+                              <a:latin typeface="Cambria Math" panose="02040503050406030204" pitchFamily="18" charset="0"/>
+                            </a:rPr>
+                            <m:t>+</m:t>
+                          </m:r>
+                          <m:r>
+                            <a:rPr lang="en-US" sz="1600" b="0" i="1" smtClean="0">
+                              <a:latin typeface="Cambria Math" panose="02040503050406030204" pitchFamily="18" charset="0"/>
+                            </a:rPr>
+                            <m:t>𝛿</m:t>
+                          </m:r>
+                          <m:d>
+                            <m:dPr>
+                              <m:begChr m:val="["/>
+                              <m:endChr m:val="]"/>
+                              <m:ctrlPr>
+                                <a:rPr lang="en-US" sz="1600" b="0" i="1" smtClean="0">
+                                  <a:latin typeface="Cambria Math" panose="02040503050406030204" pitchFamily="18" charset="0"/>
+                                </a:rPr>
+                              </m:ctrlPr>
+                            </m:dPr>
+                            <m:e>
+                              <m:r>
+                                <a:rPr lang="en-US" sz="1600" b="0" i="1" smtClean="0">
+                                  <a:latin typeface="Cambria Math" panose="02040503050406030204" pitchFamily="18" charset="0"/>
+                                </a:rPr>
+                                <m:t>𝑡</m:t>
+                              </m:r>
+                            </m:e>
+                          </m:d>
+                        </m:e>
+                      </m:d>
+                      <m:r>
+                        <a:rPr lang="en-US" sz="1600" b="0" i="1" smtClean="0">
+                          <a:latin typeface="Cambria Math" panose="02040503050406030204" pitchFamily="18" charset="0"/>
+                        </a:rPr>
+                        <m:t>=</m:t>
+                      </m:r>
+                      <m:r>
+                        <a:rPr lang="en-US" sz="1600" b="0" i="1" smtClean="0">
+                          <a:latin typeface="Cambria Math" panose="02040503050406030204" pitchFamily="18" charset="0"/>
+                        </a:rPr>
+                        <m:t>𝑇</m:t>
+                      </m:r>
+                    </m:oMath>
+                    <m:oMath xmlns:m="http://schemas.openxmlformats.org/officeDocument/2006/math">
+                      <m:r>
+                        <a:rPr lang="en-US" sz="1600" b="0" i="1" smtClean="0">
+                          <a:latin typeface="Cambria Math" panose="02040503050406030204" pitchFamily="18" charset="0"/>
+                        </a:rPr>
+                        <m:t>𝑇</m:t>
+                      </m:r>
+                      <m:r>
+                        <a:rPr lang="en-US" sz="1600" b="0" i="1" smtClean="0">
+                          <a:latin typeface="Cambria Math" panose="02040503050406030204" pitchFamily="18" charset="0"/>
+                        </a:rPr>
+                        <m:t>+</m:t>
+                      </m:r>
+                      <m:r>
+                        <a:rPr lang="en-US" sz="1600" b="0" i="1" smtClean="0">
+                          <a:latin typeface="Cambria Math" panose="02040503050406030204" pitchFamily="18" charset="0"/>
+                        </a:rPr>
+                        <m:t>𝛿</m:t>
+                      </m:r>
+                      <m:d>
+                        <m:dPr>
+                          <m:begChr m:val="["/>
+                          <m:endChr m:val="]"/>
+                          <m:ctrlPr>
+                            <a:rPr lang="en-US" sz="1600" b="0" i="1" smtClean="0">
+                              <a:latin typeface="Cambria Math" panose="02040503050406030204" pitchFamily="18" charset="0"/>
+                            </a:rPr>
+                          </m:ctrlPr>
+                        </m:dPr>
+                        <m:e>
+                          <m:r>
+                            <a:rPr lang="en-US" sz="1600" b="0" i="1" smtClean="0">
+                              <a:latin typeface="Cambria Math" panose="02040503050406030204" pitchFamily="18" charset="0"/>
+                            </a:rPr>
+                            <m:t>𝑇</m:t>
+                          </m:r>
+                          <m:r>
+                            <a:rPr lang="en-US" sz="1600" b="0" i="1" smtClean="0">
+                              <a:latin typeface="Cambria Math" panose="02040503050406030204" pitchFamily="18" charset="0"/>
+                            </a:rPr>
+                            <m:t>+</m:t>
+                          </m:r>
+                          <m:r>
+                            <a:rPr lang="en-US" sz="1600" b="0" i="1" smtClean="0">
+                              <a:latin typeface="Cambria Math" panose="02040503050406030204" pitchFamily="18" charset="0"/>
+                            </a:rPr>
+                            <m:t>𝑡</m:t>
+                          </m:r>
+                        </m:e>
+                      </m:d>
+                      <m:r>
+                        <a:rPr lang="en-US" sz="1600" b="0" i="1" smtClean="0">
+                          <a:latin typeface="Cambria Math" panose="02040503050406030204" pitchFamily="18" charset="0"/>
+                        </a:rPr>
+                        <m:t>−</m:t>
+                      </m:r>
+                      <m:r>
+                        <a:rPr lang="en-US" sz="1600" b="0" i="1" smtClean="0">
+                          <a:latin typeface="Cambria Math" panose="02040503050406030204" pitchFamily="18" charset="0"/>
+                        </a:rPr>
+                        <m:t>𝛿</m:t>
+                      </m:r>
+                      <m:d>
+                        <m:dPr>
+                          <m:begChr m:val="["/>
+                          <m:endChr m:val="]"/>
+                          <m:ctrlPr>
+                            <a:rPr lang="en-US" sz="1600" b="0" i="1" smtClean="0">
+                              <a:latin typeface="Cambria Math" panose="02040503050406030204" pitchFamily="18" charset="0"/>
+                            </a:rPr>
+                          </m:ctrlPr>
+                        </m:dPr>
+                        <m:e>
+                          <m:r>
+                            <a:rPr lang="en-US" sz="1600" b="0" i="1" smtClean="0">
+                              <a:latin typeface="Cambria Math" panose="02040503050406030204" pitchFamily="18" charset="0"/>
+                            </a:rPr>
+                            <m:t>𝑡</m:t>
+                          </m:r>
+                        </m:e>
+                      </m:d>
+                      <m:r>
+                        <a:rPr lang="en-US" sz="1600" b="0" i="1" smtClean="0">
+                          <a:latin typeface="Cambria Math" panose="02040503050406030204" pitchFamily="18" charset="0"/>
+                        </a:rPr>
+                        <m:t>=</m:t>
+                      </m:r>
+                      <m:r>
+                        <a:rPr lang="en-US" sz="1600" b="0" i="1" smtClean="0">
+                          <a:latin typeface="Cambria Math" panose="02040503050406030204" pitchFamily="18" charset="0"/>
+                        </a:rPr>
+                        <m:t>𝑇</m:t>
+                      </m:r>
+                    </m:oMath>
+                    <m:oMath xmlns:m="http://schemas.openxmlformats.org/officeDocument/2006/math">
+                      <m:r>
+                        <a:rPr lang="en-US" sz="1600" b="0" i="1" smtClean="0">
+                          <a:latin typeface="Cambria Math" panose="02040503050406030204" pitchFamily="18" charset="0"/>
+                        </a:rPr>
+                        <m:t>𝛿</m:t>
+                      </m:r>
+                      <m:d>
+                        <m:dPr>
+                          <m:begChr m:val="["/>
+                          <m:endChr m:val="]"/>
+                          <m:ctrlPr>
+                            <a:rPr lang="en-US" sz="1600" b="0" i="1" smtClean="0">
+                              <a:latin typeface="Cambria Math" panose="02040503050406030204" pitchFamily="18" charset="0"/>
+                            </a:rPr>
+                          </m:ctrlPr>
+                        </m:dPr>
+                        <m:e>
+                          <m:r>
+                            <a:rPr lang="en-US" sz="1600" b="0" i="1" smtClean="0">
+                              <a:latin typeface="Cambria Math" panose="02040503050406030204" pitchFamily="18" charset="0"/>
+                            </a:rPr>
+                            <m:t>𝑇</m:t>
+                          </m:r>
+                          <m:r>
+                            <a:rPr lang="en-US" sz="1600" b="0" i="1" smtClean="0">
+                              <a:latin typeface="Cambria Math" panose="02040503050406030204" pitchFamily="18" charset="0"/>
+                            </a:rPr>
+                            <m:t>+</m:t>
+                          </m:r>
+                          <m:r>
+                            <a:rPr lang="en-US" sz="1600" b="0" i="1" smtClean="0">
+                              <a:latin typeface="Cambria Math" panose="02040503050406030204" pitchFamily="18" charset="0"/>
+                            </a:rPr>
+                            <m:t>𝑡</m:t>
+                          </m:r>
+                        </m:e>
+                      </m:d>
+                      <m:r>
+                        <a:rPr lang="en-US" sz="1600" b="0" i="1" smtClean="0">
+                          <a:latin typeface="Cambria Math" panose="02040503050406030204" pitchFamily="18" charset="0"/>
+                        </a:rPr>
+                        <m:t>−</m:t>
+                      </m:r>
+                      <m:r>
+                        <a:rPr lang="en-US" sz="1600" b="0" i="1" smtClean="0">
+                          <a:latin typeface="Cambria Math" panose="02040503050406030204" pitchFamily="18" charset="0"/>
+                        </a:rPr>
+                        <m:t>𝛿</m:t>
+                      </m:r>
+                      <m:d>
+                        <m:dPr>
+                          <m:begChr m:val="["/>
+                          <m:endChr m:val="]"/>
+                          <m:ctrlPr>
+                            <a:rPr lang="en-US" sz="1600" b="0" i="1" smtClean="0">
+                              <a:latin typeface="Cambria Math" panose="02040503050406030204" pitchFamily="18" charset="0"/>
+                            </a:rPr>
+                          </m:ctrlPr>
+                        </m:dPr>
+                        <m:e>
+                          <m:r>
+                            <a:rPr lang="en-US" sz="1600" b="0" i="1" smtClean="0">
+                              <a:latin typeface="Cambria Math" panose="02040503050406030204" pitchFamily="18" charset="0"/>
+                            </a:rPr>
+                            <m:t>𝑡</m:t>
+                          </m:r>
+                        </m:e>
+                      </m:d>
+                      <m:r>
+                        <a:rPr lang="en-US" sz="1600" b="0" i="1" smtClean="0">
+                          <a:latin typeface="Cambria Math" panose="02040503050406030204" pitchFamily="18" charset="0"/>
+                        </a:rPr>
+                        <m:t>=0</m:t>
+                      </m:r>
+                    </m:oMath>
+                    <m:oMath xmlns:m="http://schemas.openxmlformats.org/officeDocument/2006/math">
+                      <m:r>
+                        <a:rPr lang="en-US" sz="1600" b="0" i="1" smtClean="0">
+                          <a:latin typeface="Cambria Math" panose="02040503050406030204" pitchFamily="18" charset="0"/>
+                        </a:rPr>
+                        <m:t>𝛿</m:t>
+                      </m:r>
+                      <m:d>
+                        <m:dPr>
+                          <m:begChr m:val="["/>
+                          <m:endChr m:val="]"/>
+                          <m:ctrlPr>
+                            <a:rPr lang="en-US" sz="1600" b="0" i="1" smtClean="0">
+                              <a:latin typeface="Cambria Math" panose="02040503050406030204" pitchFamily="18" charset="0"/>
+                            </a:rPr>
+                          </m:ctrlPr>
+                        </m:dPr>
+                        <m:e>
+                          <m:r>
+                            <a:rPr lang="en-US" sz="1600" b="0" i="1" smtClean="0">
+                              <a:latin typeface="Cambria Math" panose="02040503050406030204" pitchFamily="18" charset="0"/>
+                            </a:rPr>
+                            <m:t>𝑇</m:t>
+                          </m:r>
+                          <m:r>
+                            <a:rPr lang="en-US" sz="1600" b="0" i="1" smtClean="0">
+                              <a:latin typeface="Cambria Math" panose="02040503050406030204" pitchFamily="18" charset="0"/>
+                            </a:rPr>
+                            <m:t>+</m:t>
+                          </m:r>
+                          <m:r>
+                            <a:rPr lang="en-US" sz="1600" b="0" i="1" smtClean="0">
+                              <a:latin typeface="Cambria Math" panose="02040503050406030204" pitchFamily="18" charset="0"/>
+                            </a:rPr>
+                            <m:t>𝑡</m:t>
+                          </m:r>
+                        </m:e>
+                      </m:d>
+                      <m:r>
+                        <a:rPr lang="en-US" sz="1600" b="0" i="1" smtClean="0">
+                          <a:latin typeface="Cambria Math" panose="02040503050406030204" pitchFamily="18" charset="0"/>
+                        </a:rPr>
+                        <m:t>=</m:t>
+                      </m:r>
+                      <m:r>
+                        <a:rPr lang="en-US" sz="1600" b="0" i="1" smtClean="0">
+                          <a:latin typeface="Cambria Math" panose="02040503050406030204" pitchFamily="18" charset="0"/>
+                        </a:rPr>
+                        <m:t>𝛿</m:t>
+                      </m:r>
+                      <m:r>
+                        <a:rPr lang="en-US" sz="1600" b="0" i="1" smtClean="0">
+                          <a:latin typeface="Cambria Math" panose="02040503050406030204" pitchFamily="18" charset="0"/>
+                        </a:rPr>
+                        <m:t>[</m:t>
+                      </m:r>
+                      <m:r>
+                        <a:rPr lang="en-US" sz="1600" b="0" i="1" smtClean="0">
+                          <a:latin typeface="Cambria Math" panose="02040503050406030204" pitchFamily="18" charset="0"/>
+                        </a:rPr>
+                        <m:t>𝑡</m:t>
+                      </m:r>
+                      <m:r>
+                        <a:rPr lang="en-US" sz="1600" b="0" i="1" smtClean="0">
+                          <a:latin typeface="Cambria Math" panose="02040503050406030204" pitchFamily="18" charset="0"/>
+                        </a:rPr>
+                        <m:t>]</m:t>
+                      </m:r>
+                    </m:oMath>
+                  </m:oMathPara>
+                </a14:m>
+                <a:endParaRPr lang="en-US" sz="1600" b="0" dirty="0" smtClean="0"/>
+              </a:p>
+              <a:p>
+                <a:pPr lvl="1"/>
+                <a:r>
+                  <a:rPr lang="en-US" sz="1400" dirty="0" smtClean="0"/>
+                  <a:t>Which confirms that the periodicity of the delayed profile is unchanged from the link profile </a:t>
+                </a:r>
+                <a14:m>
+                  <m:oMath xmlns:m="http://schemas.openxmlformats.org/officeDocument/2006/math">
+                    <m:r>
+                      <a:rPr lang="en-US" sz="1400" b="0" i="1" smtClean="0">
+                        <a:latin typeface="Cambria Math" panose="02040503050406030204" pitchFamily="18" charset="0"/>
+                      </a:rPr>
+                      <m:t>𝑖𝑓𝑓</m:t>
+                    </m:r>
+                  </m:oMath>
+                </a14:m>
+                <a:r>
+                  <a:rPr lang="en-US" sz="1400" b="0" dirty="0" smtClean="0"/>
+                  <a:t> the latency profile is </a:t>
+                </a:r>
+                <a:r>
+                  <a:rPr lang="en-US" sz="1400" b="1" dirty="0" smtClean="0"/>
+                  <a:t>periodic</a:t>
+                </a:r>
+                <a:r>
+                  <a:rPr lang="en-US" sz="1400" dirty="0" smtClean="0"/>
+                  <a:t>, i.e.</a:t>
+                </a:r>
+                <a:br>
+                  <a:rPr lang="en-US" sz="1400" dirty="0" smtClean="0"/>
+                </a:br>
+                <a14:m>
+                  <m:oMath xmlns:m="http://schemas.openxmlformats.org/officeDocument/2006/math">
+                    <m:r>
+                      <a:rPr lang="en-US" sz="1400" b="0" i="1" smtClean="0">
+                        <a:latin typeface="Cambria Math" panose="02040503050406030204" pitchFamily="18" charset="0"/>
+                      </a:rPr>
+                      <m:t>𝛿</m:t>
+                    </m:r>
+                    <m:d>
+                      <m:dPr>
+                        <m:begChr m:val="["/>
+                        <m:endChr m:val="]"/>
+                        <m:ctrlPr>
+                          <a:rPr lang="en-US" sz="1400" b="0" i="1" smtClean="0">
+                            <a:latin typeface="Cambria Math" panose="02040503050406030204" pitchFamily="18" charset="0"/>
+                          </a:rPr>
+                        </m:ctrlPr>
+                      </m:dPr>
+                      <m:e>
+                        <m:r>
+                          <a:rPr lang="en-US" sz="1400" b="0" i="1" smtClean="0">
+                            <a:latin typeface="Cambria Math" panose="02040503050406030204" pitchFamily="18" charset="0"/>
+                          </a:rPr>
+                          <m:t>𝑡</m:t>
+                        </m:r>
+                      </m:e>
+                    </m:d>
+                    <m:r>
+                      <a:rPr lang="en-US" sz="1400" b="0" i="1" smtClean="0">
+                        <a:latin typeface="Cambria Math" panose="02040503050406030204" pitchFamily="18" charset="0"/>
+                      </a:rPr>
+                      <m:t>=</m:t>
+                    </m:r>
+                    <m:r>
+                      <a:rPr lang="en-US" sz="1400" b="0" i="1" smtClean="0">
+                        <a:latin typeface="Cambria Math" panose="02040503050406030204" pitchFamily="18" charset="0"/>
+                      </a:rPr>
+                      <m:t>𝛿</m:t>
+                    </m:r>
+                    <m:d>
+                      <m:dPr>
+                        <m:begChr m:val="["/>
+                        <m:endChr m:val="]"/>
+                        <m:ctrlPr>
+                          <a:rPr lang="en-US" sz="1400" b="0" i="1" smtClean="0">
+                            <a:latin typeface="Cambria Math" panose="02040503050406030204" pitchFamily="18" charset="0"/>
+                          </a:rPr>
+                        </m:ctrlPr>
+                      </m:dPr>
+                      <m:e>
+                        <m:r>
+                          <a:rPr lang="en-US" sz="1400" b="0" i="1" smtClean="0">
+                            <a:latin typeface="Cambria Math" panose="02040503050406030204" pitchFamily="18" charset="0"/>
+                          </a:rPr>
+                          <m:t>𝑡</m:t>
+                        </m:r>
+                        <m:r>
+                          <a:rPr lang="en-US" sz="1400" b="0" i="1" smtClean="0">
+                            <a:latin typeface="Cambria Math" panose="02040503050406030204" pitchFamily="18" charset="0"/>
+                          </a:rPr>
+                          <m:t>+</m:t>
+                        </m:r>
+                        <m:r>
+                          <a:rPr lang="en-US" sz="1400" b="0" i="1" smtClean="0">
+                            <a:latin typeface="Cambria Math" panose="02040503050406030204" pitchFamily="18" charset="0"/>
+                          </a:rPr>
+                          <m:t>𝑘</m:t>
+                        </m:r>
+                        <m:r>
+                          <a:rPr lang="en-US" sz="1400" b="0" i="1" smtClean="0">
+                            <a:latin typeface="Cambria Math" panose="02040503050406030204" pitchFamily="18" charset="0"/>
+                          </a:rPr>
+                          <m:t>∗</m:t>
+                        </m:r>
+                        <m:r>
+                          <a:rPr lang="en-US" sz="1400" b="0" i="1" smtClean="0">
+                            <a:latin typeface="Cambria Math" panose="02040503050406030204" pitchFamily="18" charset="0"/>
+                          </a:rPr>
+                          <m:t>𝑇</m:t>
+                        </m:r>
+                      </m:e>
+                    </m:d>
+                    <m:r>
+                      <a:rPr lang="en-US" sz="1400" b="0" i="1" smtClean="0">
+                        <a:latin typeface="Cambria Math" panose="02040503050406030204" pitchFamily="18" charset="0"/>
+                      </a:rPr>
+                      <m:t>,   ∀</m:t>
+                    </m:r>
+                    <m:r>
+                      <a:rPr lang="en-US" sz="1400" b="0" i="1" smtClean="0">
+                        <a:latin typeface="Cambria Math" panose="02040503050406030204" pitchFamily="18" charset="0"/>
+                      </a:rPr>
+                      <m:t>𝑘</m:t>
+                    </m:r>
+                    <m:r>
+                      <a:rPr lang="en-US" sz="1400" b="0" i="1" smtClean="0">
+                        <a:latin typeface="Cambria Math" panose="02040503050406030204" pitchFamily="18" charset="0"/>
+                      </a:rPr>
+                      <m:t>∈</m:t>
+                    </m:r>
+                    <m:r>
+                      <a:rPr lang="en-US" sz="1400" i="1">
+                        <a:latin typeface="Cambria Math" panose="02040503050406030204" pitchFamily="18" charset="0"/>
+                      </a:rPr>
+                      <m:t>ℕ</m:t>
+                    </m:r>
+                    <m:r>
+                      <a:rPr lang="en-US" sz="1400" b="0" i="1" smtClean="0">
+                        <a:latin typeface="Cambria Math" panose="02040503050406030204" pitchFamily="18" charset="0"/>
+                      </a:rPr>
+                      <m:t>:</m:t>
+                    </m:r>
+                    <m:r>
+                      <a:rPr lang="en-US" sz="1400" b="0" i="1" smtClean="0">
+                        <a:latin typeface="Cambria Math" panose="02040503050406030204" pitchFamily="18" charset="0"/>
+                      </a:rPr>
+                      <m:t>𝑘</m:t>
+                    </m:r>
+                    <m:r>
+                      <a:rPr lang="en-US" sz="1400" b="0" i="1" smtClean="0">
+                        <a:latin typeface="Cambria Math" panose="02040503050406030204" pitchFamily="18" charset="0"/>
+                      </a:rPr>
+                      <m:t>&gt;0</m:t>
+                    </m:r>
+                  </m:oMath>
+                </a14:m>
+                <a:endParaRPr lang="en-US" sz="1400" b="0" dirty="0" smtClean="0"/>
+              </a:p>
+            </p:txBody>
+          </p:sp>
+        </mc:Choice>
+        <mc:Fallback>
+          <p:sp>
+            <p:nvSpPr>
+              <p:cNvPr id="3" name="Content Placeholder 2"/>
+              <p:cNvSpPr>
+                <a:spLocks noGrp="1" noRot="1" noChangeAspect="1" noMove="1" noResize="1" noEditPoints="1" noAdjustHandles="1" noChangeArrowheads="1" noChangeShapeType="1" noTextEdit="1"/>
+              </p:cNvSpPr>
+              <p:nvPr>
+                <p:ph idx="1"/>
+              </p:nvPr>
+            </p:nvSpPr>
+            <p:spPr>
+              <a:blipFill>
+                <a:blip r:embed="rId2"/>
+                <a:stretch>
+                  <a:fillRect t="-700" b="-9384"/>
+                </a:stretch>
+              </a:blipFill>
+            </p:spPr>
+            <p:txBody>
+              <a:bodyPr/>
+              <a:lstStyle/>
+              <a:p>
+                <a:r>
+                  <a:rPr lang="en-US">
+                    <a:noFill/>
+                  </a:rPr>
+                  <a:t> </a:t>
+                </a:r>
+              </a:p>
+            </p:txBody>
+          </p:sp>
+        </mc:Fallback>
+      </mc:AlternateContent>
       <p:sp>
         <p:nvSpPr>
           <p:cNvPr id="4" name="Slide Number Placeholder 3"/>
@@ -14054,7 +15192,7 @@
     </p:spTree>
     <p:extLst>
       <p:ext uri="{BB962C8B-B14F-4D97-AF65-F5344CB8AC3E}">
-        <p14:creationId xmlns:p14="http://schemas.microsoft.com/office/powerpoint/2010/main" val="2921965595"/>
+        <p14:creationId xmlns:p14="http://schemas.microsoft.com/office/powerpoint/2010/main" val="4245170599"/>
       </p:ext>
     </p:extLst>
   </p:cSld>
@@ -14072,6 +15210,120 @@
 </file>
 
 <file path=ppt/slides/slide25.xml><?xml version="1.0" encoding="utf-8"?>
+<p:sld xmlns:a="http://schemas.openxmlformats.org/drawingml/2006/main" xmlns:r="http://schemas.openxmlformats.org/officeDocument/2006/relationships" xmlns:p="http://schemas.openxmlformats.org/presentationml/2006/main">
+  <p:cSld>
+    <p:spTree>
+      <p:nvGrpSpPr>
+        <p:cNvPr id="1" name=""/>
+        <p:cNvGrpSpPr/>
+        <p:nvPr/>
+      </p:nvGrpSpPr>
+      <p:grpSpPr>
+        <a:xfrm>
+          <a:off x="0" y="0"/>
+          <a:ext cx="0" cy="0"/>
+          <a:chOff x="0" y="0"/>
+          <a:chExt cx="0" cy="0"/>
+        </a:xfrm>
+      </p:grpSpPr>
+      <p:sp>
+        <p:nvSpPr>
+          <p:cNvPr id="2" name="Title 1"/>
+          <p:cNvSpPr>
+            <a:spLocks noGrp="1"/>
+          </p:cNvSpPr>
+          <p:nvPr>
+            <p:ph type="title"/>
+          </p:nvPr>
+        </p:nvSpPr>
+        <p:spPr/>
+        <p:txBody>
+          <a:bodyPr>
+            <a:normAutofit/>
+          </a:bodyPr>
+          <a:lstStyle/>
+          <a:p>
+            <a:r>
+              <a:rPr lang="en-US" dirty="0" smtClean="0"/>
+              <a:t>PNP</a:t>
+            </a:r>
+            <a:r>
+              <a:rPr lang="en-US" baseline="30000" dirty="0" smtClean="0"/>
+              <a:t>2</a:t>
+            </a:r>
+            <a:r>
+              <a:rPr lang="en-US" dirty="0" smtClean="0"/>
+              <a:t> Analysis of Statically Routed Networks</a:t>
+            </a:r>
+            <a:endParaRPr lang="en-US" dirty="0"/>
+          </a:p>
+        </p:txBody>
+      </p:sp>
+      <p:sp>
+        <p:nvSpPr>
+          <p:cNvPr id="3" name="Content Placeholder 2"/>
+          <p:cNvSpPr>
+            <a:spLocks noGrp="1"/>
+          </p:cNvSpPr>
+          <p:nvPr>
+            <p:ph idx="1"/>
+          </p:nvPr>
+        </p:nvSpPr>
+        <p:spPr/>
+        <p:txBody>
+          <a:bodyPr>
+            <a:normAutofit/>
+          </a:bodyPr>
+          <a:lstStyle/>
+          <a:p>
+            <a:endParaRPr lang="en-US" dirty="0" smtClean="0"/>
+          </a:p>
+        </p:txBody>
+      </p:sp>
+      <p:sp>
+        <p:nvSpPr>
+          <p:cNvPr id="4" name="Slide Number Placeholder 3"/>
+          <p:cNvSpPr>
+            <a:spLocks noGrp="1"/>
+          </p:cNvSpPr>
+          <p:nvPr>
+            <p:ph type="sldNum" sz="quarter" idx="12"/>
+          </p:nvPr>
+        </p:nvSpPr>
+        <p:spPr/>
+        <p:txBody>
+          <a:bodyPr/>
+          <a:lstStyle/>
+          <a:p>
+            <a:fld id="{4FAB73BC-B049-4115-A692-8D63A059BFB8}" type="slidenum">
+              <a:rPr lang="en-US" smtClean="0"/>
+              <a:t>25</a:t>
+            </a:fld>
+            <a:endParaRPr lang="en-US" dirty="0"/>
+          </a:p>
+        </p:txBody>
+      </p:sp>
+    </p:spTree>
+    <p:extLst>
+      <p:ext uri="{BB962C8B-B14F-4D97-AF65-F5344CB8AC3E}">
+        <p14:creationId xmlns:p14="http://schemas.microsoft.com/office/powerpoint/2010/main" val="3154798515"/>
+      </p:ext>
+    </p:extLst>
+  </p:cSld>
+  <p:clrMapOvr>
+    <a:masterClrMapping/>
+  </p:clrMapOvr>
+  <p:timing>
+    <p:tnLst>
+      <p:par>
+        <p:cTn id="1" dur="indefinite" restart="never" nodeType="tmRoot"/>
+      </p:par>
+    </p:tnLst>
+  </p:timing>
+</p:sld>
+</file>
+
+<file path=ppt/slides/slide26.xml><?xml version="1.0" encoding="utf-8"?>
 <p:sld xmlns:a="http://schemas.openxmlformats.org/drawingml/2006/main" xmlns:r="http://schemas.openxmlformats.org/officeDocument/2006/relationships" xmlns:p="http://schemas.openxmlformats.org/presentationml/2006/main">
   <p:cSld>
     <p:spTree>
@@ -14372,7 +15624,7 @@
           <a:p>
             <a:fld id="{4FAB73BC-B049-4115-A692-8D63A059BFB8}" type="slidenum">
               <a:rPr lang="en-US" smtClean="0"/>
-              <a:t>25</a:t>
+              <a:t>26</a:t>
             </a:fld>
             <a:endParaRPr lang="en-US" dirty="0"/>
           </a:p>
@@ -14398,7 +15650,7 @@
 </p:sld>
 </file>
 
-<file path=ppt/slides/slide26.xml><?xml version="1.0" encoding="utf-8"?>
+<file path=ppt/slides/slide27.xml><?xml version="1.0" encoding="utf-8"?>
 <p:sld xmlns:a="http://schemas.openxmlformats.org/drawingml/2006/main" xmlns:r="http://schemas.openxmlformats.org/officeDocument/2006/relationships" xmlns:p="http://schemas.openxmlformats.org/presentationml/2006/main">
   <p:cSld>
     <p:spTree>
@@ -14742,7 +15994,7 @@
           <a:p>
             <a:fld id="{4FAB73BC-B049-4115-A692-8D63A059BFB8}" type="slidenum">
               <a:rPr lang="en-US" smtClean="0"/>
-              <a:t>26</a:t>
+              <a:t>27</a:t>
             </a:fld>
             <a:endParaRPr lang="en-US" dirty="0"/>
           </a:p>
@@ -14768,7 +16020,7 @@
 </p:sld>
 </file>
 
-<file path=ppt/slides/slide27.xml><?xml version="1.0" encoding="utf-8"?>
+<file path=ppt/slides/slide28.xml><?xml version="1.0" encoding="utf-8"?>
 <p:sld xmlns:a="http://schemas.openxmlformats.org/drawingml/2006/main" xmlns:r="http://schemas.openxmlformats.org/officeDocument/2006/relationships" xmlns:p="http://schemas.openxmlformats.org/presentationml/2006/main">
   <p:cSld>
     <p:spTree>
@@ -14857,7 +16109,7 @@
           <a:p>
             <a:fld id="{4FAB73BC-B049-4115-A692-8D63A059BFB8}" type="slidenum">
               <a:rPr lang="en-US" smtClean="0"/>
-              <a:t>27</a:t>
+              <a:t>28</a:t>
             </a:fld>
             <a:endParaRPr lang="en-US" dirty="0"/>
           </a:p>
@@ -14867,171 +16119,6 @@
     <p:extLst>
       <p:ext uri="{BB962C8B-B14F-4D97-AF65-F5344CB8AC3E}">
         <p14:creationId xmlns:p14="http://schemas.microsoft.com/office/powerpoint/2010/main" val="3334388207"/>
-      </p:ext>
-    </p:extLst>
-  </p:cSld>
-  <p:clrMapOvr>
-    <a:masterClrMapping/>
-  </p:clrMapOvr>
-  <p:timing>
-    <p:tnLst>
-      <p:par>
-        <p:cTn id="1" dur="indefinite" restart="never" nodeType="tmRoot"/>
-      </p:par>
-    </p:tnLst>
-  </p:timing>
-</p:sld>
-</file>
-
-<file path=ppt/slides/slide28.xml><?xml version="1.0" encoding="utf-8"?>
-<p:sld xmlns:a="http://schemas.openxmlformats.org/drawingml/2006/main" xmlns:r="http://schemas.openxmlformats.org/officeDocument/2006/relationships" xmlns:p="http://schemas.openxmlformats.org/presentationml/2006/main">
-  <p:cSld>
-    <p:spTree>
-      <p:nvGrpSpPr>
-        <p:cNvPr id="1" name=""/>
-        <p:cNvGrpSpPr/>
-        <p:nvPr/>
-      </p:nvGrpSpPr>
-      <p:grpSpPr>
-        <a:xfrm>
-          <a:off x="0" y="0"/>
-          <a:ext cx="0" cy="0"/>
-          <a:chOff x="0" y="0"/>
-          <a:chExt cx="0" cy="0"/>
-        </a:xfrm>
-      </p:grpSpPr>
-      <p:sp>
-        <p:nvSpPr>
-          <p:cNvPr id="2" name="Title 1"/>
-          <p:cNvSpPr>
-            <a:spLocks noGrp="1"/>
-          </p:cNvSpPr>
-          <p:nvPr>
-            <p:ph type="title"/>
-          </p:nvPr>
-        </p:nvSpPr>
-        <p:spPr/>
-        <p:txBody>
-          <a:bodyPr>
-            <a:normAutofit fontScale="90000"/>
-          </a:bodyPr>
-          <a:lstStyle/>
-          <a:p>
-            <a:r>
-              <a:rPr lang="en-US" dirty="0" smtClean="0"/>
-              <a:t>Generation of Application Network Profiles from Business Logic Models (3/3)</a:t>
-            </a:r>
-            <a:endParaRPr lang="en-US" dirty="0"/>
-          </a:p>
-        </p:txBody>
-      </p:sp>
-      <p:sp>
-        <p:nvSpPr>
-          <p:cNvPr id="4" name="Text Placeholder 3"/>
-          <p:cNvSpPr>
-            <a:spLocks noGrp="1"/>
-          </p:cNvSpPr>
-          <p:nvPr>
-            <p:ph type="body" idx="1"/>
-          </p:nvPr>
-        </p:nvSpPr>
-        <p:spPr>
-          <a:xfrm>
-            <a:off x="946403" y="1717185"/>
-            <a:ext cx="6047177" cy="731520"/>
-          </a:xfrm>
-        </p:spPr>
-        <p:txBody>
-          <a:bodyPr/>
-          <a:lstStyle/>
-          <a:p>
-            <a:r>
-              <a:rPr lang="en-US" dirty="0" smtClean="0"/>
-              <a:t>Proposed Contributions</a:t>
-            </a:r>
-            <a:endParaRPr lang="en-US" dirty="0"/>
-          </a:p>
-        </p:txBody>
-      </p:sp>
-      <p:sp>
-        <p:nvSpPr>
-          <p:cNvPr id="6" name="Content Placeholder 5"/>
-          <p:cNvSpPr>
-            <a:spLocks noGrp="1"/>
-          </p:cNvSpPr>
-          <p:nvPr>
-            <p:ph sz="half" idx="2"/>
-          </p:nvPr>
-        </p:nvSpPr>
-        <p:spPr>
-          <a:xfrm>
-            <a:off x="946403" y="2507550"/>
-            <a:ext cx="6047177" cy="3664650"/>
-          </a:xfrm>
-        </p:spPr>
-        <p:txBody>
-          <a:bodyPr>
-            <a:normAutofit fontScale="92500" lnSpcReduction="20000"/>
-          </a:bodyPr>
-          <a:lstStyle/>
-          <a:p>
-            <a:r>
-              <a:rPr lang="en-US" sz="1800" dirty="0" smtClean="0"/>
-              <a:t>We will develop an add-on to our currently existing modeling language for application business logic which captures the network resources required during each part of the business logic model.</a:t>
-            </a:r>
-          </a:p>
-          <a:p>
-            <a:r>
-              <a:rPr lang="en-US" sz="1800" dirty="0" smtClean="0"/>
-              <a:t>We will develop a compositional technique for generating the network resource requirement profile for an application from the combined business logic models of that application's components.  This is required because the business logic models describe the behavior of the callback associated with a component port, but does not describe the timing of the invocations of that callback.</a:t>
-            </a:r>
-          </a:p>
-          <a:p>
-            <a:r>
-              <a:rPr lang="en-US" sz="1800" dirty="0" smtClean="0"/>
-              <a:t>We will develop test applications for our </a:t>
-            </a:r>
-            <a:r>
-              <a:rPr lang="en-US" sz="1800" dirty="0" err="1" smtClean="0"/>
-              <a:t>testbed</a:t>
-            </a:r>
-            <a:r>
-              <a:rPr lang="en-US" sz="1800" dirty="0" smtClean="0"/>
-              <a:t> which adhere to the business logic models and allow us to measure the accuracy and precision of the predictions using these generated profiles.</a:t>
-            </a:r>
-          </a:p>
-          <a:p>
-            <a:endParaRPr lang="en-US" dirty="0"/>
-          </a:p>
-        </p:txBody>
-      </p:sp>
-      <p:sp>
-        <p:nvSpPr>
-          <p:cNvPr id="3" name="Slide Number Placeholder 2"/>
-          <p:cNvSpPr>
-            <a:spLocks noGrp="1"/>
-          </p:cNvSpPr>
-          <p:nvPr>
-            <p:ph type="sldNum" sz="quarter" idx="12"/>
-          </p:nvPr>
-        </p:nvSpPr>
-        <p:spPr/>
-        <p:txBody>
-          <a:bodyPr/>
-          <a:lstStyle/>
-          <a:p>
-            <a:fld id="{4FAB73BC-B049-4115-A692-8D63A059BFB8}" type="slidenum">
-              <a:rPr lang="en-US" smtClean="0"/>
-              <a:t>28</a:t>
-            </a:fld>
-            <a:endParaRPr lang="en-US" dirty="0"/>
-          </a:p>
-        </p:txBody>
-      </p:sp>
-    </p:spTree>
-    <p:extLst>
-      <p:ext uri="{BB962C8B-B14F-4D97-AF65-F5344CB8AC3E}">
-        <p14:creationId xmlns:p14="http://schemas.microsoft.com/office/powerpoint/2010/main" val="1474561979"/>
       </p:ext>
     </p:extLst>
   </p:cSld>
@@ -15078,13 +16165,13 @@
         <p:spPr/>
         <p:txBody>
           <a:bodyPr>
-            <a:normAutofit/>
+            <a:normAutofit fontScale="90000"/>
           </a:bodyPr>
           <a:lstStyle/>
           <a:p>
             <a:r>
               <a:rPr lang="en-US" dirty="0" smtClean="0"/>
-              <a:t>Analysis of Statically Routed Networks</a:t>
+              <a:t>Generation of Application Network Profiles from Business Logic Models (3/3)</a:t>
             </a:r>
             <a:endParaRPr lang="en-US" dirty="0"/>
           </a:p>
@@ -15092,7 +16179,7 @@
       </p:sp>
       <p:sp>
         <p:nvSpPr>
-          <p:cNvPr id="5" name="Text Placeholder 4"/>
+          <p:cNvPr id="4" name="Text Placeholder 3"/>
           <p:cNvSpPr>
             <a:spLocks noGrp="1"/>
           </p:cNvSpPr>
@@ -15100,14 +16187,19 @@
             <p:ph type="body" idx="1"/>
           </p:nvPr>
         </p:nvSpPr>
-        <p:spPr/>
+        <p:spPr>
+          <a:xfrm>
+            <a:off x="946403" y="1717185"/>
+            <a:ext cx="6047177" cy="731520"/>
+          </a:xfrm>
+        </p:spPr>
         <p:txBody>
           <a:bodyPr/>
           <a:lstStyle/>
           <a:p>
             <a:r>
               <a:rPr lang="en-US" dirty="0" smtClean="0"/>
-              <a:t>Challenges</a:t>
+              <a:t>Proposed Contributions</a:t>
             </a:r>
             <a:endParaRPr lang="en-US" dirty="0"/>
           </a:p>
@@ -15115,7 +16207,7 @@
       </p:sp>
       <p:sp>
         <p:nvSpPr>
-          <p:cNvPr id="3" name="Content Placeholder 2"/>
+          <p:cNvPr id="6" name="Content Placeholder 5"/>
           <p:cNvSpPr>
             <a:spLocks noGrp="1"/>
           </p:cNvSpPr>
@@ -15123,7 +16215,12 @@
             <p:ph sz="half" idx="2"/>
           </p:nvPr>
         </p:nvSpPr>
-        <p:spPr/>
+        <p:spPr>
+          <a:xfrm>
+            <a:off x="946403" y="2507550"/>
+            <a:ext cx="6047177" cy="3664650"/>
+          </a:xfrm>
+        </p:spPr>
         <p:txBody>
           <a:bodyPr>
             <a:normAutofit fontScale="92500" lnSpcReduction="20000"/>
@@ -15131,122 +16228,28 @@
           <a:lstStyle/>
           <a:p>
             <a:r>
-              <a:rPr lang="en-US" dirty="0" smtClean="0"/>
-              <a:t>Most realistic networks require some form of message routing</a:t>
-            </a:r>
-          </a:p>
-          <a:p>
-            <a:pPr lvl="1"/>
-            <a:r>
-              <a:rPr lang="en-US" dirty="0" smtClean="0"/>
-              <a:t>Not all</a:t>
-            </a:r>
-            <a:r>
-              <a:rPr lang="en-US" dirty="0"/>
-              <a:t> </a:t>
-            </a:r>
-            <a:r>
-              <a:rPr lang="en-US" dirty="0" smtClean="0"/>
-              <a:t>nodes</a:t>
-            </a:r>
-            <a:r>
-              <a:rPr lang="en-US" dirty="0"/>
-              <a:t> </a:t>
-            </a:r>
-            <a:r>
-              <a:rPr lang="en-US" dirty="0" smtClean="0"/>
-              <a:t>have a direct communications link to each other</a:t>
-            </a:r>
-          </a:p>
-          <a:p>
-            <a:pPr lvl="1"/>
-            <a:r>
-              <a:rPr lang="en-US" dirty="0" smtClean="0"/>
-              <a:t>Due</a:t>
-            </a:r>
-            <a:r>
-              <a:rPr lang="en-US" dirty="0"/>
-              <a:t> </a:t>
-            </a:r>
-            <a:r>
-              <a:rPr lang="en-US" dirty="0" smtClean="0"/>
-              <a:t>to</a:t>
-            </a:r>
-            <a:r>
-              <a:rPr lang="en-US" dirty="0"/>
-              <a:t> </a:t>
-            </a:r>
-            <a:r>
-              <a:rPr lang="en-US" dirty="0" smtClean="0"/>
-              <a:t>e.g.</a:t>
-            </a:r>
-            <a:r>
-              <a:rPr lang="en-US" dirty="0"/>
-              <a:t> </a:t>
-            </a:r>
-            <a:r>
-              <a:rPr lang="en-US" dirty="0" smtClean="0"/>
-              <a:t>obstructions, local interference, etc.</a:t>
-            </a:r>
-          </a:p>
-          <a:p>
-            <a:r>
-              <a:rPr lang="en-US" dirty="0" smtClean="0"/>
-              <a:t>Routing</a:t>
-            </a:r>
-            <a:r>
-              <a:rPr lang="en-US" dirty="0"/>
-              <a:t> </a:t>
-            </a:r>
-            <a:r>
-              <a:rPr lang="en-US" dirty="0" smtClean="0"/>
-              <a:t>allows</a:t>
-            </a:r>
-            <a:r>
-              <a:rPr lang="en-US" dirty="0"/>
-              <a:t> </a:t>
-            </a:r>
-            <a:r>
-              <a:rPr lang="en-US" dirty="0" smtClean="0"/>
-              <a:t>for</a:t>
-            </a:r>
-            <a:r>
-              <a:rPr lang="en-US" dirty="0"/>
-              <a:t> </a:t>
-            </a:r>
-            <a:r>
-              <a:rPr lang="en-US" dirty="0" smtClean="0"/>
-              <a:t>more</a:t>
-            </a:r>
-            <a:r>
-              <a:rPr lang="en-US" dirty="0"/>
-              <a:t> </a:t>
-            </a:r>
-            <a:r>
-              <a:rPr lang="en-US" dirty="0" smtClean="0"/>
-              <a:t>flexibility</a:t>
-            </a:r>
-            <a:r>
-              <a:rPr lang="en-US" dirty="0"/>
-              <a:t> </a:t>
-            </a:r>
-            <a:r>
-              <a:rPr lang="en-US" dirty="0" smtClean="0"/>
-              <a:t>with</a:t>
-            </a:r>
-            <a:r>
-              <a:rPr lang="en-US" dirty="0"/>
-              <a:t> </a:t>
-            </a:r>
-            <a:r>
-              <a:rPr lang="en-US" dirty="0" smtClean="0"/>
-              <a:t>respect to system deployment and connectivity</a:t>
-            </a:r>
-          </a:p>
-          <a:p>
-            <a:r>
-              <a:rPr lang="en-US" dirty="0" smtClean="0"/>
-              <a:t>Routing can be either pre-defined at deployment time (static) or configured dynamically at run-time</a:t>
+              <a:rPr lang="en-US" sz="1800" dirty="0" smtClean="0"/>
+              <a:t>We will develop an add-on to our currently existing modeling language for application business logic which captures the network resources required during each part of the business logic model.</a:t>
+            </a:r>
+          </a:p>
+          <a:p>
+            <a:r>
+              <a:rPr lang="en-US" sz="1800" dirty="0" smtClean="0"/>
+              <a:t>We will develop a compositional technique for generating the network resource requirement profile for an application from the combined business logic models of that application's components.  This is required because the business logic models describe the behavior of the callback associated with a component port, but does not describe the timing of the invocations of that callback.</a:t>
+            </a:r>
+          </a:p>
+          <a:p>
+            <a:r>
+              <a:rPr lang="en-US" sz="1800" dirty="0" smtClean="0"/>
+              <a:t>We will develop test applications for our </a:t>
+            </a:r>
+            <a:r>
+              <a:rPr lang="en-US" sz="1800" dirty="0" err="1" smtClean="0"/>
+              <a:t>testbed</a:t>
+            </a:r>
+            <a:r>
+              <a:rPr lang="en-US" sz="1800" dirty="0" smtClean="0"/>
+              <a:t> which adhere to the business logic models and allow us to measure the accuracy and precision of the predictions using these generated profiles.</a:t>
             </a:r>
           </a:p>
           <a:p>
@@ -15256,84 +16259,7 @@
       </p:sp>
       <p:sp>
         <p:nvSpPr>
-          <p:cNvPr id="9" name="Text Placeholder 8"/>
-          <p:cNvSpPr>
-            <a:spLocks noGrp="1"/>
-          </p:cNvSpPr>
-          <p:nvPr>
-            <p:ph type="body" sz="quarter" idx="13"/>
-          </p:nvPr>
-        </p:nvSpPr>
-        <p:spPr/>
-        <p:txBody>
-          <a:bodyPr/>
-          <a:lstStyle/>
-          <a:p>
-            <a:r>
-              <a:rPr lang="en-US" dirty="0" smtClean="0"/>
-              <a:t>Proposed Contributions</a:t>
-            </a:r>
-            <a:endParaRPr lang="en-US" dirty="0"/>
-          </a:p>
-        </p:txBody>
-      </p:sp>
-      <p:sp>
-        <p:nvSpPr>
-          <p:cNvPr id="7" name="Content Placeholder 6"/>
-          <p:cNvSpPr>
-            <a:spLocks noGrp="1"/>
-          </p:cNvSpPr>
-          <p:nvPr>
-            <p:ph sz="quarter" idx="4"/>
-          </p:nvPr>
-        </p:nvSpPr>
-        <p:spPr/>
-        <p:txBody>
-          <a:bodyPr>
-            <a:normAutofit fontScale="92500" lnSpcReduction="20000"/>
-          </a:bodyPr>
-          <a:lstStyle/>
-          <a:p>
-            <a:r>
-              <a:rPr lang="en-US" dirty="0" smtClean="0"/>
-              <a:t>We consider a case of routing in ad-hoc networks:</a:t>
-            </a:r>
-          </a:p>
-          <a:p>
-            <a:pPr lvl="1"/>
-            <a:r>
-              <a:rPr lang="en-US" b="1" dirty="0" smtClean="0"/>
-              <a:t>one or more nodes can route messages for other nodes</a:t>
-            </a:r>
-          </a:p>
-          <a:p>
-            <a:r>
-              <a:rPr lang="en-US" dirty="0" smtClean="0"/>
-              <a:t>We will extend our network resource modeling and analysis techniques to support networks in which system nodes can act as routers for packets in the network.</a:t>
-            </a:r>
-          </a:p>
-          <a:p>
-            <a:r>
-              <a:rPr lang="en-US" dirty="0" smtClean="0"/>
-              <a:t>We will show experimentally the validity of the analysis results using our </a:t>
-            </a:r>
-            <a:r>
-              <a:rPr lang="en-US" dirty="0" err="1" smtClean="0"/>
-              <a:t>testbed</a:t>
-            </a:r>
-            <a:r>
-              <a:rPr lang="en-US" dirty="0" smtClean="0"/>
-              <a:t> and test applications.</a:t>
-            </a:r>
-          </a:p>
-          <a:p>
-            <a:endParaRPr lang="en-US" dirty="0"/>
-          </a:p>
-        </p:txBody>
-      </p:sp>
-      <p:sp>
-        <p:nvSpPr>
-          <p:cNvPr id="4" name="Slide Number Placeholder 3"/>
+          <p:cNvPr id="3" name="Slide Number Placeholder 2"/>
           <p:cNvSpPr>
             <a:spLocks noGrp="1"/>
           </p:cNvSpPr>
@@ -15357,7 +16283,7 @@
     </p:spTree>
     <p:extLst>
       <p:ext uri="{BB962C8B-B14F-4D97-AF65-F5344CB8AC3E}">
-        <p14:creationId xmlns:p14="http://schemas.microsoft.com/office/powerpoint/2010/main" val="1169702747"/>
+        <p14:creationId xmlns:p14="http://schemas.microsoft.com/office/powerpoint/2010/main" val="1474561979"/>
       </p:ext>
     </p:extLst>
   </p:cSld>
@@ -15864,23 +16790,30 @@
           <a:p>
             <a:r>
               <a:rPr lang="en-US" dirty="0" smtClean="0"/>
-              <a:t>Comparison of </a:t>
-            </a:r>
-            <a:r>
-              <a:rPr lang="en-US" dirty="0"/>
-              <a:t>PNP</a:t>
-            </a:r>
-            <a:r>
-              <a:rPr lang="en-US" baseline="30000" dirty="0"/>
-              <a:t>2</a:t>
-            </a:r>
-            <a:r>
-              <a:rPr lang="en-US" dirty="0" smtClean="0"/>
-              <a:t> </a:t>
-            </a:r>
-            <a:r>
-              <a:rPr lang="en-US" dirty="0" smtClean="0"/>
-              <a:t>to Network Calculus</a:t>
+              <a:t>Analysis of Statically Routed Networks</a:t>
+            </a:r>
+            <a:endParaRPr lang="en-US" dirty="0"/>
+          </a:p>
+        </p:txBody>
+      </p:sp>
+      <p:sp>
+        <p:nvSpPr>
+          <p:cNvPr id="5" name="Text Placeholder 4"/>
+          <p:cNvSpPr>
+            <a:spLocks noGrp="1"/>
+          </p:cNvSpPr>
+          <p:nvPr>
+            <p:ph type="body" idx="1"/>
+          </p:nvPr>
+        </p:nvSpPr>
+        <p:spPr/>
+        <p:txBody>
+          <a:bodyPr/>
+          <a:lstStyle/>
+          <a:p>
+            <a:r>
+              <a:rPr lang="en-US" dirty="0" smtClean="0"/>
+              <a:t>Challenges</a:t>
             </a:r>
             <a:endParaRPr lang="en-US" dirty="0"/>
           </a:p>
@@ -15893,48 +16826,213 @@
             <a:spLocks noGrp="1"/>
           </p:cNvSpPr>
           <p:nvPr>
-            <p:ph idx="1"/>
+            <p:ph sz="half" idx="2"/>
           </p:nvPr>
         </p:nvSpPr>
         <p:spPr/>
         <p:txBody>
           <a:bodyPr>
-            <a:normAutofit/>
+            <a:normAutofit fontScale="92500" lnSpcReduction="20000"/>
           </a:bodyPr>
           <a:lstStyle/>
           <a:p>
             <a:r>
               <a:rPr lang="en-US" dirty="0" smtClean="0"/>
-              <a:t>By showing that the main concepts of Network Calculus, e.g. compositionality, hold for </a:t>
+              <a:t>Most realistic networks require some form of message routing</a:t>
+            </a:r>
+          </a:p>
+          <a:p>
+            <a:pPr lvl="1"/>
+            <a:r>
+              <a:rPr lang="en-US" dirty="0" smtClean="0"/>
+              <a:t>Not all</a:t>
             </a:r>
             <a:r>
               <a:rPr lang="en-US" dirty="0"/>
-              <a:t>PNP</a:t>
-            </a:r>
-            <a:r>
-              <a:rPr lang="en-US" baseline="30000" dirty="0"/>
-              <a:t>2</a:t>
-            </a:r>
-            <a:r>
-              <a:rPr lang="en-US" dirty="0" smtClean="0"/>
-              <a:t>, </a:t>
-            </a:r>
-            <a:r>
-              <a:rPr lang="en-US" dirty="0" smtClean="0"/>
-              <a:t>we show the capability for similar systems-theory based analysis approaches</a:t>
-            </a:r>
-          </a:p>
-          <a:p>
-            <a:r>
-              <a:rPr lang="en-US" dirty="0" smtClean="0"/>
-              <a:t>We will mathematically analyze the differences between the proposed technique and Network Calculus, showing that compositionality (i.e. concatenation of nodes in NC) applies to our analysis techniques</a:t>
-            </a:r>
-          </a:p>
-          <a:p>
-            <a:r>
-              <a:rPr lang="en-US" dirty="0" smtClean="0"/>
-              <a:t>We will analyze network flow composition to formalize operations for flow aggregation</a:t>
-            </a:r>
+              <a:t> </a:t>
+            </a:r>
+            <a:r>
+              <a:rPr lang="en-US" dirty="0" smtClean="0"/>
+              <a:t>nodes</a:t>
+            </a:r>
+            <a:r>
+              <a:rPr lang="en-US" dirty="0"/>
+              <a:t> </a:t>
+            </a:r>
+            <a:r>
+              <a:rPr lang="en-US" dirty="0" smtClean="0"/>
+              <a:t>have a direct communications link to each other</a:t>
+            </a:r>
+          </a:p>
+          <a:p>
+            <a:pPr lvl="1"/>
+            <a:r>
+              <a:rPr lang="en-US" dirty="0" smtClean="0"/>
+              <a:t>Due</a:t>
+            </a:r>
+            <a:r>
+              <a:rPr lang="en-US" dirty="0"/>
+              <a:t> </a:t>
+            </a:r>
+            <a:r>
+              <a:rPr lang="en-US" dirty="0" smtClean="0"/>
+              <a:t>to</a:t>
+            </a:r>
+            <a:r>
+              <a:rPr lang="en-US" dirty="0"/>
+              <a:t> </a:t>
+            </a:r>
+            <a:r>
+              <a:rPr lang="en-US" dirty="0" smtClean="0"/>
+              <a:t>e.g.</a:t>
+            </a:r>
+            <a:r>
+              <a:rPr lang="en-US" dirty="0"/>
+              <a:t> </a:t>
+            </a:r>
+            <a:r>
+              <a:rPr lang="en-US" dirty="0" smtClean="0"/>
+              <a:t>obstructions, local interference, etc.</a:t>
+            </a:r>
+          </a:p>
+          <a:p>
+            <a:r>
+              <a:rPr lang="en-US" dirty="0" smtClean="0"/>
+              <a:t>Routing</a:t>
+            </a:r>
+            <a:r>
+              <a:rPr lang="en-US" dirty="0"/>
+              <a:t> </a:t>
+            </a:r>
+            <a:r>
+              <a:rPr lang="en-US" dirty="0" smtClean="0"/>
+              <a:t>allows</a:t>
+            </a:r>
+            <a:r>
+              <a:rPr lang="en-US" dirty="0"/>
+              <a:t> </a:t>
+            </a:r>
+            <a:r>
+              <a:rPr lang="en-US" dirty="0" smtClean="0"/>
+              <a:t>for</a:t>
+            </a:r>
+            <a:r>
+              <a:rPr lang="en-US" dirty="0"/>
+              <a:t> </a:t>
+            </a:r>
+            <a:r>
+              <a:rPr lang="en-US" dirty="0" smtClean="0"/>
+              <a:t>more</a:t>
+            </a:r>
+            <a:r>
+              <a:rPr lang="en-US" dirty="0"/>
+              <a:t> </a:t>
+            </a:r>
+            <a:r>
+              <a:rPr lang="en-US" dirty="0" smtClean="0"/>
+              <a:t>flexibility</a:t>
+            </a:r>
+            <a:r>
+              <a:rPr lang="en-US" dirty="0"/>
+              <a:t> </a:t>
+            </a:r>
+            <a:r>
+              <a:rPr lang="en-US" dirty="0" smtClean="0"/>
+              <a:t>with</a:t>
+            </a:r>
+            <a:r>
+              <a:rPr lang="en-US" dirty="0"/>
+              <a:t> </a:t>
+            </a:r>
+            <a:r>
+              <a:rPr lang="en-US" dirty="0" smtClean="0"/>
+              <a:t>respect to system deployment and connectivity</a:t>
+            </a:r>
+          </a:p>
+          <a:p>
+            <a:r>
+              <a:rPr lang="en-US" dirty="0" smtClean="0"/>
+              <a:t>Routing can be either pre-defined at deployment time (static) or configured dynamically at run-time</a:t>
+            </a:r>
+          </a:p>
+          <a:p>
+            <a:endParaRPr lang="en-US" dirty="0"/>
+          </a:p>
+        </p:txBody>
+      </p:sp>
+      <p:sp>
+        <p:nvSpPr>
+          <p:cNvPr id="9" name="Text Placeholder 8"/>
+          <p:cNvSpPr>
+            <a:spLocks noGrp="1"/>
+          </p:cNvSpPr>
+          <p:nvPr>
+            <p:ph type="body" sz="quarter" idx="13"/>
+          </p:nvPr>
+        </p:nvSpPr>
+        <p:spPr/>
+        <p:txBody>
+          <a:bodyPr/>
+          <a:lstStyle/>
+          <a:p>
+            <a:r>
+              <a:rPr lang="en-US" dirty="0" smtClean="0"/>
+              <a:t>Proposed Contributions</a:t>
+            </a:r>
+            <a:endParaRPr lang="en-US" dirty="0"/>
+          </a:p>
+        </p:txBody>
+      </p:sp>
+      <p:sp>
+        <p:nvSpPr>
+          <p:cNvPr id="7" name="Content Placeholder 6"/>
+          <p:cNvSpPr>
+            <a:spLocks noGrp="1"/>
+          </p:cNvSpPr>
+          <p:nvPr>
+            <p:ph sz="quarter" idx="4"/>
+          </p:nvPr>
+        </p:nvSpPr>
+        <p:spPr/>
+        <p:txBody>
+          <a:bodyPr>
+            <a:normAutofit fontScale="92500" lnSpcReduction="20000"/>
+          </a:bodyPr>
+          <a:lstStyle/>
+          <a:p>
+            <a:r>
+              <a:rPr lang="en-US" dirty="0" smtClean="0"/>
+              <a:t>We consider a case of routing in ad-hoc networks:</a:t>
+            </a:r>
+          </a:p>
+          <a:p>
+            <a:pPr lvl="1"/>
+            <a:r>
+              <a:rPr lang="en-US" b="1" dirty="0" smtClean="0"/>
+              <a:t>one or more nodes can route messages for other nodes</a:t>
+            </a:r>
+          </a:p>
+          <a:p>
+            <a:r>
+              <a:rPr lang="en-US" dirty="0" smtClean="0"/>
+              <a:t>We will extend our network resource modeling and analysis techniques to support networks in which system nodes can act as routers for packets in the network.</a:t>
+            </a:r>
+          </a:p>
+          <a:p>
+            <a:r>
+              <a:rPr lang="en-US" dirty="0" smtClean="0"/>
+              <a:t>We will show experimentally the validity of the analysis results using our </a:t>
+            </a:r>
+            <a:r>
+              <a:rPr lang="en-US" dirty="0" err="1" smtClean="0"/>
+              <a:t>testbed</a:t>
+            </a:r>
+            <a:r>
+              <a:rPr lang="en-US" dirty="0" smtClean="0"/>
+              <a:t> and test applications.</a:t>
+            </a:r>
+          </a:p>
+          <a:p>
             <a:endParaRPr lang="en-US" dirty="0"/>
           </a:p>
         </p:txBody>
@@ -15965,7 +17063,7 @@
     </p:spTree>
     <p:extLst>
       <p:ext uri="{BB962C8B-B14F-4D97-AF65-F5344CB8AC3E}">
-        <p14:creationId xmlns:p14="http://schemas.microsoft.com/office/powerpoint/2010/main" val="3262185113"/>
+        <p14:creationId xmlns:p14="http://schemas.microsoft.com/office/powerpoint/2010/main" val="1169702747"/>
       </p:ext>
     </p:extLst>
   </p:cSld>
@@ -16018,7 +17116,23 @@
           <a:p>
             <a:r>
               <a:rPr lang="en-US" dirty="0" smtClean="0"/>
-              <a:t>Network Application Fault/Anomaly Classification</a:t>
+              <a:t>Comparison of </a:t>
+            </a:r>
+            <a:r>
+              <a:rPr lang="en-US" dirty="0"/>
+              <a:t>PNP</a:t>
+            </a:r>
+            <a:r>
+              <a:rPr lang="en-US" baseline="30000" dirty="0"/>
+              <a:t>2</a:t>
+            </a:r>
+            <a:r>
+              <a:rPr lang="en-US" dirty="0" smtClean="0"/>
+              <a:t> </a:t>
+            </a:r>
+            <a:r>
+              <a:rPr lang="en-US" dirty="0" smtClean="0"/>
+              <a:t>to Network Calculus</a:t>
             </a:r>
             <a:endParaRPr lang="en-US" dirty="0"/>
           </a:p>
@@ -16036,87 +17150,42 @@
         </p:nvSpPr>
         <p:spPr/>
         <p:txBody>
-          <a:bodyPr/>
+          <a:bodyPr>
+            <a:normAutofit/>
+          </a:bodyPr>
           <a:lstStyle/>
           <a:p>
             <a:r>
               <a:rPr lang="en-US" dirty="0" smtClean="0"/>
-              <a:t>We will use our </a:t>
-            </a:r>
-            <a:r>
-              <a:rPr lang="en-US" dirty="0" err="1" smtClean="0"/>
-              <a:t>testbed</a:t>
-            </a:r>
-            <a:r>
-              <a:rPr lang="en-US" dirty="0" smtClean="0"/>
-              <a:t> to run distributed network tests to classify certain types of anomalies, e.g. </a:t>
-            </a:r>
-            <a:r>
-              <a:rPr lang="en-US" dirty="0" err="1" smtClean="0"/>
-              <a:t>DDoS</a:t>
-            </a:r>
-            <a:r>
-              <a:rPr lang="en-US" dirty="0" smtClean="0"/>
-              <a:t> attacks from compromised applications within the cluster.</a:t>
-            </a:r>
-          </a:p>
-          <a:p>
-            <a:pPr lvl="1"/>
-            <a:r>
-              <a:rPr lang="en-US" dirty="0" smtClean="0"/>
-              <a:t>Cluster</a:t>
+              <a:t>By showing that the main concepts of Network Calculus, e.g. compositionality, hold for </a:t>
             </a:r>
             <a:r>
               <a:rPr lang="en-US" dirty="0"/>
-              <a:t> </a:t>
-            </a:r>
-            <a:r>
-              <a:rPr lang="en-US" dirty="0" smtClean="0"/>
-              <a:t>is</a:t>
-            </a:r>
-            <a:r>
-              <a:rPr lang="en-US" dirty="0"/>
-              <a:t> </a:t>
-            </a:r>
-            <a:r>
-              <a:rPr lang="en-US" dirty="0" smtClean="0"/>
-              <a:t>a</a:t>
-            </a:r>
-            <a:r>
-              <a:rPr lang="en-US" dirty="0"/>
-              <a:t> </a:t>
-            </a:r>
-            <a:r>
-              <a:rPr lang="en-US" b="1" dirty="0" smtClean="0"/>
-              <a:t>managed</a:t>
-            </a:r>
-            <a:r>
-              <a:rPr lang="en-US" dirty="0"/>
-              <a:t> </a:t>
-            </a:r>
-            <a:r>
-              <a:rPr lang="en-US" dirty="0" smtClean="0"/>
-              <a:t>system; we have full control over all layers on each node, but not the applications</a:t>
-            </a:r>
-          </a:p>
-          <a:p>
-            <a:r>
-              <a:rPr lang="en-US" dirty="0" smtClean="0"/>
-              <a:t>We will use the network resource utilization measurements gained from the tests to derive metrics which allow us to differentiate between classes of behavior, e.g. standard/stable application behavior vs. </a:t>
-            </a:r>
-            <a:r>
-              <a:rPr lang="en-US" dirty="0" err="1" smtClean="0"/>
-              <a:t>DDoS</a:t>
-            </a:r>
-            <a:r>
-              <a:rPr lang="en-US" dirty="0" smtClean="0"/>
-              <a:t> behavior.</a:t>
-            </a:r>
-          </a:p>
-          <a:p>
-            <a:r>
-              <a:rPr lang="en-US" dirty="0" smtClean="0"/>
-              <a:t>We will then use the classifications to show that the system can detect these types of attacks, mitigate their propagation, and report the attack to the system's manager.</a:t>
+              <a:t>PNP</a:t>
+            </a:r>
+            <a:r>
+              <a:rPr lang="en-US" baseline="30000" dirty="0"/>
+              <a:t>2</a:t>
+            </a:r>
+            <a:r>
+              <a:rPr lang="en-US" dirty="0" smtClean="0"/>
+              <a:t>, </a:t>
+            </a:r>
+            <a:r>
+              <a:rPr lang="en-US" dirty="0" smtClean="0"/>
+              <a:t>we show the capability for similar systems-theory based analysis approaches</a:t>
+            </a:r>
+          </a:p>
+          <a:p>
+            <a:r>
+              <a:rPr lang="en-US" dirty="0" smtClean="0"/>
+              <a:t>We will mathematically analyze the differences between the proposed technique and Network Calculus, showing that compositionality (i.e. concatenation of nodes in NC) applies to our analysis techniques</a:t>
+            </a:r>
+          </a:p>
+          <a:p>
+            <a:r>
+              <a:rPr lang="en-US" dirty="0" smtClean="0"/>
+              <a:t>We will analyze network flow composition to formalize operations for flow aggregation</a:t>
             </a:r>
             <a:endParaRPr lang="en-US" dirty="0"/>
           </a:p>
@@ -16148,7 +17217,7 @@
     </p:spTree>
     <p:extLst>
       <p:ext uri="{BB962C8B-B14F-4D97-AF65-F5344CB8AC3E}">
-        <p14:creationId xmlns:p14="http://schemas.microsoft.com/office/powerpoint/2010/main" val="1688782407"/>
+        <p14:creationId xmlns:p14="http://schemas.microsoft.com/office/powerpoint/2010/main" val="3262185113"/>
       </p:ext>
     </p:extLst>
   </p:cSld>
@@ -16194,12 +17263,14 @@
         </p:nvSpPr>
         <p:spPr/>
         <p:txBody>
-          <a:bodyPr/>
+          <a:bodyPr>
+            <a:normAutofit/>
+          </a:bodyPr>
           <a:lstStyle/>
           <a:p>
             <a:r>
               <a:rPr lang="en-US" dirty="0" smtClean="0"/>
-              <a:t>Conclusions and Future Work</a:t>
+              <a:t>Network Application Fault/Anomaly Classification</a:t>
             </a:r>
             <a:endParaRPr lang="en-US" dirty="0"/>
           </a:p>
@@ -16215,77 +17286,97 @@
             <p:ph idx="1"/>
           </p:nvPr>
         </p:nvSpPr>
-        <p:spPr>
-          <a:xfrm>
-            <a:off x="946404" y="1828801"/>
-            <a:ext cx="6446520" cy="2744915"/>
-          </a:xfrm>
-        </p:spPr>
+        <p:spPr/>
         <p:txBody>
-          <a:bodyPr>
-            <a:noAutofit/>
-          </a:bodyPr>
+          <a:bodyPr/>
           <a:lstStyle/>
           <a:p>
             <a:r>
-              <a:rPr lang="en-US" sz="1200" dirty="0" smtClean="0"/>
-              <a:t>Certain</a:t>
-            </a:r>
-            <a:r>
-              <a:rPr lang="en-US" sz="1200" dirty="0"/>
+              <a:rPr lang="en-US" dirty="0" smtClean="0"/>
+              <a:t>We will use our </a:t>
+            </a:r>
+            <a:r>
+              <a:rPr lang="en-US" dirty="0" err="1" smtClean="0"/>
+              <a:t>testbed</a:t>
+            </a:r>
+            <a:r>
+              <a:rPr lang="en-US" dirty="0" smtClean="0"/>
+              <a:t> to run distributed network tests to classify certain types of anomalies, e.g. </a:t>
+            </a:r>
+            <a:r>
+              <a:rPr lang="en-US" dirty="0" err="1" smtClean="0"/>
+              <a:t>DDoS</a:t>
+            </a:r>
+            <a:r>
+              <a:rPr lang="en-US" dirty="0" smtClean="0"/>
+              <a:t> attacks from compromised applications within the cluster.</a:t>
+            </a:r>
+          </a:p>
+          <a:p>
+            <a:pPr lvl="1"/>
+            <a:r>
+              <a:rPr lang="en-US" dirty="0" smtClean="0"/>
+              <a:t>Cluster</a:t>
+            </a:r>
+            <a:r>
+              <a:rPr lang="en-US" dirty="0"/>
               <a:t> </a:t>
             </a:r>
             <a:r>
-              <a:rPr lang="en-US" sz="1200" dirty="0" smtClean="0"/>
-              <a:t>classes of distributed, real-time, embedded, cyber-physical systems require strict design-time guarantees about resource utilization and performance</a:t>
-            </a:r>
-          </a:p>
-          <a:p>
-            <a:pPr lvl="1"/>
-            <a:r>
-              <a:rPr lang="en-US" sz="1000" dirty="0" smtClean="0"/>
-              <a:t>Network resources are now critical for distributed CPS</a:t>
-            </a:r>
-          </a:p>
-          <a:p>
-            <a:r>
-              <a:rPr lang="en-US" sz="1200" dirty="0" smtClean="0"/>
-              <a:t>Current simulation or analysis techniques are too conservative at best, too inaccurate at worst</a:t>
-            </a:r>
-          </a:p>
-          <a:p>
-            <a:r>
-              <a:rPr lang="en-US" sz="1200" dirty="0" smtClean="0"/>
-              <a:t>Our proposed work extends previous work to increase the fidelity of the analysis results with respect to the run-time system</a:t>
-            </a:r>
-          </a:p>
-          <a:p>
-            <a:pPr lvl="1"/>
-            <a:r>
-              <a:rPr lang="en-US" sz="1200" dirty="0" smtClean="0"/>
-              <a:t>The</a:t>
-            </a:r>
-            <a:r>
-              <a:rPr lang="en-US" sz="1200" dirty="0"/>
+              <a:rPr lang="en-US" dirty="0" smtClean="0"/>
+              <a:t>is</a:t>
+            </a:r>
+            <a:r>
+              <a:rPr lang="en-US" dirty="0"/>
               <a:t> </a:t>
             </a:r>
             <a:r>
-              <a:rPr lang="en-US" sz="1200" dirty="0" smtClean="0"/>
-              <a:t>inclusion of temporal/physical dynamics into the analysis is paramount to providing strict performance guarantees</a:t>
-            </a:r>
-          </a:p>
-          <a:p>
-            <a:r>
-              <a:rPr lang="en-US" sz="1200" dirty="0" smtClean="0"/>
-              <a:t>We have described some remaining work in the field and outlined our plans to address it</a:t>
-            </a:r>
-            <a:endParaRPr lang="en-US" sz="1200" dirty="0"/>
+              <a:rPr lang="en-US" dirty="0" smtClean="0"/>
+              <a:t>a</a:t>
+            </a:r>
+            <a:r>
+              <a:rPr lang="en-US" dirty="0"/>
+              <a:t> </a:t>
+            </a:r>
+            <a:r>
+              <a:rPr lang="en-US" b="1" dirty="0" smtClean="0"/>
+              <a:t>managed</a:t>
+            </a:r>
+            <a:r>
+              <a:rPr lang="en-US" dirty="0"/>
+              <a:t> </a:t>
+            </a:r>
+            <a:r>
+              <a:rPr lang="en-US" dirty="0" smtClean="0"/>
+              <a:t>system; we have full control over all layers on each node, but not the applications</a:t>
+            </a:r>
+          </a:p>
+          <a:p>
+            <a:r>
+              <a:rPr lang="en-US" dirty="0" smtClean="0"/>
+              <a:t>We will use the network resource utilization measurements gained from the tests to derive metrics which allow us to differentiate between classes of behavior, e.g. standard/stable application behavior vs. </a:t>
+            </a:r>
+            <a:r>
+              <a:rPr lang="en-US" dirty="0" err="1" smtClean="0"/>
+              <a:t>DDoS</a:t>
+            </a:r>
+            <a:r>
+              <a:rPr lang="en-US" dirty="0" smtClean="0"/>
+              <a:t> behavior.</a:t>
+            </a:r>
+          </a:p>
+          <a:p>
+            <a:r>
+              <a:rPr lang="en-US" dirty="0" smtClean="0"/>
+              <a:t>We will then use the classifications to show that the system can detect these types of attacks, mitigate their propagation, and report the attack to the system's manager.</a:t>
+            </a:r>
+            <a:endParaRPr lang="en-US" dirty="0"/>
           </a:p>
         </p:txBody>
       </p:sp>
       <p:sp>
         <p:nvSpPr>
-          <p:cNvPr id="5" name="Slide Number Placeholder 4"/>
+          <p:cNvPr id="4" name="Slide Number Placeholder 3"/>
           <p:cNvSpPr>
             <a:spLocks noGrp="1"/>
           </p:cNvSpPr>
@@ -16309,7 +17400,7 @@
     </p:spTree>
     <p:extLst>
       <p:ext uri="{BB962C8B-B14F-4D97-AF65-F5344CB8AC3E}">
-        <p14:creationId xmlns:p14="http://schemas.microsoft.com/office/powerpoint/2010/main" val="1316710534"/>
+        <p14:creationId xmlns:p14="http://schemas.microsoft.com/office/powerpoint/2010/main" val="1688782407"/>
       </p:ext>
     </p:extLst>
   </p:cSld>
@@ -16360,7 +17451,7 @@
           <a:p>
             <a:r>
               <a:rPr lang="en-US" dirty="0" smtClean="0"/>
-              <a:t>Publications</a:t>
+              <a:t>Conclusions and Future Work</a:t>
             </a:r>
             <a:endParaRPr lang="en-US" dirty="0"/>
           </a:p>
@@ -16376,321 +17467,77 @@
             <p:ph idx="1"/>
           </p:nvPr>
         </p:nvSpPr>
-        <p:spPr/>
+        <p:spPr>
+          <a:xfrm>
+            <a:off x="946404" y="1828801"/>
+            <a:ext cx="6446520" cy="2744915"/>
+          </a:xfrm>
+        </p:spPr>
         <p:txBody>
           <a:bodyPr>
-            <a:normAutofit lnSpcReduction="10000"/>
+            <a:noAutofit/>
           </a:bodyPr>
           <a:lstStyle/>
           <a:p>
             <a:r>
-              <a:rPr lang="en-US" sz="800" b="0" i="0" u="none" strike="noStrike" baseline="0" dirty="0" smtClean="0">
-                <a:latin typeface="NimbusRomNo9L-Regu"/>
-              </a:rPr>
-              <a:t>W. Emfinger and G. Karsai. Modeling network medium access protocols for network quality of service analysis. In </a:t>
-            </a:r>
-            <a:r>
-              <a:rPr lang="en-US" sz="800" b="0" i="0" u="none" strike="noStrike" baseline="0" dirty="0" smtClean="0">
-                <a:latin typeface="NimbusRomNo9L-ReguItal"/>
-              </a:rPr>
-              <a:t>Proceedings of the 18th IEEE Symposium on Real-Time Computing (ISORC)</a:t>
-            </a:r>
-            <a:r>
-              <a:rPr lang="en-US" sz="800" b="0" i="0" u="none" strike="noStrike" baseline="0" dirty="0" smtClean="0">
-                <a:latin typeface="NimbusRomNo9L-Regu"/>
-              </a:rPr>
-              <a:t>, ISORC ’15, pages 44–47, Auckland, New Zealand, 2015. IEEE</a:t>
-            </a:r>
-          </a:p>
-          <a:p>
-            <a:r>
-              <a:rPr lang="en-US" sz="800" b="0" i="0" u="none" strike="noStrike" baseline="0" dirty="0" smtClean="0">
-                <a:latin typeface="NimbusRomNo9L-Regu"/>
-              </a:rPr>
-              <a:t>W. Emfinger, G. Karsai, A. Dubey, and A. Gokhale. Analysis, verification, and management </a:t>
-            </a:r>
-            <a:r>
-              <a:rPr lang="en-US" sz="800" b="0" i="0" u="none" strike="noStrike" baseline="0" dirty="0" err="1" smtClean="0">
-                <a:latin typeface="NimbusRomNo9L-Regu"/>
-              </a:rPr>
-              <a:t>toolsuite</a:t>
-            </a:r>
-            <a:r>
-              <a:rPr lang="en-US" sz="800" b="0" i="0" u="none" strike="noStrike" baseline="0" dirty="0" smtClean="0">
-                <a:latin typeface="NimbusRomNo9L-Regu"/>
-              </a:rPr>
-              <a:t> for cyber-physical applications on time-varying networks. In </a:t>
-            </a:r>
-            <a:r>
-              <a:rPr lang="en-US" sz="800" b="0" i="0" u="none" strike="noStrike" baseline="0" dirty="0" smtClean="0">
-                <a:latin typeface="NimbusRomNo9L-ReguItal"/>
-              </a:rPr>
-              <a:t>Proceedings of the 4th ACM SIGBED International Workshop on Design, Modeling, and Evaluation of Cyber-Physical Systems</a:t>
-            </a:r>
-            <a:r>
-              <a:rPr lang="en-US" sz="800" b="0" i="0" u="none" strike="noStrike" baseline="0" dirty="0" smtClean="0">
-                <a:latin typeface="NimbusRomNo9L-Regu"/>
-              </a:rPr>
-              <a:t>, </a:t>
-            </a:r>
-            <a:r>
-              <a:rPr lang="en-US" sz="800" b="0" i="0" u="none" strike="noStrike" baseline="0" dirty="0" err="1" smtClean="0">
-                <a:latin typeface="NimbusRomNo9L-Regu"/>
-              </a:rPr>
-              <a:t>CyPhy</a:t>
-            </a:r>
-            <a:r>
-              <a:rPr lang="en-US" sz="800" b="0" i="0" u="none" strike="noStrike" baseline="0" dirty="0" smtClean="0">
-                <a:latin typeface="NimbusRomNo9L-Regu"/>
-              </a:rPr>
-              <a:t> ’14, pages 44–47, New York, NY, USA, 2014. ACM</a:t>
-            </a:r>
-          </a:p>
-          <a:p>
-            <a:r>
-              <a:rPr lang="en-US" sz="800" b="0" i="0" u="none" strike="noStrike" baseline="0" dirty="0" smtClean="0">
-                <a:latin typeface="NimbusRomNo9L-Regu"/>
-              </a:rPr>
-              <a:t>W. Emfinger, P. Kumar, A. Dubey, W. Otte, A. Gokhale, G. Karsai. DREMS: A </a:t>
-            </a:r>
-            <a:r>
-              <a:rPr lang="en-US" sz="800" b="0" i="0" u="none" strike="noStrike" baseline="0" dirty="0" err="1" smtClean="0">
-                <a:latin typeface="NimbusRomNo9L-Regu"/>
-              </a:rPr>
-              <a:t>Toolchain</a:t>
-            </a:r>
-            <a:r>
-              <a:rPr lang="en-US" sz="800" b="0" i="0" u="none" strike="noStrike" baseline="0" dirty="0" smtClean="0">
-                <a:latin typeface="NimbusRomNo9L-Regu"/>
-              </a:rPr>
-              <a:t> for the Rapid Application Development, Integration, and Deployment of Managed Distributed Real-time Embedded Systems. In </a:t>
-            </a:r>
-            <a:r>
-              <a:rPr lang="en-US" sz="800" b="0" i="0" u="none" strike="noStrike" baseline="0" dirty="0" smtClean="0">
-                <a:latin typeface="NimbusRomNo9L-ReguItal"/>
-              </a:rPr>
-              <a:t>Proceedings of the IEEE Real-Time Systems Symposium</a:t>
-            </a:r>
-            <a:r>
-              <a:rPr lang="en-US" sz="800" b="0" i="0" u="none" strike="noStrike" baseline="0" dirty="0" smtClean="0">
-                <a:latin typeface="NimbusRomNo9L-Regu"/>
-              </a:rPr>
-              <a:t>, </a:t>
-            </a:r>
-            <a:r>
-              <a:rPr lang="en-US" sz="800" b="0" i="0" u="none" strike="noStrike" baseline="0" dirty="0" err="1" smtClean="0">
-                <a:latin typeface="NimbusRomNo9L-Regu"/>
-              </a:rPr>
-              <a:t>RTSS@Work</a:t>
-            </a:r>
-            <a:r>
-              <a:rPr lang="en-US" sz="800" b="0" i="0" u="none" strike="noStrike" baseline="0" dirty="0" smtClean="0">
-                <a:latin typeface="NimbusRomNo9L-Regu"/>
-              </a:rPr>
-              <a:t> 2013, Vancouver, Canada, 2013. IEEE</a:t>
-            </a:r>
-          </a:p>
-          <a:p>
-            <a:r>
-              <a:rPr lang="en-US" sz="800" b="0" i="0" u="none" strike="noStrike" baseline="0" dirty="0" smtClean="0">
-                <a:latin typeface="NimbusRomNo9L-Regu"/>
-              </a:rPr>
-              <a:t>Pradhan S., W. Emfinger, A. Dubey, W. Otte, A. </a:t>
-            </a:r>
-            <a:r>
-              <a:rPr lang="en-US" sz="800" b="0" i="0" u="none" strike="noStrike" baseline="0" dirty="0" err="1" smtClean="0">
-                <a:latin typeface="NimbusRomNo9L-Regu"/>
-              </a:rPr>
-              <a:t>Coglio</a:t>
-            </a:r>
-            <a:r>
-              <a:rPr lang="en-US" sz="800" b="0" i="0" u="none" strike="noStrike" baseline="0" dirty="0" smtClean="0">
-                <a:latin typeface="NimbusRomNo9L-Regu"/>
-              </a:rPr>
-              <a:t>, D. Balasubramanian, </a:t>
-            </a:r>
-            <a:r>
-              <a:rPr lang="en-US" sz="800" b="0" i="0" u="none" strike="noStrike" baseline="0" dirty="0" err="1" smtClean="0">
-                <a:latin typeface="NimbusRomNo9L-Regu"/>
-              </a:rPr>
-              <a:t>A.Gokhale</a:t>
-            </a:r>
-            <a:r>
-              <a:rPr lang="en-US" sz="800" b="0" i="0" u="none" strike="noStrike" baseline="0" dirty="0" smtClean="0">
-                <a:latin typeface="NimbusRomNo9L-Regu"/>
-              </a:rPr>
-              <a:t>, G. Karsai. Establishing secure interactions across distributed applications in satellite clusters. In </a:t>
-            </a:r>
-            <a:r>
-              <a:rPr lang="en-US" sz="800" b="0" i="0" u="none" strike="noStrike" baseline="0" dirty="0" smtClean="0">
-                <a:latin typeface="NimbusRomNo9L-ReguItal"/>
-              </a:rPr>
-              <a:t>Proceedings of the IEEE International Conference on Space Mission Challenges for Information Technology</a:t>
-            </a:r>
-            <a:r>
-              <a:rPr lang="en-US" sz="800" b="0" i="0" u="none" strike="noStrike" baseline="0" dirty="0" smtClean="0">
-                <a:latin typeface="NimbusRomNo9L-Regu"/>
-              </a:rPr>
-              <a:t>, SMC-IT, 2014, Laurel, MD, USA. IEEE </a:t>
-            </a:r>
-          </a:p>
-          <a:p>
-            <a:r>
-              <a:rPr lang="en-US" sz="800" b="0" i="0" u="none" strike="noStrike" baseline="0" dirty="0" smtClean="0">
-                <a:latin typeface="NimbusRomNo9L-Regu"/>
-              </a:rPr>
-              <a:t>Balasubramanian, D., W. Emfinger, P. S. Kumar, W. Otte, A. Dubey, and G. Karsai. An application development and deployment platform for satellite clusters. In </a:t>
-            </a:r>
-            <a:r>
-              <a:rPr lang="en-US" sz="800" b="0" i="0" u="none" strike="noStrike" baseline="0" dirty="0" smtClean="0">
-                <a:latin typeface="NimbusRomNo9L-ReguItal"/>
-              </a:rPr>
-              <a:t>Proceedings of the Workshop on Spacecraft Flight Software</a:t>
-            </a:r>
-            <a:r>
-              <a:rPr lang="en-US" sz="800" b="0" i="0" u="none" strike="noStrike" baseline="0" dirty="0" smtClean="0">
-                <a:latin typeface="NimbusRomNo9L-Regu"/>
-              </a:rPr>
-              <a:t>, 2013</a:t>
-            </a:r>
-          </a:p>
-          <a:p>
-            <a:r>
-              <a:rPr lang="en-US" sz="800" b="0" i="0" u="none" strike="noStrike" baseline="0" dirty="0" smtClean="0">
-                <a:latin typeface="NimbusRomNo9L-Regu"/>
-              </a:rPr>
-              <a:t>Balasubramanian, D., A. Dubey, W. R. Otte, W. Emfinger, P. Kumar, and G. Karsai. A Rapid Testing Framework for a Mobile Cloud Infrastructure. In </a:t>
-            </a:r>
-            <a:r>
-              <a:rPr lang="en-US" sz="800" b="0" i="0" u="none" strike="noStrike" baseline="0" dirty="0" smtClean="0">
-                <a:latin typeface="NimbusRomNo9L-ReguItal"/>
-              </a:rPr>
-              <a:t>Proceedings of the IEEE International Symposium on Rapid System Prototyping</a:t>
-            </a:r>
-            <a:r>
-              <a:rPr lang="en-US" sz="800" b="0" i="0" u="none" strike="noStrike" baseline="0" dirty="0" smtClean="0">
-                <a:latin typeface="NimbusRomNo9L-Regu"/>
-              </a:rPr>
-              <a:t>, RSP, 2014. IEEE</a:t>
-            </a:r>
-          </a:p>
-          <a:p>
-            <a:r>
-              <a:rPr lang="en-US" sz="800" b="0" i="0" u="none" strike="noStrike" baseline="0" dirty="0" smtClean="0">
-                <a:latin typeface="NimbusRomNo9L-Regu"/>
-              </a:rPr>
-              <a:t>Dubey, A., W. Emfinger, A. Gokhale, G. Karsai, W. R. Otte, J. Parsons, C. Szabo, A. </a:t>
-            </a:r>
-            <a:r>
-              <a:rPr lang="en-US" sz="800" b="0" i="0" u="none" strike="noStrike" baseline="0" dirty="0" err="1" smtClean="0">
-                <a:latin typeface="NimbusRomNo9L-Regu"/>
-              </a:rPr>
-              <a:t>Coglio</a:t>
-            </a:r>
-            <a:r>
-              <a:rPr lang="en-US" sz="800" b="0" i="0" u="none" strike="noStrike" baseline="0" dirty="0" smtClean="0">
-                <a:latin typeface="NimbusRomNo9L-Regu"/>
-              </a:rPr>
-              <a:t>, E. Smith, and P. Bose. A Software Platform for Fractionated Spacecraft. In </a:t>
-            </a:r>
-            <a:r>
-              <a:rPr lang="en-US" sz="800" b="0" i="0" u="none" strike="noStrike" baseline="0" dirty="0" smtClean="0">
-                <a:latin typeface="NimbusRomNo9L-ReguItal"/>
-              </a:rPr>
-              <a:t>Proceedings of the 2012 IEEE Aerospace Conference</a:t>
-            </a:r>
-            <a:r>
-              <a:rPr lang="en-US" sz="800" b="0" i="0" u="none" strike="noStrike" baseline="0" dirty="0" smtClean="0">
-                <a:latin typeface="NimbusRomNo9L-Regu"/>
-              </a:rPr>
-              <a:t>, Big Sky, Montana, 03/2012. IEEE</a:t>
-            </a:r>
-          </a:p>
-          <a:p>
-            <a:r>
-              <a:rPr lang="en-US" sz="800" b="0" i="0" u="none" strike="noStrike" baseline="0" dirty="0" err="1" smtClean="0">
-                <a:latin typeface="NimbusRomNo9L-Regu"/>
-              </a:rPr>
-              <a:t>Levendovszky</a:t>
-            </a:r>
-            <a:r>
-              <a:rPr lang="en-US" sz="800" b="0" i="0" u="none" strike="noStrike" baseline="0" dirty="0" smtClean="0">
-                <a:latin typeface="NimbusRomNo9L-Regu"/>
-              </a:rPr>
-              <a:t>, T., A. Dubey, W. R. Otte, D. Balasubramanian, A. </a:t>
-            </a:r>
-            <a:r>
-              <a:rPr lang="en-US" sz="800" b="0" i="0" u="none" strike="noStrike" baseline="0" dirty="0" err="1" smtClean="0">
-                <a:latin typeface="NimbusRomNo9L-Regu"/>
-              </a:rPr>
-              <a:t>Coglio</a:t>
-            </a:r>
-            <a:r>
-              <a:rPr lang="en-US" sz="800" b="0" i="0" u="none" strike="noStrike" baseline="0" dirty="0" smtClean="0">
-                <a:latin typeface="NimbusRomNo9L-Regu"/>
-              </a:rPr>
-              <a:t>, S. </a:t>
-            </a:r>
-            <a:r>
-              <a:rPr lang="en-US" sz="800" b="0" i="0" u="none" strike="noStrike" baseline="0" dirty="0" err="1" smtClean="0">
-                <a:latin typeface="NimbusRomNo9L-Regu"/>
-              </a:rPr>
-              <a:t>Nyako</a:t>
-            </a:r>
-            <a:r>
-              <a:rPr lang="en-US" sz="800" b="0" i="0" u="none" strike="noStrike" baseline="0" dirty="0" smtClean="0">
-                <a:latin typeface="NimbusRomNo9L-Regu"/>
-              </a:rPr>
-              <a:t>, W. Emfinger, P. Kumar, A. Gokhale, and G. Karsai. DREMS: A Model-Driven Distributed Secure Information Architecture Platform for Managed Embedded Systems. In </a:t>
-            </a:r>
-            <a:r>
-              <a:rPr lang="en-US" sz="800" b="0" i="0" u="none" strike="noStrike" baseline="0" dirty="0" smtClean="0">
-                <a:latin typeface="NimbusRomNo9L-ReguItal"/>
-              </a:rPr>
-              <a:t>IEEE Software</a:t>
-            </a:r>
-            <a:r>
-              <a:rPr lang="en-US" sz="800" b="0" i="0" u="none" strike="noStrike" baseline="0" dirty="0" smtClean="0">
-                <a:latin typeface="NimbusRomNo9L-Regu"/>
-              </a:rPr>
-              <a:t>, vol. 99: IEEE Computer Society, 2014. IEEE</a:t>
-            </a:r>
-          </a:p>
-          <a:p>
-            <a:r>
-              <a:rPr lang="en-US" sz="800" b="0" i="0" u="none" strike="noStrike" baseline="0" dirty="0" smtClean="0">
-                <a:latin typeface="NimbusRomNo9L-Regu"/>
-              </a:rPr>
-              <a:t>Submitted, Awaiting Review:</a:t>
+              <a:rPr lang="en-US" sz="1200" dirty="0" smtClean="0"/>
+              <a:t>Certain</a:t>
+            </a:r>
+            <a:r>
+              <a:rPr lang="en-US" sz="1200" dirty="0"/>
+              <a:t> </a:t>
+            </a:r>
+            <a:r>
+              <a:rPr lang="en-US" sz="1200" dirty="0" smtClean="0"/>
+              <a:t>classes of distributed, real-time, embedded, cyber-physical systems require strict design-time guarantees about resource utilization and performance</a:t>
             </a:r>
           </a:p>
           <a:p>
             <a:pPr lvl="1"/>
             <a:r>
-              <a:rPr lang="en-US" sz="800" b="0" i="0" u="none" strike="noStrike" baseline="0" dirty="0" smtClean="0">
-                <a:latin typeface="NimbusRomNo9L-Regu"/>
-              </a:rPr>
-              <a:t>W. Emfinger, P. Kumar, A. Dubey, G. Karsai. Towards Assurances in Self-Adaptive, Dynamic, Distributed Real-time Embedded Systems. In </a:t>
-            </a:r>
-            <a:r>
-              <a:rPr lang="en-US" sz="800" b="0" i="0" u="none" strike="noStrike" baseline="0" dirty="0" smtClean="0">
-                <a:latin typeface="NimbusRomNo9L-ReguItal"/>
-              </a:rPr>
-              <a:t>Software Engineering for Self-Adaptive Systems: Assurances</a:t>
-            </a:r>
-            <a:r>
-              <a:rPr lang="en-US" sz="800" b="0" i="0" u="none" strike="noStrike" baseline="0" dirty="0" smtClean="0">
-                <a:latin typeface="NimbusRomNo9L-Regu"/>
-              </a:rPr>
-              <a:t>, 2015.</a:t>
-            </a:r>
-            <a:endParaRPr lang="en-US" sz="800" dirty="0"/>
+              <a:rPr lang="en-US" sz="1000" dirty="0" smtClean="0"/>
+              <a:t>Network resources are now critical for distributed CPS</a:t>
+            </a:r>
+          </a:p>
+          <a:p>
+            <a:r>
+              <a:rPr lang="en-US" sz="1200" dirty="0" smtClean="0"/>
+              <a:t>Current simulation or analysis techniques are too conservative at best, too inaccurate at worst</a:t>
+            </a:r>
+          </a:p>
+          <a:p>
+            <a:r>
+              <a:rPr lang="en-US" sz="1200" dirty="0" smtClean="0"/>
+              <a:t>Our proposed work extends previous work to increase the fidelity of the analysis results with respect to the run-time system</a:t>
+            </a:r>
+          </a:p>
+          <a:p>
+            <a:pPr lvl="1"/>
+            <a:r>
+              <a:rPr lang="en-US" sz="1200" dirty="0" smtClean="0"/>
+              <a:t>The</a:t>
+            </a:r>
+            <a:r>
+              <a:rPr lang="en-US" sz="1200" dirty="0"/>
+              <a:t> </a:t>
+            </a:r>
+            <a:r>
+              <a:rPr lang="en-US" sz="1200" dirty="0" smtClean="0"/>
+              <a:t>inclusion of temporal/physical dynamics into the analysis is paramount to providing strict performance guarantees</a:t>
+            </a:r>
+          </a:p>
+          <a:p>
+            <a:r>
+              <a:rPr lang="en-US" sz="1200" dirty="0" smtClean="0"/>
+              <a:t>We have described some remaining work in the field and outlined our plans to address it</a:t>
+            </a:r>
+            <a:endParaRPr lang="en-US" sz="1200" dirty="0"/>
           </a:p>
         </p:txBody>
       </p:sp>
       <p:sp>
         <p:nvSpPr>
-          <p:cNvPr id="4" name="Slide Number Placeholder 3"/>
+          <p:cNvPr id="5" name="Slide Number Placeholder 4"/>
           <p:cNvSpPr>
             <a:spLocks noGrp="1"/>
           </p:cNvSpPr>
@@ -16714,7 +17561,7 @@
     </p:spTree>
     <p:extLst>
       <p:ext uri="{BB962C8B-B14F-4D97-AF65-F5344CB8AC3E}">
-        <p14:creationId xmlns:p14="http://schemas.microsoft.com/office/powerpoint/2010/main" val="4079945552"/>
+        <p14:creationId xmlns:p14="http://schemas.microsoft.com/office/powerpoint/2010/main" val="1316710534"/>
       </p:ext>
     </p:extLst>
   </p:cSld>
@@ -16765,7 +17612,7 @@
           <a:p>
             <a:r>
               <a:rPr lang="en-US" dirty="0" smtClean="0"/>
-              <a:t>References</a:t>
+              <a:t>Publications</a:t>
             </a:r>
             <a:endParaRPr lang="en-US" dirty="0"/>
           </a:p>
@@ -16784,415 +17631,312 @@
         <p:spPr/>
         <p:txBody>
           <a:bodyPr>
-            <a:normAutofit fontScale="40000" lnSpcReduction="20000"/>
+            <a:normAutofit lnSpcReduction="10000"/>
           </a:bodyPr>
           <a:lstStyle/>
           <a:p>
             <a:r>
-              <a:rPr lang="en-US" sz="1800" b="0" i="0" u="none" strike="noStrike" baseline="0" dirty="0" smtClean="0">
+              <a:rPr lang="en-US" sz="800" b="0" i="0" u="none" strike="noStrike" baseline="0" dirty="0" smtClean="0">
                 <a:latin typeface="NimbusRomNo9L-Regu"/>
               </a:rPr>
-              <a:t>L. Thiele, S. Chakraborty, and M. </a:t>
-            </a:r>
-            <a:r>
-              <a:rPr lang="en-US" sz="1800" b="0" i="0" u="none" strike="noStrike" baseline="0" dirty="0" err="1" smtClean="0">
+              <a:t>W. Emfinger and G. Karsai. Modeling network medium access protocols for network quality of service analysis. In </a:t>
+            </a:r>
+            <a:r>
+              <a:rPr lang="en-US" sz="800" b="0" i="0" u="none" strike="noStrike" baseline="0" dirty="0" smtClean="0">
+                <a:latin typeface="NimbusRomNo9L-ReguItal"/>
+              </a:rPr>
+              <a:t>Proceedings of the 18th IEEE Symposium on Real-Time Computing (ISORC)</a:t>
+            </a:r>
+            <a:r>
+              <a:rPr lang="en-US" sz="800" b="0" i="0" u="none" strike="noStrike" baseline="0" dirty="0" smtClean="0">
                 <a:latin typeface="NimbusRomNo9L-Regu"/>
               </a:rPr>
-              <a:t>Naedele</a:t>
-            </a:r>
-            <a:r>
-              <a:rPr lang="en-US" sz="1800" b="0" i="0" u="none" strike="noStrike" baseline="0" dirty="0" smtClean="0">
+              <a:t>, ISORC ’15, pages 44–47, Auckland, New Zealand, 2015. IEEE</a:t>
+            </a:r>
+          </a:p>
+          <a:p>
+            <a:r>
+              <a:rPr lang="en-US" sz="800" b="0" i="0" u="none" strike="noStrike" baseline="0" dirty="0" smtClean="0">
                 <a:latin typeface="NimbusRomNo9L-Regu"/>
               </a:rPr>
-              <a:t>. Real-time calculus for scheduling hard real-time systems. In </a:t>
-            </a:r>
-            <a:r>
-              <a:rPr lang="en-US" sz="1800" b="0" i="0" u="none" strike="noStrike" baseline="0" dirty="0" smtClean="0">
+              <a:t>W. Emfinger, G. Karsai, A. Dubey, and A. Gokhale. Analysis, verification, and management </a:t>
+            </a:r>
+            <a:r>
+              <a:rPr lang="en-US" sz="800" b="0" i="0" u="none" strike="noStrike" baseline="0" dirty="0" err="1" smtClean="0">
+                <a:latin typeface="NimbusRomNo9L-Regu"/>
+              </a:rPr>
+              <a:t>toolsuite</a:t>
+            </a:r>
+            <a:r>
+              <a:rPr lang="en-US" sz="800" b="0" i="0" u="none" strike="noStrike" baseline="0" dirty="0" smtClean="0">
+                <a:latin typeface="NimbusRomNo9L-Regu"/>
+              </a:rPr>
+              <a:t> for cyber-physical applications on time-varying networks. In </a:t>
+            </a:r>
+            <a:r>
+              <a:rPr lang="en-US" sz="800" b="0" i="0" u="none" strike="noStrike" baseline="0" dirty="0" smtClean="0">
                 <a:latin typeface="NimbusRomNo9L-ReguItal"/>
               </a:rPr>
-              <a:t>in ISCAS</a:t>
-            </a:r>
-            <a:r>
-              <a:rPr lang="en-US" sz="1800" b="0" i="0" u="none" strike="noStrike" baseline="0" dirty="0" smtClean="0">
+              <a:t>Proceedings of the 4th ACM SIGBED International Workshop on Design, Modeling, and Evaluation of Cyber-Physical Systems</a:t>
+            </a:r>
+            <a:r>
+              <a:rPr lang="en-US" sz="800" b="0" i="0" u="none" strike="noStrike" baseline="0" dirty="0" smtClean="0">
                 <a:latin typeface="NimbusRomNo9L-Regu"/>
               </a:rPr>
-              <a:t>, pages 101–104, 2000.</a:t>
-            </a:r>
-          </a:p>
-          <a:p>
-            <a:r>
-              <a:rPr lang="en-US" sz="1800" b="0" i="0" u="none" strike="noStrike" baseline="0" dirty="0" smtClean="0">
+              <a:t>, </a:t>
+            </a:r>
+            <a:r>
+              <a:rPr lang="en-US" sz="800" b="0" i="0" u="none" strike="noStrike" baseline="0" dirty="0" err="1" smtClean="0">
                 <a:latin typeface="NimbusRomNo9L-Regu"/>
               </a:rPr>
-              <a:t>A. </a:t>
-            </a:r>
-            <a:r>
-              <a:rPr lang="en-US" sz="1800" b="0" i="0" u="none" strike="noStrike" baseline="0" dirty="0" err="1" smtClean="0">
+              <a:t>CyPhy</a:t>
+            </a:r>
+            <a:r>
+              <a:rPr lang="en-US" sz="800" b="0" i="0" u="none" strike="noStrike" baseline="0" dirty="0" smtClean="0">
                 <a:latin typeface="NimbusRomNo9L-Regu"/>
               </a:rPr>
-              <a:t>Varga</a:t>
-            </a:r>
-            <a:r>
-              <a:rPr lang="en-US" sz="1800" b="0" i="0" u="none" strike="noStrike" baseline="0" dirty="0" smtClean="0">
+              <a:t> ’14, pages 44–47, New York, NY, USA, 2014. ACM</a:t>
+            </a:r>
+          </a:p>
+          <a:p>
+            <a:r>
+              <a:rPr lang="en-US" sz="800" b="0" i="0" u="none" strike="noStrike" baseline="0" dirty="0" smtClean="0">
                 <a:latin typeface="NimbusRomNo9L-Regu"/>
               </a:rPr>
-              <a:t> and R. </a:t>
-            </a:r>
-            <a:r>
-              <a:rPr lang="en-US" sz="1800" b="0" i="0" u="none" strike="noStrike" baseline="0" dirty="0" err="1" smtClean="0">
+              <a:t>W. Emfinger, P. Kumar, A. Dubey, W. Otte, A. Gokhale, G. Karsai. DREMS: A </a:t>
+            </a:r>
+            <a:r>
+              <a:rPr lang="en-US" sz="800" b="0" i="0" u="none" strike="noStrike" baseline="0" dirty="0" err="1" smtClean="0">
                 <a:latin typeface="NimbusRomNo9L-Regu"/>
               </a:rPr>
-              <a:t>Hornig</a:t>
-            </a:r>
-            <a:r>
-              <a:rPr lang="en-US" sz="1800" b="0" i="0" u="none" strike="noStrike" baseline="0" dirty="0" smtClean="0">
+              <a:t>Toolchain</a:t>
+            </a:r>
+            <a:r>
+              <a:rPr lang="en-US" sz="800" b="0" i="0" u="none" strike="noStrike" baseline="0" dirty="0" smtClean="0">
                 <a:latin typeface="NimbusRomNo9L-Regu"/>
               </a:rPr>
-              <a:t>. An overview of the </a:t>
-            </a:r>
-            <a:r>
-              <a:rPr lang="en-US" sz="1800" b="0" i="0" u="none" strike="noStrike" baseline="0" dirty="0" err="1" smtClean="0">
+              <a:t> for the Rapid Application Development, Integration, and Deployment of Managed Distributed Real-time Embedded Systems. In </a:t>
+            </a:r>
+            <a:r>
+              <a:rPr lang="en-US" sz="800" b="0" i="0" u="none" strike="noStrike" baseline="0" dirty="0" smtClean="0">
+                <a:latin typeface="NimbusRomNo9L-ReguItal"/>
+              </a:rPr>
+              <a:t>Proceedings of the IEEE Real-Time Systems Symposium</a:t>
+            </a:r>
+            <a:r>
+              <a:rPr lang="en-US" sz="800" b="0" i="0" u="none" strike="noStrike" baseline="0" dirty="0" smtClean="0">
                 <a:latin typeface="NimbusRomNo9L-Regu"/>
               </a:rPr>
-              <a:t>omnet</a:t>
-            </a:r>
-            <a:r>
-              <a:rPr lang="en-US" sz="1800" b="0" i="0" u="none" strike="noStrike" baseline="0" dirty="0" smtClean="0">
+              <a:t>, </a:t>
+            </a:r>
+            <a:r>
+              <a:rPr lang="en-US" sz="800" b="0" i="0" u="none" strike="noStrike" baseline="0" dirty="0" err="1" smtClean="0">
                 <a:latin typeface="NimbusRomNo9L-Regu"/>
               </a:rPr>
-              <a:t>++ simulation environment. In </a:t>
-            </a:r>
-            <a:r>
-              <a:rPr lang="en-US" sz="1800" b="0" i="0" u="none" strike="noStrike" baseline="0" dirty="0" err="1" smtClean="0">
+              <a:t>RTSS@Work</a:t>
+            </a:r>
+            <a:r>
+              <a:rPr lang="en-US" sz="800" b="0" i="0" u="none" strike="noStrike" baseline="0" dirty="0" smtClean="0">
+                <a:latin typeface="NimbusRomNo9L-Regu"/>
+              </a:rPr>
+              <a:t> 2013, Vancouver, Canada, 2013. IEEE</a:t>
+            </a:r>
+          </a:p>
+          <a:p>
+            <a:r>
+              <a:rPr lang="en-US" sz="800" b="0" i="0" u="none" strike="noStrike" baseline="0" dirty="0" smtClean="0">
+                <a:latin typeface="NimbusRomNo9L-Regu"/>
+              </a:rPr>
+              <a:t>Pradhan S., W. Emfinger, A. Dubey, W. Otte, A. </a:t>
+            </a:r>
+            <a:r>
+              <a:rPr lang="en-US" sz="800" b="0" i="0" u="none" strike="noStrike" baseline="0" dirty="0" err="1" smtClean="0">
+                <a:latin typeface="NimbusRomNo9L-Regu"/>
+              </a:rPr>
+              <a:t>Coglio</a:t>
+            </a:r>
+            <a:r>
+              <a:rPr lang="en-US" sz="800" b="0" i="0" u="none" strike="noStrike" baseline="0" dirty="0" smtClean="0">
+                <a:latin typeface="NimbusRomNo9L-Regu"/>
+              </a:rPr>
+              <a:t>, D. Balasubramanian, </a:t>
+            </a:r>
+            <a:r>
+              <a:rPr lang="en-US" sz="800" b="0" i="0" u="none" strike="noStrike" baseline="0" dirty="0" err="1" smtClean="0">
+                <a:latin typeface="NimbusRomNo9L-Regu"/>
+              </a:rPr>
+              <a:t>A.Gokhale</a:t>
+            </a:r>
+            <a:r>
+              <a:rPr lang="en-US" sz="800" b="0" i="0" u="none" strike="noStrike" baseline="0" dirty="0" smtClean="0">
+                <a:latin typeface="NimbusRomNo9L-Regu"/>
+              </a:rPr>
+              <a:t>, G. Karsai. Establishing secure interactions across distributed applications in satellite clusters. In </a:t>
+            </a:r>
+            <a:r>
+              <a:rPr lang="en-US" sz="800" b="0" i="0" u="none" strike="noStrike" baseline="0" dirty="0" smtClean="0">
                 <a:latin typeface="NimbusRomNo9L-ReguItal"/>
               </a:rPr>
-              <a:t>Simutools</a:t>
-            </a:r>
-            <a:r>
-              <a:rPr lang="en-US" sz="1800" b="0" i="0" u="none" strike="noStrike" baseline="0" dirty="0" smtClean="0">
+              <a:t>Proceedings of the IEEE International Conference on Space Mission Challenges for Information Technology</a:t>
+            </a:r>
+            <a:r>
+              <a:rPr lang="en-US" sz="800" b="0" i="0" u="none" strike="noStrike" baseline="0" dirty="0" smtClean="0">
+                <a:latin typeface="NimbusRomNo9L-Regu"/>
+              </a:rPr>
+              <a:t>, SMC-IT, 2014, Laurel, MD, USA. IEEE </a:t>
+            </a:r>
+          </a:p>
+          <a:p>
+            <a:r>
+              <a:rPr lang="en-US" sz="800" b="0" i="0" u="none" strike="noStrike" baseline="0" dirty="0" smtClean="0">
+                <a:latin typeface="NimbusRomNo9L-Regu"/>
+              </a:rPr>
+              <a:t>Balasubramanian, D., W. Emfinger, P. S. Kumar, W. Otte, A. Dubey, and G. Karsai. An application development and deployment platform for satellite clusters. In </a:t>
+            </a:r>
+            <a:r>
+              <a:rPr lang="en-US" sz="800" b="0" i="0" u="none" strike="noStrike" baseline="0" dirty="0" smtClean="0">
                 <a:latin typeface="NimbusRomNo9L-ReguItal"/>
               </a:rPr>
-              <a:t> ’08: Proceedings of the 1st international conference on Simulation tools and techniques for communications, networks and systems &amp; workshops</a:t>
-            </a:r>
-            <a:r>
-              <a:rPr lang="en-US" sz="1800" b="0" i="0" u="none" strike="noStrike" baseline="0" dirty="0" smtClean="0">
+              <a:t>Proceedings of the Workshop on Spacecraft Flight Software</a:t>
+            </a:r>
+            <a:r>
+              <a:rPr lang="en-US" sz="800" b="0" i="0" u="none" strike="noStrike" baseline="0" dirty="0" smtClean="0">
                 <a:latin typeface="NimbusRomNo9L-Regu"/>
               </a:rPr>
-              <a:t>, pages 1–10, ICST, Brussels, Belgium, Belgium, 2008. ICST (Institute for Computer </a:t>
-            </a:r>
-            <a:r>
-              <a:rPr lang="en-US" sz="1800" b="0" i="0" u="none" strike="noStrike" baseline="0" dirty="0" err="1" smtClean="0">
+              <a:t>, 2013</a:t>
+            </a:r>
+          </a:p>
+          <a:p>
+            <a:r>
+              <a:rPr lang="en-US" sz="800" b="0" i="0" u="none" strike="noStrike" baseline="0" dirty="0" smtClean="0">
                 <a:latin typeface="NimbusRomNo9L-Regu"/>
               </a:rPr>
-              <a:t>Sciences,Social</a:t>
-            </a:r>
-            <a:r>
-              <a:rPr lang="en-US" sz="1800" b="0" i="0" u="none" strike="noStrike" baseline="0" dirty="0" smtClean="0">
+              <a:t>Balasubramanian, D., A. Dubey, W. R. Otte, W. Emfinger, P. Kumar, and G. Karsai. A Rapid Testing Framework for a Mobile Cloud Infrastructure. In </a:t>
+            </a:r>
+            <a:r>
+              <a:rPr lang="en-US" sz="800" b="0" i="0" u="none" strike="noStrike" baseline="0" dirty="0" smtClean="0">
+                <a:latin typeface="NimbusRomNo9L-ReguItal"/>
+              </a:rPr>
+              <a:t>Proceedings of the IEEE International Symposium on Rapid System Prototyping</a:t>
+            </a:r>
+            <a:r>
+              <a:rPr lang="en-US" sz="800" b="0" i="0" u="none" strike="noStrike" baseline="0" dirty="0" smtClean="0">
                 <a:latin typeface="NimbusRomNo9L-Regu"/>
               </a:rPr>
-              <a:t>-Informatics and Telecommunications Engineering).</a:t>
-            </a:r>
-          </a:p>
-          <a:p>
-            <a:r>
-              <a:rPr lang="en-US" sz="1800" b="0" i="0" u="none" strike="noStrike" baseline="0" dirty="0" smtClean="0">
+              <a:t>, RSP, 2014. IEEE</a:t>
+            </a:r>
+          </a:p>
+          <a:p>
+            <a:r>
+              <a:rPr lang="en-US" sz="800" b="0" i="0" u="none" strike="noStrike" baseline="0" dirty="0" smtClean="0">
                 <a:latin typeface="NimbusRomNo9L-Regu"/>
               </a:rPr>
-              <a:t>L. Rizzo. </a:t>
-            </a:r>
-            <a:r>
-              <a:rPr lang="en-US" sz="1800" b="0" i="0" u="none" strike="noStrike" baseline="0" dirty="0" err="1" smtClean="0">
+              <a:t>Dubey, A., W. Emfinger, A. Gokhale, G. Karsai, W. R. Otte, J. Parsons, C. Szabo, A. </a:t>
+            </a:r>
+            <a:r>
+              <a:rPr lang="en-US" sz="800" b="0" i="0" u="none" strike="noStrike" baseline="0" dirty="0" err="1" smtClean="0">
                 <a:latin typeface="NimbusRomNo9L-Regu"/>
               </a:rPr>
-              <a:t>Dummynet</a:t>
-            </a:r>
-            <a:r>
-              <a:rPr lang="en-US" sz="1800" b="0" i="0" u="none" strike="noStrike" baseline="0" dirty="0" smtClean="0">
+              <a:t>Coglio</a:t>
+            </a:r>
+            <a:r>
+              <a:rPr lang="en-US" sz="800" b="0" i="0" u="none" strike="noStrike" baseline="0" dirty="0" smtClean="0">
                 <a:latin typeface="NimbusRomNo9L-Regu"/>
               </a:rPr>
-              <a:t> : a simple approach to the evaluation of network protocols. </a:t>
-            </a:r>
-            <a:r>
-              <a:rPr lang="en-US" sz="1800" b="0" i="0" u="none" strike="noStrike" baseline="0" dirty="0" smtClean="0">
+              <a:t>, E. Smith, and P. Bose. A Software Platform for Fractionated Spacecraft. In </a:t>
+            </a:r>
+            <a:r>
+              <a:rPr lang="en-US" sz="800" b="0" i="0" u="none" strike="noStrike" baseline="0" dirty="0" smtClean="0">
                 <a:latin typeface="NimbusRomNo9L-ReguItal"/>
               </a:rPr>
-              <a:t>ACM SIGCOMM Computer Communication Review</a:t>
-            </a:r>
-            <a:r>
-              <a:rPr lang="en-US" sz="1800" b="0" i="0" u="none" strike="noStrike" baseline="0" dirty="0" smtClean="0">
+              <a:t>Proceedings of the 2012 IEEE Aerospace Conference</a:t>
+            </a:r>
+            <a:r>
+              <a:rPr lang="en-US" sz="800" b="0" i="0" u="none" strike="noStrike" baseline="0" dirty="0" smtClean="0">
                 <a:latin typeface="NimbusRomNo9L-Regu"/>
               </a:rPr>
-              <a:t>, 27(1):31–41, 1997.</a:t>
-            </a:r>
-          </a:p>
-          <a:p>
-            <a:r>
-              <a:rPr lang="en-US" sz="1800" b="0" i="0" u="none" strike="noStrike" baseline="0" dirty="0" smtClean="0">
+              <a:t>, Big Sky, Montana, 03/2012. IEEE</a:t>
+            </a:r>
+          </a:p>
+          <a:p>
+            <a:r>
+              <a:rPr lang="en-US" sz="800" b="0" i="0" u="none" strike="noStrike" baseline="0" dirty="0" err="1" smtClean="0">
                 <a:latin typeface="NimbusRomNo9L-Regu"/>
               </a:rPr>
-              <a:t>D. </a:t>
-            </a:r>
-            <a:r>
-              <a:rPr lang="en-US" sz="1800" b="0" i="0" u="none" strike="noStrike" baseline="0" dirty="0" err="1" smtClean="0">
+              <a:t>Levendovszky</a:t>
+            </a:r>
+            <a:r>
+              <a:rPr lang="en-US" sz="800" b="0" i="0" u="none" strike="noStrike" baseline="0" dirty="0" smtClean="0">
                 <a:latin typeface="NimbusRomNo9L-Regu"/>
               </a:rPr>
-              <a:t>Mahrenholz</a:t>
-            </a:r>
-            <a:r>
-              <a:rPr lang="en-US" sz="1800" b="0" i="0" u="none" strike="noStrike" baseline="0" dirty="0" smtClean="0">
+              <a:t>, T., A. Dubey, W. R. Otte, D. Balasubramanian, A. </a:t>
+            </a:r>
+            <a:r>
+              <a:rPr lang="en-US" sz="800" b="0" i="0" u="none" strike="noStrike" baseline="0" dirty="0" err="1" smtClean="0">
                 <a:latin typeface="NimbusRomNo9L-Regu"/>
               </a:rPr>
-              <a:t> and S. Ivanov. Real-time network emulation with ns-2. </a:t>
-            </a:r>
-            <a:r>
-              <a:rPr lang="en-US" sz="1800" b="0" i="0" u="none" strike="noStrike" baseline="0" dirty="0" smtClean="0">
+              <a:t>Coglio</a:t>
+            </a:r>
+            <a:r>
+              <a:rPr lang="en-US" sz="800" b="0" i="0" u="none" strike="noStrike" baseline="0" dirty="0" smtClean="0">
+                <a:latin typeface="NimbusRomNo9L-Regu"/>
+              </a:rPr>
+              <a:t>, S. </a:t>
+            </a:r>
+            <a:r>
+              <a:rPr lang="en-US" sz="800" b="0" i="0" u="none" strike="noStrike" baseline="0" dirty="0" err="1" smtClean="0">
+                <a:latin typeface="NimbusRomNo9L-Regu"/>
+              </a:rPr>
+              <a:t>Nyako</a:t>
+            </a:r>
+            <a:r>
+              <a:rPr lang="en-US" sz="800" b="0" i="0" u="none" strike="noStrike" baseline="0" dirty="0" smtClean="0">
+                <a:latin typeface="NimbusRomNo9L-Regu"/>
+              </a:rPr>
+              <a:t>, W. Emfinger, P. Kumar, A. Gokhale, and G. Karsai. DREMS: A Model-Driven Distributed Secure Information Architecture Platform for Managed Embedded Systems. In </a:t>
+            </a:r>
+            <a:r>
+              <a:rPr lang="en-US" sz="800" b="0" i="0" u="none" strike="noStrike" baseline="0" dirty="0" smtClean="0">
                 <a:latin typeface="NimbusRomNo9L-ReguItal"/>
               </a:rPr>
-              <a:t>Proceedings- Eighth IEEE International Symposium on Distributed Simulation and Real-Time Applications, DS-RT 2004</a:t>
-            </a:r>
-            <a:r>
-              <a:rPr lang="en-US" sz="1800" b="0" i="0" u="none" strike="noStrike" baseline="0" dirty="0" smtClean="0">
+              <a:t>IEEE Software</a:t>
+            </a:r>
+            <a:r>
+              <a:rPr lang="en-US" sz="800" b="0" i="0" u="none" strike="noStrike" baseline="0" dirty="0" smtClean="0">
                 <a:latin typeface="NimbusRomNo9L-Regu"/>
               </a:rPr>
-              <a:t>, pages 29–36, 2004.</a:t>
-            </a:r>
-          </a:p>
-          <a:p>
-            <a:r>
-              <a:rPr lang="en-US" sz="1800" b="0" i="0" u="none" strike="noStrike" baseline="0" dirty="0" smtClean="0">
+              <a:t>, vol. 99: IEEE Computer Society, 2014. IEEE</a:t>
+            </a:r>
+          </a:p>
+          <a:p>
+            <a:r>
+              <a:rPr lang="en-US" sz="800" b="0" i="0" u="none" strike="noStrike" baseline="0" dirty="0" smtClean="0">
                 <a:latin typeface="NimbusRomNo9L-Regu"/>
               </a:rPr>
-              <a:t>J.-Y. Le </a:t>
-            </a:r>
-            <a:r>
-              <a:rPr lang="en-US" sz="1800" b="0" i="0" u="none" strike="noStrike" baseline="0" dirty="0" err="1" smtClean="0">
+              <a:t>Submitted, Awaiting Review:</a:t>
+            </a:r>
+          </a:p>
+          <a:p>
+            <a:pPr lvl="1"/>
+            <a:r>
+              <a:rPr lang="en-US" sz="800" b="0" i="0" u="none" strike="noStrike" baseline="0" dirty="0" smtClean="0">
                 <a:latin typeface="NimbusRomNo9L-Regu"/>
               </a:rPr>
-              <a:t>Boudec</a:t>
-            </a:r>
-            <a:r>
-              <a:rPr lang="en-US" sz="1800" b="0" i="0" u="none" strike="noStrike" baseline="0" dirty="0" smtClean="0">
+              <a:t>W. Emfinger, P. Kumar, A. Dubey, G. Karsai. Towards Assurances in Self-Adaptive, Dynamic, Distributed Real-time Embedded Systems. In </a:t>
+            </a:r>
+            <a:r>
+              <a:rPr lang="en-US" sz="800" b="0" i="0" u="none" strike="noStrike" baseline="0" dirty="0" smtClean="0">
+                <a:latin typeface="NimbusRomNo9L-ReguItal"/>
+              </a:rPr>
+              <a:t>Software Engineering for Self-Adaptive Systems: Assurances</a:t>
+            </a:r>
+            <a:r>
+              <a:rPr lang="en-US" sz="800" b="0" i="0" u="none" strike="noStrike" baseline="0" dirty="0" smtClean="0">
                 <a:latin typeface="NimbusRomNo9L-Regu"/>
               </a:rPr>
-              <a:t> and P. </a:t>
-            </a:r>
-            <a:r>
-              <a:rPr lang="en-US" sz="1800" b="0" i="0" u="none" strike="noStrike" baseline="0" dirty="0" err="1" smtClean="0">
-                <a:latin typeface="NimbusRomNo9L-Regu"/>
-              </a:rPr>
-              <a:t>Thiran</a:t>
-            </a:r>
-            <a:r>
-              <a:rPr lang="en-US" sz="1800" b="0" i="0" u="none" strike="noStrike" baseline="0" dirty="0" smtClean="0">
-                <a:latin typeface="NimbusRomNo9L-Regu"/>
-              </a:rPr>
-              <a:t>. </a:t>
-            </a:r>
-            <a:r>
-              <a:rPr lang="en-US" sz="1800" b="0" i="0" u="none" strike="noStrike" baseline="0" dirty="0" smtClean="0">
-                <a:latin typeface="NimbusRomNo9L-ReguItal"/>
-              </a:rPr>
-              <a:t>Network Calculus: A Theory of Deterministic Queuing Systems for the Internet</a:t>
-            </a:r>
-            <a:r>
-              <a:rPr lang="en-US" sz="1800" b="0" i="0" u="none" strike="noStrike" baseline="0" dirty="0" smtClean="0">
-                <a:latin typeface="NimbusRomNo9L-Regu"/>
-              </a:rPr>
-              <a:t>. Springer-</a:t>
-            </a:r>
-            <a:r>
-              <a:rPr lang="en-US" sz="1800" b="0" i="0" u="none" strike="noStrike" baseline="0" dirty="0" err="1" smtClean="0">
-                <a:latin typeface="NimbusRomNo9L-Regu"/>
-              </a:rPr>
-              <a:t>Verlag</a:t>
-            </a:r>
-            <a:r>
-              <a:rPr lang="en-US" sz="1800" b="0" i="0" u="none" strike="noStrike" baseline="0" dirty="0" smtClean="0">
-                <a:latin typeface="NimbusRomNo9L-Regu"/>
-              </a:rPr>
-              <a:t>, Berlin, Heidelberg, 2001.</a:t>
-            </a:r>
-          </a:p>
-          <a:p>
-            <a:r>
-              <a:rPr lang="en-US" sz="1800" b="0" i="0" u="none" strike="noStrike" baseline="0" dirty="0" smtClean="0">
-                <a:latin typeface="NimbusRomNo9L-Regu"/>
-              </a:rPr>
-              <a:t>D. G. Kendall. Stochastic Processes Occurring in the Theory of Queues and their Analysis by the Method of the Imbedded Markov Chain. </a:t>
-            </a:r>
-            <a:r>
-              <a:rPr lang="en-US" sz="1800" b="0" i="0" u="none" strike="noStrike" baseline="0" dirty="0" smtClean="0">
-                <a:latin typeface="NimbusRomNo9L-ReguItal"/>
-              </a:rPr>
-              <a:t>The Annals of Mathematical Statistics</a:t>
-            </a:r>
-            <a:r>
-              <a:rPr lang="en-US" sz="1800" b="0" i="0" u="none" strike="noStrike" baseline="0" dirty="0" smtClean="0">
-                <a:latin typeface="NimbusRomNo9L-Regu"/>
-              </a:rPr>
-              <a:t>, 24(3):338–354, 1953.</a:t>
-            </a:r>
-          </a:p>
-          <a:p>
-            <a:r>
-              <a:rPr lang="en-US" sz="1800" b="0" i="0" u="none" strike="noStrike" baseline="0" dirty="0" smtClean="0">
-                <a:latin typeface="NimbusRomNo9L-Regu"/>
-              </a:rPr>
-              <a:t>Gilberto Flores Lucio, Marcos Paredes-</a:t>
-            </a:r>
-            <a:r>
-              <a:rPr lang="en-US" sz="1800" b="0" i="0" u="none" strike="noStrike" baseline="0" dirty="0" err="1" smtClean="0">
-                <a:latin typeface="NimbusRomNo9L-Regu"/>
-              </a:rPr>
-              <a:t>farrera</a:t>
-            </a:r>
-            <a:r>
-              <a:rPr lang="en-US" sz="1800" b="0" i="0" u="none" strike="noStrike" baseline="0" dirty="0" smtClean="0">
-                <a:latin typeface="NimbusRomNo9L-Regu"/>
-              </a:rPr>
-              <a:t>, Emmanuel </a:t>
-            </a:r>
-            <a:r>
-              <a:rPr lang="en-US" sz="1800" b="0" i="0" u="none" strike="noStrike" baseline="0" dirty="0" err="1" smtClean="0">
-                <a:latin typeface="NimbusRomNo9L-Regu"/>
-              </a:rPr>
-              <a:t>Jammeh</a:t>
-            </a:r>
-            <a:r>
-              <a:rPr lang="en-US" sz="1800" b="0" i="0" u="none" strike="noStrike" baseline="0" dirty="0" smtClean="0">
-                <a:latin typeface="NimbusRomNo9L-Regu"/>
-              </a:rPr>
-              <a:t>, Martin </a:t>
-            </a:r>
-            <a:r>
-              <a:rPr lang="en-US" sz="1800" b="0" i="0" u="none" strike="noStrike" baseline="0" dirty="0" err="1" smtClean="0">
-                <a:latin typeface="NimbusRomNo9L-Regu"/>
-              </a:rPr>
-              <a:t>Fleury</a:t>
-            </a:r>
-            <a:r>
-              <a:rPr lang="en-US" sz="1800" b="0" i="0" u="none" strike="noStrike" baseline="0" dirty="0" smtClean="0">
-                <a:latin typeface="NimbusRomNo9L-Regu"/>
-              </a:rPr>
-              <a:t>, and M. J. Reed. OPNET Modeler and Ns-2: Comparing the Accuracy of Network Simulators for Packet-Level Analysis using a Network </a:t>
-            </a:r>
-            <a:r>
-              <a:rPr lang="en-US" sz="1800" b="0" i="0" u="none" strike="noStrike" baseline="0" dirty="0" err="1" smtClean="0">
-                <a:latin typeface="NimbusRomNo9L-Regu"/>
-              </a:rPr>
-              <a:t>Testbed</a:t>
-            </a:r>
-            <a:r>
-              <a:rPr lang="en-US" sz="1800" b="0" i="0" u="none" strike="noStrike" baseline="0" dirty="0" smtClean="0">
-                <a:latin typeface="NimbusRomNo9L-Regu"/>
-              </a:rPr>
-              <a:t>. </a:t>
-            </a:r>
-            <a:r>
-              <a:rPr lang="en-US" sz="1800" b="0" i="0" u="none" strike="noStrike" baseline="0" dirty="0" smtClean="0">
-                <a:latin typeface="NimbusRomNo9L-ReguItal"/>
-              </a:rPr>
-              <a:t>3rd WEAS International Conference on Simulation, Modelling and Optimization (ICOSMO)</a:t>
-            </a:r>
-            <a:r>
-              <a:rPr lang="en-US" sz="1800" b="0" i="0" u="none" strike="noStrike" baseline="0" dirty="0" smtClean="0">
-                <a:latin typeface="NimbusRomNo9L-Regu"/>
-              </a:rPr>
-              <a:t>, pages 700–707, 2003.</a:t>
-            </a:r>
-          </a:p>
-          <a:p>
-            <a:r>
-              <a:rPr lang="en-US" sz="1800" b="0" i="0" u="none" strike="noStrike" baseline="0" dirty="0" smtClean="0">
-                <a:latin typeface="NimbusRomNo9L-Regu"/>
-              </a:rPr>
-              <a:t>G. </a:t>
-            </a:r>
-            <a:r>
-              <a:rPr lang="en-US" sz="1800" b="0" i="0" u="none" strike="noStrike" baseline="0" dirty="0" err="1" smtClean="0">
-                <a:latin typeface="NimbusRomNo9L-Regu"/>
-              </a:rPr>
-              <a:t>Giambene</a:t>
-            </a:r>
-            <a:r>
-              <a:rPr lang="en-US" sz="1800" b="0" i="0" u="none" strike="noStrike" baseline="0" dirty="0" smtClean="0">
-                <a:latin typeface="NimbusRomNo9L-Regu"/>
-              </a:rPr>
-              <a:t>. </a:t>
-            </a:r>
-            <a:r>
-              <a:rPr lang="en-US" sz="1800" b="0" i="0" u="none" strike="noStrike" baseline="0" dirty="0" smtClean="0">
-                <a:latin typeface="NimbusRomNo9L-ReguItal"/>
-              </a:rPr>
-              <a:t>Queuing Theory and Telecommunications Networks and Applications</a:t>
-            </a:r>
-            <a:r>
-              <a:rPr lang="en-US" sz="1800" b="0" i="0" u="none" strike="noStrike" baseline="0" dirty="0" smtClean="0">
-                <a:latin typeface="NimbusRomNo9L-Regu"/>
-              </a:rPr>
-              <a:t>. 2005.</a:t>
-            </a:r>
-          </a:p>
-          <a:p>
-            <a:r>
-              <a:rPr lang="en-US" sz="1800" b="0" i="0" u="none" strike="noStrike" baseline="0" dirty="0" smtClean="0">
-                <a:latin typeface="NimbusRomNo9L-Regu"/>
-              </a:rPr>
-              <a:t>R. L. Cruz. A calculus for network delay–I: Network elements in isolation. </a:t>
-            </a:r>
-            <a:r>
-              <a:rPr lang="en-US" sz="1800" b="0" i="0" u="none" strike="noStrike" baseline="0" dirty="0" smtClean="0">
-                <a:latin typeface="NimbusRomNo9L-ReguItal"/>
-              </a:rPr>
-              <a:t>IEEE Transactions on Information Theory</a:t>
-            </a:r>
-            <a:r>
-              <a:rPr lang="en-US" sz="1800" b="0" i="0" u="none" strike="noStrike" baseline="0" dirty="0" smtClean="0">
-                <a:latin typeface="NimbusRomNo9L-Regu"/>
-              </a:rPr>
-              <a:t>, 37(1):114–131, 1991.</a:t>
-            </a:r>
-          </a:p>
-          <a:p>
-            <a:r>
-              <a:rPr lang="en-US" sz="1800" b="0" i="0" u="none" strike="noStrike" baseline="0" dirty="0" smtClean="0">
-                <a:latin typeface="NimbusRomNo9L-Regu"/>
-              </a:rPr>
-              <a:t>O. S. Consortium et al. </a:t>
-            </a:r>
-            <a:r>
-              <a:rPr lang="en-US" sz="1800" b="0" i="0" u="none" strike="noStrike" baseline="0" dirty="0" err="1" smtClean="0">
-                <a:latin typeface="NimbusRomNo9L-Regu"/>
-              </a:rPr>
-              <a:t>Openflow</a:t>
-            </a:r>
-            <a:r>
-              <a:rPr lang="en-US" sz="1800" b="0" i="0" u="none" strike="noStrike" baseline="0" dirty="0" smtClean="0">
-                <a:latin typeface="NimbusRomNo9L-Regu"/>
-              </a:rPr>
-              <a:t> switch specification version 1.0. 0, 2009.</a:t>
-            </a:r>
-          </a:p>
-          <a:p>
-            <a:r>
-              <a:rPr lang="en-US" sz="1800" b="0" i="0" u="none" strike="noStrike" baseline="0" dirty="0" smtClean="0">
-                <a:latin typeface="NimbusRomNo9L-Regu"/>
-              </a:rPr>
-              <a:t>M. Carbone and L. Rizzo. </a:t>
-            </a:r>
-            <a:r>
-              <a:rPr lang="en-US" sz="1800" b="0" i="0" u="none" strike="noStrike" baseline="0" dirty="0" err="1" smtClean="0">
-                <a:latin typeface="NimbusRomNo9L-Regu"/>
-              </a:rPr>
-              <a:t>Dummynet</a:t>
-            </a:r>
-            <a:r>
-              <a:rPr lang="en-US" sz="1800" b="0" i="0" u="none" strike="noStrike" baseline="0" dirty="0" smtClean="0">
-                <a:latin typeface="NimbusRomNo9L-Regu"/>
-              </a:rPr>
-              <a:t> revisited, 2010</a:t>
-            </a:r>
-            <a:endParaRPr lang="en-US" dirty="0"/>
+              <a:t>, 2015.</a:t>
+            </a:r>
+            <a:endParaRPr lang="en-US" sz="800" dirty="0"/>
           </a:p>
         </p:txBody>
       </p:sp>
@@ -17222,7 +17966,7 @@
     </p:spTree>
     <p:extLst>
       <p:ext uri="{BB962C8B-B14F-4D97-AF65-F5344CB8AC3E}">
-        <p14:creationId xmlns:p14="http://schemas.microsoft.com/office/powerpoint/2010/main" val="3737306379"/>
+        <p14:creationId xmlns:p14="http://schemas.microsoft.com/office/powerpoint/2010/main" val="4079945552"/>
       </p:ext>
     </p:extLst>
   </p:cSld>
@@ -17273,7 +18017,7 @@
           <a:p>
             <a:r>
               <a:rPr lang="en-US" dirty="0" smtClean="0"/>
-              <a:t>Questions?</a:t>
+              <a:t>References</a:t>
             </a:r>
             <a:endParaRPr lang="en-US" dirty="0"/>
           </a:p>
@@ -17286,7 +18030,432 @@
             <a:spLocks noGrp="1"/>
           </p:cNvSpPr>
           <p:nvPr>
-            <p:ph type="body" idx="1"/>
+            <p:ph idx="1"/>
+          </p:nvPr>
+        </p:nvSpPr>
+        <p:spPr/>
+        <p:txBody>
+          <a:bodyPr>
+            <a:normAutofit fontScale="40000" lnSpcReduction="20000"/>
+          </a:bodyPr>
+          <a:lstStyle/>
+          <a:p>
+            <a:r>
+              <a:rPr lang="en-US" sz="1800" b="0" i="0" u="none" strike="noStrike" baseline="0" dirty="0" smtClean="0">
+                <a:latin typeface="NimbusRomNo9L-Regu"/>
+              </a:rPr>
+              <a:t>L. Thiele, S. Chakraborty, and M. </a:t>
+            </a:r>
+            <a:r>
+              <a:rPr lang="en-US" sz="1800" b="0" i="0" u="none" strike="noStrike" baseline="0" dirty="0" err="1" smtClean="0">
+                <a:latin typeface="NimbusRomNo9L-Regu"/>
+              </a:rPr>
+              <a:t>Naedele</a:t>
+            </a:r>
+            <a:r>
+              <a:rPr lang="en-US" sz="1800" b="0" i="0" u="none" strike="noStrike" baseline="0" dirty="0" smtClean="0">
+                <a:latin typeface="NimbusRomNo9L-Regu"/>
+              </a:rPr>
+              <a:t>. Real-time calculus for scheduling hard real-time systems. In </a:t>
+            </a:r>
+            <a:r>
+              <a:rPr lang="en-US" sz="1800" b="0" i="0" u="none" strike="noStrike" baseline="0" dirty="0" smtClean="0">
+                <a:latin typeface="NimbusRomNo9L-ReguItal"/>
+              </a:rPr>
+              <a:t>in ISCAS</a:t>
+            </a:r>
+            <a:r>
+              <a:rPr lang="en-US" sz="1800" b="0" i="0" u="none" strike="noStrike" baseline="0" dirty="0" smtClean="0">
+                <a:latin typeface="NimbusRomNo9L-Regu"/>
+              </a:rPr>
+              <a:t>, pages 101–104, 2000.</a:t>
+            </a:r>
+          </a:p>
+          <a:p>
+            <a:r>
+              <a:rPr lang="en-US" sz="1800" b="0" i="0" u="none" strike="noStrike" baseline="0" dirty="0" smtClean="0">
+                <a:latin typeface="NimbusRomNo9L-Regu"/>
+              </a:rPr>
+              <a:t>A. </a:t>
+            </a:r>
+            <a:r>
+              <a:rPr lang="en-US" sz="1800" b="0" i="0" u="none" strike="noStrike" baseline="0" dirty="0" err="1" smtClean="0">
+                <a:latin typeface="NimbusRomNo9L-Regu"/>
+              </a:rPr>
+              <a:t>Varga</a:t>
+            </a:r>
+            <a:r>
+              <a:rPr lang="en-US" sz="1800" b="0" i="0" u="none" strike="noStrike" baseline="0" dirty="0" smtClean="0">
+                <a:latin typeface="NimbusRomNo9L-Regu"/>
+              </a:rPr>
+              <a:t> and R. </a:t>
+            </a:r>
+            <a:r>
+              <a:rPr lang="en-US" sz="1800" b="0" i="0" u="none" strike="noStrike" baseline="0" dirty="0" err="1" smtClean="0">
+                <a:latin typeface="NimbusRomNo9L-Regu"/>
+              </a:rPr>
+              <a:t>Hornig</a:t>
+            </a:r>
+            <a:r>
+              <a:rPr lang="en-US" sz="1800" b="0" i="0" u="none" strike="noStrike" baseline="0" dirty="0" smtClean="0">
+                <a:latin typeface="NimbusRomNo9L-Regu"/>
+              </a:rPr>
+              <a:t>. An overview of the </a:t>
+            </a:r>
+            <a:r>
+              <a:rPr lang="en-US" sz="1800" b="0" i="0" u="none" strike="noStrike" baseline="0" dirty="0" err="1" smtClean="0">
+                <a:latin typeface="NimbusRomNo9L-Regu"/>
+              </a:rPr>
+              <a:t>omnet</a:t>
+            </a:r>
+            <a:r>
+              <a:rPr lang="en-US" sz="1800" b="0" i="0" u="none" strike="noStrike" baseline="0" dirty="0" smtClean="0">
+                <a:latin typeface="NimbusRomNo9L-Regu"/>
+              </a:rPr>
+              <a:t>++ simulation environment. In </a:t>
+            </a:r>
+            <a:r>
+              <a:rPr lang="en-US" sz="1800" b="0" i="0" u="none" strike="noStrike" baseline="0" dirty="0" err="1" smtClean="0">
+                <a:latin typeface="NimbusRomNo9L-ReguItal"/>
+              </a:rPr>
+              <a:t>Simutools</a:t>
+            </a:r>
+            <a:r>
+              <a:rPr lang="en-US" sz="1800" b="0" i="0" u="none" strike="noStrike" baseline="0" dirty="0" smtClean="0">
+                <a:latin typeface="NimbusRomNo9L-ReguItal"/>
+              </a:rPr>
+              <a:t> ’08: Proceedings of the 1st international conference on Simulation tools and techniques for communications, networks and systems &amp; workshops</a:t>
+            </a:r>
+            <a:r>
+              <a:rPr lang="en-US" sz="1800" b="0" i="0" u="none" strike="noStrike" baseline="0" dirty="0" smtClean="0">
+                <a:latin typeface="NimbusRomNo9L-Regu"/>
+              </a:rPr>
+              <a:t>, pages 1–10, ICST, Brussels, Belgium, Belgium, 2008. ICST (Institute for Computer </a:t>
+            </a:r>
+            <a:r>
+              <a:rPr lang="en-US" sz="1800" b="0" i="0" u="none" strike="noStrike" baseline="0" dirty="0" err="1" smtClean="0">
+                <a:latin typeface="NimbusRomNo9L-Regu"/>
+              </a:rPr>
+              <a:t>Sciences,Social</a:t>
+            </a:r>
+            <a:r>
+              <a:rPr lang="en-US" sz="1800" b="0" i="0" u="none" strike="noStrike" baseline="0" dirty="0" smtClean="0">
+                <a:latin typeface="NimbusRomNo9L-Regu"/>
+              </a:rPr>
+              <a:t>-Informatics and Telecommunications Engineering).</a:t>
+            </a:r>
+          </a:p>
+          <a:p>
+            <a:r>
+              <a:rPr lang="en-US" sz="1800" b="0" i="0" u="none" strike="noStrike" baseline="0" dirty="0" smtClean="0">
+                <a:latin typeface="NimbusRomNo9L-Regu"/>
+              </a:rPr>
+              <a:t>L. Rizzo. </a:t>
+            </a:r>
+            <a:r>
+              <a:rPr lang="en-US" sz="1800" b="0" i="0" u="none" strike="noStrike" baseline="0" dirty="0" err="1" smtClean="0">
+                <a:latin typeface="NimbusRomNo9L-Regu"/>
+              </a:rPr>
+              <a:t>Dummynet</a:t>
+            </a:r>
+            <a:r>
+              <a:rPr lang="en-US" sz="1800" b="0" i="0" u="none" strike="noStrike" baseline="0" dirty="0" smtClean="0">
+                <a:latin typeface="NimbusRomNo9L-Regu"/>
+              </a:rPr>
+              <a:t> : a simple approach to the evaluation of network protocols. </a:t>
+            </a:r>
+            <a:r>
+              <a:rPr lang="en-US" sz="1800" b="0" i="0" u="none" strike="noStrike" baseline="0" dirty="0" smtClean="0">
+                <a:latin typeface="NimbusRomNo9L-ReguItal"/>
+              </a:rPr>
+              <a:t>ACM SIGCOMM Computer Communication Review</a:t>
+            </a:r>
+            <a:r>
+              <a:rPr lang="en-US" sz="1800" b="0" i="0" u="none" strike="noStrike" baseline="0" dirty="0" smtClean="0">
+                <a:latin typeface="NimbusRomNo9L-Regu"/>
+              </a:rPr>
+              <a:t>, 27(1):31–41, 1997.</a:t>
+            </a:r>
+          </a:p>
+          <a:p>
+            <a:r>
+              <a:rPr lang="en-US" sz="1800" b="0" i="0" u="none" strike="noStrike" baseline="0" dirty="0" smtClean="0">
+                <a:latin typeface="NimbusRomNo9L-Regu"/>
+              </a:rPr>
+              <a:t>D. </a:t>
+            </a:r>
+            <a:r>
+              <a:rPr lang="en-US" sz="1800" b="0" i="0" u="none" strike="noStrike" baseline="0" dirty="0" err="1" smtClean="0">
+                <a:latin typeface="NimbusRomNo9L-Regu"/>
+              </a:rPr>
+              <a:t>Mahrenholz</a:t>
+            </a:r>
+            <a:r>
+              <a:rPr lang="en-US" sz="1800" b="0" i="0" u="none" strike="noStrike" baseline="0" dirty="0" smtClean="0">
+                <a:latin typeface="NimbusRomNo9L-Regu"/>
+              </a:rPr>
+              <a:t> and S. Ivanov. Real-time network emulation with ns-2. </a:t>
+            </a:r>
+            <a:r>
+              <a:rPr lang="en-US" sz="1800" b="0" i="0" u="none" strike="noStrike" baseline="0" dirty="0" smtClean="0">
+                <a:latin typeface="NimbusRomNo9L-ReguItal"/>
+              </a:rPr>
+              <a:t>Proceedings- Eighth IEEE International Symposium on Distributed Simulation and Real-Time Applications, DS-RT 2004</a:t>
+            </a:r>
+            <a:r>
+              <a:rPr lang="en-US" sz="1800" b="0" i="0" u="none" strike="noStrike" baseline="0" dirty="0" smtClean="0">
+                <a:latin typeface="NimbusRomNo9L-Regu"/>
+              </a:rPr>
+              <a:t>, pages 29–36, 2004.</a:t>
+            </a:r>
+          </a:p>
+          <a:p>
+            <a:r>
+              <a:rPr lang="en-US" sz="1800" b="0" i="0" u="none" strike="noStrike" baseline="0" dirty="0" smtClean="0">
+                <a:latin typeface="NimbusRomNo9L-Regu"/>
+              </a:rPr>
+              <a:t>J.-Y. Le </a:t>
+            </a:r>
+            <a:r>
+              <a:rPr lang="en-US" sz="1800" b="0" i="0" u="none" strike="noStrike" baseline="0" dirty="0" err="1" smtClean="0">
+                <a:latin typeface="NimbusRomNo9L-Regu"/>
+              </a:rPr>
+              <a:t>Boudec</a:t>
+            </a:r>
+            <a:r>
+              <a:rPr lang="en-US" sz="1800" b="0" i="0" u="none" strike="noStrike" baseline="0" dirty="0" smtClean="0">
+                <a:latin typeface="NimbusRomNo9L-Regu"/>
+              </a:rPr>
+              <a:t> and P. </a:t>
+            </a:r>
+            <a:r>
+              <a:rPr lang="en-US" sz="1800" b="0" i="0" u="none" strike="noStrike" baseline="0" dirty="0" err="1" smtClean="0">
+                <a:latin typeface="NimbusRomNo9L-Regu"/>
+              </a:rPr>
+              <a:t>Thiran</a:t>
+            </a:r>
+            <a:r>
+              <a:rPr lang="en-US" sz="1800" b="0" i="0" u="none" strike="noStrike" baseline="0" dirty="0" smtClean="0">
+                <a:latin typeface="NimbusRomNo9L-Regu"/>
+              </a:rPr>
+              <a:t>. </a:t>
+            </a:r>
+            <a:r>
+              <a:rPr lang="en-US" sz="1800" b="0" i="0" u="none" strike="noStrike" baseline="0" dirty="0" smtClean="0">
+                <a:latin typeface="NimbusRomNo9L-ReguItal"/>
+              </a:rPr>
+              <a:t>Network Calculus: A Theory of Deterministic Queuing Systems for the Internet</a:t>
+            </a:r>
+            <a:r>
+              <a:rPr lang="en-US" sz="1800" b="0" i="0" u="none" strike="noStrike" baseline="0" dirty="0" smtClean="0">
+                <a:latin typeface="NimbusRomNo9L-Regu"/>
+              </a:rPr>
+              <a:t>. Springer-</a:t>
+            </a:r>
+            <a:r>
+              <a:rPr lang="en-US" sz="1800" b="0" i="0" u="none" strike="noStrike" baseline="0" dirty="0" err="1" smtClean="0">
+                <a:latin typeface="NimbusRomNo9L-Regu"/>
+              </a:rPr>
+              <a:t>Verlag</a:t>
+            </a:r>
+            <a:r>
+              <a:rPr lang="en-US" sz="1800" b="0" i="0" u="none" strike="noStrike" baseline="0" dirty="0" smtClean="0">
+                <a:latin typeface="NimbusRomNo9L-Regu"/>
+              </a:rPr>
+              <a:t>, Berlin, Heidelberg, 2001.</a:t>
+            </a:r>
+          </a:p>
+          <a:p>
+            <a:r>
+              <a:rPr lang="en-US" sz="1800" b="0" i="0" u="none" strike="noStrike" baseline="0" dirty="0" smtClean="0">
+                <a:latin typeface="NimbusRomNo9L-Regu"/>
+              </a:rPr>
+              <a:t>D. G. Kendall. Stochastic Processes Occurring in the Theory of Queues and their Analysis by the Method of the Imbedded Markov Chain. </a:t>
+            </a:r>
+            <a:r>
+              <a:rPr lang="en-US" sz="1800" b="0" i="0" u="none" strike="noStrike" baseline="0" dirty="0" smtClean="0">
+                <a:latin typeface="NimbusRomNo9L-ReguItal"/>
+              </a:rPr>
+              <a:t>The Annals of Mathematical Statistics</a:t>
+            </a:r>
+            <a:r>
+              <a:rPr lang="en-US" sz="1800" b="0" i="0" u="none" strike="noStrike" baseline="0" dirty="0" smtClean="0">
+                <a:latin typeface="NimbusRomNo9L-Regu"/>
+              </a:rPr>
+              <a:t>, 24(3):338–354, 1953.</a:t>
+            </a:r>
+          </a:p>
+          <a:p>
+            <a:r>
+              <a:rPr lang="en-US" sz="1800" b="0" i="0" u="none" strike="noStrike" baseline="0" dirty="0" smtClean="0">
+                <a:latin typeface="NimbusRomNo9L-Regu"/>
+              </a:rPr>
+              <a:t>Gilberto Flores Lucio, Marcos Paredes-</a:t>
+            </a:r>
+            <a:r>
+              <a:rPr lang="en-US" sz="1800" b="0" i="0" u="none" strike="noStrike" baseline="0" dirty="0" err="1" smtClean="0">
+                <a:latin typeface="NimbusRomNo9L-Regu"/>
+              </a:rPr>
+              <a:t>farrera</a:t>
+            </a:r>
+            <a:r>
+              <a:rPr lang="en-US" sz="1800" b="0" i="0" u="none" strike="noStrike" baseline="0" dirty="0" smtClean="0">
+                <a:latin typeface="NimbusRomNo9L-Regu"/>
+              </a:rPr>
+              <a:t>, Emmanuel </a:t>
+            </a:r>
+            <a:r>
+              <a:rPr lang="en-US" sz="1800" b="0" i="0" u="none" strike="noStrike" baseline="0" dirty="0" err="1" smtClean="0">
+                <a:latin typeface="NimbusRomNo9L-Regu"/>
+              </a:rPr>
+              <a:t>Jammeh</a:t>
+            </a:r>
+            <a:r>
+              <a:rPr lang="en-US" sz="1800" b="0" i="0" u="none" strike="noStrike" baseline="0" dirty="0" smtClean="0">
+                <a:latin typeface="NimbusRomNo9L-Regu"/>
+              </a:rPr>
+              <a:t>, Martin </a:t>
+            </a:r>
+            <a:r>
+              <a:rPr lang="en-US" sz="1800" b="0" i="0" u="none" strike="noStrike" baseline="0" dirty="0" err="1" smtClean="0">
+                <a:latin typeface="NimbusRomNo9L-Regu"/>
+              </a:rPr>
+              <a:t>Fleury</a:t>
+            </a:r>
+            <a:r>
+              <a:rPr lang="en-US" sz="1800" b="0" i="0" u="none" strike="noStrike" baseline="0" dirty="0" smtClean="0">
+                <a:latin typeface="NimbusRomNo9L-Regu"/>
+              </a:rPr>
+              <a:t>, and M. J. Reed. OPNET Modeler and Ns-2: Comparing the Accuracy of Network Simulators for Packet-Level Analysis using a Network </a:t>
+            </a:r>
+            <a:r>
+              <a:rPr lang="en-US" sz="1800" b="0" i="0" u="none" strike="noStrike" baseline="0" dirty="0" err="1" smtClean="0">
+                <a:latin typeface="NimbusRomNo9L-Regu"/>
+              </a:rPr>
+              <a:t>Testbed</a:t>
+            </a:r>
+            <a:r>
+              <a:rPr lang="en-US" sz="1800" b="0" i="0" u="none" strike="noStrike" baseline="0" dirty="0" smtClean="0">
+                <a:latin typeface="NimbusRomNo9L-Regu"/>
+              </a:rPr>
+              <a:t>. </a:t>
+            </a:r>
+            <a:r>
+              <a:rPr lang="en-US" sz="1800" b="0" i="0" u="none" strike="noStrike" baseline="0" dirty="0" smtClean="0">
+                <a:latin typeface="NimbusRomNo9L-ReguItal"/>
+              </a:rPr>
+              <a:t>3rd WEAS International Conference on Simulation, Modelling and Optimization (ICOSMO)</a:t>
+            </a:r>
+            <a:r>
+              <a:rPr lang="en-US" sz="1800" b="0" i="0" u="none" strike="noStrike" baseline="0" dirty="0" smtClean="0">
+                <a:latin typeface="NimbusRomNo9L-Regu"/>
+              </a:rPr>
+              <a:t>, pages 700–707, 2003.</a:t>
+            </a:r>
+          </a:p>
+          <a:p>
+            <a:r>
+              <a:rPr lang="en-US" sz="1800" b="0" i="0" u="none" strike="noStrike" baseline="0" dirty="0" smtClean="0">
+                <a:latin typeface="NimbusRomNo9L-Regu"/>
+              </a:rPr>
+              <a:t>G. </a:t>
+            </a:r>
+            <a:r>
+              <a:rPr lang="en-US" sz="1800" b="0" i="0" u="none" strike="noStrike" baseline="0" dirty="0" err="1" smtClean="0">
+                <a:latin typeface="NimbusRomNo9L-Regu"/>
+              </a:rPr>
+              <a:t>Giambene</a:t>
+            </a:r>
+            <a:r>
+              <a:rPr lang="en-US" sz="1800" b="0" i="0" u="none" strike="noStrike" baseline="0" dirty="0" smtClean="0">
+                <a:latin typeface="NimbusRomNo9L-Regu"/>
+              </a:rPr>
+              <a:t>. </a:t>
+            </a:r>
+            <a:r>
+              <a:rPr lang="en-US" sz="1800" b="0" i="0" u="none" strike="noStrike" baseline="0" dirty="0" smtClean="0">
+                <a:latin typeface="NimbusRomNo9L-ReguItal"/>
+              </a:rPr>
+              <a:t>Queuing Theory and Telecommunications Networks and Applications</a:t>
+            </a:r>
+            <a:r>
+              <a:rPr lang="en-US" sz="1800" b="0" i="0" u="none" strike="noStrike" baseline="0" dirty="0" smtClean="0">
+                <a:latin typeface="NimbusRomNo9L-Regu"/>
+              </a:rPr>
+              <a:t>. 2005.</a:t>
+            </a:r>
+          </a:p>
+          <a:p>
+            <a:r>
+              <a:rPr lang="en-US" sz="1800" b="0" i="0" u="none" strike="noStrike" baseline="0" dirty="0" smtClean="0">
+                <a:latin typeface="NimbusRomNo9L-Regu"/>
+              </a:rPr>
+              <a:t>R. L. Cruz. A calculus for network delay–I: Network elements in isolation. </a:t>
+            </a:r>
+            <a:r>
+              <a:rPr lang="en-US" sz="1800" b="0" i="0" u="none" strike="noStrike" baseline="0" dirty="0" smtClean="0">
+                <a:latin typeface="NimbusRomNo9L-ReguItal"/>
+              </a:rPr>
+              <a:t>IEEE Transactions on Information Theory</a:t>
+            </a:r>
+            <a:r>
+              <a:rPr lang="en-US" sz="1800" b="0" i="0" u="none" strike="noStrike" baseline="0" dirty="0" smtClean="0">
+                <a:latin typeface="NimbusRomNo9L-Regu"/>
+              </a:rPr>
+              <a:t>, 37(1):114–131, 1991.</a:t>
+            </a:r>
+          </a:p>
+          <a:p>
+            <a:r>
+              <a:rPr lang="en-US" sz="1800" b="0" i="0" u="none" strike="noStrike" baseline="0" dirty="0" smtClean="0">
+                <a:latin typeface="NimbusRomNo9L-Regu"/>
+              </a:rPr>
+              <a:t>O. S. Consortium et al. </a:t>
+            </a:r>
+            <a:r>
+              <a:rPr lang="en-US" sz="1800" b="0" i="0" u="none" strike="noStrike" baseline="0" dirty="0" err="1" smtClean="0">
+                <a:latin typeface="NimbusRomNo9L-Regu"/>
+              </a:rPr>
+              <a:t>Openflow</a:t>
+            </a:r>
+            <a:r>
+              <a:rPr lang="en-US" sz="1800" b="0" i="0" u="none" strike="noStrike" baseline="0" dirty="0" smtClean="0">
+                <a:latin typeface="NimbusRomNo9L-Regu"/>
+              </a:rPr>
+              <a:t> switch specification version 1.0. 0, 2009.</a:t>
+            </a:r>
+          </a:p>
+          <a:p>
+            <a:r>
+              <a:rPr lang="en-US" sz="1800" b="0" i="0" u="none" strike="noStrike" baseline="0" dirty="0" smtClean="0">
+                <a:latin typeface="NimbusRomNo9L-Regu"/>
+              </a:rPr>
+              <a:t>M. Carbone and L. Rizzo. </a:t>
+            </a:r>
+            <a:r>
+              <a:rPr lang="en-US" sz="1800" b="0" i="0" u="none" strike="noStrike" baseline="0" dirty="0" err="1" smtClean="0">
+                <a:latin typeface="NimbusRomNo9L-Regu"/>
+              </a:rPr>
+              <a:t>Dummynet</a:t>
+            </a:r>
+            <a:r>
+              <a:rPr lang="en-US" sz="1800" b="0" i="0" u="none" strike="noStrike" baseline="0" dirty="0" smtClean="0">
+                <a:latin typeface="NimbusRomNo9L-Regu"/>
+              </a:rPr>
+              <a:t> revisited, 2010</a:t>
+            </a:r>
+            <a:endParaRPr lang="en-US" dirty="0"/>
+          </a:p>
+        </p:txBody>
+      </p:sp>
+      <p:sp>
+        <p:nvSpPr>
+          <p:cNvPr id="4" name="Slide Number Placeholder 3"/>
+          <p:cNvSpPr>
+            <a:spLocks noGrp="1"/>
+          </p:cNvSpPr>
+          <p:nvPr>
+            <p:ph type="sldNum" sz="quarter" idx="12"/>
           </p:nvPr>
         </p:nvSpPr>
         <p:spPr/>
@@ -17294,6 +18463,89 @@
           <a:bodyPr/>
           <a:lstStyle/>
           <a:p>
+            <a:fld id="{4FAB73BC-B049-4115-A692-8D63A059BFB8}" type="slidenum">
+              <a:rPr lang="en-US" smtClean="0"/>
+              <a:t>35</a:t>
+            </a:fld>
+            <a:endParaRPr lang="en-US" dirty="0"/>
+          </a:p>
+        </p:txBody>
+      </p:sp>
+    </p:spTree>
+    <p:extLst>
+      <p:ext uri="{BB962C8B-B14F-4D97-AF65-F5344CB8AC3E}">
+        <p14:creationId xmlns:p14="http://schemas.microsoft.com/office/powerpoint/2010/main" val="3737306379"/>
+      </p:ext>
+    </p:extLst>
+  </p:cSld>
+  <p:clrMapOvr>
+    <a:masterClrMapping/>
+  </p:clrMapOvr>
+  <p:timing>
+    <p:tnLst>
+      <p:par>
+        <p:cTn id="1" dur="indefinite" restart="never" nodeType="tmRoot"/>
+      </p:par>
+    </p:tnLst>
+  </p:timing>
+</p:sld>
+</file>
+
+<file path=ppt/slides/slide36.xml><?xml version="1.0" encoding="utf-8"?>
+<p:sld xmlns:a="http://schemas.openxmlformats.org/drawingml/2006/main" xmlns:r="http://schemas.openxmlformats.org/officeDocument/2006/relationships" xmlns:p="http://schemas.openxmlformats.org/presentationml/2006/main">
+  <p:cSld>
+    <p:spTree>
+      <p:nvGrpSpPr>
+        <p:cNvPr id="1" name=""/>
+        <p:cNvGrpSpPr/>
+        <p:nvPr/>
+      </p:nvGrpSpPr>
+      <p:grpSpPr>
+        <a:xfrm>
+          <a:off x="0" y="0"/>
+          <a:ext cx="0" cy="0"/>
+          <a:chOff x="0" y="0"/>
+          <a:chExt cx="0" cy="0"/>
+        </a:xfrm>
+      </p:grpSpPr>
+      <p:sp>
+        <p:nvSpPr>
+          <p:cNvPr id="2" name="Title 1"/>
+          <p:cNvSpPr>
+            <a:spLocks noGrp="1"/>
+          </p:cNvSpPr>
+          <p:nvPr>
+            <p:ph type="title"/>
+          </p:nvPr>
+        </p:nvSpPr>
+        <p:spPr/>
+        <p:txBody>
+          <a:bodyPr/>
+          <a:lstStyle/>
+          <a:p>
+            <a:r>
+              <a:rPr lang="en-US" dirty="0" smtClean="0"/>
+              <a:t>Questions?</a:t>
+            </a:r>
+            <a:endParaRPr lang="en-US" dirty="0"/>
+          </a:p>
+        </p:txBody>
+      </p:sp>
+      <p:sp>
+        <p:nvSpPr>
+          <p:cNvPr id="3" name="Content Placeholder 2"/>
+          <p:cNvSpPr>
+            <a:spLocks noGrp="1"/>
+          </p:cNvSpPr>
+          <p:nvPr>
+            <p:ph type="body" idx="1"/>
+          </p:nvPr>
+        </p:nvSpPr>
+        <p:spPr/>
+        <p:txBody>
+          <a:bodyPr/>
+          <a:lstStyle/>
+          <a:p>
             <a:r>
               <a:rPr lang="en-US" dirty="0" smtClean="0"/>
               <a:t>Thank you for your attention!</a:t>
@@ -17319,7 +18571,7 @@
           <a:p>
             <a:fld id="{4FAB73BC-B049-4115-A692-8D63A059BFB8}" type="slidenum">
               <a:rPr lang="en-US" smtClean="0"/>
-              <a:t>35</a:t>
+              <a:t>36</a:t>
             </a:fld>
             <a:endParaRPr lang="en-US" dirty="0"/>
           </a:p>
